--- a/应用建模.pptx
+++ b/应用建模.pptx
@@ -4,8 +4,12 @@
   <p:sldMasterIdLst>
     <p:sldMasterId id="2147483648" r:id="rId1"/>
   </p:sldMasterIdLst>
+  <p:notesMasterIdLst>
+    <p:notesMasterId r:id="rId4"/>
+  </p:notesMasterIdLst>
   <p:sldIdLst>
     <p:sldId id="257" r:id="rId2"/>
+    <p:sldId id="258" r:id="rId3"/>
   </p:sldIdLst>
   <p:sldSz cx="12192000" cy="6858000"/>
   <p:notesSz cx="6858000" cy="9144000"/>
@@ -104,7 +108,464 @@
       </a:defRPr>
     </a:lvl9pPr>
   </p:defaultTextStyle>
+  <p:extLst>
+    <p:ext uri="{EFAFB233-063F-42B5-8137-9DF3F51BA10A}">
+      <p15:sldGuideLst xmlns:p15="http://schemas.microsoft.com/office/powerpoint/2012/main"/>
+    </p:ext>
+  </p:extLst>
 </p:presentation>
+</file>
+
+<file path=ppt/notesMasters/notesMaster1.xml><?xml version="1.0" encoding="utf-8"?>
+<p:notesMaster xmlns:a="http://schemas.openxmlformats.org/drawingml/2006/main" xmlns:r="http://schemas.openxmlformats.org/officeDocument/2006/relationships" xmlns:p="http://schemas.openxmlformats.org/presentationml/2006/main">
+  <p:cSld>
+    <p:bg>
+      <p:bgRef idx="1001">
+        <a:schemeClr val="bg1"/>
+      </p:bgRef>
+    </p:bg>
+    <p:spTree>
+      <p:nvGrpSpPr>
+        <p:cNvPr id="1" name=""/>
+        <p:cNvGrpSpPr/>
+        <p:nvPr/>
+      </p:nvGrpSpPr>
+      <p:grpSpPr>
+        <a:xfrm>
+          <a:off x="0" y="0"/>
+          <a:ext cx="0" cy="0"/>
+          <a:chOff x="0" y="0"/>
+          <a:chExt cx="0" cy="0"/>
+        </a:xfrm>
+      </p:grpSpPr>
+      <p:sp>
+        <p:nvSpPr>
+          <p:cNvPr id="2" name="页眉占位符 1"/>
+          <p:cNvSpPr>
+            <a:spLocks noGrp="1"/>
+          </p:cNvSpPr>
+          <p:nvPr>
+            <p:ph type="hdr" sz="quarter"/>
+          </p:nvPr>
+        </p:nvSpPr>
+        <p:spPr>
+          <a:xfrm>
+            <a:off x="0" y="0"/>
+            <a:ext cx="2971800" cy="458788"/>
+          </a:xfrm>
+          <a:prstGeom prst="rect">
+            <a:avLst/>
+          </a:prstGeom>
+        </p:spPr>
+        <p:txBody>
+          <a:bodyPr vert="horz" lIns="91440" tIns="45720" rIns="91440" bIns="45720" rtlCol="0"/>
+          <a:lstStyle>
+            <a:lvl1pPr algn="l">
+              <a:defRPr sz="1200"/>
+            </a:lvl1pPr>
+          </a:lstStyle>
+          <a:p>
+            <a:endParaRPr kumimoji="1" lang="zh-CN" altLang="en-US"/>
+          </a:p>
+        </p:txBody>
+      </p:sp>
+      <p:sp>
+        <p:nvSpPr>
+          <p:cNvPr id="3" name="日期占位符 2"/>
+          <p:cNvSpPr>
+            <a:spLocks noGrp="1"/>
+          </p:cNvSpPr>
+          <p:nvPr>
+            <p:ph type="dt" idx="1"/>
+          </p:nvPr>
+        </p:nvSpPr>
+        <p:spPr>
+          <a:xfrm>
+            <a:off x="3884613" y="0"/>
+            <a:ext cx="2971800" cy="458788"/>
+          </a:xfrm>
+          <a:prstGeom prst="rect">
+            <a:avLst/>
+          </a:prstGeom>
+        </p:spPr>
+        <p:txBody>
+          <a:bodyPr vert="horz" lIns="91440" tIns="45720" rIns="91440" bIns="45720" rtlCol="0"/>
+          <a:lstStyle>
+            <a:lvl1pPr algn="r">
+              <a:defRPr sz="1200"/>
+            </a:lvl1pPr>
+          </a:lstStyle>
+          <a:p>
+            <a:fld id="{A37A6D68-F01E-9C46-AB56-B86D10F8D6AE}" type="datetimeFigureOut">
+              <a:rPr kumimoji="1" lang="zh-CN" altLang="en-US" smtClean="0"/>
+              <a:t>17/5/22</a:t>
+            </a:fld>
+            <a:endParaRPr kumimoji="1" lang="zh-CN" altLang="en-US"/>
+          </a:p>
+        </p:txBody>
+      </p:sp>
+      <p:sp>
+        <p:nvSpPr>
+          <p:cNvPr id="4" name="幻灯片图像占位符 3"/>
+          <p:cNvSpPr>
+            <a:spLocks noGrp="1" noRot="1" noChangeAspect="1"/>
+          </p:cNvSpPr>
+          <p:nvPr>
+            <p:ph type="sldImg" idx="2"/>
+          </p:nvPr>
+        </p:nvSpPr>
+        <p:spPr>
+          <a:xfrm>
+            <a:off x="685800" y="1143000"/>
+            <a:ext cx="5486400" cy="3086100"/>
+          </a:xfrm>
+          <a:prstGeom prst="rect">
+            <a:avLst/>
+          </a:prstGeom>
+          <a:noFill/>
+          <a:ln w="12700">
+            <a:solidFill>
+              <a:prstClr val="black"/>
+            </a:solidFill>
+          </a:ln>
+        </p:spPr>
+        <p:txBody>
+          <a:bodyPr vert="horz" lIns="91440" tIns="45720" rIns="91440" bIns="45720" rtlCol="0" anchor="ctr"/>
+          <a:lstStyle/>
+          <a:p>
+            <a:endParaRPr lang="zh-CN" altLang="en-US"/>
+          </a:p>
+        </p:txBody>
+      </p:sp>
+      <p:sp>
+        <p:nvSpPr>
+          <p:cNvPr id="5" name="备注占位符 4"/>
+          <p:cNvSpPr>
+            <a:spLocks noGrp="1"/>
+          </p:cNvSpPr>
+          <p:nvPr>
+            <p:ph type="body" sz="quarter" idx="3"/>
+          </p:nvPr>
+        </p:nvSpPr>
+        <p:spPr>
+          <a:xfrm>
+            <a:off x="685800" y="4400550"/>
+            <a:ext cx="5486400" cy="3600450"/>
+          </a:xfrm>
+          <a:prstGeom prst="rect">
+            <a:avLst/>
+          </a:prstGeom>
+        </p:spPr>
+        <p:txBody>
+          <a:bodyPr vert="horz" lIns="91440" tIns="45720" rIns="91440" bIns="45720" rtlCol="0"/>
+          <a:lstStyle/>
+          <a:p>
+            <a:pPr lvl="0"/>
+            <a:r>
+              <a:rPr kumimoji="1" lang="zh-CN" altLang="en-US" smtClean="0"/>
+              <a:t>单击此处编辑母版文本样式</a:t>
+            </a:r>
+          </a:p>
+          <a:p>
+            <a:pPr lvl="1"/>
+            <a:r>
+              <a:rPr kumimoji="1" lang="zh-CN" altLang="en-US" smtClean="0"/>
+              <a:t>二级</a:t>
+            </a:r>
+          </a:p>
+          <a:p>
+            <a:pPr lvl="2"/>
+            <a:r>
+              <a:rPr kumimoji="1" lang="zh-CN" altLang="en-US" smtClean="0"/>
+              <a:t>三级</a:t>
+            </a:r>
+          </a:p>
+          <a:p>
+            <a:pPr lvl="3"/>
+            <a:r>
+              <a:rPr kumimoji="1" lang="zh-CN" altLang="en-US" smtClean="0"/>
+              <a:t>四级</a:t>
+            </a:r>
+          </a:p>
+          <a:p>
+            <a:pPr lvl="4"/>
+            <a:r>
+              <a:rPr kumimoji="1" lang="zh-CN" altLang="en-US" smtClean="0"/>
+              <a:t>五级</a:t>
+            </a:r>
+            <a:endParaRPr kumimoji="1" lang="zh-CN" altLang="en-US"/>
+          </a:p>
+        </p:txBody>
+      </p:sp>
+      <p:sp>
+        <p:nvSpPr>
+          <p:cNvPr id="6" name="页脚占位符 5"/>
+          <p:cNvSpPr>
+            <a:spLocks noGrp="1"/>
+          </p:cNvSpPr>
+          <p:nvPr>
+            <p:ph type="ftr" sz="quarter" idx="4"/>
+          </p:nvPr>
+        </p:nvSpPr>
+        <p:spPr>
+          <a:xfrm>
+            <a:off x="0" y="8685213"/>
+            <a:ext cx="2971800" cy="458787"/>
+          </a:xfrm>
+          <a:prstGeom prst="rect">
+            <a:avLst/>
+          </a:prstGeom>
+        </p:spPr>
+        <p:txBody>
+          <a:bodyPr vert="horz" lIns="91440" tIns="45720" rIns="91440" bIns="45720" rtlCol="0" anchor="b"/>
+          <a:lstStyle>
+            <a:lvl1pPr algn="l">
+              <a:defRPr sz="1200"/>
+            </a:lvl1pPr>
+          </a:lstStyle>
+          <a:p>
+            <a:endParaRPr kumimoji="1" lang="zh-CN" altLang="en-US"/>
+          </a:p>
+        </p:txBody>
+      </p:sp>
+      <p:sp>
+        <p:nvSpPr>
+          <p:cNvPr id="7" name="幻灯片编号占位符 6"/>
+          <p:cNvSpPr>
+            <a:spLocks noGrp="1"/>
+          </p:cNvSpPr>
+          <p:nvPr>
+            <p:ph type="sldNum" sz="quarter" idx="5"/>
+          </p:nvPr>
+        </p:nvSpPr>
+        <p:spPr>
+          <a:xfrm>
+            <a:off x="3884613" y="8685213"/>
+            <a:ext cx="2971800" cy="458787"/>
+          </a:xfrm>
+          <a:prstGeom prst="rect">
+            <a:avLst/>
+          </a:prstGeom>
+        </p:spPr>
+        <p:txBody>
+          <a:bodyPr vert="horz" lIns="91440" tIns="45720" rIns="91440" bIns="45720" rtlCol="0" anchor="b"/>
+          <a:lstStyle>
+            <a:lvl1pPr algn="r">
+              <a:defRPr sz="1200"/>
+            </a:lvl1pPr>
+          </a:lstStyle>
+          <a:p>
+            <a:fld id="{77444079-08A3-4E45-BAB1-4FB988DAF55A}" type="slidenum">
+              <a:rPr kumimoji="1" lang="zh-CN" altLang="en-US" smtClean="0"/>
+              <a:t>‹#›</a:t>
+            </a:fld>
+            <a:endParaRPr kumimoji="1" lang="zh-CN" altLang="en-US"/>
+          </a:p>
+        </p:txBody>
+      </p:sp>
+    </p:spTree>
+    <p:extLst>
+      <p:ext uri="{BB962C8B-B14F-4D97-AF65-F5344CB8AC3E}">
+        <p14:creationId xmlns:p14="http://schemas.microsoft.com/office/powerpoint/2010/main" val="1470504865"/>
+      </p:ext>
+    </p:extLst>
+  </p:cSld>
+  <p:clrMap bg1="lt1" tx1="dk1" bg2="lt2" tx2="dk2" accent1="accent1" accent2="accent2" accent3="accent3" accent4="accent4" accent5="accent5" accent6="accent6" hlink="hlink" folHlink="folHlink"/>
+  <p:notesStyle>
+    <a:lvl1pPr marL="0" algn="l" defTabSz="914400" rtl="0" eaLnBrk="1" latinLnBrk="0" hangingPunct="1">
+      <a:defRPr sz="1200" kern="1200">
+        <a:solidFill>
+          <a:schemeClr val="tx1"/>
+        </a:solidFill>
+        <a:latin typeface="+mn-lt"/>
+        <a:ea typeface="+mn-ea"/>
+        <a:cs typeface="+mn-cs"/>
+      </a:defRPr>
+    </a:lvl1pPr>
+    <a:lvl2pPr marL="457200" algn="l" defTabSz="914400" rtl="0" eaLnBrk="1" latinLnBrk="0" hangingPunct="1">
+      <a:defRPr sz="1200" kern="1200">
+        <a:solidFill>
+          <a:schemeClr val="tx1"/>
+        </a:solidFill>
+        <a:latin typeface="+mn-lt"/>
+        <a:ea typeface="+mn-ea"/>
+        <a:cs typeface="+mn-cs"/>
+      </a:defRPr>
+    </a:lvl2pPr>
+    <a:lvl3pPr marL="914400" algn="l" defTabSz="914400" rtl="0" eaLnBrk="1" latinLnBrk="0" hangingPunct="1">
+      <a:defRPr sz="1200" kern="1200">
+        <a:solidFill>
+          <a:schemeClr val="tx1"/>
+        </a:solidFill>
+        <a:latin typeface="+mn-lt"/>
+        <a:ea typeface="+mn-ea"/>
+        <a:cs typeface="+mn-cs"/>
+      </a:defRPr>
+    </a:lvl3pPr>
+    <a:lvl4pPr marL="1371600" algn="l" defTabSz="914400" rtl="0" eaLnBrk="1" latinLnBrk="0" hangingPunct="1">
+      <a:defRPr sz="1200" kern="1200">
+        <a:solidFill>
+          <a:schemeClr val="tx1"/>
+        </a:solidFill>
+        <a:latin typeface="+mn-lt"/>
+        <a:ea typeface="+mn-ea"/>
+        <a:cs typeface="+mn-cs"/>
+      </a:defRPr>
+    </a:lvl4pPr>
+    <a:lvl5pPr marL="1828800" algn="l" defTabSz="914400" rtl="0" eaLnBrk="1" latinLnBrk="0" hangingPunct="1">
+      <a:defRPr sz="1200" kern="1200">
+        <a:solidFill>
+          <a:schemeClr val="tx1"/>
+        </a:solidFill>
+        <a:latin typeface="+mn-lt"/>
+        <a:ea typeface="+mn-ea"/>
+        <a:cs typeface="+mn-cs"/>
+      </a:defRPr>
+    </a:lvl5pPr>
+    <a:lvl6pPr marL="2286000" algn="l" defTabSz="914400" rtl="0" eaLnBrk="1" latinLnBrk="0" hangingPunct="1">
+      <a:defRPr sz="1200" kern="1200">
+        <a:solidFill>
+          <a:schemeClr val="tx1"/>
+        </a:solidFill>
+        <a:latin typeface="+mn-lt"/>
+        <a:ea typeface="+mn-ea"/>
+        <a:cs typeface="+mn-cs"/>
+      </a:defRPr>
+    </a:lvl6pPr>
+    <a:lvl7pPr marL="2743200" algn="l" defTabSz="914400" rtl="0" eaLnBrk="1" latinLnBrk="0" hangingPunct="1">
+      <a:defRPr sz="1200" kern="1200">
+        <a:solidFill>
+          <a:schemeClr val="tx1"/>
+        </a:solidFill>
+        <a:latin typeface="+mn-lt"/>
+        <a:ea typeface="+mn-ea"/>
+        <a:cs typeface="+mn-cs"/>
+      </a:defRPr>
+    </a:lvl7pPr>
+    <a:lvl8pPr marL="3200400" algn="l" defTabSz="914400" rtl="0" eaLnBrk="1" latinLnBrk="0" hangingPunct="1">
+      <a:defRPr sz="1200" kern="1200">
+        <a:solidFill>
+          <a:schemeClr val="tx1"/>
+        </a:solidFill>
+        <a:latin typeface="+mn-lt"/>
+        <a:ea typeface="+mn-ea"/>
+        <a:cs typeface="+mn-cs"/>
+      </a:defRPr>
+    </a:lvl8pPr>
+    <a:lvl9pPr marL="3657600" algn="l" defTabSz="914400" rtl="0" eaLnBrk="1" latinLnBrk="0" hangingPunct="1">
+      <a:defRPr sz="1200" kern="1200">
+        <a:solidFill>
+          <a:schemeClr val="tx1"/>
+        </a:solidFill>
+        <a:latin typeface="+mn-lt"/>
+        <a:ea typeface="+mn-ea"/>
+        <a:cs typeface="+mn-cs"/>
+      </a:defRPr>
+    </a:lvl9pPr>
+  </p:notesStyle>
+</p:notesMaster>
+</file>
+
+<file path=ppt/notesSlides/notesSlide1.xml><?xml version="1.0" encoding="utf-8"?>
+<p:notes xmlns:a="http://schemas.openxmlformats.org/drawingml/2006/main" xmlns:r="http://schemas.openxmlformats.org/officeDocument/2006/relationships" xmlns:p="http://schemas.openxmlformats.org/presentationml/2006/main">
+  <p:cSld>
+    <p:spTree>
+      <p:nvGrpSpPr>
+        <p:cNvPr id="1" name=""/>
+        <p:cNvGrpSpPr/>
+        <p:nvPr/>
+      </p:nvGrpSpPr>
+      <p:grpSpPr>
+        <a:xfrm>
+          <a:off x="0" y="0"/>
+          <a:ext cx="0" cy="0"/>
+          <a:chOff x="0" y="0"/>
+          <a:chExt cx="0" cy="0"/>
+        </a:xfrm>
+      </p:grpSpPr>
+      <p:sp>
+        <p:nvSpPr>
+          <p:cNvPr id="2" name="幻灯片图像占位符 1"/>
+          <p:cNvSpPr>
+            <a:spLocks noGrp="1" noRot="1" noChangeAspect="1"/>
+          </p:cNvSpPr>
+          <p:nvPr>
+            <p:ph type="sldImg"/>
+          </p:nvPr>
+        </p:nvSpPr>
+        <p:spPr/>
+      </p:sp>
+      <p:sp>
+        <p:nvSpPr>
+          <p:cNvPr id="3" name="备注占位符 2"/>
+          <p:cNvSpPr>
+            <a:spLocks noGrp="1"/>
+          </p:cNvSpPr>
+          <p:nvPr>
+            <p:ph type="body" idx="1"/>
+          </p:nvPr>
+        </p:nvSpPr>
+        <p:spPr/>
+        <p:txBody>
+          <a:bodyPr/>
+          <a:lstStyle/>
+          <a:p>
+            <a:r>
+              <a:rPr kumimoji="1" lang="zh-CN" altLang="en-US" dirty="0" smtClean="0"/>
+              <a:t>用户：登录、注册、推荐美食、推荐景点为类方法，更改用户信息为对象方法</a:t>
+            </a:r>
+            <a:endParaRPr kumimoji="1" lang="en-US" altLang="zh-CN" dirty="0" smtClean="0"/>
+          </a:p>
+          <a:p>
+            <a:endParaRPr kumimoji="1" lang="en-US" altLang="zh-CN" dirty="0" smtClean="0"/>
+          </a:p>
+          <a:p>
+            <a:r>
+              <a:rPr kumimoji="1" lang="zh-CN" altLang="en-US" dirty="0" smtClean="0"/>
+              <a:t>美食与景点均</a:t>
+            </a:r>
+            <a:r>
+              <a:rPr kumimoji="1" lang="zh-CN" altLang="en-US" smtClean="0"/>
+              <a:t>对应数据库中表的属性。</a:t>
+            </a:r>
+            <a:endParaRPr kumimoji="1" lang="zh-CN" altLang="en-US" dirty="0"/>
+          </a:p>
+        </p:txBody>
+      </p:sp>
+      <p:sp>
+        <p:nvSpPr>
+          <p:cNvPr id="4" name="幻灯片编号占位符 3"/>
+          <p:cNvSpPr>
+            <a:spLocks noGrp="1"/>
+          </p:cNvSpPr>
+          <p:nvPr>
+            <p:ph type="sldNum" sz="quarter" idx="10"/>
+          </p:nvPr>
+        </p:nvSpPr>
+        <p:spPr/>
+        <p:txBody>
+          <a:bodyPr/>
+          <a:lstStyle/>
+          <a:p>
+            <a:fld id="{77444079-08A3-4E45-BAB1-4FB988DAF55A}" type="slidenum">
+              <a:rPr kumimoji="1" lang="zh-CN" altLang="en-US" smtClean="0"/>
+              <a:t>2</a:t>
+            </a:fld>
+            <a:endParaRPr kumimoji="1" lang="zh-CN" altLang="en-US"/>
+          </a:p>
+        </p:txBody>
+      </p:sp>
+    </p:spTree>
+    <p:extLst>
+      <p:ext uri="{BB962C8B-B14F-4D97-AF65-F5344CB8AC3E}">
+        <p14:creationId xmlns:p14="http://schemas.microsoft.com/office/powerpoint/2010/main" val="1533456379"/>
+      </p:ext>
+    </p:extLst>
+  </p:cSld>
+  <p:clrMapOvr>
+    <a:masterClrMapping/>
+  </p:clrMapOvr>
+</p:notes>
 </file>
 
 <file path=ppt/slideLayouts/slideLayout1.xml><?xml version="1.0" encoding="utf-8"?>
@@ -238,7 +699,7 @@
           <a:p>
             <a:fld id="{56E99B56-AAE7-4929-920B-80E2E1C0FFA9}" type="datetimeFigureOut">
               <a:rPr lang="zh-CN" altLang="en-US" smtClean="0"/>
-              <a:t>2017/5/22</a:t>
+              <a:t>17/5/22</a:t>
             </a:fld>
             <a:endParaRPr lang="zh-CN" altLang="en-US"/>
           </a:p>
@@ -408,7 +869,7 @@
           <a:p>
             <a:fld id="{56E99B56-AAE7-4929-920B-80E2E1C0FFA9}" type="datetimeFigureOut">
               <a:rPr lang="zh-CN" altLang="en-US" smtClean="0"/>
-              <a:t>2017/5/22</a:t>
+              <a:t>17/5/22</a:t>
             </a:fld>
             <a:endParaRPr lang="zh-CN" altLang="en-US"/>
           </a:p>
@@ -588,7 +1049,7 @@
           <a:p>
             <a:fld id="{56E99B56-AAE7-4929-920B-80E2E1C0FFA9}" type="datetimeFigureOut">
               <a:rPr lang="zh-CN" altLang="en-US" smtClean="0"/>
-              <a:t>2017/5/22</a:t>
+              <a:t>17/5/22</a:t>
             </a:fld>
             <a:endParaRPr lang="zh-CN" altLang="en-US"/>
           </a:p>
@@ -683,7 +1144,7 @@
           <a:p>
             <a:fld id="{171BBD79-73BD-4FCC-A131-912D061EF751}" type="datetimeFigureOut">
               <a:rPr lang="zh-CN" altLang="en-US" smtClean="0"/>
-              <a:t>2017/5/22</a:t>
+              <a:t>17/5/22</a:t>
             </a:fld>
             <a:endParaRPr lang="zh-CN" altLang="en-US"/>
           </a:p>
@@ -957,7 +1418,7 @@
           <a:p>
             <a:fld id="{56E99B56-AAE7-4929-920B-80E2E1C0FFA9}" type="datetimeFigureOut">
               <a:rPr lang="zh-CN" altLang="en-US" smtClean="0"/>
-              <a:t>2017/5/22</a:t>
+              <a:t>17/5/22</a:t>
             </a:fld>
             <a:endParaRPr lang="zh-CN" altLang="en-US"/>
           </a:p>
@@ -1203,7 +1664,7 @@
           <a:p>
             <a:fld id="{56E99B56-AAE7-4929-920B-80E2E1C0FFA9}" type="datetimeFigureOut">
               <a:rPr lang="zh-CN" altLang="en-US" smtClean="0"/>
-              <a:t>2017/5/22</a:t>
+              <a:t>17/5/22</a:t>
             </a:fld>
             <a:endParaRPr lang="zh-CN" altLang="en-US"/>
           </a:p>
@@ -1435,7 +1896,7 @@
           <a:p>
             <a:fld id="{56E99B56-AAE7-4929-920B-80E2E1C0FFA9}" type="datetimeFigureOut">
               <a:rPr lang="zh-CN" altLang="en-US" smtClean="0"/>
-              <a:t>2017/5/22</a:t>
+              <a:t>17/5/22</a:t>
             </a:fld>
             <a:endParaRPr lang="zh-CN" altLang="en-US"/>
           </a:p>
@@ -1802,7 +2263,7 @@
           <a:p>
             <a:fld id="{56E99B56-AAE7-4929-920B-80E2E1C0FFA9}" type="datetimeFigureOut">
               <a:rPr lang="zh-CN" altLang="en-US" smtClean="0"/>
-              <a:t>2017/5/22</a:t>
+              <a:t>17/5/22</a:t>
             </a:fld>
             <a:endParaRPr lang="zh-CN" altLang="en-US"/>
           </a:p>
@@ -1920,7 +2381,7 @@
           <a:p>
             <a:fld id="{56E99B56-AAE7-4929-920B-80E2E1C0FFA9}" type="datetimeFigureOut">
               <a:rPr lang="zh-CN" altLang="en-US" smtClean="0"/>
-              <a:t>2017/5/22</a:t>
+              <a:t>17/5/22</a:t>
             </a:fld>
             <a:endParaRPr lang="zh-CN" altLang="en-US"/>
           </a:p>
@@ -2015,7 +2476,7 @@
           <a:p>
             <a:fld id="{56E99B56-AAE7-4929-920B-80E2E1C0FFA9}" type="datetimeFigureOut">
               <a:rPr lang="zh-CN" altLang="en-US" smtClean="0"/>
-              <a:t>2017/5/22</a:t>
+              <a:t>17/5/22</a:t>
             </a:fld>
             <a:endParaRPr lang="zh-CN" altLang="en-US"/>
           </a:p>
@@ -2292,7 +2753,7 @@
           <a:p>
             <a:fld id="{56E99B56-AAE7-4929-920B-80E2E1C0FFA9}" type="datetimeFigureOut">
               <a:rPr lang="zh-CN" altLang="en-US" smtClean="0"/>
-              <a:t>2017/5/22</a:t>
+              <a:t>17/5/22</a:t>
             </a:fld>
             <a:endParaRPr lang="zh-CN" altLang="en-US"/>
           </a:p>
@@ -2545,7 +3006,7 @@
           <a:p>
             <a:fld id="{56E99B56-AAE7-4929-920B-80E2E1C0FFA9}" type="datetimeFigureOut">
               <a:rPr lang="zh-CN" altLang="en-US" smtClean="0"/>
-              <a:t>2017/5/22</a:t>
+              <a:t>17/5/22</a:t>
             </a:fld>
             <a:endParaRPr lang="zh-CN" altLang="en-US"/>
           </a:p>
@@ -2758,7 +3219,7 @@
           <a:p>
             <a:fld id="{56E99B56-AAE7-4929-920B-80E2E1C0FFA9}" type="datetimeFigureOut">
               <a:rPr lang="zh-CN" altLang="en-US" smtClean="0"/>
-              <a:t>2017/5/22</a:t>
+              <a:t>17/5/22</a:t>
             </a:fld>
             <a:endParaRPr lang="zh-CN" altLang="en-US"/>
           </a:p>
@@ -3224,7 +3685,7 @@
         </p:blipFill>
         <p:spPr>
           <a:xfrm>
-            <a:off x="2819041" y="1333930"/>
+            <a:off x="2883260" y="1361639"/>
             <a:ext cx="6549246" cy="5239397"/>
           </a:xfrm>
           <a:prstGeom prst="rect">
@@ -3298,6 +3759,590 @@
       </p:par>
     </p:tnLst>
   </p:timing>
+</p:sld>
+</file>
+
+<file path=ppt/slides/slide2.xml><?xml version="1.0" encoding="utf-8"?>
+<p:sld xmlns:a="http://schemas.openxmlformats.org/drawingml/2006/main" xmlns:r="http://schemas.openxmlformats.org/officeDocument/2006/relationships" xmlns:p="http://schemas.openxmlformats.org/presentationml/2006/main">
+  <p:cSld>
+    <p:spTree>
+      <p:nvGrpSpPr>
+        <p:cNvPr id="1" name=""/>
+        <p:cNvGrpSpPr/>
+        <p:nvPr/>
+      </p:nvGrpSpPr>
+      <p:grpSpPr>
+        <a:xfrm>
+          <a:off x="0" y="0"/>
+          <a:ext cx="0" cy="0"/>
+          <a:chOff x="0" y="0"/>
+          <a:chExt cx="0" cy="0"/>
+        </a:xfrm>
+      </p:grpSpPr>
+      <p:pic>
+        <p:nvPicPr>
+          <p:cNvPr id="2" name="图片 1"/>
+          <p:cNvPicPr>
+            <a:picLocks noChangeAspect="1"/>
+          </p:cNvPicPr>
+          <p:nvPr/>
+        </p:nvPicPr>
+        <p:blipFill>
+          <a:blip r:embed="rId3">
+            <a:extLst>
+              <a:ext uri="{28A0092B-C50C-407E-A947-70E740481C1C}">
+                <a14:useLocalDpi xmlns:a14="http://schemas.microsoft.com/office/drawing/2010/main" val="0"/>
+              </a:ext>
+            </a:extLst>
+          </a:blip>
+          <a:stretch>
+            <a:fillRect/>
+          </a:stretch>
+        </p:blipFill>
+        <p:spPr>
+          <a:xfrm>
+            <a:off x="621102" y="934411"/>
+            <a:ext cx="4797607" cy="5375564"/>
+          </a:xfrm>
+          <a:prstGeom prst="rect">
+            <a:avLst/>
+          </a:prstGeom>
+        </p:spPr>
+      </p:pic>
+      <p:sp>
+        <p:nvSpPr>
+          <p:cNvPr id="4" name="文本框 3"/>
+          <p:cNvSpPr txBox="1"/>
+          <p:nvPr/>
+        </p:nvSpPr>
+        <p:spPr>
+          <a:xfrm>
+            <a:off x="621102" y="379562"/>
+            <a:ext cx="646331" cy="369332"/>
+          </a:xfrm>
+          <a:prstGeom prst="rect">
+            <a:avLst/>
+          </a:prstGeom>
+          <a:noFill/>
+        </p:spPr>
+        <p:txBody>
+          <a:bodyPr wrap="none" rtlCol="0">
+            <a:spAutoFit/>
+          </a:bodyPr>
+          <a:lstStyle/>
+          <a:p>
+            <a:r>
+              <a:rPr lang="zh-CN" altLang="en-US" dirty="0" smtClean="0">
+                <a:solidFill>
+                  <a:schemeClr val="bg1"/>
+                </a:solidFill>
+              </a:rPr>
+              <a:t>类图</a:t>
+            </a:r>
+            <a:endParaRPr lang="zh-CN" altLang="en-US" dirty="0">
+              <a:solidFill>
+                <a:schemeClr val="bg1"/>
+              </a:solidFill>
+            </a:endParaRPr>
+          </a:p>
+        </p:txBody>
+      </p:sp>
+      <p:grpSp>
+        <p:nvGrpSpPr>
+          <p:cNvPr id="7" name="组合 16"/>
+          <p:cNvGrpSpPr/>
+          <p:nvPr/>
+        </p:nvGrpSpPr>
+        <p:grpSpPr>
+          <a:xfrm>
+            <a:off x="5836823" y="934411"/>
+            <a:ext cx="6101177" cy="889363"/>
+            <a:chOff x="2484023" y="973302"/>
+            <a:chExt cx="8425282" cy="1036513"/>
+          </a:xfrm>
+        </p:grpSpPr>
+        <p:sp>
+          <p:nvSpPr>
+            <p:cNvPr id="8" name="矩形 7"/>
+            <p:cNvSpPr/>
+            <p:nvPr/>
+          </p:nvSpPr>
+          <p:spPr>
+            <a:xfrm>
+              <a:off x="2987040" y="974610"/>
+              <a:ext cx="7391400" cy="1035205"/>
+            </a:xfrm>
+            <a:prstGeom prst="rect">
+              <a:avLst/>
+            </a:prstGeom>
+            <a:solidFill>
+              <a:schemeClr val="accent3"/>
+            </a:solidFill>
+            <a:ln>
+              <a:noFill/>
+            </a:ln>
+          </p:spPr>
+          <p:style>
+            <a:lnRef idx="2">
+              <a:schemeClr val="accent1">
+                <a:shade val="50000"/>
+              </a:schemeClr>
+            </a:lnRef>
+            <a:fillRef idx="1">
+              <a:schemeClr val="accent1"/>
+            </a:fillRef>
+            <a:effectRef idx="0">
+              <a:schemeClr val="accent1"/>
+            </a:effectRef>
+            <a:fontRef idx="minor">
+              <a:schemeClr val="lt1"/>
+            </a:fontRef>
+          </p:style>
+          <p:txBody>
+            <a:bodyPr rtlCol="0" anchor="ctr"/>
+            <a:lstStyle/>
+            <a:p>
+              <a:pPr algn="ctr"/>
+              <a:r>
+                <a:rPr lang="zh-CN" altLang="en-US" dirty="0" smtClean="0"/>
+                <a:t>用户类：包括用户的基本信息及方法</a:t>
+              </a:r>
+              <a:endParaRPr lang="zh-CN" altLang="en-US" dirty="0"/>
+            </a:p>
+          </p:txBody>
+        </p:sp>
+        <p:sp>
+          <p:nvSpPr>
+            <p:cNvPr id="9" name="椭圆 8"/>
+            <p:cNvSpPr/>
+            <p:nvPr/>
+          </p:nvSpPr>
+          <p:spPr>
+            <a:xfrm>
+              <a:off x="9888032" y="973302"/>
+              <a:ext cx="1021273" cy="1021273"/>
+            </a:xfrm>
+            <a:prstGeom prst="ellipse">
+              <a:avLst/>
+            </a:prstGeom>
+            <a:solidFill>
+              <a:schemeClr val="accent3"/>
+            </a:solidFill>
+            <a:ln>
+              <a:solidFill>
+                <a:schemeClr val="accent3"/>
+              </a:solidFill>
+            </a:ln>
+          </p:spPr>
+          <p:style>
+            <a:lnRef idx="2">
+              <a:schemeClr val="accent1">
+                <a:shade val="50000"/>
+              </a:schemeClr>
+            </a:lnRef>
+            <a:fillRef idx="1">
+              <a:schemeClr val="accent1"/>
+            </a:fillRef>
+            <a:effectRef idx="0">
+              <a:schemeClr val="accent1"/>
+            </a:effectRef>
+            <a:fontRef idx="minor">
+              <a:schemeClr val="lt1"/>
+            </a:fontRef>
+          </p:style>
+          <p:txBody>
+            <a:bodyPr rtlCol="0" anchor="ctr"/>
+            <a:lstStyle/>
+            <a:p>
+              <a:pPr algn="ctr"/>
+              <a:endParaRPr lang="zh-CN" altLang="en-US"/>
+            </a:p>
+          </p:txBody>
+        </p:sp>
+        <p:sp>
+          <p:nvSpPr>
+            <p:cNvPr id="10" name="椭圆 9"/>
+            <p:cNvSpPr/>
+            <p:nvPr/>
+          </p:nvSpPr>
+          <p:spPr>
+            <a:xfrm>
+              <a:off x="2484023" y="973302"/>
+              <a:ext cx="1021273" cy="1021273"/>
+            </a:xfrm>
+            <a:prstGeom prst="ellipse">
+              <a:avLst/>
+            </a:prstGeom>
+            <a:solidFill>
+              <a:schemeClr val="accent3"/>
+            </a:solidFill>
+            <a:ln>
+              <a:solidFill>
+                <a:schemeClr val="accent3"/>
+              </a:solidFill>
+            </a:ln>
+          </p:spPr>
+          <p:style>
+            <a:lnRef idx="2">
+              <a:schemeClr val="accent1">
+                <a:shade val="50000"/>
+              </a:schemeClr>
+            </a:lnRef>
+            <a:fillRef idx="1">
+              <a:schemeClr val="accent1"/>
+            </a:fillRef>
+            <a:effectRef idx="0">
+              <a:schemeClr val="accent1"/>
+            </a:effectRef>
+            <a:fontRef idx="minor">
+              <a:schemeClr val="lt1"/>
+            </a:fontRef>
+          </p:style>
+          <p:txBody>
+            <a:bodyPr rtlCol="0" anchor="ctr"/>
+            <a:lstStyle/>
+            <a:p>
+              <a:pPr algn="ctr"/>
+              <a:endParaRPr lang="zh-CN" altLang="en-US"/>
+            </a:p>
+          </p:txBody>
+        </p:sp>
+      </p:grpSp>
+      <p:grpSp>
+        <p:nvGrpSpPr>
+          <p:cNvPr id="11" name="组合 16"/>
+          <p:cNvGrpSpPr/>
+          <p:nvPr/>
+        </p:nvGrpSpPr>
+        <p:grpSpPr>
+          <a:xfrm>
+            <a:off x="5836823" y="3134595"/>
+            <a:ext cx="6101177" cy="889363"/>
+            <a:chOff x="2484023" y="973302"/>
+            <a:chExt cx="8425282" cy="1036513"/>
+          </a:xfrm>
+        </p:grpSpPr>
+        <p:sp>
+          <p:nvSpPr>
+            <p:cNvPr id="12" name="矩形 11"/>
+            <p:cNvSpPr/>
+            <p:nvPr/>
+          </p:nvSpPr>
+          <p:spPr>
+            <a:xfrm>
+              <a:off x="2987040" y="974610"/>
+              <a:ext cx="7391400" cy="1035205"/>
+            </a:xfrm>
+            <a:prstGeom prst="rect">
+              <a:avLst/>
+            </a:prstGeom>
+            <a:solidFill>
+              <a:schemeClr val="accent3"/>
+            </a:solidFill>
+            <a:ln>
+              <a:noFill/>
+            </a:ln>
+          </p:spPr>
+          <p:style>
+            <a:lnRef idx="2">
+              <a:schemeClr val="accent1">
+                <a:shade val="50000"/>
+              </a:schemeClr>
+            </a:lnRef>
+            <a:fillRef idx="1">
+              <a:schemeClr val="accent1"/>
+            </a:fillRef>
+            <a:effectRef idx="0">
+              <a:schemeClr val="accent1"/>
+            </a:effectRef>
+            <a:fontRef idx="minor">
+              <a:schemeClr val="lt1"/>
+            </a:fontRef>
+          </p:style>
+          <p:txBody>
+            <a:bodyPr rtlCol="0" anchor="ctr"/>
+            <a:lstStyle/>
+            <a:p>
+              <a:pPr algn="ctr"/>
+              <a:r>
+                <a:rPr lang="zh-CN" altLang="en-US" dirty="0" smtClean="0"/>
+                <a:t>美食类：分类标签为味道、种类、人均消费</a:t>
+              </a:r>
+              <a:endParaRPr lang="en-US" altLang="zh-CN" dirty="0" smtClean="0"/>
+            </a:p>
+          </p:txBody>
+        </p:sp>
+        <p:sp>
+          <p:nvSpPr>
+            <p:cNvPr id="13" name="椭圆 12"/>
+            <p:cNvSpPr/>
+            <p:nvPr/>
+          </p:nvSpPr>
+          <p:spPr>
+            <a:xfrm>
+              <a:off x="9888032" y="973302"/>
+              <a:ext cx="1021273" cy="1021273"/>
+            </a:xfrm>
+            <a:prstGeom prst="ellipse">
+              <a:avLst/>
+            </a:prstGeom>
+            <a:solidFill>
+              <a:schemeClr val="accent3"/>
+            </a:solidFill>
+            <a:ln>
+              <a:solidFill>
+                <a:schemeClr val="accent3"/>
+              </a:solidFill>
+            </a:ln>
+          </p:spPr>
+          <p:style>
+            <a:lnRef idx="2">
+              <a:schemeClr val="accent1">
+                <a:shade val="50000"/>
+              </a:schemeClr>
+            </a:lnRef>
+            <a:fillRef idx="1">
+              <a:schemeClr val="accent1"/>
+            </a:fillRef>
+            <a:effectRef idx="0">
+              <a:schemeClr val="accent1"/>
+            </a:effectRef>
+            <a:fontRef idx="minor">
+              <a:schemeClr val="lt1"/>
+            </a:fontRef>
+          </p:style>
+          <p:txBody>
+            <a:bodyPr rtlCol="0" anchor="ctr"/>
+            <a:lstStyle/>
+            <a:p>
+              <a:pPr algn="ctr"/>
+              <a:endParaRPr lang="zh-CN" altLang="en-US"/>
+            </a:p>
+          </p:txBody>
+        </p:sp>
+        <p:sp>
+          <p:nvSpPr>
+            <p:cNvPr id="14" name="椭圆 13"/>
+            <p:cNvSpPr/>
+            <p:nvPr/>
+          </p:nvSpPr>
+          <p:spPr>
+            <a:xfrm>
+              <a:off x="2484023" y="973302"/>
+              <a:ext cx="1021273" cy="1021273"/>
+            </a:xfrm>
+            <a:prstGeom prst="ellipse">
+              <a:avLst/>
+            </a:prstGeom>
+            <a:solidFill>
+              <a:schemeClr val="accent3"/>
+            </a:solidFill>
+            <a:ln>
+              <a:solidFill>
+                <a:schemeClr val="accent3"/>
+              </a:solidFill>
+            </a:ln>
+          </p:spPr>
+          <p:style>
+            <a:lnRef idx="2">
+              <a:schemeClr val="accent1">
+                <a:shade val="50000"/>
+              </a:schemeClr>
+            </a:lnRef>
+            <a:fillRef idx="1">
+              <a:schemeClr val="accent1"/>
+            </a:fillRef>
+            <a:effectRef idx="0">
+              <a:schemeClr val="accent1"/>
+            </a:effectRef>
+            <a:fontRef idx="minor">
+              <a:schemeClr val="lt1"/>
+            </a:fontRef>
+          </p:style>
+          <p:txBody>
+            <a:bodyPr rtlCol="0" anchor="ctr"/>
+            <a:lstStyle/>
+            <a:p>
+              <a:pPr algn="ctr"/>
+              <a:endParaRPr lang="zh-CN" altLang="en-US"/>
+            </a:p>
+          </p:txBody>
+        </p:sp>
+      </p:grpSp>
+      <p:grpSp>
+        <p:nvGrpSpPr>
+          <p:cNvPr id="15" name="组合 16"/>
+          <p:cNvGrpSpPr/>
+          <p:nvPr/>
+        </p:nvGrpSpPr>
+        <p:grpSpPr>
+          <a:xfrm>
+            <a:off x="5836823" y="5360932"/>
+            <a:ext cx="6101177" cy="889362"/>
+            <a:chOff x="2484023" y="973302"/>
+            <a:chExt cx="8425282" cy="1036512"/>
+          </a:xfrm>
+        </p:grpSpPr>
+        <p:sp>
+          <p:nvSpPr>
+            <p:cNvPr id="16" name="矩形 15"/>
+            <p:cNvSpPr/>
+            <p:nvPr/>
+          </p:nvSpPr>
+          <p:spPr>
+            <a:xfrm>
+              <a:off x="2987039" y="974609"/>
+              <a:ext cx="7391400" cy="1035205"/>
+            </a:xfrm>
+            <a:prstGeom prst="rect">
+              <a:avLst/>
+            </a:prstGeom>
+            <a:solidFill>
+              <a:schemeClr val="accent3"/>
+            </a:solidFill>
+            <a:ln>
+              <a:noFill/>
+            </a:ln>
+          </p:spPr>
+          <p:style>
+            <a:lnRef idx="2">
+              <a:schemeClr val="accent1">
+                <a:shade val="50000"/>
+              </a:schemeClr>
+            </a:lnRef>
+            <a:fillRef idx="1">
+              <a:schemeClr val="accent1"/>
+            </a:fillRef>
+            <a:effectRef idx="0">
+              <a:schemeClr val="accent1"/>
+            </a:effectRef>
+            <a:fontRef idx="minor">
+              <a:schemeClr val="lt1"/>
+            </a:fontRef>
+          </p:style>
+          <p:txBody>
+            <a:bodyPr rtlCol="0" anchor="ctr"/>
+            <a:lstStyle/>
+            <a:p>
+              <a:pPr algn="ctr"/>
+              <a:r>
+                <a:rPr lang="zh-CN" altLang="en-US" sz="1650" dirty="0" smtClean="0"/>
+                <a:t>景点类：分类标签为种类、消费水平适合年龄层</a:t>
+              </a:r>
+              <a:endParaRPr lang="zh-CN" altLang="en-US" sz="1650" dirty="0"/>
+            </a:p>
+          </p:txBody>
+        </p:sp>
+        <p:sp>
+          <p:nvSpPr>
+            <p:cNvPr id="17" name="椭圆 16"/>
+            <p:cNvSpPr/>
+            <p:nvPr/>
+          </p:nvSpPr>
+          <p:spPr>
+            <a:xfrm>
+              <a:off x="9888032" y="973302"/>
+              <a:ext cx="1021273" cy="1021273"/>
+            </a:xfrm>
+            <a:prstGeom prst="ellipse">
+              <a:avLst/>
+            </a:prstGeom>
+            <a:solidFill>
+              <a:schemeClr val="accent3"/>
+            </a:solidFill>
+            <a:ln>
+              <a:solidFill>
+                <a:schemeClr val="accent3"/>
+              </a:solidFill>
+            </a:ln>
+          </p:spPr>
+          <p:style>
+            <a:lnRef idx="2">
+              <a:schemeClr val="accent1">
+                <a:shade val="50000"/>
+              </a:schemeClr>
+            </a:lnRef>
+            <a:fillRef idx="1">
+              <a:schemeClr val="accent1"/>
+            </a:fillRef>
+            <a:effectRef idx="0">
+              <a:schemeClr val="accent1"/>
+            </a:effectRef>
+            <a:fontRef idx="minor">
+              <a:schemeClr val="lt1"/>
+            </a:fontRef>
+          </p:style>
+          <p:txBody>
+            <a:bodyPr rtlCol="0" anchor="ctr"/>
+            <a:lstStyle/>
+            <a:p>
+              <a:pPr algn="ctr"/>
+              <a:endParaRPr lang="zh-CN" altLang="en-US"/>
+            </a:p>
+          </p:txBody>
+        </p:sp>
+        <p:sp>
+          <p:nvSpPr>
+            <p:cNvPr id="18" name="椭圆 17"/>
+            <p:cNvSpPr/>
+            <p:nvPr/>
+          </p:nvSpPr>
+          <p:spPr>
+            <a:xfrm>
+              <a:off x="2484023" y="973302"/>
+              <a:ext cx="1021273" cy="1021273"/>
+            </a:xfrm>
+            <a:prstGeom prst="ellipse">
+              <a:avLst/>
+            </a:prstGeom>
+            <a:solidFill>
+              <a:schemeClr val="accent3"/>
+            </a:solidFill>
+            <a:ln>
+              <a:solidFill>
+                <a:schemeClr val="accent3"/>
+              </a:solidFill>
+            </a:ln>
+          </p:spPr>
+          <p:style>
+            <a:lnRef idx="2">
+              <a:schemeClr val="accent1">
+                <a:shade val="50000"/>
+              </a:schemeClr>
+            </a:lnRef>
+            <a:fillRef idx="1">
+              <a:schemeClr val="accent1"/>
+            </a:fillRef>
+            <a:effectRef idx="0">
+              <a:schemeClr val="accent1"/>
+            </a:effectRef>
+            <a:fontRef idx="minor">
+              <a:schemeClr val="lt1"/>
+            </a:fontRef>
+          </p:style>
+          <p:txBody>
+            <a:bodyPr rtlCol="0" anchor="ctr"/>
+            <a:lstStyle/>
+            <a:p>
+              <a:pPr algn="ctr"/>
+              <a:endParaRPr lang="zh-CN" altLang="en-US"/>
+            </a:p>
+          </p:txBody>
+        </p:sp>
+      </p:grpSp>
+    </p:spTree>
+    <p:extLst>
+      <p:ext uri="{BB962C8B-B14F-4D97-AF65-F5344CB8AC3E}">
+        <p14:creationId xmlns:p14="http://schemas.microsoft.com/office/powerpoint/2010/main" val="1237004492"/>
+      </p:ext>
+    </p:extLst>
+  </p:cSld>
+  <p:clrMapOvr>
+    <a:masterClrMapping/>
+  </p:clrMapOvr>
+  <p:transition spd="slow">
+    <p:wipe/>
+  </p:transition>
 </p:sld>
 </file>
 
@@ -3560,4 +4605,265 @@
     </a:ext>
   </a:extLst>
 </a:theme>
+</file>
+
+<file path=ppt/theme/theme2.xml><?xml version="1.0" encoding="utf-8"?>
+<a:theme xmlns:a="http://schemas.openxmlformats.org/drawingml/2006/main" name="Office 主题">
+  <a:themeElements>
+    <a:clrScheme name="Office">
+      <a:dk1>
+        <a:sysClr val="windowText" lastClr="000000"/>
+      </a:dk1>
+      <a:lt1>
+        <a:sysClr val="window" lastClr="FFFFFF"/>
+      </a:lt1>
+      <a:dk2>
+        <a:srgbClr val="44546A"/>
+      </a:dk2>
+      <a:lt2>
+        <a:srgbClr val="E7E6E6"/>
+      </a:lt2>
+      <a:accent1>
+        <a:srgbClr val="4472C4"/>
+      </a:accent1>
+      <a:accent2>
+        <a:srgbClr val="ED7D31"/>
+      </a:accent2>
+      <a:accent3>
+        <a:srgbClr val="A5A5A5"/>
+      </a:accent3>
+      <a:accent4>
+        <a:srgbClr val="FFC000"/>
+      </a:accent4>
+      <a:accent5>
+        <a:srgbClr val="5B9BD5"/>
+      </a:accent5>
+      <a:accent6>
+        <a:srgbClr val="70AD47"/>
+      </a:accent6>
+      <a:hlink>
+        <a:srgbClr val="0563C1"/>
+      </a:hlink>
+      <a:folHlink>
+        <a:srgbClr val="954F72"/>
+      </a:folHlink>
+    </a:clrScheme>
+    <a:fontScheme name="Office">
+      <a:majorFont>
+        <a:latin typeface="DengXian Light" panose="020F0302020204030204"/>
+        <a:ea typeface=""/>
+        <a:cs typeface=""/>
+        <a:font script="Jpan" typeface="Yu Gothic Light"/>
+        <a:font script="Hang" typeface="맑은 고딕"/>
+        <a:font script="Hans" typeface="DengXian Light"/>
+        <a:font script="Hant" typeface="新細明體"/>
+        <a:font script="Arab" typeface="Times New Roman"/>
+        <a:font script="Hebr" typeface="Times New Roman"/>
+        <a:font script="Thai" typeface="Angsana New"/>
+        <a:font script="Ethi" typeface="Nyala"/>
+        <a:font script="Beng" typeface="Vrinda"/>
+        <a:font script="Gujr" typeface="Shruti"/>
+        <a:font script="Khmr" typeface="MoolBoran"/>
+        <a:font script="Knda" typeface="Tunga"/>
+        <a:font script="Guru" typeface="Raavi"/>
+        <a:font script="Cans" typeface="Euphemia"/>
+        <a:font script="Cher" typeface="Plantagenet Cherokee"/>
+        <a:font script="Yiii" typeface="Microsoft Yi Baiti"/>
+        <a:font script="Tibt" typeface="Microsoft Himalaya"/>
+        <a:font script="Thaa" typeface="MV Boli"/>
+        <a:font script="Deva" typeface="Mangal"/>
+        <a:font script="Telu" typeface="Gautami"/>
+        <a:font script="Taml" typeface="Latha"/>
+        <a:font script="Syrc" typeface="Estrangelo Edessa"/>
+        <a:font script="Orya" typeface="Kalinga"/>
+        <a:font script="Mlym" typeface="Kartika"/>
+        <a:font script="Laoo" typeface="DokChampa"/>
+        <a:font script="Sinh" typeface="Iskoola Pota"/>
+        <a:font script="Mong" typeface="Mongolian Baiti"/>
+        <a:font script="Viet" typeface="Times New Roman"/>
+        <a:font script="Uigh" typeface="Microsoft Uighur"/>
+        <a:font script="Geor" typeface="Sylfaen"/>
+      </a:majorFont>
+      <a:minorFont>
+        <a:latin typeface="DengXian" panose="020F0502020204030204"/>
+        <a:ea typeface=""/>
+        <a:cs typeface=""/>
+        <a:font script="Jpan" typeface="Yu Gothic"/>
+        <a:font script="Hang" typeface="맑은 고딕"/>
+        <a:font script="Hans" typeface="DengXian"/>
+        <a:font script="Hant" typeface="新細明體"/>
+        <a:font script="Arab" typeface="Arial"/>
+        <a:font script="Hebr" typeface="Arial"/>
+        <a:font script="Thai" typeface="Cordia New"/>
+        <a:font script="Ethi" typeface="Nyala"/>
+        <a:font script="Beng" typeface="Vrinda"/>
+        <a:font script="Gujr" typeface="Shruti"/>
+        <a:font script="Khmr" typeface="DaunPenh"/>
+        <a:font script="Knda" typeface="Tunga"/>
+        <a:font script="Guru" typeface="Raavi"/>
+        <a:font script="Cans" typeface="Euphemia"/>
+        <a:font script="Cher" typeface="Plantagenet Cherokee"/>
+        <a:font script="Yiii" typeface="Microsoft Yi Baiti"/>
+        <a:font script="Tibt" typeface="Microsoft Himalaya"/>
+        <a:font script="Thaa" typeface="MV Boli"/>
+        <a:font script="Deva" typeface="Mangal"/>
+        <a:font script="Telu" typeface="Gautami"/>
+        <a:font script="Taml" typeface="Latha"/>
+        <a:font script="Syrc" typeface="Estrangelo Edessa"/>
+        <a:font script="Orya" typeface="Kalinga"/>
+        <a:font script="Mlym" typeface="Kartika"/>
+        <a:font script="Laoo" typeface="DokChampa"/>
+        <a:font script="Sinh" typeface="Iskoola Pota"/>
+        <a:font script="Mong" typeface="Mongolian Baiti"/>
+        <a:font script="Viet" typeface="Arial"/>
+        <a:font script="Uigh" typeface="Microsoft Uighur"/>
+        <a:font script="Geor" typeface="Sylfaen"/>
+      </a:minorFont>
+    </a:fontScheme>
+    <a:fmtScheme name="Office">
+      <a:fillStyleLst>
+        <a:solidFill>
+          <a:schemeClr val="phClr"/>
+        </a:solidFill>
+        <a:gradFill rotWithShape="1">
+          <a:gsLst>
+            <a:gs pos="0">
+              <a:schemeClr val="phClr">
+                <a:lumMod val="110000"/>
+                <a:satMod val="105000"/>
+                <a:tint val="67000"/>
+              </a:schemeClr>
+            </a:gs>
+            <a:gs pos="50000">
+              <a:schemeClr val="phClr">
+                <a:lumMod val="105000"/>
+                <a:satMod val="103000"/>
+                <a:tint val="73000"/>
+              </a:schemeClr>
+            </a:gs>
+            <a:gs pos="100000">
+              <a:schemeClr val="phClr">
+                <a:lumMod val="105000"/>
+                <a:satMod val="109000"/>
+                <a:tint val="81000"/>
+              </a:schemeClr>
+            </a:gs>
+          </a:gsLst>
+          <a:lin ang="5400000" scaled="0"/>
+        </a:gradFill>
+        <a:gradFill rotWithShape="1">
+          <a:gsLst>
+            <a:gs pos="0">
+              <a:schemeClr val="phClr">
+                <a:satMod val="103000"/>
+                <a:lumMod val="102000"/>
+                <a:tint val="94000"/>
+              </a:schemeClr>
+            </a:gs>
+            <a:gs pos="50000">
+              <a:schemeClr val="phClr">
+                <a:satMod val="110000"/>
+                <a:lumMod val="100000"/>
+                <a:shade val="100000"/>
+              </a:schemeClr>
+            </a:gs>
+            <a:gs pos="100000">
+              <a:schemeClr val="phClr">
+                <a:lumMod val="99000"/>
+                <a:satMod val="120000"/>
+                <a:shade val="78000"/>
+              </a:schemeClr>
+            </a:gs>
+          </a:gsLst>
+          <a:lin ang="5400000" scaled="0"/>
+        </a:gradFill>
+      </a:fillStyleLst>
+      <a:lnStyleLst>
+        <a:ln w="6350" cap="flat" cmpd="sng" algn="ctr">
+          <a:solidFill>
+            <a:schemeClr val="phClr"/>
+          </a:solidFill>
+          <a:prstDash val="solid"/>
+          <a:miter lim="800000"/>
+        </a:ln>
+        <a:ln w="12700" cap="flat" cmpd="sng" algn="ctr">
+          <a:solidFill>
+            <a:schemeClr val="phClr"/>
+          </a:solidFill>
+          <a:prstDash val="solid"/>
+          <a:miter lim="800000"/>
+        </a:ln>
+        <a:ln w="19050" cap="flat" cmpd="sng" algn="ctr">
+          <a:solidFill>
+            <a:schemeClr val="phClr"/>
+          </a:solidFill>
+          <a:prstDash val="solid"/>
+          <a:miter lim="800000"/>
+        </a:ln>
+      </a:lnStyleLst>
+      <a:effectStyleLst>
+        <a:effectStyle>
+          <a:effectLst/>
+        </a:effectStyle>
+        <a:effectStyle>
+          <a:effectLst/>
+        </a:effectStyle>
+        <a:effectStyle>
+          <a:effectLst>
+            <a:outerShdw blurRad="57150" dist="19050" dir="5400000" algn="ctr" rotWithShape="0">
+              <a:srgbClr val="000000">
+                <a:alpha val="63000"/>
+              </a:srgbClr>
+            </a:outerShdw>
+          </a:effectLst>
+        </a:effectStyle>
+      </a:effectStyleLst>
+      <a:bgFillStyleLst>
+        <a:solidFill>
+          <a:schemeClr val="phClr"/>
+        </a:solidFill>
+        <a:solidFill>
+          <a:schemeClr val="phClr">
+            <a:tint val="95000"/>
+            <a:satMod val="170000"/>
+          </a:schemeClr>
+        </a:solidFill>
+        <a:gradFill rotWithShape="1">
+          <a:gsLst>
+            <a:gs pos="0">
+              <a:schemeClr val="phClr">
+                <a:tint val="93000"/>
+                <a:satMod val="150000"/>
+                <a:shade val="98000"/>
+                <a:lumMod val="102000"/>
+              </a:schemeClr>
+            </a:gs>
+            <a:gs pos="50000">
+              <a:schemeClr val="phClr">
+                <a:tint val="98000"/>
+                <a:satMod val="130000"/>
+                <a:shade val="90000"/>
+                <a:lumMod val="103000"/>
+              </a:schemeClr>
+            </a:gs>
+            <a:gs pos="100000">
+              <a:schemeClr val="phClr">
+                <a:shade val="63000"/>
+                <a:satMod val="120000"/>
+              </a:schemeClr>
+            </a:gs>
+          </a:gsLst>
+          <a:lin ang="5400000" scaled="0"/>
+        </a:gradFill>
+      </a:bgFillStyleLst>
+    </a:fmtScheme>
+  </a:themeElements>
+  <a:objectDefaults/>
+  <a:extraClrSchemeLst/>
+  <a:extLst>
+    <a:ext uri="{05A4C25C-085E-4340-85A3-A5531E510DB2}">
+      <thm15:themeFamily xmlns:thm15="http://schemas.microsoft.com/office/thememl/2012/main" name="Office Theme" id="{62F939B6-93AF-4DB8-9C6B-D6C7DFDC589F}" vid="{4A3C46E8-61CC-4603-A589-7422A47A8E4A}"/>
+    </a:ext>
+  </a:extLst>
+</a:theme>
 </file>
--- a/应用建模.pptx
+++ b/应用建模.pptx
@@ -5,7 +5,11 @@
     <p:sldMasterId id="2147483648" r:id="rId1"/>
   </p:sldMasterIdLst>
   <p:sldIdLst>
-    <p:sldId id="257" r:id="rId2"/>
+    <p:sldId id="259" r:id="rId2"/>
+    <p:sldId id="261" r:id="rId3"/>
+    <p:sldId id="260" r:id="rId4"/>
+    <p:sldId id="262" r:id="rId5"/>
+    <p:sldId id="263" r:id="rId6"/>
   </p:sldIdLst>
   <p:sldSz cx="12192000" cy="6858000"/>
   <p:notesSz cx="6858000" cy="9144000"/>
@@ -104,7 +108,16 @@
       </a:defRPr>
     </a:lvl9pPr>
   </p:defaultTextStyle>
+  <p:extLst>
+    <p:ext uri="{EFAFB233-063F-42B5-8137-9DF3F51BA10A}">
+      <p15:sldGuideLst xmlns:p15="http://schemas.microsoft.com/office/powerpoint/2012/main"/>
+    </p:ext>
+  </p:extLst>
 </p:presentation>
+</file>
+
+<file path=ppt/revisionInfo.xml><?xml version="1.0" encoding="utf-8"?>
+<p1510:revInfo xmlns:a="http://schemas.openxmlformats.org/drawingml/2006/main" xmlns:r="http://schemas.openxmlformats.org/officeDocument/2006/relationships" xmlns:p1510="http://schemas.microsoft.com/office/powerpoint/2015/10/main"/>
 </file>
 
 <file path=ppt/slideLayouts/slideLayout1.xml><?xml version="1.0" encoding="utf-8"?>
@@ -149,10 +162,9 @@
           </a:lstStyle>
           <a:p>
             <a:r>
-              <a:rPr lang="zh-CN" altLang="en-US" smtClean="0"/>
+              <a:rPr lang="zh-CN" altLang="en-US"/>
               <a:t>单击此处编辑母版标题样式</a:t>
             </a:r>
-            <a:endParaRPr lang="zh-CN" altLang="en-US"/>
           </a:p>
         </p:txBody>
       </p:sp>
@@ -214,10 +226,9 @@
           </a:lstStyle>
           <a:p>
             <a:r>
-              <a:rPr lang="zh-CN" altLang="en-US" smtClean="0"/>
+              <a:rPr lang="zh-CN" altLang="en-US"/>
               <a:t>单击此处编辑母版副标题样式</a:t>
             </a:r>
-            <a:endParaRPr lang="zh-CN" altLang="en-US"/>
           </a:p>
         </p:txBody>
       </p:sp>
@@ -332,10 +343,9 @@
           <a:lstStyle/>
           <a:p>
             <a:r>
-              <a:rPr lang="zh-CN" altLang="en-US" smtClean="0"/>
+              <a:rPr lang="zh-CN" altLang="en-US"/>
               <a:t>单击此处编辑母版标题样式</a:t>
             </a:r>
-            <a:endParaRPr lang="zh-CN" altLang="en-US"/>
           </a:p>
         </p:txBody>
       </p:sp>
@@ -356,38 +366,37 @@
           <a:p>
             <a:pPr lvl="0"/>
             <a:r>
-              <a:rPr lang="zh-CN" altLang="en-US" smtClean="0"/>
+              <a:rPr lang="zh-CN" altLang="en-US"/>
               <a:t>单击此处编辑母版文本样式</a:t>
             </a:r>
           </a:p>
           <a:p>
             <a:pPr lvl="1"/>
             <a:r>
-              <a:rPr lang="zh-CN" altLang="en-US" smtClean="0"/>
+              <a:rPr lang="zh-CN" altLang="en-US"/>
               <a:t>第二级</a:t>
             </a:r>
           </a:p>
           <a:p>
             <a:pPr lvl="2"/>
             <a:r>
-              <a:rPr lang="zh-CN" altLang="en-US" smtClean="0"/>
+              <a:rPr lang="zh-CN" altLang="en-US"/>
               <a:t>第三级</a:t>
             </a:r>
           </a:p>
           <a:p>
             <a:pPr lvl="3"/>
             <a:r>
-              <a:rPr lang="zh-CN" altLang="en-US" smtClean="0"/>
+              <a:rPr lang="zh-CN" altLang="en-US"/>
               <a:t>第四级</a:t>
             </a:r>
           </a:p>
           <a:p>
             <a:pPr lvl="4"/>
             <a:r>
-              <a:rPr lang="zh-CN" altLang="en-US" smtClean="0"/>
+              <a:rPr lang="zh-CN" altLang="en-US"/>
               <a:t>第五级</a:t>
             </a:r>
-            <a:endParaRPr lang="zh-CN" altLang="en-US"/>
           </a:p>
         </p:txBody>
       </p:sp>
@@ -507,10 +516,9 @@
           <a:lstStyle/>
           <a:p>
             <a:r>
-              <a:rPr lang="zh-CN" altLang="en-US" smtClean="0"/>
+              <a:rPr lang="zh-CN" altLang="en-US"/>
               <a:t>单击此处编辑母版标题样式</a:t>
             </a:r>
-            <a:endParaRPr lang="zh-CN" altLang="en-US"/>
           </a:p>
         </p:txBody>
       </p:sp>
@@ -536,38 +544,37 @@
           <a:p>
             <a:pPr lvl="0"/>
             <a:r>
-              <a:rPr lang="zh-CN" altLang="en-US" smtClean="0"/>
+              <a:rPr lang="zh-CN" altLang="en-US"/>
               <a:t>单击此处编辑母版文本样式</a:t>
             </a:r>
           </a:p>
           <a:p>
             <a:pPr lvl="1"/>
             <a:r>
-              <a:rPr lang="zh-CN" altLang="en-US" smtClean="0"/>
+              <a:rPr lang="zh-CN" altLang="en-US"/>
               <a:t>第二级</a:t>
             </a:r>
           </a:p>
           <a:p>
             <a:pPr lvl="2"/>
             <a:r>
-              <a:rPr lang="zh-CN" altLang="en-US" smtClean="0"/>
+              <a:rPr lang="zh-CN" altLang="en-US"/>
               <a:t>第三级</a:t>
             </a:r>
           </a:p>
           <a:p>
             <a:pPr lvl="3"/>
             <a:r>
-              <a:rPr lang="zh-CN" altLang="en-US" smtClean="0"/>
+              <a:rPr lang="zh-CN" altLang="en-US"/>
               <a:t>第四级</a:t>
             </a:r>
           </a:p>
           <a:p>
             <a:pPr lvl="4"/>
             <a:r>
-              <a:rPr lang="zh-CN" altLang="en-US" smtClean="0"/>
+              <a:rPr lang="zh-CN" altLang="en-US"/>
               <a:t>第五级</a:t>
             </a:r>
-            <a:endParaRPr lang="zh-CN" altLang="en-US"/>
           </a:p>
         </p:txBody>
       </p:sp>
@@ -838,13 +845,6 @@
   <p:transition spd="slow">
     <p:wipe/>
   </p:transition>
-  <p:timing>
-    <p:tnLst>
-      <p:par>
-        <p:cTn id="1" dur="indefinite" restart="never" nodeType="tmRoot"/>
-      </p:par>
-    </p:tnLst>
-  </p:timing>
 </p:sldLayout>
 </file>
 
@@ -881,10 +881,9 @@
           <a:lstStyle/>
           <a:p>
             <a:r>
-              <a:rPr lang="zh-CN" altLang="en-US" smtClean="0"/>
+              <a:rPr lang="zh-CN" altLang="en-US"/>
               <a:t>单击此处编辑母版标题样式</a:t>
             </a:r>
-            <a:endParaRPr lang="zh-CN" altLang="en-US"/>
           </a:p>
         </p:txBody>
       </p:sp>
@@ -905,38 +904,37 @@
           <a:p>
             <a:pPr lvl="0"/>
             <a:r>
-              <a:rPr lang="zh-CN" altLang="en-US" smtClean="0"/>
+              <a:rPr lang="zh-CN" altLang="en-US"/>
               <a:t>单击此处编辑母版文本样式</a:t>
             </a:r>
           </a:p>
           <a:p>
             <a:pPr lvl="1"/>
             <a:r>
-              <a:rPr lang="zh-CN" altLang="en-US" smtClean="0"/>
+              <a:rPr lang="zh-CN" altLang="en-US"/>
               <a:t>第二级</a:t>
             </a:r>
           </a:p>
           <a:p>
             <a:pPr lvl="2"/>
             <a:r>
-              <a:rPr lang="zh-CN" altLang="en-US" smtClean="0"/>
+              <a:rPr lang="zh-CN" altLang="en-US"/>
               <a:t>第三级</a:t>
             </a:r>
           </a:p>
           <a:p>
             <a:pPr lvl="3"/>
             <a:r>
-              <a:rPr lang="zh-CN" altLang="en-US" smtClean="0"/>
+              <a:rPr lang="zh-CN" altLang="en-US"/>
               <a:t>第四级</a:t>
             </a:r>
           </a:p>
           <a:p>
             <a:pPr lvl="4"/>
             <a:r>
-              <a:rPr lang="zh-CN" altLang="en-US" smtClean="0"/>
+              <a:rPr lang="zh-CN" altLang="en-US"/>
               <a:t>第五级</a:t>
             </a:r>
-            <a:endParaRPr lang="zh-CN" altLang="en-US"/>
           </a:p>
         </p:txBody>
       </p:sp>
@@ -1060,10 +1058,9 @@
           </a:lstStyle>
           <a:p>
             <a:r>
-              <a:rPr lang="zh-CN" altLang="en-US" smtClean="0"/>
+              <a:rPr lang="zh-CN" altLang="en-US"/>
               <a:t>单击此处编辑母版标题样式</a:t>
             </a:r>
-            <a:endParaRPr lang="zh-CN" altLang="en-US"/>
           </a:p>
         </p:txBody>
       </p:sp>
@@ -1180,7 +1177,7 @@
           <a:p>
             <a:pPr lvl="0"/>
             <a:r>
-              <a:rPr lang="zh-CN" altLang="en-US" smtClean="0"/>
+              <a:rPr lang="zh-CN" altLang="en-US"/>
               <a:t>单击此处编辑母版文本样式</a:t>
             </a:r>
           </a:p>
@@ -1297,10 +1294,9 @@
           <a:lstStyle/>
           <a:p>
             <a:r>
-              <a:rPr lang="zh-CN" altLang="en-US" smtClean="0"/>
+              <a:rPr lang="zh-CN" altLang="en-US"/>
               <a:t>单击此处编辑母版标题样式</a:t>
             </a:r>
-            <a:endParaRPr lang="zh-CN" altLang="en-US"/>
           </a:p>
         </p:txBody>
       </p:sp>
@@ -1326,38 +1322,37 @@
           <a:p>
             <a:pPr lvl="0"/>
             <a:r>
-              <a:rPr lang="zh-CN" altLang="en-US" smtClean="0"/>
+              <a:rPr lang="zh-CN" altLang="en-US"/>
               <a:t>单击此处编辑母版文本样式</a:t>
             </a:r>
           </a:p>
           <a:p>
             <a:pPr lvl="1"/>
             <a:r>
-              <a:rPr lang="zh-CN" altLang="en-US" smtClean="0"/>
+              <a:rPr lang="zh-CN" altLang="en-US"/>
               <a:t>第二级</a:t>
             </a:r>
           </a:p>
           <a:p>
             <a:pPr lvl="2"/>
             <a:r>
-              <a:rPr lang="zh-CN" altLang="en-US" smtClean="0"/>
+              <a:rPr lang="zh-CN" altLang="en-US"/>
               <a:t>第三级</a:t>
             </a:r>
           </a:p>
           <a:p>
             <a:pPr lvl="3"/>
             <a:r>
-              <a:rPr lang="zh-CN" altLang="en-US" smtClean="0"/>
+              <a:rPr lang="zh-CN" altLang="en-US"/>
               <a:t>第四级</a:t>
             </a:r>
           </a:p>
           <a:p>
             <a:pPr lvl="4"/>
             <a:r>
-              <a:rPr lang="zh-CN" altLang="en-US" smtClean="0"/>
+              <a:rPr lang="zh-CN" altLang="en-US"/>
               <a:t>第五级</a:t>
             </a:r>
-            <a:endParaRPr lang="zh-CN" altLang="en-US"/>
           </a:p>
         </p:txBody>
       </p:sp>
@@ -1383,38 +1378,37 @@
           <a:p>
             <a:pPr lvl="0"/>
             <a:r>
-              <a:rPr lang="zh-CN" altLang="en-US" smtClean="0"/>
+              <a:rPr lang="zh-CN" altLang="en-US"/>
               <a:t>单击此处编辑母版文本样式</a:t>
             </a:r>
           </a:p>
           <a:p>
             <a:pPr lvl="1"/>
             <a:r>
-              <a:rPr lang="zh-CN" altLang="en-US" smtClean="0"/>
+              <a:rPr lang="zh-CN" altLang="en-US"/>
               <a:t>第二级</a:t>
             </a:r>
           </a:p>
           <a:p>
             <a:pPr lvl="2"/>
             <a:r>
-              <a:rPr lang="zh-CN" altLang="en-US" smtClean="0"/>
+              <a:rPr lang="zh-CN" altLang="en-US"/>
               <a:t>第三级</a:t>
             </a:r>
           </a:p>
           <a:p>
             <a:pPr lvl="3"/>
             <a:r>
-              <a:rPr lang="zh-CN" altLang="en-US" smtClean="0"/>
+              <a:rPr lang="zh-CN" altLang="en-US"/>
               <a:t>第四级</a:t>
             </a:r>
           </a:p>
           <a:p>
             <a:pPr lvl="4"/>
             <a:r>
-              <a:rPr lang="zh-CN" altLang="en-US" smtClean="0"/>
+              <a:rPr lang="zh-CN" altLang="en-US"/>
               <a:t>第五级</a:t>
             </a:r>
-            <a:endParaRPr lang="zh-CN" altLang="en-US"/>
           </a:p>
         </p:txBody>
       </p:sp>
@@ -1534,10 +1528,9 @@
           <a:lstStyle/>
           <a:p>
             <a:r>
-              <a:rPr lang="zh-CN" altLang="en-US" smtClean="0"/>
+              <a:rPr lang="zh-CN" altLang="en-US"/>
               <a:t>单击此处编辑母版标题样式</a:t>
             </a:r>
-            <a:endParaRPr lang="zh-CN" altLang="en-US"/>
           </a:p>
         </p:txBody>
       </p:sp>
@@ -1600,7 +1593,7 @@
           <a:p>
             <a:pPr lvl="0"/>
             <a:r>
-              <a:rPr lang="zh-CN" altLang="en-US" smtClean="0"/>
+              <a:rPr lang="zh-CN" altLang="en-US"/>
               <a:t>单击此处编辑母版文本样式</a:t>
             </a:r>
           </a:p>
@@ -1628,38 +1621,37 @@
           <a:p>
             <a:pPr lvl="0"/>
             <a:r>
-              <a:rPr lang="zh-CN" altLang="en-US" smtClean="0"/>
+              <a:rPr lang="zh-CN" altLang="en-US"/>
               <a:t>单击此处编辑母版文本样式</a:t>
             </a:r>
           </a:p>
           <a:p>
             <a:pPr lvl="1"/>
             <a:r>
-              <a:rPr lang="zh-CN" altLang="en-US" smtClean="0"/>
+              <a:rPr lang="zh-CN" altLang="en-US"/>
               <a:t>第二级</a:t>
             </a:r>
           </a:p>
           <a:p>
             <a:pPr lvl="2"/>
             <a:r>
-              <a:rPr lang="zh-CN" altLang="en-US" smtClean="0"/>
+              <a:rPr lang="zh-CN" altLang="en-US"/>
               <a:t>第三级</a:t>
             </a:r>
           </a:p>
           <a:p>
             <a:pPr lvl="3"/>
             <a:r>
-              <a:rPr lang="zh-CN" altLang="en-US" smtClean="0"/>
+              <a:rPr lang="zh-CN" altLang="en-US"/>
               <a:t>第四级</a:t>
             </a:r>
           </a:p>
           <a:p>
             <a:pPr lvl="4"/>
             <a:r>
-              <a:rPr lang="zh-CN" altLang="en-US" smtClean="0"/>
+              <a:rPr lang="zh-CN" altLang="en-US"/>
               <a:t>第五级</a:t>
             </a:r>
-            <a:endParaRPr lang="zh-CN" altLang="en-US"/>
           </a:p>
         </p:txBody>
       </p:sp>
@@ -1722,7 +1714,7 @@
           <a:p>
             <a:pPr lvl="0"/>
             <a:r>
-              <a:rPr lang="zh-CN" altLang="en-US" smtClean="0"/>
+              <a:rPr lang="zh-CN" altLang="en-US"/>
               <a:t>单击此处编辑母版文本样式</a:t>
             </a:r>
           </a:p>
@@ -1750,38 +1742,37 @@
           <a:p>
             <a:pPr lvl="0"/>
             <a:r>
-              <a:rPr lang="zh-CN" altLang="en-US" smtClean="0"/>
+              <a:rPr lang="zh-CN" altLang="en-US"/>
               <a:t>单击此处编辑母版文本样式</a:t>
             </a:r>
           </a:p>
           <a:p>
             <a:pPr lvl="1"/>
             <a:r>
-              <a:rPr lang="zh-CN" altLang="en-US" smtClean="0"/>
+              <a:rPr lang="zh-CN" altLang="en-US"/>
               <a:t>第二级</a:t>
             </a:r>
           </a:p>
           <a:p>
             <a:pPr lvl="2"/>
             <a:r>
-              <a:rPr lang="zh-CN" altLang="en-US" smtClean="0"/>
+              <a:rPr lang="zh-CN" altLang="en-US"/>
               <a:t>第三级</a:t>
             </a:r>
           </a:p>
           <a:p>
             <a:pPr lvl="3"/>
             <a:r>
-              <a:rPr lang="zh-CN" altLang="en-US" smtClean="0"/>
+              <a:rPr lang="zh-CN" altLang="en-US"/>
               <a:t>第四级</a:t>
             </a:r>
           </a:p>
           <a:p>
             <a:pPr lvl="4"/>
             <a:r>
-              <a:rPr lang="zh-CN" altLang="en-US" smtClean="0"/>
+              <a:rPr lang="zh-CN" altLang="en-US"/>
               <a:t>第五级</a:t>
             </a:r>
-            <a:endParaRPr lang="zh-CN" altLang="en-US"/>
           </a:p>
         </p:txBody>
       </p:sp>
@@ -1896,10 +1887,9 @@
           <a:lstStyle/>
           <a:p>
             <a:r>
-              <a:rPr lang="zh-CN" altLang="en-US" smtClean="0"/>
+              <a:rPr lang="zh-CN" altLang="en-US"/>
               <a:t>单击此处编辑母版标题样式</a:t>
             </a:r>
-            <a:endParaRPr lang="zh-CN" altLang="en-US"/>
           </a:p>
         </p:txBody>
       </p:sp>
@@ -2118,10 +2108,9 @@
           </a:lstStyle>
           <a:p>
             <a:r>
-              <a:rPr lang="zh-CN" altLang="en-US" smtClean="0"/>
+              <a:rPr lang="zh-CN" altLang="en-US"/>
               <a:t>单击此处编辑母版标题样式</a:t>
             </a:r>
-            <a:endParaRPr lang="zh-CN" altLang="en-US"/>
           </a:p>
         </p:txBody>
       </p:sp>
@@ -2175,38 +2164,37 @@
           <a:p>
             <a:pPr lvl="0"/>
             <a:r>
-              <a:rPr lang="zh-CN" altLang="en-US" smtClean="0"/>
+              <a:rPr lang="zh-CN" altLang="en-US"/>
               <a:t>单击此处编辑母版文本样式</a:t>
             </a:r>
           </a:p>
           <a:p>
             <a:pPr lvl="1"/>
             <a:r>
-              <a:rPr lang="zh-CN" altLang="en-US" smtClean="0"/>
+              <a:rPr lang="zh-CN" altLang="en-US"/>
               <a:t>第二级</a:t>
             </a:r>
           </a:p>
           <a:p>
             <a:pPr lvl="2"/>
             <a:r>
-              <a:rPr lang="zh-CN" altLang="en-US" smtClean="0"/>
+              <a:rPr lang="zh-CN" altLang="en-US"/>
               <a:t>第三级</a:t>
             </a:r>
           </a:p>
           <a:p>
             <a:pPr lvl="3"/>
             <a:r>
-              <a:rPr lang="zh-CN" altLang="en-US" smtClean="0"/>
+              <a:rPr lang="zh-CN" altLang="en-US"/>
               <a:t>第四级</a:t>
             </a:r>
           </a:p>
           <a:p>
             <a:pPr lvl="4"/>
             <a:r>
-              <a:rPr lang="zh-CN" altLang="en-US" smtClean="0"/>
+              <a:rPr lang="zh-CN" altLang="en-US"/>
               <a:t>第五级</a:t>
             </a:r>
-            <a:endParaRPr lang="zh-CN" altLang="en-US"/>
           </a:p>
         </p:txBody>
       </p:sp>
@@ -2269,7 +2257,7 @@
           <a:p>
             <a:pPr lvl="0"/>
             <a:r>
-              <a:rPr lang="zh-CN" altLang="en-US" smtClean="0"/>
+              <a:rPr lang="zh-CN" altLang="en-US"/>
               <a:t>单击此处编辑母版文本样式</a:t>
             </a:r>
           </a:p>
@@ -2395,10 +2383,9 @@
           </a:lstStyle>
           <a:p>
             <a:r>
-              <a:rPr lang="zh-CN" altLang="en-US" smtClean="0"/>
+              <a:rPr lang="zh-CN" altLang="en-US"/>
               <a:t>单击此处编辑母版标题样式</a:t>
             </a:r>
-            <a:endParaRPr lang="zh-CN" altLang="en-US"/>
           </a:p>
         </p:txBody>
       </p:sp>
@@ -2522,7 +2509,7 @@
           <a:p>
             <a:pPr lvl="0"/>
             <a:r>
-              <a:rPr lang="zh-CN" altLang="en-US" smtClean="0"/>
+              <a:rPr lang="zh-CN" altLang="en-US"/>
               <a:t>单击此处编辑母版文本样式</a:t>
             </a:r>
           </a:p>
@@ -2654,10 +2641,9 @@
           <a:lstStyle/>
           <a:p>
             <a:r>
-              <a:rPr lang="zh-CN" altLang="en-US" smtClean="0"/>
+              <a:rPr lang="zh-CN" altLang="en-US"/>
               <a:t>单击此处编辑母版标题样式</a:t>
             </a:r>
-            <a:endParaRPr lang="zh-CN" altLang="en-US"/>
           </a:p>
         </p:txBody>
       </p:sp>
@@ -2688,38 +2674,37 @@
           <a:p>
             <a:pPr lvl="0"/>
             <a:r>
-              <a:rPr lang="zh-CN" altLang="en-US" smtClean="0"/>
+              <a:rPr lang="zh-CN" altLang="en-US"/>
               <a:t>单击此处编辑母版文本样式</a:t>
             </a:r>
           </a:p>
           <a:p>
             <a:pPr lvl="1"/>
             <a:r>
-              <a:rPr lang="zh-CN" altLang="en-US" smtClean="0"/>
+              <a:rPr lang="zh-CN" altLang="en-US"/>
               <a:t>第二级</a:t>
             </a:r>
           </a:p>
           <a:p>
             <a:pPr lvl="2"/>
             <a:r>
-              <a:rPr lang="zh-CN" altLang="en-US" smtClean="0"/>
+              <a:rPr lang="zh-CN" altLang="en-US"/>
               <a:t>第三级</a:t>
             </a:r>
           </a:p>
           <a:p>
             <a:pPr lvl="3"/>
             <a:r>
-              <a:rPr lang="zh-CN" altLang="en-US" smtClean="0"/>
+              <a:rPr lang="zh-CN" altLang="en-US"/>
               <a:t>第四级</a:t>
             </a:r>
           </a:p>
           <a:p>
             <a:pPr lvl="4"/>
             <a:r>
-              <a:rPr lang="zh-CN" altLang="en-US" smtClean="0"/>
+              <a:rPr lang="zh-CN" altLang="en-US"/>
               <a:t>第五级</a:t>
             </a:r>
-            <a:endParaRPr lang="zh-CN" altLang="en-US"/>
           </a:p>
         </p:txBody>
       </p:sp>
@@ -3166,14 +3151,14 @@
       </p:grpSpPr>
       <p:sp>
         <p:nvSpPr>
-          <p:cNvPr id="8" name="文本框 7"/>
+          <p:cNvPr id="3" name="文本框 2"/>
           <p:cNvSpPr txBox="1"/>
           <p:nvPr/>
         </p:nvSpPr>
         <p:spPr>
           <a:xfrm>
-            <a:off x="621102" y="379562"/>
-            <a:ext cx="2262158" cy="369332"/>
+            <a:off x="7638457" y="2038474"/>
+            <a:ext cx="1247115" cy="1862048"/>
           </a:xfrm>
           <a:prstGeom prst="rect">
             <a:avLst/>
@@ -3181,27 +3166,1792 @@
           <a:noFill/>
         </p:spPr>
         <p:txBody>
-          <a:bodyPr wrap="none" rtlCol="0">
+          <a:bodyPr wrap="square" rtlCol="0">
             <a:spAutoFit/>
           </a:bodyPr>
           <a:lstStyle/>
           <a:p>
-            <a:r>
-              <a:rPr lang="zh-CN" altLang="en-US" dirty="0" smtClean="0">
+            <a:pPr algn="ctr"/>
+            <a:r>
+              <a:rPr lang="en-US" altLang="zh-CN" sz="11500" b="1" dirty="0">
+                <a:solidFill>
+                  <a:schemeClr val="bg1"/>
+                </a:solidFill>
+                <a:effectLst>
+                  <a:outerShdw blurRad="50800" dist="38100" dir="2700000" algn="tl" rotWithShape="0">
+                    <a:prstClr val="black">
+                      <a:alpha val="40000"/>
+                    </a:prstClr>
+                  </a:outerShdw>
+                </a:effectLst>
+              </a:rPr>
+              <a:t>6</a:t>
+            </a:r>
+            <a:endParaRPr lang="zh-CN" altLang="en-US" sz="11500" b="1" dirty="0">
+              <a:solidFill>
+                <a:schemeClr val="bg1"/>
+              </a:solidFill>
+              <a:effectLst>
+                <a:outerShdw blurRad="50800" dist="38100" dir="2700000" algn="tl" rotWithShape="0">
+                  <a:prstClr val="black">
+                    <a:alpha val="40000"/>
+                  </a:prstClr>
+                </a:outerShdw>
+              </a:effectLst>
+            </a:endParaRPr>
+          </a:p>
+        </p:txBody>
+      </p:sp>
+      <p:grpSp>
+        <p:nvGrpSpPr>
+          <p:cNvPr id="11" name="组合 10"/>
+          <p:cNvGrpSpPr/>
+          <p:nvPr/>
+        </p:nvGrpSpPr>
+        <p:grpSpPr>
+          <a:xfrm rot="2725467">
+            <a:off x="3862687" y="656008"/>
+            <a:ext cx="4534727" cy="4562113"/>
+            <a:chOff x="11063181" y="-389332"/>
+            <a:chExt cx="1438119" cy="1446804"/>
+          </a:xfrm>
+        </p:grpSpPr>
+        <p:sp>
+          <p:nvSpPr>
+            <p:cNvPr id="12" name="矩形 11"/>
+            <p:cNvSpPr/>
+            <p:nvPr/>
+          </p:nvSpPr>
+          <p:spPr>
+            <a:xfrm>
+              <a:off x="11381387" y="246204"/>
+              <a:ext cx="492407" cy="492407"/>
+            </a:xfrm>
+            <a:prstGeom prst="rect">
+              <a:avLst/>
+            </a:prstGeom>
+            <a:noFill/>
+            <a:ln w="38100">
+              <a:solidFill>
+                <a:schemeClr val="accent3"/>
+              </a:solidFill>
+            </a:ln>
+          </p:spPr>
+          <p:style>
+            <a:lnRef idx="2">
+              <a:schemeClr val="accent1">
+                <a:shade val="50000"/>
+              </a:schemeClr>
+            </a:lnRef>
+            <a:fillRef idx="1">
+              <a:schemeClr val="accent1"/>
+            </a:fillRef>
+            <a:effectRef idx="0">
+              <a:schemeClr val="accent1"/>
+            </a:effectRef>
+            <a:fontRef idx="minor">
+              <a:schemeClr val="lt1"/>
+            </a:fontRef>
+          </p:style>
+          <p:txBody>
+            <a:bodyPr rtlCol="0" anchor="ctr"/>
+            <a:lstStyle/>
+            <a:p>
+              <a:pPr algn="ctr"/>
+              <a:endParaRPr lang="zh-CN" altLang="en-US"/>
+            </a:p>
+          </p:txBody>
+        </p:sp>
+        <p:sp>
+          <p:nvSpPr>
+            <p:cNvPr id="13" name="矩形 12"/>
+            <p:cNvSpPr/>
+            <p:nvPr/>
+          </p:nvSpPr>
+          <p:spPr>
+            <a:xfrm>
+              <a:off x="11698526" y="-62392"/>
+              <a:ext cx="492407" cy="492407"/>
+            </a:xfrm>
+            <a:prstGeom prst="rect">
+              <a:avLst/>
+            </a:prstGeom>
+            <a:noFill/>
+            <a:ln w="38100">
+              <a:solidFill>
+                <a:schemeClr val="tx2">
+                  <a:lumMod val="60000"/>
+                  <a:lumOff val="40000"/>
+                </a:schemeClr>
+              </a:solidFill>
+            </a:ln>
+          </p:spPr>
+          <p:style>
+            <a:lnRef idx="2">
+              <a:schemeClr val="accent1">
+                <a:shade val="50000"/>
+              </a:schemeClr>
+            </a:lnRef>
+            <a:fillRef idx="1">
+              <a:schemeClr val="accent1"/>
+            </a:fillRef>
+            <a:effectRef idx="0">
+              <a:schemeClr val="accent1"/>
+            </a:effectRef>
+            <a:fontRef idx="minor">
+              <a:schemeClr val="lt1"/>
+            </a:fontRef>
+          </p:style>
+          <p:txBody>
+            <a:bodyPr rtlCol="0" anchor="ctr"/>
+            <a:lstStyle/>
+            <a:p>
+              <a:pPr algn="ctr"/>
+              <a:endParaRPr lang="zh-CN" altLang="en-US"/>
+            </a:p>
+          </p:txBody>
+        </p:sp>
+        <p:sp>
+          <p:nvSpPr>
+            <p:cNvPr id="14" name="矩形 13"/>
+            <p:cNvSpPr/>
+            <p:nvPr/>
+          </p:nvSpPr>
+          <p:spPr>
+            <a:xfrm>
+              <a:off x="11063181" y="565065"/>
+              <a:ext cx="492407" cy="492407"/>
+            </a:xfrm>
+            <a:prstGeom prst="rect">
+              <a:avLst/>
+            </a:prstGeom>
+            <a:noFill/>
+            <a:ln w="38100">
+              <a:solidFill>
+                <a:schemeClr val="accent4"/>
+              </a:solidFill>
+            </a:ln>
+          </p:spPr>
+          <p:style>
+            <a:lnRef idx="2">
+              <a:schemeClr val="accent1">
+                <a:shade val="50000"/>
+              </a:schemeClr>
+            </a:lnRef>
+            <a:fillRef idx="1">
+              <a:schemeClr val="accent1"/>
+            </a:fillRef>
+            <a:effectRef idx="0">
+              <a:schemeClr val="accent1"/>
+            </a:effectRef>
+            <a:fontRef idx="minor">
+              <a:schemeClr val="lt1"/>
+            </a:fontRef>
+          </p:style>
+          <p:txBody>
+            <a:bodyPr rtlCol="0" anchor="ctr"/>
+            <a:lstStyle/>
+            <a:p>
+              <a:pPr algn="ctr"/>
+              <a:endParaRPr lang="zh-CN" altLang="en-US"/>
+            </a:p>
+          </p:txBody>
+        </p:sp>
+        <p:sp>
+          <p:nvSpPr>
+            <p:cNvPr id="9" name="矩形 8"/>
+            <p:cNvSpPr/>
+            <p:nvPr/>
+          </p:nvSpPr>
+          <p:spPr>
+            <a:xfrm>
+              <a:off x="12008893" y="-389332"/>
+              <a:ext cx="492407" cy="492407"/>
+            </a:xfrm>
+            <a:prstGeom prst="rect">
+              <a:avLst/>
+            </a:prstGeom>
+            <a:noFill/>
+            <a:ln w="38100">
+              <a:solidFill>
+                <a:schemeClr val="accent6"/>
+              </a:solidFill>
+            </a:ln>
+          </p:spPr>
+          <p:style>
+            <a:lnRef idx="2">
+              <a:schemeClr val="accent1">
+                <a:shade val="50000"/>
+              </a:schemeClr>
+            </a:lnRef>
+            <a:fillRef idx="1">
+              <a:schemeClr val="accent1"/>
+            </a:fillRef>
+            <a:effectRef idx="0">
+              <a:schemeClr val="accent1"/>
+            </a:effectRef>
+            <a:fontRef idx="minor">
+              <a:schemeClr val="lt1"/>
+            </a:fontRef>
+          </p:style>
+          <p:txBody>
+            <a:bodyPr rtlCol="0" anchor="ctr"/>
+            <a:lstStyle/>
+            <a:p>
+              <a:pPr algn="ctr"/>
+              <a:endParaRPr lang="zh-CN" altLang="en-US"/>
+            </a:p>
+          </p:txBody>
+        </p:sp>
+      </p:grpSp>
+      <p:sp>
+        <p:nvSpPr>
+          <p:cNvPr id="5" name="矩形 4"/>
+          <p:cNvSpPr/>
+          <p:nvPr/>
+        </p:nvSpPr>
+        <p:spPr>
+          <a:xfrm>
+            <a:off x="3300012" y="2009091"/>
+            <a:ext cx="1233030" cy="1862048"/>
+          </a:xfrm>
+          <a:prstGeom prst="rect">
+            <a:avLst/>
+          </a:prstGeom>
+        </p:spPr>
+        <p:txBody>
+          <a:bodyPr wrap="none">
+            <a:spAutoFit/>
+          </a:bodyPr>
+          <a:lstStyle/>
+          <a:p>
+            <a:r>
+              <a:rPr lang="en-US" altLang="zh-CN" sz="11500" b="1" dirty="0">
+                <a:solidFill>
+                  <a:schemeClr val="bg1"/>
+                </a:solidFill>
+                <a:effectLst>
+                  <a:outerShdw blurRad="50800" dist="38100" dir="2700000" algn="tl" rotWithShape="0">
+                    <a:prstClr val="black">
+                      <a:alpha val="40000"/>
+                    </a:prstClr>
+                  </a:outerShdw>
+                </a:effectLst>
+              </a:rPr>
+              <a:t>2</a:t>
+            </a:r>
+            <a:endParaRPr lang="zh-CN" altLang="en-US" sz="2000" dirty="0"/>
+          </a:p>
+        </p:txBody>
+      </p:sp>
+      <p:sp>
+        <p:nvSpPr>
+          <p:cNvPr id="6" name="矩形 5"/>
+          <p:cNvSpPr/>
+          <p:nvPr/>
+        </p:nvSpPr>
+        <p:spPr>
+          <a:xfrm>
+            <a:off x="4873696" y="2000029"/>
+            <a:ext cx="1233030" cy="1862048"/>
+          </a:xfrm>
+          <a:prstGeom prst="rect">
+            <a:avLst/>
+          </a:prstGeom>
+        </p:spPr>
+        <p:txBody>
+          <a:bodyPr wrap="none">
+            <a:spAutoFit/>
+          </a:bodyPr>
+          <a:lstStyle/>
+          <a:p>
+            <a:r>
+              <a:rPr lang="en-US" altLang="zh-CN" sz="11500" b="1" dirty="0">
+                <a:solidFill>
+                  <a:schemeClr val="bg1"/>
+                </a:solidFill>
+                <a:effectLst>
+                  <a:outerShdw blurRad="50800" dist="38100" dir="2700000" algn="tl" rotWithShape="0">
+                    <a:prstClr val="black">
+                      <a:alpha val="40000"/>
+                    </a:prstClr>
+                  </a:outerShdw>
+                </a:effectLst>
+              </a:rPr>
+              <a:t>0</a:t>
+            </a:r>
+            <a:endParaRPr lang="zh-CN" altLang="en-US" sz="2000" dirty="0"/>
+          </a:p>
+        </p:txBody>
+      </p:sp>
+      <p:sp>
+        <p:nvSpPr>
+          <p:cNvPr id="7" name="矩形 6"/>
+          <p:cNvSpPr/>
+          <p:nvPr/>
+        </p:nvSpPr>
+        <p:spPr>
+          <a:xfrm>
+            <a:off x="6218035" y="1994914"/>
+            <a:ext cx="1233030" cy="1862048"/>
+          </a:xfrm>
+          <a:prstGeom prst="rect">
+            <a:avLst/>
+          </a:prstGeom>
+        </p:spPr>
+        <p:txBody>
+          <a:bodyPr wrap="none">
+            <a:spAutoFit/>
+          </a:bodyPr>
+          <a:lstStyle/>
+          <a:p>
+            <a:r>
+              <a:rPr lang="en-US" altLang="zh-CN" sz="11500" b="1" dirty="0">
+                <a:solidFill>
+                  <a:schemeClr val="bg1"/>
+                </a:solidFill>
+                <a:effectLst>
+                  <a:outerShdw blurRad="50800" dist="38100" dir="2700000" algn="tl" rotWithShape="0">
+                    <a:prstClr val="black">
+                      <a:alpha val="40000"/>
+                    </a:prstClr>
+                  </a:outerShdw>
+                </a:effectLst>
+              </a:rPr>
+              <a:t>1</a:t>
+            </a:r>
+            <a:endParaRPr lang="zh-CN" altLang="en-US" sz="2000" dirty="0"/>
+          </a:p>
+        </p:txBody>
+      </p:sp>
+      <p:grpSp>
+        <p:nvGrpSpPr>
+          <p:cNvPr id="2" name="组合 1"/>
+          <p:cNvGrpSpPr/>
+          <p:nvPr/>
+        </p:nvGrpSpPr>
+        <p:grpSpPr>
+          <a:xfrm>
+            <a:off x="2709891" y="4491163"/>
+            <a:ext cx="6512109" cy="798013"/>
+            <a:chOff x="3084253" y="4557670"/>
+            <a:chExt cx="6512109" cy="798013"/>
+          </a:xfrm>
+        </p:grpSpPr>
+        <p:sp>
+          <p:nvSpPr>
+            <p:cNvPr id="4" name="文本框 3"/>
+            <p:cNvSpPr txBox="1"/>
+            <p:nvPr/>
+          </p:nvSpPr>
+          <p:spPr>
+            <a:xfrm>
+              <a:off x="3463688" y="4557670"/>
+              <a:ext cx="6132674" cy="646331"/>
+            </a:xfrm>
+            <a:prstGeom prst="rect">
+              <a:avLst/>
+            </a:prstGeom>
+            <a:noFill/>
+          </p:spPr>
+          <p:txBody>
+            <a:bodyPr wrap="square" rtlCol="0">
+              <a:spAutoFit/>
+            </a:bodyPr>
+            <a:lstStyle/>
+            <a:p>
+              <a:pPr algn="ctr"/>
+              <a:endParaRPr lang="zh-CN" altLang="en-US" sz="3600" b="1" dirty="0">
+                <a:solidFill>
+                  <a:schemeClr val="bg1"/>
+                </a:solidFill>
+              </a:endParaRPr>
+            </a:p>
+          </p:txBody>
+        </p:sp>
+        <p:grpSp>
+          <p:nvGrpSpPr>
+            <p:cNvPr id="15" name="组合 14"/>
+            <p:cNvGrpSpPr/>
+            <p:nvPr/>
+          </p:nvGrpSpPr>
+          <p:grpSpPr>
+            <a:xfrm rot="18938339">
+              <a:off x="3084253" y="4592231"/>
+              <a:ext cx="758869" cy="763452"/>
+              <a:chOff x="11063181" y="-389332"/>
+              <a:chExt cx="1438119" cy="1446804"/>
+            </a:xfrm>
+          </p:grpSpPr>
+          <p:sp>
+            <p:nvSpPr>
+              <p:cNvPr id="16" name="矩形 15"/>
+              <p:cNvSpPr/>
+              <p:nvPr/>
+            </p:nvSpPr>
+            <p:spPr>
+              <a:xfrm>
+                <a:off x="11381387" y="246204"/>
+                <a:ext cx="492407" cy="492407"/>
+              </a:xfrm>
+              <a:prstGeom prst="rect">
+                <a:avLst/>
+              </a:prstGeom>
+              <a:noFill/>
+              <a:ln w="38100">
+                <a:solidFill>
+                  <a:schemeClr val="accent3"/>
+                </a:solidFill>
+              </a:ln>
+            </p:spPr>
+            <p:style>
+              <a:lnRef idx="2">
+                <a:schemeClr val="accent1">
+                  <a:shade val="50000"/>
+                </a:schemeClr>
+              </a:lnRef>
+              <a:fillRef idx="1">
+                <a:schemeClr val="accent1"/>
+              </a:fillRef>
+              <a:effectRef idx="0">
+                <a:schemeClr val="accent1"/>
+              </a:effectRef>
+              <a:fontRef idx="minor">
+                <a:schemeClr val="lt1"/>
+              </a:fontRef>
+            </p:style>
+            <p:txBody>
+              <a:bodyPr rtlCol="0" anchor="ctr"/>
+              <a:lstStyle/>
+              <a:p>
+                <a:pPr algn="ctr"/>
+                <a:endParaRPr lang="zh-CN" altLang="en-US"/>
+              </a:p>
+            </p:txBody>
+          </p:sp>
+          <p:sp>
+            <p:nvSpPr>
+              <p:cNvPr id="17" name="矩形 16"/>
+              <p:cNvSpPr/>
+              <p:nvPr/>
+            </p:nvSpPr>
+            <p:spPr>
+              <a:xfrm>
+                <a:off x="11698526" y="-62392"/>
+                <a:ext cx="492407" cy="492407"/>
+              </a:xfrm>
+              <a:prstGeom prst="rect">
+                <a:avLst/>
+              </a:prstGeom>
+              <a:noFill/>
+              <a:ln w="38100">
+                <a:solidFill>
+                  <a:schemeClr val="tx2">
+                    <a:lumMod val="60000"/>
+                    <a:lumOff val="40000"/>
+                  </a:schemeClr>
+                </a:solidFill>
+              </a:ln>
+            </p:spPr>
+            <p:style>
+              <a:lnRef idx="2">
+                <a:schemeClr val="accent1">
+                  <a:shade val="50000"/>
+                </a:schemeClr>
+              </a:lnRef>
+              <a:fillRef idx="1">
+                <a:schemeClr val="accent1"/>
+              </a:fillRef>
+              <a:effectRef idx="0">
+                <a:schemeClr val="accent1"/>
+              </a:effectRef>
+              <a:fontRef idx="minor">
+                <a:schemeClr val="lt1"/>
+              </a:fontRef>
+            </p:style>
+            <p:txBody>
+              <a:bodyPr rtlCol="0" anchor="ctr"/>
+              <a:lstStyle/>
+              <a:p>
+                <a:pPr algn="ctr"/>
+                <a:endParaRPr lang="zh-CN" altLang="en-US"/>
+              </a:p>
+            </p:txBody>
+          </p:sp>
+          <p:sp>
+            <p:nvSpPr>
+              <p:cNvPr id="18" name="矩形 17"/>
+              <p:cNvSpPr/>
+              <p:nvPr/>
+            </p:nvSpPr>
+            <p:spPr>
+              <a:xfrm>
+                <a:off x="11063181" y="565065"/>
+                <a:ext cx="492407" cy="492407"/>
+              </a:xfrm>
+              <a:prstGeom prst="rect">
+                <a:avLst/>
+              </a:prstGeom>
+              <a:noFill/>
+              <a:ln w="38100">
+                <a:solidFill>
+                  <a:schemeClr val="accent4"/>
+                </a:solidFill>
+              </a:ln>
+            </p:spPr>
+            <p:style>
+              <a:lnRef idx="2">
+                <a:schemeClr val="accent1">
+                  <a:shade val="50000"/>
+                </a:schemeClr>
+              </a:lnRef>
+              <a:fillRef idx="1">
+                <a:schemeClr val="accent1"/>
+              </a:fillRef>
+              <a:effectRef idx="0">
+                <a:schemeClr val="accent1"/>
+              </a:effectRef>
+              <a:fontRef idx="minor">
+                <a:schemeClr val="lt1"/>
+              </a:fontRef>
+            </p:style>
+            <p:txBody>
+              <a:bodyPr rtlCol="0" anchor="ctr"/>
+              <a:lstStyle/>
+              <a:p>
+                <a:pPr algn="ctr"/>
+                <a:endParaRPr lang="zh-CN" altLang="en-US"/>
+              </a:p>
+            </p:txBody>
+          </p:sp>
+          <p:sp>
+            <p:nvSpPr>
+              <p:cNvPr id="19" name="矩形 18"/>
+              <p:cNvSpPr/>
+              <p:nvPr/>
+            </p:nvSpPr>
+            <p:spPr>
+              <a:xfrm>
+                <a:off x="12008893" y="-389332"/>
+                <a:ext cx="492407" cy="492407"/>
+              </a:xfrm>
+              <a:prstGeom prst="rect">
+                <a:avLst/>
+              </a:prstGeom>
+              <a:noFill/>
+              <a:ln w="38100">
+                <a:solidFill>
+                  <a:schemeClr val="accent6"/>
+                </a:solidFill>
+              </a:ln>
+            </p:spPr>
+            <p:style>
+              <a:lnRef idx="2">
+                <a:schemeClr val="accent1">
+                  <a:shade val="50000"/>
+                </a:schemeClr>
+              </a:lnRef>
+              <a:fillRef idx="1">
+                <a:schemeClr val="accent1"/>
+              </a:fillRef>
+              <a:effectRef idx="0">
+                <a:schemeClr val="accent1"/>
+              </a:effectRef>
+              <a:fontRef idx="minor">
+                <a:schemeClr val="lt1"/>
+              </a:fontRef>
+            </p:style>
+            <p:txBody>
+              <a:bodyPr rtlCol="0" anchor="ctr"/>
+              <a:lstStyle/>
+              <a:p>
+                <a:pPr algn="ctr"/>
+                <a:endParaRPr lang="zh-CN" altLang="en-US"/>
+              </a:p>
+            </p:txBody>
+          </p:sp>
+        </p:grpSp>
+      </p:grpSp>
+      <p:sp>
+        <p:nvSpPr>
+          <p:cNvPr id="20" name="矩形 19"/>
+          <p:cNvSpPr/>
+          <p:nvPr/>
+        </p:nvSpPr>
+        <p:spPr>
+          <a:xfrm>
+            <a:off x="4854508" y="4709363"/>
+            <a:ext cx="4491745" cy="498598"/>
+          </a:xfrm>
+          <a:prstGeom prst="rect">
+            <a:avLst/>
+          </a:prstGeom>
+        </p:spPr>
+        <p:txBody>
+          <a:bodyPr wrap="square">
+            <a:spAutoFit/>
+          </a:bodyPr>
+          <a:lstStyle/>
+          <a:p>
+            <a:pPr marL="342900" lvl="0" indent="-342900" fontAlgn="base">
+              <a:lnSpc>
+                <a:spcPct val="110000"/>
+              </a:lnSpc>
+              <a:spcBef>
+                <a:spcPct val="0"/>
+              </a:spcBef>
+              <a:spcAft>
+                <a:spcPct val="0"/>
+              </a:spcAft>
+            </a:pPr>
+            <a:r>
+              <a:rPr lang="zh-CN" altLang="en-US" sz="2400" kern="0" dirty="0">
+                <a:solidFill>
+                  <a:schemeClr val="bg1"/>
+                </a:solidFill>
+                <a:latin typeface="微软雅黑" panose="020B0503020204020204" pitchFamily="34" charset="-122"/>
+                <a:ea typeface="微软雅黑" panose="020B0503020204020204" pitchFamily="34" charset="-122"/>
+              </a:rPr>
+              <a:t>四五软件研究所</a:t>
+            </a:r>
+            <a:endParaRPr lang="en-US" altLang="zh-CN" sz="2400" kern="0" dirty="0">
+              <a:solidFill>
+                <a:schemeClr val="bg1"/>
+              </a:solidFill>
+              <a:latin typeface="微软雅黑" panose="020B0503020204020204" pitchFamily="34" charset="-122"/>
+              <a:ea typeface="微软雅黑" panose="020B0503020204020204" pitchFamily="34" charset="-122"/>
+            </a:endParaRPr>
+          </a:p>
+        </p:txBody>
+      </p:sp>
+    </p:spTree>
+    <p:extLst>
+      <p:ext uri="{BB962C8B-B14F-4D97-AF65-F5344CB8AC3E}">
+        <p14:creationId xmlns:p14="http://schemas.microsoft.com/office/powerpoint/2010/main" val="941645301"/>
+      </p:ext>
+    </p:extLst>
+  </p:cSld>
+  <p:clrMapOvr>
+    <a:masterClrMapping/>
+  </p:clrMapOvr>
+  <p:transition spd="slow">
+    <p:wipe/>
+  </p:transition>
+</p:sld>
+</file>
+
+<file path=ppt/slides/slide2.xml><?xml version="1.0" encoding="utf-8"?>
+<p:sld xmlns:a="http://schemas.openxmlformats.org/drawingml/2006/main" xmlns:r="http://schemas.openxmlformats.org/officeDocument/2006/relationships" xmlns:p="http://schemas.openxmlformats.org/presentationml/2006/main">
+  <p:cSld>
+    <p:spTree>
+      <p:nvGrpSpPr>
+        <p:cNvPr id="1" name=""/>
+        <p:cNvGrpSpPr/>
+        <p:nvPr/>
+      </p:nvGrpSpPr>
+      <p:grpSpPr>
+        <a:xfrm>
+          <a:off x="0" y="0"/>
+          <a:ext cx="0" cy="0"/>
+          <a:chOff x="0" y="0"/>
+          <a:chExt cx="0" cy="0"/>
+        </a:xfrm>
+      </p:grpSpPr>
+      <p:sp>
+        <p:nvSpPr>
+          <p:cNvPr id="6" name="文本框 5"/>
+          <p:cNvSpPr txBox="1"/>
+          <p:nvPr/>
+        </p:nvSpPr>
+        <p:spPr>
+          <a:xfrm>
+            <a:off x="4021831" y="1470016"/>
+            <a:ext cx="8005329" cy="6186309"/>
+          </a:xfrm>
+          <a:prstGeom prst="rect">
+            <a:avLst/>
+          </a:prstGeom>
+          <a:noFill/>
+        </p:spPr>
+        <p:txBody>
+          <a:bodyPr wrap="square" rtlCol="0">
+            <a:spAutoFit/>
+          </a:bodyPr>
+          <a:lstStyle/>
+          <a:p>
+            <a:r>
+              <a:rPr lang="en-US" altLang="zh-CN" sz="8800" b="1" dirty="0">
                 <a:solidFill>
                   <a:schemeClr val="bg1"/>
                 </a:solidFill>
               </a:rPr>
-              <a:t>展示建模：静态建模</a:t>
-            </a:r>
-            <a:endParaRPr lang="zh-CN" altLang="en-US" dirty="0">
+              <a:t>Part five</a:t>
+            </a:r>
+          </a:p>
+          <a:p>
+            <a:r>
+              <a:rPr lang="zh-CN" altLang="en-US" sz="6600" b="1" dirty="0">
+                <a:solidFill>
+                  <a:schemeClr val="bg1"/>
+                </a:solidFill>
+              </a:rPr>
+              <a:t>展示建模：</a:t>
+            </a:r>
+            <a:endParaRPr lang="en-US" altLang="zh-CN" sz="6600" b="1" dirty="0">
               <a:solidFill>
                 <a:schemeClr val="bg1"/>
               </a:solidFill>
             </a:endParaRPr>
           </a:p>
-        </p:txBody>
-      </p:sp>
+          <a:p>
+            <a:r>
+              <a:rPr lang="en-US" altLang="zh-CN" sz="6600" b="1" dirty="0">
+                <a:solidFill>
+                  <a:schemeClr val="bg1"/>
+                </a:solidFill>
+              </a:rPr>
+              <a:t>UWE</a:t>
+            </a:r>
+            <a:r>
+              <a:rPr lang="zh-CN" altLang="en-US" sz="6600" b="1" dirty="0">
+                <a:solidFill>
+                  <a:schemeClr val="bg1"/>
+                </a:solidFill>
+              </a:rPr>
+              <a:t>建模</a:t>
+            </a:r>
+          </a:p>
+          <a:p>
+            <a:endParaRPr lang="en-US" altLang="zh-CN" sz="8800" b="1" dirty="0">
+              <a:solidFill>
+                <a:schemeClr val="bg1"/>
+              </a:solidFill>
+            </a:endParaRPr>
+          </a:p>
+          <a:p>
+            <a:endParaRPr lang="zh-CN" altLang="en-US" sz="8800" b="1" dirty="0">
+              <a:solidFill>
+                <a:schemeClr val="bg1"/>
+              </a:solidFill>
+            </a:endParaRPr>
+          </a:p>
+        </p:txBody>
+      </p:sp>
+      <p:grpSp>
+        <p:nvGrpSpPr>
+          <p:cNvPr id="7" name="组合 6"/>
+          <p:cNvGrpSpPr/>
+          <p:nvPr/>
+        </p:nvGrpSpPr>
+        <p:grpSpPr>
+          <a:xfrm rot="19068014">
+            <a:off x="1556870" y="2221074"/>
+            <a:ext cx="1957812" cy="2144454"/>
+            <a:chOff x="10141891" y="-883067"/>
+            <a:chExt cx="2652736" cy="2905631"/>
+          </a:xfrm>
+        </p:grpSpPr>
+        <p:sp>
+          <p:nvSpPr>
+            <p:cNvPr id="8" name="矩形 7"/>
+            <p:cNvSpPr/>
+            <p:nvPr/>
+          </p:nvSpPr>
+          <p:spPr>
+            <a:xfrm>
+              <a:off x="12394716" y="133432"/>
+              <a:ext cx="399911" cy="492961"/>
+            </a:xfrm>
+            <a:prstGeom prst="rect">
+              <a:avLst/>
+            </a:prstGeom>
+            <a:noFill/>
+            <a:ln w="38100">
+              <a:solidFill>
+                <a:schemeClr val="accent3"/>
+              </a:solidFill>
+            </a:ln>
+          </p:spPr>
+          <p:style>
+            <a:lnRef idx="2">
+              <a:schemeClr val="accent1">
+                <a:shade val="50000"/>
+              </a:schemeClr>
+            </a:lnRef>
+            <a:fillRef idx="1">
+              <a:schemeClr val="accent1"/>
+            </a:fillRef>
+            <a:effectRef idx="0">
+              <a:schemeClr val="accent1"/>
+            </a:effectRef>
+            <a:fontRef idx="minor">
+              <a:schemeClr val="lt1"/>
+            </a:fontRef>
+          </p:style>
+          <p:txBody>
+            <a:bodyPr rtlCol="0" anchor="ctr"/>
+            <a:lstStyle/>
+            <a:p>
+              <a:pPr algn="ctr"/>
+              <a:endParaRPr lang="zh-CN" altLang="en-US" sz="1600"/>
+            </a:p>
+          </p:txBody>
+        </p:sp>
+        <p:sp>
+          <p:nvSpPr>
+            <p:cNvPr id="9" name="矩形 8"/>
+            <p:cNvSpPr/>
+            <p:nvPr/>
+          </p:nvSpPr>
+          <p:spPr>
+            <a:xfrm>
+              <a:off x="11945323" y="-178135"/>
+              <a:ext cx="492405" cy="492407"/>
+            </a:xfrm>
+            <a:prstGeom prst="rect">
+              <a:avLst/>
+            </a:prstGeom>
+            <a:noFill/>
+            <a:ln w="38100">
+              <a:solidFill>
+                <a:schemeClr val="tx2">
+                  <a:lumMod val="60000"/>
+                  <a:lumOff val="40000"/>
+                </a:schemeClr>
+              </a:solidFill>
+            </a:ln>
+          </p:spPr>
+          <p:style>
+            <a:lnRef idx="2">
+              <a:schemeClr val="accent1">
+                <a:shade val="50000"/>
+              </a:schemeClr>
+            </a:lnRef>
+            <a:fillRef idx="1">
+              <a:schemeClr val="accent1"/>
+            </a:fillRef>
+            <a:effectRef idx="0">
+              <a:schemeClr val="accent1"/>
+            </a:effectRef>
+            <a:fontRef idx="minor">
+              <a:schemeClr val="lt1"/>
+            </a:fontRef>
+          </p:style>
+          <p:txBody>
+            <a:bodyPr rtlCol="0" anchor="ctr"/>
+            <a:lstStyle/>
+            <a:p>
+              <a:pPr algn="ctr"/>
+              <a:endParaRPr lang="zh-CN" altLang="en-US" sz="1600"/>
+            </a:p>
+          </p:txBody>
+        </p:sp>
+        <p:sp>
+          <p:nvSpPr>
+            <p:cNvPr id="10" name="矩形 9"/>
+            <p:cNvSpPr/>
+            <p:nvPr/>
+          </p:nvSpPr>
+          <p:spPr>
+            <a:xfrm>
+              <a:off x="11181847" y="-197920"/>
+              <a:ext cx="492406" cy="492407"/>
+            </a:xfrm>
+            <a:prstGeom prst="rect">
+              <a:avLst/>
+            </a:prstGeom>
+            <a:noFill/>
+            <a:ln w="38100">
+              <a:solidFill>
+                <a:schemeClr val="accent4"/>
+              </a:solidFill>
+            </a:ln>
+          </p:spPr>
+          <p:style>
+            <a:lnRef idx="2">
+              <a:schemeClr val="accent1">
+                <a:shade val="50000"/>
+              </a:schemeClr>
+            </a:lnRef>
+            <a:fillRef idx="1">
+              <a:schemeClr val="accent1"/>
+            </a:fillRef>
+            <a:effectRef idx="0">
+              <a:schemeClr val="accent1"/>
+            </a:effectRef>
+            <a:fontRef idx="minor">
+              <a:schemeClr val="lt1"/>
+            </a:fontRef>
+          </p:style>
+          <p:txBody>
+            <a:bodyPr rtlCol="0" anchor="ctr"/>
+            <a:lstStyle/>
+            <a:p>
+              <a:pPr algn="ctr"/>
+              <a:endParaRPr lang="zh-CN" altLang="en-US" sz="1600"/>
+            </a:p>
+          </p:txBody>
+        </p:sp>
+        <p:sp>
+          <p:nvSpPr>
+            <p:cNvPr id="11" name="矩形 10"/>
+            <p:cNvSpPr/>
+            <p:nvPr/>
+          </p:nvSpPr>
+          <p:spPr>
+            <a:xfrm>
+              <a:off x="11775612" y="-883067"/>
+              <a:ext cx="492407" cy="492407"/>
+            </a:xfrm>
+            <a:prstGeom prst="rect">
+              <a:avLst/>
+            </a:prstGeom>
+            <a:noFill/>
+            <a:ln w="38100">
+              <a:solidFill>
+                <a:schemeClr val="accent6"/>
+              </a:solidFill>
+            </a:ln>
+          </p:spPr>
+          <p:style>
+            <a:lnRef idx="2">
+              <a:schemeClr val="accent1">
+                <a:shade val="50000"/>
+              </a:schemeClr>
+            </a:lnRef>
+            <a:fillRef idx="1">
+              <a:schemeClr val="accent1"/>
+            </a:fillRef>
+            <a:effectRef idx="0">
+              <a:schemeClr val="accent1"/>
+            </a:effectRef>
+            <a:fontRef idx="minor">
+              <a:schemeClr val="lt1"/>
+            </a:fontRef>
+          </p:style>
+          <p:txBody>
+            <a:bodyPr rtlCol="0" anchor="ctr"/>
+            <a:lstStyle/>
+            <a:p>
+              <a:pPr algn="ctr"/>
+              <a:endParaRPr lang="zh-CN" altLang="en-US" sz="1600" dirty="0"/>
+            </a:p>
+          </p:txBody>
+        </p:sp>
+        <p:sp>
+          <p:nvSpPr>
+            <p:cNvPr id="12" name="矩形 11"/>
+            <p:cNvSpPr/>
+            <p:nvPr/>
+          </p:nvSpPr>
+          <p:spPr>
+            <a:xfrm>
+              <a:off x="11343074" y="734042"/>
+              <a:ext cx="492406" cy="492407"/>
+            </a:xfrm>
+            <a:prstGeom prst="rect">
+              <a:avLst/>
+            </a:prstGeom>
+            <a:noFill/>
+            <a:ln w="38100">
+              <a:solidFill>
+                <a:schemeClr val="accent4"/>
+              </a:solidFill>
+            </a:ln>
+          </p:spPr>
+          <p:style>
+            <a:lnRef idx="2">
+              <a:schemeClr val="accent1">
+                <a:shade val="50000"/>
+              </a:schemeClr>
+            </a:lnRef>
+            <a:fillRef idx="1">
+              <a:schemeClr val="accent1"/>
+            </a:fillRef>
+            <a:effectRef idx="0">
+              <a:schemeClr val="accent1"/>
+            </a:effectRef>
+            <a:fontRef idx="minor">
+              <a:schemeClr val="lt1"/>
+            </a:fontRef>
+          </p:style>
+          <p:txBody>
+            <a:bodyPr rtlCol="0" anchor="ctr"/>
+            <a:lstStyle/>
+            <a:p>
+              <a:pPr algn="ctr"/>
+              <a:endParaRPr lang="zh-CN" altLang="en-US" sz="1600"/>
+            </a:p>
+          </p:txBody>
+        </p:sp>
+        <p:sp>
+          <p:nvSpPr>
+            <p:cNvPr id="13" name="矩形 12"/>
+            <p:cNvSpPr/>
+            <p:nvPr/>
+          </p:nvSpPr>
+          <p:spPr>
+            <a:xfrm>
+              <a:off x="10828124" y="303104"/>
+              <a:ext cx="492406" cy="492407"/>
+            </a:xfrm>
+            <a:prstGeom prst="rect">
+              <a:avLst/>
+            </a:prstGeom>
+            <a:noFill/>
+            <a:ln w="38100">
+              <a:solidFill>
+                <a:schemeClr val="accent6"/>
+              </a:solidFill>
+            </a:ln>
+          </p:spPr>
+          <p:style>
+            <a:lnRef idx="2">
+              <a:schemeClr val="accent1">
+                <a:shade val="50000"/>
+              </a:schemeClr>
+            </a:lnRef>
+            <a:fillRef idx="1">
+              <a:schemeClr val="accent1"/>
+            </a:fillRef>
+            <a:effectRef idx="0">
+              <a:schemeClr val="accent1"/>
+            </a:effectRef>
+            <a:fontRef idx="minor">
+              <a:schemeClr val="lt1"/>
+            </a:fontRef>
+          </p:style>
+          <p:txBody>
+            <a:bodyPr rtlCol="0" anchor="ctr"/>
+            <a:lstStyle/>
+            <a:p>
+              <a:pPr algn="ctr"/>
+              <a:endParaRPr lang="zh-CN" altLang="en-US" sz="1600"/>
+            </a:p>
+          </p:txBody>
+        </p:sp>
+        <p:sp>
+          <p:nvSpPr>
+            <p:cNvPr id="14" name="矩形 13"/>
+            <p:cNvSpPr/>
+            <p:nvPr/>
+          </p:nvSpPr>
+          <p:spPr>
+            <a:xfrm>
+              <a:off x="10141891" y="949004"/>
+              <a:ext cx="492408" cy="492407"/>
+            </a:xfrm>
+            <a:prstGeom prst="rect">
+              <a:avLst/>
+            </a:prstGeom>
+            <a:noFill/>
+            <a:ln w="38100">
+              <a:solidFill>
+                <a:schemeClr val="accent3"/>
+              </a:solidFill>
+            </a:ln>
+          </p:spPr>
+          <p:style>
+            <a:lnRef idx="2">
+              <a:schemeClr val="accent1">
+                <a:shade val="50000"/>
+              </a:schemeClr>
+            </a:lnRef>
+            <a:fillRef idx="1">
+              <a:schemeClr val="accent1"/>
+            </a:fillRef>
+            <a:effectRef idx="0">
+              <a:schemeClr val="accent1"/>
+            </a:effectRef>
+            <a:fontRef idx="minor">
+              <a:schemeClr val="lt1"/>
+            </a:fontRef>
+          </p:style>
+          <p:txBody>
+            <a:bodyPr rtlCol="0" anchor="ctr"/>
+            <a:lstStyle/>
+            <a:p>
+              <a:pPr algn="ctr"/>
+              <a:endParaRPr lang="zh-CN" altLang="en-US" sz="1600"/>
+            </a:p>
+          </p:txBody>
+        </p:sp>
+        <p:sp>
+          <p:nvSpPr>
+            <p:cNvPr id="18" name="矩形 17"/>
+            <p:cNvSpPr/>
+            <p:nvPr/>
+          </p:nvSpPr>
+          <p:spPr>
+            <a:xfrm>
+              <a:off x="10675266" y="1483202"/>
+              <a:ext cx="492408" cy="492407"/>
+            </a:xfrm>
+            <a:prstGeom prst="rect">
+              <a:avLst/>
+            </a:prstGeom>
+            <a:noFill/>
+            <a:ln w="38100">
+              <a:solidFill>
+                <a:schemeClr val="accent6"/>
+              </a:solidFill>
+            </a:ln>
+          </p:spPr>
+          <p:style>
+            <a:lnRef idx="2">
+              <a:schemeClr val="accent1">
+                <a:shade val="50000"/>
+              </a:schemeClr>
+            </a:lnRef>
+            <a:fillRef idx="1">
+              <a:schemeClr val="accent1"/>
+            </a:fillRef>
+            <a:effectRef idx="0">
+              <a:schemeClr val="accent1"/>
+            </a:effectRef>
+            <a:fontRef idx="minor">
+              <a:schemeClr val="lt1"/>
+            </a:fontRef>
+          </p:style>
+          <p:txBody>
+            <a:bodyPr rtlCol="0" anchor="ctr"/>
+            <a:lstStyle/>
+            <a:p>
+              <a:pPr algn="ctr"/>
+              <a:endParaRPr lang="zh-CN" altLang="en-US" sz="1600"/>
+            </a:p>
+          </p:txBody>
+        </p:sp>
+        <p:sp>
+          <p:nvSpPr>
+            <p:cNvPr id="19" name="矩形 18"/>
+            <p:cNvSpPr/>
+            <p:nvPr/>
+          </p:nvSpPr>
+          <p:spPr>
+            <a:xfrm>
+              <a:off x="11382154" y="1530157"/>
+              <a:ext cx="492408" cy="492407"/>
+            </a:xfrm>
+            <a:prstGeom prst="rect">
+              <a:avLst/>
+            </a:prstGeom>
+            <a:noFill/>
+            <a:ln w="38100">
+              <a:solidFill>
+                <a:schemeClr val="accent3"/>
+              </a:solidFill>
+            </a:ln>
+          </p:spPr>
+          <p:style>
+            <a:lnRef idx="2">
+              <a:schemeClr val="accent1">
+                <a:shade val="50000"/>
+              </a:schemeClr>
+            </a:lnRef>
+            <a:fillRef idx="1">
+              <a:schemeClr val="accent1"/>
+            </a:fillRef>
+            <a:effectRef idx="0">
+              <a:schemeClr val="accent1"/>
+            </a:effectRef>
+            <a:fontRef idx="minor">
+              <a:schemeClr val="lt1"/>
+            </a:fontRef>
+          </p:style>
+          <p:txBody>
+            <a:bodyPr rtlCol="0" anchor="ctr"/>
+            <a:lstStyle/>
+            <a:p>
+              <a:pPr algn="ctr"/>
+              <a:endParaRPr lang="zh-CN" altLang="en-US" sz="1600"/>
+            </a:p>
+          </p:txBody>
+        </p:sp>
+      </p:grpSp>
+      <p:sp>
+        <p:nvSpPr>
+          <p:cNvPr id="15" name="矩形 14"/>
+          <p:cNvSpPr/>
+          <p:nvPr/>
+        </p:nvSpPr>
+        <p:spPr>
+          <a:xfrm rot="19068014">
+            <a:off x="2141973" y="2502488"/>
+            <a:ext cx="356825" cy="292096"/>
+          </a:xfrm>
+          <a:prstGeom prst="rect">
+            <a:avLst/>
+          </a:prstGeom>
+          <a:noFill/>
+          <a:ln w="38100">
+            <a:solidFill>
+              <a:srgbClr val="00B0F0"/>
+            </a:solidFill>
+          </a:ln>
+        </p:spPr>
+        <p:style>
+          <a:lnRef idx="2">
+            <a:schemeClr val="accent1">
+              <a:shade val="50000"/>
+            </a:schemeClr>
+          </a:lnRef>
+          <a:fillRef idx="1">
+            <a:schemeClr val="accent1"/>
+          </a:fillRef>
+          <a:effectRef idx="0">
+            <a:schemeClr val="accent1"/>
+          </a:effectRef>
+          <a:fontRef idx="minor">
+            <a:schemeClr val="lt1"/>
+          </a:fontRef>
+        </p:style>
+        <p:txBody>
+          <a:bodyPr rtlCol="0" anchor="ctr"/>
+          <a:lstStyle/>
+          <a:p>
+            <a:pPr algn="ctr"/>
+            <a:endParaRPr lang="zh-CN" altLang="en-US" sz="1600" dirty="0"/>
+          </a:p>
+        </p:txBody>
+      </p:sp>
+    </p:spTree>
+    <p:extLst>
+      <p:ext uri="{BB962C8B-B14F-4D97-AF65-F5344CB8AC3E}">
+        <p14:creationId xmlns:p14="http://schemas.microsoft.com/office/powerpoint/2010/main" val="1087031059"/>
+      </p:ext>
+    </p:extLst>
+  </p:cSld>
+  <p:clrMapOvr>
+    <a:masterClrMapping/>
+  </p:clrMapOvr>
+  <p:transition spd="slow">
+    <p:wipe/>
+  </p:transition>
+</p:sld>
+</file>
+
+<file path=ppt/slides/slide3.xml><?xml version="1.0" encoding="utf-8"?>
+<p:sld xmlns:a="http://schemas.openxmlformats.org/drawingml/2006/main" xmlns:r="http://schemas.openxmlformats.org/officeDocument/2006/relationships" xmlns:p="http://schemas.openxmlformats.org/presentationml/2006/main">
+  <p:cSld>
+    <p:spTree>
+      <p:nvGrpSpPr>
+        <p:cNvPr id="1" name=""/>
+        <p:cNvGrpSpPr/>
+        <p:nvPr/>
+      </p:nvGrpSpPr>
+      <p:grpSpPr>
+        <a:xfrm>
+          <a:off x="0" y="0"/>
+          <a:ext cx="0" cy="0"/>
+          <a:chOff x="0" y="0"/>
+          <a:chExt cx="0" cy="0"/>
+        </a:xfrm>
+      </p:grpSpPr>
+      <p:grpSp>
+        <p:nvGrpSpPr>
+          <p:cNvPr id="11" name="组合 10"/>
+          <p:cNvGrpSpPr/>
+          <p:nvPr/>
+        </p:nvGrpSpPr>
+        <p:grpSpPr>
+          <a:xfrm>
+            <a:off x="11063181" y="0"/>
+            <a:ext cx="1128819" cy="1057472"/>
+            <a:chOff x="11063181" y="0"/>
+            <a:chExt cx="1128819" cy="1057472"/>
+          </a:xfrm>
+        </p:grpSpPr>
+        <p:sp>
+          <p:nvSpPr>
+            <p:cNvPr id="12" name="矩形 11"/>
+            <p:cNvSpPr/>
+            <p:nvPr/>
+          </p:nvSpPr>
+          <p:spPr>
+            <a:xfrm>
+              <a:off x="11381387" y="246204"/>
+              <a:ext cx="492407" cy="492407"/>
+            </a:xfrm>
+            <a:prstGeom prst="rect">
+              <a:avLst/>
+            </a:prstGeom>
+            <a:noFill/>
+            <a:ln w="38100">
+              <a:solidFill>
+                <a:srgbClr val="DA2B89"/>
+              </a:solidFill>
+            </a:ln>
+          </p:spPr>
+          <p:style>
+            <a:lnRef idx="2">
+              <a:schemeClr val="accent1">
+                <a:shade val="50000"/>
+              </a:schemeClr>
+            </a:lnRef>
+            <a:fillRef idx="1">
+              <a:schemeClr val="accent1"/>
+            </a:fillRef>
+            <a:effectRef idx="0">
+              <a:schemeClr val="accent1"/>
+            </a:effectRef>
+            <a:fontRef idx="minor">
+              <a:schemeClr val="lt1"/>
+            </a:fontRef>
+          </p:style>
+          <p:txBody>
+            <a:bodyPr rtlCol="0" anchor="ctr"/>
+            <a:lstStyle/>
+            <a:p>
+              <a:pPr algn="ctr"/>
+              <a:endParaRPr lang="zh-CN" altLang="en-US"/>
+            </a:p>
+          </p:txBody>
+        </p:sp>
+        <p:sp>
+          <p:nvSpPr>
+            <p:cNvPr id="13" name="矩形 12"/>
+            <p:cNvSpPr/>
+            <p:nvPr/>
+          </p:nvSpPr>
+          <p:spPr>
+            <a:xfrm>
+              <a:off x="11699593" y="0"/>
+              <a:ext cx="492407" cy="492407"/>
+            </a:xfrm>
+            <a:prstGeom prst="rect">
+              <a:avLst/>
+            </a:prstGeom>
+            <a:noFill/>
+            <a:ln w="38100">
+              <a:solidFill>
+                <a:schemeClr val="tx2">
+                  <a:lumMod val="60000"/>
+                  <a:lumOff val="40000"/>
+                </a:schemeClr>
+              </a:solidFill>
+            </a:ln>
+          </p:spPr>
+          <p:style>
+            <a:lnRef idx="2">
+              <a:schemeClr val="accent1">
+                <a:shade val="50000"/>
+              </a:schemeClr>
+            </a:lnRef>
+            <a:fillRef idx="1">
+              <a:schemeClr val="accent1"/>
+            </a:fillRef>
+            <a:effectRef idx="0">
+              <a:schemeClr val="accent1"/>
+            </a:effectRef>
+            <a:fontRef idx="minor">
+              <a:schemeClr val="lt1"/>
+            </a:fontRef>
+          </p:style>
+          <p:txBody>
+            <a:bodyPr rtlCol="0" anchor="ctr"/>
+            <a:lstStyle/>
+            <a:p>
+              <a:pPr algn="ctr"/>
+              <a:endParaRPr lang="zh-CN" altLang="en-US"/>
+            </a:p>
+          </p:txBody>
+        </p:sp>
+        <p:sp>
+          <p:nvSpPr>
+            <p:cNvPr id="14" name="矩形 13"/>
+            <p:cNvSpPr/>
+            <p:nvPr/>
+          </p:nvSpPr>
+          <p:spPr>
+            <a:xfrm>
+              <a:off x="11063181" y="565065"/>
+              <a:ext cx="492407" cy="492407"/>
+            </a:xfrm>
+            <a:prstGeom prst="rect">
+              <a:avLst/>
+            </a:prstGeom>
+            <a:noFill/>
+            <a:ln w="38100">
+              <a:solidFill>
+                <a:schemeClr val="accent6"/>
+              </a:solidFill>
+            </a:ln>
+          </p:spPr>
+          <p:style>
+            <a:lnRef idx="2">
+              <a:schemeClr val="accent1">
+                <a:shade val="50000"/>
+              </a:schemeClr>
+            </a:lnRef>
+            <a:fillRef idx="1">
+              <a:schemeClr val="accent1"/>
+            </a:fillRef>
+            <a:effectRef idx="0">
+              <a:schemeClr val="accent1"/>
+            </a:effectRef>
+            <a:fontRef idx="minor">
+              <a:schemeClr val="lt1"/>
+            </a:fontRef>
+          </p:style>
+          <p:txBody>
+            <a:bodyPr rtlCol="0" anchor="ctr"/>
+            <a:lstStyle/>
+            <a:p>
+              <a:pPr algn="ctr"/>
+              <a:endParaRPr lang="zh-CN" altLang="en-US"/>
+            </a:p>
+          </p:txBody>
+        </p:sp>
+      </p:grpSp>
+      <p:pic>
+        <p:nvPicPr>
+          <p:cNvPr id="16" name="图片 15"/>
+          <p:cNvPicPr>
+            <a:picLocks noChangeAspect="1"/>
+          </p:cNvPicPr>
+          <p:nvPr/>
+        </p:nvPicPr>
+        <p:blipFill>
+          <a:blip r:embed="rId2">
+            <a:extLst>
+              <a:ext uri="{28A0092B-C50C-407E-A947-70E740481C1C}">
+                <a14:useLocalDpi xmlns:a14="http://schemas.microsoft.com/office/drawing/2010/main" val="0"/>
+              </a:ext>
+            </a:extLst>
+          </a:blip>
+          <a:stretch>
+            <a:fillRect/>
+          </a:stretch>
+        </p:blipFill>
+        <p:spPr>
+          <a:xfrm>
+            <a:off x="1457787" y="1324947"/>
+            <a:ext cx="8159547" cy="5411755"/>
+          </a:xfrm>
+          <a:prstGeom prst="rect">
+            <a:avLst/>
+          </a:prstGeom>
+        </p:spPr>
+      </p:pic>
+      <p:sp>
+        <p:nvSpPr>
+          <p:cNvPr id="17" name="文本框 16"/>
+          <p:cNvSpPr txBox="1"/>
+          <p:nvPr/>
+        </p:nvSpPr>
+        <p:spPr>
+          <a:xfrm>
+            <a:off x="2579587" y="349586"/>
+            <a:ext cx="6302207" cy="707886"/>
+          </a:xfrm>
+          <a:prstGeom prst="rect">
+            <a:avLst/>
+          </a:prstGeom>
+          <a:noFill/>
+        </p:spPr>
+        <p:txBody>
+          <a:bodyPr wrap="square" rtlCol="0">
+            <a:spAutoFit/>
+          </a:bodyPr>
+          <a:lstStyle/>
+          <a:p>
+            <a:r>
+              <a:rPr lang="zh-CN" altLang="en-US" sz="4000" b="1" dirty="0">
+                <a:solidFill>
+                  <a:schemeClr val="bg1"/>
+                </a:solidFill>
+              </a:rPr>
+              <a:t>登录页面</a:t>
+            </a:r>
+          </a:p>
+        </p:txBody>
+      </p:sp>
+    </p:spTree>
+    <p:extLst>
+      <p:ext uri="{BB962C8B-B14F-4D97-AF65-F5344CB8AC3E}">
+        <p14:creationId xmlns:p14="http://schemas.microsoft.com/office/powerpoint/2010/main" val="1331493100"/>
+      </p:ext>
+    </p:extLst>
+  </p:cSld>
+  <p:clrMapOvr>
+    <a:masterClrMapping/>
+  </p:clrMapOvr>
+  <p:transition spd="slow">
+    <p:wipe/>
+  </p:transition>
+</p:sld>
+</file>
+
+<file path=ppt/slides/slide4.xml><?xml version="1.0" encoding="utf-8"?>
+<p:sld xmlns:a="http://schemas.openxmlformats.org/drawingml/2006/main" xmlns:r="http://schemas.openxmlformats.org/officeDocument/2006/relationships" xmlns:p="http://schemas.openxmlformats.org/presentationml/2006/main">
+  <p:cSld>
+    <p:spTree>
+      <p:nvGrpSpPr>
+        <p:cNvPr id="1" name=""/>
+        <p:cNvGrpSpPr/>
+        <p:nvPr/>
+      </p:nvGrpSpPr>
+      <p:grpSpPr>
+        <a:xfrm>
+          <a:off x="0" y="0"/>
+          <a:ext cx="0" cy="0"/>
+          <a:chOff x="0" y="0"/>
+          <a:chExt cx="0" cy="0"/>
+        </a:xfrm>
+      </p:grpSpPr>
+      <p:grpSp>
+        <p:nvGrpSpPr>
+          <p:cNvPr id="11" name="组合 10"/>
+          <p:cNvGrpSpPr/>
+          <p:nvPr/>
+        </p:nvGrpSpPr>
+        <p:grpSpPr>
+          <a:xfrm>
+            <a:off x="11063181" y="0"/>
+            <a:ext cx="1128819" cy="1057472"/>
+            <a:chOff x="11063181" y="0"/>
+            <a:chExt cx="1128819" cy="1057472"/>
+          </a:xfrm>
+        </p:grpSpPr>
+        <p:sp>
+          <p:nvSpPr>
+            <p:cNvPr id="12" name="矩形 11"/>
+            <p:cNvSpPr/>
+            <p:nvPr/>
+          </p:nvSpPr>
+          <p:spPr>
+            <a:xfrm>
+              <a:off x="11381387" y="246204"/>
+              <a:ext cx="492407" cy="492407"/>
+            </a:xfrm>
+            <a:prstGeom prst="rect">
+              <a:avLst/>
+            </a:prstGeom>
+            <a:noFill/>
+            <a:ln w="38100">
+              <a:solidFill>
+                <a:srgbClr val="DA2B89"/>
+              </a:solidFill>
+            </a:ln>
+          </p:spPr>
+          <p:style>
+            <a:lnRef idx="2">
+              <a:schemeClr val="accent1">
+                <a:shade val="50000"/>
+              </a:schemeClr>
+            </a:lnRef>
+            <a:fillRef idx="1">
+              <a:schemeClr val="accent1"/>
+            </a:fillRef>
+            <a:effectRef idx="0">
+              <a:schemeClr val="accent1"/>
+            </a:effectRef>
+            <a:fontRef idx="minor">
+              <a:schemeClr val="lt1"/>
+            </a:fontRef>
+          </p:style>
+          <p:txBody>
+            <a:bodyPr rtlCol="0" anchor="ctr"/>
+            <a:lstStyle/>
+            <a:p>
+              <a:pPr algn="ctr"/>
+              <a:endParaRPr lang="zh-CN" altLang="en-US"/>
+            </a:p>
+          </p:txBody>
+        </p:sp>
+        <p:sp>
+          <p:nvSpPr>
+            <p:cNvPr id="13" name="矩形 12"/>
+            <p:cNvSpPr/>
+            <p:nvPr/>
+          </p:nvSpPr>
+          <p:spPr>
+            <a:xfrm>
+              <a:off x="11699593" y="0"/>
+              <a:ext cx="492407" cy="492407"/>
+            </a:xfrm>
+            <a:prstGeom prst="rect">
+              <a:avLst/>
+            </a:prstGeom>
+            <a:noFill/>
+            <a:ln w="38100">
+              <a:solidFill>
+                <a:schemeClr val="tx2">
+                  <a:lumMod val="60000"/>
+                  <a:lumOff val="40000"/>
+                </a:schemeClr>
+              </a:solidFill>
+            </a:ln>
+          </p:spPr>
+          <p:style>
+            <a:lnRef idx="2">
+              <a:schemeClr val="accent1">
+                <a:shade val="50000"/>
+              </a:schemeClr>
+            </a:lnRef>
+            <a:fillRef idx="1">
+              <a:schemeClr val="accent1"/>
+            </a:fillRef>
+            <a:effectRef idx="0">
+              <a:schemeClr val="accent1"/>
+            </a:effectRef>
+            <a:fontRef idx="minor">
+              <a:schemeClr val="lt1"/>
+            </a:fontRef>
+          </p:style>
+          <p:txBody>
+            <a:bodyPr rtlCol="0" anchor="ctr"/>
+            <a:lstStyle/>
+            <a:p>
+              <a:pPr algn="ctr"/>
+              <a:endParaRPr lang="zh-CN" altLang="en-US"/>
+            </a:p>
+          </p:txBody>
+        </p:sp>
+        <p:sp>
+          <p:nvSpPr>
+            <p:cNvPr id="14" name="矩形 13"/>
+            <p:cNvSpPr/>
+            <p:nvPr/>
+          </p:nvSpPr>
+          <p:spPr>
+            <a:xfrm>
+              <a:off x="11063181" y="565065"/>
+              <a:ext cx="492407" cy="492407"/>
+            </a:xfrm>
+            <a:prstGeom prst="rect">
+              <a:avLst/>
+            </a:prstGeom>
+            <a:noFill/>
+            <a:ln w="38100">
+              <a:solidFill>
+                <a:schemeClr val="accent6"/>
+              </a:solidFill>
+            </a:ln>
+          </p:spPr>
+          <p:style>
+            <a:lnRef idx="2">
+              <a:schemeClr val="accent1">
+                <a:shade val="50000"/>
+              </a:schemeClr>
+            </a:lnRef>
+            <a:fillRef idx="1">
+              <a:schemeClr val="accent1"/>
+            </a:fillRef>
+            <a:effectRef idx="0">
+              <a:schemeClr val="accent1"/>
+            </a:effectRef>
+            <a:fontRef idx="minor">
+              <a:schemeClr val="lt1"/>
+            </a:fontRef>
+          </p:style>
+          <p:txBody>
+            <a:bodyPr rtlCol="0" anchor="ctr"/>
+            <a:lstStyle/>
+            <a:p>
+              <a:pPr algn="ctr"/>
+              <a:endParaRPr lang="zh-CN" altLang="en-US"/>
+            </a:p>
+          </p:txBody>
+        </p:sp>
+      </p:grpSp>
+      <p:sp>
+        <p:nvSpPr>
+          <p:cNvPr id="17" name="文本框 16"/>
+          <p:cNvSpPr txBox="1"/>
+          <p:nvPr/>
+        </p:nvSpPr>
+        <p:spPr>
+          <a:xfrm>
+            <a:off x="2579587" y="349586"/>
+            <a:ext cx="6302207" cy="707886"/>
+          </a:xfrm>
+          <a:prstGeom prst="rect">
+            <a:avLst/>
+          </a:prstGeom>
+          <a:noFill/>
+        </p:spPr>
+        <p:txBody>
+          <a:bodyPr wrap="square" rtlCol="0">
+            <a:spAutoFit/>
+          </a:bodyPr>
+          <a:lstStyle/>
+          <a:p>
+            <a:r>
+              <a:rPr lang="zh-CN" altLang="en-US" sz="4000" b="1" dirty="0">
+                <a:solidFill>
+                  <a:schemeClr val="bg1"/>
+                </a:solidFill>
+              </a:rPr>
+              <a:t>注册页面</a:t>
+            </a:r>
+          </a:p>
+        </p:txBody>
+      </p:sp>
+      <p:pic>
+        <p:nvPicPr>
+          <p:cNvPr id="3" name="图片 2"/>
+          <p:cNvPicPr>
+            <a:picLocks noChangeAspect="1"/>
+          </p:cNvPicPr>
+          <p:nvPr/>
+        </p:nvPicPr>
+        <p:blipFill>
+          <a:blip r:embed="rId2">
+            <a:extLst>
+              <a:ext uri="{28A0092B-C50C-407E-A947-70E740481C1C}">
+                <a14:useLocalDpi xmlns:a14="http://schemas.microsoft.com/office/drawing/2010/main" val="0"/>
+              </a:ext>
+            </a:extLst>
+          </a:blip>
+          <a:stretch>
+            <a:fillRect/>
+          </a:stretch>
+        </p:blipFill>
+        <p:spPr>
+          <a:xfrm>
+            <a:off x="1458000" y="1324800"/>
+            <a:ext cx="8158107" cy="5410800"/>
+          </a:xfrm>
+          <a:prstGeom prst="rect">
+            <a:avLst/>
+          </a:prstGeom>
+        </p:spPr>
+      </p:pic>
+    </p:spTree>
+    <p:extLst>
+      <p:ext uri="{BB962C8B-B14F-4D97-AF65-F5344CB8AC3E}">
+        <p14:creationId xmlns:p14="http://schemas.microsoft.com/office/powerpoint/2010/main" val="2059875962"/>
+      </p:ext>
+    </p:extLst>
+  </p:cSld>
+  <p:clrMapOvr>
+    <a:masterClrMapping/>
+  </p:clrMapOvr>
+  <p:transition spd="slow">
+    <p:wipe/>
+  </p:transition>
+</p:sld>
+</file>
+
+<file path=ppt/slides/slide5.xml><?xml version="1.0" encoding="utf-8"?>
+<p:sld xmlns:a="http://schemas.openxmlformats.org/drawingml/2006/main" xmlns:r="http://schemas.openxmlformats.org/officeDocument/2006/relationships" xmlns:p="http://schemas.openxmlformats.org/presentationml/2006/main">
+  <p:cSld>
+    <p:spTree>
+      <p:nvGrpSpPr>
+        <p:cNvPr id="1" name=""/>
+        <p:cNvGrpSpPr/>
+        <p:nvPr/>
+      </p:nvGrpSpPr>
+      <p:grpSpPr>
+        <a:xfrm>
+          <a:off x="0" y="0"/>
+          <a:ext cx="0" cy="0"/>
+          <a:chOff x="0" y="0"/>
+          <a:chExt cx="0" cy="0"/>
+        </a:xfrm>
+      </p:grpSpPr>
       <p:pic>
         <p:nvPicPr>
           <p:cNvPr id="10" name="图片 9"/>
@@ -3232,16 +4982,172 @@
           </a:prstGeom>
         </p:spPr>
       </p:pic>
-      <p:sp>
-        <p:nvSpPr>
-          <p:cNvPr id="21" name="文本框 20"/>
+      <p:grpSp>
+        <p:nvGrpSpPr>
+          <p:cNvPr id="5" name="组合 4"/>
+          <p:cNvGrpSpPr/>
+          <p:nvPr/>
+        </p:nvGrpSpPr>
+        <p:grpSpPr>
+          <a:xfrm>
+            <a:off x="11063181" y="0"/>
+            <a:ext cx="1128819" cy="1057472"/>
+            <a:chOff x="11063181" y="0"/>
+            <a:chExt cx="1128819" cy="1057472"/>
+          </a:xfrm>
+        </p:grpSpPr>
+        <p:sp>
+          <p:nvSpPr>
+            <p:cNvPr id="6" name="矩形 5"/>
+            <p:cNvSpPr/>
+            <p:nvPr/>
+          </p:nvSpPr>
+          <p:spPr>
+            <a:xfrm>
+              <a:off x="11381387" y="246204"/>
+              <a:ext cx="492407" cy="492407"/>
+            </a:xfrm>
+            <a:prstGeom prst="rect">
+              <a:avLst/>
+            </a:prstGeom>
+            <a:noFill/>
+            <a:ln w="38100">
+              <a:solidFill>
+                <a:srgbClr val="DA2B89"/>
+              </a:solidFill>
+            </a:ln>
+          </p:spPr>
+          <p:style>
+            <a:lnRef idx="2">
+              <a:schemeClr val="accent1">
+                <a:shade val="50000"/>
+              </a:schemeClr>
+            </a:lnRef>
+            <a:fillRef idx="1">
+              <a:schemeClr val="accent1"/>
+            </a:fillRef>
+            <a:effectRef idx="0">
+              <a:schemeClr val="accent1"/>
+            </a:effectRef>
+            <a:fontRef idx="minor">
+              <a:schemeClr val="lt1"/>
+            </a:fontRef>
+          </p:style>
+          <p:txBody>
+            <a:bodyPr rtlCol="0" anchor="ctr"/>
+            <a:lstStyle/>
+            <a:p>
+              <a:pPr algn="ctr"/>
+              <a:endParaRPr lang="zh-CN" altLang="en-US"/>
+            </a:p>
+          </p:txBody>
+        </p:sp>
+        <p:sp>
+          <p:nvSpPr>
+            <p:cNvPr id="7" name="矩形 6"/>
+            <p:cNvSpPr/>
+            <p:nvPr/>
+          </p:nvSpPr>
+          <p:spPr>
+            <a:xfrm>
+              <a:off x="11699593" y="0"/>
+              <a:ext cx="492407" cy="492407"/>
+            </a:xfrm>
+            <a:prstGeom prst="rect">
+              <a:avLst/>
+            </a:prstGeom>
+            <a:noFill/>
+            <a:ln w="38100">
+              <a:solidFill>
+                <a:schemeClr val="tx2">
+                  <a:lumMod val="60000"/>
+                  <a:lumOff val="40000"/>
+                </a:schemeClr>
+              </a:solidFill>
+            </a:ln>
+          </p:spPr>
+          <p:style>
+            <a:lnRef idx="2">
+              <a:schemeClr val="accent1">
+                <a:shade val="50000"/>
+              </a:schemeClr>
+            </a:lnRef>
+            <a:fillRef idx="1">
+              <a:schemeClr val="accent1"/>
+            </a:fillRef>
+            <a:effectRef idx="0">
+              <a:schemeClr val="accent1"/>
+            </a:effectRef>
+            <a:fontRef idx="minor">
+              <a:schemeClr val="lt1"/>
+            </a:fontRef>
+          </p:style>
+          <p:txBody>
+            <a:bodyPr rtlCol="0" anchor="ctr"/>
+            <a:lstStyle/>
+            <a:p>
+              <a:pPr algn="ctr"/>
+              <a:endParaRPr lang="zh-CN" altLang="en-US"/>
+            </a:p>
+          </p:txBody>
+        </p:sp>
+        <p:sp>
+          <p:nvSpPr>
+            <p:cNvPr id="9" name="矩形 8"/>
+            <p:cNvSpPr/>
+            <p:nvPr/>
+          </p:nvSpPr>
+          <p:spPr>
+            <a:xfrm>
+              <a:off x="11063181" y="565065"/>
+              <a:ext cx="492407" cy="492407"/>
+            </a:xfrm>
+            <a:prstGeom prst="rect">
+              <a:avLst/>
+            </a:prstGeom>
+            <a:noFill/>
+            <a:ln w="38100">
+              <a:solidFill>
+                <a:schemeClr val="accent6"/>
+              </a:solidFill>
+            </a:ln>
+          </p:spPr>
+          <p:style>
+            <a:lnRef idx="2">
+              <a:schemeClr val="accent1">
+                <a:shade val="50000"/>
+              </a:schemeClr>
+            </a:lnRef>
+            <a:fillRef idx="1">
+              <a:schemeClr val="accent1"/>
+            </a:fillRef>
+            <a:effectRef idx="0">
+              <a:schemeClr val="accent1"/>
+            </a:effectRef>
+            <a:fontRef idx="minor">
+              <a:schemeClr val="lt1"/>
+            </a:fontRef>
+          </p:style>
+          <p:txBody>
+            <a:bodyPr rtlCol="0" anchor="ctr"/>
+            <a:lstStyle/>
+            <a:p>
+              <a:pPr algn="ctr"/>
+              <a:endParaRPr lang="zh-CN" altLang="en-US"/>
+            </a:p>
+          </p:txBody>
+        </p:sp>
+      </p:grpSp>
+      <p:sp>
+        <p:nvSpPr>
+          <p:cNvPr id="12" name="文本框 11"/>
           <p:cNvSpPr txBox="1"/>
           <p:nvPr/>
         </p:nvSpPr>
         <p:spPr>
           <a:xfrm>
-            <a:off x="5365630" y="748894"/>
-            <a:ext cx="916276" cy="369332"/>
+            <a:off x="2579587" y="349586"/>
+            <a:ext cx="6302207" cy="707886"/>
           </a:xfrm>
           <a:prstGeom prst="rect">
             <a:avLst/>
@@ -3249,13 +5155,13 @@
           <a:noFill/>
         </p:spPr>
         <p:txBody>
-          <a:bodyPr wrap="none" rtlCol="0">
+          <a:bodyPr wrap="square" rtlCol="0">
             <a:spAutoFit/>
           </a:bodyPr>
           <a:lstStyle/>
           <a:p>
             <a:r>
-              <a:rPr lang="zh-CN" altLang="en-US" dirty="0" smtClean="0">
+              <a:rPr lang="zh-CN" altLang="en-US" sz="4000" b="1" dirty="0">
                 <a:solidFill>
                   <a:schemeClr val="bg1"/>
                 </a:solidFill>
@@ -3263,14 +5169,14 @@
               <a:t>美食</a:t>
             </a:r>
             <a:r>
-              <a:rPr lang="en-US" altLang="zh-CN" dirty="0" smtClean="0">
+              <a:rPr lang="en-US" altLang="zh-CN" sz="4000" b="1" dirty="0">
                 <a:solidFill>
                   <a:schemeClr val="bg1"/>
                 </a:solidFill>
               </a:rPr>
               <a:t>list</a:t>
             </a:r>
-            <a:endParaRPr lang="zh-CN" altLang="en-US" dirty="0">
+            <a:endParaRPr lang="zh-CN" altLang="en-US" sz="4000" b="1" dirty="0">
               <a:solidFill>
                 <a:schemeClr val="bg1"/>
               </a:solidFill>
@@ -3281,7 +5187,7 @@
     </p:spTree>
     <p:extLst>
       <p:ext uri="{BB962C8B-B14F-4D97-AF65-F5344CB8AC3E}">
-        <p14:creationId xmlns:p14="http://schemas.microsoft.com/office/powerpoint/2010/main" val="945456714"/>
+        <p14:creationId xmlns:p14="http://schemas.microsoft.com/office/powerpoint/2010/main" val="1966586765"/>
       </p:ext>
     </p:extLst>
   </p:cSld>
@@ -3291,13 +5197,6 @@
   <p:transition spd="slow">
     <p:wipe/>
   </p:transition>
-  <p:timing>
-    <p:tnLst>
-      <p:par>
-        <p:cTn id="1" dur="indefinite" restart="never" nodeType="tmRoot"/>
-      </p:par>
-    </p:tnLst>
-  </p:timing>
 </p:sld>
 </file>
 

--- a/应用建模.pptx
+++ b/应用建模.pptx
@@ -4,12 +4,17 @@
   <p:sldMasterIdLst>
     <p:sldMasterId id="2147483648" r:id="rId1"/>
   </p:sldMasterIdLst>
+  <p:notesMasterIdLst>
+    <p:notesMasterId r:id="rId9"/>
+  </p:notesMasterIdLst>
   <p:sldIdLst>
     <p:sldId id="259" r:id="rId2"/>
-    <p:sldId id="261" r:id="rId3"/>
-    <p:sldId id="260" r:id="rId4"/>
-    <p:sldId id="262" r:id="rId5"/>
-    <p:sldId id="263" r:id="rId6"/>
+    <p:sldId id="264" r:id="rId3"/>
+    <p:sldId id="265" r:id="rId4"/>
+    <p:sldId id="261" r:id="rId5"/>
+    <p:sldId id="260" r:id="rId6"/>
+    <p:sldId id="262" r:id="rId7"/>
+    <p:sldId id="263" r:id="rId8"/>
   </p:sldIdLst>
   <p:sldSz cx="12192000" cy="6858000"/>
   <p:notesSz cx="6858000" cy="9144000"/>
@@ -120,6 +125,356 @@
 <p1510:revInfo xmlns:a="http://schemas.openxmlformats.org/drawingml/2006/main" xmlns:r="http://schemas.openxmlformats.org/officeDocument/2006/relationships" xmlns:p1510="http://schemas.microsoft.com/office/powerpoint/2015/10/main"/>
 </file>
 
+<file path=ppt/notesMasters/notesMaster1.xml><?xml version="1.0" encoding="utf-8"?>
+<p:notesMaster xmlns:a="http://schemas.openxmlformats.org/drawingml/2006/main" xmlns:r="http://schemas.openxmlformats.org/officeDocument/2006/relationships" xmlns:p="http://schemas.openxmlformats.org/presentationml/2006/main">
+  <p:cSld>
+    <p:bg>
+      <p:bgRef idx="1001">
+        <a:schemeClr val="bg1"/>
+      </p:bgRef>
+    </p:bg>
+    <p:spTree>
+      <p:nvGrpSpPr>
+        <p:cNvPr id="1" name=""/>
+        <p:cNvGrpSpPr/>
+        <p:nvPr/>
+      </p:nvGrpSpPr>
+      <p:grpSpPr>
+        <a:xfrm>
+          <a:off x="0" y="0"/>
+          <a:ext cx="0" cy="0"/>
+          <a:chOff x="0" y="0"/>
+          <a:chExt cx="0" cy="0"/>
+        </a:xfrm>
+      </p:grpSpPr>
+      <p:sp>
+        <p:nvSpPr>
+          <p:cNvPr id="2" name="页眉占位符 1"/>
+          <p:cNvSpPr>
+            <a:spLocks noGrp="1"/>
+          </p:cNvSpPr>
+          <p:nvPr>
+            <p:ph type="hdr" sz="quarter"/>
+          </p:nvPr>
+        </p:nvSpPr>
+        <p:spPr>
+          <a:xfrm>
+            <a:off x="0" y="0"/>
+            <a:ext cx="2971800" cy="458788"/>
+          </a:xfrm>
+          <a:prstGeom prst="rect">
+            <a:avLst/>
+          </a:prstGeom>
+        </p:spPr>
+        <p:txBody>
+          <a:bodyPr vert="horz" lIns="91440" tIns="45720" rIns="91440" bIns="45720" rtlCol="0"/>
+          <a:lstStyle>
+            <a:lvl1pPr algn="l">
+              <a:defRPr sz="1200"/>
+            </a:lvl1pPr>
+          </a:lstStyle>
+          <a:p>
+            <a:endParaRPr kumimoji="1" lang="zh-CN" altLang="en-US"/>
+          </a:p>
+        </p:txBody>
+      </p:sp>
+      <p:sp>
+        <p:nvSpPr>
+          <p:cNvPr id="3" name="日期占位符 2"/>
+          <p:cNvSpPr>
+            <a:spLocks noGrp="1"/>
+          </p:cNvSpPr>
+          <p:nvPr>
+            <p:ph type="dt" idx="1"/>
+          </p:nvPr>
+        </p:nvSpPr>
+        <p:spPr>
+          <a:xfrm>
+            <a:off x="3884613" y="0"/>
+            <a:ext cx="2971800" cy="458788"/>
+          </a:xfrm>
+          <a:prstGeom prst="rect">
+            <a:avLst/>
+          </a:prstGeom>
+        </p:spPr>
+        <p:txBody>
+          <a:bodyPr vert="horz" lIns="91440" tIns="45720" rIns="91440" bIns="45720" rtlCol="0"/>
+          <a:lstStyle>
+            <a:lvl1pPr algn="r">
+              <a:defRPr sz="1200"/>
+            </a:lvl1pPr>
+          </a:lstStyle>
+          <a:p>
+            <a:fld id="{3383C6DD-352C-F94D-B6C8-CDC8725E5883}" type="datetimeFigureOut">
+              <a:rPr kumimoji="1" lang="zh-CN" altLang="en-US" smtClean="0"/>
+              <a:t>17/5/22</a:t>
+            </a:fld>
+            <a:endParaRPr kumimoji="1" lang="zh-CN" altLang="en-US"/>
+          </a:p>
+        </p:txBody>
+      </p:sp>
+      <p:sp>
+        <p:nvSpPr>
+          <p:cNvPr id="4" name="幻灯片图像占位符 3"/>
+          <p:cNvSpPr>
+            <a:spLocks noGrp="1" noRot="1" noChangeAspect="1"/>
+          </p:cNvSpPr>
+          <p:nvPr>
+            <p:ph type="sldImg" idx="2"/>
+          </p:nvPr>
+        </p:nvSpPr>
+        <p:spPr>
+          <a:xfrm>
+            <a:off x="685800" y="1143000"/>
+            <a:ext cx="5486400" cy="3086100"/>
+          </a:xfrm>
+          <a:prstGeom prst="rect">
+            <a:avLst/>
+          </a:prstGeom>
+          <a:noFill/>
+          <a:ln w="12700">
+            <a:solidFill>
+              <a:prstClr val="black"/>
+            </a:solidFill>
+          </a:ln>
+        </p:spPr>
+        <p:txBody>
+          <a:bodyPr vert="horz" lIns="91440" tIns="45720" rIns="91440" bIns="45720" rtlCol="0" anchor="ctr"/>
+          <a:lstStyle/>
+          <a:p>
+            <a:endParaRPr lang="zh-CN" altLang="en-US"/>
+          </a:p>
+        </p:txBody>
+      </p:sp>
+      <p:sp>
+        <p:nvSpPr>
+          <p:cNvPr id="5" name="备注占位符 4"/>
+          <p:cNvSpPr>
+            <a:spLocks noGrp="1"/>
+          </p:cNvSpPr>
+          <p:nvPr>
+            <p:ph type="body" sz="quarter" idx="3"/>
+          </p:nvPr>
+        </p:nvSpPr>
+        <p:spPr>
+          <a:xfrm>
+            <a:off x="685800" y="4400550"/>
+            <a:ext cx="5486400" cy="3600450"/>
+          </a:xfrm>
+          <a:prstGeom prst="rect">
+            <a:avLst/>
+          </a:prstGeom>
+        </p:spPr>
+        <p:txBody>
+          <a:bodyPr vert="horz" lIns="91440" tIns="45720" rIns="91440" bIns="45720" rtlCol="0"/>
+          <a:lstStyle/>
+          <a:p>
+            <a:pPr lvl="0"/>
+            <a:r>
+              <a:rPr kumimoji="1" lang="zh-CN" altLang="en-US" smtClean="0"/>
+              <a:t>单击此处编辑母版文本样式</a:t>
+            </a:r>
+          </a:p>
+          <a:p>
+            <a:pPr lvl="1"/>
+            <a:r>
+              <a:rPr kumimoji="1" lang="zh-CN" altLang="en-US" smtClean="0"/>
+              <a:t>二级</a:t>
+            </a:r>
+          </a:p>
+          <a:p>
+            <a:pPr lvl="2"/>
+            <a:r>
+              <a:rPr kumimoji="1" lang="zh-CN" altLang="en-US" smtClean="0"/>
+              <a:t>三级</a:t>
+            </a:r>
+          </a:p>
+          <a:p>
+            <a:pPr lvl="3"/>
+            <a:r>
+              <a:rPr kumimoji="1" lang="zh-CN" altLang="en-US" smtClean="0"/>
+              <a:t>四级</a:t>
+            </a:r>
+          </a:p>
+          <a:p>
+            <a:pPr lvl="4"/>
+            <a:r>
+              <a:rPr kumimoji="1" lang="zh-CN" altLang="en-US" smtClean="0"/>
+              <a:t>五级</a:t>
+            </a:r>
+            <a:endParaRPr kumimoji="1" lang="zh-CN" altLang="en-US"/>
+          </a:p>
+        </p:txBody>
+      </p:sp>
+      <p:sp>
+        <p:nvSpPr>
+          <p:cNvPr id="6" name="页脚占位符 5"/>
+          <p:cNvSpPr>
+            <a:spLocks noGrp="1"/>
+          </p:cNvSpPr>
+          <p:nvPr>
+            <p:ph type="ftr" sz="quarter" idx="4"/>
+          </p:nvPr>
+        </p:nvSpPr>
+        <p:spPr>
+          <a:xfrm>
+            <a:off x="0" y="8685213"/>
+            <a:ext cx="2971800" cy="458787"/>
+          </a:xfrm>
+          <a:prstGeom prst="rect">
+            <a:avLst/>
+          </a:prstGeom>
+        </p:spPr>
+        <p:txBody>
+          <a:bodyPr vert="horz" lIns="91440" tIns="45720" rIns="91440" bIns="45720" rtlCol="0" anchor="b"/>
+          <a:lstStyle>
+            <a:lvl1pPr algn="l">
+              <a:defRPr sz="1200"/>
+            </a:lvl1pPr>
+          </a:lstStyle>
+          <a:p>
+            <a:endParaRPr kumimoji="1" lang="zh-CN" altLang="en-US"/>
+          </a:p>
+        </p:txBody>
+      </p:sp>
+      <p:sp>
+        <p:nvSpPr>
+          <p:cNvPr id="7" name="幻灯片编号占位符 6"/>
+          <p:cNvSpPr>
+            <a:spLocks noGrp="1"/>
+          </p:cNvSpPr>
+          <p:nvPr>
+            <p:ph type="sldNum" sz="quarter" idx="5"/>
+          </p:nvPr>
+        </p:nvSpPr>
+        <p:spPr>
+          <a:xfrm>
+            <a:off x="3884613" y="8685213"/>
+            <a:ext cx="2971800" cy="458787"/>
+          </a:xfrm>
+          <a:prstGeom prst="rect">
+            <a:avLst/>
+          </a:prstGeom>
+        </p:spPr>
+        <p:txBody>
+          <a:bodyPr vert="horz" lIns="91440" tIns="45720" rIns="91440" bIns="45720" rtlCol="0" anchor="b"/>
+          <a:lstStyle>
+            <a:lvl1pPr algn="r">
+              <a:defRPr sz="1200"/>
+            </a:lvl1pPr>
+          </a:lstStyle>
+          <a:p>
+            <a:fld id="{E2C5B248-2734-A34C-A40C-5E8E6D16AD85}" type="slidenum">
+              <a:rPr kumimoji="1" lang="zh-CN" altLang="en-US" smtClean="0"/>
+              <a:t>‹#›</a:t>
+            </a:fld>
+            <a:endParaRPr kumimoji="1" lang="zh-CN" altLang="en-US"/>
+          </a:p>
+        </p:txBody>
+      </p:sp>
+    </p:spTree>
+    <p:extLst>
+      <p:ext uri="{BB962C8B-B14F-4D97-AF65-F5344CB8AC3E}">
+        <p14:creationId xmlns:p14="http://schemas.microsoft.com/office/powerpoint/2010/main" val="1298500736"/>
+      </p:ext>
+    </p:extLst>
+  </p:cSld>
+  <p:clrMap bg1="lt1" tx1="dk1" bg2="lt2" tx2="dk2" accent1="accent1" accent2="accent2" accent3="accent3" accent4="accent4" accent5="accent5" accent6="accent6" hlink="hlink" folHlink="folHlink"/>
+  <p:notesStyle>
+    <a:lvl1pPr marL="0" algn="l" defTabSz="914400" rtl="0" eaLnBrk="1" latinLnBrk="0" hangingPunct="1">
+      <a:defRPr sz="1200" kern="1200">
+        <a:solidFill>
+          <a:schemeClr val="tx1"/>
+        </a:solidFill>
+        <a:latin typeface="+mn-lt"/>
+        <a:ea typeface="+mn-ea"/>
+        <a:cs typeface="+mn-cs"/>
+      </a:defRPr>
+    </a:lvl1pPr>
+    <a:lvl2pPr marL="457200" algn="l" defTabSz="914400" rtl="0" eaLnBrk="1" latinLnBrk="0" hangingPunct="1">
+      <a:defRPr sz="1200" kern="1200">
+        <a:solidFill>
+          <a:schemeClr val="tx1"/>
+        </a:solidFill>
+        <a:latin typeface="+mn-lt"/>
+        <a:ea typeface="+mn-ea"/>
+        <a:cs typeface="+mn-cs"/>
+      </a:defRPr>
+    </a:lvl2pPr>
+    <a:lvl3pPr marL="914400" algn="l" defTabSz="914400" rtl="0" eaLnBrk="1" latinLnBrk="0" hangingPunct="1">
+      <a:defRPr sz="1200" kern="1200">
+        <a:solidFill>
+          <a:schemeClr val="tx1"/>
+        </a:solidFill>
+        <a:latin typeface="+mn-lt"/>
+        <a:ea typeface="+mn-ea"/>
+        <a:cs typeface="+mn-cs"/>
+      </a:defRPr>
+    </a:lvl3pPr>
+    <a:lvl4pPr marL="1371600" algn="l" defTabSz="914400" rtl="0" eaLnBrk="1" latinLnBrk="0" hangingPunct="1">
+      <a:defRPr sz="1200" kern="1200">
+        <a:solidFill>
+          <a:schemeClr val="tx1"/>
+        </a:solidFill>
+        <a:latin typeface="+mn-lt"/>
+        <a:ea typeface="+mn-ea"/>
+        <a:cs typeface="+mn-cs"/>
+      </a:defRPr>
+    </a:lvl4pPr>
+    <a:lvl5pPr marL="1828800" algn="l" defTabSz="914400" rtl="0" eaLnBrk="1" latinLnBrk="0" hangingPunct="1">
+      <a:defRPr sz="1200" kern="1200">
+        <a:solidFill>
+          <a:schemeClr val="tx1"/>
+        </a:solidFill>
+        <a:latin typeface="+mn-lt"/>
+        <a:ea typeface="+mn-ea"/>
+        <a:cs typeface="+mn-cs"/>
+      </a:defRPr>
+    </a:lvl5pPr>
+    <a:lvl6pPr marL="2286000" algn="l" defTabSz="914400" rtl="0" eaLnBrk="1" latinLnBrk="0" hangingPunct="1">
+      <a:defRPr sz="1200" kern="1200">
+        <a:solidFill>
+          <a:schemeClr val="tx1"/>
+        </a:solidFill>
+        <a:latin typeface="+mn-lt"/>
+        <a:ea typeface="+mn-ea"/>
+        <a:cs typeface="+mn-cs"/>
+      </a:defRPr>
+    </a:lvl6pPr>
+    <a:lvl7pPr marL="2743200" algn="l" defTabSz="914400" rtl="0" eaLnBrk="1" latinLnBrk="0" hangingPunct="1">
+      <a:defRPr sz="1200" kern="1200">
+        <a:solidFill>
+          <a:schemeClr val="tx1"/>
+        </a:solidFill>
+        <a:latin typeface="+mn-lt"/>
+        <a:ea typeface="+mn-ea"/>
+        <a:cs typeface="+mn-cs"/>
+      </a:defRPr>
+    </a:lvl7pPr>
+    <a:lvl8pPr marL="3200400" algn="l" defTabSz="914400" rtl="0" eaLnBrk="1" latinLnBrk="0" hangingPunct="1">
+      <a:defRPr sz="1200" kern="1200">
+        <a:solidFill>
+          <a:schemeClr val="tx1"/>
+        </a:solidFill>
+        <a:latin typeface="+mn-lt"/>
+        <a:ea typeface="+mn-ea"/>
+        <a:cs typeface="+mn-cs"/>
+      </a:defRPr>
+    </a:lvl8pPr>
+    <a:lvl9pPr marL="3657600" algn="l" defTabSz="914400" rtl="0" eaLnBrk="1" latinLnBrk="0" hangingPunct="1">
+      <a:defRPr sz="1200" kern="1200">
+        <a:solidFill>
+          <a:schemeClr val="tx1"/>
+        </a:solidFill>
+        <a:latin typeface="+mn-lt"/>
+        <a:ea typeface="+mn-ea"/>
+        <a:cs typeface="+mn-cs"/>
+      </a:defRPr>
+    </a:lvl9pPr>
+  </p:notesStyle>
+</p:notesMaster>
+</file>
+
 <file path=ppt/slideLayouts/slideLayout1.xml><?xml version="1.0" encoding="utf-8"?>
 <p:sldLayout xmlns:a="http://schemas.openxmlformats.org/drawingml/2006/main" xmlns:r="http://schemas.openxmlformats.org/officeDocument/2006/relationships" xmlns:p="http://schemas.openxmlformats.org/presentationml/2006/main" type="title" preserve="1">
   <p:cSld name="标题幻灯片">
@@ -249,7 +604,7 @@
           <a:p>
             <a:fld id="{56E99B56-AAE7-4929-920B-80E2E1C0FFA9}" type="datetimeFigureOut">
               <a:rPr lang="zh-CN" altLang="en-US" smtClean="0"/>
-              <a:t>2017/5/22</a:t>
+              <a:t>17/5/22</a:t>
             </a:fld>
             <a:endParaRPr lang="zh-CN" altLang="en-US"/>
           </a:p>
@@ -417,7 +772,7 @@
           <a:p>
             <a:fld id="{56E99B56-AAE7-4929-920B-80E2E1C0FFA9}" type="datetimeFigureOut">
               <a:rPr lang="zh-CN" altLang="en-US" smtClean="0"/>
-              <a:t>2017/5/22</a:t>
+              <a:t>17/5/22</a:t>
             </a:fld>
             <a:endParaRPr lang="zh-CN" altLang="en-US"/>
           </a:p>
@@ -595,7 +950,7 @@
           <a:p>
             <a:fld id="{56E99B56-AAE7-4929-920B-80E2E1C0FFA9}" type="datetimeFigureOut">
               <a:rPr lang="zh-CN" altLang="en-US" smtClean="0"/>
-              <a:t>2017/5/22</a:t>
+              <a:t>17/5/22</a:t>
             </a:fld>
             <a:endParaRPr lang="zh-CN" altLang="en-US"/>
           </a:p>
@@ -690,7 +1045,7 @@
           <a:p>
             <a:fld id="{171BBD79-73BD-4FCC-A131-912D061EF751}" type="datetimeFigureOut">
               <a:rPr lang="zh-CN" altLang="en-US" smtClean="0"/>
-              <a:t>2017/5/22</a:t>
+              <a:t>17/5/22</a:t>
             </a:fld>
             <a:endParaRPr lang="zh-CN" altLang="en-US"/>
           </a:p>
@@ -955,7 +1310,7 @@
           <a:p>
             <a:fld id="{56E99B56-AAE7-4929-920B-80E2E1C0FFA9}" type="datetimeFigureOut">
               <a:rPr lang="zh-CN" altLang="en-US" smtClean="0"/>
-              <a:t>2017/5/22</a:t>
+              <a:t>17/5/22</a:t>
             </a:fld>
             <a:endParaRPr lang="zh-CN" altLang="en-US"/>
           </a:p>
@@ -1200,7 +1555,7 @@
           <a:p>
             <a:fld id="{56E99B56-AAE7-4929-920B-80E2E1C0FFA9}" type="datetimeFigureOut">
               <a:rPr lang="zh-CN" altLang="en-US" smtClean="0"/>
-              <a:t>2017/5/22</a:t>
+              <a:t>17/5/22</a:t>
             </a:fld>
             <a:endParaRPr lang="zh-CN" altLang="en-US"/>
           </a:p>
@@ -1429,7 +1784,7 @@
           <a:p>
             <a:fld id="{56E99B56-AAE7-4929-920B-80E2E1C0FFA9}" type="datetimeFigureOut">
               <a:rPr lang="zh-CN" altLang="en-US" smtClean="0"/>
-              <a:t>2017/5/22</a:t>
+              <a:t>17/5/22</a:t>
             </a:fld>
             <a:endParaRPr lang="zh-CN" altLang="en-US"/>
           </a:p>
@@ -1793,7 +2148,7 @@
           <a:p>
             <a:fld id="{56E99B56-AAE7-4929-920B-80E2E1C0FFA9}" type="datetimeFigureOut">
               <a:rPr lang="zh-CN" altLang="en-US" smtClean="0"/>
-              <a:t>2017/5/22</a:t>
+              <a:t>17/5/22</a:t>
             </a:fld>
             <a:endParaRPr lang="zh-CN" altLang="en-US"/>
           </a:p>
@@ -1910,7 +2265,7 @@
           <a:p>
             <a:fld id="{56E99B56-AAE7-4929-920B-80E2E1C0FFA9}" type="datetimeFigureOut">
               <a:rPr lang="zh-CN" altLang="en-US" smtClean="0"/>
-              <a:t>2017/5/22</a:t>
+              <a:t>17/5/22</a:t>
             </a:fld>
             <a:endParaRPr lang="zh-CN" altLang="en-US"/>
           </a:p>
@@ -2005,7 +2360,7 @@
           <a:p>
             <a:fld id="{56E99B56-AAE7-4929-920B-80E2E1C0FFA9}" type="datetimeFigureOut">
               <a:rPr lang="zh-CN" altLang="en-US" smtClean="0"/>
-              <a:t>2017/5/22</a:t>
+              <a:t>17/5/22</a:t>
             </a:fld>
             <a:endParaRPr lang="zh-CN" altLang="en-US"/>
           </a:p>
@@ -2280,7 +2635,7 @@
           <a:p>
             <a:fld id="{56E99B56-AAE7-4929-920B-80E2E1C0FFA9}" type="datetimeFigureOut">
               <a:rPr lang="zh-CN" altLang="en-US" smtClean="0"/>
-              <a:t>2017/5/22</a:t>
+              <a:t>17/5/22</a:t>
             </a:fld>
             <a:endParaRPr lang="zh-CN" altLang="en-US"/>
           </a:p>
@@ -2532,7 +2887,7 @@
           <a:p>
             <a:fld id="{56E99B56-AAE7-4929-920B-80E2E1C0FFA9}" type="datetimeFigureOut">
               <a:rPr lang="zh-CN" altLang="en-US" smtClean="0"/>
-              <a:t>2017/5/22</a:t>
+              <a:t>17/5/22</a:t>
             </a:fld>
             <a:endParaRPr lang="zh-CN" altLang="en-US"/>
           </a:p>
@@ -2743,7 +3098,7 @@
           <a:p>
             <a:fld id="{56E99B56-AAE7-4929-920B-80E2E1C0FFA9}" type="datetimeFigureOut">
               <a:rPr lang="zh-CN" altLang="en-US" smtClean="0"/>
-              <a:t>2017/5/22</a:t>
+              <a:t>17/5/22</a:t>
             </a:fld>
             <a:endParaRPr lang="zh-CN" altLang="en-US"/>
           </a:p>
@@ -3885,17 +4240,38 @@
                   <a:schemeClr val="bg1"/>
                 </a:solidFill>
               </a:rPr>
-              <a:t>Part five</a:t>
-            </a:r>
-          </a:p>
-          <a:p>
+              <a:t>Part </a:t>
+            </a:r>
+            <a:r>
+              <a:rPr lang="en-US" altLang="zh-CN" sz="8800" b="1" dirty="0" smtClean="0">
+                <a:solidFill>
+                  <a:schemeClr val="bg1"/>
+                </a:solidFill>
+              </a:rPr>
+              <a:t>two</a:t>
+            </a:r>
+            <a:endParaRPr lang="en-US" altLang="zh-CN" sz="8800" b="1" dirty="0">
+              <a:solidFill>
+                <a:schemeClr val="bg1"/>
+              </a:solidFill>
+            </a:endParaRPr>
+          </a:p>
+          <a:p>
+            <a:r>
+              <a:rPr lang="zh-CN" altLang="en-US" sz="6600" b="1" dirty="0" smtClean="0">
+                <a:solidFill>
+                  <a:schemeClr val="bg1"/>
+                </a:solidFill>
+              </a:rPr>
+              <a:t>内容建模</a:t>
+            </a:r>
             <a:r>
               <a:rPr lang="zh-CN" altLang="en-US" sz="6600" b="1" dirty="0">
                 <a:solidFill>
                   <a:schemeClr val="bg1"/>
                 </a:solidFill>
               </a:rPr>
-              <a:t>展示建模：</a:t>
+              <a:t>：</a:t>
             </a:r>
             <a:endParaRPr lang="en-US" altLang="zh-CN" sz="6600" b="1" dirty="0">
               <a:solidFill>
@@ -3905,21 +4281,18 @@
           </a:p>
           <a:p>
             <a:r>
-              <a:rPr lang="en-US" altLang="zh-CN" sz="6600" b="1" dirty="0">
+              <a:rPr lang="zh-CN" altLang="en-US" sz="6600" b="1" dirty="0" smtClean="0">
                 <a:solidFill>
                   <a:schemeClr val="bg1"/>
                 </a:solidFill>
               </a:rPr>
-              <a:t>UWE</a:t>
-            </a:r>
-            <a:r>
-              <a:rPr lang="zh-CN" altLang="en-US" sz="6600" b="1" dirty="0">
-                <a:solidFill>
-                  <a:schemeClr val="bg1"/>
-                </a:solidFill>
-              </a:rPr>
-              <a:t>建模</a:t>
-            </a:r>
+              <a:t>类图</a:t>
+            </a:r>
+            <a:endParaRPr lang="zh-CN" altLang="en-US" sz="6600" b="1" dirty="0">
+              <a:solidFill>
+                <a:schemeClr val="bg1"/>
+              </a:solidFill>
+            </a:endParaRPr>
           </a:p>
           <a:p>
             <a:endParaRPr lang="en-US" altLang="zh-CN" sz="8800" b="1" dirty="0">
@@ -4418,6 +4791,854 @@
     </p:spTree>
     <p:extLst>
       <p:ext uri="{BB962C8B-B14F-4D97-AF65-F5344CB8AC3E}">
+        <p14:creationId xmlns:p14="http://schemas.microsoft.com/office/powerpoint/2010/main" val="1173049138"/>
+      </p:ext>
+    </p:extLst>
+  </p:cSld>
+  <p:clrMapOvr>
+    <a:masterClrMapping/>
+  </p:clrMapOvr>
+  <p:transition spd="slow">
+    <p:wipe/>
+  </p:transition>
+</p:sld>
+</file>
+
+<file path=ppt/slides/slide3.xml><?xml version="1.0" encoding="utf-8"?>
+<p:sld xmlns:a="http://schemas.openxmlformats.org/drawingml/2006/main" xmlns:r="http://schemas.openxmlformats.org/officeDocument/2006/relationships" xmlns:p="http://schemas.openxmlformats.org/presentationml/2006/main">
+  <p:cSld>
+    <p:spTree>
+      <p:nvGrpSpPr>
+        <p:cNvPr id="1" name=""/>
+        <p:cNvGrpSpPr/>
+        <p:nvPr/>
+      </p:nvGrpSpPr>
+      <p:grpSpPr>
+        <a:xfrm>
+          <a:off x="0" y="0"/>
+          <a:ext cx="0" cy="0"/>
+          <a:chOff x="0" y="0"/>
+          <a:chExt cx="0" cy="0"/>
+        </a:xfrm>
+      </p:grpSpPr>
+      <p:grpSp>
+        <p:nvGrpSpPr>
+          <p:cNvPr id="11" name="组合 10"/>
+          <p:cNvGrpSpPr/>
+          <p:nvPr/>
+        </p:nvGrpSpPr>
+        <p:grpSpPr>
+          <a:xfrm>
+            <a:off x="11063181" y="0"/>
+            <a:ext cx="1128819" cy="1057472"/>
+            <a:chOff x="11063181" y="0"/>
+            <a:chExt cx="1128819" cy="1057472"/>
+          </a:xfrm>
+        </p:grpSpPr>
+        <p:sp>
+          <p:nvSpPr>
+            <p:cNvPr id="12" name="矩形 11"/>
+            <p:cNvSpPr/>
+            <p:nvPr/>
+          </p:nvSpPr>
+          <p:spPr>
+            <a:xfrm>
+              <a:off x="11381387" y="246204"/>
+              <a:ext cx="492407" cy="492407"/>
+            </a:xfrm>
+            <a:prstGeom prst="rect">
+              <a:avLst/>
+            </a:prstGeom>
+            <a:noFill/>
+            <a:ln w="38100">
+              <a:solidFill>
+                <a:srgbClr val="DA2B89"/>
+              </a:solidFill>
+            </a:ln>
+          </p:spPr>
+          <p:style>
+            <a:lnRef idx="2">
+              <a:schemeClr val="accent1">
+                <a:shade val="50000"/>
+              </a:schemeClr>
+            </a:lnRef>
+            <a:fillRef idx="1">
+              <a:schemeClr val="accent1"/>
+            </a:fillRef>
+            <a:effectRef idx="0">
+              <a:schemeClr val="accent1"/>
+            </a:effectRef>
+            <a:fontRef idx="minor">
+              <a:schemeClr val="lt1"/>
+            </a:fontRef>
+          </p:style>
+          <p:txBody>
+            <a:bodyPr rtlCol="0" anchor="ctr"/>
+            <a:lstStyle/>
+            <a:p>
+              <a:pPr algn="ctr"/>
+              <a:endParaRPr lang="zh-CN" altLang="en-US"/>
+            </a:p>
+          </p:txBody>
+        </p:sp>
+        <p:sp>
+          <p:nvSpPr>
+            <p:cNvPr id="13" name="矩形 12"/>
+            <p:cNvSpPr/>
+            <p:nvPr/>
+          </p:nvSpPr>
+          <p:spPr>
+            <a:xfrm>
+              <a:off x="11699593" y="0"/>
+              <a:ext cx="492407" cy="492407"/>
+            </a:xfrm>
+            <a:prstGeom prst="rect">
+              <a:avLst/>
+            </a:prstGeom>
+            <a:noFill/>
+            <a:ln w="38100">
+              <a:solidFill>
+                <a:schemeClr val="tx2">
+                  <a:lumMod val="60000"/>
+                  <a:lumOff val="40000"/>
+                </a:schemeClr>
+              </a:solidFill>
+            </a:ln>
+          </p:spPr>
+          <p:style>
+            <a:lnRef idx="2">
+              <a:schemeClr val="accent1">
+                <a:shade val="50000"/>
+              </a:schemeClr>
+            </a:lnRef>
+            <a:fillRef idx="1">
+              <a:schemeClr val="accent1"/>
+            </a:fillRef>
+            <a:effectRef idx="0">
+              <a:schemeClr val="accent1"/>
+            </a:effectRef>
+            <a:fontRef idx="minor">
+              <a:schemeClr val="lt1"/>
+            </a:fontRef>
+          </p:style>
+          <p:txBody>
+            <a:bodyPr rtlCol="0" anchor="ctr"/>
+            <a:lstStyle/>
+            <a:p>
+              <a:pPr algn="ctr"/>
+              <a:endParaRPr lang="zh-CN" altLang="en-US"/>
+            </a:p>
+          </p:txBody>
+        </p:sp>
+        <p:sp>
+          <p:nvSpPr>
+            <p:cNvPr id="14" name="矩形 13"/>
+            <p:cNvSpPr/>
+            <p:nvPr/>
+          </p:nvSpPr>
+          <p:spPr>
+            <a:xfrm>
+              <a:off x="11063181" y="565065"/>
+              <a:ext cx="492407" cy="492407"/>
+            </a:xfrm>
+            <a:prstGeom prst="rect">
+              <a:avLst/>
+            </a:prstGeom>
+            <a:noFill/>
+            <a:ln w="38100">
+              <a:solidFill>
+                <a:schemeClr val="accent6"/>
+              </a:solidFill>
+            </a:ln>
+          </p:spPr>
+          <p:style>
+            <a:lnRef idx="2">
+              <a:schemeClr val="accent1">
+                <a:shade val="50000"/>
+              </a:schemeClr>
+            </a:lnRef>
+            <a:fillRef idx="1">
+              <a:schemeClr val="accent1"/>
+            </a:fillRef>
+            <a:effectRef idx="0">
+              <a:schemeClr val="accent1"/>
+            </a:effectRef>
+            <a:fontRef idx="minor">
+              <a:schemeClr val="lt1"/>
+            </a:fontRef>
+          </p:style>
+          <p:txBody>
+            <a:bodyPr rtlCol="0" anchor="ctr"/>
+            <a:lstStyle/>
+            <a:p>
+              <a:pPr algn="ctr"/>
+              <a:endParaRPr lang="zh-CN" altLang="en-US"/>
+            </a:p>
+          </p:txBody>
+        </p:sp>
+      </p:grpSp>
+      <p:sp>
+        <p:nvSpPr>
+          <p:cNvPr id="17" name="文本框 16"/>
+          <p:cNvSpPr txBox="1"/>
+          <p:nvPr/>
+        </p:nvSpPr>
+        <p:spPr>
+          <a:xfrm>
+            <a:off x="2579587" y="349586"/>
+            <a:ext cx="6302207" cy="707886"/>
+          </a:xfrm>
+          <a:prstGeom prst="rect">
+            <a:avLst/>
+          </a:prstGeom>
+          <a:noFill/>
+        </p:spPr>
+        <p:txBody>
+          <a:bodyPr wrap="square" rtlCol="0">
+            <a:spAutoFit/>
+          </a:bodyPr>
+          <a:lstStyle/>
+          <a:p>
+            <a:r>
+              <a:rPr lang="zh-CN" altLang="en-US" sz="4000" b="1" dirty="0" smtClean="0">
+                <a:solidFill>
+                  <a:schemeClr val="bg1"/>
+                </a:solidFill>
+              </a:rPr>
+              <a:t>类图</a:t>
+            </a:r>
+            <a:endParaRPr lang="zh-CN" altLang="en-US" sz="4000" b="1" dirty="0">
+              <a:solidFill>
+                <a:schemeClr val="bg1"/>
+              </a:solidFill>
+            </a:endParaRPr>
+          </a:p>
+        </p:txBody>
+      </p:sp>
+      <p:pic>
+        <p:nvPicPr>
+          <p:cNvPr id="2" name="图片 1"/>
+          <p:cNvPicPr>
+            <a:picLocks noChangeAspect="1"/>
+          </p:cNvPicPr>
+          <p:nvPr/>
+        </p:nvPicPr>
+        <p:blipFill>
+          <a:blip r:embed="rId2">
+            <a:extLst>
+              <a:ext uri="{28A0092B-C50C-407E-A947-70E740481C1C}">
+                <a14:useLocalDpi xmlns:a14="http://schemas.microsoft.com/office/drawing/2010/main" val="0"/>
+              </a:ext>
+            </a:extLst>
+          </a:blip>
+          <a:stretch>
+            <a:fillRect/>
+          </a:stretch>
+        </p:blipFill>
+        <p:spPr>
+          <a:xfrm>
+            <a:off x="2148608" y="1057472"/>
+            <a:ext cx="7397173" cy="5525098"/>
+          </a:xfrm>
+          <a:prstGeom prst="rect">
+            <a:avLst/>
+          </a:prstGeom>
+        </p:spPr>
+      </p:pic>
+    </p:spTree>
+    <p:extLst>
+      <p:ext uri="{BB962C8B-B14F-4D97-AF65-F5344CB8AC3E}">
+        <p14:creationId xmlns:p14="http://schemas.microsoft.com/office/powerpoint/2010/main" val="1317993414"/>
+      </p:ext>
+    </p:extLst>
+  </p:cSld>
+  <p:clrMapOvr>
+    <a:masterClrMapping/>
+  </p:clrMapOvr>
+  <p:transition spd="slow">
+    <p:wipe/>
+  </p:transition>
+</p:sld>
+</file>
+
+<file path=ppt/slides/slide4.xml><?xml version="1.0" encoding="utf-8"?>
+<p:sld xmlns:a="http://schemas.openxmlformats.org/drawingml/2006/main" xmlns:r="http://schemas.openxmlformats.org/officeDocument/2006/relationships" xmlns:p="http://schemas.openxmlformats.org/presentationml/2006/main">
+  <p:cSld>
+    <p:spTree>
+      <p:nvGrpSpPr>
+        <p:cNvPr id="1" name=""/>
+        <p:cNvGrpSpPr/>
+        <p:nvPr/>
+      </p:nvGrpSpPr>
+      <p:grpSpPr>
+        <a:xfrm>
+          <a:off x="0" y="0"/>
+          <a:ext cx="0" cy="0"/>
+          <a:chOff x="0" y="0"/>
+          <a:chExt cx="0" cy="0"/>
+        </a:xfrm>
+      </p:grpSpPr>
+      <p:sp>
+        <p:nvSpPr>
+          <p:cNvPr id="6" name="文本框 5"/>
+          <p:cNvSpPr txBox="1"/>
+          <p:nvPr/>
+        </p:nvSpPr>
+        <p:spPr>
+          <a:xfrm>
+            <a:off x="4021831" y="1470016"/>
+            <a:ext cx="8005329" cy="6186309"/>
+          </a:xfrm>
+          <a:prstGeom prst="rect">
+            <a:avLst/>
+          </a:prstGeom>
+          <a:noFill/>
+        </p:spPr>
+        <p:txBody>
+          <a:bodyPr wrap="square" rtlCol="0">
+            <a:spAutoFit/>
+          </a:bodyPr>
+          <a:lstStyle/>
+          <a:p>
+            <a:r>
+              <a:rPr lang="en-US" altLang="zh-CN" sz="8800" b="1" dirty="0">
+                <a:solidFill>
+                  <a:schemeClr val="bg1"/>
+                </a:solidFill>
+              </a:rPr>
+              <a:t>Part five</a:t>
+            </a:r>
+          </a:p>
+          <a:p>
+            <a:r>
+              <a:rPr lang="zh-CN" altLang="en-US" sz="6600" b="1" dirty="0">
+                <a:solidFill>
+                  <a:schemeClr val="bg1"/>
+                </a:solidFill>
+              </a:rPr>
+              <a:t>展示建模：</a:t>
+            </a:r>
+            <a:endParaRPr lang="en-US" altLang="zh-CN" sz="6600" b="1" dirty="0">
+              <a:solidFill>
+                <a:schemeClr val="bg1"/>
+              </a:solidFill>
+            </a:endParaRPr>
+          </a:p>
+          <a:p>
+            <a:r>
+              <a:rPr lang="en-US" altLang="zh-CN" sz="6600" b="1" dirty="0">
+                <a:solidFill>
+                  <a:schemeClr val="bg1"/>
+                </a:solidFill>
+              </a:rPr>
+              <a:t>UWE</a:t>
+            </a:r>
+            <a:r>
+              <a:rPr lang="zh-CN" altLang="en-US" sz="6600" b="1" dirty="0">
+                <a:solidFill>
+                  <a:schemeClr val="bg1"/>
+                </a:solidFill>
+              </a:rPr>
+              <a:t>建模</a:t>
+            </a:r>
+          </a:p>
+          <a:p>
+            <a:endParaRPr lang="en-US" altLang="zh-CN" sz="8800" b="1" dirty="0">
+              <a:solidFill>
+                <a:schemeClr val="bg1"/>
+              </a:solidFill>
+            </a:endParaRPr>
+          </a:p>
+          <a:p>
+            <a:endParaRPr lang="zh-CN" altLang="en-US" sz="8800" b="1" dirty="0">
+              <a:solidFill>
+                <a:schemeClr val="bg1"/>
+              </a:solidFill>
+            </a:endParaRPr>
+          </a:p>
+        </p:txBody>
+      </p:sp>
+      <p:grpSp>
+        <p:nvGrpSpPr>
+          <p:cNvPr id="7" name="组合 6"/>
+          <p:cNvGrpSpPr/>
+          <p:nvPr/>
+        </p:nvGrpSpPr>
+        <p:grpSpPr>
+          <a:xfrm rot="19068014">
+            <a:off x="1556870" y="2221074"/>
+            <a:ext cx="1957812" cy="2144454"/>
+            <a:chOff x="10141891" y="-883067"/>
+            <a:chExt cx="2652736" cy="2905631"/>
+          </a:xfrm>
+        </p:grpSpPr>
+        <p:sp>
+          <p:nvSpPr>
+            <p:cNvPr id="8" name="矩形 7"/>
+            <p:cNvSpPr/>
+            <p:nvPr/>
+          </p:nvSpPr>
+          <p:spPr>
+            <a:xfrm>
+              <a:off x="12394716" y="133432"/>
+              <a:ext cx="399911" cy="492961"/>
+            </a:xfrm>
+            <a:prstGeom prst="rect">
+              <a:avLst/>
+            </a:prstGeom>
+            <a:noFill/>
+            <a:ln w="38100">
+              <a:solidFill>
+                <a:schemeClr val="accent3"/>
+              </a:solidFill>
+            </a:ln>
+          </p:spPr>
+          <p:style>
+            <a:lnRef idx="2">
+              <a:schemeClr val="accent1">
+                <a:shade val="50000"/>
+              </a:schemeClr>
+            </a:lnRef>
+            <a:fillRef idx="1">
+              <a:schemeClr val="accent1"/>
+            </a:fillRef>
+            <a:effectRef idx="0">
+              <a:schemeClr val="accent1"/>
+            </a:effectRef>
+            <a:fontRef idx="minor">
+              <a:schemeClr val="lt1"/>
+            </a:fontRef>
+          </p:style>
+          <p:txBody>
+            <a:bodyPr rtlCol="0" anchor="ctr"/>
+            <a:lstStyle/>
+            <a:p>
+              <a:pPr algn="ctr"/>
+              <a:endParaRPr lang="zh-CN" altLang="en-US" sz="1600"/>
+            </a:p>
+          </p:txBody>
+        </p:sp>
+        <p:sp>
+          <p:nvSpPr>
+            <p:cNvPr id="9" name="矩形 8"/>
+            <p:cNvSpPr/>
+            <p:nvPr/>
+          </p:nvSpPr>
+          <p:spPr>
+            <a:xfrm>
+              <a:off x="11945323" y="-178135"/>
+              <a:ext cx="492405" cy="492407"/>
+            </a:xfrm>
+            <a:prstGeom prst="rect">
+              <a:avLst/>
+            </a:prstGeom>
+            <a:noFill/>
+            <a:ln w="38100">
+              <a:solidFill>
+                <a:schemeClr val="tx2">
+                  <a:lumMod val="60000"/>
+                  <a:lumOff val="40000"/>
+                </a:schemeClr>
+              </a:solidFill>
+            </a:ln>
+          </p:spPr>
+          <p:style>
+            <a:lnRef idx="2">
+              <a:schemeClr val="accent1">
+                <a:shade val="50000"/>
+              </a:schemeClr>
+            </a:lnRef>
+            <a:fillRef idx="1">
+              <a:schemeClr val="accent1"/>
+            </a:fillRef>
+            <a:effectRef idx="0">
+              <a:schemeClr val="accent1"/>
+            </a:effectRef>
+            <a:fontRef idx="minor">
+              <a:schemeClr val="lt1"/>
+            </a:fontRef>
+          </p:style>
+          <p:txBody>
+            <a:bodyPr rtlCol="0" anchor="ctr"/>
+            <a:lstStyle/>
+            <a:p>
+              <a:pPr algn="ctr"/>
+              <a:endParaRPr lang="zh-CN" altLang="en-US" sz="1600"/>
+            </a:p>
+          </p:txBody>
+        </p:sp>
+        <p:sp>
+          <p:nvSpPr>
+            <p:cNvPr id="10" name="矩形 9"/>
+            <p:cNvSpPr/>
+            <p:nvPr/>
+          </p:nvSpPr>
+          <p:spPr>
+            <a:xfrm>
+              <a:off x="11181847" y="-197920"/>
+              <a:ext cx="492406" cy="492407"/>
+            </a:xfrm>
+            <a:prstGeom prst="rect">
+              <a:avLst/>
+            </a:prstGeom>
+            <a:noFill/>
+            <a:ln w="38100">
+              <a:solidFill>
+                <a:schemeClr val="accent4"/>
+              </a:solidFill>
+            </a:ln>
+          </p:spPr>
+          <p:style>
+            <a:lnRef idx="2">
+              <a:schemeClr val="accent1">
+                <a:shade val="50000"/>
+              </a:schemeClr>
+            </a:lnRef>
+            <a:fillRef idx="1">
+              <a:schemeClr val="accent1"/>
+            </a:fillRef>
+            <a:effectRef idx="0">
+              <a:schemeClr val="accent1"/>
+            </a:effectRef>
+            <a:fontRef idx="minor">
+              <a:schemeClr val="lt1"/>
+            </a:fontRef>
+          </p:style>
+          <p:txBody>
+            <a:bodyPr rtlCol="0" anchor="ctr"/>
+            <a:lstStyle/>
+            <a:p>
+              <a:pPr algn="ctr"/>
+              <a:endParaRPr lang="zh-CN" altLang="en-US" sz="1600"/>
+            </a:p>
+          </p:txBody>
+        </p:sp>
+        <p:sp>
+          <p:nvSpPr>
+            <p:cNvPr id="11" name="矩形 10"/>
+            <p:cNvSpPr/>
+            <p:nvPr/>
+          </p:nvSpPr>
+          <p:spPr>
+            <a:xfrm>
+              <a:off x="11775612" y="-883067"/>
+              <a:ext cx="492407" cy="492407"/>
+            </a:xfrm>
+            <a:prstGeom prst="rect">
+              <a:avLst/>
+            </a:prstGeom>
+            <a:noFill/>
+            <a:ln w="38100">
+              <a:solidFill>
+                <a:schemeClr val="accent6"/>
+              </a:solidFill>
+            </a:ln>
+          </p:spPr>
+          <p:style>
+            <a:lnRef idx="2">
+              <a:schemeClr val="accent1">
+                <a:shade val="50000"/>
+              </a:schemeClr>
+            </a:lnRef>
+            <a:fillRef idx="1">
+              <a:schemeClr val="accent1"/>
+            </a:fillRef>
+            <a:effectRef idx="0">
+              <a:schemeClr val="accent1"/>
+            </a:effectRef>
+            <a:fontRef idx="minor">
+              <a:schemeClr val="lt1"/>
+            </a:fontRef>
+          </p:style>
+          <p:txBody>
+            <a:bodyPr rtlCol="0" anchor="ctr"/>
+            <a:lstStyle/>
+            <a:p>
+              <a:pPr algn="ctr"/>
+              <a:endParaRPr lang="zh-CN" altLang="en-US" sz="1600" dirty="0"/>
+            </a:p>
+          </p:txBody>
+        </p:sp>
+        <p:sp>
+          <p:nvSpPr>
+            <p:cNvPr id="12" name="矩形 11"/>
+            <p:cNvSpPr/>
+            <p:nvPr/>
+          </p:nvSpPr>
+          <p:spPr>
+            <a:xfrm>
+              <a:off x="11343074" y="734042"/>
+              <a:ext cx="492406" cy="492407"/>
+            </a:xfrm>
+            <a:prstGeom prst="rect">
+              <a:avLst/>
+            </a:prstGeom>
+            <a:noFill/>
+            <a:ln w="38100">
+              <a:solidFill>
+                <a:schemeClr val="accent4"/>
+              </a:solidFill>
+            </a:ln>
+          </p:spPr>
+          <p:style>
+            <a:lnRef idx="2">
+              <a:schemeClr val="accent1">
+                <a:shade val="50000"/>
+              </a:schemeClr>
+            </a:lnRef>
+            <a:fillRef idx="1">
+              <a:schemeClr val="accent1"/>
+            </a:fillRef>
+            <a:effectRef idx="0">
+              <a:schemeClr val="accent1"/>
+            </a:effectRef>
+            <a:fontRef idx="minor">
+              <a:schemeClr val="lt1"/>
+            </a:fontRef>
+          </p:style>
+          <p:txBody>
+            <a:bodyPr rtlCol="0" anchor="ctr"/>
+            <a:lstStyle/>
+            <a:p>
+              <a:pPr algn="ctr"/>
+              <a:endParaRPr lang="zh-CN" altLang="en-US" sz="1600"/>
+            </a:p>
+          </p:txBody>
+        </p:sp>
+        <p:sp>
+          <p:nvSpPr>
+            <p:cNvPr id="13" name="矩形 12"/>
+            <p:cNvSpPr/>
+            <p:nvPr/>
+          </p:nvSpPr>
+          <p:spPr>
+            <a:xfrm>
+              <a:off x="10828124" y="303104"/>
+              <a:ext cx="492406" cy="492407"/>
+            </a:xfrm>
+            <a:prstGeom prst="rect">
+              <a:avLst/>
+            </a:prstGeom>
+            <a:noFill/>
+            <a:ln w="38100">
+              <a:solidFill>
+                <a:schemeClr val="accent6"/>
+              </a:solidFill>
+            </a:ln>
+          </p:spPr>
+          <p:style>
+            <a:lnRef idx="2">
+              <a:schemeClr val="accent1">
+                <a:shade val="50000"/>
+              </a:schemeClr>
+            </a:lnRef>
+            <a:fillRef idx="1">
+              <a:schemeClr val="accent1"/>
+            </a:fillRef>
+            <a:effectRef idx="0">
+              <a:schemeClr val="accent1"/>
+            </a:effectRef>
+            <a:fontRef idx="minor">
+              <a:schemeClr val="lt1"/>
+            </a:fontRef>
+          </p:style>
+          <p:txBody>
+            <a:bodyPr rtlCol="0" anchor="ctr"/>
+            <a:lstStyle/>
+            <a:p>
+              <a:pPr algn="ctr"/>
+              <a:endParaRPr lang="zh-CN" altLang="en-US" sz="1600"/>
+            </a:p>
+          </p:txBody>
+        </p:sp>
+        <p:sp>
+          <p:nvSpPr>
+            <p:cNvPr id="14" name="矩形 13"/>
+            <p:cNvSpPr/>
+            <p:nvPr/>
+          </p:nvSpPr>
+          <p:spPr>
+            <a:xfrm>
+              <a:off x="10141891" y="949004"/>
+              <a:ext cx="492408" cy="492407"/>
+            </a:xfrm>
+            <a:prstGeom prst="rect">
+              <a:avLst/>
+            </a:prstGeom>
+            <a:noFill/>
+            <a:ln w="38100">
+              <a:solidFill>
+                <a:schemeClr val="accent3"/>
+              </a:solidFill>
+            </a:ln>
+          </p:spPr>
+          <p:style>
+            <a:lnRef idx="2">
+              <a:schemeClr val="accent1">
+                <a:shade val="50000"/>
+              </a:schemeClr>
+            </a:lnRef>
+            <a:fillRef idx="1">
+              <a:schemeClr val="accent1"/>
+            </a:fillRef>
+            <a:effectRef idx="0">
+              <a:schemeClr val="accent1"/>
+            </a:effectRef>
+            <a:fontRef idx="minor">
+              <a:schemeClr val="lt1"/>
+            </a:fontRef>
+          </p:style>
+          <p:txBody>
+            <a:bodyPr rtlCol="0" anchor="ctr"/>
+            <a:lstStyle/>
+            <a:p>
+              <a:pPr algn="ctr"/>
+              <a:endParaRPr lang="zh-CN" altLang="en-US" sz="1600"/>
+            </a:p>
+          </p:txBody>
+        </p:sp>
+        <p:sp>
+          <p:nvSpPr>
+            <p:cNvPr id="18" name="矩形 17"/>
+            <p:cNvSpPr/>
+            <p:nvPr/>
+          </p:nvSpPr>
+          <p:spPr>
+            <a:xfrm>
+              <a:off x="10675266" y="1483202"/>
+              <a:ext cx="492408" cy="492407"/>
+            </a:xfrm>
+            <a:prstGeom prst="rect">
+              <a:avLst/>
+            </a:prstGeom>
+            <a:noFill/>
+            <a:ln w="38100">
+              <a:solidFill>
+                <a:schemeClr val="accent6"/>
+              </a:solidFill>
+            </a:ln>
+          </p:spPr>
+          <p:style>
+            <a:lnRef idx="2">
+              <a:schemeClr val="accent1">
+                <a:shade val="50000"/>
+              </a:schemeClr>
+            </a:lnRef>
+            <a:fillRef idx="1">
+              <a:schemeClr val="accent1"/>
+            </a:fillRef>
+            <a:effectRef idx="0">
+              <a:schemeClr val="accent1"/>
+            </a:effectRef>
+            <a:fontRef idx="minor">
+              <a:schemeClr val="lt1"/>
+            </a:fontRef>
+          </p:style>
+          <p:txBody>
+            <a:bodyPr rtlCol="0" anchor="ctr"/>
+            <a:lstStyle/>
+            <a:p>
+              <a:pPr algn="ctr"/>
+              <a:endParaRPr lang="zh-CN" altLang="en-US" sz="1600"/>
+            </a:p>
+          </p:txBody>
+        </p:sp>
+        <p:sp>
+          <p:nvSpPr>
+            <p:cNvPr id="19" name="矩形 18"/>
+            <p:cNvSpPr/>
+            <p:nvPr/>
+          </p:nvSpPr>
+          <p:spPr>
+            <a:xfrm>
+              <a:off x="11382154" y="1530157"/>
+              <a:ext cx="492408" cy="492407"/>
+            </a:xfrm>
+            <a:prstGeom prst="rect">
+              <a:avLst/>
+            </a:prstGeom>
+            <a:noFill/>
+            <a:ln w="38100">
+              <a:solidFill>
+                <a:schemeClr val="accent3"/>
+              </a:solidFill>
+            </a:ln>
+          </p:spPr>
+          <p:style>
+            <a:lnRef idx="2">
+              <a:schemeClr val="accent1">
+                <a:shade val="50000"/>
+              </a:schemeClr>
+            </a:lnRef>
+            <a:fillRef idx="1">
+              <a:schemeClr val="accent1"/>
+            </a:fillRef>
+            <a:effectRef idx="0">
+              <a:schemeClr val="accent1"/>
+            </a:effectRef>
+            <a:fontRef idx="minor">
+              <a:schemeClr val="lt1"/>
+            </a:fontRef>
+          </p:style>
+          <p:txBody>
+            <a:bodyPr rtlCol="0" anchor="ctr"/>
+            <a:lstStyle/>
+            <a:p>
+              <a:pPr algn="ctr"/>
+              <a:endParaRPr lang="zh-CN" altLang="en-US" sz="1600"/>
+            </a:p>
+          </p:txBody>
+        </p:sp>
+      </p:grpSp>
+      <p:sp>
+        <p:nvSpPr>
+          <p:cNvPr id="15" name="矩形 14"/>
+          <p:cNvSpPr/>
+          <p:nvPr/>
+        </p:nvSpPr>
+        <p:spPr>
+          <a:xfrm rot="19068014">
+            <a:off x="2141973" y="2502488"/>
+            <a:ext cx="356825" cy="292096"/>
+          </a:xfrm>
+          <a:prstGeom prst="rect">
+            <a:avLst/>
+          </a:prstGeom>
+          <a:noFill/>
+          <a:ln w="38100">
+            <a:solidFill>
+              <a:srgbClr val="00B0F0"/>
+            </a:solidFill>
+          </a:ln>
+        </p:spPr>
+        <p:style>
+          <a:lnRef idx="2">
+            <a:schemeClr val="accent1">
+              <a:shade val="50000"/>
+            </a:schemeClr>
+          </a:lnRef>
+          <a:fillRef idx="1">
+            <a:schemeClr val="accent1"/>
+          </a:fillRef>
+          <a:effectRef idx="0">
+            <a:schemeClr val="accent1"/>
+          </a:effectRef>
+          <a:fontRef idx="minor">
+            <a:schemeClr val="lt1"/>
+          </a:fontRef>
+        </p:style>
+        <p:txBody>
+          <a:bodyPr rtlCol="0" anchor="ctr"/>
+          <a:lstStyle/>
+          <a:p>
+            <a:pPr algn="ctr"/>
+            <a:endParaRPr lang="zh-CN" altLang="en-US" sz="1600" dirty="0"/>
+          </a:p>
+        </p:txBody>
+      </p:sp>
+    </p:spTree>
+    <p:extLst>
+      <p:ext uri="{BB962C8B-B14F-4D97-AF65-F5344CB8AC3E}">
         <p14:creationId xmlns:p14="http://schemas.microsoft.com/office/powerpoint/2010/main" val="1087031059"/>
       </p:ext>
     </p:extLst>
@@ -4431,7 +5652,7 @@
 </p:sld>
 </file>
 
-<file path=ppt/slides/slide3.xml><?xml version="1.0" encoding="utf-8"?>
+<file path=ppt/slides/slide5.xml><?xml version="1.0" encoding="utf-8"?>
 <p:sld xmlns:a="http://schemas.openxmlformats.org/drawingml/2006/main" xmlns:r="http://schemas.openxmlformats.org/officeDocument/2006/relationships" xmlns:p="http://schemas.openxmlformats.org/presentationml/2006/main">
   <p:cSld>
     <p:spTree>
@@ -4683,7 +5904,7 @@
 </p:sld>
 </file>
 
-<file path=ppt/slides/slide4.xml><?xml version="1.0" encoding="utf-8"?>
+<file path=ppt/slides/slide6.xml><?xml version="1.0" encoding="utf-8"?>
 <p:sld xmlns:a="http://schemas.openxmlformats.org/drawingml/2006/main" xmlns:r="http://schemas.openxmlformats.org/officeDocument/2006/relationships" xmlns:p="http://schemas.openxmlformats.org/presentationml/2006/main">
   <p:cSld>
     <p:spTree>
@@ -4935,7 +6156,7 @@
 </p:sld>
 </file>
 
-<file path=ppt/slides/slide5.xml><?xml version="1.0" encoding="utf-8"?>
+<file path=ppt/slides/slide7.xml><?xml version="1.0" encoding="utf-8"?>
 <p:sld xmlns:a="http://schemas.openxmlformats.org/drawingml/2006/main" xmlns:r="http://schemas.openxmlformats.org/officeDocument/2006/relationships" xmlns:p="http://schemas.openxmlformats.org/presentationml/2006/main">
   <p:cSld>
     <p:spTree>
@@ -5459,4 +6680,265 @@
     </a:ext>
   </a:extLst>
 </a:theme>
+</file>
+
+<file path=ppt/theme/theme2.xml><?xml version="1.0" encoding="utf-8"?>
+<a:theme xmlns:a="http://schemas.openxmlformats.org/drawingml/2006/main" name="Office 主题">
+  <a:themeElements>
+    <a:clrScheme name="Office">
+      <a:dk1>
+        <a:sysClr val="windowText" lastClr="000000"/>
+      </a:dk1>
+      <a:lt1>
+        <a:sysClr val="window" lastClr="FFFFFF"/>
+      </a:lt1>
+      <a:dk2>
+        <a:srgbClr val="44546A"/>
+      </a:dk2>
+      <a:lt2>
+        <a:srgbClr val="E7E6E6"/>
+      </a:lt2>
+      <a:accent1>
+        <a:srgbClr val="4472C4"/>
+      </a:accent1>
+      <a:accent2>
+        <a:srgbClr val="ED7D31"/>
+      </a:accent2>
+      <a:accent3>
+        <a:srgbClr val="A5A5A5"/>
+      </a:accent3>
+      <a:accent4>
+        <a:srgbClr val="FFC000"/>
+      </a:accent4>
+      <a:accent5>
+        <a:srgbClr val="5B9BD5"/>
+      </a:accent5>
+      <a:accent6>
+        <a:srgbClr val="70AD47"/>
+      </a:accent6>
+      <a:hlink>
+        <a:srgbClr val="0563C1"/>
+      </a:hlink>
+      <a:folHlink>
+        <a:srgbClr val="954F72"/>
+      </a:folHlink>
+    </a:clrScheme>
+    <a:fontScheme name="Office">
+      <a:majorFont>
+        <a:latin typeface="DengXian Light" panose="020F0302020204030204"/>
+        <a:ea typeface=""/>
+        <a:cs typeface=""/>
+        <a:font script="Jpan" typeface="Yu Gothic Light"/>
+        <a:font script="Hang" typeface="맑은 고딕"/>
+        <a:font script="Hans" typeface="DengXian Light"/>
+        <a:font script="Hant" typeface="新細明體"/>
+        <a:font script="Arab" typeface="Times New Roman"/>
+        <a:font script="Hebr" typeface="Times New Roman"/>
+        <a:font script="Thai" typeface="Angsana New"/>
+        <a:font script="Ethi" typeface="Nyala"/>
+        <a:font script="Beng" typeface="Vrinda"/>
+        <a:font script="Gujr" typeface="Shruti"/>
+        <a:font script="Khmr" typeface="MoolBoran"/>
+        <a:font script="Knda" typeface="Tunga"/>
+        <a:font script="Guru" typeface="Raavi"/>
+        <a:font script="Cans" typeface="Euphemia"/>
+        <a:font script="Cher" typeface="Plantagenet Cherokee"/>
+        <a:font script="Yiii" typeface="Microsoft Yi Baiti"/>
+        <a:font script="Tibt" typeface="Microsoft Himalaya"/>
+        <a:font script="Thaa" typeface="MV Boli"/>
+        <a:font script="Deva" typeface="Mangal"/>
+        <a:font script="Telu" typeface="Gautami"/>
+        <a:font script="Taml" typeface="Latha"/>
+        <a:font script="Syrc" typeface="Estrangelo Edessa"/>
+        <a:font script="Orya" typeface="Kalinga"/>
+        <a:font script="Mlym" typeface="Kartika"/>
+        <a:font script="Laoo" typeface="DokChampa"/>
+        <a:font script="Sinh" typeface="Iskoola Pota"/>
+        <a:font script="Mong" typeface="Mongolian Baiti"/>
+        <a:font script="Viet" typeface="Times New Roman"/>
+        <a:font script="Uigh" typeface="Microsoft Uighur"/>
+        <a:font script="Geor" typeface="Sylfaen"/>
+      </a:majorFont>
+      <a:minorFont>
+        <a:latin typeface="DengXian" panose="020F0502020204030204"/>
+        <a:ea typeface=""/>
+        <a:cs typeface=""/>
+        <a:font script="Jpan" typeface="Yu Gothic"/>
+        <a:font script="Hang" typeface="맑은 고딕"/>
+        <a:font script="Hans" typeface="DengXian"/>
+        <a:font script="Hant" typeface="新細明體"/>
+        <a:font script="Arab" typeface="Arial"/>
+        <a:font script="Hebr" typeface="Arial"/>
+        <a:font script="Thai" typeface="Cordia New"/>
+        <a:font script="Ethi" typeface="Nyala"/>
+        <a:font script="Beng" typeface="Vrinda"/>
+        <a:font script="Gujr" typeface="Shruti"/>
+        <a:font script="Khmr" typeface="DaunPenh"/>
+        <a:font script="Knda" typeface="Tunga"/>
+        <a:font script="Guru" typeface="Raavi"/>
+        <a:font script="Cans" typeface="Euphemia"/>
+        <a:font script="Cher" typeface="Plantagenet Cherokee"/>
+        <a:font script="Yiii" typeface="Microsoft Yi Baiti"/>
+        <a:font script="Tibt" typeface="Microsoft Himalaya"/>
+        <a:font script="Thaa" typeface="MV Boli"/>
+        <a:font script="Deva" typeface="Mangal"/>
+        <a:font script="Telu" typeface="Gautami"/>
+        <a:font script="Taml" typeface="Latha"/>
+        <a:font script="Syrc" typeface="Estrangelo Edessa"/>
+        <a:font script="Orya" typeface="Kalinga"/>
+        <a:font script="Mlym" typeface="Kartika"/>
+        <a:font script="Laoo" typeface="DokChampa"/>
+        <a:font script="Sinh" typeface="Iskoola Pota"/>
+        <a:font script="Mong" typeface="Mongolian Baiti"/>
+        <a:font script="Viet" typeface="Arial"/>
+        <a:font script="Uigh" typeface="Microsoft Uighur"/>
+        <a:font script="Geor" typeface="Sylfaen"/>
+      </a:minorFont>
+    </a:fontScheme>
+    <a:fmtScheme name="Office">
+      <a:fillStyleLst>
+        <a:solidFill>
+          <a:schemeClr val="phClr"/>
+        </a:solidFill>
+        <a:gradFill rotWithShape="1">
+          <a:gsLst>
+            <a:gs pos="0">
+              <a:schemeClr val="phClr">
+                <a:lumMod val="110000"/>
+                <a:satMod val="105000"/>
+                <a:tint val="67000"/>
+              </a:schemeClr>
+            </a:gs>
+            <a:gs pos="50000">
+              <a:schemeClr val="phClr">
+                <a:lumMod val="105000"/>
+                <a:satMod val="103000"/>
+                <a:tint val="73000"/>
+              </a:schemeClr>
+            </a:gs>
+            <a:gs pos="100000">
+              <a:schemeClr val="phClr">
+                <a:lumMod val="105000"/>
+                <a:satMod val="109000"/>
+                <a:tint val="81000"/>
+              </a:schemeClr>
+            </a:gs>
+          </a:gsLst>
+          <a:lin ang="5400000" scaled="0"/>
+        </a:gradFill>
+        <a:gradFill rotWithShape="1">
+          <a:gsLst>
+            <a:gs pos="0">
+              <a:schemeClr val="phClr">
+                <a:satMod val="103000"/>
+                <a:lumMod val="102000"/>
+                <a:tint val="94000"/>
+              </a:schemeClr>
+            </a:gs>
+            <a:gs pos="50000">
+              <a:schemeClr val="phClr">
+                <a:satMod val="110000"/>
+                <a:lumMod val="100000"/>
+                <a:shade val="100000"/>
+              </a:schemeClr>
+            </a:gs>
+            <a:gs pos="100000">
+              <a:schemeClr val="phClr">
+                <a:lumMod val="99000"/>
+                <a:satMod val="120000"/>
+                <a:shade val="78000"/>
+              </a:schemeClr>
+            </a:gs>
+          </a:gsLst>
+          <a:lin ang="5400000" scaled="0"/>
+        </a:gradFill>
+      </a:fillStyleLst>
+      <a:lnStyleLst>
+        <a:ln w="6350" cap="flat" cmpd="sng" algn="ctr">
+          <a:solidFill>
+            <a:schemeClr val="phClr"/>
+          </a:solidFill>
+          <a:prstDash val="solid"/>
+          <a:miter lim="800000"/>
+        </a:ln>
+        <a:ln w="12700" cap="flat" cmpd="sng" algn="ctr">
+          <a:solidFill>
+            <a:schemeClr val="phClr"/>
+          </a:solidFill>
+          <a:prstDash val="solid"/>
+          <a:miter lim="800000"/>
+        </a:ln>
+        <a:ln w="19050" cap="flat" cmpd="sng" algn="ctr">
+          <a:solidFill>
+            <a:schemeClr val="phClr"/>
+          </a:solidFill>
+          <a:prstDash val="solid"/>
+          <a:miter lim="800000"/>
+        </a:ln>
+      </a:lnStyleLst>
+      <a:effectStyleLst>
+        <a:effectStyle>
+          <a:effectLst/>
+        </a:effectStyle>
+        <a:effectStyle>
+          <a:effectLst/>
+        </a:effectStyle>
+        <a:effectStyle>
+          <a:effectLst>
+            <a:outerShdw blurRad="57150" dist="19050" dir="5400000" algn="ctr" rotWithShape="0">
+              <a:srgbClr val="000000">
+                <a:alpha val="63000"/>
+              </a:srgbClr>
+            </a:outerShdw>
+          </a:effectLst>
+        </a:effectStyle>
+      </a:effectStyleLst>
+      <a:bgFillStyleLst>
+        <a:solidFill>
+          <a:schemeClr val="phClr"/>
+        </a:solidFill>
+        <a:solidFill>
+          <a:schemeClr val="phClr">
+            <a:tint val="95000"/>
+            <a:satMod val="170000"/>
+          </a:schemeClr>
+        </a:solidFill>
+        <a:gradFill rotWithShape="1">
+          <a:gsLst>
+            <a:gs pos="0">
+              <a:schemeClr val="phClr">
+                <a:tint val="93000"/>
+                <a:satMod val="150000"/>
+                <a:shade val="98000"/>
+                <a:lumMod val="102000"/>
+              </a:schemeClr>
+            </a:gs>
+            <a:gs pos="50000">
+              <a:schemeClr val="phClr">
+                <a:tint val="98000"/>
+                <a:satMod val="130000"/>
+                <a:shade val="90000"/>
+                <a:lumMod val="103000"/>
+              </a:schemeClr>
+            </a:gs>
+            <a:gs pos="100000">
+              <a:schemeClr val="phClr">
+                <a:shade val="63000"/>
+                <a:satMod val="120000"/>
+              </a:schemeClr>
+            </a:gs>
+          </a:gsLst>
+          <a:lin ang="5400000" scaled="0"/>
+        </a:gradFill>
+      </a:bgFillStyleLst>
+    </a:fmtScheme>
+  </a:themeElements>
+  <a:objectDefaults/>
+  <a:extraClrSchemeLst/>
+  <a:extLst>
+    <a:ext uri="{05A4C25C-085E-4340-85A3-A5531E510DB2}">
+      <thm15:themeFamily xmlns:thm15="http://schemas.microsoft.com/office/thememl/2012/main" name="Office Theme" id="{62F939B6-93AF-4DB8-9C6B-D6C7DFDC589F}" vid="{4A3C46E8-61CC-4603-A589-7422A47A8E4A}"/>
+    </a:ext>
+  </a:extLst>
+</a:theme>
 </file>
--- a/应用建模.pptx
+++ b/应用建模.pptx
@@ -5,16 +5,22 @@
     <p:sldMasterId id="2147483648" r:id="rId1"/>
   </p:sldMasterIdLst>
   <p:notesMasterIdLst>
-    <p:notesMasterId r:id="rId9"/>
+    <p:notesMasterId r:id="rId15"/>
   </p:notesMasterIdLst>
   <p:sldIdLst>
     <p:sldId id="259" r:id="rId2"/>
-    <p:sldId id="264" r:id="rId3"/>
-    <p:sldId id="265" r:id="rId4"/>
-    <p:sldId id="261" r:id="rId5"/>
-    <p:sldId id="260" r:id="rId6"/>
-    <p:sldId id="262" r:id="rId7"/>
-    <p:sldId id="263" r:id="rId8"/>
+    <p:sldId id="266" r:id="rId3"/>
+    <p:sldId id="267" r:id="rId4"/>
+    <p:sldId id="268" r:id="rId5"/>
+    <p:sldId id="269" r:id="rId6"/>
+    <p:sldId id="270" r:id="rId7"/>
+    <p:sldId id="271" r:id="rId8"/>
+    <p:sldId id="264" r:id="rId9"/>
+    <p:sldId id="265" r:id="rId10"/>
+    <p:sldId id="261" r:id="rId11"/>
+    <p:sldId id="260" r:id="rId12"/>
+    <p:sldId id="262" r:id="rId13"/>
+    <p:sldId id="263" r:id="rId14"/>
   </p:sldIdLst>
   <p:sldSz cx="12192000" cy="6858000"/>
   <p:notesSz cx="6858000" cy="9144000"/>
@@ -207,7 +213,7 @@
           <a:p>
             <a:fld id="{3383C6DD-352C-F94D-B6C8-CDC8725E5883}" type="datetimeFigureOut">
               <a:rPr kumimoji="1" lang="zh-CN" altLang="en-US" smtClean="0"/>
-              <a:t>17/5/22</a:t>
+              <a:t>2017/5/22</a:t>
             </a:fld>
             <a:endParaRPr kumimoji="1" lang="zh-CN" altLang="en-US"/>
           </a:p>
@@ -604,7 +610,7 @@
           <a:p>
             <a:fld id="{56E99B56-AAE7-4929-920B-80E2E1C0FFA9}" type="datetimeFigureOut">
               <a:rPr lang="zh-CN" altLang="en-US" smtClean="0"/>
-              <a:t>17/5/22</a:t>
+              <a:t>2017/5/22</a:t>
             </a:fld>
             <a:endParaRPr lang="zh-CN" altLang="en-US"/>
           </a:p>
@@ -772,7 +778,7 @@
           <a:p>
             <a:fld id="{56E99B56-AAE7-4929-920B-80E2E1C0FFA9}" type="datetimeFigureOut">
               <a:rPr lang="zh-CN" altLang="en-US" smtClean="0"/>
-              <a:t>17/5/22</a:t>
+              <a:t>2017/5/22</a:t>
             </a:fld>
             <a:endParaRPr lang="zh-CN" altLang="en-US"/>
           </a:p>
@@ -950,7 +956,7 @@
           <a:p>
             <a:fld id="{56E99B56-AAE7-4929-920B-80E2E1C0FFA9}" type="datetimeFigureOut">
               <a:rPr lang="zh-CN" altLang="en-US" smtClean="0"/>
-              <a:t>17/5/22</a:t>
+              <a:t>2017/5/22</a:t>
             </a:fld>
             <a:endParaRPr lang="zh-CN" altLang="en-US"/>
           </a:p>
@@ -1045,7 +1051,7 @@
           <a:p>
             <a:fld id="{171BBD79-73BD-4FCC-A131-912D061EF751}" type="datetimeFigureOut">
               <a:rPr lang="zh-CN" altLang="en-US" smtClean="0"/>
-              <a:t>17/5/22</a:t>
+              <a:t>2017/5/22</a:t>
             </a:fld>
             <a:endParaRPr lang="zh-CN" altLang="en-US"/>
           </a:p>
@@ -1203,6 +1209,1200 @@
 </p:sldLayout>
 </file>
 
+<file path=ppt/slideLayouts/slideLayout13.xml><?xml version="1.0" encoding="utf-8"?>
+<p:sldLayout xmlns:a="http://schemas.openxmlformats.org/drawingml/2006/main" xmlns:r="http://schemas.openxmlformats.org/officeDocument/2006/relationships" xmlns:p="http://schemas.openxmlformats.org/presentationml/2006/main" userDrawn="1">
+  <p:cSld name="2_标题幻灯片">
+    <p:spTree>
+      <p:nvGrpSpPr>
+        <p:cNvPr id="1" name=""/>
+        <p:cNvGrpSpPr/>
+        <p:nvPr/>
+      </p:nvGrpSpPr>
+      <p:grpSpPr>
+        <a:xfrm>
+          <a:off x="0" y="0"/>
+          <a:ext cx="0" cy="0"/>
+          <a:chOff x="0" y="0"/>
+          <a:chExt cx="0" cy="0"/>
+        </a:xfrm>
+      </p:grpSpPr>
+      <p:sp>
+        <p:nvSpPr>
+          <p:cNvPr id="4" name="日期占位符 3"/>
+          <p:cNvSpPr>
+            <a:spLocks noGrp="1"/>
+          </p:cNvSpPr>
+          <p:nvPr>
+            <p:ph type="dt" sz="half" idx="10"/>
+          </p:nvPr>
+        </p:nvSpPr>
+        <p:spPr/>
+        <p:txBody>
+          <a:bodyPr/>
+          <a:lstStyle/>
+          <a:p>
+            <a:fld id="{171BBD79-73BD-4FCC-A131-912D061EF751}" type="datetimeFigureOut">
+              <a:rPr lang="zh-CN" altLang="en-US" smtClean="0"/>
+              <a:t>2017/5/22</a:t>
+            </a:fld>
+            <a:endParaRPr lang="zh-CN" altLang="en-US"/>
+          </a:p>
+        </p:txBody>
+      </p:sp>
+      <p:sp>
+        <p:nvSpPr>
+          <p:cNvPr id="5" name="页脚占位符 4"/>
+          <p:cNvSpPr>
+            <a:spLocks noGrp="1"/>
+          </p:cNvSpPr>
+          <p:nvPr>
+            <p:ph type="ftr" sz="quarter" idx="11"/>
+          </p:nvPr>
+        </p:nvSpPr>
+        <p:spPr/>
+        <p:txBody>
+          <a:bodyPr/>
+          <a:lstStyle/>
+          <a:p>
+            <a:endParaRPr lang="zh-CN" altLang="en-US"/>
+          </a:p>
+        </p:txBody>
+      </p:sp>
+      <p:sp>
+        <p:nvSpPr>
+          <p:cNvPr id="6" name="灯片编号占位符 5"/>
+          <p:cNvSpPr>
+            <a:spLocks noGrp="1"/>
+          </p:cNvSpPr>
+          <p:nvPr>
+            <p:ph type="sldNum" sz="quarter" idx="12"/>
+          </p:nvPr>
+        </p:nvSpPr>
+        <p:spPr/>
+        <p:txBody>
+          <a:bodyPr/>
+          <a:lstStyle/>
+          <a:p>
+            <a:fld id="{09A119BB-CB53-4D13-A1E9-626B81BB36FF}" type="slidenum">
+              <a:rPr lang="zh-CN" altLang="en-US" smtClean="0"/>
+              <a:t>‹#›</a:t>
+            </a:fld>
+            <a:endParaRPr lang="zh-CN" altLang="en-US"/>
+          </a:p>
+        </p:txBody>
+      </p:sp>
+      <p:sp>
+        <p:nvSpPr>
+          <p:cNvPr id="7" name="矩形 6"/>
+          <p:cNvSpPr/>
+          <p:nvPr userDrawn="1"/>
+        </p:nvSpPr>
+        <p:spPr>
+          <a:xfrm>
+            <a:off x="0" y="0"/>
+            <a:ext cx="12192000" cy="6858000"/>
+          </a:xfrm>
+          <a:prstGeom prst="rect">
+            <a:avLst/>
+          </a:prstGeom>
+          <a:solidFill>
+            <a:srgbClr val="223054"/>
+          </a:solidFill>
+          <a:ln>
+            <a:solidFill>
+              <a:srgbClr val="223054"/>
+            </a:solidFill>
+          </a:ln>
+        </p:spPr>
+        <p:style>
+          <a:lnRef idx="2">
+            <a:schemeClr val="accent1">
+              <a:shade val="50000"/>
+            </a:schemeClr>
+          </a:lnRef>
+          <a:fillRef idx="1">
+            <a:schemeClr val="accent1"/>
+          </a:fillRef>
+          <a:effectRef idx="0">
+            <a:schemeClr val="accent1"/>
+          </a:effectRef>
+          <a:fontRef idx="minor">
+            <a:schemeClr val="lt1"/>
+          </a:fontRef>
+        </p:style>
+        <p:txBody>
+          <a:bodyPr rtlCol="0" anchor="ctr"/>
+          <a:lstStyle/>
+          <a:p>
+            <a:pPr algn="ctr"/>
+            <a:endParaRPr lang="zh-CN" altLang="en-US"/>
+          </a:p>
+        </p:txBody>
+      </p:sp>
+      <p:sp>
+        <p:nvSpPr>
+          <p:cNvPr id="8" name="椭圆 7"/>
+          <p:cNvSpPr/>
+          <p:nvPr userDrawn="1"/>
+        </p:nvSpPr>
+        <p:spPr>
+          <a:xfrm>
+            <a:off x="1600201" y="5272088"/>
+            <a:ext cx="971551" cy="971550"/>
+          </a:xfrm>
+          <a:prstGeom prst="ellipse">
+            <a:avLst/>
+          </a:prstGeom>
+          <a:solidFill>
+            <a:srgbClr val="223054"/>
+          </a:solidFill>
+          <a:ln>
+            <a:noFill/>
+          </a:ln>
+        </p:spPr>
+        <p:style>
+          <a:lnRef idx="2">
+            <a:schemeClr val="accent1">
+              <a:shade val="50000"/>
+            </a:schemeClr>
+          </a:lnRef>
+          <a:fillRef idx="1">
+            <a:schemeClr val="accent1"/>
+          </a:fillRef>
+          <a:effectRef idx="0">
+            <a:schemeClr val="accent1"/>
+          </a:effectRef>
+          <a:fontRef idx="minor">
+            <a:schemeClr val="lt1"/>
+          </a:fontRef>
+        </p:style>
+        <p:txBody>
+          <a:bodyPr rtlCol="0" anchor="ctr"/>
+          <a:lstStyle/>
+          <a:p>
+            <a:pPr algn="ctr"/>
+            <a:endParaRPr lang="zh-CN" altLang="en-US"/>
+          </a:p>
+        </p:txBody>
+      </p:sp>
+    </p:spTree>
+    <p:extLst>
+      <p:ext uri="{BB962C8B-B14F-4D97-AF65-F5344CB8AC3E}">
+        <p14:creationId xmlns:p14="http://schemas.microsoft.com/office/powerpoint/2010/main" val="1608409437"/>
+      </p:ext>
+    </p:extLst>
+  </p:cSld>
+  <p:clrMapOvr>
+    <a:masterClrMapping/>
+  </p:clrMapOvr>
+  <p:transition spd="slow">
+    <p:wipe/>
+  </p:transition>
+  <p:timing>
+    <p:tnLst>
+      <p:par>
+        <p:cTn id="1" dur="indefinite" restart="never" nodeType="tmRoot"/>
+      </p:par>
+    </p:tnLst>
+  </p:timing>
+</p:sldLayout>
+</file>
+
+<file path=ppt/slideLayouts/slideLayout14.xml><?xml version="1.0" encoding="utf-8"?>
+<p:sldLayout xmlns:a="http://schemas.openxmlformats.org/drawingml/2006/main" xmlns:r="http://schemas.openxmlformats.org/officeDocument/2006/relationships" xmlns:p="http://schemas.openxmlformats.org/presentationml/2006/main" userDrawn="1">
+  <p:cSld name="3_标题幻灯片">
+    <p:spTree>
+      <p:nvGrpSpPr>
+        <p:cNvPr id="1" name=""/>
+        <p:cNvGrpSpPr/>
+        <p:nvPr/>
+      </p:nvGrpSpPr>
+      <p:grpSpPr>
+        <a:xfrm>
+          <a:off x="0" y="0"/>
+          <a:ext cx="0" cy="0"/>
+          <a:chOff x="0" y="0"/>
+          <a:chExt cx="0" cy="0"/>
+        </a:xfrm>
+      </p:grpSpPr>
+      <p:sp>
+        <p:nvSpPr>
+          <p:cNvPr id="4" name="日期占位符 3"/>
+          <p:cNvSpPr>
+            <a:spLocks noGrp="1"/>
+          </p:cNvSpPr>
+          <p:nvPr>
+            <p:ph type="dt" sz="half" idx="10"/>
+          </p:nvPr>
+        </p:nvSpPr>
+        <p:spPr/>
+        <p:txBody>
+          <a:bodyPr/>
+          <a:lstStyle/>
+          <a:p>
+            <a:fld id="{171BBD79-73BD-4FCC-A131-912D061EF751}" type="datetimeFigureOut">
+              <a:rPr lang="zh-CN" altLang="en-US" smtClean="0"/>
+              <a:t>2017/5/22</a:t>
+            </a:fld>
+            <a:endParaRPr lang="zh-CN" altLang="en-US"/>
+          </a:p>
+        </p:txBody>
+      </p:sp>
+      <p:sp>
+        <p:nvSpPr>
+          <p:cNvPr id="5" name="页脚占位符 4"/>
+          <p:cNvSpPr>
+            <a:spLocks noGrp="1"/>
+          </p:cNvSpPr>
+          <p:nvPr>
+            <p:ph type="ftr" sz="quarter" idx="11"/>
+          </p:nvPr>
+        </p:nvSpPr>
+        <p:spPr/>
+        <p:txBody>
+          <a:bodyPr/>
+          <a:lstStyle/>
+          <a:p>
+            <a:endParaRPr lang="zh-CN" altLang="en-US"/>
+          </a:p>
+        </p:txBody>
+      </p:sp>
+      <p:sp>
+        <p:nvSpPr>
+          <p:cNvPr id="6" name="灯片编号占位符 5"/>
+          <p:cNvSpPr>
+            <a:spLocks noGrp="1"/>
+          </p:cNvSpPr>
+          <p:nvPr>
+            <p:ph type="sldNum" sz="quarter" idx="12"/>
+          </p:nvPr>
+        </p:nvSpPr>
+        <p:spPr/>
+        <p:txBody>
+          <a:bodyPr/>
+          <a:lstStyle/>
+          <a:p>
+            <a:fld id="{09A119BB-CB53-4D13-A1E9-626B81BB36FF}" type="slidenum">
+              <a:rPr lang="zh-CN" altLang="en-US" smtClean="0"/>
+              <a:t>‹#›</a:t>
+            </a:fld>
+            <a:endParaRPr lang="zh-CN" altLang="en-US"/>
+          </a:p>
+        </p:txBody>
+      </p:sp>
+      <p:sp>
+        <p:nvSpPr>
+          <p:cNvPr id="7" name="矩形 6"/>
+          <p:cNvSpPr/>
+          <p:nvPr userDrawn="1"/>
+        </p:nvSpPr>
+        <p:spPr>
+          <a:xfrm>
+            <a:off x="0" y="0"/>
+            <a:ext cx="12192000" cy="6858000"/>
+          </a:xfrm>
+          <a:prstGeom prst="rect">
+            <a:avLst/>
+          </a:prstGeom>
+          <a:solidFill>
+            <a:srgbClr val="223054"/>
+          </a:solidFill>
+          <a:ln>
+            <a:solidFill>
+              <a:srgbClr val="223054"/>
+            </a:solidFill>
+          </a:ln>
+        </p:spPr>
+        <p:style>
+          <a:lnRef idx="2">
+            <a:schemeClr val="accent1">
+              <a:shade val="50000"/>
+            </a:schemeClr>
+          </a:lnRef>
+          <a:fillRef idx="1">
+            <a:schemeClr val="accent1"/>
+          </a:fillRef>
+          <a:effectRef idx="0">
+            <a:schemeClr val="accent1"/>
+          </a:effectRef>
+          <a:fontRef idx="minor">
+            <a:schemeClr val="lt1"/>
+          </a:fontRef>
+        </p:style>
+        <p:txBody>
+          <a:bodyPr rtlCol="0" anchor="ctr"/>
+          <a:lstStyle/>
+          <a:p>
+            <a:pPr algn="ctr"/>
+            <a:endParaRPr lang="zh-CN" altLang="en-US"/>
+          </a:p>
+        </p:txBody>
+      </p:sp>
+      <p:sp>
+        <p:nvSpPr>
+          <p:cNvPr id="8" name="椭圆 7"/>
+          <p:cNvSpPr/>
+          <p:nvPr userDrawn="1"/>
+        </p:nvSpPr>
+        <p:spPr>
+          <a:xfrm>
+            <a:off x="1600201" y="5272088"/>
+            <a:ext cx="971551" cy="971550"/>
+          </a:xfrm>
+          <a:prstGeom prst="ellipse">
+            <a:avLst/>
+          </a:prstGeom>
+          <a:solidFill>
+            <a:srgbClr val="223054"/>
+          </a:solidFill>
+          <a:ln>
+            <a:noFill/>
+          </a:ln>
+        </p:spPr>
+        <p:style>
+          <a:lnRef idx="2">
+            <a:schemeClr val="accent1">
+              <a:shade val="50000"/>
+            </a:schemeClr>
+          </a:lnRef>
+          <a:fillRef idx="1">
+            <a:schemeClr val="accent1"/>
+          </a:fillRef>
+          <a:effectRef idx="0">
+            <a:schemeClr val="accent1"/>
+          </a:effectRef>
+          <a:fontRef idx="minor">
+            <a:schemeClr val="lt1"/>
+          </a:fontRef>
+        </p:style>
+        <p:txBody>
+          <a:bodyPr rtlCol="0" anchor="ctr"/>
+          <a:lstStyle/>
+          <a:p>
+            <a:pPr algn="ctr"/>
+            <a:endParaRPr lang="zh-CN" altLang="en-US"/>
+          </a:p>
+        </p:txBody>
+      </p:sp>
+    </p:spTree>
+    <p:extLst>
+      <p:ext uri="{BB962C8B-B14F-4D97-AF65-F5344CB8AC3E}">
+        <p14:creationId xmlns:p14="http://schemas.microsoft.com/office/powerpoint/2010/main" val="758515478"/>
+      </p:ext>
+    </p:extLst>
+  </p:cSld>
+  <p:clrMapOvr>
+    <a:masterClrMapping/>
+  </p:clrMapOvr>
+  <p:transition spd="slow">
+    <p:wipe/>
+  </p:transition>
+  <p:timing>
+    <p:tnLst>
+      <p:par>
+        <p:cTn id="1" dur="indefinite" restart="never" nodeType="tmRoot"/>
+      </p:par>
+    </p:tnLst>
+  </p:timing>
+</p:sldLayout>
+</file>
+
+<file path=ppt/slideLayouts/slideLayout15.xml><?xml version="1.0" encoding="utf-8"?>
+<p:sldLayout xmlns:a="http://schemas.openxmlformats.org/drawingml/2006/main" xmlns:r="http://schemas.openxmlformats.org/officeDocument/2006/relationships" xmlns:p="http://schemas.openxmlformats.org/presentationml/2006/main" userDrawn="1">
+  <p:cSld name="4_标题幻灯片">
+    <p:spTree>
+      <p:nvGrpSpPr>
+        <p:cNvPr id="1" name=""/>
+        <p:cNvGrpSpPr/>
+        <p:nvPr/>
+      </p:nvGrpSpPr>
+      <p:grpSpPr>
+        <a:xfrm>
+          <a:off x="0" y="0"/>
+          <a:ext cx="0" cy="0"/>
+          <a:chOff x="0" y="0"/>
+          <a:chExt cx="0" cy="0"/>
+        </a:xfrm>
+      </p:grpSpPr>
+      <p:sp>
+        <p:nvSpPr>
+          <p:cNvPr id="4" name="日期占位符 3"/>
+          <p:cNvSpPr>
+            <a:spLocks noGrp="1"/>
+          </p:cNvSpPr>
+          <p:nvPr>
+            <p:ph type="dt" sz="half" idx="10"/>
+          </p:nvPr>
+        </p:nvSpPr>
+        <p:spPr/>
+        <p:txBody>
+          <a:bodyPr/>
+          <a:lstStyle/>
+          <a:p>
+            <a:fld id="{171BBD79-73BD-4FCC-A131-912D061EF751}" type="datetimeFigureOut">
+              <a:rPr lang="zh-CN" altLang="en-US" smtClean="0"/>
+              <a:t>2017/5/22</a:t>
+            </a:fld>
+            <a:endParaRPr lang="zh-CN" altLang="en-US"/>
+          </a:p>
+        </p:txBody>
+      </p:sp>
+      <p:sp>
+        <p:nvSpPr>
+          <p:cNvPr id="5" name="页脚占位符 4"/>
+          <p:cNvSpPr>
+            <a:spLocks noGrp="1"/>
+          </p:cNvSpPr>
+          <p:nvPr>
+            <p:ph type="ftr" sz="quarter" idx="11"/>
+          </p:nvPr>
+        </p:nvSpPr>
+        <p:spPr/>
+        <p:txBody>
+          <a:bodyPr/>
+          <a:lstStyle/>
+          <a:p>
+            <a:endParaRPr lang="zh-CN" altLang="en-US"/>
+          </a:p>
+        </p:txBody>
+      </p:sp>
+      <p:sp>
+        <p:nvSpPr>
+          <p:cNvPr id="6" name="灯片编号占位符 5"/>
+          <p:cNvSpPr>
+            <a:spLocks noGrp="1"/>
+          </p:cNvSpPr>
+          <p:nvPr>
+            <p:ph type="sldNum" sz="quarter" idx="12"/>
+          </p:nvPr>
+        </p:nvSpPr>
+        <p:spPr/>
+        <p:txBody>
+          <a:bodyPr/>
+          <a:lstStyle/>
+          <a:p>
+            <a:fld id="{09A119BB-CB53-4D13-A1E9-626B81BB36FF}" type="slidenum">
+              <a:rPr lang="zh-CN" altLang="en-US" smtClean="0"/>
+              <a:t>‹#›</a:t>
+            </a:fld>
+            <a:endParaRPr lang="zh-CN" altLang="en-US"/>
+          </a:p>
+        </p:txBody>
+      </p:sp>
+      <p:sp>
+        <p:nvSpPr>
+          <p:cNvPr id="7" name="矩形 6"/>
+          <p:cNvSpPr/>
+          <p:nvPr userDrawn="1"/>
+        </p:nvSpPr>
+        <p:spPr>
+          <a:xfrm>
+            <a:off x="0" y="0"/>
+            <a:ext cx="12192000" cy="6858000"/>
+          </a:xfrm>
+          <a:prstGeom prst="rect">
+            <a:avLst/>
+          </a:prstGeom>
+          <a:solidFill>
+            <a:srgbClr val="223054"/>
+          </a:solidFill>
+          <a:ln>
+            <a:solidFill>
+              <a:srgbClr val="223054"/>
+            </a:solidFill>
+          </a:ln>
+        </p:spPr>
+        <p:style>
+          <a:lnRef idx="2">
+            <a:schemeClr val="accent1">
+              <a:shade val="50000"/>
+            </a:schemeClr>
+          </a:lnRef>
+          <a:fillRef idx="1">
+            <a:schemeClr val="accent1"/>
+          </a:fillRef>
+          <a:effectRef idx="0">
+            <a:schemeClr val="accent1"/>
+          </a:effectRef>
+          <a:fontRef idx="minor">
+            <a:schemeClr val="lt1"/>
+          </a:fontRef>
+        </p:style>
+        <p:txBody>
+          <a:bodyPr rtlCol="0" anchor="ctr"/>
+          <a:lstStyle/>
+          <a:p>
+            <a:pPr algn="ctr"/>
+            <a:endParaRPr lang="zh-CN" altLang="en-US"/>
+          </a:p>
+        </p:txBody>
+      </p:sp>
+      <p:sp>
+        <p:nvSpPr>
+          <p:cNvPr id="8" name="椭圆 7"/>
+          <p:cNvSpPr/>
+          <p:nvPr userDrawn="1"/>
+        </p:nvSpPr>
+        <p:spPr>
+          <a:xfrm>
+            <a:off x="1600201" y="5272088"/>
+            <a:ext cx="971551" cy="971550"/>
+          </a:xfrm>
+          <a:prstGeom prst="ellipse">
+            <a:avLst/>
+          </a:prstGeom>
+          <a:solidFill>
+            <a:srgbClr val="223054"/>
+          </a:solidFill>
+          <a:ln>
+            <a:noFill/>
+          </a:ln>
+        </p:spPr>
+        <p:style>
+          <a:lnRef idx="2">
+            <a:schemeClr val="accent1">
+              <a:shade val="50000"/>
+            </a:schemeClr>
+          </a:lnRef>
+          <a:fillRef idx="1">
+            <a:schemeClr val="accent1"/>
+          </a:fillRef>
+          <a:effectRef idx="0">
+            <a:schemeClr val="accent1"/>
+          </a:effectRef>
+          <a:fontRef idx="minor">
+            <a:schemeClr val="lt1"/>
+          </a:fontRef>
+        </p:style>
+        <p:txBody>
+          <a:bodyPr rtlCol="0" anchor="ctr"/>
+          <a:lstStyle/>
+          <a:p>
+            <a:pPr algn="ctr"/>
+            <a:endParaRPr lang="zh-CN" altLang="en-US"/>
+          </a:p>
+        </p:txBody>
+      </p:sp>
+    </p:spTree>
+    <p:extLst>
+      <p:ext uri="{BB962C8B-B14F-4D97-AF65-F5344CB8AC3E}">
+        <p14:creationId xmlns:p14="http://schemas.microsoft.com/office/powerpoint/2010/main" val="818398416"/>
+      </p:ext>
+    </p:extLst>
+  </p:cSld>
+  <p:clrMapOvr>
+    <a:masterClrMapping/>
+  </p:clrMapOvr>
+  <p:transition spd="slow">
+    <p:wipe/>
+  </p:transition>
+  <p:timing>
+    <p:tnLst>
+      <p:par>
+        <p:cTn id="1" dur="indefinite" restart="never" nodeType="tmRoot"/>
+      </p:par>
+    </p:tnLst>
+  </p:timing>
+</p:sldLayout>
+</file>
+
+<file path=ppt/slideLayouts/slideLayout16.xml><?xml version="1.0" encoding="utf-8"?>
+<p:sldLayout xmlns:a="http://schemas.openxmlformats.org/drawingml/2006/main" xmlns:r="http://schemas.openxmlformats.org/officeDocument/2006/relationships" xmlns:p="http://schemas.openxmlformats.org/presentationml/2006/main" userDrawn="1">
+  <p:cSld name="5_标题幻灯片">
+    <p:spTree>
+      <p:nvGrpSpPr>
+        <p:cNvPr id="1" name=""/>
+        <p:cNvGrpSpPr/>
+        <p:nvPr/>
+      </p:nvGrpSpPr>
+      <p:grpSpPr>
+        <a:xfrm>
+          <a:off x="0" y="0"/>
+          <a:ext cx="0" cy="0"/>
+          <a:chOff x="0" y="0"/>
+          <a:chExt cx="0" cy="0"/>
+        </a:xfrm>
+      </p:grpSpPr>
+      <p:sp>
+        <p:nvSpPr>
+          <p:cNvPr id="4" name="日期占位符 3"/>
+          <p:cNvSpPr>
+            <a:spLocks noGrp="1"/>
+          </p:cNvSpPr>
+          <p:nvPr>
+            <p:ph type="dt" sz="half" idx="10"/>
+          </p:nvPr>
+        </p:nvSpPr>
+        <p:spPr/>
+        <p:txBody>
+          <a:bodyPr/>
+          <a:lstStyle/>
+          <a:p>
+            <a:fld id="{171BBD79-73BD-4FCC-A131-912D061EF751}" type="datetimeFigureOut">
+              <a:rPr lang="zh-CN" altLang="en-US" smtClean="0"/>
+              <a:t>2017/5/22</a:t>
+            </a:fld>
+            <a:endParaRPr lang="zh-CN" altLang="en-US"/>
+          </a:p>
+        </p:txBody>
+      </p:sp>
+      <p:sp>
+        <p:nvSpPr>
+          <p:cNvPr id="5" name="页脚占位符 4"/>
+          <p:cNvSpPr>
+            <a:spLocks noGrp="1"/>
+          </p:cNvSpPr>
+          <p:nvPr>
+            <p:ph type="ftr" sz="quarter" idx="11"/>
+          </p:nvPr>
+        </p:nvSpPr>
+        <p:spPr/>
+        <p:txBody>
+          <a:bodyPr/>
+          <a:lstStyle/>
+          <a:p>
+            <a:endParaRPr lang="zh-CN" altLang="en-US"/>
+          </a:p>
+        </p:txBody>
+      </p:sp>
+      <p:sp>
+        <p:nvSpPr>
+          <p:cNvPr id="6" name="灯片编号占位符 5"/>
+          <p:cNvSpPr>
+            <a:spLocks noGrp="1"/>
+          </p:cNvSpPr>
+          <p:nvPr>
+            <p:ph type="sldNum" sz="quarter" idx="12"/>
+          </p:nvPr>
+        </p:nvSpPr>
+        <p:spPr/>
+        <p:txBody>
+          <a:bodyPr/>
+          <a:lstStyle/>
+          <a:p>
+            <a:fld id="{09A119BB-CB53-4D13-A1E9-626B81BB36FF}" type="slidenum">
+              <a:rPr lang="zh-CN" altLang="en-US" smtClean="0"/>
+              <a:t>‹#›</a:t>
+            </a:fld>
+            <a:endParaRPr lang="zh-CN" altLang="en-US"/>
+          </a:p>
+        </p:txBody>
+      </p:sp>
+      <p:sp>
+        <p:nvSpPr>
+          <p:cNvPr id="7" name="矩形 6"/>
+          <p:cNvSpPr/>
+          <p:nvPr userDrawn="1"/>
+        </p:nvSpPr>
+        <p:spPr>
+          <a:xfrm>
+            <a:off x="0" y="0"/>
+            <a:ext cx="12192000" cy="6858000"/>
+          </a:xfrm>
+          <a:prstGeom prst="rect">
+            <a:avLst/>
+          </a:prstGeom>
+          <a:solidFill>
+            <a:srgbClr val="223054"/>
+          </a:solidFill>
+          <a:ln>
+            <a:solidFill>
+              <a:srgbClr val="223054"/>
+            </a:solidFill>
+          </a:ln>
+        </p:spPr>
+        <p:style>
+          <a:lnRef idx="2">
+            <a:schemeClr val="accent1">
+              <a:shade val="50000"/>
+            </a:schemeClr>
+          </a:lnRef>
+          <a:fillRef idx="1">
+            <a:schemeClr val="accent1"/>
+          </a:fillRef>
+          <a:effectRef idx="0">
+            <a:schemeClr val="accent1"/>
+          </a:effectRef>
+          <a:fontRef idx="minor">
+            <a:schemeClr val="lt1"/>
+          </a:fontRef>
+        </p:style>
+        <p:txBody>
+          <a:bodyPr rtlCol="0" anchor="ctr"/>
+          <a:lstStyle/>
+          <a:p>
+            <a:pPr algn="ctr"/>
+            <a:endParaRPr lang="zh-CN" altLang="en-US"/>
+          </a:p>
+        </p:txBody>
+      </p:sp>
+      <p:sp>
+        <p:nvSpPr>
+          <p:cNvPr id="8" name="椭圆 7"/>
+          <p:cNvSpPr/>
+          <p:nvPr userDrawn="1"/>
+        </p:nvSpPr>
+        <p:spPr>
+          <a:xfrm>
+            <a:off x="1600201" y="5272088"/>
+            <a:ext cx="971551" cy="971550"/>
+          </a:xfrm>
+          <a:prstGeom prst="ellipse">
+            <a:avLst/>
+          </a:prstGeom>
+          <a:solidFill>
+            <a:srgbClr val="223054"/>
+          </a:solidFill>
+          <a:ln>
+            <a:noFill/>
+          </a:ln>
+        </p:spPr>
+        <p:style>
+          <a:lnRef idx="2">
+            <a:schemeClr val="accent1">
+              <a:shade val="50000"/>
+            </a:schemeClr>
+          </a:lnRef>
+          <a:fillRef idx="1">
+            <a:schemeClr val="accent1"/>
+          </a:fillRef>
+          <a:effectRef idx="0">
+            <a:schemeClr val="accent1"/>
+          </a:effectRef>
+          <a:fontRef idx="minor">
+            <a:schemeClr val="lt1"/>
+          </a:fontRef>
+        </p:style>
+        <p:txBody>
+          <a:bodyPr rtlCol="0" anchor="ctr"/>
+          <a:lstStyle/>
+          <a:p>
+            <a:pPr algn="ctr"/>
+            <a:endParaRPr lang="zh-CN" altLang="en-US"/>
+          </a:p>
+        </p:txBody>
+      </p:sp>
+    </p:spTree>
+    <p:extLst>
+      <p:ext uri="{BB962C8B-B14F-4D97-AF65-F5344CB8AC3E}">
+        <p14:creationId xmlns:p14="http://schemas.microsoft.com/office/powerpoint/2010/main" val="2338216317"/>
+      </p:ext>
+    </p:extLst>
+  </p:cSld>
+  <p:clrMapOvr>
+    <a:masterClrMapping/>
+  </p:clrMapOvr>
+  <p:transition spd="slow">
+    <p:wipe/>
+  </p:transition>
+  <p:timing>
+    <p:tnLst>
+      <p:par>
+        <p:cTn id="1" dur="indefinite" restart="never" nodeType="tmRoot"/>
+      </p:par>
+    </p:tnLst>
+  </p:timing>
+</p:sldLayout>
+</file>
+
+<file path=ppt/slideLayouts/slideLayout17.xml><?xml version="1.0" encoding="utf-8"?>
+<p:sldLayout xmlns:a="http://schemas.openxmlformats.org/drawingml/2006/main" xmlns:r="http://schemas.openxmlformats.org/officeDocument/2006/relationships" xmlns:p="http://schemas.openxmlformats.org/presentationml/2006/main" userDrawn="1">
+  <p:cSld name="6_标题幻灯片">
+    <p:spTree>
+      <p:nvGrpSpPr>
+        <p:cNvPr id="1" name=""/>
+        <p:cNvGrpSpPr/>
+        <p:nvPr/>
+      </p:nvGrpSpPr>
+      <p:grpSpPr>
+        <a:xfrm>
+          <a:off x="0" y="0"/>
+          <a:ext cx="0" cy="0"/>
+          <a:chOff x="0" y="0"/>
+          <a:chExt cx="0" cy="0"/>
+        </a:xfrm>
+      </p:grpSpPr>
+      <p:sp>
+        <p:nvSpPr>
+          <p:cNvPr id="4" name="日期占位符 3"/>
+          <p:cNvSpPr>
+            <a:spLocks noGrp="1"/>
+          </p:cNvSpPr>
+          <p:nvPr>
+            <p:ph type="dt" sz="half" idx="10"/>
+          </p:nvPr>
+        </p:nvSpPr>
+        <p:spPr/>
+        <p:txBody>
+          <a:bodyPr/>
+          <a:lstStyle/>
+          <a:p>
+            <a:fld id="{171BBD79-73BD-4FCC-A131-912D061EF751}" type="datetimeFigureOut">
+              <a:rPr lang="zh-CN" altLang="en-US" smtClean="0"/>
+              <a:t>2017/5/22</a:t>
+            </a:fld>
+            <a:endParaRPr lang="zh-CN" altLang="en-US"/>
+          </a:p>
+        </p:txBody>
+      </p:sp>
+      <p:sp>
+        <p:nvSpPr>
+          <p:cNvPr id="5" name="页脚占位符 4"/>
+          <p:cNvSpPr>
+            <a:spLocks noGrp="1"/>
+          </p:cNvSpPr>
+          <p:nvPr>
+            <p:ph type="ftr" sz="quarter" idx="11"/>
+          </p:nvPr>
+        </p:nvSpPr>
+        <p:spPr/>
+        <p:txBody>
+          <a:bodyPr/>
+          <a:lstStyle/>
+          <a:p>
+            <a:endParaRPr lang="zh-CN" altLang="en-US"/>
+          </a:p>
+        </p:txBody>
+      </p:sp>
+      <p:sp>
+        <p:nvSpPr>
+          <p:cNvPr id="6" name="灯片编号占位符 5"/>
+          <p:cNvSpPr>
+            <a:spLocks noGrp="1"/>
+          </p:cNvSpPr>
+          <p:nvPr>
+            <p:ph type="sldNum" sz="quarter" idx="12"/>
+          </p:nvPr>
+        </p:nvSpPr>
+        <p:spPr/>
+        <p:txBody>
+          <a:bodyPr/>
+          <a:lstStyle/>
+          <a:p>
+            <a:fld id="{09A119BB-CB53-4D13-A1E9-626B81BB36FF}" type="slidenum">
+              <a:rPr lang="zh-CN" altLang="en-US" smtClean="0"/>
+              <a:t>‹#›</a:t>
+            </a:fld>
+            <a:endParaRPr lang="zh-CN" altLang="en-US"/>
+          </a:p>
+        </p:txBody>
+      </p:sp>
+      <p:sp>
+        <p:nvSpPr>
+          <p:cNvPr id="7" name="矩形 6"/>
+          <p:cNvSpPr/>
+          <p:nvPr userDrawn="1"/>
+        </p:nvSpPr>
+        <p:spPr>
+          <a:xfrm>
+            <a:off x="0" y="0"/>
+            <a:ext cx="12192000" cy="6858000"/>
+          </a:xfrm>
+          <a:prstGeom prst="rect">
+            <a:avLst/>
+          </a:prstGeom>
+          <a:solidFill>
+            <a:srgbClr val="223054"/>
+          </a:solidFill>
+          <a:ln>
+            <a:solidFill>
+              <a:srgbClr val="223054"/>
+            </a:solidFill>
+          </a:ln>
+        </p:spPr>
+        <p:style>
+          <a:lnRef idx="2">
+            <a:schemeClr val="accent1">
+              <a:shade val="50000"/>
+            </a:schemeClr>
+          </a:lnRef>
+          <a:fillRef idx="1">
+            <a:schemeClr val="accent1"/>
+          </a:fillRef>
+          <a:effectRef idx="0">
+            <a:schemeClr val="accent1"/>
+          </a:effectRef>
+          <a:fontRef idx="minor">
+            <a:schemeClr val="lt1"/>
+          </a:fontRef>
+        </p:style>
+        <p:txBody>
+          <a:bodyPr rtlCol="0" anchor="ctr"/>
+          <a:lstStyle/>
+          <a:p>
+            <a:pPr algn="ctr"/>
+            <a:endParaRPr lang="zh-CN" altLang="en-US"/>
+          </a:p>
+        </p:txBody>
+      </p:sp>
+      <p:sp>
+        <p:nvSpPr>
+          <p:cNvPr id="8" name="椭圆 7"/>
+          <p:cNvSpPr/>
+          <p:nvPr userDrawn="1"/>
+        </p:nvSpPr>
+        <p:spPr>
+          <a:xfrm>
+            <a:off x="1600201" y="5272088"/>
+            <a:ext cx="971551" cy="971550"/>
+          </a:xfrm>
+          <a:prstGeom prst="ellipse">
+            <a:avLst/>
+          </a:prstGeom>
+          <a:solidFill>
+            <a:srgbClr val="223054"/>
+          </a:solidFill>
+          <a:ln>
+            <a:noFill/>
+          </a:ln>
+        </p:spPr>
+        <p:style>
+          <a:lnRef idx="2">
+            <a:schemeClr val="accent1">
+              <a:shade val="50000"/>
+            </a:schemeClr>
+          </a:lnRef>
+          <a:fillRef idx="1">
+            <a:schemeClr val="accent1"/>
+          </a:fillRef>
+          <a:effectRef idx="0">
+            <a:schemeClr val="accent1"/>
+          </a:effectRef>
+          <a:fontRef idx="minor">
+            <a:schemeClr val="lt1"/>
+          </a:fontRef>
+        </p:style>
+        <p:txBody>
+          <a:bodyPr rtlCol="0" anchor="ctr"/>
+          <a:lstStyle/>
+          <a:p>
+            <a:pPr algn="ctr"/>
+            <a:endParaRPr lang="zh-CN" altLang="en-US"/>
+          </a:p>
+        </p:txBody>
+      </p:sp>
+    </p:spTree>
+    <p:extLst>
+      <p:ext uri="{BB962C8B-B14F-4D97-AF65-F5344CB8AC3E}">
+        <p14:creationId xmlns:p14="http://schemas.microsoft.com/office/powerpoint/2010/main" val="3773549974"/>
+      </p:ext>
+    </p:extLst>
+  </p:cSld>
+  <p:clrMapOvr>
+    <a:masterClrMapping/>
+  </p:clrMapOvr>
+  <p:transition spd="slow">
+    <p:wipe/>
+  </p:transition>
+  <p:timing>
+    <p:tnLst>
+      <p:par>
+        <p:cTn id="1" dur="indefinite" restart="never" nodeType="tmRoot"/>
+      </p:par>
+    </p:tnLst>
+  </p:timing>
+</p:sldLayout>
+</file>
+
+<file path=ppt/slideLayouts/slideLayout18.xml><?xml version="1.0" encoding="utf-8"?>
+<p:sldLayout xmlns:a="http://schemas.openxmlformats.org/drawingml/2006/main" xmlns:r="http://schemas.openxmlformats.org/officeDocument/2006/relationships" xmlns:p="http://schemas.openxmlformats.org/presentationml/2006/main" userDrawn="1">
+  <p:cSld name="7_标题幻灯片">
+    <p:spTree>
+      <p:nvGrpSpPr>
+        <p:cNvPr id="1" name=""/>
+        <p:cNvGrpSpPr/>
+        <p:nvPr/>
+      </p:nvGrpSpPr>
+      <p:grpSpPr>
+        <a:xfrm>
+          <a:off x="0" y="0"/>
+          <a:ext cx="0" cy="0"/>
+          <a:chOff x="0" y="0"/>
+          <a:chExt cx="0" cy="0"/>
+        </a:xfrm>
+      </p:grpSpPr>
+      <p:sp>
+        <p:nvSpPr>
+          <p:cNvPr id="4" name="日期占位符 3"/>
+          <p:cNvSpPr>
+            <a:spLocks noGrp="1"/>
+          </p:cNvSpPr>
+          <p:nvPr>
+            <p:ph type="dt" sz="half" idx="10"/>
+          </p:nvPr>
+        </p:nvSpPr>
+        <p:spPr/>
+        <p:txBody>
+          <a:bodyPr/>
+          <a:lstStyle/>
+          <a:p>
+            <a:fld id="{171BBD79-73BD-4FCC-A131-912D061EF751}" type="datetimeFigureOut">
+              <a:rPr lang="zh-CN" altLang="en-US" smtClean="0"/>
+              <a:t>2017/5/22</a:t>
+            </a:fld>
+            <a:endParaRPr lang="zh-CN" altLang="en-US"/>
+          </a:p>
+        </p:txBody>
+      </p:sp>
+      <p:sp>
+        <p:nvSpPr>
+          <p:cNvPr id="5" name="页脚占位符 4"/>
+          <p:cNvSpPr>
+            <a:spLocks noGrp="1"/>
+          </p:cNvSpPr>
+          <p:nvPr>
+            <p:ph type="ftr" sz="quarter" idx="11"/>
+          </p:nvPr>
+        </p:nvSpPr>
+        <p:spPr/>
+        <p:txBody>
+          <a:bodyPr/>
+          <a:lstStyle/>
+          <a:p>
+            <a:endParaRPr lang="zh-CN" altLang="en-US"/>
+          </a:p>
+        </p:txBody>
+      </p:sp>
+      <p:sp>
+        <p:nvSpPr>
+          <p:cNvPr id="6" name="灯片编号占位符 5"/>
+          <p:cNvSpPr>
+            <a:spLocks noGrp="1"/>
+          </p:cNvSpPr>
+          <p:nvPr>
+            <p:ph type="sldNum" sz="quarter" idx="12"/>
+          </p:nvPr>
+        </p:nvSpPr>
+        <p:spPr/>
+        <p:txBody>
+          <a:bodyPr/>
+          <a:lstStyle/>
+          <a:p>
+            <a:fld id="{09A119BB-CB53-4D13-A1E9-626B81BB36FF}" type="slidenum">
+              <a:rPr lang="zh-CN" altLang="en-US" smtClean="0"/>
+              <a:t>‹#›</a:t>
+            </a:fld>
+            <a:endParaRPr lang="zh-CN" altLang="en-US"/>
+          </a:p>
+        </p:txBody>
+      </p:sp>
+      <p:sp>
+        <p:nvSpPr>
+          <p:cNvPr id="7" name="矩形 6"/>
+          <p:cNvSpPr/>
+          <p:nvPr userDrawn="1"/>
+        </p:nvSpPr>
+        <p:spPr>
+          <a:xfrm>
+            <a:off x="0" y="0"/>
+            <a:ext cx="12192000" cy="6858000"/>
+          </a:xfrm>
+          <a:prstGeom prst="rect">
+            <a:avLst/>
+          </a:prstGeom>
+          <a:solidFill>
+            <a:srgbClr val="223054"/>
+          </a:solidFill>
+          <a:ln>
+            <a:solidFill>
+              <a:srgbClr val="223054"/>
+            </a:solidFill>
+          </a:ln>
+        </p:spPr>
+        <p:style>
+          <a:lnRef idx="2">
+            <a:schemeClr val="accent1">
+              <a:shade val="50000"/>
+            </a:schemeClr>
+          </a:lnRef>
+          <a:fillRef idx="1">
+            <a:schemeClr val="accent1"/>
+          </a:fillRef>
+          <a:effectRef idx="0">
+            <a:schemeClr val="accent1"/>
+          </a:effectRef>
+          <a:fontRef idx="minor">
+            <a:schemeClr val="lt1"/>
+          </a:fontRef>
+        </p:style>
+        <p:txBody>
+          <a:bodyPr rtlCol="0" anchor="ctr"/>
+          <a:lstStyle/>
+          <a:p>
+            <a:pPr algn="ctr"/>
+            <a:endParaRPr lang="zh-CN" altLang="en-US"/>
+          </a:p>
+        </p:txBody>
+      </p:sp>
+      <p:sp>
+        <p:nvSpPr>
+          <p:cNvPr id="8" name="椭圆 7"/>
+          <p:cNvSpPr/>
+          <p:nvPr userDrawn="1"/>
+        </p:nvSpPr>
+        <p:spPr>
+          <a:xfrm>
+            <a:off x="1600201" y="5272088"/>
+            <a:ext cx="971551" cy="971550"/>
+          </a:xfrm>
+          <a:prstGeom prst="ellipse">
+            <a:avLst/>
+          </a:prstGeom>
+          <a:solidFill>
+            <a:srgbClr val="223054"/>
+          </a:solidFill>
+          <a:ln>
+            <a:noFill/>
+          </a:ln>
+        </p:spPr>
+        <p:style>
+          <a:lnRef idx="2">
+            <a:schemeClr val="accent1">
+              <a:shade val="50000"/>
+            </a:schemeClr>
+          </a:lnRef>
+          <a:fillRef idx="1">
+            <a:schemeClr val="accent1"/>
+          </a:fillRef>
+          <a:effectRef idx="0">
+            <a:schemeClr val="accent1"/>
+          </a:effectRef>
+          <a:fontRef idx="minor">
+            <a:schemeClr val="lt1"/>
+          </a:fontRef>
+        </p:style>
+        <p:txBody>
+          <a:bodyPr rtlCol="0" anchor="ctr"/>
+          <a:lstStyle/>
+          <a:p>
+            <a:pPr algn="ctr"/>
+            <a:endParaRPr lang="zh-CN" altLang="en-US"/>
+          </a:p>
+        </p:txBody>
+      </p:sp>
+    </p:spTree>
+    <p:extLst>
+      <p:ext uri="{BB962C8B-B14F-4D97-AF65-F5344CB8AC3E}">
+        <p14:creationId xmlns:p14="http://schemas.microsoft.com/office/powerpoint/2010/main" val="3874321302"/>
+      </p:ext>
+    </p:extLst>
+  </p:cSld>
+  <p:clrMapOvr>
+    <a:masterClrMapping/>
+  </p:clrMapOvr>
+  <p:transition spd="slow">
+    <p:wipe/>
+  </p:transition>
+  <p:timing>
+    <p:tnLst>
+      <p:par>
+        <p:cTn id="1" dur="indefinite" restart="never" nodeType="tmRoot"/>
+      </p:par>
+    </p:tnLst>
+  </p:timing>
+</p:sldLayout>
+</file>
+
 <file path=ppt/slideLayouts/slideLayout2.xml><?xml version="1.0" encoding="utf-8"?>
 <p:sldLayout xmlns:a="http://schemas.openxmlformats.org/drawingml/2006/main" xmlns:r="http://schemas.openxmlformats.org/officeDocument/2006/relationships" xmlns:p="http://schemas.openxmlformats.org/presentationml/2006/main" type="obj" preserve="1">
   <p:cSld name="标题和内容">
@@ -1310,7 +2510,7 @@
           <a:p>
             <a:fld id="{56E99B56-AAE7-4929-920B-80E2E1C0FFA9}" type="datetimeFigureOut">
               <a:rPr lang="zh-CN" altLang="en-US" smtClean="0"/>
-              <a:t>17/5/22</a:t>
+              <a:t>2017/5/22</a:t>
             </a:fld>
             <a:endParaRPr lang="zh-CN" altLang="en-US"/>
           </a:p>
@@ -1555,7 +2755,7 @@
           <a:p>
             <a:fld id="{56E99B56-AAE7-4929-920B-80E2E1C0FFA9}" type="datetimeFigureOut">
               <a:rPr lang="zh-CN" altLang="en-US" smtClean="0"/>
-              <a:t>17/5/22</a:t>
+              <a:t>2017/5/22</a:t>
             </a:fld>
             <a:endParaRPr lang="zh-CN" altLang="en-US"/>
           </a:p>
@@ -1784,7 +2984,7 @@
           <a:p>
             <a:fld id="{56E99B56-AAE7-4929-920B-80E2E1C0FFA9}" type="datetimeFigureOut">
               <a:rPr lang="zh-CN" altLang="en-US" smtClean="0"/>
-              <a:t>17/5/22</a:t>
+              <a:t>2017/5/22</a:t>
             </a:fld>
             <a:endParaRPr lang="zh-CN" altLang="en-US"/>
           </a:p>
@@ -2148,7 +3348,7 @@
           <a:p>
             <a:fld id="{56E99B56-AAE7-4929-920B-80E2E1C0FFA9}" type="datetimeFigureOut">
               <a:rPr lang="zh-CN" altLang="en-US" smtClean="0"/>
-              <a:t>17/5/22</a:t>
+              <a:t>2017/5/22</a:t>
             </a:fld>
             <a:endParaRPr lang="zh-CN" altLang="en-US"/>
           </a:p>
@@ -2265,7 +3465,7 @@
           <a:p>
             <a:fld id="{56E99B56-AAE7-4929-920B-80E2E1C0FFA9}" type="datetimeFigureOut">
               <a:rPr lang="zh-CN" altLang="en-US" smtClean="0"/>
-              <a:t>17/5/22</a:t>
+              <a:t>2017/5/22</a:t>
             </a:fld>
             <a:endParaRPr lang="zh-CN" altLang="en-US"/>
           </a:p>
@@ -2360,7 +3560,7 @@
           <a:p>
             <a:fld id="{56E99B56-AAE7-4929-920B-80E2E1C0FFA9}" type="datetimeFigureOut">
               <a:rPr lang="zh-CN" altLang="en-US" smtClean="0"/>
-              <a:t>17/5/22</a:t>
+              <a:t>2017/5/22</a:t>
             </a:fld>
             <a:endParaRPr lang="zh-CN" altLang="en-US"/>
           </a:p>
@@ -2635,7 +3835,7 @@
           <a:p>
             <a:fld id="{56E99B56-AAE7-4929-920B-80E2E1C0FFA9}" type="datetimeFigureOut">
               <a:rPr lang="zh-CN" altLang="en-US" smtClean="0"/>
-              <a:t>17/5/22</a:t>
+              <a:t>2017/5/22</a:t>
             </a:fld>
             <a:endParaRPr lang="zh-CN" altLang="en-US"/>
           </a:p>
@@ -2887,7 +4087,7 @@
           <a:p>
             <a:fld id="{56E99B56-AAE7-4929-920B-80E2E1C0FFA9}" type="datetimeFigureOut">
               <a:rPr lang="zh-CN" altLang="en-US" smtClean="0"/>
-              <a:t>17/5/22</a:t>
+              <a:t>2017/5/22</a:t>
             </a:fld>
             <a:endParaRPr lang="zh-CN" altLang="en-US"/>
           </a:p>
@@ -3098,7 +4298,7 @@
           <a:p>
             <a:fld id="{56E99B56-AAE7-4929-920B-80E2E1C0FFA9}" type="datetimeFigureOut">
               <a:rPr lang="zh-CN" altLang="en-US" smtClean="0"/>
-              <a:t>17/5/22</a:t>
+              <a:t>2017/5/22</a:t>
             </a:fld>
             <a:endParaRPr lang="zh-CN" altLang="en-US"/>
           </a:p>
@@ -3203,6 +4403,12 @@
     <p:sldLayoutId id="2147483658" r:id="rId10"/>
     <p:sldLayoutId id="2147483659" r:id="rId11"/>
     <p:sldLayoutId id="2147483660" r:id="rId12"/>
+    <p:sldLayoutId id="2147483661" r:id="rId13"/>
+    <p:sldLayoutId id="2147483662" r:id="rId14"/>
+    <p:sldLayoutId id="2147483663" r:id="rId15"/>
+    <p:sldLayoutId id="2147483664" r:id="rId16"/>
+    <p:sldLayoutId id="2147483665" r:id="rId17"/>
+    <p:sldLayoutId id="2147483666" r:id="rId18"/>
   </p:sldLayoutIdLst>
   <p:txStyles>
     <p:titleStyle>
@@ -4195,7 +5401,7 @@
 </p:sld>
 </file>
 
-<file path=ppt/slides/slide2.xml><?xml version="1.0" encoding="utf-8"?>
+<file path=ppt/slides/slide10.xml><?xml version="1.0" encoding="utf-8"?>
 <p:sld xmlns:a="http://schemas.openxmlformats.org/drawingml/2006/main" xmlns:r="http://schemas.openxmlformats.org/officeDocument/2006/relationships" xmlns:p="http://schemas.openxmlformats.org/presentationml/2006/main">
   <p:cSld>
     <p:spTree>
@@ -4240,17 +5446,19 @@
                   <a:schemeClr val="bg1"/>
                 </a:solidFill>
               </a:rPr>
-              <a:t>Part </a:t>
+              <a:t>Part five</a:t>
             </a:r>
+          </a:p>
+          <a:p>
             <a:r>
-              <a:rPr lang="en-US" altLang="zh-CN" sz="8800" b="1" dirty="0" smtClean="0">
+              <a:rPr lang="zh-CN" altLang="en-US" sz="6600" b="1" dirty="0">
                 <a:solidFill>
                   <a:schemeClr val="bg1"/>
                 </a:solidFill>
               </a:rPr>
-              <a:t>two</a:t>
+              <a:t>展示建模：</a:t>
             </a:r>
-            <a:endParaRPr lang="en-US" altLang="zh-CN" sz="8800" b="1" dirty="0">
+            <a:endParaRPr lang="en-US" altLang="zh-CN" sz="6600" b="1" dirty="0">
               <a:solidFill>
                 <a:schemeClr val="bg1"/>
               </a:solidFill>
@@ -4258,12 +5466,12 @@
           </a:p>
           <a:p>
             <a:r>
-              <a:rPr lang="zh-CN" altLang="en-US" sz="6600" b="1" dirty="0" smtClean="0">
+              <a:rPr lang="en-US" altLang="zh-CN" sz="6600" b="1" dirty="0">
                 <a:solidFill>
                   <a:schemeClr val="bg1"/>
                 </a:solidFill>
               </a:rPr>
-              <a:t>内容建模</a:t>
+              <a:t>UWE</a:t>
             </a:r>
             <a:r>
               <a:rPr lang="zh-CN" altLang="en-US" sz="6600" b="1" dirty="0">
@@ -4271,28 +5479,8 @@
                   <a:schemeClr val="bg1"/>
                 </a:solidFill>
               </a:rPr>
-              <a:t>：</a:t>
+              <a:t>建模</a:t>
             </a:r>
-            <a:endParaRPr lang="en-US" altLang="zh-CN" sz="6600" b="1" dirty="0">
-              <a:solidFill>
-                <a:schemeClr val="bg1"/>
-              </a:solidFill>
-            </a:endParaRPr>
-          </a:p>
-          <a:p>
-            <a:r>
-              <a:rPr lang="zh-CN" altLang="en-US" sz="6600" b="1" dirty="0" smtClean="0">
-                <a:solidFill>
-                  <a:schemeClr val="bg1"/>
-                </a:solidFill>
-              </a:rPr>
-              <a:t>类图</a:t>
-            </a:r>
-            <a:endParaRPr lang="zh-CN" altLang="en-US" sz="6600" b="1" dirty="0">
-              <a:solidFill>
-                <a:schemeClr val="bg1"/>
-              </a:solidFill>
-            </a:endParaRPr>
           </a:p>
           <a:p>
             <a:endParaRPr lang="en-US" altLang="zh-CN" sz="8800" b="1" dirty="0">
@@ -4791,7 +5979,7 @@
     </p:spTree>
     <p:extLst>
       <p:ext uri="{BB962C8B-B14F-4D97-AF65-F5344CB8AC3E}">
-        <p14:creationId xmlns:p14="http://schemas.microsoft.com/office/powerpoint/2010/main" val="1173049138"/>
+        <p14:creationId xmlns:p14="http://schemas.microsoft.com/office/powerpoint/2010/main" val="1087031059"/>
       </p:ext>
     </p:extLst>
   </p:cSld>
@@ -4804,7 +5992,7 @@
 </p:sld>
 </file>
 
-<file path=ppt/slides/slide3.xml><?xml version="1.0" encoding="utf-8"?>
+<file path=ppt/slides/slide11.xml><?xml version="1.0" encoding="utf-8"?>
 <p:sld xmlns:a="http://schemas.openxmlformats.org/drawingml/2006/main" xmlns:r="http://schemas.openxmlformats.org/officeDocument/2006/relationships" xmlns:p="http://schemas.openxmlformats.org/presentationml/2006/main">
   <p:cSld>
     <p:spTree>
@@ -4977,47 +6165,9 @@
           </p:txBody>
         </p:sp>
       </p:grpSp>
-      <p:sp>
-        <p:nvSpPr>
-          <p:cNvPr id="17" name="文本框 16"/>
-          <p:cNvSpPr txBox="1"/>
-          <p:nvPr/>
-        </p:nvSpPr>
-        <p:spPr>
-          <a:xfrm>
-            <a:off x="2579587" y="349586"/>
-            <a:ext cx="6302207" cy="707886"/>
-          </a:xfrm>
-          <a:prstGeom prst="rect">
-            <a:avLst/>
-          </a:prstGeom>
-          <a:noFill/>
-        </p:spPr>
-        <p:txBody>
-          <a:bodyPr wrap="square" rtlCol="0">
-            <a:spAutoFit/>
-          </a:bodyPr>
-          <a:lstStyle/>
-          <a:p>
-            <a:r>
-              <a:rPr lang="zh-CN" altLang="en-US" sz="4000" b="1" dirty="0" smtClean="0">
-                <a:solidFill>
-                  <a:schemeClr val="bg1"/>
-                </a:solidFill>
-              </a:rPr>
-              <a:t>类图</a:t>
-            </a:r>
-            <a:endParaRPr lang="zh-CN" altLang="en-US" sz="4000" b="1" dirty="0">
-              <a:solidFill>
-                <a:schemeClr val="bg1"/>
-              </a:solidFill>
-            </a:endParaRPr>
-          </a:p>
-        </p:txBody>
-      </p:sp>
       <p:pic>
         <p:nvPicPr>
-          <p:cNvPr id="2" name="图片 1"/>
+          <p:cNvPr id="16" name="图片 15"/>
           <p:cNvPicPr>
             <a:picLocks noChangeAspect="1"/>
           </p:cNvPicPr>
@@ -5037,18 +6187,51 @@
         </p:blipFill>
         <p:spPr>
           <a:xfrm>
-            <a:off x="2148608" y="1057472"/>
-            <a:ext cx="7397173" cy="5525098"/>
+            <a:off x="1457787" y="1324947"/>
+            <a:ext cx="8159547" cy="5411755"/>
           </a:xfrm>
           <a:prstGeom prst="rect">
             <a:avLst/>
           </a:prstGeom>
         </p:spPr>
       </p:pic>
+      <p:sp>
+        <p:nvSpPr>
+          <p:cNvPr id="17" name="文本框 16"/>
+          <p:cNvSpPr txBox="1"/>
+          <p:nvPr/>
+        </p:nvSpPr>
+        <p:spPr>
+          <a:xfrm>
+            <a:off x="2579587" y="349586"/>
+            <a:ext cx="6302207" cy="707886"/>
+          </a:xfrm>
+          <a:prstGeom prst="rect">
+            <a:avLst/>
+          </a:prstGeom>
+          <a:noFill/>
+        </p:spPr>
+        <p:txBody>
+          <a:bodyPr wrap="square" rtlCol="0">
+            <a:spAutoFit/>
+          </a:bodyPr>
+          <a:lstStyle/>
+          <a:p>
+            <a:r>
+              <a:rPr lang="zh-CN" altLang="en-US" sz="4000" b="1" dirty="0">
+                <a:solidFill>
+                  <a:schemeClr val="bg1"/>
+                </a:solidFill>
+              </a:rPr>
+              <a:t>登录页面</a:t>
+            </a:r>
+          </a:p>
+        </p:txBody>
+      </p:sp>
     </p:spTree>
     <p:extLst>
       <p:ext uri="{BB962C8B-B14F-4D97-AF65-F5344CB8AC3E}">
-        <p14:creationId xmlns:p14="http://schemas.microsoft.com/office/powerpoint/2010/main" val="1317993414"/>
+        <p14:creationId xmlns:p14="http://schemas.microsoft.com/office/powerpoint/2010/main" val="1331493100"/>
       </p:ext>
     </p:extLst>
   </p:cSld>
@@ -5061,598 +6244,7 @@
 </p:sld>
 </file>
 
-<file path=ppt/slides/slide4.xml><?xml version="1.0" encoding="utf-8"?>
-<p:sld xmlns:a="http://schemas.openxmlformats.org/drawingml/2006/main" xmlns:r="http://schemas.openxmlformats.org/officeDocument/2006/relationships" xmlns:p="http://schemas.openxmlformats.org/presentationml/2006/main">
-  <p:cSld>
-    <p:spTree>
-      <p:nvGrpSpPr>
-        <p:cNvPr id="1" name=""/>
-        <p:cNvGrpSpPr/>
-        <p:nvPr/>
-      </p:nvGrpSpPr>
-      <p:grpSpPr>
-        <a:xfrm>
-          <a:off x="0" y="0"/>
-          <a:ext cx="0" cy="0"/>
-          <a:chOff x="0" y="0"/>
-          <a:chExt cx="0" cy="0"/>
-        </a:xfrm>
-      </p:grpSpPr>
-      <p:sp>
-        <p:nvSpPr>
-          <p:cNvPr id="6" name="文本框 5"/>
-          <p:cNvSpPr txBox="1"/>
-          <p:nvPr/>
-        </p:nvSpPr>
-        <p:spPr>
-          <a:xfrm>
-            <a:off x="4021831" y="1470016"/>
-            <a:ext cx="8005329" cy="6186309"/>
-          </a:xfrm>
-          <a:prstGeom prst="rect">
-            <a:avLst/>
-          </a:prstGeom>
-          <a:noFill/>
-        </p:spPr>
-        <p:txBody>
-          <a:bodyPr wrap="square" rtlCol="0">
-            <a:spAutoFit/>
-          </a:bodyPr>
-          <a:lstStyle/>
-          <a:p>
-            <a:r>
-              <a:rPr lang="en-US" altLang="zh-CN" sz="8800" b="1" dirty="0">
-                <a:solidFill>
-                  <a:schemeClr val="bg1"/>
-                </a:solidFill>
-              </a:rPr>
-              <a:t>Part five</a:t>
-            </a:r>
-          </a:p>
-          <a:p>
-            <a:r>
-              <a:rPr lang="zh-CN" altLang="en-US" sz="6600" b="1" dirty="0">
-                <a:solidFill>
-                  <a:schemeClr val="bg1"/>
-                </a:solidFill>
-              </a:rPr>
-              <a:t>展示建模：</a:t>
-            </a:r>
-            <a:endParaRPr lang="en-US" altLang="zh-CN" sz="6600" b="1" dirty="0">
-              <a:solidFill>
-                <a:schemeClr val="bg1"/>
-              </a:solidFill>
-            </a:endParaRPr>
-          </a:p>
-          <a:p>
-            <a:r>
-              <a:rPr lang="en-US" altLang="zh-CN" sz="6600" b="1" dirty="0">
-                <a:solidFill>
-                  <a:schemeClr val="bg1"/>
-                </a:solidFill>
-              </a:rPr>
-              <a:t>UWE</a:t>
-            </a:r>
-            <a:r>
-              <a:rPr lang="zh-CN" altLang="en-US" sz="6600" b="1" dirty="0">
-                <a:solidFill>
-                  <a:schemeClr val="bg1"/>
-                </a:solidFill>
-              </a:rPr>
-              <a:t>建模</a:t>
-            </a:r>
-          </a:p>
-          <a:p>
-            <a:endParaRPr lang="en-US" altLang="zh-CN" sz="8800" b="1" dirty="0">
-              <a:solidFill>
-                <a:schemeClr val="bg1"/>
-              </a:solidFill>
-            </a:endParaRPr>
-          </a:p>
-          <a:p>
-            <a:endParaRPr lang="zh-CN" altLang="en-US" sz="8800" b="1" dirty="0">
-              <a:solidFill>
-                <a:schemeClr val="bg1"/>
-              </a:solidFill>
-            </a:endParaRPr>
-          </a:p>
-        </p:txBody>
-      </p:sp>
-      <p:grpSp>
-        <p:nvGrpSpPr>
-          <p:cNvPr id="7" name="组合 6"/>
-          <p:cNvGrpSpPr/>
-          <p:nvPr/>
-        </p:nvGrpSpPr>
-        <p:grpSpPr>
-          <a:xfrm rot="19068014">
-            <a:off x="1556870" y="2221074"/>
-            <a:ext cx="1957812" cy="2144454"/>
-            <a:chOff x="10141891" y="-883067"/>
-            <a:chExt cx="2652736" cy="2905631"/>
-          </a:xfrm>
-        </p:grpSpPr>
-        <p:sp>
-          <p:nvSpPr>
-            <p:cNvPr id="8" name="矩形 7"/>
-            <p:cNvSpPr/>
-            <p:nvPr/>
-          </p:nvSpPr>
-          <p:spPr>
-            <a:xfrm>
-              <a:off x="12394716" y="133432"/>
-              <a:ext cx="399911" cy="492961"/>
-            </a:xfrm>
-            <a:prstGeom prst="rect">
-              <a:avLst/>
-            </a:prstGeom>
-            <a:noFill/>
-            <a:ln w="38100">
-              <a:solidFill>
-                <a:schemeClr val="accent3"/>
-              </a:solidFill>
-            </a:ln>
-          </p:spPr>
-          <p:style>
-            <a:lnRef idx="2">
-              <a:schemeClr val="accent1">
-                <a:shade val="50000"/>
-              </a:schemeClr>
-            </a:lnRef>
-            <a:fillRef idx="1">
-              <a:schemeClr val="accent1"/>
-            </a:fillRef>
-            <a:effectRef idx="0">
-              <a:schemeClr val="accent1"/>
-            </a:effectRef>
-            <a:fontRef idx="minor">
-              <a:schemeClr val="lt1"/>
-            </a:fontRef>
-          </p:style>
-          <p:txBody>
-            <a:bodyPr rtlCol="0" anchor="ctr"/>
-            <a:lstStyle/>
-            <a:p>
-              <a:pPr algn="ctr"/>
-              <a:endParaRPr lang="zh-CN" altLang="en-US" sz="1600"/>
-            </a:p>
-          </p:txBody>
-        </p:sp>
-        <p:sp>
-          <p:nvSpPr>
-            <p:cNvPr id="9" name="矩形 8"/>
-            <p:cNvSpPr/>
-            <p:nvPr/>
-          </p:nvSpPr>
-          <p:spPr>
-            <a:xfrm>
-              <a:off x="11945323" y="-178135"/>
-              <a:ext cx="492405" cy="492407"/>
-            </a:xfrm>
-            <a:prstGeom prst="rect">
-              <a:avLst/>
-            </a:prstGeom>
-            <a:noFill/>
-            <a:ln w="38100">
-              <a:solidFill>
-                <a:schemeClr val="tx2">
-                  <a:lumMod val="60000"/>
-                  <a:lumOff val="40000"/>
-                </a:schemeClr>
-              </a:solidFill>
-            </a:ln>
-          </p:spPr>
-          <p:style>
-            <a:lnRef idx="2">
-              <a:schemeClr val="accent1">
-                <a:shade val="50000"/>
-              </a:schemeClr>
-            </a:lnRef>
-            <a:fillRef idx="1">
-              <a:schemeClr val="accent1"/>
-            </a:fillRef>
-            <a:effectRef idx="0">
-              <a:schemeClr val="accent1"/>
-            </a:effectRef>
-            <a:fontRef idx="minor">
-              <a:schemeClr val="lt1"/>
-            </a:fontRef>
-          </p:style>
-          <p:txBody>
-            <a:bodyPr rtlCol="0" anchor="ctr"/>
-            <a:lstStyle/>
-            <a:p>
-              <a:pPr algn="ctr"/>
-              <a:endParaRPr lang="zh-CN" altLang="en-US" sz="1600"/>
-            </a:p>
-          </p:txBody>
-        </p:sp>
-        <p:sp>
-          <p:nvSpPr>
-            <p:cNvPr id="10" name="矩形 9"/>
-            <p:cNvSpPr/>
-            <p:nvPr/>
-          </p:nvSpPr>
-          <p:spPr>
-            <a:xfrm>
-              <a:off x="11181847" y="-197920"/>
-              <a:ext cx="492406" cy="492407"/>
-            </a:xfrm>
-            <a:prstGeom prst="rect">
-              <a:avLst/>
-            </a:prstGeom>
-            <a:noFill/>
-            <a:ln w="38100">
-              <a:solidFill>
-                <a:schemeClr val="accent4"/>
-              </a:solidFill>
-            </a:ln>
-          </p:spPr>
-          <p:style>
-            <a:lnRef idx="2">
-              <a:schemeClr val="accent1">
-                <a:shade val="50000"/>
-              </a:schemeClr>
-            </a:lnRef>
-            <a:fillRef idx="1">
-              <a:schemeClr val="accent1"/>
-            </a:fillRef>
-            <a:effectRef idx="0">
-              <a:schemeClr val="accent1"/>
-            </a:effectRef>
-            <a:fontRef idx="minor">
-              <a:schemeClr val="lt1"/>
-            </a:fontRef>
-          </p:style>
-          <p:txBody>
-            <a:bodyPr rtlCol="0" anchor="ctr"/>
-            <a:lstStyle/>
-            <a:p>
-              <a:pPr algn="ctr"/>
-              <a:endParaRPr lang="zh-CN" altLang="en-US" sz="1600"/>
-            </a:p>
-          </p:txBody>
-        </p:sp>
-        <p:sp>
-          <p:nvSpPr>
-            <p:cNvPr id="11" name="矩形 10"/>
-            <p:cNvSpPr/>
-            <p:nvPr/>
-          </p:nvSpPr>
-          <p:spPr>
-            <a:xfrm>
-              <a:off x="11775612" y="-883067"/>
-              <a:ext cx="492407" cy="492407"/>
-            </a:xfrm>
-            <a:prstGeom prst="rect">
-              <a:avLst/>
-            </a:prstGeom>
-            <a:noFill/>
-            <a:ln w="38100">
-              <a:solidFill>
-                <a:schemeClr val="accent6"/>
-              </a:solidFill>
-            </a:ln>
-          </p:spPr>
-          <p:style>
-            <a:lnRef idx="2">
-              <a:schemeClr val="accent1">
-                <a:shade val="50000"/>
-              </a:schemeClr>
-            </a:lnRef>
-            <a:fillRef idx="1">
-              <a:schemeClr val="accent1"/>
-            </a:fillRef>
-            <a:effectRef idx="0">
-              <a:schemeClr val="accent1"/>
-            </a:effectRef>
-            <a:fontRef idx="minor">
-              <a:schemeClr val="lt1"/>
-            </a:fontRef>
-          </p:style>
-          <p:txBody>
-            <a:bodyPr rtlCol="0" anchor="ctr"/>
-            <a:lstStyle/>
-            <a:p>
-              <a:pPr algn="ctr"/>
-              <a:endParaRPr lang="zh-CN" altLang="en-US" sz="1600" dirty="0"/>
-            </a:p>
-          </p:txBody>
-        </p:sp>
-        <p:sp>
-          <p:nvSpPr>
-            <p:cNvPr id="12" name="矩形 11"/>
-            <p:cNvSpPr/>
-            <p:nvPr/>
-          </p:nvSpPr>
-          <p:spPr>
-            <a:xfrm>
-              <a:off x="11343074" y="734042"/>
-              <a:ext cx="492406" cy="492407"/>
-            </a:xfrm>
-            <a:prstGeom prst="rect">
-              <a:avLst/>
-            </a:prstGeom>
-            <a:noFill/>
-            <a:ln w="38100">
-              <a:solidFill>
-                <a:schemeClr val="accent4"/>
-              </a:solidFill>
-            </a:ln>
-          </p:spPr>
-          <p:style>
-            <a:lnRef idx="2">
-              <a:schemeClr val="accent1">
-                <a:shade val="50000"/>
-              </a:schemeClr>
-            </a:lnRef>
-            <a:fillRef idx="1">
-              <a:schemeClr val="accent1"/>
-            </a:fillRef>
-            <a:effectRef idx="0">
-              <a:schemeClr val="accent1"/>
-            </a:effectRef>
-            <a:fontRef idx="minor">
-              <a:schemeClr val="lt1"/>
-            </a:fontRef>
-          </p:style>
-          <p:txBody>
-            <a:bodyPr rtlCol="0" anchor="ctr"/>
-            <a:lstStyle/>
-            <a:p>
-              <a:pPr algn="ctr"/>
-              <a:endParaRPr lang="zh-CN" altLang="en-US" sz="1600"/>
-            </a:p>
-          </p:txBody>
-        </p:sp>
-        <p:sp>
-          <p:nvSpPr>
-            <p:cNvPr id="13" name="矩形 12"/>
-            <p:cNvSpPr/>
-            <p:nvPr/>
-          </p:nvSpPr>
-          <p:spPr>
-            <a:xfrm>
-              <a:off x="10828124" y="303104"/>
-              <a:ext cx="492406" cy="492407"/>
-            </a:xfrm>
-            <a:prstGeom prst="rect">
-              <a:avLst/>
-            </a:prstGeom>
-            <a:noFill/>
-            <a:ln w="38100">
-              <a:solidFill>
-                <a:schemeClr val="accent6"/>
-              </a:solidFill>
-            </a:ln>
-          </p:spPr>
-          <p:style>
-            <a:lnRef idx="2">
-              <a:schemeClr val="accent1">
-                <a:shade val="50000"/>
-              </a:schemeClr>
-            </a:lnRef>
-            <a:fillRef idx="1">
-              <a:schemeClr val="accent1"/>
-            </a:fillRef>
-            <a:effectRef idx="0">
-              <a:schemeClr val="accent1"/>
-            </a:effectRef>
-            <a:fontRef idx="minor">
-              <a:schemeClr val="lt1"/>
-            </a:fontRef>
-          </p:style>
-          <p:txBody>
-            <a:bodyPr rtlCol="0" anchor="ctr"/>
-            <a:lstStyle/>
-            <a:p>
-              <a:pPr algn="ctr"/>
-              <a:endParaRPr lang="zh-CN" altLang="en-US" sz="1600"/>
-            </a:p>
-          </p:txBody>
-        </p:sp>
-        <p:sp>
-          <p:nvSpPr>
-            <p:cNvPr id="14" name="矩形 13"/>
-            <p:cNvSpPr/>
-            <p:nvPr/>
-          </p:nvSpPr>
-          <p:spPr>
-            <a:xfrm>
-              <a:off x="10141891" y="949004"/>
-              <a:ext cx="492408" cy="492407"/>
-            </a:xfrm>
-            <a:prstGeom prst="rect">
-              <a:avLst/>
-            </a:prstGeom>
-            <a:noFill/>
-            <a:ln w="38100">
-              <a:solidFill>
-                <a:schemeClr val="accent3"/>
-              </a:solidFill>
-            </a:ln>
-          </p:spPr>
-          <p:style>
-            <a:lnRef idx="2">
-              <a:schemeClr val="accent1">
-                <a:shade val="50000"/>
-              </a:schemeClr>
-            </a:lnRef>
-            <a:fillRef idx="1">
-              <a:schemeClr val="accent1"/>
-            </a:fillRef>
-            <a:effectRef idx="0">
-              <a:schemeClr val="accent1"/>
-            </a:effectRef>
-            <a:fontRef idx="minor">
-              <a:schemeClr val="lt1"/>
-            </a:fontRef>
-          </p:style>
-          <p:txBody>
-            <a:bodyPr rtlCol="0" anchor="ctr"/>
-            <a:lstStyle/>
-            <a:p>
-              <a:pPr algn="ctr"/>
-              <a:endParaRPr lang="zh-CN" altLang="en-US" sz="1600"/>
-            </a:p>
-          </p:txBody>
-        </p:sp>
-        <p:sp>
-          <p:nvSpPr>
-            <p:cNvPr id="18" name="矩形 17"/>
-            <p:cNvSpPr/>
-            <p:nvPr/>
-          </p:nvSpPr>
-          <p:spPr>
-            <a:xfrm>
-              <a:off x="10675266" y="1483202"/>
-              <a:ext cx="492408" cy="492407"/>
-            </a:xfrm>
-            <a:prstGeom prst="rect">
-              <a:avLst/>
-            </a:prstGeom>
-            <a:noFill/>
-            <a:ln w="38100">
-              <a:solidFill>
-                <a:schemeClr val="accent6"/>
-              </a:solidFill>
-            </a:ln>
-          </p:spPr>
-          <p:style>
-            <a:lnRef idx="2">
-              <a:schemeClr val="accent1">
-                <a:shade val="50000"/>
-              </a:schemeClr>
-            </a:lnRef>
-            <a:fillRef idx="1">
-              <a:schemeClr val="accent1"/>
-            </a:fillRef>
-            <a:effectRef idx="0">
-              <a:schemeClr val="accent1"/>
-            </a:effectRef>
-            <a:fontRef idx="minor">
-              <a:schemeClr val="lt1"/>
-            </a:fontRef>
-          </p:style>
-          <p:txBody>
-            <a:bodyPr rtlCol="0" anchor="ctr"/>
-            <a:lstStyle/>
-            <a:p>
-              <a:pPr algn="ctr"/>
-              <a:endParaRPr lang="zh-CN" altLang="en-US" sz="1600"/>
-            </a:p>
-          </p:txBody>
-        </p:sp>
-        <p:sp>
-          <p:nvSpPr>
-            <p:cNvPr id="19" name="矩形 18"/>
-            <p:cNvSpPr/>
-            <p:nvPr/>
-          </p:nvSpPr>
-          <p:spPr>
-            <a:xfrm>
-              <a:off x="11382154" y="1530157"/>
-              <a:ext cx="492408" cy="492407"/>
-            </a:xfrm>
-            <a:prstGeom prst="rect">
-              <a:avLst/>
-            </a:prstGeom>
-            <a:noFill/>
-            <a:ln w="38100">
-              <a:solidFill>
-                <a:schemeClr val="accent3"/>
-              </a:solidFill>
-            </a:ln>
-          </p:spPr>
-          <p:style>
-            <a:lnRef idx="2">
-              <a:schemeClr val="accent1">
-                <a:shade val="50000"/>
-              </a:schemeClr>
-            </a:lnRef>
-            <a:fillRef idx="1">
-              <a:schemeClr val="accent1"/>
-            </a:fillRef>
-            <a:effectRef idx="0">
-              <a:schemeClr val="accent1"/>
-            </a:effectRef>
-            <a:fontRef idx="minor">
-              <a:schemeClr val="lt1"/>
-            </a:fontRef>
-          </p:style>
-          <p:txBody>
-            <a:bodyPr rtlCol="0" anchor="ctr"/>
-            <a:lstStyle/>
-            <a:p>
-              <a:pPr algn="ctr"/>
-              <a:endParaRPr lang="zh-CN" altLang="en-US" sz="1600"/>
-            </a:p>
-          </p:txBody>
-        </p:sp>
-      </p:grpSp>
-      <p:sp>
-        <p:nvSpPr>
-          <p:cNvPr id="15" name="矩形 14"/>
-          <p:cNvSpPr/>
-          <p:nvPr/>
-        </p:nvSpPr>
-        <p:spPr>
-          <a:xfrm rot="19068014">
-            <a:off x="2141973" y="2502488"/>
-            <a:ext cx="356825" cy="292096"/>
-          </a:xfrm>
-          <a:prstGeom prst="rect">
-            <a:avLst/>
-          </a:prstGeom>
-          <a:noFill/>
-          <a:ln w="38100">
-            <a:solidFill>
-              <a:srgbClr val="00B0F0"/>
-            </a:solidFill>
-          </a:ln>
-        </p:spPr>
-        <p:style>
-          <a:lnRef idx="2">
-            <a:schemeClr val="accent1">
-              <a:shade val="50000"/>
-            </a:schemeClr>
-          </a:lnRef>
-          <a:fillRef idx="1">
-            <a:schemeClr val="accent1"/>
-          </a:fillRef>
-          <a:effectRef idx="0">
-            <a:schemeClr val="accent1"/>
-          </a:effectRef>
-          <a:fontRef idx="minor">
-            <a:schemeClr val="lt1"/>
-          </a:fontRef>
-        </p:style>
-        <p:txBody>
-          <a:bodyPr rtlCol="0" anchor="ctr"/>
-          <a:lstStyle/>
-          <a:p>
-            <a:pPr algn="ctr"/>
-            <a:endParaRPr lang="zh-CN" altLang="en-US" sz="1600" dirty="0"/>
-          </a:p>
-        </p:txBody>
-      </p:sp>
-    </p:spTree>
-    <p:extLst>
-      <p:ext uri="{BB962C8B-B14F-4D97-AF65-F5344CB8AC3E}">
-        <p14:creationId xmlns:p14="http://schemas.microsoft.com/office/powerpoint/2010/main" val="1087031059"/>
-      </p:ext>
-    </p:extLst>
-  </p:cSld>
-  <p:clrMapOvr>
-    <a:masterClrMapping/>
-  </p:clrMapOvr>
-  <p:transition spd="slow">
-    <p:wipe/>
-  </p:transition>
-</p:sld>
-</file>
-
-<file path=ppt/slides/slide5.xml><?xml version="1.0" encoding="utf-8"?>
+<file path=ppt/slides/slide12.xml><?xml version="1.0" encoding="utf-8"?>
 <p:sld xmlns:a="http://schemas.openxmlformats.org/drawingml/2006/main" xmlns:r="http://schemas.openxmlformats.org/officeDocument/2006/relationships" xmlns:p="http://schemas.openxmlformats.org/presentationml/2006/main">
   <p:cSld>
     <p:spTree>
@@ -5825,258 +6417,6 @@
           </p:txBody>
         </p:sp>
       </p:grpSp>
-      <p:pic>
-        <p:nvPicPr>
-          <p:cNvPr id="16" name="图片 15"/>
-          <p:cNvPicPr>
-            <a:picLocks noChangeAspect="1"/>
-          </p:cNvPicPr>
-          <p:nvPr/>
-        </p:nvPicPr>
-        <p:blipFill>
-          <a:blip r:embed="rId2">
-            <a:extLst>
-              <a:ext uri="{28A0092B-C50C-407E-A947-70E740481C1C}">
-                <a14:useLocalDpi xmlns:a14="http://schemas.microsoft.com/office/drawing/2010/main" val="0"/>
-              </a:ext>
-            </a:extLst>
-          </a:blip>
-          <a:stretch>
-            <a:fillRect/>
-          </a:stretch>
-        </p:blipFill>
-        <p:spPr>
-          <a:xfrm>
-            <a:off x="1457787" y="1324947"/>
-            <a:ext cx="8159547" cy="5411755"/>
-          </a:xfrm>
-          <a:prstGeom prst="rect">
-            <a:avLst/>
-          </a:prstGeom>
-        </p:spPr>
-      </p:pic>
-      <p:sp>
-        <p:nvSpPr>
-          <p:cNvPr id="17" name="文本框 16"/>
-          <p:cNvSpPr txBox="1"/>
-          <p:nvPr/>
-        </p:nvSpPr>
-        <p:spPr>
-          <a:xfrm>
-            <a:off x="2579587" y="349586"/>
-            <a:ext cx="6302207" cy="707886"/>
-          </a:xfrm>
-          <a:prstGeom prst="rect">
-            <a:avLst/>
-          </a:prstGeom>
-          <a:noFill/>
-        </p:spPr>
-        <p:txBody>
-          <a:bodyPr wrap="square" rtlCol="0">
-            <a:spAutoFit/>
-          </a:bodyPr>
-          <a:lstStyle/>
-          <a:p>
-            <a:r>
-              <a:rPr lang="zh-CN" altLang="en-US" sz="4000" b="1" dirty="0">
-                <a:solidFill>
-                  <a:schemeClr val="bg1"/>
-                </a:solidFill>
-              </a:rPr>
-              <a:t>登录页面</a:t>
-            </a:r>
-          </a:p>
-        </p:txBody>
-      </p:sp>
-    </p:spTree>
-    <p:extLst>
-      <p:ext uri="{BB962C8B-B14F-4D97-AF65-F5344CB8AC3E}">
-        <p14:creationId xmlns:p14="http://schemas.microsoft.com/office/powerpoint/2010/main" val="1331493100"/>
-      </p:ext>
-    </p:extLst>
-  </p:cSld>
-  <p:clrMapOvr>
-    <a:masterClrMapping/>
-  </p:clrMapOvr>
-  <p:transition spd="slow">
-    <p:wipe/>
-  </p:transition>
-</p:sld>
-</file>
-
-<file path=ppt/slides/slide6.xml><?xml version="1.0" encoding="utf-8"?>
-<p:sld xmlns:a="http://schemas.openxmlformats.org/drawingml/2006/main" xmlns:r="http://schemas.openxmlformats.org/officeDocument/2006/relationships" xmlns:p="http://schemas.openxmlformats.org/presentationml/2006/main">
-  <p:cSld>
-    <p:spTree>
-      <p:nvGrpSpPr>
-        <p:cNvPr id="1" name=""/>
-        <p:cNvGrpSpPr/>
-        <p:nvPr/>
-      </p:nvGrpSpPr>
-      <p:grpSpPr>
-        <a:xfrm>
-          <a:off x="0" y="0"/>
-          <a:ext cx="0" cy="0"/>
-          <a:chOff x="0" y="0"/>
-          <a:chExt cx="0" cy="0"/>
-        </a:xfrm>
-      </p:grpSpPr>
-      <p:grpSp>
-        <p:nvGrpSpPr>
-          <p:cNvPr id="11" name="组合 10"/>
-          <p:cNvGrpSpPr/>
-          <p:nvPr/>
-        </p:nvGrpSpPr>
-        <p:grpSpPr>
-          <a:xfrm>
-            <a:off x="11063181" y="0"/>
-            <a:ext cx="1128819" cy="1057472"/>
-            <a:chOff x="11063181" y="0"/>
-            <a:chExt cx="1128819" cy="1057472"/>
-          </a:xfrm>
-        </p:grpSpPr>
-        <p:sp>
-          <p:nvSpPr>
-            <p:cNvPr id="12" name="矩形 11"/>
-            <p:cNvSpPr/>
-            <p:nvPr/>
-          </p:nvSpPr>
-          <p:spPr>
-            <a:xfrm>
-              <a:off x="11381387" y="246204"/>
-              <a:ext cx="492407" cy="492407"/>
-            </a:xfrm>
-            <a:prstGeom prst="rect">
-              <a:avLst/>
-            </a:prstGeom>
-            <a:noFill/>
-            <a:ln w="38100">
-              <a:solidFill>
-                <a:srgbClr val="DA2B89"/>
-              </a:solidFill>
-            </a:ln>
-          </p:spPr>
-          <p:style>
-            <a:lnRef idx="2">
-              <a:schemeClr val="accent1">
-                <a:shade val="50000"/>
-              </a:schemeClr>
-            </a:lnRef>
-            <a:fillRef idx="1">
-              <a:schemeClr val="accent1"/>
-            </a:fillRef>
-            <a:effectRef idx="0">
-              <a:schemeClr val="accent1"/>
-            </a:effectRef>
-            <a:fontRef idx="minor">
-              <a:schemeClr val="lt1"/>
-            </a:fontRef>
-          </p:style>
-          <p:txBody>
-            <a:bodyPr rtlCol="0" anchor="ctr"/>
-            <a:lstStyle/>
-            <a:p>
-              <a:pPr algn="ctr"/>
-              <a:endParaRPr lang="zh-CN" altLang="en-US"/>
-            </a:p>
-          </p:txBody>
-        </p:sp>
-        <p:sp>
-          <p:nvSpPr>
-            <p:cNvPr id="13" name="矩形 12"/>
-            <p:cNvSpPr/>
-            <p:nvPr/>
-          </p:nvSpPr>
-          <p:spPr>
-            <a:xfrm>
-              <a:off x="11699593" y="0"/>
-              <a:ext cx="492407" cy="492407"/>
-            </a:xfrm>
-            <a:prstGeom prst="rect">
-              <a:avLst/>
-            </a:prstGeom>
-            <a:noFill/>
-            <a:ln w="38100">
-              <a:solidFill>
-                <a:schemeClr val="tx2">
-                  <a:lumMod val="60000"/>
-                  <a:lumOff val="40000"/>
-                </a:schemeClr>
-              </a:solidFill>
-            </a:ln>
-          </p:spPr>
-          <p:style>
-            <a:lnRef idx="2">
-              <a:schemeClr val="accent1">
-                <a:shade val="50000"/>
-              </a:schemeClr>
-            </a:lnRef>
-            <a:fillRef idx="1">
-              <a:schemeClr val="accent1"/>
-            </a:fillRef>
-            <a:effectRef idx="0">
-              <a:schemeClr val="accent1"/>
-            </a:effectRef>
-            <a:fontRef idx="minor">
-              <a:schemeClr val="lt1"/>
-            </a:fontRef>
-          </p:style>
-          <p:txBody>
-            <a:bodyPr rtlCol="0" anchor="ctr"/>
-            <a:lstStyle/>
-            <a:p>
-              <a:pPr algn="ctr"/>
-              <a:endParaRPr lang="zh-CN" altLang="en-US"/>
-            </a:p>
-          </p:txBody>
-        </p:sp>
-        <p:sp>
-          <p:nvSpPr>
-            <p:cNvPr id="14" name="矩形 13"/>
-            <p:cNvSpPr/>
-            <p:nvPr/>
-          </p:nvSpPr>
-          <p:spPr>
-            <a:xfrm>
-              <a:off x="11063181" y="565065"/>
-              <a:ext cx="492407" cy="492407"/>
-            </a:xfrm>
-            <a:prstGeom prst="rect">
-              <a:avLst/>
-            </a:prstGeom>
-            <a:noFill/>
-            <a:ln w="38100">
-              <a:solidFill>
-                <a:schemeClr val="accent6"/>
-              </a:solidFill>
-            </a:ln>
-          </p:spPr>
-          <p:style>
-            <a:lnRef idx="2">
-              <a:schemeClr val="accent1">
-                <a:shade val="50000"/>
-              </a:schemeClr>
-            </a:lnRef>
-            <a:fillRef idx="1">
-              <a:schemeClr val="accent1"/>
-            </a:fillRef>
-            <a:effectRef idx="0">
-              <a:schemeClr val="accent1"/>
-            </a:effectRef>
-            <a:fontRef idx="minor">
-              <a:schemeClr val="lt1"/>
-            </a:fontRef>
-          </p:style>
-          <p:txBody>
-            <a:bodyPr rtlCol="0" anchor="ctr"/>
-            <a:lstStyle/>
-            <a:p>
-              <a:pPr algn="ctr"/>
-              <a:endParaRPr lang="zh-CN" altLang="en-US"/>
-            </a:p>
-          </p:txBody>
-        </p:sp>
-      </p:grpSp>
       <p:sp>
         <p:nvSpPr>
           <p:cNvPr id="17" name="文本框 16"/>
@@ -6156,7 +6496,7 @@
 </p:sld>
 </file>
 
-<file path=ppt/slides/slide7.xml><?xml version="1.0" encoding="utf-8"?>
+<file path=ppt/slides/slide13.xml><?xml version="1.0" encoding="utf-8"?>
 <p:sld xmlns:a="http://schemas.openxmlformats.org/drawingml/2006/main" xmlns:r="http://schemas.openxmlformats.org/officeDocument/2006/relationships" xmlns:p="http://schemas.openxmlformats.org/presentationml/2006/main">
   <p:cSld>
     <p:spTree>
@@ -6409,6 +6749,3178 @@
     <p:extLst>
       <p:ext uri="{BB962C8B-B14F-4D97-AF65-F5344CB8AC3E}">
         <p14:creationId xmlns:p14="http://schemas.microsoft.com/office/powerpoint/2010/main" val="1966586765"/>
+      </p:ext>
+    </p:extLst>
+  </p:cSld>
+  <p:clrMapOvr>
+    <a:masterClrMapping/>
+  </p:clrMapOvr>
+  <p:transition spd="slow">
+    <p:wipe/>
+  </p:transition>
+</p:sld>
+</file>
+
+<file path=ppt/slides/slide2.xml><?xml version="1.0" encoding="utf-8"?>
+<p:sld xmlns:a="http://schemas.openxmlformats.org/drawingml/2006/main" xmlns:r="http://schemas.openxmlformats.org/officeDocument/2006/relationships" xmlns:p="http://schemas.openxmlformats.org/presentationml/2006/main">
+  <p:cSld>
+    <p:spTree>
+      <p:nvGrpSpPr>
+        <p:cNvPr id="1" name=""/>
+        <p:cNvGrpSpPr/>
+        <p:nvPr/>
+      </p:nvGrpSpPr>
+      <p:grpSpPr>
+        <a:xfrm>
+          <a:off x="0" y="0"/>
+          <a:ext cx="0" cy="0"/>
+          <a:chOff x="0" y="0"/>
+          <a:chExt cx="0" cy="0"/>
+        </a:xfrm>
+      </p:grpSpPr>
+      <p:sp>
+        <p:nvSpPr>
+          <p:cNvPr id="6" name="文本框 5"/>
+          <p:cNvSpPr txBox="1"/>
+          <p:nvPr/>
+        </p:nvSpPr>
+        <p:spPr>
+          <a:xfrm>
+            <a:off x="3895867" y="2409462"/>
+            <a:ext cx="7705584" cy="1446550"/>
+          </a:xfrm>
+          <a:prstGeom prst="rect">
+            <a:avLst/>
+          </a:prstGeom>
+          <a:noFill/>
+        </p:spPr>
+        <p:txBody>
+          <a:bodyPr wrap="square" rtlCol="0">
+            <a:spAutoFit/>
+          </a:bodyPr>
+          <a:lstStyle/>
+          <a:p>
+            <a:r>
+              <a:rPr lang="en-US" altLang="zh-CN" sz="8800" b="1" dirty="0" smtClean="0">
+                <a:solidFill>
+                  <a:schemeClr val="bg1"/>
+                </a:solidFill>
+              </a:rPr>
+              <a:t>Part one</a:t>
+            </a:r>
+            <a:endParaRPr lang="zh-CN" altLang="en-US" sz="8800" b="1" dirty="0">
+              <a:solidFill>
+                <a:schemeClr val="bg1"/>
+              </a:solidFill>
+            </a:endParaRPr>
+          </a:p>
+        </p:txBody>
+      </p:sp>
+      <p:grpSp>
+        <p:nvGrpSpPr>
+          <p:cNvPr id="7" name="组合 6"/>
+          <p:cNvGrpSpPr/>
+          <p:nvPr/>
+        </p:nvGrpSpPr>
+        <p:grpSpPr>
+          <a:xfrm rot="18969064">
+            <a:off x="2512582" y="2477952"/>
+            <a:ext cx="1424079" cy="1432678"/>
+            <a:chOff x="11063181" y="-389332"/>
+            <a:chExt cx="1438119" cy="1446804"/>
+          </a:xfrm>
+        </p:grpSpPr>
+        <p:sp>
+          <p:nvSpPr>
+            <p:cNvPr id="8" name="矩形 7"/>
+            <p:cNvSpPr/>
+            <p:nvPr/>
+          </p:nvSpPr>
+          <p:spPr>
+            <a:xfrm>
+              <a:off x="11381387" y="246204"/>
+              <a:ext cx="492407" cy="492407"/>
+            </a:xfrm>
+            <a:prstGeom prst="rect">
+              <a:avLst/>
+            </a:prstGeom>
+            <a:noFill/>
+            <a:ln w="38100">
+              <a:solidFill>
+                <a:schemeClr val="accent3"/>
+              </a:solidFill>
+            </a:ln>
+          </p:spPr>
+          <p:style>
+            <a:lnRef idx="2">
+              <a:schemeClr val="accent1">
+                <a:shade val="50000"/>
+              </a:schemeClr>
+            </a:lnRef>
+            <a:fillRef idx="1">
+              <a:schemeClr val="accent1"/>
+            </a:fillRef>
+            <a:effectRef idx="0">
+              <a:schemeClr val="accent1"/>
+            </a:effectRef>
+            <a:fontRef idx="minor">
+              <a:schemeClr val="lt1"/>
+            </a:fontRef>
+          </p:style>
+          <p:txBody>
+            <a:bodyPr rtlCol="0" anchor="ctr"/>
+            <a:lstStyle/>
+            <a:p>
+              <a:pPr algn="ctr"/>
+              <a:endParaRPr lang="zh-CN" altLang="en-US"/>
+            </a:p>
+          </p:txBody>
+        </p:sp>
+        <p:sp>
+          <p:nvSpPr>
+            <p:cNvPr id="9" name="矩形 8"/>
+            <p:cNvSpPr/>
+            <p:nvPr/>
+          </p:nvSpPr>
+          <p:spPr>
+            <a:xfrm>
+              <a:off x="11698526" y="-62392"/>
+              <a:ext cx="492407" cy="492407"/>
+            </a:xfrm>
+            <a:prstGeom prst="rect">
+              <a:avLst/>
+            </a:prstGeom>
+            <a:noFill/>
+            <a:ln w="38100">
+              <a:solidFill>
+                <a:schemeClr val="tx2">
+                  <a:lumMod val="60000"/>
+                  <a:lumOff val="40000"/>
+                </a:schemeClr>
+              </a:solidFill>
+            </a:ln>
+          </p:spPr>
+          <p:style>
+            <a:lnRef idx="2">
+              <a:schemeClr val="accent1">
+                <a:shade val="50000"/>
+              </a:schemeClr>
+            </a:lnRef>
+            <a:fillRef idx="1">
+              <a:schemeClr val="accent1"/>
+            </a:fillRef>
+            <a:effectRef idx="0">
+              <a:schemeClr val="accent1"/>
+            </a:effectRef>
+            <a:fontRef idx="minor">
+              <a:schemeClr val="lt1"/>
+            </a:fontRef>
+          </p:style>
+          <p:txBody>
+            <a:bodyPr rtlCol="0" anchor="ctr"/>
+            <a:lstStyle/>
+            <a:p>
+              <a:pPr algn="ctr"/>
+              <a:endParaRPr lang="zh-CN" altLang="en-US"/>
+            </a:p>
+          </p:txBody>
+        </p:sp>
+        <p:sp>
+          <p:nvSpPr>
+            <p:cNvPr id="10" name="矩形 9"/>
+            <p:cNvSpPr/>
+            <p:nvPr/>
+          </p:nvSpPr>
+          <p:spPr>
+            <a:xfrm>
+              <a:off x="11063181" y="565065"/>
+              <a:ext cx="492407" cy="492407"/>
+            </a:xfrm>
+            <a:prstGeom prst="rect">
+              <a:avLst/>
+            </a:prstGeom>
+            <a:noFill/>
+            <a:ln w="38100">
+              <a:solidFill>
+                <a:schemeClr val="accent4"/>
+              </a:solidFill>
+            </a:ln>
+          </p:spPr>
+          <p:style>
+            <a:lnRef idx="2">
+              <a:schemeClr val="accent1">
+                <a:shade val="50000"/>
+              </a:schemeClr>
+            </a:lnRef>
+            <a:fillRef idx="1">
+              <a:schemeClr val="accent1"/>
+            </a:fillRef>
+            <a:effectRef idx="0">
+              <a:schemeClr val="accent1"/>
+            </a:effectRef>
+            <a:fontRef idx="minor">
+              <a:schemeClr val="lt1"/>
+            </a:fontRef>
+          </p:style>
+          <p:txBody>
+            <a:bodyPr rtlCol="0" anchor="ctr"/>
+            <a:lstStyle/>
+            <a:p>
+              <a:pPr algn="ctr"/>
+              <a:endParaRPr lang="zh-CN" altLang="en-US"/>
+            </a:p>
+          </p:txBody>
+        </p:sp>
+        <p:sp>
+          <p:nvSpPr>
+            <p:cNvPr id="11" name="矩形 10"/>
+            <p:cNvSpPr/>
+            <p:nvPr/>
+          </p:nvSpPr>
+          <p:spPr>
+            <a:xfrm>
+              <a:off x="12008893" y="-389332"/>
+              <a:ext cx="492407" cy="492407"/>
+            </a:xfrm>
+            <a:prstGeom prst="rect">
+              <a:avLst/>
+            </a:prstGeom>
+            <a:noFill/>
+            <a:ln w="38100">
+              <a:solidFill>
+                <a:schemeClr val="accent6"/>
+              </a:solidFill>
+            </a:ln>
+          </p:spPr>
+          <p:style>
+            <a:lnRef idx="2">
+              <a:schemeClr val="accent1">
+                <a:shade val="50000"/>
+              </a:schemeClr>
+            </a:lnRef>
+            <a:fillRef idx="1">
+              <a:schemeClr val="accent1"/>
+            </a:fillRef>
+            <a:effectRef idx="0">
+              <a:schemeClr val="accent1"/>
+            </a:effectRef>
+            <a:fontRef idx="minor">
+              <a:schemeClr val="lt1"/>
+            </a:fontRef>
+          </p:style>
+          <p:txBody>
+            <a:bodyPr rtlCol="0" anchor="ctr"/>
+            <a:lstStyle/>
+            <a:p>
+              <a:pPr algn="ctr"/>
+              <a:endParaRPr lang="zh-CN" altLang="en-US"/>
+            </a:p>
+          </p:txBody>
+        </p:sp>
+      </p:grpSp>
+      <p:sp>
+        <p:nvSpPr>
+          <p:cNvPr id="2" name="文本框 1"/>
+          <p:cNvSpPr txBox="1"/>
+          <p:nvPr/>
+        </p:nvSpPr>
+        <p:spPr>
+          <a:xfrm>
+            <a:off x="7898859" y="4562273"/>
+            <a:ext cx="3190672" cy="369332"/>
+          </a:xfrm>
+          <a:prstGeom prst="rect">
+            <a:avLst/>
+          </a:prstGeom>
+          <a:noFill/>
+        </p:spPr>
+        <p:txBody>
+          <a:bodyPr wrap="square" rtlCol="0">
+            <a:spAutoFit/>
+          </a:bodyPr>
+          <a:lstStyle/>
+          <a:p>
+            <a:r>
+              <a:rPr lang="en-US" altLang="zh-CN" b="1" dirty="0" smtClean="0">
+                <a:solidFill>
+                  <a:schemeClr val="bg1"/>
+                </a:solidFill>
+              </a:rPr>
+              <a:t>------</a:t>
+            </a:r>
+            <a:r>
+              <a:rPr lang="zh-CN" altLang="en-US" b="1" dirty="0" smtClean="0">
+                <a:solidFill>
+                  <a:schemeClr val="bg1"/>
+                </a:solidFill>
+              </a:rPr>
+              <a:t>用</a:t>
+            </a:r>
+            <a:r>
+              <a:rPr lang="zh-CN" altLang="en-US" b="1" dirty="0">
+                <a:solidFill>
+                  <a:schemeClr val="bg1"/>
+                </a:solidFill>
+              </a:rPr>
+              <a:t>例图</a:t>
+            </a:r>
+            <a:endParaRPr lang="zh-CN" altLang="en-US" dirty="0"/>
+          </a:p>
+        </p:txBody>
+      </p:sp>
+    </p:spTree>
+    <p:extLst>
+      <p:ext uri="{BB962C8B-B14F-4D97-AF65-F5344CB8AC3E}">
+        <p14:creationId xmlns:p14="http://schemas.microsoft.com/office/powerpoint/2010/main" val="424448109"/>
+      </p:ext>
+    </p:extLst>
+  </p:cSld>
+  <p:clrMapOvr>
+    <a:masterClrMapping/>
+  </p:clrMapOvr>
+  <p:transition spd="slow">
+    <p:wipe/>
+  </p:transition>
+  <p:timing>
+    <p:tnLst>
+      <p:par>
+        <p:cTn id="1" dur="indefinite" restart="never" nodeType="tmRoot"/>
+      </p:par>
+    </p:tnLst>
+  </p:timing>
+</p:sld>
+</file>
+
+<file path=ppt/slides/slide3.xml><?xml version="1.0" encoding="utf-8"?>
+<p:sld xmlns:a="http://schemas.openxmlformats.org/drawingml/2006/main" xmlns:r="http://schemas.openxmlformats.org/officeDocument/2006/relationships" xmlns:p="http://schemas.openxmlformats.org/presentationml/2006/main">
+  <p:cSld>
+    <p:spTree>
+      <p:nvGrpSpPr>
+        <p:cNvPr id="1" name=""/>
+        <p:cNvGrpSpPr/>
+        <p:nvPr/>
+      </p:nvGrpSpPr>
+      <p:grpSpPr>
+        <a:xfrm>
+          <a:off x="0" y="0"/>
+          <a:ext cx="0" cy="0"/>
+          <a:chOff x="0" y="0"/>
+          <a:chExt cx="0" cy="0"/>
+        </a:xfrm>
+      </p:grpSpPr>
+      <p:grpSp>
+        <p:nvGrpSpPr>
+          <p:cNvPr id="19" name="组合 18"/>
+          <p:cNvGrpSpPr/>
+          <p:nvPr/>
+        </p:nvGrpSpPr>
+        <p:grpSpPr>
+          <a:xfrm>
+            <a:off x="11063181" y="0"/>
+            <a:ext cx="1128819" cy="1057472"/>
+            <a:chOff x="11063181" y="0"/>
+            <a:chExt cx="1128819" cy="1057472"/>
+          </a:xfrm>
+        </p:grpSpPr>
+        <p:sp>
+          <p:nvSpPr>
+            <p:cNvPr id="20" name="矩形 19"/>
+            <p:cNvSpPr/>
+            <p:nvPr/>
+          </p:nvSpPr>
+          <p:spPr>
+            <a:xfrm>
+              <a:off x="11381387" y="246204"/>
+              <a:ext cx="492407" cy="492407"/>
+            </a:xfrm>
+            <a:prstGeom prst="rect">
+              <a:avLst/>
+            </a:prstGeom>
+            <a:noFill/>
+            <a:ln w="38100">
+              <a:solidFill>
+                <a:srgbClr val="DA2B89"/>
+              </a:solidFill>
+            </a:ln>
+          </p:spPr>
+          <p:style>
+            <a:lnRef idx="2">
+              <a:schemeClr val="accent1">
+                <a:shade val="50000"/>
+              </a:schemeClr>
+            </a:lnRef>
+            <a:fillRef idx="1">
+              <a:schemeClr val="accent1"/>
+            </a:fillRef>
+            <a:effectRef idx="0">
+              <a:schemeClr val="accent1"/>
+            </a:effectRef>
+            <a:fontRef idx="minor">
+              <a:schemeClr val="lt1"/>
+            </a:fontRef>
+          </p:style>
+          <p:txBody>
+            <a:bodyPr rtlCol="0" anchor="ctr"/>
+            <a:lstStyle/>
+            <a:p>
+              <a:pPr algn="ctr"/>
+              <a:endParaRPr lang="zh-CN" altLang="en-US"/>
+            </a:p>
+          </p:txBody>
+        </p:sp>
+        <p:sp>
+          <p:nvSpPr>
+            <p:cNvPr id="21" name="矩形 20"/>
+            <p:cNvSpPr/>
+            <p:nvPr/>
+          </p:nvSpPr>
+          <p:spPr>
+            <a:xfrm>
+              <a:off x="11699593" y="0"/>
+              <a:ext cx="492407" cy="492407"/>
+            </a:xfrm>
+            <a:prstGeom prst="rect">
+              <a:avLst/>
+            </a:prstGeom>
+            <a:noFill/>
+            <a:ln w="38100">
+              <a:solidFill>
+                <a:schemeClr val="tx2">
+                  <a:lumMod val="60000"/>
+                  <a:lumOff val="40000"/>
+                </a:schemeClr>
+              </a:solidFill>
+            </a:ln>
+          </p:spPr>
+          <p:style>
+            <a:lnRef idx="2">
+              <a:schemeClr val="accent1">
+                <a:shade val="50000"/>
+              </a:schemeClr>
+            </a:lnRef>
+            <a:fillRef idx="1">
+              <a:schemeClr val="accent1"/>
+            </a:fillRef>
+            <a:effectRef idx="0">
+              <a:schemeClr val="accent1"/>
+            </a:effectRef>
+            <a:fontRef idx="minor">
+              <a:schemeClr val="lt1"/>
+            </a:fontRef>
+          </p:style>
+          <p:txBody>
+            <a:bodyPr rtlCol="0" anchor="ctr"/>
+            <a:lstStyle/>
+            <a:p>
+              <a:pPr algn="ctr"/>
+              <a:endParaRPr lang="zh-CN" altLang="en-US"/>
+            </a:p>
+          </p:txBody>
+        </p:sp>
+        <p:sp>
+          <p:nvSpPr>
+            <p:cNvPr id="22" name="矩形 21"/>
+            <p:cNvSpPr/>
+            <p:nvPr/>
+          </p:nvSpPr>
+          <p:spPr>
+            <a:xfrm>
+              <a:off x="11063181" y="565065"/>
+              <a:ext cx="492407" cy="492407"/>
+            </a:xfrm>
+            <a:prstGeom prst="rect">
+              <a:avLst/>
+            </a:prstGeom>
+            <a:noFill/>
+            <a:ln w="38100">
+              <a:solidFill>
+                <a:schemeClr val="accent6"/>
+              </a:solidFill>
+            </a:ln>
+          </p:spPr>
+          <p:style>
+            <a:lnRef idx="2">
+              <a:schemeClr val="accent1">
+                <a:shade val="50000"/>
+              </a:schemeClr>
+            </a:lnRef>
+            <a:fillRef idx="1">
+              <a:schemeClr val="accent1"/>
+            </a:fillRef>
+            <a:effectRef idx="0">
+              <a:schemeClr val="accent1"/>
+            </a:effectRef>
+            <a:fontRef idx="minor">
+              <a:schemeClr val="lt1"/>
+            </a:fontRef>
+          </p:style>
+          <p:txBody>
+            <a:bodyPr rtlCol="0" anchor="ctr"/>
+            <a:lstStyle/>
+            <a:p>
+              <a:pPr algn="ctr"/>
+              <a:endParaRPr lang="zh-CN" altLang="en-US"/>
+            </a:p>
+          </p:txBody>
+        </p:sp>
+      </p:grpSp>
+      <p:pic>
+        <p:nvPicPr>
+          <p:cNvPr id="11" name="图片 10"/>
+          <p:cNvPicPr>
+            <a:picLocks noChangeAspect="1"/>
+          </p:cNvPicPr>
+          <p:nvPr/>
+        </p:nvPicPr>
+        <p:blipFill>
+          <a:blip r:embed="rId2">
+            <a:extLst>
+              <a:ext uri="{28A0092B-C50C-407E-A947-70E740481C1C}">
+                <a14:useLocalDpi xmlns:a14="http://schemas.microsoft.com/office/drawing/2010/main" val="0"/>
+              </a:ext>
+            </a:extLst>
+          </a:blip>
+          <a:stretch>
+            <a:fillRect/>
+          </a:stretch>
+        </p:blipFill>
+        <p:spPr>
+          <a:xfrm>
+            <a:off x="3086119" y="565065"/>
+            <a:ext cx="5843134" cy="6082794"/>
+          </a:xfrm>
+          <a:prstGeom prst="rect">
+            <a:avLst/>
+          </a:prstGeom>
+        </p:spPr>
+      </p:pic>
+      <p:sp>
+        <p:nvSpPr>
+          <p:cNvPr id="24" name="文本框 23"/>
+          <p:cNvSpPr txBox="1"/>
+          <p:nvPr/>
+        </p:nvSpPr>
+        <p:spPr>
+          <a:xfrm>
+            <a:off x="1445797" y="565065"/>
+            <a:ext cx="794868" cy="1754326"/>
+          </a:xfrm>
+          <a:prstGeom prst="rect">
+            <a:avLst/>
+          </a:prstGeom>
+          <a:noFill/>
+        </p:spPr>
+        <p:txBody>
+          <a:bodyPr wrap="square" rtlCol="0">
+            <a:spAutoFit/>
+          </a:bodyPr>
+          <a:lstStyle/>
+          <a:p>
+            <a:r>
+              <a:rPr lang="zh-CN" altLang="en-US" sz="3600" b="1" dirty="0" smtClean="0">
+                <a:solidFill>
+                  <a:schemeClr val="bg1"/>
+                </a:solidFill>
+              </a:rPr>
+              <a:t>用</a:t>
+            </a:r>
+            <a:endParaRPr lang="en-US" altLang="zh-CN" sz="3600" b="1" dirty="0" smtClean="0">
+              <a:solidFill>
+                <a:schemeClr val="bg1"/>
+              </a:solidFill>
+            </a:endParaRPr>
+          </a:p>
+          <a:p>
+            <a:r>
+              <a:rPr lang="zh-CN" altLang="en-US" sz="3600" b="1" dirty="0" smtClean="0">
+                <a:solidFill>
+                  <a:schemeClr val="bg1"/>
+                </a:solidFill>
+              </a:rPr>
+              <a:t>例</a:t>
+            </a:r>
+            <a:endParaRPr lang="en-US" altLang="zh-CN" sz="3200" b="1" dirty="0" smtClean="0">
+              <a:solidFill>
+                <a:schemeClr val="bg1"/>
+              </a:solidFill>
+            </a:endParaRPr>
+          </a:p>
+          <a:p>
+            <a:r>
+              <a:rPr lang="zh-CN" altLang="en-US" sz="3600" b="1" dirty="0" smtClean="0">
+                <a:solidFill>
+                  <a:schemeClr val="bg1"/>
+                </a:solidFill>
+              </a:rPr>
+              <a:t>图</a:t>
+            </a:r>
+            <a:endParaRPr lang="zh-CN" altLang="en-US" sz="3600" dirty="0"/>
+          </a:p>
+        </p:txBody>
+      </p:sp>
+    </p:spTree>
+    <p:extLst>
+      <p:ext uri="{BB962C8B-B14F-4D97-AF65-F5344CB8AC3E}">
+        <p14:creationId xmlns:p14="http://schemas.microsoft.com/office/powerpoint/2010/main" val="1680736583"/>
+      </p:ext>
+    </p:extLst>
+  </p:cSld>
+  <p:clrMapOvr>
+    <a:masterClrMapping/>
+  </p:clrMapOvr>
+  <p:transition spd="slow">
+    <p:wipe/>
+  </p:transition>
+  <p:timing>
+    <p:tnLst>
+      <p:par>
+        <p:cTn id="1" dur="indefinite" restart="never" nodeType="tmRoot"/>
+      </p:par>
+    </p:tnLst>
+  </p:timing>
+</p:sld>
+</file>
+
+<file path=ppt/slides/slide4.xml><?xml version="1.0" encoding="utf-8"?>
+<p:sld xmlns:a="http://schemas.openxmlformats.org/drawingml/2006/main" xmlns:r="http://schemas.openxmlformats.org/officeDocument/2006/relationships" xmlns:p="http://schemas.openxmlformats.org/presentationml/2006/main">
+  <p:cSld>
+    <p:spTree>
+      <p:nvGrpSpPr>
+        <p:cNvPr id="1" name=""/>
+        <p:cNvGrpSpPr/>
+        <p:nvPr/>
+      </p:nvGrpSpPr>
+      <p:grpSpPr>
+        <a:xfrm>
+          <a:off x="0" y="0"/>
+          <a:ext cx="0" cy="0"/>
+          <a:chOff x="0" y="0"/>
+          <a:chExt cx="0" cy="0"/>
+        </a:xfrm>
+      </p:grpSpPr>
+      <p:sp>
+        <p:nvSpPr>
+          <p:cNvPr id="6" name="文本框 5"/>
+          <p:cNvSpPr txBox="1"/>
+          <p:nvPr/>
+        </p:nvSpPr>
+        <p:spPr>
+          <a:xfrm>
+            <a:off x="4125392" y="2626881"/>
+            <a:ext cx="7434123" cy="1446550"/>
+          </a:xfrm>
+          <a:prstGeom prst="rect">
+            <a:avLst/>
+          </a:prstGeom>
+          <a:noFill/>
+        </p:spPr>
+        <p:txBody>
+          <a:bodyPr wrap="square" rtlCol="0">
+            <a:spAutoFit/>
+          </a:bodyPr>
+          <a:lstStyle/>
+          <a:p>
+            <a:r>
+              <a:rPr lang="en-US" altLang="zh-CN" sz="8800" b="1" dirty="0" smtClean="0">
+                <a:solidFill>
+                  <a:schemeClr val="bg1"/>
+                </a:solidFill>
+              </a:rPr>
+              <a:t>Part </a:t>
+            </a:r>
+            <a:r>
+              <a:rPr lang="en-US" altLang="zh-CN" sz="8800" b="1" dirty="0">
+                <a:solidFill>
+                  <a:schemeClr val="bg1"/>
+                </a:solidFill>
+              </a:rPr>
+              <a:t>two</a:t>
+            </a:r>
+            <a:endParaRPr lang="zh-CN" altLang="en-US" sz="8800" b="1" dirty="0">
+              <a:solidFill>
+                <a:schemeClr val="bg1"/>
+              </a:solidFill>
+            </a:endParaRPr>
+          </a:p>
+        </p:txBody>
+      </p:sp>
+      <p:grpSp>
+        <p:nvGrpSpPr>
+          <p:cNvPr id="7" name="组合 6"/>
+          <p:cNvGrpSpPr/>
+          <p:nvPr/>
+        </p:nvGrpSpPr>
+        <p:grpSpPr>
+          <a:xfrm rot="18969064">
+            <a:off x="2276200" y="2522017"/>
+            <a:ext cx="1908633" cy="1964086"/>
+            <a:chOff x="10049748" y="-402452"/>
+            <a:chExt cx="2586102" cy="2661243"/>
+          </a:xfrm>
+        </p:grpSpPr>
+        <p:sp>
+          <p:nvSpPr>
+            <p:cNvPr id="8" name="矩形 7"/>
+            <p:cNvSpPr/>
+            <p:nvPr/>
+          </p:nvSpPr>
+          <p:spPr>
+            <a:xfrm>
+              <a:off x="12143442" y="388887"/>
+              <a:ext cx="492408" cy="492407"/>
+            </a:xfrm>
+            <a:prstGeom prst="rect">
+              <a:avLst/>
+            </a:prstGeom>
+            <a:noFill/>
+            <a:ln w="38100">
+              <a:solidFill>
+                <a:schemeClr val="accent3"/>
+              </a:solidFill>
+            </a:ln>
+          </p:spPr>
+          <p:style>
+            <a:lnRef idx="2">
+              <a:schemeClr val="accent1">
+                <a:shade val="50000"/>
+              </a:schemeClr>
+            </a:lnRef>
+            <a:fillRef idx="1">
+              <a:schemeClr val="accent1"/>
+            </a:fillRef>
+            <a:effectRef idx="0">
+              <a:schemeClr val="accent1"/>
+            </a:effectRef>
+            <a:fontRef idx="minor">
+              <a:schemeClr val="lt1"/>
+            </a:fontRef>
+          </p:style>
+          <p:txBody>
+            <a:bodyPr rtlCol="0" anchor="ctr"/>
+            <a:lstStyle/>
+            <a:p>
+              <a:pPr algn="ctr"/>
+              <a:endParaRPr lang="zh-CN" altLang="en-US"/>
+            </a:p>
+          </p:txBody>
+        </p:sp>
+        <p:sp>
+          <p:nvSpPr>
+            <p:cNvPr id="9" name="矩形 8"/>
+            <p:cNvSpPr/>
+            <p:nvPr/>
+          </p:nvSpPr>
+          <p:spPr>
+            <a:xfrm>
+              <a:off x="11978363" y="-148965"/>
+              <a:ext cx="492405" cy="492407"/>
+            </a:xfrm>
+            <a:prstGeom prst="rect">
+              <a:avLst/>
+            </a:prstGeom>
+            <a:noFill/>
+            <a:ln w="38100">
+              <a:solidFill>
+                <a:schemeClr val="tx2">
+                  <a:lumMod val="60000"/>
+                  <a:lumOff val="40000"/>
+                </a:schemeClr>
+              </a:solidFill>
+            </a:ln>
+          </p:spPr>
+          <p:style>
+            <a:lnRef idx="2">
+              <a:schemeClr val="accent1">
+                <a:shade val="50000"/>
+              </a:schemeClr>
+            </a:lnRef>
+            <a:fillRef idx="1">
+              <a:schemeClr val="accent1"/>
+            </a:fillRef>
+            <a:effectRef idx="0">
+              <a:schemeClr val="accent1"/>
+            </a:effectRef>
+            <a:fontRef idx="minor">
+              <a:schemeClr val="lt1"/>
+            </a:fontRef>
+          </p:style>
+          <p:txBody>
+            <a:bodyPr rtlCol="0" anchor="ctr"/>
+            <a:lstStyle/>
+            <a:p>
+              <a:pPr algn="ctr"/>
+              <a:endParaRPr lang="zh-CN" altLang="en-US"/>
+            </a:p>
+          </p:txBody>
+        </p:sp>
+        <p:sp>
+          <p:nvSpPr>
+            <p:cNvPr id="10" name="矩形 9"/>
+            <p:cNvSpPr/>
+            <p:nvPr/>
+          </p:nvSpPr>
+          <p:spPr>
+            <a:xfrm>
+              <a:off x="11630426" y="617623"/>
+              <a:ext cx="492406" cy="492407"/>
+            </a:xfrm>
+            <a:prstGeom prst="rect">
+              <a:avLst/>
+            </a:prstGeom>
+            <a:noFill/>
+            <a:ln w="38100">
+              <a:solidFill>
+                <a:schemeClr val="accent4"/>
+              </a:solidFill>
+            </a:ln>
+          </p:spPr>
+          <p:style>
+            <a:lnRef idx="2">
+              <a:schemeClr val="accent1">
+                <a:shade val="50000"/>
+              </a:schemeClr>
+            </a:lnRef>
+            <a:fillRef idx="1">
+              <a:schemeClr val="accent1"/>
+            </a:fillRef>
+            <a:effectRef idx="0">
+              <a:schemeClr val="accent1"/>
+            </a:effectRef>
+            <a:fontRef idx="minor">
+              <a:schemeClr val="lt1"/>
+            </a:fontRef>
+          </p:style>
+          <p:txBody>
+            <a:bodyPr rtlCol="0" anchor="ctr"/>
+            <a:lstStyle/>
+            <a:p>
+              <a:pPr algn="ctr"/>
+              <a:endParaRPr lang="zh-CN" altLang="en-US"/>
+            </a:p>
+          </p:txBody>
+        </p:sp>
+        <p:sp>
+          <p:nvSpPr>
+            <p:cNvPr id="11" name="矩形 10"/>
+            <p:cNvSpPr/>
+            <p:nvPr/>
+          </p:nvSpPr>
+          <p:spPr>
+            <a:xfrm>
+              <a:off x="11476619" y="-379930"/>
+              <a:ext cx="492408" cy="492407"/>
+            </a:xfrm>
+            <a:prstGeom prst="rect">
+              <a:avLst/>
+            </a:prstGeom>
+            <a:noFill/>
+            <a:ln w="38100">
+              <a:solidFill>
+                <a:schemeClr val="accent6"/>
+              </a:solidFill>
+            </a:ln>
+          </p:spPr>
+          <p:style>
+            <a:lnRef idx="2">
+              <a:schemeClr val="accent1">
+                <a:shade val="50000"/>
+              </a:schemeClr>
+            </a:lnRef>
+            <a:fillRef idx="1">
+              <a:schemeClr val="accent1"/>
+            </a:fillRef>
+            <a:effectRef idx="0">
+              <a:schemeClr val="accent1"/>
+            </a:effectRef>
+            <a:fontRef idx="minor">
+              <a:schemeClr val="lt1"/>
+            </a:fontRef>
+          </p:style>
+          <p:txBody>
+            <a:bodyPr rtlCol="0" anchor="ctr"/>
+            <a:lstStyle/>
+            <a:p>
+              <a:pPr algn="ctr"/>
+              <a:endParaRPr lang="zh-CN" altLang="en-US"/>
+            </a:p>
+          </p:txBody>
+        </p:sp>
+        <p:sp>
+          <p:nvSpPr>
+            <p:cNvPr id="12" name="矩形 11"/>
+            <p:cNvSpPr/>
+            <p:nvPr/>
+          </p:nvSpPr>
+          <p:spPr>
+            <a:xfrm>
+              <a:off x="10570990" y="633982"/>
+              <a:ext cx="492406" cy="492407"/>
+            </a:xfrm>
+            <a:prstGeom prst="rect">
+              <a:avLst/>
+            </a:prstGeom>
+            <a:noFill/>
+            <a:ln w="38100">
+              <a:solidFill>
+                <a:schemeClr val="accent4"/>
+              </a:solidFill>
+            </a:ln>
+          </p:spPr>
+          <p:style>
+            <a:lnRef idx="2">
+              <a:schemeClr val="accent1">
+                <a:shade val="50000"/>
+              </a:schemeClr>
+            </a:lnRef>
+            <a:fillRef idx="1">
+              <a:schemeClr val="accent1"/>
+            </a:fillRef>
+            <a:effectRef idx="0">
+              <a:schemeClr val="accent1"/>
+            </a:effectRef>
+            <a:fontRef idx="minor">
+              <a:schemeClr val="lt1"/>
+            </a:fontRef>
+          </p:style>
+          <p:txBody>
+            <a:bodyPr rtlCol="0" anchor="ctr"/>
+            <a:lstStyle/>
+            <a:p>
+              <a:pPr algn="ctr"/>
+              <a:endParaRPr lang="zh-CN" altLang="en-US"/>
+            </a:p>
+          </p:txBody>
+        </p:sp>
+        <p:sp>
+          <p:nvSpPr>
+            <p:cNvPr id="13" name="矩形 12"/>
+            <p:cNvSpPr/>
+            <p:nvPr/>
+          </p:nvSpPr>
+          <p:spPr>
+            <a:xfrm>
+              <a:off x="11114746" y="604966"/>
+              <a:ext cx="492406" cy="492407"/>
+            </a:xfrm>
+            <a:prstGeom prst="rect">
+              <a:avLst/>
+            </a:prstGeom>
+            <a:noFill/>
+            <a:ln w="38100">
+              <a:solidFill>
+                <a:schemeClr val="accent6"/>
+              </a:solidFill>
+            </a:ln>
+          </p:spPr>
+          <p:style>
+            <a:lnRef idx="2">
+              <a:schemeClr val="accent1">
+                <a:shade val="50000"/>
+              </a:schemeClr>
+            </a:lnRef>
+            <a:fillRef idx="1">
+              <a:schemeClr val="accent1"/>
+            </a:fillRef>
+            <a:effectRef idx="0">
+              <a:schemeClr val="accent1"/>
+            </a:effectRef>
+            <a:fontRef idx="minor">
+              <a:schemeClr val="lt1"/>
+            </a:fontRef>
+          </p:style>
+          <p:txBody>
+            <a:bodyPr rtlCol="0" anchor="ctr"/>
+            <a:lstStyle/>
+            <a:p>
+              <a:pPr algn="ctr"/>
+              <a:endParaRPr lang="zh-CN" altLang="en-US"/>
+            </a:p>
+          </p:txBody>
+        </p:sp>
+        <p:sp>
+          <p:nvSpPr>
+            <p:cNvPr id="14" name="矩形 13"/>
+            <p:cNvSpPr/>
+            <p:nvPr/>
+          </p:nvSpPr>
+          <p:spPr>
+            <a:xfrm rot="21568511">
+              <a:off x="10049748" y="782654"/>
+              <a:ext cx="492408" cy="492407"/>
+            </a:xfrm>
+            <a:prstGeom prst="rect">
+              <a:avLst/>
+            </a:prstGeom>
+            <a:noFill/>
+            <a:ln w="38100">
+              <a:solidFill>
+                <a:schemeClr val="accent3"/>
+              </a:solidFill>
+            </a:ln>
+          </p:spPr>
+          <p:style>
+            <a:lnRef idx="2">
+              <a:schemeClr val="accent1">
+                <a:shade val="50000"/>
+              </a:schemeClr>
+            </a:lnRef>
+            <a:fillRef idx="1">
+              <a:schemeClr val="accent1"/>
+            </a:fillRef>
+            <a:effectRef idx="0">
+              <a:schemeClr val="accent1"/>
+            </a:effectRef>
+            <a:fontRef idx="minor">
+              <a:schemeClr val="lt1"/>
+            </a:fontRef>
+          </p:style>
+          <p:txBody>
+            <a:bodyPr rtlCol="0" anchor="ctr"/>
+            <a:lstStyle/>
+            <a:p>
+              <a:pPr algn="ctr"/>
+              <a:endParaRPr lang="zh-CN" altLang="en-US"/>
+            </a:p>
+          </p:txBody>
+        </p:sp>
+        <p:sp>
+          <p:nvSpPr>
+            <p:cNvPr id="16" name="矩形 15"/>
+            <p:cNvSpPr/>
+            <p:nvPr/>
+          </p:nvSpPr>
+          <p:spPr>
+            <a:xfrm>
+              <a:off x="10927333" y="-402452"/>
+              <a:ext cx="492406" cy="492407"/>
+            </a:xfrm>
+            <a:prstGeom prst="rect">
+              <a:avLst/>
+            </a:prstGeom>
+            <a:noFill/>
+            <a:ln w="38100">
+              <a:solidFill>
+                <a:schemeClr val="accent4"/>
+              </a:solidFill>
+            </a:ln>
+          </p:spPr>
+          <p:style>
+            <a:lnRef idx="2">
+              <a:schemeClr val="accent1">
+                <a:shade val="50000"/>
+              </a:schemeClr>
+            </a:lnRef>
+            <a:fillRef idx="1">
+              <a:schemeClr val="accent1"/>
+            </a:fillRef>
+            <a:effectRef idx="0">
+              <a:schemeClr val="accent1"/>
+            </a:effectRef>
+            <a:fontRef idx="minor">
+              <a:schemeClr val="lt1"/>
+            </a:fontRef>
+          </p:style>
+          <p:txBody>
+            <a:bodyPr rtlCol="0" anchor="ctr"/>
+            <a:lstStyle/>
+            <a:p>
+              <a:pPr algn="ctr"/>
+              <a:endParaRPr lang="zh-CN" altLang="en-US"/>
+            </a:p>
+          </p:txBody>
+        </p:sp>
+        <p:sp>
+          <p:nvSpPr>
+            <p:cNvPr id="18" name="矩形 17"/>
+            <p:cNvSpPr/>
+            <p:nvPr/>
+          </p:nvSpPr>
+          <p:spPr>
+            <a:xfrm rot="21364025">
+              <a:off x="10548287" y="1261954"/>
+              <a:ext cx="492408" cy="492407"/>
+            </a:xfrm>
+            <a:prstGeom prst="rect">
+              <a:avLst/>
+            </a:prstGeom>
+            <a:noFill/>
+            <a:ln w="38100">
+              <a:solidFill>
+                <a:schemeClr val="accent6"/>
+              </a:solidFill>
+            </a:ln>
+          </p:spPr>
+          <p:style>
+            <a:lnRef idx="2">
+              <a:schemeClr val="accent1">
+                <a:shade val="50000"/>
+              </a:schemeClr>
+            </a:lnRef>
+            <a:fillRef idx="1">
+              <a:schemeClr val="accent1"/>
+            </a:fillRef>
+            <a:effectRef idx="0">
+              <a:schemeClr val="accent1"/>
+            </a:effectRef>
+            <a:fontRef idx="minor">
+              <a:schemeClr val="lt1"/>
+            </a:fontRef>
+          </p:style>
+          <p:txBody>
+            <a:bodyPr rtlCol="0" anchor="ctr"/>
+            <a:lstStyle/>
+            <a:p>
+              <a:pPr algn="ctr"/>
+              <a:endParaRPr lang="zh-CN" altLang="en-US"/>
+            </a:p>
+          </p:txBody>
+        </p:sp>
+        <p:sp>
+          <p:nvSpPr>
+            <p:cNvPr id="19" name="矩形 18"/>
+            <p:cNvSpPr/>
+            <p:nvPr/>
+          </p:nvSpPr>
+          <p:spPr>
+            <a:xfrm rot="5288442">
+              <a:off x="11065345" y="1766384"/>
+              <a:ext cx="492409" cy="492406"/>
+            </a:xfrm>
+            <a:prstGeom prst="rect">
+              <a:avLst/>
+            </a:prstGeom>
+            <a:noFill/>
+            <a:ln w="38100">
+              <a:solidFill>
+                <a:schemeClr val="accent3"/>
+              </a:solidFill>
+            </a:ln>
+          </p:spPr>
+          <p:style>
+            <a:lnRef idx="2">
+              <a:schemeClr val="accent1">
+                <a:shade val="50000"/>
+              </a:schemeClr>
+            </a:lnRef>
+            <a:fillRef idx="1">
+              <a:schemeClr val="accent1"/>
+            </a:fillRef>
+            <a:effectRef idx="0">
+              <a:schemeClr val="accent1"/>
+            </a:effectRef>
+            <a:fontRef idx="minor">
+              <a:schemeClr val="lt1"/>
+            </a:fontRef>
+          </p:style>
+          <p:txBody>
+            <a:bodyPr rtlCol="0" anchor="ctr"/>
+            <a:lstStyle/>
+            <a:p>
+              <a:pPr algn="ctr"/>
+              <a:endParaRPr lang="zh-CN" altLang="en-US"/>
+            </a:p>
+          </p:txBody>
+        </p:sp>
+      </p:grpSp>
+      <p:sp>
+        <p:nvSpPr>
+          <p:cNvPr id="15" name="文本框 14"/>
+          <p:cNvSpPr txBox="1"/>
+          <p:nvPr/>
+        </p:nvSpPr>
+        <p:spPr>
+          <a:xfrm>
+            <a:off x="7898859" y="4562273"/>
+            <a:ext cx="3190672" cy="369332"/>
+          </a:xfrm>
+          <a:prstGeom prst="rect">
+            <a:avLst/>
+          </a:prstGeom>
+          <a:noFill/>
+        </p:spPr>
+        <p:txBody>
+          <a:bodyPr wrap="square" rtlCol="0">
+            <a:spAutoFit/>
+          </a:bodyPr>
+          <a:lstStyle/>
+          <a:p>
+            <a:r>
+              <a:rPr lang="en-US" altLang="zh-CN" b="1" dirty="0" smtClean="0">
+                <a:solidFill>
+                  <a:schemeClr val="bg1"/>
+                </a:solidFill>
+              </a:rPr>
+              <a:t>------</a:t>
+            </a:r>
+            <a:r>
+              <a:rPr lang="zh-CN" altLang="en-US" b="1" dirty="0" smtClean="0">
+                <a:solidFill>
+                  <a:schemeClr val="bg1"/>
+                </a:solidFill>
+              </a:rPr>
+              <a:t>活动图</a:t>
+            </a:r>
+            <a:endParaRPr lang="zh-CN" altLang="en-US" dirty="0"/>
+          </a:p>
+        </p:txBody>
+      </p:sp>
+    </p:spTree>
+    <p:extLst>
+      <p:ext uri="{BB962C8B-B14F-4D97-AF65-F5344CB8AC3E}">
+        <p14:creationId xmlns:p14="http://schemas.microsoft.com/office/powerpoint/2010/main" val="835922666"/>
+      </p:ext>
+    </p:extLst>
+  </p:cSld>
+  <p:clrMapOvr>
+    <a:masterClrMapping/>
+  </p:clrMapOvr>
+  <p:transition spd="slow">
+    <p:wipe/>
+  </p:transition>
+  <p:timing>
+    <p:tnLst>
+      <p:par>
+        <p:cTn id="1" dur="indefinite" restart="never" nodeType="tmRoot"/>
+      </p:par>
+    </p:tnLst>
+  </p:timing>
+</p:sld>
+</file>
+
+<file path=ppt/slides/slide5.xml><?xml version="1.0" encoding="utf-8"?>
+<p:sld xmlns:a="http://schemas.openxmlformats.org/drawingml/2006/main" xmlns:r="http://schemas.openxmlformats.org/officeDocument/2006/relationships" xmlns:p="http://schemas.openxmlformats.org/presentationml/2006/main">
+  <p:cSld>
+    <p:spTree>
+      <p:nvGrpSpPr>
+        <p:cNvPr id="1" name=""/>
+        <p:cNvGrpSpPr/>
+        <p:nvPr/>
+      </p:nvGrpSpPr>
+      <p:grpSpPr>
+        <a:xfrm>
+          <a:off x="0" y="0"/>
+          <a:ext cx="0" cy="0"/>
+          <a:chOff x="0" y="0"/>
+          <a:chExt cx="0" cy="0"/>
+        </a:xfrm>
+      </p:grpSpPr>
+      <p:grpSp>
+        <p:nvGrpSpPr>
+          <p:cNvPr id="8" name="组合 7"/>
+          <p:cNvGrpSpPr/>
+          <p:nvPr/>
+        </p:nvGrpSpPr>
+        <p:grpSpPr>
+          <a:xfrm>
+            <a:off x="11063181" y="0"/>
+            <a:ext cx="1128819" cy="1057472"/>
+            <a:chOff x="11063181" y="0"/>
+            <a:chExt cx="1128819" cy="1057472"/>
+          </a:xfrm>
+        </p:grpSpPr>
+        <p:sp>
+          <p:nvSpPr>
+            <p:cNvPr id="9" name="矩形 8"/>
+            <p:cNvSpPr/>
+            <p:nvPr/>
+          </p:nvSpPr>
+          <p:spPr>
+            <a:xfrm>
+              <a:off x="11381387" y="246204"/>
+              <a:ext cx="492407" cy="492407"/>
+            </a:xfrm>
+            <a:prstGeom prst="rect">
+              <a:avLst/>
+            </a:prstGeom>
+            <a:noFill/>
+            <a:ln w="38100">
+              <a:solidFill>
+                <a:srgbClr val="DA2B89"/>
+              </a:solidFill>
+            </a:ln>
+          </p:spPr>
+          <p:style>
+            <a:lnRef idx="2">
+              <a:schemeClr val="accent1">
+                <a:shade val="50000"/>
+              </a:schemeClr>
+            </a:lnRef>
+            <a:fillRef idx="1">
+              <a:schemeClr val="accent1"/>
+            </a:fillRef>
+            <a:effectRef idx="0">
+              <a:schemeClr val="accent1"/>
+            </a:effectRef>
+            <a:fontRef idx="minor">
+              <a:schemeClr val="lt1"/>
+            </a:fontRef>
+          </p:style>
+          <p:txBody>
+            <a:bodyPr rtlCol="0" anchor="ctr"/>
+            <a:lstStyle/>
+            <a:p>
+              <a:pPr algn="ctr"/>
+              <a:endParaRPr lang="zh-CN" altLang="en-US"/>
+            </a:p>
+          </p:txBody>
+        </p:sp>
+        <p:sp>
+          <p:nvSpPr>
+            <p:cNvPr id="16" name="矩形 15"/>
+            <p:cNvSpPr/>
+            <p:nvPr/>
+          </p:nvSpPr>
+          <p:spPr>
+            <a:xfrm>
+              <a:off x="11699593" y="0"/>
+              <a:ext cx="492407" cy="492407"/>
+            </a:xfrm>
+            <a:prstGeom prst="rect">
+              <a:avLst/>
+            </a:prstGeom>
+            <a:noFill/>
+            <a:ln w="38100">
+              <a:solidFill>
+                <a:schemeClr val="tx2">
+                  <a:lumMod val="60000"/>
+                  <a:lumOff val="40000"/>
+                </a:schemeClr>
+              </a:solidFill>
+            </a:ln>
+          </p:spPr>
+          <p:style>
+            <a:lnRef idx="2">
+              <a:schemeClr val="accent1">
+                <a:shade val="50000"/>
+              </a:schemeClr>
+            </a:lnRef>
+            <a:fillRef idx="1">
+              <a:schemeClr val="accent1"/>
+            </a:fillRef>
+            <a:effectRef idx="0">
+              <a:schemeClr val="accent1"/>
+            </a:effectRef>
+            <a:fontRef idx="minor">
+              <a:schemeClr val="lt1"/>
+            </a:fontRef>
+          </p:style>
+          <p:txBody>
+            <a:bodyPr rtlCol="0" anchor="ctr"/>
+            <a:lstStyle/>
+            <a:p>
+              <a:pPr algn="ctr"/>
+              <a:endParaRPr lang="zh-CN" altLang="en-US"/>
+            </a:p>
+          </p:txBody>
+        </p:sp>
+        <p:sp>
+          <p:nvSpPr>
+            <p:cNvPr id="17" name="矩形 16"/>
+            <p:cNvSpPr/>
+            <p:nvPr/>
+          </p:nvSpPr>
+          <p:spPr>
+            <a:xfrm>
+              <a:off x="11063181" y="565065"/>
+              <a:ext cx="492407" cy="492407"/>
+            </a:xfrm>
+            <a:prstGeom prst="rect">
+              <a:avLst/>
+            </a:prstGeom>
+            <a:noFill/>
+            <a:ln w="38100">
+              <a:solidFill>
+                <a:schemeClr val="accent6"/>
+              </a:solidFill>
+            </a:ln>
+          </p:spPr>
+          <p:style>
+            <a:lnRef idx="2">
+              <a:schemeClr val="accent1">
+                <a:shade val="50000"/>
+              </a:schemeClr>
+            </a:lnRef>
+            <a:fillRef idx="1">
+              <a:schemeClr val="accent1"/>
+            </a:fillRef>
+            <a:effectRef idx="0">
+              <a:schemeClr val="accent1"/>
+            </a:effectRef>
+            <a:fontRef idx="minor">
+              <a:schemeClr val="lt1"/>
+            </a:fontRef>
+          </p:style>
+          <p:txBody>
+            <a:bodyPr rtlCol="0" anchor="ctr"/>
+            <a:lstStyle/>
+            <a:p>
+              <a:pPr algn="ctr"/>
+              <a:endParaRPr lang="zh-CN" altLang="en-US"/>
+            </a:p>
+          </p:txBody>
+        </p:sp>
+      </p:grpSp>
+      <p:pic>
+        <p:nvPicPr>
+          <p:cNvPr id="2" name="图片 1"/>
+          <p:cNvPicPr>
+            <a:picLocks noChangeAspect="1"/>
+          </p:cNvPicPr>
+          <p:nvPr/>
+        </p:nvPicPr>
+        <p:blipFill>
+          <a:blip r:embed="rId2">
+            <a:extLst>
+              <a:ext uri="{28A0092B-C50C-407E-A947-70E740481C1C}">
+                <a14:useLocalDpi xmlns:a14="http://schemas.microsoft.com/office/drawing/2010/main" val="0"/>
+              </a:ext>
+            </a:extLst>
+          </a:blip>
+          <a:stretch>
+            <a:fillRect/>
+          </a:stretch>
+        </p:blipFill>
+        <p:spPr>
+          <a:xfrm>
+            <a:off x="4211054" y="165148"/>
+            <a:ext cx="3496328" cy="6360343"/>
+          </a:xfrm>
+          <a:prstGeom prst="rect">
+            <a:avLst/>
+          </a:prstGeom>
+        </p:spPr>
+      </p:pic>
+      <p:sp>
+        <p:nvSpPr>
+          <p:cNvPr id="18" name="文本框 17"/>
+          <p:cNvSpPr txBox="1"/>
+          <p:nvPr/>
+        </p:nvSpPr>
+        <p:spPr>
+          <a:xfrm>
+            <a:off x="1445797" y="565065"/>
+            <a:ext cx="794868" cy="1754326"/>
+          </a:xfrm>
+          <a:prstGeom prst="rect">
+            <a:avLst/>
+          </a:prstGeom>
+          <a:noFill/>
+        </p:spPr>
+        <p:txBody>
+          <a:bodyPr wrap="square" rtlCol="0">
+            <a:spAutoFit/>
+          </a:bodyPr>
+          <a:lstStyle/>
+          <a:p>
+            <a:r>
+              <a:rPr lang="zh-CN" altLang="en-US" sz="3600" b="1" dirty="0" smtClean="0">
+                <a:solidFill>
+                  <a:schemeClr val="bg1"/>
+                </a:solidFill>
+              </a:rPr>
+              <a:t>活动图</a:t>
+            </a:r>
+            <a:endParaRPr lang="zh-CN" altLang="en-US" sz="3600" dirty="0"/>
+          </a:p>
+        </p:txBody>
+      </p:sp>
+    </p:spTree>
+    <p:extLst>
+      <p:ext uri="{BB962C8B-B14F-4D97-AF65-F5344CB8AC3E}">
+        <p14:creationId xmlns:p14="http://schemas.microsoft.com/office/powerpoint/2010/main" val="2475655779"/>
+      </p:ext>
+    </p:extLst>
+  </p:cSld>
+  <p:clrMapOvr>
+    <a:masterClrMapping/>
+  </p:clrMapOvr>
+  <p:transition spd="slow">
+    <p:wipe/>
+  </p:transition>
+  <p:timing>
+    <p:tnLst>
+      <p:par>
+        <p:cTn id="1" dur="indefinite" restart="never" nodeType="tmRoot"/>
+      </p:par>
+    </p:tnLst>
+  </p:timing>
+</p:sld>
+</file>
+
+<file path=ppt/slides/slide6.xml><?xml version="1.0" encoding="utf-8"?>
+<p:sld xmlns:a="http://schemas.openxmlformats.org/drawingml/2006/main" xmlns:r="http://schemas.openxmlformats.org/officeDocument/2006/relationships" xmlns:p="http://schemas.openxmlformats.org/presentationml/2006/main">
+  <p:cSld>
+    <p:spTree>
+      <p:nvGrpSpPr>
+        <p:cNvPr id="1" name=""/>
+        <p:cNvGrpSpPr/>
+        <p:nvPr/>
+      </p:nvGrpSpPr>
+      <p:grpSpPr>
+        <a:xfrm>
+          <a:off x="0" y="0"/>
+          <a:ext cx="0" cy="0"/>
+          <a:chOff x="0" y="0"/>
+          <a:chExt cx="0" cy="0"/>
+        </a:xfrm>
+      </p:grpSpPr>
+      <p:sp>
+        <p:nvSpPr>
+          <p:cNvPr id="6" name="文本框 5"/>
+          <p:cNvSpPr txBox="1"/>
+          <p:nvPr/>
+        </p:nvSpPr>
+        <p:spPr>
+          <a:xfrm>
+            <a:off x="3667268" y="2495188"/>
+            <a:ext cx="7691297" cy="1446550"/>
+          </a:xfrm>
+          <a:prstGeom prst="rect">
+            <a:avLst/>
+          </a:prstGeom>
+          <a:noFill/>
+        </p:spPr>
+        <p:txBody>
+          <a:bodyPr wrap="square" rtlCol="0">
+            <a:spAutoFit/>
+          </a:bodyPr>
+          <a:lstStyle/>
+          <a:p>
+            <a:r>
+              <a:rPr lang="en-US" altLang="zh-CN" sz="8800" b="1" dirty="0" smtClean="0">
+                <a:solidFill>
+                  <a:schemeClr val="bg1"/>
+                </a:solidFill>
+              </a:rPr>
+              <a:t>Part </a:t>
+            </a:r>
+            <a:r>
+              <a:rPr lang="zh-CN" altLang="en-US" sz="8800" b="1" dirty="0" smtClean="0">
+                <a:solidFill>
+                  <a:schemeClr val="bg1"/>
+                </a:solidFill>
+              </a:rPr>
+              <a:t>？？？</a:t>
+            </a:r>
+            <a:endParaRPr lang="zh-CN" altLang="en-US" sz="8800" b="1" dirty="0">
+              <a:solidFill>
+                <a:schemeClr val="bg1"/>
+              </a:solidFill>
+            </a:endParaRPr>
+          </a:p>
+        </p:txBody>
+      </p:sp>
+      <p:grpSp>
+        <p:nvGrpSpPr>
+          <p:cNvPr id="7" name="组合 6"/>
+          <p:cNvGrpSpPr/>
+          <p:nvPr/>
+        </p:nvGrpSpPr>
+        <p:grpSpPr>
+          <a:xfrm rot="19068014">
+            <a:off x="1831855" y="2432805"/>
+            <a:ext cx="1840629" cy="1912981"/>
+            <a:chOff x="10141891" y="-451997"/>
+            <a:chExt cx="2493959" cy="2591997"/>
+          </a:xfrm>
+        </p:grpSpPr>
+        <p:sp>
+          <p:nvSpPr>
+            <p:cNvPr id="8" name="矩形 7"/>
+            <p:cNvSpPr/>
+            <p:nvPr/>
+          </p:nvSpPr>
+          <p:spPr>
+            <a:xfrm>
+              <a:off x="12143442" y="388887"/>
+              <a:ext cx="492408" cy="492407"/>
+            </a:xfrm>
+            <a:prstGeom prst="rect">
+              <a:avLst/>
+            </a:prstGeom>
+            <a:noFill/>
+            <a:ln w="38100">
+              <a:solidFill>
+                <a:schemeClr val="accent3"/>
+              </a:solidFill>
+            </a:ln>
+          </p:spPr>
+          <p:style>
+            <a:lnRef idx="2">
+              <a:schemeClr val="accent1">
+                <a:shade val="50000"/>
+              </a:schemeClr>
+            </a:lnRef>
+            <a:fillRef idx="1">
+              <a:schemeClr val="accent1"/>
+            </a:fillRef>
+            <a:effectRef idx="0">
+              <a:schemeClr val="accent1"/>
+            </a:effectRef>
+            <a:fontRef idx="minor">
+              <a:schemeClr val="lt1"/>
+            </a:fontRef>
+          </p:style>
+          <p:txBody>
+            <a:bodyPr rtlCol="0" anchor="ctr"/>
+            <a:lstStyle/>
+            <a:p>
+              <a:pPr algn="ctr"/>
+              <a:endParaRPr lang="zh-CN" altLang="en-US" sz="1600"/>
+            </a:p>
+          </p:txBody>
+        </p:sp>
+        <p:sp>
+          <p:nvSpPr>
+            <p:cNvPr id="9" name="矩形 8"/>
+            <p:cNvSpPr/>
+            <p:nvPr/>
+          </p:nvSpPr>
+          <p:spPr>
+            <a:xfrm>
+              <a:off x="12007114" y="-122103"/>
+              <a:ext cx="492405" cy="492407"/>
+            </a:xfrm>
+            <a:prstGeom prst="rect">
+              <a:avLst/>
+            </a:prstGeom>
+            <a:noFill/>
+            <a:ln w="38100">
+              <a:solidFill>
+                <a:schemeClr val="tx2">
+                  <a:lumMod val="60000"/>
+                  <a:lumOff val="40000"/>
+                </a:schemeClr>
+              </a:solidFill>
+            </a:ln>
+          </p:spPr>
+          <p:style>
+            <a:lnRef idx="2">
+              <a:schemeClr val="accent1">
+                <a:shade val="50000"/>
+              </a:schemeClr>
+            </a:lnRef>
+            <a:fillRef idx="1">
+              <a:schemeClr val="accent1"/>
+            </a:fillRef>
+            <a:effectRef idx="0">
+              <a:schemeClr val="accent1"/>
+            </a:effectRef>
+            <a:fontRef idx="minor">
+              <a:schemeClr val="lt1"/>
+            </a:fontRef>
+          </p:style>
+          <p:txBody>
+            <a:bodyPr rtlCol="0" anchor="ctr"/>
+            <a:lstStyle/>
+            <a:p>
+              <a:pPr algn="ctr"/>
+              <a:endParaRPr lang="zh-CN" altLang="en-US" sz="1600"/>
+            </a:p>
+          </p:txBody>
+        </p:sp>
+        <p:sp>
+          <p:nvSpPr>
+            <p:cNvPr id="10" name="矩形 9"/>
+            <p:cNvSpPr/>
+            <p:nvPr/>
+          </p:nvSpPr>
+          <p:spPr>
+            <a:xfrm>
+              <a:off x="11630426" y="617623"/>
+              <a:ext cx="492406" cy="492407"/>
+            </a:xfrm>
+            <a:prstGeom prst="rect">
+              <a:avLst/>
+            </a:prstGeom>
+            <a:noFill/>
+            <a:ln w="38100">
+              <a:solidFill>
+                <a:schemeClr val="accent4"/>
+              </a:solidFill>
+            </a:ln>
+          </p:spPr>
+          <p:style>
+            <a:lnRef idx="2">
+              <a:schemeClr val="accent1">
+                <a:shade val="50000"/>
+              </a:schemeClr>
+            </a:lnRef>
+            <a:fillRef idx="1">
+              <a:schemeClr val="accent1"/>
+            </a:fillRef>
+            <a:effectRef idx="0">
+              <a:schemeClr val="accent1"/>
+            </a:effectRef>
+            <a:fontRef idx="minor">
+              <a:schemeClr val="lt1"/>
+            </a:fontRef>
+          </p:style>
+          <p:txBody>
+            <a:bodyPr rtlCol="0" anchor="ctr"/>
+            <a:lstStyle/>
+            <a:p>
+              <a:pPr algn="ctr"/>
+              <a:endParaRPr lang="zh-CN" altLang="en-US" sz="1600"/>
+            </a:p>
+          </p:txBody>
+        </p:sp>
+        <p:sp>
+          <p:nvSpPr>
+            <p:cNvPr id="11" name="矩形 10"/>
+            <p:cNvSpPr/>
+            <p:nvPr/>
+          </p:nvSpPr>
+          <p:spPr>
+            <a:xfrm>
+              <a:off x="11463057" y="-451997"/>
+              <a:ext cx="492408" cy="492407"/>
+            </a:xfrm>
+            <a:prstGeom prst="rect">
+              <a:avLst/>
+            </a:prstGeom>
+            <a:noFill/>
+            <a:ln w="38100">
+              <a:solidFill>
+                <a:schemeClr val="accent6"/>
+              </a:solidFill>
+            </a:ln>
+          </p:spPr>
+          <p:style>
+            <a:lnRef idx="2">
+              <a:schemeClr val="accent1">
+                <a:shade val="50000"/>
+              </a:schemeClr>
+            </a:lnRef>
+            <a:fillRef idx="1">
+              <a:schemeClr val="accent1"/>
+            </a:fillRef>
+            <a:effectRef idx="0">
+              <a:schemeClr val="accent1"/>
+            </a:effectRef>
+            <a:fontRef idx="minor">
+              <a:schemeClr val="lt1"/>
+            </a:fontRef>
+          </p:style>
+          <p:txBody>
+            <a:bodyPr rtlCol="0" anchor="ctr"/>
+            <a:lstStyle/>
+            <a:p>
+              <a:pPr algn="ctr"/>
+              <a:endParaRPr lang="zh-CN" altLang="en-US" sz="1600"/>
+            </a:p>
+          </p:txBody>
+        </p:sp>
+        <p:sp>
+          <p:nvSpPr>
+            <p:cNvPr id="12" name="矩形 11"/>
+            <p:cNvSpPr/>
+            <p:nvPr/>
+          </p:nvSpPr>
+          <p:spPr>
+            <a:xfrm>
+              <a:off x="11150505" y="1093940"/>
+              <a:ext cx="492406" cy="492407"/>
+            </a:xfrm>
+            <a:prstGeom prst="rect">
+              <a:avLst/>
+            </a:prstGeom>
+            <a:noFill/>
+            <a:ln w="38100">
+              <a:solidFill>
+                <a:schemeClr val="accent4"/>
+              </a:solidFill>
+            </a:ln>
+          </p:spPr>
+          <p:style>
+            <a:lnRef idx="2">
+              <a:schemeClr val="accent1">
+                <a:shade val="50000"/>
+              </a:schemeClr>
+            </a:lnRef>
+            <a:fillRef idx="1">
+              <a:schemeClr val="accent1"/>
+            </a:fillRef>
+            <a:effectRef idx="0">
+              <a:schemeClr val="accent1"/>
+            </a:effectRef>
+            <a:fontRef idx="minor">
+              <a:schemeClr val="lt1"/>
+            </a:fontRef>
+          </p:style>
+          <p:txBody>
+            <a:bodyPr rtlCol="0" anchor="ctr"/>
+            <a:lstStyle/>
+            <a:p>
+              <a:pPr algn="ctr"/>
+              <a:endParaRPr lang="zh-CN" altLang="en-US" sz="1600"/>
+            </a:p>
+          </p:txBody>
+        </p:sp>
+        <p:sp>
+          <p:nvSpPr>
+            <p:cNvPr id="13" name="矩形 12"/>
+            <p:cNvSpPr/>
+            <p:nvPr/>
+          </p:nvSpPr>
+          <p:spPr>
+            <a:xfrm>
+              <a:off x="11112108" y="517651"/>
+              <a:ext cx="492406" cy="492407"/>
+            </a:xfrm>
+            <a:prstGeom prst="rect">
+              <a:avLst/>
+            </a:prstGeom>
+            <a:noFill/>
+            <a:ln w="38100">
+              <a:solidFill>
+                <a:schemeClr val="accent6"/>
+              </a:solidFill>
+            </a:ln>
+          </p:spPr>
+          <p:style>
+            <a:lnRef idx="2">
+              <a:schemeClr val="accent1">
+                <a:shade val="50000"/>
+              </a:schemeClr>
+            </a:lnRef>
+            <a:fillRef idx="1">
+              <a:schemeClr val="accent1"/>
+            </a:fillRef>
+            <a:effectRef idx="0">
+              <a:schemeClr val="accent1"/>
+            </a:effectRef>
+            <a:fontRef idx="minor">
+              <a:schemeClr val="lt1"/>
+            </a:fontRef>
+          </p:style>
+          <p:txBody>
+            <a:bodyPr rtlCol="0" anchor="ctr"/>
+            <a:lstStyle/>
+            <a:p>
+              <a:pPr algn="ctr"/>
+              <a:endParaRPr lang="zh-CN" altLang="en-US" sz="1600"/>
+            </a:p>
+          </p:txBody>
+        </p:sp>
+        <p:sp>
+          <p:nvSpPr>
+            <p:cNvPr id="14" name="矩形 13"/>
+            <p:cNvSpPr/>
+            <p:nvPr/>
+          </p:nvSpPr>
+          <p:spPr>
+            <a:xfrm>
+              <a:off x="10141891" y="949004"/>
+              <a:ext cx="492408" cy="492407"/>
+            </a:xfrm>
+            <a:prstGeom prst="rect">
+              <a:avLst/>
+            </a:prstGeom>
+            <a:noFill/>
+            <a:ln w="38100">
+              <a:solidFill>
+                <a:schemeClr val="accent3"/>
+              </a:solidFill>
+            </a:ln>
+          </p:spPr>
+          <p:style>
+            <a:lnRef idx="2">
+              <a:schemeClr val="accent1">
+                <a:shade val="50000"/>
+              </a:schemeClr>
+            </a:lnRef>
+            <a:fillRef idx="1">
+              <a:schemeClr val="accent1"/>
+            </a:fillRef>
+            <a:effectRef idx="0">
+              <a:schemeClr val="accent1"/>
+            </a:effectRef>
+            <a:fontRef idx="minor">
+              <a:schemeClr val="lt1"/>
+            </a:fontRef>
+          </p:style>
+          <p:txBody>
+            <a:bodyPr rtlCol="0" anchor="ctr"/>
+            <a:lstStyle/>
+            <a:p>
+              <a:pPr algn="ctr"/>
+              <a:endParaRPr lang="zh-CN" altLang="en-US" sz="1600"/>
+            </a:p>
+          </p:txBody>
+        </p:sp>
+        <p:sp>
+          <p:nvSpPr>
+            <p:cNvPr id="18" name="矩形 17"/>
+            <p:cNvSpPr/>
+            <p:nvPr/>
+          </p:nvSpPr>
+          <p:spPr>
+            <a:xfrm>
+              <a:off x="10493726" y="1431448"/>
+              <a:ext cx="492408" cy="492407"/>
+            </a:xfrm>
+            <a:prstGeom prst="rect">
+              <a:avLst/>
+            </a:prstGeom>
+            <a:noFill/>
+            <a:ln w="38100">
+              <a:solidFill>
+                <a:schemeClr val="accent6"/>
+              </a:solidFill>
+            </a:ln>
+          </p:spPr>
+          <p:style>
+            <a:lnRef idx="2">
+              <a:schemeClr val="accent1">
+                <a:shade val="50000"/>
+              </a:schemeClr>
+            </a:lnRef>
+            <a:fillRef idx="1">
+              <a:schemeClr val="accent1"/>
+            </a:fillRef>
+            <a:effectRef idx="0">
+              <a:schemeClr val="accent1"/>
+            </a:effectRef>
+            <a:fontRef idx="minor">
+              <a:schemeClr val="lt1"/>
+            </a:fontRef>
+          </p:style>
+          <p:txBody>
+            <a:bodyPr rtlCol="0" anchor="ctr"/>
+            <a:lstStyle/>
+            <a:p>
+              <a:pPr algn="ctr"/>
+              <a:endParaRPr lang="zh-CN" altLang="en-US" sz="1600"/>
+            </a:p>
+          </p:txBody>
+        </p:sp>
+        <p:sp>
+          <p:nvSpPr>
+            <p:cNvPr id="19" name="矩形 18"/>
+            <p:cNvSpPr/>
+            <p:nvPr/>
+          </p:nvSpPr>
+          <p:spPr>
+            <a:xfrm>
+              <a:off x="10975727" y="1647593"/>
+              <a:ext cx="492408" cy="492407"/>
+            </a:xfrm>
+            <a:prstGeom prst="rect">
+              <a:avLst/>
+            </a:prstGeom>
+            <a:noFill/>
+            <a:ln w="38100">
+              <a:solidFill>
+                <a:schemeClr val="accent3"/>
+              </a:solidFill>
+            </a:ln>
+          </p:spPr>
+          <p:style>
+            <a:lnRef idx="2">
+              <a:schemeClr val="accent1">
+                <a:shade val="50000"/>
+              </a:schemeClr>
+            </a:lnRef>
+            <a:fillRef idx="1">
+              <a:schemeClr val="accent1"/>
+            </a:fillRef>
+            <a:effectRef idx="0">
+              <a:schemeClr val="accent1"/>
+            </a:effectRef>
+            <a:fontRef idx="minor">
+              <a:schemeClr val="lt1"/>
+            </a:fontRef>
+          </p:style>
+          <p:txBody>
+            <a:bodyPr rtlCol="0" anchor="ctr"/>
+            <a:lstStyle/>
+            <a:p>
+              <a:pPr algn="ctr"/>
+              <a:endParaRPr lang="zh-CN" altLang="en-US" sz="1600"/>
+            </a:p>
+          </p:txBody>
+        </p:sp>
+      </p:grpSp>
+      <p:sp>
+        <p:nvSpPr>
+          <p:cNvPr id="15" name="文本框 14"/>
+          <p:cNvSpPr txBox="1"/>
+          <p:nvPr/>
+        </p:nvSpPr>
+        <p:spPr>
+          <a:xfrm>
+            <a:off x="7898859" y="4562273"/>
+            <a:ext cx="3190672" cy="369332"/>
+          </a:xfrm>
+          <a:prstGeom prst="rect">
+            <a:avLst/>
+          </a:prstGeom>
+          <a:noFill/>
+        </p:spPr>
+        <p:txBody>
+          <a:bodyPr wrap="square" rtlCol="0">
+            <a:spAutoFit/>
+          </a:bodyPr>
+          <a:lstStyle/>
+          <a:p>
+            <a:r>
+              <a:rPr lang="en-US" altLang="zh-CN" b="1" dirty="0" smtClean="0">
+                <a:solidFill>
+                  <a:schemeClr val="bg1"/>
+                </a:solidFill>
+              </a:rPr>
+              <a:t>------</a:t>
+            </a:r>
+            <a:r>
+              <a:rPr lang="zh-CN" altLang="en-US" b="1" dirty="0" smtClean="0">
+                <a:solidFill>
+                  <a:schemeClr val="bg1"/>
+                </a:solidFill>
+              </a:rPr>
+              <a:t>超文本访问模型</a:t>
+            </a:r>
+            <a:endParaRPr lang="zh-CN" altLang="en-US" dirty="0"/>
+          </a:p>
+        </p:txBody>
+      </p:sp>
+    </p:spTree>
+    <p:extLst>
+      <p:ext uri="{BB962C8B-B14F-4D97-AF65-F5344CB8AC3E}">
+        <p14:creationId xmlns:p14="http://schemas.microsoft.com/office/powerpoint/2010/main" val="230384828"/>
+      </p:ext>
+    </p:extLst>
+  </p:cSld>
+  <p:clrMapOvr>
+    <a:masterClrMapping/>
+  </p:clrMapOvr>
+  <p:transition spd="slow">
+    <p:wipe/>
+  </p:transition>
+  <p:timing>
+    <p:tnLst>
+      <p:par>
+        <p:cTn id="1" dur="indefinite" restart="never" nodeType="tmRoot"/>
+      </p:par>
+    </p:tnLst>
+  </p:timing>
+</p:sld>
+</file>
+
+<file path=ppt/slides/slide7.xml><?xml version="1.0" encoding="utf-8"?>
+<p:sld xmlns:a="http://schemas.openxmlformats.org/drawingml/2006/main" xmlns:r="http://schemas.openxmlformats.org/officeDocument/2006/relationships" xmlns:p="http://schemas.openxmlformats.org/presentationml/2006/main">
+  <p:cSld>
+    <p:spTree>
+      <p:nvGrpSpPr>
+        <p:cNvPr id="1" name=""/>
+        <p:cNvGrpSpPr/>
+        <p:nvPr/>
+      </p:nvGrpSpPr>
+      <p:grpSpPr>
+        <a:xfrm>
+          <a:off x="0" y="0"/>
+          <a:ext cx="0" cy="0"/>
+          <a:chOff x="0" y="0"/>
+          <a:chExt cx="0" cy="0"/>
+        </a:xfrm>
+      </p:grpSpPr>
+      <p:grpSp>
+        <p:nvGrpSpPr>
+          <p:cNvPr id="11" name="组合 10"/>
+          <p:cNvGrpSpPr/>
+          <p:nvPr/>
+        </p:nvGrpSpPr>
+        <p:grpSpPr>
+          <a:xfrm>
+            <a:off x="11063181" y="0"/>
+            <a:ext cx="1128819" cy="1057472"/>
+            <a:chOff x="11063181" y="0"/>
+            <a:chExt cx="1128819" cy="1057472"/>
+          </a:xfrm>
+        </p:grpSpPr>
+        <p:sp>
+          <p:nvSpPr>
+            <p:cNvPr id="12" name="矩形 11"/>
+            <p:cNvSpPr/>
+            <p:nvPr/>
+          </p:nvSpPr>
+          <p:spPr>
+            <a:xfrm>
+              <a:off x="11381387" y="246204"/>
+              <a:ext cx="492407" cy="492407"/>
+            </a:xfrm>
+            <a:prstGeom prst="rect">
+              <a:avLst/>
+            </a:prstGeom>
+            <a:noFill/>
+            <a:ln w="38100">
+              <a:solidFill>
+                <a:srgbClr val="DA2B89"/>
+              </a:solidFill>
+            </a:ln>
+          </p:spPr>
+          <p:style>
+            <a:lnRef idx="2">
+              <a:schemeClr val="accent1">
+                <a:shade val="50000"/>
+              </a:schemeClr>
+            </a:lnRef>
+            <a:fillRef idx="1">
+              <a:schemeClr val="accent1"/>
+            </a:fillRef>
+            <a:effectRef idx="0">
+              <a:schemeClr val="accent1"/>
+            </a:effectRef>
+            <a:fontRef idx="minor">
+              <a:schemeClr val="lt1"/>
+            </a:fontRef>
+          </p:style>
+          <p:txBody>
+            <a:bodyPr rtlCol="0" anchor="ctr"/>
+            <a:lstStyle/>
+            <a:p>
+              <a:pPr algn="ctr"/>
+              <a:endParaRPr lang="zh-CN" altLang="en-US"/>
+            </a:p>
+          </p:txBody>
+        </p:sp>
+        <p:sp>
+          <p:nvSpPr>
+            <p:cNvPr id="13" name="矩形 12"/>
+            <p:cNvSpPr/>
+            <p:nvPr/>
+          </p:nvSpPr>
+          <p:spPr>
+            <a:xfrm>
+              <a:off x="11699593" y="0"/>
+              <a:ext cx="492407" cy="492407"/>
+            </a:xfrm>
+            <a:prstGeom prst="rect">
+              <a:avLst/>
+            </a:prstGeom>
+            <a:noFill/>
+            <a:ln w="38100">
+              <a:solidFill>
+                <a:schemeClr val="tx2">
+                  <a:lumMod val="60000"/>
+                  <a:lumOff val="40000"/>
+                </a:schemeClr>
+              </a:solidFill>
+            </a:ln>
+          </p:spPr>
+          <p:style>
+            <a:lnRef idx="2">
+              <a:schemeClr val="accent1">
+                <a:shade val="50000"/>
+              </a:schemeClr>
+            </a:lnRef>
+            <a:fillRef idx="1">
+              <a:schemeClr val="accent1"/>
+            </a:fillRef>
+            <a:effectRef idx="0">
+              <a:schemeClr val="accent1"/>
+            </a:effectRef>
+            <a:fontRef idx="minor">
+              <a:schemeClr val="lt1"/>
+            </a:fontRef>
+          </p:style>
+          <p:txBody>
+            <a:bodyPr rtlCol="0" anchor="ctr"/>
+            <a:lstStyle/>
+            <a:p>
+              <a:pPr algn="ctr"/>
+              <a:endParaRPr lang="zh-CN" altLang="en-US"/>
+            </a:p>
+          </p:txBody>
+        </p:sp>
+        <p:sp>
+          <p:nvSpPr>
+            <p:cNvPr id="14" name="矩形 13"/>
+            <p:cNvSpPr/>
+            <p:nvPr/>
+          </p:nvSpPr>
+          <p:spPr>
+            <a:xfrm>
+              <a:off x="11063181" y="565065"/>
+              <a:ext cx="492407" cy="492407"/>
+            </a:xfrm>
+            <a:prstGeom prst="rect">
+              <a:avLst/>
+            </a:prstGeom>
+            <a:noFill/>
+            <a:ln w="38100">
+              <a:solidFill>
+                <a:schemeClr val="accent6"/>
+              </a:solidFill>
+            </a:ln>
+          </p:spPr>
+          <p:style>
+            <a:lnRef idx="2">
+              <a:schemeClr val="accent1">
+                <a:shade val="50000"/>
+              </a:schemeClr>
+            </a:lnRef>
+            <a:fillRef idx="1">
+              <a:schemeClr val="accent1"/>
+            </a:fillRef>
+            <a:effectRef idx="0">
+              <a:schemeClr val="accent1"/>
+            </a:effectRef>
+            <a:fontRef idx="minor">
+              <a:schemeClr val="lt1"/>
+            </a:fontRef>
+          </p:style>
+          <p:txBody>
+            <a:bodyPr rtlCol="0" anchor="ctr"/>
+            <a:lstStyle/>
+            <a:p>
+              <a:pPr algn="ctr"/>
+              <a:endParaRPr lang="zh-CN" altLang="en-US"/>
+            </a:p>
+          </p:txBody>
+        </p:sp>
+      </p:grpSp>
+      <p:sp>
+        <p:nvSpPr>
+          <p:cNvPr id="16" name="文本框 15"/>
+          <p:cNvSpPr txBox="1"/>
+          <p:nvPr/>
+        </p:nvSpPr>
+        <p:spPr>
+          <a:xfrm>
+            <a:off x="1445797" y="565065"/>
+            <a:ext cx="794868" cy="3970318"/>
+          </a:xfrm>
+          <a:prstGeom prst="rect">
+            <a:avLst/>
+          </a:prstGeom>
+          <a:noFill/>
+        </p:spPr>
+        <p:txBody>
+          <a:bodyPr wrap="square" rtlCol="0">
+            <a:spAutoFit/>
+          </a:bodyPr>
+          <a:lstStyle/>
+          <a:p>
+            <a:r>
+              <a:rPr lang="zh-CN" altLang="en-US" sz="3600" b="1" dirty="0" smtClean="0">
+                <a:solidFill>
+                  <a:schemeClr val="bg1"/>
+                </a:solidFill>
+              </a:rPr>
+              <a:t>超文本访问模型</a:t>
+            </a:r>
+            <a:endParaRPr lang="zh-CN" altLang="en-US" sz="3600" dirty="0"/>
+          </a:p>
+        </p:txBody>
+      </p:sp>
+      <p:pic>
+        <p:nvPicPr>
+          <p:cNvPr id="3" name="图片 2"/>
+          <p:cNvPicPr>
+            <a:picLocks noChangeAspect="1"/>
+          </p:cNvPicPr>
+          <p:nvPr/>
+        </p:nvPicPr>
+        <p:blipFill>
+          <a:blip r:embed="rId2">
+            <a:extLst>
+              <a:ext uri="{28A0092B-C50C-407E-A947-70E740481C1C}">
+                <a14:useLocalDpi xmlns:a14="http://schemas.microsoft.com/office/drawing/2010/main" val="0"/>
+              </a:ext>
+            </a:extLst>
+          </a:blip>
+          <a:stretch>
+            <a:fillRect/>
+          </a:stretch>
+        </p:blipFill>
+        <p:spPr>
+          <a:xfrm>
+            <a:off x="3107763" y="492406"/>
+            <a:ext cx="6406149" cy="6213193"/>
+          </a:xfrm>
+          <a:prstGeom prst="rect">
+            <a:avLst/>
+          </a:prstGeom>
+        </p:spPr>
+      </p:pic>
+    </p:spTree>
+    <p:extLst>
+      <p:ext uri="{BB962C8B-B14F-4D97-AF65-F5344CB8AC3E}">
+        <p14:creationId xmlns:p14="http://schemas.microsoft.com/office/powerpoint/2010/main" val="3921556525"/>
+      </p:ext>
+    </p:extLst>
+  </p:cSld>
+  <p:clrMapOvr>
+    <a:masterClrMapping/>
+  </p:clrMapOvr>
+  <p:transition spd="slow">
+    <p:wipe/>
+  </p:transition>
+  <p:timing>
+    <p:tnLst>
+      <p:par>
+        <p:cTn id="1" dur="indefinite" restart="never" nodeType="tmRoot"/>
+      </p:par>
+    </p:tnLst>
+  </p:timing>
+</p:sld>
+</file>
+
+<file path=ppt/slides/slide8.xml><?xml version="1.0" encoding="utf-8"?>
+<p:sld xmlns:a="http://schemas.openxmlformats.org/drawingml/2006/main" xmlns:r="http://schemas.openxmlformats.org/officeDocument/2006/relationships" xmlns:p="http://schemas.openxmlformats.org/presentationml/2006/main">
+  <p:cSld>
+    <p:spTree>
+      <p:nvGrpSpPr>
+        <p:cNvPr id="1" name=""/>
+        <p:cNvGrpSpPr/>
+        <p:nvPr/>
+      </p:nvGrpSpPr>
+      <p:grpSpPr>
+        <a:xfrm>
+          <a:off x="0" y="0"/>
+          <a:ext cx="0" cy="0"/>
+          <a:chOff x="0" y="0"/>
+          <a:chExt cx="0" cy="0"/>
+        </a:xfrm>
+      </p:grpSpPr>
+      <p:sp>
+        <p:nvSpPr>
+          <p:cNvPr id="6" name="文本框 5"/>
+          <p:cNvSpPr txBox="1"/>
+          <p:nvPr/>
+        </p:nvSpPr>
+        <p:spPr>
+          <a:xfrm>
+            <a:off x="4021831" y="1470016"/>
+            <a:ext cx="8005329" cy="6186309"/>
+          </a:xfrm>
+          <a:prstGeom prst="rect">
+            <a:avLst/>
+          </a:prstGeom>
+          <a:noFill/>
+        </p:spPr>
+        <p:txBody>
+          <a:bodyPr wrap="square" rtlCol="0">
+            <a:spAutoFit/>
+          </a:bodyPr>
+          <a:lstStyle/>
+          <a:p>
+            <a:r>
+              <a:rPr lang="en-US" altLang="zh-CN" sz="8800" b="1" dirty="0">
+                <a:solidFill>
+                  <a:schemeClr val="bg1"/>
+                </a:solidFill>
+              </a:rPr>
+              <a:t>Part </a:t>
+            </a:r>
+            <a:r>
+              <a:rPr lang="en-US" altLang="zh-CN" sz="8800" b="1" dirty="0" smtClean="0">
+                <a:solidFill>
+                  <a:schemeClr val="bg1"/>
+                </a:solidFill>
+              </a:rPr>
+              <a:t>two</a:t>
+            </a:r>
+            <a:endParaRPr lang="en-US" altLang="zh-CN" sz="8800" b="1" dirty="0">
+              <a:solidFill>
+                <a:schemeClr val="bg1"/>
+              </a:solidFill>
+            </a:endParaRPr>
+          </a:p>
+          <a:p>
+            <a:r>
+              <a:rPr lang="zh-CN" altLang="en-US" sz="6600" b="1" dirty="0" smtClean="0">
+                <a:solidFill>
+                  <a:schemeClr val="bg1"/>
+                </a:solidFill>
+              </a:rPr>
+              <a:t>内容建模</a:t>
+            </a:r>
+            <a:r>
+              <a:rPr lang="zh-CN" altLang="en-US" sz="6600" b="1" dirty="0">
+                <a:solidFill>
+                  <a:schemeClr val="bg1"/>
+                </a:solidFill>
+              </a:rPr>
+              <a:t>：</a:t>
+            </a:r>
+            <a:endParaRPr lang="en-US" altLang="zh-CN" sz="6600" b="1" dirty="0">
+              <a:solidFill>
+                <a:schemeClr val="bg1"/>
+              </a:solidFill>
+            </a:endParaRPr>
+          </a:p>
+          <a:p>
+            <a:r>
+              <a:rPr lang="zh-CN" altLang="en-US" sz="6600" b="1" dirty="0" smtClean="0">
+                <a:solidFill>
+                  <a:schemeClr val="bg1"/>
+                </a:solidFill>
+              </a:rPr>
+              <a:t>类图</a:t>
+            </a:r>
+            <a:endParaRPr lang="zh-CN" altLang="en-US" sz="6600" b="1" dirty="0">
+              <a:solidFill>
+                <a:schemeClr val="bg1"/>
+              </a:solidFill>
+            </a:endParaRPr>
+          </a:p>
+          <a:p>
+            <a:endParaRPr lang="en-US" altLang="zh-CN" sz="8800" b="1" dirty="0">
+              <a:solidFill>
+                <a:schemeClr val="bg1"/>
+              </a:solidFill>
+            </a:endParaRPr>
+          </a:p>
+          <a:p>
+            <a:endParaRPr lang="zh-CN" altLang="en-US" sz="8800" b="1" dirty="0">
+              <a:solidFill>
+                <a:schemeClr val="bg1"/>
+              </a:solidFill>
+            </a:endParaRPr>
+          </a:p>
+        </p:txBody>
+      </p:sp>
+      <p:grpSp>
+        <p:nvGrpSpPr>
+          <p:cNvPr id="7" name="组合 6"/>
+          <p:cNvGrpSpPr/>
+          <p:nvPr/>
+        </p:nvGrpSpPr>
+        <p:grpSpPr>
+          <a:xfrm rot="19068014">
+            <a:off x="1556870" y="2221074"/>
+            <a:ext cx="1957812" cy="2144454"/>
+            <a:chOff x="10141891" y="-883067"/>
+            <a:chExt cx="2652736" cy="2905631"/>
+          </a:xfrm>
+        </p:grpSpPr>
+        <p:sp>
+          <p:nvSpPr>
+            <p:cNvPr id="8" name="矩形 7"/>
+            <p:cNvSpPr/>
+            <p:nvPr/>
+          </p:nvSpPr>
+          <p:spPr>
+            <a:xfrm>
+              <a:off x="12394716" y="133432"/>
+              <a:ext cx="399911" cy="492961"/>
+            </a:xfrm>
+            <a:prstGeom prst="rect">
+              <a:avLst/>
+            </a:prstGeom>
+            <a:noFill/>
+            <a:ln w="38100">
+              <a:solidFill>
+                <a:schemeClr val="accent3"/>
+              </a:solidFill>
+            </a:ln>
+          </p:spPr>
+          <p:style>
+            <a:lnRef idx="2">
+              <a:schemeClr val="accent1">
+                <a:shade val="50000"/>
+              </a:schemeClr>
+            </a:lnRef>
+            <a:fillRef idx="1">
+              <a:schemeClr val="accent1"/>
+            </a:fillRef>
+            <a:effectRef idx="0">
+              <a:schemeClr val="accent1"/>
+            </a:effectRef>
+            <a:fontRef idx="minor">
+              <a:schemeClr val="lt1"/>
+            </a:fontRef>
+          </p:style>
+          <p:txBody>
+            <a:bodyPr rtlCol="0" anchor="ctr"/>
+            <a:lstStyle/>
+            <a:p>
+              <a:pPr algn="ctr"/>
+              <a:endParaRPr lang="zh-CN" altLang="en-US" sz="1600"/>
+            </a:p>
+          </p:txBody>
+        </p:sp>
+        <p:sp>
+          <p:nvSpPr>
+            <p:cNvPr id="9" name="矩形 8"/>
+            <p:cNvSpPr/>
+            <p:nvPr/>
+          </p:nvSpPr>
+          <p:spPr>
+            <a:xfrm>
+              <a:off x="11945323" y="-178135"/>
+              <a:ext cx="492405" cy="492407"/>
+            </a:xfrm>
+            <a:prstGeom prst="rect">
+              <a:avLst/>
+            </a:prstGeom>
+            <a:noFill/>
+            <a:ln w="38100">
+              <a:solidFill>
+                <a:schemeClr val="tx2">
+                  <a:lumMod val="60000"/>
+                  <a:lumOff val="40000"/>
+                </a:schemeClr>
+              </a:solidFill>
+            </a:ln>
+          </p:spPr>
+          <p:style>
+            <a:lnRef idx="2">
+              <a:schemeClr val="accent1">
+                <a:shade val="50000"/>
+              </a:schemeClr>
+            </a:lnRef>
+            <a:fillRef idx="1">
+              <a:schemeClr val="accent1"/>
+            </a:fillRef>
+            <a:effectRef idx="0">
+              <a:schemeClr val="accent1"/>
+            </a:effectRef>
+            <a:fontRef idx="minor">
+              <a:schemeClr val="lt1"/>
+            </a:fontRef>
+          </p:style>
+          <p:txBody>
+            <a:bodyPr rtlCol="0" anchor="ctr"/>
+            <a:lstStyle/>
+            <a:p>
+              <a:pPr algn="ctr"/>
+              <a:endParaRPr lang="zh-CN" altLang="en-US" sz="1600"/>
+            </a:p>
+          </p:txBody>
+        </p:sp>
+        <p:sp>
+          <p:nvSpPr>
+            <p:cNvPr id="10" name="矩形 9"/>
+            <p:cNvSpPr/>
+            <p:nvPr/>
+          </p:nvSpPr>
+          <p:spPr>
+            <a:xfrm>
+              <a:off x="11181847" y="-197920"/>
+              <a:ext cx="492406" cy="492407"/>
+            </a:xfrm>
+            <a:prstGeom prst="rect">
+              <a:avLst/>
+            </a:prstGeom>
+            <a:noFill/>
+            <a:ln w="38100">
+              <a:solidFill>
+                <a:schemeClr val="accent4"/>
+              </a:solidFill>
+            </a:ln>
+          </p:spPr>
+          <p:style>
+            <a:lnRef idx="2">
+              <a:schemeClr val="accent1">
+                <a:shade val="50000"/>
+              </a:schemeClr>
+            </a:lnRef>
+            <a:fillRef idx="1">
+              <a:schemeClr val="accent1"/>
+            </a:fillRef>
+            <a:effectRef idx="0">
+              <a:schemeClr val="accent1"/>
+            </a:effectRef>
+            <a:fontRef idx="minor">
+              <a:schemeClr val="lt1"/>
+            </a:fontRef>
+          </p:style>
+          <p:txBody>
+            <a:bodyPr rtlCol="0" anchor="ctr"/>
+            <a:lstStyle/>
+            <a:p>
+              <a:pPr algn="ctr"/>
+              <a:endParaRPr lang="zh-CN" altLang="en-US" sz="1600"/>
+            </a:p>
+          </p:txBody>
+        </p:sp>
+        <p:sp>
+          <p:nvSpPr>
+            <p:cNvPr id="11" name="矩形 10"/>
+            <p:cNvSpPr/>
+            <p:nvPr/>
+          </p:nvSpPr>
+          <p:spPr>
+            <a:xfrm>
+              <a:off x="11775612" y="-883067"/>
+              <a:ext cx="492407" cy="492407"/>
+            </a:xfrm>
+            <a:prstGeom prst="rect">
+              <a:avLst/>
+            </a:prstGeom>
+            <a:noFill/>
+            <a:ln w="38100">
+              <a:solidFill>
+                <a:schemeClr val="accent6"/>
+              </a:solidFill>
+            </a:ln>
+          </p:spPr>
+          <p:style>
+            <a:lnRef idx="2">
+              <a:schemeClr val="accent1">
+                <a:shade val="50000"/>
+              </a:schemeClr>
+            </a:lnRef>
+            <a:fillRef idx="1">
+              <a:schemeClr val="accent1"/>
+            </a:fillRef>
+            <a:effectRef idx="0">
+              <a:schemeClr val="accent1"/>
+            </a:effectRef>
+            <a:fontRef idx="minor">
+              <a:schemeClr val="lt1"/>
+            </a:fontRef>
+          </p:style>
+          <p:txBody>
+            <a:bodyPr rtlCol="0" anchor="ctr"/>
+            <a:lstStyle/>
+            <a:p>
+              <a:pPr algn="ctr"/>
+              <a:endParaRPr lang="zh-CN" altLang="en-US" sz="1600" dirty="0"/>
+            </a:p>
+          </p:txBody>
+        </p:sp>
+        <p:sp>
+          <p:nvSpPr>
+            <p:cNvPr id="12" name="矩形 11"/>
+            <p:cNvSpPr/>
+            <p:nvPr/>
+          </p:nvSpPr>
+          <p:spPr>
+            <a:xfrm>
+              <a:off x="11343074" y="734042"/>
+              <a:ext cx="492406" cy="492407"/>
+            </a:xfrm>
+            <a:prstGeom prst="rect">
+              <a:avLst/>
+            </a:prstGeom>
+            <a:noFill/>
+            <a:ln w="38100">
+              <a:solidFill>
+                <a:schemeClr val="accent4"/>
+              </a:solidFill>
+            </a:ln>
+          </p:spPr>
+          <p:style>
+            <a:lnRef idx="2">
+              <a:schemeClr val="accent1">
+                <a:shade val="50000"/>
+              </a:schemeClr>
+            </a:lnRef>
+            <a:fillRef idx="1">
+              <a:schemeClr val="accent1"/>
+            </a:fillRef>
+            <a:effectRef idx="0">
+              <a:schemeClr val="accent1"/>
+            </a:effectRef>
+            <a:fontRef idx="minor">
+              <a:schemeClr val="lt1"/>
+            </a:fontRef>
+          </p:style>
+          <p:txBody>
+            <a:bodyPr rtlCol="0" anchor="ctr"/>
+            <a:lstStyle/>
+            <a:p>
+              <a:pPr algn="ctr"/>
+              <a:endParaRPr lang="zh-CN" altLang="en-US" sz="1600"/>
+            </a:p>
+          </p:txBody>
+        </p:sp>
+        <p:sp>
+          <p:nvSpPr>
+            <p:cNvPr id="13" name="矩形 12"/>
+            <p:cNvSpPr/>
+            <p:nvPr/>
+          </p:nvSpPr>
+          <p:spPr>
+            <a:xfrm>
+              <a:off x="10828124" y="303104"/>
+              <a:ext cx="492406" cy="492407"/>
+            </a:xfrm>
+            <a:prstGeom prst="rect">
+              <a:avLst/>
+            </a:prstGeom>
+            <a:noFill/>
+            <a:ln w="38100">
+              <a:solidFill>
+                <a:schemeClr val="accent6"/>
+              </a:solidFill>
+            </a:ln>
+          </p:spPr>
+          <p:style>
+            <a:lnRef idx="2">
+              <a:schemeClr val="accent1">
+                <a:shade val="50000"/>
+              </a:schemeClr>
+            </a:lnRef>
+            <a:fillRef idx="1">
+              <a:schemeClr val="accent1"/>
+            </a:fillRef>
+            <a:effectRef idx="0">
+              <a:schemeClr val="accent1"/>
+            </a:effectRef>
+            <a:fontRef idx="minor">
+              <a:schemeClr val="lt1"/>
+            </a:fontRef>
+          </p:style>
+          <p:txBody>
+            <a:bodyPr rtlCol="0" anchor="ctr"/>
+            <a:lstStyle/>
+            <a:p>
+              <a:pPr algn="ctr"/>
+              <a:endParaRPr lang="zh-CN" altLang="en-US" sz="1600"/>
+            </a:p>
+          </p:txBody>
+        </p:sp>
+        <p:sp>
+          <p:nvSpPr>
+            <p:cNvPr id="14" name="矩形 13"/>
+            <p:cNvSpPr/>
+            <p:nvPr/>
+          </p:nvSpPr>
+          <p:spPr>
+            <a:xfrm>
+              <a:off x="10141891" y="949004"/>
+              <a:ext cx="492408" cy="492407"/>
+            </a:xfrm>
+            <a:prstGeom prst="rect">
+              <a:avLst/>
+            </a:prstGeom>
+            <a:noFill/>
+            <a:ln w="38100">
+              <a:solidFill>
+                <a:schemeClr val="accent3"/>
+              </a:solidFill>
+            </a:ln>
+          </p:spPr>
+          <p:style>
+            <a:lnRef idx="2">
+              <a:schemeClr val="accent1">
+                <a:shade val="50000"/>
+              </a:schemeClr>
+            </a:lnRef>
+            <a:fillRef idx="1">
+              <a:schemeClr val="accent1"/>
+            </a:fillRef>
+            <a:effectRef idx="0">
+              <a:schemeClr val="accent1"/>
+            </a:effectRef>
+            <a:fontRef idx="minor">
+              <a:schemeClr val="lt1"/>
+            </a:fontRef>
+          </p:style>
+          <p:txBody>
+            <a:bodyPr rtlCol="0" anchor="ctr"/>
+            <a:lstStyle/>
+            <a:p>
+              <a:pPr algn="ctr"/>
+              <a:endParaRPr lang="zh-CN" altLang="en-US" sz="1600"/>
+            </a:p>
+          </p:txBody>
+        </p:sp>
+        <p:sp>
+          <p:nvSpPr>
+            <p:cNvPr id="18" name="矩形 17"/>
+            <p:cNvSpPr/>
+            <p:nvPr/>
+          </p:nvSpPr>
+          <p:spPr>
+            <a:xfrm>
+              <a:off x="10675266" y="1483202"/>
+              <a:ext cx="492408" cy="492407"/>
+            </a:xfrm>
+            <a:prstGeom prst="rect">
+              <a:avLst/>
+            </a:prstGeom>
+            <a:noFill/>
+            <a:ln w="38100">
+              <a:solidFill>
+                <a:schemeClr val="accent6"/>
+              </a:solidFill>
+            </a:ln>
+          </p:spPr>
+          <p:style>
+            <a:lnRef idx="2">
+              <a:schemeClr val="accent1">
+                <a:shade val="50000"/>
+              </a:schemeClr>
+            </a:lnRef>
+            <a:fillRef idx="1">
+              <a:schemeClr val="accent1"/>
+            </a:fillRef>
+            <a:effectRef idx="0">
+              <a:schemeClr val="accent1"/>
+            </a:effectRef>
+            <a:fontRef idx="minor">
+              <a:schemeClr val="lt1"/>
+            </a:fontRef>
+          </p:style>
+          <p:txBody>
+            <a:bodyPr rtlCol="0" anchor="ctr"/>
+            <a:lstStyle/>
+            <a:p>
+              <a:pPr algn="ctr"/>
+              <a:endParaRPr lang="zh-CN" altLang="en-US" sz="1600"/>
+            </a:p>
+          </p:txBody>
+        </p:sp>
+        <p:sp>
+          <p:nvSpPr>
+            <p:cNvPr id="19" name="矩形 18"/>
+            <p:cNvSpPr/>
+            <p:nvPr/>
+          </p:nvSpPr>
+          <p:spPr>
+            <a:xfrm>
+              <a:off x="11382154" y="1530157"/>
+              <a:ext cx="492408" cy="492407"/>
+            </a:xfrm>
+            <a:prstGeom prst="rect">
+              <a:avLst/>
+            </a:prstGeom>
+            <a:noFill/>
+            <a:ln w="38100">
+              <a:solidFill>
+                <a:schemeClr val="accent3"/>
+              </a:solidFill>
+            </a:ln>
+          </p:spPr>
+          <p:style>
+            <a:lnRef idx="2">
+              <a:schemeClr val="accent1">
+                <a:shade val="50000"/>
+              </a:schemeClr>
+            </a:lnRef>
+            <a:fillRef idx="1">
+              <a:schemeClr val="accent1"/>
+            </a:fillRef>
+            <a:effectRef idx="0">
+              <a:schemeClr val="accent1"/>
+            </a:effectRef>
+            <a:fontRef idx="minor">
+              <a:schemeClr val="lt1"/>
+            </a:fontRef>
+          </p:style>
+          <p:txBody>
+            <a:bodyPr rtlCol="0" anchor="ctr"/>
+            <a:lstStyle/>
+            <a:p>
+              <a:pPr algn="ctr"/>
+              <a:endParaRPr lang="zh-CN" altLang="en-US" sz="1600"/>
+            </a:p>
+          </p:txBody>
+        </p:sp>
+      </p:grpSp>
+      <p:sp>
+        <p:nvSpPr>
+          <p:cNvPr id="15" name="矩形 14"/>
+          <p:cNvSpPr/>
+          <p:nvPr/>
+        </p:nvSpPr>
+        <p:spPr>
+          <a:xfrm rot="19068014">
+            <a:off x="2141973" y="2502488"/>
+            <a:ext cx="356825" cy="292096"/>
+          </a:xfrm>
+          <a:prstGeom prst="rect">
+            <a:avLst/>
+          </a:prstGeom>
+          <a:noFill/>
+          <a:ln w="38100">
+            <a:solidFill>
+              <a:srgbClr val="00B0F0"/>
+            </a:solidFill>
+          </a:ln>
+        </p:spPr>
+        <p:style>
+          <a:lnRef idx="2">
+            <a:schemeClr val="accent1">
+              <a:shade val="50000"/>
+            </a:schemeClr>
+          </a:lnRef>
+          <a:fillRef idx="1">
+            <a:schemeClr val="accent1"/>
+          </a:fillRef>
+          <a:effectRef idx="0">
+            <a:schemeClr val="accent1"/>
+          </a:effectRef>
+          <a:fontRef idx="minor">
+            <a:schemeClr val="lt1"/>
+          </a:fontRef>
+        </p:style>
+        <p:txBody>
+          <a:bodyPr rtlCol="0" anchor="ctr"/>
+          <a:lstStyle/>
+          <a:p>
+            <a:pPr algn="ctr"/>
+            <a:endParaRPr lang="zh-CN" altLang="en-US" sz="1600" dirty="0"/>
+          </a:p>
+        </p:txBody>
+      </p:sp>
+    </p:spTree>
+    <p:extLst>
+      <p:ext uri="{BB962C8B-B14F-4D97-AF65-F5344CB8AC3E}">
+        <p14:creationId xmlns:p14="http://schemas.microsoft.com/office/powerpoint/2010/main" val="1173049138"/>
+      </p:ext>
+    </p:extLst>
+  </p:cSld>
+  <p:clrMapOvr>
+    <a:masterClrMapping/>
+  </p:clrMapOvr>
+  <p:transition spd="slow">
+    <p:wipe/>
+  </p:transition>
+</p:sld>
+</file>
+
+<file path=ppt/slides/slide9.xml><?xml version="1.0" encoding="utf-8"?>
+<p:sld xmlns:a="http://schemas.openxmlformats.org/drawingml/2006/main" xmlns:r="http://schemas.openxmlformats.org/officeDocument/2006/relationships" xmlns:p="http://schemas.openxmlformats.org/presentationml/2006/main">
+  <p:cSld>
+    <p:spTree>
+      <p:nvGrpSpPr>
+        <p:cNvPr id="1" name=""/>
+        <p:cNvGrpSpPr/>
+        <p:nvPr/>
+      </p:nvGrpSpPr>
+      <p:grpSpPr>
+        <a:xfrm>
+          <a:off x="0" y="0"/>
+          <a:ext cx="0" cy="0"/>
+          <a:chOff x="0" y="0"/>
+          <a:chExt cx="0" cy="0"/>
+        </a:xfrm>
+      </p:grpSpPr>
+      <p:grpSp>
+        <p:nvGrpSpPr>
+          <p:cNvPr id="11" name="组合 10"/>
+          <p:cNvGrpSpPr/>
+          <p:nvPr/>
+        </p:nvGrpSpPr>
+        <p:grpSpPr>
+          <a:xfrm>
+            <a:off x="11063181" y="0"/>
+            <a:ext cx="1128819" cy="1057472"/>
+            <a:chOff x="11063181" y="0"/>
+            <a:chExt cx="1128819" cy="1057472"/>
+          </a:xfrm>
+        </p:grpSpPr>
+        <p:sp>
+          <p:nvSpPr>
+            <p:cNvPr id="12" name="矩形 11"/>
+            <p:cNvSpPr/>
+            <p:nvPr/>
+          </p:nvSpPr>
+          <p:spPr>
+            <a:xfrm>
+              <a:off x="11381387" y="246204"/>
+              <a:ext cx="492407" cy="492407"/>
+            </a:xfrm>
+            <a:prstGeom prst="rect">
+              <a:avLst/>
+            </a:prstGeom>
+            <a:noFill/>
+            <a:ln w="38100">
+              <a:solidFill>
+                <a:srgbClr val="DA2B89"/>
+              </a:solidFill>
+            </a:ln>
+          </p:spPr>
+          <p:style>
+            <a:lnRef idx="2">
+              <a:schemeClr val="accent1">
+                <a:shade val="50000"/>
+              </a:schemeClr>
+            </a:lnRef>
+            <a:fillRef idx="1">
+              <a:schemeClr val="accent1"/>
+            </a:fillRef>
+            <a:effectRef idx="0">
+              <a:schemeClr val="accent1"/>
+            </a:effectRef>
+            <a:fontRef idx="minor">
+              <a:schemeClr val="lt1"/>
+            </a:fontRef>
+          </p:style>
+          <p:txBody>
+            <a:bodyPr rtlCol="0" anchor="ctr"/>
+            <a:lstStyle/>
+            <a:p>
+              <a:pPr algn="ctr"/>
+              <a:endParaRPr lang="zh-CN" altLang="en-US"/>
+            </a:p>
+          </p:txBody>
+        </p:sp>
+        <p:sp>
+          <p:nvSpPr>
+            <p:cNvPr id="13" name="矩形 12"/>
+            <p:cNvSpPr/>
+            <p:nvPr/>
+          </p:nvSpPr>
+          <p:spPr>
+            <a:xfrm>
+              <a:off x="11699593" y="0"/>
+              <a:ext cx="492407" cy="492407"/>
+            </a:xfrm>
+            <a:prstGeom prst="rect">
+              <a:avLst/>
+            </a:prstGeom>
+            <a:noFill/>
+            <a:ln w="38100">
+              <a:solidFill>
+                <a:schemeClr val="tx2">
+                  <a:lumMod val="60000"/>
+                  <a:lumOff val="40000"/>
+                </a:schemeClr>
+              </a:solidFill>
+            </a:ln>
+          </p:spPr>
+          <p:style>
+            <a:lnRef idx="2">
+              <a:schemeClr val="accent1">
+                <a:shade val="50000"/>
+              </a:schemeClr>
+            </a:lnRef>
+            <a:fillRef idx="1">
+              <a:schemeClr val="accent1"/>
+            </a:fillRef>
+            <a:effectRef idx="0">
+              <a:schemeClr val="accent1"/>
+            </a:effectRef>
+            <a:fontRef idx="minor">
+              <a:schemeClr val="lt1"/>
+            </a:fontRef>
+          </p:style>
+          <p:txBody>
+            <a:bodyPr rtlCol="0" anchor="ctr"/>
+            <a:lstStyle/>
+            <a:p>
+              <a:pPr algn="ctr"/>
+              <a:endParaRPr lang="zh-CN" altLang="en-US"/>
+            </a:p>
+          </p:txBody>
+        </p:sp>
+        <p:sp>
+          <p:nvSpPr>
+            <p:cNvPr id="14" name="矩形 13"/>
+            <p:cNvSpPr/>
+            <p:nvPr/>
+          </p:nvSpPr>
+          <p:spPr>
+            <a:xfrm>
+              <a:off x="11063181" y="565065"/>
+              <a:ext cx="492407" cy="492407"/>
+            </a:xfrm>
+            <a:prstGeom prst="rect">
+              <a:avLst/>
+            </a:prstGeom>
+            <a:noFill/>
+            <a:ln w="38100">
+              <a:solidFill>
+                <a:schemeClr val="accent6"/>
+              </a:solidFill>
+            </a:ln>
+          </p:spPr>
+          <p:style>
+            <a:lnRef idx="2">
+              <a:schemeClr val="accent1">
+                <a:shade val="50000"/>
+              </a:schemeClr>
+            </a:lnRef>
+            <a:fillRef idx="1">
+              <a:schemeClr val="accent1"/>
+            </a:fillRef>
+            <a:effectRef idx="0">
+              <a:schemeClr val="accent1"/>
+            </a:effectRef>
+            <a:fontRef idx="minor">
+              <a:schemeClr val="lt1"/>
+            </a:fontRef>
+          </p:style>
+          <p:txBody>
+            <a:bodyPr rtlCol="0" anchor="ctr"/>
+            <a:lstStyle/>
+            <a:p>
+              <a:pPr algn="ctr"/>
+              <a:endParaRPr lang="zh-CN" altLang="en-US"/>
+            </a:p>
+          </p:txBody>
+        </p:sp>
+      </p:grpSp>
+      <p:sp>
+        <p:nvSpPr>
+          <p:cNvPr id="17" name="文本框 16"/>
+          <p:cNvSpPr txBox="1"/>
+          <p:nvPr/>
+        </p:nvSpPr>
+        <p:spPr>
+          <a:xfrm>
+            <a:off x="2579587" y="349586"/>
+            <a:ext cx="6302207" cy="707886"/>
+          </a:xfrm>
+          <a:prstGeom prst="rect">
+            <a:avLst/>
+          </a:prstGeom>
+          <a:noFill/>
+        </p:spPr>
+        <p:txBody>
+          <a:bodyPr wrap="square" rtlCol="0">
+            <a:spAutoFit/>
+          </a:bodyPr>
+          <a:lstStyle/>
+          <a:p>
+            <a:r>
+              <a:rPr lang="zh-CN" altLang="en-US" sz="4000" b="1" dirty="0" smtClean="0">
+                <a:solidFill>
+                  <a:schemeClr val="bg1"/>
+                </a:solidFill>
+              </a:rPr>
+              <a:t>类图</a:t>
+            </a:r>
+            <a:endParaRPr lang="zh-CN" altLang="en-US" sz="4000" b="1" dirty="0">
+              <a:solidFill>
+                <a:schemeClr val="bg1"/>
+              </a:solidFill>
+            </a:endParaRPr>
+          </a:p>
+        </p:txBody>
+      </p:sp>
+      <p:pic>
+        <p:nvPicPr>
+          <p:cNvPr id="2" name="图片 1"/>
+          <p:cNvPicPr>
+            <a:picLocks noChangeAspect="1"/>
+          </p:cNvPicPr>
+          <p:nvPr/>
+        </p:nvPicPr>
+        <p:blipFill>
+          <a:blip r:embed="rId2">
+            <a:extLst>
+              <a:ext uri="{28A0092B-C50C-407E-A947-70E740481C1C}">
+                <a14:useLocalDpi xmlns:a14="http://schemas.microsoft.com/office/drawing/2010/main" val="0"/>
+              </a:ext>
+            </a:extLst>
+          </a:blip>
+          <a:stretch>
+            <a:fillRect/>
+          </a:stretch>
+        </p:blipFill>
+        <p:spPr>
+          <a:xfrm>
+            <a:off x="2148608" y="1057472"/>
+            <a:ext cx="7397173" cy="5525098"/>
+          </a:xfrm>
+          <a:prstGeom prst="rect">
+            <a:avLst/>
+          </a:prstGeom>
+        </p:spPr>
+      </p:pic>
+    </p:spTree>
+    <p:extLst>
+      <p:ext uri="{BB962C8B-B14F-4D97-AF65-F5344CB8AC3E}">
+        <p14:creationId xmlns:p14="http://schemas.microsoft.com/office/powerpoint/2010/main" val="1317993414"/>
       </p:ext>
     </p:extLst>
   </p:cSld>

--- a/应用建模.pptx
+++ b/应用建模.pptx
@@ -5,16 +5,17 @@
     <p:sldMasterId id="2147483648" r:id="rId1"/>
   </p:sldMasterIdLst>
   <p:notesMasterIdLst>
-    <p:notesMasterId r:id="rId9"/>
+    <p:notesMasterId r:id="rId10"/>
   </p:notesMasterIdLst>
   <p:sldIdLst>
     <p:sldId id="259" r:id="rId2"/>
     <p:sldId id="264" r:id="rId3"/>
     <p:sldId id="265" r:id="rId4"/>
-    <p:sldId id="261" r:id="rId5"/>
-    <p:sldId id="260" r:id="rId6"/>
-    <p:sldId id="262" r:id="rId7"/>
-    <p:sldId id="263" r:id="rId8"/>
+    <p:sldId id="266" r:id="rId5"/>
+    <p:sldId id="261" r:id="rId6"/>
+    <p:sldId id="260" r:id="rId7"/>
+    <p:sldId id="262" r:id="rId8"/>
+    <p:sldId id="263" r:id="rId9"/>
   </p:sldIdLst>
   <p:sldSz cx="12192000" cy="6858000"/>
   <p:notesSz cx="6858000" cy="9144000"/>
@@ -207,7 +208,7 @@
           <a:p>
             <a:fld id="{3383C6DD-352C-F94D-B6C8-CDC8725E5883}" type="datetimeFigureOut">
               <a:rPr kumimoji="1" lang="zh-CN" altLang="en-US" smtClean="0"/>
-              <a:t>17/5/22</a:t>
+              <a:t>2017/5/22</a:t>
             </a:fld>
             <a:endParaRPr kumimoji="1" lang="zh-CN" altLang="en-US"/>
           </a:p>
@@ -604,7 +605,7 @@
           <a:p>
             <a:fld id="{56E99B56-AAE7-4929-920B-80E2E1C0FFA9}" type="datetimeFigureOut">
               <a:rPr lang="zh-CN" altLang="en-US" smtClean="0"/>
-              <a:t>17/5/22</a:t>
+              <a:t>2017/5/22</a:t>
             </a:fld>
             <a:endParaRPr lang="zh-CN" altLang="en-US"/>
           </a:p>
@@ -772,7 +773,7 @@
           <a:p>
             <a:fld id="{56E99B56-AAE7-4929-920B-80E2E1C0FFA9}" type="datetimeFigureOut">
               <a:rPr lang="zh-CN" altLang="en-US" smtClean="0"/>
-              <a:t>17/5/22</a:t>
+              <a:t>2017/5/22</a:t>
             </a:fld>
             <a:endParaRPr lang="zh-CN" altLang="en-US"/>
           </a:p>
@@ -950,7 +951,7 @@
           <a:p>
             <a:fld id="{56E99B56-AAE7-4929-920B-80E2E1C0FFA9}" type="datetimeFigureOut">
               <a:rPr lang="zh-CN" altLang="en-US" smtClean="0"/>
-              <a:t>17/5/22</a:t>
+              <a:t>2017/5/22</a:t>
             </a:fld>
             <a:endParaRPr lang="zh-CN" altLang="en-US"/>
           </a:p>
@@ -1045,7 +1046,7 @@
           <a:p>
             <a:fld id="{171BBD79-73BD-4FCC-A131-912D061EF751}" type="datetimeFigureOut">
               <a:rPr lang="zh-CN" altLang="en-US" smtClean="0"/>
-              <a:t>17/5/22</a:t>
+              <a:t>2017/5/22</a:t>
             </a:fld>
             <a:endParaRPr lang="zh-CN" altLang="en-US"/>
           </a:p>
@@ -1310,7 +1311,7 @@
           <a:p>
             <a:fld id="{56E99B56-AAE7-4929-920B-80E2E1C0FFA9}" type="datetimeFigureOut">
               <a:rPr lang="zh-CN" altLang="en-US" smtClean="0"/>
-              <a:t>17/5/22</a:t>
+              <a:t>2017/5/22</a:t>
             </a:fld>
             <a:endParaRPr lang="zh-CN" altLang="en-US"/>
           </a:p>
@@ -1555,7 +1556,7 @@
           <a:p>
             <a:fld id="{56E99B56-AAE7-4929-920B-80E2E1C0FFA9}" type="datetimeFigureOut">
               <a:rPr lang="zh-CN" altLang="en-US" smtClean="0"/>
-              <a:t>17/5/22</a:t>
+              <a:t>2017/5/22</a:t>
             </a:fld>
             <a:endParaRPr lang="zh-CN" altLang="en-US"/>
           </a:p>
@@ -1784,7 +1785,7 @@
           <a:p>
             <a:fld id="{56E99B56-AAE7-4929-920B-80E2E1C0FFA9}" type="datetimeFigureOut">
               <a:rPr lang="zh-CN" altLang="en-US" smtClean="0"/>
-              <a:t>17/5/22</a:t>
+              <a:t>2017/5/22</a:t>
             </a:fld>
             <a:endParaRPr lang="zh-CN" altLang="en-US"/>
           </a:p>
@@ -2148,7 +2149,7 @@
           <a:p>
             <a:fld id="{56E99B56-AAE7-4929-920B-80E2E1C0FFA9}" type="datetimeFigureOut">
               <a:rPr lang="zh-CN" altLang="en-US" smtClean="0"/>
-              <a:t>17/5/22</a:t>
+              <a:t>2017/5/22</a:t>
             </a:fld>
             <a:endParaRPr lang="zh-CN" altLang="en-US"/>
           </a:p>
@@ -2265,7 +2266,7 @@
           <a:p>
             <a:fld id="{56E99B56-AAE7-4929-920B-80E2E1C0FFA9}" type="datetimeFigureOut">
               <a:rPr lang="zh-CN" altLang="en-US" smtClean="0"/>
-              <a:t>17/5/22</a:t>
+              <a:t>2017/5/22</a:t>
             </a:fld>
             <a:endParaRPr lang="zh-CN" altLang="en-US"/>
           </a:p>
@@ -2360,7 +2361,7 @@
           <a:p>
             <a:fld id="{56E99B56-AAE7-4929-920B-80E2E1C0FFA9}" type="datetimeFigureOut">
               <a:rPr lang="zh-CN" altLang="en-US" smtClean="0"/>
-              <a:t>17/5/22</a:t>
+              <a:t>2017/5/22</a:t>
             </a:fld>
             <a:endParaRPr lang="zh-CN" altLang="en-US"/>
           </a:p>
@@ -2635,7 +2636,7 @@
           <a:p>
             <a:fld id="{56E99B56-AAE7-4929-920B-80E2E1C0FFA9}" type="datetimeFigureOut">
               <a:rPr lang="zh-CN" altLang="en-US" smtClean="0"/>
-              <a:t>17/5/22</a:t>
+              <a:t>2017/5/22</a:t>
             </a:fld>
             <a:endParaRPr lang="zh-CN" altLang="en-US"/>
           </a:p>
@@ -2887,7 +2888,7 @@
           <a:p>
             <a:fld id="{56E99B56-AAE7-4929-920B-80E2E1C0FFA9}" type="datetimeFigureOut">
               <a:rPr lang="zh-CN" altLang="en-US" smtClean="0"/>
-              <a:t>17/5/22</a:t>
+              <a:t>2017/5/22</a:t>
             </a:fld>
             <a:endParaRPr lang="zh-CN" altLang="en-US"/>
           </a:p>
@@ -3098,7 +3099,7 @@
           <a:p>
             <a:fld id="{56E99B56-AAE7-4929-920B-80E2E1C0FFA9}" type="datetimeFigureOut">
               <a:rPr lang="zh-CN" altLang="en-US" smtClean="0"/>
-              <a:t>17/5/22</a:t>
+              <a:t>2017/5/22</a:t>
             </a:fld>
             <a:endParaRPr lang="zh-CN" altLang="en-US"/>
           </a:p>
@@ -4281,12 +4282,12 @@
           </a:p>
           <a:p>
             <a:r>
-              <a:rPr lang="zh-CN" altLang="en-US" sz="6600" b="1" dirty="0" smtClean="0">
+              <a:rPr lang="zh-CN" altLang="en-US" sz="6600" b="1" smtClean="0">
                 <a:solidFill>
                   <a:schemeClr val="bg1"/>
                 </a:solidFill>
               </a:rPr>
-              <a:t>类图</a:t>
+              <a:t>类图及状态图</a:t>
             </a:r>
             <a:endParaRPr lang="zh-CN" altLang="en-US" sz="6600" b="1" dirty="0">
               <a:solidFill>
@@ -5078,6 +5079,271 @@
           <a:chExt cx="0" cy="0"/>
         </a:xfrm>
       </p:grpSpPr>
+      <p:grpSp>
+        <p:nvGrpSpPr>
+          <p:cNvPr id="11" name="组合 10"/>
+          <p:cNvGrpSpPr/>
+          <p:nvPr/>
+        </p:nvGrpSpPr>
+        <p:grpSpPr>
+          <a:xfrm>
+            <a:off x="11063181" y="0"/>
+            <a:ext cx="1128819" cy="1057472"/>
+            <a:chOff x="11063181" y="0"/>
+            <a:chExt cx="1128819" cy="1057472"/>
+          </a:xfrm>
+        </p:grpSpPr>
+        <p:sp>
+          <p:nvSpPr>
+            <p:cNvPr id="12" name="矩形 11"/>
+            <p:cNvSpPr/>
+            <p:nvPr/>
+          </p:nvSpPr>
+          <p:spPr>
+            <a:xfrm>
+              <a:off x="11381387" y="246204"/>
+              <a:ext cx="492407" cy="492407"/>
+            </a:xfrm>
+            <a:prstGeom prst="rect">
+              <a:avLst/>
+            </a:prstGeom>
+            <a:noFill/>
+            <a:ln w="38100">
+              <a:solidFill>
+                <a:srgbClr val="DA2B89"/>
+              </a:solidFill>
+            </a:ln>
+          </p:spPr>
+          <p:style>
+            <a:lnRef idx="2">
+              <a:schemeClr val="accent1">
+                <a:shade val="50000"/>
+              </a:schemeClr>
+            </a:lnRef>
+            <a:fillRef idx="1">
+              <a:schemeClr val="accent1"/>
+            </a:fillRef>
+            <a:effectRef idx="0">
+              <a:schemeClr val="accent1"/>
+            </a:effectRef>
+            <a:fontRef idx="minor">
+              <a:schemeClr val="lt1"/>
+            </a:fontRef>
+          </p:style>
+          <p:txBody>
+            <a:bodyPr rtlCol="0" anchor="ctr"/>
+            <a:lstStyle/>
+            <a:p>
+              <a:pPr algn="ctr"/>
+              <a:endParaRPr lang="zh-CN" altLang="en-US"/>
+            </a:p>
+          </p:txBody>
+        </p:sp>
+        <p:sp>
+          <p:nvSpPr>
+            <p:cNvPr id="13" name="矩形 12"/>
+            <p:cNvSpPr/>
+            <p:nvPr/>
+          </p:nvSpPr>
+          <p:spPr>
+            <a:xfrm>
+              <a:off x="11699593" y="0"/>
+              <a:ext cx="492407" cy="492407"/>
+            </a:xfrm>
+            <a:prstGeom prst="rect">
+              <a:avLst/>
+            </a:prstGeom>
+            <a:noFill/>
+            <a:ln w="38100">
+              <a:solidFill>
+                <a:schemeClr val="tx2">
+                  <a:lumMod val="60000"/>
+                  <a:lumOff val="40000"/>
+                </a:schemeClr>
+              </a:solidFill>
+            </a:ln>
+          </p:spPr>
+          <p:style>
+            <a:lnRef idx="2">
+              <a:schemeClr val="accent1">
+                <a:shade val="50000"/>
+              </a:schemeClr>
+            </a:lnRef>
+            <a:fillRef idx="1">
+              <a:schemeClr val="accent1"/>
+            </a:fillRef>
+            <a:effectRef idx="0">
+              <a:schemeClr val="accent1"/>
+            </a:effectRef>
+            <a:fontRef idx="minor">
+              <a:schemeClr val="lt1"/>
+            </a:fontRef>
+          </p:style>
+          <p:txBody>
+            <a:bodyPr rtlCol="0" anchor="ctr"/>
+            <a:lstStyle/>
+            <a:p>
+              <a:pPr algn="ctr"/>
+              <a:endParaRPr lang="zh-CN" altLang="en-US"/>
+            </a:p>
+          </p:txBody>
+        </p:sp>
+        <p:sp>
+          <p:nvSpPr>
+            <p:cNvPr id="14" name="矩形 13"/>
+            <p:cNvSpPr/>
+            <p:nvPr/>
+          </p:nvSpPr>
+          <p:spPr>
+            <a:xfrm>
+              <a:off x="11063181" y="565065"/>
+              <a:ext cx="492407" cy="492407"/>
+            </a:xfrm>
+            <a:prstGeom prst="rect">
+              <a:avLst/>
+            </a:prstGeom>
+            <a:noFill/>
+            <a:ln w="38100">
+              <a:solidFill>
+                <a:schemeClr val="accent6"/>
+              </a:solidFill>
+            </a:ln>
+          </p:spPr>
+          <p:style>
+            <a:lnRef idx="2">
+              <a:schemeClr val="accent1">
+                <a:shade val="50000"/>
+              </a:schemeClr>
+            </a:lnRef>
+            <a:fillRef idx="1">
+              <a:schemeClr val="accent1"/>
+            </a:fillRef>
+            <a:effectRef idx="0">
+              <a:schemeClr val="accent1"/>
+            </a:effectRef>
+            <a:fontRef idx="minor">
+              <a:schemeClr val="lt1"/>
+            </a:fontRef>
+          </p:style>
+          <p:txBody>
+            <a:bodyPr rtlCol="0" anchor="ctr"/>
+            <a:lstStyle/>
+            <a:p>
+              <a:pPr algn="ctr"/>
+              <a:endParaRPr lang="zh-CN" altLang="en-US"/>
+            </a:p>
+          </p:txBody>
+        </p:sp>
+      </p:grpSp>
+      <p:sp>
+        <p:nvSpPr>
+          <p:cNvPr id="17" name="文本框 16"/>
+          <p:cNvSpPr txBox="1"/>
+          <p:nvPr/>
+        </p:nvSpPr>
+        <p:spPr>
+          <a:xfrm>
+            <a:off x="2579587" y="349586"/>
+            <a:ext cx="6302207" cy="707886"/>
+          </a:xfrm>
+          <a:prstGeom prst="rect">
+            <a:avLst/>
+          </a:prstGeom>
+          <a:noFill/>
+        </p:spPr>
+        <p:txBody>
+          <a:bodyPr wrap="square" rtlCol="0">
+            <a:spAutoFit/>
+          </a:bodyPr>
+          <a:lstStyle/>
+          <a:p>
+            <a:r>
+              <a:rPr lang="en-US" altLang="zh-CN" sz="4000" b="1" dirty="0" smtClean="0">
+                <a:solidFill>
+                  <a:schemeClr val="bg1"/>
+                </a:solidFill>
+              </a:rPr>
+              <a:t>User</a:t>
+            </a:r>
+            <a:r>
+              <a:rPr lang="zh-CN" altLang="en-US" sz="4000" b="1" dirty="0" smtClean="0">
+                <a:solidFill>
+                  <a:schemeClr val="bg1"/>
+                </a:solidFill>
+              </a:rPr>
+              <a:t>状态图</a:t>
+            </a:r>
+            <a:endParaRPr lang="zh-CN" altLang="en-US" sz="4000" b="1" dirty="0">
+              <a:solidFill>
+                <a:schemeClr val="bg1"/>
+              </a:solidFill>
+            </a:endParaRPr>
+          </a:p>
+        </p:txBody>
+      </p:sp>
+      <p:pic>
+        <p:nvPicPr>
+          <p:cNvPr id="3" name="图片 2"/>
+          <p:cNvPicPr>
+            <a:picLocks noChangeAspect="1"/>
+          </p:cNvPicPr>
+          <p:nvPr/>
+        </p:nvPicPr>
+        <p:blipFill>
+          <a:blip r:embed="rId2">
+            <a:extLst>
+              <a:ext uri="{28A0092B-C50C-407E-A947-70E740481C1C}">
+                <a14:useLocalDpi xmlns:a14="http://schemas.microsoft.com/office/drawing/2010/main" val="0"/>
+              </a:ext>
+            </a:extLst>
+          </a:blip>
+          <a:stretch>
+            <a:fillRect/>
+          </a:stretch>
+        </p:blipFill>
+        <p:spPr>
+          <a:xfrm>
+            <a:off x="2087562" y="1252537"/>
+            <a:ext cx="7534275" cy="5038725"/>
+          </a:xfrm>
+          <a:prstGeom prst="rect">
+            <a:avLst/>
+          </a:prstGeom>
+        </p:spPr>
+      </p:pic>
+    </p:spTree>
+    <p:extLst>
+      <p:ext uri="{BB962C8B-B14F-4D97-AF65-F5344CB8AC3E}">
+        <p14:creationId xmlns:p14="http://schemas.microsoft.com/office/powerpoint/2010/main" val="3329588149"/>
+      </p:ext>
+    </p:extLst>
+  </p:cSld>
+  <p:clrMapOvr>
+    <a:masterClrMapping/>
+  </p:clrMapOvr>
+  <p:transition spd="slow">
+    <p:wipe/>
+  </p:transition>
+</p:sld>
+</file>
+
+<file path=ppt/slides/slide5.xml><?xml version="1.0" encoding="utf-8"?>
+<p:sld xmlns:a="http://schemas.openxmlformats.org/drawingml/2006/main" xmlns:r="http://schemas.openxmlformats.org/officeDocument/2006/relationships" xmlns:p="http://schemas.openxmlformats.org/presentationml/2006/main">
+  <p:cSld>
+    <p:spTree>
+      <p:nvGrpSpPr>
+        <p:cNvPr id="1" name=""/>
+        <p:cNvGrpSpPr/>
+        <p:nvPr/>
+      </p:nvGrpSpPr>
+      <p:grpSpPr>
+        <a:xfrm>
+          <a:off x="0" y="0"/>
+          <a:ext cx="0" cy="0"/>
+          <a:chOff x="0" y="0"/>
+          <a:chExt cx="0" cy="0"/>
+        </a:xfrm>
+      </p:grpSpPr>
       <p:sp>
         <p:nvSpPr>
           <p:cNvPr id="6" name="文本框 5"/>
@@ -5640,258 +5906,6 @@
     <p:extLst>
       <p:ext uri="{BB962C8B-B14F-4D97-AF65-F5344CB8AC3E}">
         <p14:creationId xmlns:p14="http://schemas.microsoft.com/office/powerpoint/2010/main" val="1087031059"/>
-      </p:ext>
-    </p:extLst>
-  </p:cSld>
-  <p:clrMapOvr>
-    <a:masterClrMapping/>
-  </p:clrMapOvr>
-  <p:transition spd="slow">
-    <p:wipe/>
-  </p:transition>
-</p:sld>
-</file>
-
-<file path=ppt/slides/slide5.xml><?xml version="1.0" encoding="utf-8"?>
-<p:sld xmlns:a="http://schemas.openxmlformats.org/drawingml/2006/main" xmlns:r="http://schemas.openxmlformats.org/officeDocument/2006/relationships" xmlns:p="http://schemas.openxmlformats.org/presentationml/2006/main">
-  <p:cSld>
-    <p:spTree>
-      <p:nvGrpSpPr>
-        <p:cNvPr id="1" name=""/>
-        <p:cNvGrpSpPr/>
-        <p:nvPr/>
-      </p:nvGrpSpPr>
-      <p:grpSpPr>
-        <a:xfrm>
-          <a:off x="0" y="0"/>
-          <a:ext cx="0" cy="0"/>
-          <a:chOff x="0" y="0"/>
-          <a:chExt cx="0" cy="0"/>
-        </a:xfrm>
-      </p:grpSpPr>
-      <p:grpSp>
-        <p:nvGrpSpPr>
-          <p:cNvPr id="11" name="组合 10"/>
-          <p:cNvGrpSpPr/>
-          <p:nvPr/>
-        </p:nvGrpSpPr>
-        <p:grpSpPr>
-          <a:xfrm>
-            <a:off x="11063181" y="0"/>
-            <a:ext cx="1128819" cy="1057472"/>
-            <a:chOff x="11063181" y="0"/>
-            <a:chExt cx="1128819" cy="1057472"/>
-          </a:xfrm>
-        </p:grpSpPr>
-        <p:sp>
-          <p:nvSpPr>
-            <p:cNvPr id="12" name="矩形 11"/>
-            <p:cNvSpPr/>
-            <p:nvPr/>
-          </p:nvSpPr>
-          <p:spPr>
-            <a:xfrm>
-              <a:off x="11381387" y="246204"/>
-              <a:ext cx="492407" cy="492407"/>
-            </a:xfrm>
-            <a:prstGeom prst="rect">
-              <a:avLst/>
-            </a:prstGeom>
-            <a:noFill/>
-            <a:ln w="38100">
-              <a:solidFill>
-                <a:srgbClr val="DA2B89"/>
-              </a:solidFill>
-            </a:ln>
-          </p:spPr>
-          <p:style>
-            <a:lnRef idx="2">
-              <a:schemeClr val="accent1">
-                <a:shade val="50000"/>
-              </a:schemeClr>
-            </a:lnRef>
-            <a:fillRef idx="1">
-              <a:schemeClr val="accent1"/>
-            </a:fillRef>
-            <a:effectRef idx="0">
-              <a:schemeClr val="accent1"/>
-            </a:effectRef>
-            <a:fontRef idx="minor">
-              <a:schemeClr val="lt1"/>
-            </a:fontRef>
-          </p:style>
-          <p:txBody>
-            <a:bodyPr rtlCol="0" anchor="ctr"/>
-            <a:lstStyle/>
-            <a:p>
-              <a:pPr algn="ctr"/>
-              <a:endParaRPr lang="zh-CN" altLang="en-US"/>
-            </a:p>
-          </p:txBody>
-        </p:sp>
-        <p:sp>
-          <p:nvSpPr>
-            <p:cNvPr id="13" name="矩形 12"/>
-            <p:cNvSpPr/>
-            <p:nvPr/>
-          </p:nvSpPr>
-          <p:spPr>
-            <a:xfrm>
-              <a:off x="11699593" y="0"/>
-              <a:ext cx="492407" cy="492407"/>
-            </a:xfrm>
-            <a:prstGeom prst="rect">
-              <a:avLst/>
-            </a:prstGeom>
-            <a:noFill/>
-            <a:ln w="38100">
-              <a:solidFill>
-                <a:schemeClr val="tx2">
-                  <a:lumMod val="60000"/>
-                  <a:lumOff val="40000"/>
-                </a:schemeClr>
-              </a:solidFill>
-            </a:ln>
-          </p:spPr>
-          <p:style>
-            <a:lnRef idx="2">
-              <a:schemeClr val="accent1">
-                <a:shade val="50000"/>
-              </a:schemeClr>
-            </a:lnRef>
-            <a:fillRef idx="1">
-              <a:schemeClr val="accent1"/>
-            </a:fillRef>
-            <a:effectRef idx="0">
-              <a:schemeClr val="accent1"/>
-            </a:effectRef>
-            <a:fontRef idx="minor">
-              <a:schemeClr val="lt1"/>
-            </a:fontRef>
-          </p:style>
-          <p:txBody>
-            <a:bodyPr rtlCol="0" anchor="ctr"/>
-            <a:lstStyle/>
-            <a:p>
-              <a:pPr algn="ctr"/>
-              <a:endParaRPr lang="zh-CN" altLang="en-US"/>
-            </a:p>
-          </p:txBody>
-        </p:sp>
-        <p:sp>
-          <p:nvSpPr>
-            <p:cNvPr id="14" name="矩形 13"/>
-            <p:cNvSpPr/>
-            <p:nvPr/>
-          </p:nvSpPr>
-          <p:spPr>
-            <a:xfrm>
-              <a:off x="11063181" y="565065"/>
-              <a:ext cx="492407" cy="492407"/>
-            </a:xfrm>
-            <a:prstGeom prst="rect">
-              <a:avLst/>
-            </a:prstGeom>
-            <a:noFill/>
-            <a:ln w="38100">
-              <a:solidFill>
-                <a:schemeClr val="accent6"/>
-              </a:solidFill>
-            </a:ln>
-          </p:spPr>
-          <p:style>
-            <a:lnRef idx="2">
-              <a:schemeClr val="accent1">
-                <a:shade val="50000"/>
-              </a:schemeClr>
-            </a:lnRef>
-            <a:fillRef idx="1">
-              <a:schemeClr val="accent1"/>
-            </a:fillRef>
-            <a:effectRef idx="0">
-              <a:schemeClr val="accent1"/>
-            </a:effectRef>
-            <a:fontRef idx="minor">
-              <a:schemeClr val="lt1"/>
-            </a:fontRef>
-          </p:style>
-          <p:txBody>
-            <a:bodyPr rtlCol="0" anchor="ctr"/>
-            <a:lstStyle/>
-            <a:p>
-              <a:pPr algn="ctr"/>
-              <a:endParaRPr lang="zh-CN" altLang="en-US"/>
-            </a:p>
-          </p:txBody>
-        </p:sp>
-      </p:grpSp>
-      <p:pic>
-        <p:nvPicPr>
-          <p:cNvPr id="16" name="图片 15"/>
-          <p:cNvPicPr>
-            <a:picLocks noChangeAspect="1"/>
-          </p:cNvPicPr>
-          <p:nvPr/>
-        </p:nvPicPr>
-        <p:blipFill>
-          <a:blip r:embed="rId2">
-            <a:extLst>
-              <a:ext uri="{28A0092B-C50C-407E-A947-70E740481C1C}">
-                <a14:useLocalDpi xmlns:a14="http://schemas.microsoft.com/office/drawing/2010/main" val="0"/>
-              </a:ext>
-            </a:extLst>
-          </a:blip>
-          <a:stretch>
-            <a:fillRect/>
-          </a:stretch>
-        </p:blipFill>
-        <p:spPr>
-          <a:xfrm>
-            <a:off x="1457787" y="1324947"/>
-            <a:ext cx="8159547" cy="5411755"/>
-          </a:xfrm>
-          <a:prstGeom prst="rect">
-            <a:avLst/>
-          </a:prstGeom>
-        </p:spPr>
-      </p:pic>
-      <p:sp>
-        <p:nvSpPr>
-          <p:cNvPr id="17" name="文本框 16"/>
-          <p:cNvSpPr txBox="1"/>
-          <p:nvPr/>
-        </p:nvSpPr>
-        <p:spPr>
-          <a:xfrm>
-            <a:off x="2579587" y="349586"/>
-            <a:ext cx="6302207" cy="707886"/>
-          </a:xfrm>
-          <a:prstGeom prst="rect">
-            <a:avLst/>
-          </a:prstGeom>
-          <a:noFill/>
-        </p:spPr>
-        <p:txBody>
-          <a:bodyPr wrap="square" rtlCol="0">
-            <a:spAutoFit/>
-          </a:bodyPr>
-          <a:lstStyle/>
-          <a:p>
-            <a:r>
-              <a:rPr lang="zh-CN" altLang="en-US" sz="4000" b="1" dirty="0">
-                <a:solidFill>
-                  <a:schemeClr val="bg1"/>
-                </a:solidFill>
-              </a:rPr>
-              <a:t>登录页面</a:t>
-            </a:r>
-          </a:p>
-        </p:txBody>
-      </p:sp>
-    </p:spTree>
-    <p:extLst>
-      <p:ext uri="{BB962C8B-B14F-4D97-AF65-F5344CB8AC3E}">
-        <p14:creationId xmlns:p14="http://schemas.microsoft.com/office/powerpoint/2010/main" val="1331493100"/>
       </p:ext>
     </p:extLst>
   </p:cSld>
@@ -6077,6 +6091,258 @@
           </p:txBody>
         </p:sp>
       </p:grpSp>
+      <p:pic>
+        <p:nvPicPr>
+          <p:cNvPr id="16" name="图片 15"/>
+          <p:cNvPicPr>
+            <a:picLocks noChangeAspect="1"/>
+          </p:cNvPicPr>
+          <p:nvPr/>
+        </p:nvPicPr>
+        <p:blipFill>
+          <a:blip r:embed="rId2">
+            <a:extLst>
+              <a:ext uri="{28A0092B-C50C-407E-A947-70E740481C1C}">
+                <a14:useLocalDpi xmlns:a14="http://schemas.microsoft.com/office/drawing/2010/main" val="0"/>
+              </a:ext>
+            </a:extLst>
+          </a:blip>
+          <a:stretch>
+            <a:fillRect/>
+          </a:stretch>
+        </p:blipFill>
+        <p:spPr>
+          <a:xfrm>
+            <a:off x="1457787" y="1324947"/>
+            <a:ext cx="8159547" cy="5411755"/>
+          </a:xfrm>
+          <a:prstGeom prst="rect">
+            <a:avLst/>
+          </a:prstGeom>
+        </p:spPr>
+      </p:pic>
+      <p:sp>
+        <p:nvSpPr>
+          <p:cNvPr id="17" name="文本框 16"/>
+          <p:cNvSpPr txBox="1"/>
+          <p:nvPr/>
+        </p:nvSpPr>
+        <p:spPr>
+          <a:xfrm>
+            <a:off x="2579587" y="349586"/>
+            <a:ext cx="6302207" cy="707886"/>
+          </a:xfrm>
+          <a:prstGeom prst="rect">
+            <a:avLst/>
+          </a:prstGeom>
+          <a:noFill/>
+        </p:spPr>
+        <p:txBody>
+          <a:bodyPr wrap="square" rtlCol="0">
+            <a:spAutoFit/>
+          </a:bodyPr>
+          <a:lstStyle/>
+          <a:p>
+            <a:r>
+              <a:rPr lang="zh-CN" altLang="en-US" sz="4000" b="1" dirty="0">
+                <a:solidFill>
+                  <a:schemeClr val="bg1"/>
+                </a:solidFill>
+              </a:rPr>
+              <a:t>登录页面</a:t>
+            </a:r>
+          </a:p>
+        </p:txBody>
+      </p:sp>
+    </p:spTree>
+    <p:extLst>
+      <p:ext uri="{BB962C8B-B14F-4D97-AF65-F5344CB8AC3E}">
+        <p14:creationId xmlns:p14="http://schemas.microsoft.com/office/powerpoint/2010/main" val="1331493100"/>
+      </p:ext>
+    </p:extLst>
+  </p:cSld>
+  <p:clrMapOvr>
+    <a:masterClrMapping/>
+  </p:clrMapOvr>
+  <p:transition spd="slow">
+    <p:wipe/>
+  </p:transition>
+</p:sld>
+</file>
+
+<file path=ppt/slides/slide7.xml><?xml version="1.0" encoding="utf-8"?>
+<p:sld xmlns:a="http://schemas.openxmlformats.org/drawingml/2006/main" xmlns:r="http://schemas.openxmlformats.org/officeDocument/2006/relationships" xmlns:p="http://schemas.openxmlformats.org/presentationml/2006/main">
+  <p:cSld>
+    <p:spTree>
+      <p:nvGrpSpPr>
+        <p:cNvPr id="1" name=""/>
+        <p:cNvGrpSpPr/>
+        <p:nvPr/>
+      </p:nvGrpSpPr>
+      <p:grpSpPr>
+        <a:xfrm>
+          <a:off x="0" y="0"/>
+          <a:ext cx="0" cy="0"/>
+          <a:chOff x="0" y="0"/>
+          <a:chExt cx="0" cy="0"/>
+        </a:xfrm>
+      </p:grpSpPr>
+      <p:grpSp>
+        <p:nvGrpSpPr>
+          <p:cNvPr id="11" name="组合 10"/>
+          <p:cNvGrpSpPr/>
+          <p:nvPr/>
+        </p:nvGrpSpPr>
+        <p:grpSpPr>
+          <a:xfrm>
+            <a:off x="11063181" y="0"/>
+            <a:ext cx="1128819" cy="1057472"/>
+            <a:chOff x="11063181" y="0"/>
+            <a:chExt cx="1128819" cy="1057472"/>
+          </a:xfrm>
+        </p:grpSpPr>
+        <p:sp>
+          <p:nvSpPr>
+            <p:cNvPr id="12" name="矩形 11"/>
+            <p:cNvSpPr/>
+            <p:nvPr/>
+          </p:nvSpPr>
+          <p:spPr>
+            <a:xfrm>
+              <a:off x="11381387" y="246204"/>
+              <a:ext cx="492407" cy="492407"/>
+            </a:xfrm>
+            <a:prstGeom prst="rect">
+              <a:avLst/>
+            </a:prstGeom>
+            <a:noFill/>
+            <a:ln w="38100">
+              <a:solidFill>
+                <a:srgbClr val="DA2B89"/>
+              </a:solidFill>
+            </a:ln>
+          </p:spPr>
+          <p:style>
+            <a:lnRef idx="2">
+              <a:schemeClr val="accent1">
+                <a:shade val="50000"/>
+              </a:schemeClr>
+            </a:lnRef>
+            <a:fillRef idx="1">
+              <a:schemeClr val="accent1"/>
+            </a:fillRef>
+            <a:effectRef idx="0">
+              <a:schemeClr val="accent1"/>
+            </a:effectRef>
+            <a:fontRef idx="minor">
+              <a:schemeClr val="lt1"/>
+            </a:fontRef>
+          </p:style>
+          <p:txBody>
+            <a:bodyPr rtlCol="0" anchor="ctr"/>
+            <a:lstStyle/>
+            <a:p>
+              <a:pPr algn="ctr"/>
+              <a:endParaRPr lang="zh-CN" altLang="en-US"/>
+            </a:p>
+          </p:txBody>
+        </p:sp>
+        <p:sp>
+          <p:nvSpPr>
+            <p:cNvPr id="13" name="矩形 12"/>
+            <p:cNvSpPr/>
+            <p:nvPr/>
+          </p:nvSpPr>
+          <p:spPr>
+            <a:xfrm>
+              <a:off x="11699593" y="0"/>
+              <a:ext cx="492407" cy="492407"/>
+            </a:xfrm>
+            <a:prstGeom prst="rect">
+              <a:avLst/>
+            </a:prstGeom>
+            <a:noFill/>
+            <a:ln w="38100">
+              <a:solidFill>
+                <a:schemeClr val="tx2">
+                  <a:lumMod val="60000"/>
+                  <a:lumOff val="40000"/>
+                </a:schemeClr>
+              </a:solidFill>
+            </a:ln>
+          </p:spPr>
+          <p:style>
+            <a:lnRef idx="2">
+              <a:schemeClr val="accent1">
+                <a:shade val="50000"/>
+              </a:schemeClr>
+            </a:lnRef>
+            <a:fillRef idx="1">
+              <a:schemeClr val="accent1"/>
+            </a:fillRef>
+            <a:effectRef idx="0">
+              <a:schemeClr val="accent1"/>
+            </a:effectRef>
+            <a:fontRef idx="minor">
+              <a:schemeClr val="lt1"/>
+            </a:fontRef>
+          </p:style>
+          <p:txBody>
+            <a:bodyPr rtlCol="0" anchor="ctr"/>
+            <a:lstStyle/>
+            <a:p>
+              <a:pPr algn="ctr"/>
+              <a:endParaRPr lang="zh-CN" altLang="en-US"/>
+            </a:p>
+          </p:txBody>
+        </p:sp>
+        <p:sp>
+          <p:nvSpPr>
+            <p:cNvPr id="14" name="矩形 13"/>
+            <p:cNvSpPr/>
+            <p:nvPr/>
+          </p:nvSpPr>
+          <p:spPr>
+            <a:xfrm>
+              <a:off x="11063181" y="565065"/>
+              <a:ext cx="492407" cy="492407"/>
+            </a:xfrm>
+            <a:prstGeom prst="rect">
+              <a:avLst/>
+            </a:prstGeom>
+            <a:noFill/>
+            <a:ln w="38100">
+              <a:solidFill>
+                <a:schemeClr val="accent6"/>
+              </a:solidFill>
+            </a:ln>
+          </p:spPr>
+          <p:style>
+            <a:lnRef idx="2">
+              <a:schemeClr val="accent1">
+                <a:shade val="50000"/>
+              </a:schemeClr>
+            </a:lnRef>
+            <a:fillRef idx="1">
+              <a:schemeClr val="accent1"/>
+            </a:fillRef>
+            <a:effectRef idx="0">
+              <a:schemeClr val="accent1"/>
+            </a:effectRef>
+            <a:fontRef idx="minor">
+              <a:schemeClr val="lt1"/>
+            </a:fontRef>
+          </p:style>
+          <p:txBody>
+            <a:bodyPr rtlCol="0" anchor="ctr"/>
+            <a:lstStyle/>
+            <a:p>
+              <a:pPr algn="ctr"/>
+              <a:endParaRPr lang="zh-CN" altLang="en-US"/>
+            </a:p>
+          </p:txBody>
+        </p:sp>
+      </p:grpSp>
       <p:sp>
         <p:nvSpPr>
           <p:cNvPr id="17" name="文本框 16"/>
@@ -6156,7 +6422,7 @@
 </p:sld>
 </file>
 
-<file path=ppt/slides/slide7.xml><?xml version="1.0" encoding="utf-8"?>
+<file path=ppt/slides/slide8.xml><?xml version="1.0" encoding="utf-8"?>
 <p:sld xmlns:a="http://schemas.openxmlformats.org/drawingml/2006/main" xmlns:r="http://schemas.openxmlformats.org/officeDocument/2006/relationships" xmlns:p="http://schemas.openxmlformats.org/presentationml/2006/main">
   <p:cSld>
     <p:spTree>

--- a/应用建模.pptx
+++ b/应用建模.pptx
@@ -1,21 +1,22 @@
 
 <file path=ppt/presentation.xml><?xml version="1.0" encoding="utf-8"?>
-<p:presentation xmlns:a="http://schemas.openxmlformats.org/drawingml/2006/main" xmlns:r="http://schemas.openxmlformats.org/officeDocument/2006/relationships" xmlns:p="http://schemas.openxmlformats.org/presentationml/2006/main" saveSubsetFonts="1">
+<p:presentation xmlns:a="http://schemas.openxmlformats.org/drawingml/2006/main" xmlns:r="http://schemas.openxmlformats.org/officeDocument/2006/relationships" xmlns:p="http://schemas.openxmlformats.org/presentationml/2006/main">
   <p:sldMasterIdLst>
     <p:sldMasterId id="2147483648" r:id="rId1"/>
   </p:sldMasterIdLst>
   <p:notesMasterIdLst>
-    <p:notesMasterId r:id="rId10"/>
+    <p:notesMasterId r:id="rId12"/>
   </p:notesMasterIdLst>
   <p:sldIdLst>
-    <p:sldId id="259" r:id="rId2"/>
-    <p:sldId id="264" r:id="rId3"/>
-    <p:sldId id="265" r:id="rId4"/>
-    <p:sldId id="266" r:id="rId5"/>
-    <p:sldId id="261" r:id="rId6"/>
-    <p:sldId id="260" r:id="rId7"/>
-    <p:sldId id="262" r:id="rId8"/>
-    <p:sldId id="263" r:id="rId9"/>
+    <p:sldId id="259" r:id="rId3"/>
+    <p:sldId id="264" r:id="rId4"/>
+    <p:sldId id="265" r:id="rId5"/>
+    <p:sldId id="266" r:id="rId6"/>
+    <p:sldId id="271" r:id="rId7"/>
+    <p:sldId id="261" r:id="rId8"/>
+    <p:sldId id="260" r:id="rId9"/>
+    <p:sldId id="262" r:id="rId10"/>
+    <p:sldId id="263" r:id="rId11"/>
   </p:sldIdLst>
   <p:sldSz cx="12192000" cy="6858000"/>
   <p:notesSz cx="6858000" cy="9144000"/>
@@ -114,16 +115,7 @@
       </a:defRPr>
     </a:lvl9pPr>
   </p:defaultTextStyle>
-  <p:extLst>
-    <p:ext uri="{EFAFB233-063F-42B5-8137-9DF3F51BA10A}">
-      <p15:sldGuideLst xmlns:p15="http://schemas.microsoft.com/office/powerpoint/2012/main"/>
-    </p:ext>
-  </p:extLst>
 </p:presentation>
-</file>
-
-<file path=ppt/revisionInfo.xml><?xml version="1.0" encoding="utf-8"?>
-<p1510:revInfo xmlns:a="http://schemas.openxmlformats.org/drawingml/2006/main" xmlns:r="http://schemas.openxmlformats.org/officeDocument/2006/relationships" xmlns:p1510="http://schemas.microsoft.com/office/powerpoint/2015/10/main"/>
 </file>
 
 <file path=ppt/notesMasters/notesMaster1.xml><?xml version="1.0" encoding="utf-8"?>
@@ -208,7 +200,6 @@
           <a:p>
             <a:fld id="{3383C6DD-352C-F94D-B6C8-CDC8725E5883}" type="datetimeFigureOut">
               <a:rPr kumimoji="1" lang="zh-CN" altLang="en-US" smtClean="0"/>
-              <a:t>2017/5/22</a:t>
             </a:fld>
             <a:endParaRPr kumimoji="1" lang="zh-CN" altLang="en-US"/>
           </a:p>
@@ -275,6 +266,7 @@
               <a:rPr kumimoji="1" lang="zh-CN" altLang="en-US" smtClean="0"/>
               <a:t>单击此处编辑母版文本样式</a:t>
             </a:r>
+            <a:endParaRPr kumimoji="1" lang="zh-CN" altLang="en-US" smtClean="0"/>
           </a:p>
           <a:p>
             <a:pPr lvl="1"/>
@@ -282,6 +274,7 @@
               <a:rPr kumimoji="1" lang="zh-CN" altLang="en-US" smtClean="0"/>
               <a:t>二级</a:t>
             </a:r>
+            <a:endParaRPr kumimoji="1" lang="zh-CN" altLang="en-US" smtClean="0"/>
           </a:p>
           <a:p>
             <a:pPr lvl="2"/>
@@ -289,6 +282,7 @@
               <a:rPr kumimoji="1" lang="zh-CN" altLang="en-US" smtClean="0"/>
               <a:t>三级</a:t>
             </a:r>
+            <a:endParaRPr kumimoji="1" lang="zh-CN" altLang="en-US" smtClean="0"/>
           </a:p>
           <a:p>
             <a:pPr lvl="3"/>
@@ -296,6 +290,7 @@
               <a:rPr kumimoji="1" lang="zh-CN" altLang="en-US" smtClean="0"/>
               <a:t>四级</a:t>
             </a:r>
+            <a:endParaRPr kumimoji="1" lang="zh-CN" altLang="en-US" smtClean="0"/>
           </a:p>
           <a:p>
             <a:pPr lvl="4"/>
@@ -367,18 +362,12 @@
           <a:p>
             <a:fld id="{E2C5B248-2734-A34C-A40C-5E8E6D16AD85}" type="slidenum">
               <a:rPr kumimoji="1" lang="zh-CN" altLang="en-US" smtClean="0"/>
-              <a:t>‹#›</a:t>
             </a:fld>
             <a:endParaRPr kumimoji="1" lang="zh-CN" altLang="en-US"/>
           </a:p>
         </p:txBody>
       </p:sp>
     </p:spTree>
-    <p:extLst>
-      <p:ext uri="{BB962C8B-B14F-4D97-AF65-F5344CB8AC3E}">
-        <p14:creationId xmlns:p14="http://schemas.microsoft.com/office/powerpoint/2010/main" val="1298500736"/>
-      </p:ext>
-    </p:extLst>
   </p:cSld>
   <p:clrMap bg1="lt1" tx1="dk1" bg2="lt2" tx2="dk2" accent1="accent1" accent2="accent2" accent3="accent3" accent4="accent4" accent5="accent5" accent6="accent6" hlink="hlink" folHlink="folHlink"/>
   <p:notesStyle>
@@ -521,6 +510,7 @@
               <a:rPr lang="zh-CN" altLang="en-US"/>
               <a:t>单击此处编辑母版标题样式</a:t>
             </a:r>
+            <a:endParaRPr lang="zh-CN" altLang="en-US"/>
           </a:p>
         </p:txBody>
       </p:sp>
@@ -585,6 +575,7 @@
               <a:rPr lang="zh-CN" altLang="en-US"/>
               <a:t>单击此处编辑母版副标题样式</a:t>
             </a:r>
+            <a:endParaRPr lang="zh-CN" altLang="en-US"/>
           </a:p>
         </p:txBody>
       </p:sp>
@@ -605,7 +596,6 @@
           <a:p>
             <a:fld id="{56E99B56-AAE7-4929-920B-80E2E1C0FFA9}" type="datetimeFigureOut">
               <a:rPr lang="zh-CN" altLang="en-US" smtClean="0"/>
-              <a:t>2017/5/22</a:t>
             </a:fld>
             <a:endParaRPr lang="zh-CN" altLang="en-US"/>
           </a:p>
@@ -647,18 +637,12 @@
           <a:p>
             <a:fld id="{22F1EA73-A147-4AC6-B678-ACA1566655AD}" type="slidenum">
               <a:rPr lang="zh-CN" altLang="en-US" smtClean="0"/>
-              <a:t>‹#›</a:t>
             </a:fld>
             <a:endParaRPr lang="zh-CN" altLang="en-US"/>
           </a:p>
         </p:txBody>
       </p:sp>
     </p:spTree>
-    <p:extLst>
-      <p:ext uri="{BB962C8B-B14F-4D97-AF65-F5344CB8AC3E}">
-        <p14:creationId xmlns:p14="http://schemas.microsoft.com/office/powerpoint/2010/main" val="3329818766"/>
-      </p:ext>
-    </p:extLst>
   </p:cSld>
   <p:clrMapOvr>
     <a:masterClrMapping/>
@@ -702,6 +686,7 @@
               <a:rPr lang="zh-CN" altLang="en-US"/>
               <a:t>单击此处编辑母版标题样式</a:t>
             </a:r>
+            <a:endParaRPr lang="zh-CN" altLang="en-US"/>
           </a:p>
         </p:txBody>
       </p:sp>
@@ -725,6 +710,7 @@
               <a:rPr lang="zh-CN" altLang="en-US"/>
               <a:t>单击此处编辑母版文本样式</a:t>
             </a:r>
+            <a:endParaRPr lang="zh-CN" altLang="en-US"/>
           </a:p>
           <a:p>
             <a:pPr lvl="1"/>
@@ -732,6 +718,7 @@
               <a:rPr lang="zh-CN" altLang="en-US"/>
               <a:t>第二级</a:t>
             </a:r>
+            <a:endParaRPr lang="zh-CN" altLang="en-US"/>
           </a:p>
           <a:p>
             <a:pPr lvl="2"/>
@@ -739,6 +726,7 @@
               <a:rPr lang="zh-CN" altLang="en-US"/>
               <a:t>第三级</a:t>
             </a:r>
+            <a:endParaRPr lang="zh-CN" altLang="en-US"/>
           </a:p>
           <a:p>
             <a:pPr lvl="3"/>
@@ -746,6 +734,7 @@
               <a:rPr lang="zh-CN" altLang="en-US"/>
               <a:t>第四级</a:t>
             </a:r>
+            <a:endParaRPr lang="zh-CN" altLang="en-US"/>
           </a:p>
           <a:p>
             <a:pPr lvl="4"/>
@@ -753,6 +742,7 @@
               <a:rPr lang="zh-CN" altLang="en-US"/>
               <a:t>第五级</a:t>
             </a:r>
+            <a:endParaRPr lang="zh-CN" altLang="en-US"/>
           </a:p>
         </p:txBody>
       </p:sp>
@@ -773,7 +763,6 @@
           <a:p>
             <a:fld id="{56E99B56-AAE7-4929-920B-80E2E1C0FFA9}" type="datetimeFigureOut">
               <a:rPr lang="zh-CN" altLang="en-US" smtClean="0"/>
-              <a:t>2017/5/22</a:t>
             </a:fld>
             <a:endParaRPr lang="zh-CN" altLang="en-US"/>
           </a:p>
@@ -815,18 +804,12 @@
           <a:p>
             <a:fld id="{22F1EA73-A147-4AC6-B678-ACA1566655AD}" type="slidenum">
               <a:rPr lang="zh-CN" altLang="en-US" smtClean="0"/>
-              <a:t>‹#›</a:t>
             </a:fld>
             <a:endParaRPr lang="zh-CN" altLang="en-US"/>
           </a:p>
         </p:txBody>
       </p:sp>
     </p:spTree>
-    <p:extLst>
-      <p:ext uri="{BB962C8B-B14F-4D97-AF65-F5344CB8AC3E}">
-        <p14:creationId xmlns:p14="http://schemas.microsoft.com/office/powerpoint/2010/main" val="1589106680"/>
-      </p:ext>
-    </p:extLst>
   </p:cSld>
   <p:clrMapOvr>
     <a:masterClrMapping/>
@@ -875,6 +858,7 @@
               <a:rPr lang="zh-CN" altLang="en-US"/>
               <a:t>单击此处编辑母版标题样式</a:t>
             </a:r>
+            <a:endParaRPr lang="zh-CN" altLang="en-US"/>
           </a:p>
         </p:txBody>
       </p:sp>
@@ -903,6 +887,7 @@
               <a:rPr lang="zh-CN" altLang="en-US"/>
               <a:t>单击此处编辑母版文本样式</a:t>
             </a:r>
+            <a:endParaRPr lang="zh-CN" altLang="en-US"/>
           </a:p>
           <a:p>
             <a:pPr lvl="1"/>
@@ -910,6 +895,7 @@
               <a:rPr lang="zh-CN" altLang="en-US"/>
               <a:t>第二级</a:t>
             </a:r>
+            <a:endParaRPr lang="zh-CN" altLang="en-US"/>
           </a:p>
           <a:p>
             <a:pPr lvl="2"/>
@@ -917,6 +903,7 @@
               <a:rPr lang="zh-CN" altLang="en-US"/>
               <a:t>第三级</a:t>
             </a:r>
+            <a:endParaRPr lang="zh-CN" altLang="en-US"/>
           </a:p>
           <a:p>
             <a:pPr lvl="3"/>
@@ -924,6 +911,7 @@
               <a:rPr lang="zh-CN" altLang="en-US"/>
               <a:t>第四级</a:t>
             </a:r>
+            <a:endParaRPr lang="zh-CN" altLang="en-US"/>
           </a:p>
           <a:p>
             <a:pPr lvl="4"/>
@@ -931,6 +919,7 @@
               <a:rPr lang="zh-CN" altLang="en-US"/>
               <a:t>第五级</a:t>
             </a:r>
+            <a:endParaRPr lang="zh-CN" altLang="en-US"/>
           </a:p>
         </p:txBody>
       </p:sp>
@@ -951,7 +940,6 @@
           <a:p>
             <a:fld id="{56E99B56-AAE7-4929-920B-80E2E1C0FFA9}" type="datetimeFigureOut">
               <a:rPr lang="zh-CN" altLang="en-US" smtClean="0"/>
-              <a:t>2017/5/22</a:t>
             </a:fld>
             <a:endParaRPr lang="zh-CN" altLang="en-US"/>
           </a:p>
@@ -993,18 +981,12 @@
           <a:p>
             <a:fld id="{22F1EA73-A147-4AC6-B678-ACA1566655AD}" type="slidenum">
               <a:rPr lang="zh-CN" altLang="en-US" smtClean="0"/>
-              <a:t>‹#›</a:t>
             </a:fld>
             <a:endParaRPr lang="zh-CN" altLang="en-US"/>
           </a:p>
         </p:txBody>
       </p:sp>
     </p:spTree>
-    <p:extLst>
-      <p:ext uri="{BB962C8B-B14F-4D97-AF65-F5344CB8AC3E}">
-        <p14:creationId xmlns:p14="http://schemas.microsoft.com/office/powerpoint/2010/main" val="1793615928"/>
-      </p:ext>
-    </p:extLst>
   </p:cSld>
   <p:clrMapOvr>
     <a:masterClrMapping/>
@@ -1046,7 +1028,6 @@
           <a:p>
             <a:fld id="{171BBD79-73BD-4FCC-A131-912D061EF751}" type="datetimeFigureOut">
               <a:rPr lang="zh-CN" altLang="en-US" smtClean="0"/>
-              <a:t>2017/5/22</a:t>
             </a:fld>
             <a:endParaRPr lang="zh-CN" altLang="en-US"/>
           </a:p>
@@ -1088,7 +1069,6 @@
           <a:p>
             <a:fld id="{09A119BB-CB53-4D13-A1E9-626B81BB36FF}" type="slidenum">
               <a:rPr lang="zh-CN" altLang="en-US" smtClean="0"/>
-              <a:t>‹#›</a:t>
             </a:fld>
             <a:endParaRPr lang="zh-CN" altLang="en-US"/>
           </a:p>
@@ -1189,11 +1169,6 @@
         </p:txBody>
       </p:sp>
     </p:spTree>
-    <p:extLst>
-      <p:ext uri="{BB962C8B-B14F-4D97-AF65-F5344CB8AC3E}">
-        <p14:creationId xmlns:p14="http://schemas.microsoft.com/office/powerpoint/2010/main" val="361303744"/>
-      </p:ext>
-    </p:extLst>
   </p:cSld>
   <p:clrMapOvr>
     <a:masterClrMapping/>
@@ -1240,6 +1215,7 @@
               <a:rPr lang="zh-CN" altLang="en-US"/>
               <a:t>单击此处编辑母版标题样式</a:t>
             </a:r>
+            <a:endParaRPr lang="zh-CN" altLang="en-US"/>
           </a:p>
         </p:txBody>
       </p:sp>
@@ -1263,6 +1239,7 @@
               <a:rPr lang="zh-CN" altLang="en-US"/>
               <a:t>单击此处编辑母版文本样式</a:t>
             </a:r>
+            <a:endParaRPr lang="zh-CN" altLang="en-US"/>
           </a:p>
           <a:p>
             <a:pPr lvl="1"/>
@@ -1270,6 +1247,7 @@
               <a:rPr lang="zh-CN" altLang="en-US"/>
               <a:t>第二级</a:t>
             </a:r>
+            <a:endParaRPr lang="zh-CN" altLang="en-US"/>
           </a:p>
           <a:p>
             <a:pPr lvl="2"/>
@@ -1277,6 +1255,7 @@
               <a:rPr lang="zh-CN" altLang="en-US"/>
               <a:t>第三级</a:t>
             </a:r>
+            <a:endParaRPr lang="zh-CN" altLang="en-US"/>
           </a:p>
           <a:p>
             <a:pPr lvl="3"/>
@@ -1284,6 +1263,7 @@
               <a:rPr lang="zh-CN" altLang="en-US"/>
               <a:t>第四级</a:t>
             </a:r>
+            <a:endParaRPr lang="zh-CN" altLang="en-US"/>
           </a:p>
           <a:p>
             <a:pPr lvl="4"/>
@@ -1291,6 +1271,7 @@
               <a:rPr lang="zh-CN" altLang="en-US"/>
               <a:t>第五级</a:t>
             </a:r>
+            <a:endParaRPr lang="zh-CN" altLang="en-US"/>
           </a:p>
         </p:txBody>
       </p:sp>
@@ -1311,7 +1292,6 @@
           <a:p>
             <a:fld id="{56E99B56-AAE7-4929-920B-80E2E1C0FFA9}" type="datetimeFigureOut">
               <a:rPr lang="zh-CN" altLang="en-US" smtClean="0"/>
-              <a:t>2017/5/22</a:t>
             </a:fld>
             <a:endParaRPr lang="zh-CN" altLang="en-US"/>
           </a:p>
@@ -1353,18 +1333,12 @@
           <a:p>
             <a:fld id="{22F1EA73-A147-4AC6-B678-ACA1566655AD}" type="slidenum">
               <a:rPr lang="zh-CN" altLang="en-US" smtClean="0"/>
-              <a:t>‹#›</a:t>
             </a:fld>
             <a:endParaRPr lang="zh-CN" altLang="en-US"/>
           </a:p>
         </p:txBody>
       </p:sp>
     </p:spTree>
-    <p:extLst>
-      <p:ext uri="{BB962C8B-B14F-4D97-AF65-F5344CB8AC3E}">
-        <p14:creationId xmlns:p14="http://schemas.microsoft.com/office/powerpoint/2010/main" val="608496758"/>
-      </p:ext>
-    </p:extLst>
   </p:cSld>
   <p:clrMapOvr>
     <a:masterClrMapping/>
@@ -1417,6 +1391,7 @@
               <a:rPr lang="zh-CN" altLang="en-US"/>
               <a:t>单击此处编辑母版标题样式</a:t>
             </a:r>
+            <a:endParaRPr lang="zh-CN" altLang="en-US"/>
           </a:p>
         </p:txBody>
       </p:sp>
@@ -1536,6 +1511,7 @@
               <a:rPr lang="zh-CN" altLang="en-US"/>
               <a:t>单击此处编辑母版文本样式</a:t>
             </a:r>
+            <a:endParaRPr lang="zh-CN" altLang="en-US"/>
           </a:p>
         </p:txBody>
       </p:sp>
@@ -1556,7 +1532,6 @@
           <a:p>
             <a:fld id="{56E99B56-AAE7-4929-920B-80E2E1C0FFA9}" type="datetimeFigureOut">
               <a:rPr lang="zh-CN" altLang="en-US" smtClean="0"/>
-              <a:t>2017/5/22</a:t>
             </a:fld>
             <a:endParaRPr lang="zh-CN" altLang="en-US"/>
           </a:p>
@@ -1598,18 +1573,12 @@
           <a:p>
             <a:fld id="{22F1EA73-A147-4AC6-B678-ACA1566655AD}" type="slidenum">
               <a:rPr lang="zh-CN" altLang="en-US" smtClean="0"/>
-              <a:t>‹#›</a:t>
             </a:fld>
             <a:endParaRPr lang="zh-CN" altLang="en-US"/>
           </a:p>
         </p:txBody>
       </p:sp>
     </p:spTree>
-    <p:extLst>
-      <p:ext uri="{BB962C8B-B14F-4D97-AF65-F5344CB8AC3E}">
-        <p14:creationId xmlns:p14="http://schemas.microsoft.com/office/powerpoint/2010/main" val="1919322408"/>
-      </p:ext>
-    </p:extLst>
   </p:cSld>
   <p:clrMapOvr>
     <a:masterClrMapping/>
@@ -1653,6 +1622,7 @@
               <a:rPr lang="zh-CN" altLang="en-US"/>
               <a:t>单击此处编辑母版标题样式</a:t>
             </a:r>
+            <a:endParaRPr lang="zh-CN" altLang="en-US"/>
           </a:p>
         </p:txBody>
       </p:sp>
@@ -1681,6 +1651,7 @@
               <a:rPr lang="zh-CN" altLang="en-US"/>
               <a:t>单击此处编辑母版文本样式</a:t>
             </a:r>
+            <a:endParaRPr lang="zh-CN" altLang="en-US"/>
           </a:p>
           <a:p>
             <a:pPr lvl="1"/>
@@ -1688,6 +1659,7 @@
               <a:rPr lang="zh-CN" altLang="en-US"/>
               <a:t>第二级</a:t>
             </a:r>
+            <a:endParaRPr lang="zh-CN" altLang="en-US"/>
           </a:p>
           <a:p>
             <a:pPr lvl="2"/>
@@ -1695,6 +1667,7 @@
               <a:rPr lang="zh-CN" altLang="en-US"/>
               <a:t>第三级</a:t>
             </a:r>
+            <a:endParaRPr lang="zh-CN" altLang="en-US"/>
           </a:p>
           <a:p>
             <a:pPr lvl="3"/>
@@ -1702,6 +1675,7 @@
               <a:rPr lang="zh-CN" altLang="en-US"/>
               <a:t>第四级</a:t>
             </a:r>
+            <a:endParaRPr lang="zh-CN" altLang="en-US"/>
           </a:p>
           <a:p>
             <a:pPr lvl="4"/>
@@ -1709,6 +1683,7 @@
               <a:rPr lang="zh-CN" altLang="en-US"/>
               <a:t>第五级</a:t>
             </a:r>
+            <a:endParaRPr lang="zh-CN" altLang="en-US"/>
           </a:p>
         </p:txBody>
       </p:sp>
@@ -1737,6 +1712,7 @@
               <a:rPr lang="zh-CN" altLang="en-US"/>
               <a:t>单击此处编辑母版文本样式</a:t>
             </a:r>
+            <a:endParaRPr lang="zh-CN" altLang="en-US"/>
           </a:p>
           <a:p>
             <a:pPr lvl="1"/>
@@ -1744,6 +1720,7 @@
               <a:rPr lang="zh-CN" altLang="en-US"/>
               <a:t>第二级</a:t>
             </a:r>
+            <a:endParaRPr lang="zh-CN" altLang="en-US"/>
           </a:p>
           <a:p>
             <a:pPr lvl="2"/>
@@ -1751,6 +1728,7 @@
               <a:rPr lang="zh-CN" altLang="en-US"/>
               <a:t>第三级</a:t>
             </a:r>
+            <a:endParaRPr lang="zh-CN" altLang="en-US"/>
           </a:p>
           <a:p>
             <a:pPr lvl="3"/>
@@ -1758,6 +1736,7 @@
               <a:rPr lang="zh-CN" altLang="en-US"/>
               <a:t>第四级</a:t>
             </a:r>
+            <a:endParaRPr lang="zh-CN" altLang="en-US"/>
           </a:p>
           <a:p>
             <a:pPr lvl="4"/>
@@ -1765,6 +1744,7 @@
               <a:rPr lang="zh-CN" altLang="en-US"/>
               <a:t>第五级</a:t>
             </a:r>
+            <a:endParaRPr lang="zh-CN" altLang="en-US"/>
           </a:p>
         </p:txBody>
       </p:sp>
@@ -1785,7 +1765,6 @@
           <a:p>
             <a:fld id="{56E99B56-AAE7-4929-920B-80E2E1C0FFA9}" type="datetimeFigureOut">
               <a:rPr lang="zh-CN" altLang="en-US" smtClean="0"/>
-              <a:t>2017/5/22</a:t>
             </a:fld>
             <a:endParaRPr lang="zh-CN" altLang="en-US"/>
           </a:p>
@@ -1827,18 +1806,12 @@
           <a:p>
             <a:fld id="{22F1EA73-A147-4AC6-B678-ACA1566655AD}" type="slidenum">
               <a:rPr lang="zh-CN" altLang="en-US" smtClean="0"/>
-              <a:t>‹#›</a:t>
             </a:fld>
             <a:endParaRPr lang="zh-CN" altLang="en-US"/>
           </a:p>
         </p:txBody>
       </p:sp>
     </p:spTree>
-    <p:extLst>
-      <p:ext uri="{BB962C8B-B14F-4D97-AF65-F5344CB8AC3E}">
-        <p14:creationId xmlns:p14="http://schemas.microsoft.com/office/powerpoint/2010/main" val="531403150"/>
-      </p:ext>
-    </p:extLst>
   </p:cSld>
   <p:clrMapOvr>
     <a:masterClrMapping/>
@@ -1887,6 +1860,7 @@
               <a:rPr lang="zh-CN" altLang="en-US"/>
               <a:t>单击此处编辑母版标题样式</a:t>
             </a:r>
+            <a:endParaRPr lang="zh-CN" altLang="en-US"/>
           </a:p>
         </p:txBody>
       </p:sp>
@@ -1952,6 +1926,7 @@
               <a:rPr lang="zh-CN" altLang="en-US"/>
               <a:t>单击此处编辑母版文本样式</a:t>
             </a:r>
+            <a:endParaRPr lang="zh-CN" altLang="en-US"/>
           </a:p>
         </p:txBody>
       </p:sp>
@@ -1980,6 +1955,7 @@
               <a:rPr lang="zh-CN" altLang="en-US"/>
               <a:t>单击此处编辑母版文本样式</a:t>
             </a:r>
+            <a:endParaRPr lang="zh-CN" altLang="en-US"/>
           </a:p>
           <a:p>
             <a:pPr lvl="1"/>
@@ -1987,6 +1963,7 @@
               <a:rPr lang="zh-CN" altLang="en-US"/>
               <a:t>第二级</a:t>
             </a:r>
+            <a:endParaRPr lang="zh-CN" altLang="en-US"/>
           </a:p>
           <a:p>
             <a:pPr lvl="2"/>
@@ -1994,6 +1971,7 @@
               <a:rPr lang="zh-CN" altLang="en-US"/>
               <a:t>第三级</a:t>
             </a:r>
+            <a:endParaRPr lang="zh-CN" altLang="en-US"/>
           </a:p>
           <a:p>
             <a:pPr lvl="3"/>
@@ -2001,6 +1979,7 @@
               <a:rPr lang="zh-CN" altLang="en-US"/>
               <a:t>第四级</a:t>
             </a:r>
+            <a:endParaRPr lang="zh-CN" altLang="en-US"/>
           </a:p>
           <a:p>
             <a:pPr lvl="4"/>
@@ -2008,6 +1987,7 @@
               <a:rPr lang="zh-CN" altLang="en-US"/>
               <a:t>第五级</a:t>
             </a:r>
+            <a:endParaRPr lang="zh-CN" altLang="en-US"/>
           </a:p>
         </p:txBody>
       </p:sp>
@@ -2073,6 +2053,7 @@
               <a:rPr lang="zh-CN" altLang="en-US"/>
               <a:t>单击此处编辑母版文本样式</a:t>
             </a:r>
+            <a:endParaRPr lang="zh-CN" altLang="en-US"/>
           </a:p>
         </p:txBody>
       </p:sp>
@@ -2101,6 +2082,7 @@
               <a:rPr lang="zh-CN" altLang="en-US"/>
               <a:t>单击此处编辑母版文本样式</a:t>
             </a:r>
+            <a:endParaRPr lang="zh-CN" altLang="en-US"/>
           </a:p>
           <a:p>
             <a:pPr lvl="1"/>
@@ -2108,6 +2090,7 @@
               <a:rPr lang="zh-CN" altLang="en-US"/>
               <a:t>第二级</a:t>
             </a:r>
+            <a:endParaRPr lang="zh-CN" altLang="en-US"/>
           </a:p>
           <a:p>
             <a:pPr lvl="2"/>
@@ -2115,6 +2098,7 @@
               <a:rPr lang="zh-CN" altLang="en-US"/>
               <a:t>第三级</a:t>
             </a:r>
+            <a:endParaRPr lang="zh-CN" altLang="en-US"/>
           </a:p>
           <a:p>
             <a:pPr lvl="3"/>
@@ -2122,6 +2106,7 @@
               <a:rPr lang="zh-CN" altLang="en-US"/>
               <a:t>第四级</a:t>
             </a:r>
+            <a:endParaRPr lang="zh-CN" altLang="en-US"/>
           </a:p>
           <a:p>
             <a:pPr lvl="4"/>
@@ -2129,6 +2114,7 @@
               <a:rPr lang="zh-CN" altLang="en-US"/>
               <a:t>第五级</a:t>
             </a:r>
+            <a:endParaRPr lang="zh-CN" altLang="en-US"/>
           </a:p>
         </p:txBody>
       </p:sp>
@@ -2149,7 +2135,6 @@
           <a:p>
             <a:fld id="{56E99B56-AAE7-4929-920B-80E2E1C0FFA9}" type="datetimeFigureOut">
               <a:rPr lang="zh-CN" altLang="en-US" smtClean="0"/>
-              <a:t>2017/5/22</a:t>
             </a:fld>
             <a:endParaRPr lang="zh-CN" altLang="en-US"/>
           </a:p>
@@ -2191,18 +2176,12 @@
           <a:p>
             <a:fld id="{22F1EA73-A147-4AC6-B678-ACA1566655AD}" type="slidenum">
               <a:rPr lang="zh-CN" altLang="en-US" smtClean="0"/>
-              <a:t>‹#›</a:t>
             </a:fld>
             <a:endParaRPr lang="zh-CN" altLang="en-US"/>
           </a:p>
         </p:txBody>
       </p:sp>
     </p:spTree>
-    <p:extLst>
-      <p:ext uri="{BB962C8B-B14F-4D97-AF65-F5344CB8AC3E}">
-        <p14:creationId xmlns:p14="http://schemas.microsoft.com/office/powerpoint/2010/main" val="479833595"/>
-      </p:ext>
-    </p:extLst>
   </p:cSld>
   <p:clrMapOvr>
     <a:masterClrMapping/>
@@ -2246,6 +2225,7 @@
               <a:rPr lang="zh-CN" altLang="en-US"/>
               <a:t>单击此处编辑母版标题样式</a:t>
             </a:r>
+            <a:endParaRPr lang="zh-CN" altLang="en-US"/>
           </a:p>
         </p:txBody>
       </p:sp>
@@ -2266,7 +2246,6 @@
           <a:p>
             <a:fld id="{56E99B56-AAE7-4929-920B-80E2E1C0FFA9}" type="datetimeFigureOut">
               <a:rPr lang="zh-CN" altLang="en-US" smtClean="0"/>
-              <a:t>2017/5/22</a:t>
             </a:fld>
             <a:endParaRPr lang="zh-CN" altLang="en-US"/>
           </a:p>
@@ -2308,18 +2287,12 @@
           <a:p>
             <a:fld id="{22F1EA73-A147-4AC6-B678-ACA1566655AD}" type="slidenum">
               <a:rPr lang="zh-CN" altLang="en-US" smtClean="0"/>
-              <a:t>‹#›</a:t>
             </a:fld>
             <a:endParaRPr lang="zh-CN" altLang="en-US"/>
           </a:p>
         </p:txBody>
       </p:sp>
     </p:spTree>
-    <p:extLst>
-      <p:ext uri="{BB962C8B-B14F-4D97-AF65-F5344CB8AC3E}">
-        <p14:creationId xmlns:p14="http://schemas.microsoft.com/office/powerpoint/2010/main" val="1965707515"/>
-      </p:ext>
-    </p:extLst>
   </p:cSld>
   <p:clrMapOvr>
     <a:masterClrMapping/>
@@ -2361,7 +2334,6 @@
           <a:p>
             <a:fld id="{56E99B56-AAE7-4929-920B-80E2E1C0FFA9}" type="datetimeFigureOut">
               <a:rPr lang="zh-CN" altLang="en-US" smtClean="0"/>
-              <a:t>2017/5/22</a:t>
             </a:fld>
             <a:endParaRPr lang="zh-CN" altLang="en-US"/>
           </a:p>
@@ -2403,18 +2375,12 @@
           <a:p>
             <a:fld id="{22F1EA73-A147-4AC6-B678-ACA1566655AD}" type="slidenum">
               <a:rPr lang="zh-CN" altLang="en-US" smtClean="0"/>
-              <a:t>‹#›</a:t>
             </a:fld>
             <a:endParaRPr lang="zh-CN" altLang="en-US"/>
           </a:p>
         </p:txBody>
       </p:sp>
     </p:spTree>
-    <p:extLst>
-      <p:ext uri="{BB962C8B-B14F-4D97-AF65-F5344CB8AC3E}">
-        <p14:creationId xmlns:p14="http://schemas.microsoft.com/office/powerpoint/2010/main" val="1003303729"/>
-      </p:ext>
-    </p:extLst>
   </p:cSld>
   <p:clrMapOvr>
     <a:masterClrMapping/>
@@ -2467,6 +2433,7 @@
               <a:rPr lang="zh-CN" altLang="en-US"/>
               <a:t>单击此处编辑母版标题样式</a:t>
             </a:r>
+            <a:endParaRPr lang="zh-CN" altLang="en-US"/>
           </a:p>
         </p:txBody>
       </p:sp>
@@ -2523,6 +2490,7 @@
               <a:rPr lang="zh-CN" altLang="en-US"/>
               <a:t>单击此处编辑母版文本样式</a:t>
             </a:r>
+            <a:endParaRPr lang="zh-CN" altLang="en-US"/>
           </a:p>
           <a:p>
             <a:pPr lvl="1"/>
@@ -2530,6 +2498,7 @@
               <a:rPr lang="zh-CN" altLang="en-US"/>
               <a:t>第二级</a:t>
             </a:r>
+            <a:endParaRPr lang="zh-CN" altLang="en-US"/>
           </a:p>
           <a:p>
             <a:pPr lvl="2"/>
@@ -2537,6 +2506,7 @@
               <a:rPr lang="zh-CN" altLang="en-US"/>
               <a:t>第三级</a:t>
             </a:r>
+            <a:endParaRPr lang="zh-CN" altLang="en-US"/>
           </a:p>
           <a:p>
             <a:pPr lvl="3"/>
@@ -2544,6 +2514,7 @@
               <a:rPr lang="zh-CN" altLang="en-US"/>
               <a:t>第四级</a:t>
             </a:r>
+            <a:endParaRPr lang="zh-CN" altLang="en-US"/>
           </a:p>
           <a:p>
             <a:pPr lvl="4"/>
@@ -2551,6 +2522,7 @@
               <a:rPr lang="zh-CN" altLang="en-US"/>
               <a:t>第五级</a:t>
             </a:r>
+            <a:endParaRPr lang="zh-CN" altLang="en-US"/>
           </a:p>
         </p:txBody>
       </p:sp>
@@ -2616,6 +2588,7 @@
               <a:rPr lang="zh-CN" altLang="en-US"/>
               <a:t>单击此处编辑母版文本样式</a:t>
             </a:r>
+            <a:endParaRPr lang="zh-CN" altLang="en-US"/>
           </a:p>
         </p:txBody>
       </p:sp>
@@ -2636,7 +2609,6 @@
           <a:p>
             <a:fld id="{56E99B56-AAE7-4929-920B-80E2E1C0FFA9}" type="datetimeFigureOut">
               <a:rPr lang="zh-CN" altLang="en-US" smtClean="0"/>
-              <a:t>2017/5/22</a:t>
             </a:fld>
             <a:endParaRPr lang="zh-CN" altLang="en-US"/>
           </a:p>
@@ -2678,18 +2650,12 @@
           <a:p>
             <a:fld id="{22F1EA73-A147-4AC6-B678-ACA1566655AD}" type="slidenum">
               <a:rPr lang="zh-CN" altLang="en-US" smtClean="0"/>
-              <a:t>‹#›</a:t>
             </a:fld>
             <a:endParaRPr lang="zh-CN" altLang="en-US"/>
           </a:p>
         </p:txBody>
       </p:sp>
     </p:spTree>
-    <p:extLst>
-      <p:ext uri="{BB962C8B-B14F-4D97-AF65-F5344CB8AC3E}">
-        <p14:creationId xmlns:p14="http://schemas.microsoft.com/office/powerpoint/2010/main" val="2060972760"/>
-      </p:ext>
-    </p:extLst>
   </p:cSld>
   <p:clrMapOvr>
     <a:masterClrMapping/>
@@ -2742,6 +2708,7 @@
               <a:rPr lang="zh-CN" altLang="en-US"/>
               <a:t>单击此处编辑母版标题样式</a:t>
             </a:r>
+            <a:endParaRPr lang="zh-CN" altLang="en-US"/>
           </a:p>
         </p:txBody>
       </p:sp>
@@ -2868,6 +2835,7 @@
               <a:rPr lang="zh-CN" altLang="en-US"/>
               <a:t>单击此处编辑母版文本样式</a:t>
             </a:r>
+            <a:endParaRPr lang="zh-CN" altLang="en-US"/>
           </a:p>
         </p:txBody>
       </p:sp>
@@ -2888,7 +2856,6 @@
           <a:p>
             <a:fld id="{56E99B56-AAE7-4929-920B-80E2E1C0FFA9}" type="datetimeFigureOut">
               <a:rPr lang="zh-CN" altLang="en-US" smtClean="0"/>
-              <a:t>2017/5/22</a:t>
             </a:fld>
             <a:endParaRPr lang="zh-CN" altLang="en-US"/>
           </a:p>
@@ -2930,18 +2897,12 @@
           <a:p>
             <a:fld id="{22F1EA73-A147-4AC6-B678-ACA1566655AD}" type="slidenum">
               <a:rPr lang="zh-CN" altLang="en-US" smtClean="0"/>
-              <a:t>‹#›</a:t>
             </a:fld>
             <a:endParaRPr lang="zh-CN" altLang="en-US"/>
           </a:p>
         </p:txBody>
       </p:sp>
     </p:spTree>
-    <p:extLst>
-      <p:ext uri="{BB962C8B-B14F-4D97-AF65-F5344CB8AC3E}">
-        <p14:creationId xmlns:p14="http://schemas.microsoft.com/office/powerpoint/2010/main" val="2603930400"/>
-      </p:ext>
-    </p:extLst>
   </p:cSld>
   <p:clrMapOvr>
     <a:masterClrMapping/>
@@ -3000,6 +2961,7 @@
               <a:rPr lang="zh-CN" altLang="en-US"/>
               <a:t>单击此处编辑母版标题样式</a:t>
             </a:r>
+            <a:endParaRPr lang="zh-CN" altLang="en-US"/>
           </a:p>
         </p:txBody>
       </p:sp>
@@ -3033,6 +2995,7 @@
               <a:rPr lang="zh-CN" altLang="en-US"/>
               <a:t>单击此处编辑母版文本样式</a:t>
             </a:r>
+            <a:endParaRPr lang="zh-CN" altLang="en-US"/>
           </a:p>
           <a:p>
             <a:pPr lvl="1"/>
@@ -3040,6 +3003,7 @@
               <a:rPr lang="zh-CN" altLang="en-US"/>
               <a:t>第二级</a:t>
             </a:r>
+            <a:endParaRPr lang="zh-CN" altLang="en-US"/>
           </a:p>
           <a:p>
             <a:pPr lvl="2"/>
@@ -3047,6 +3011,7 @@
               <a:rPr lang="zh-CN" altLang="en-US"/>
               <a:t>第三级</a:t>
             </a:r>
+            <a:endParaRPr lang="zh-CN" altLang="en-US"/>
           </a:p>
           <a:p>
             <a:pPr lvl="3"/>
@@ -3054,6 +3019,7 @@
               <a:rPr lang="zh-CN" altLang="en-US"/>
               <a:t>第四级</a:t>
             </a:r>
+            <a:endParaRPr lang="zh-CN" altLang="en-US"/>
           </a:p>
           <a:p>
             <a:pPr lvl="4"/>
@@ -3061,6 +3027,7 @@
               <a:rPr lang="zh-CN" altLang="en-US"/>
               <a:t>第五级</a:t>
             </a:r>
+            <a:endParaRPr lang="zh-CN" altLang="en-US"/>
           </a:p>
         </p:txBody>
       </p:sp>
@@ -3099,7 +3066,6 @@
           <a:p>
             <a:fld id="{56E99B56-AAE7-4929-920B-80E2E1C0FFA9}" type="datetimeFigureOut">
               <a:rPr lang="zh-CN" altLang="en-US" smtClean="0"/>
-              <a:t>2017/5/22</a:t>
             </a:fld>
             <a:endParaRPr lang="zh-CN" altLang="en-US"/>
           </a:p>
@@ -3177,18 +3143,12 @@
           <a:p>
             <a:fld id="{22F1EA73-A147-4AC6-B678-ACA1566655AD}" type="slidenum">
               <a:rPr lang="zh-CN" altLang="en-US" smtClean="0"/>
-              <a:t>‹#›</a:t>
             </a:fld>
             <a:endParaRPr lang="zh-CN" altLang="en-US"/>
           </a:p>
         </p:txBody>
       </p:sp>
     </p:spTree>
-    <p:extLst>
-      <p:ext uri="{BB962C8B-B14F-4D97-AF65-F5344CB8AC3E}">
-        <p14:creationId xmlns:p14="http://schemas.microsoft.com/office/powerpoint/2010/main" val="4273481108"/>
-      </p:ext>
-    </p:extLst>
   </p:cSld>
   <p:clrMap bg1="lt1" tx1="dk1" bg2="lt2" tx2="dk2" accent1="accent1" accent2="accent2" accent3="accent3" accent4="accent4" accent5="accent5" accent6="accent6" hlink="hlink" folHlink="folHlink"/>
   <p:sldLayoutIdLst>
@@ -4181,11 +4141,6 @@
         </p:txBody>
       </p:sp>
     </p:spTree>
-    <p:extLst>
-      <p:ext uri="{BB962C8B-B14F-4D97-AF65-F5344CB8AC3E}">
-        <p14:creationId xmlns:p14="http://schemas.microsoft.com/office/powerpoint/2010/main" val="941645301"/>
-      </p:ext>
-    </p:extLst>
   </p:cSld>
   <p:clrMapOvr>
     <a:masterClrMapping/>
@@ -4790,11 +4745,6 @@
         </p:txBody>
       </p:sp>
     </p:spTree>
-    <p:extLst>
-      <p:ext uri="{BB962C8B-B14F-4D97-AF65-F5344CB8AC3E}">
-        <p14:creationId xmlns:p14="http://schemas.microsoft.com/office/powerpoint/2010/main" val="1173049138"/>
-      </p:ext>
-    </p:extLst>
   </p:cSld>
   <p:clrMapOvr>
     <a:masterClrMapping/>
@@ -5025,7 +4975,7 @@
           <p:nvPr/>
         </p:nvPicPr>
         <p:blipFill>
-          <a:blip r:embed="rId2">
+          <a:blip r:embed="rId1">
             <a:extLst>
               <a:ext uri="{28A0092B-C50C-407E-A947-70E740481C1C}">
                 <a14:useLocalDpi xmlns:a14="http://schemas.microsoft.com/office/drawing/2010/main" val="0"/>
@@ -5047,11 +4997,6 @@
         </p:spPr>
       </p:pic>
     </p:spTree>
-    <p:extLst>
-      <p:ext uri="{BB962C8B-B14F-4D97-AF65-F5344CB8AC3E}">
-        <p14:creationId xmlns:p14="http://schemas.microsoft.com/office/powerpoint/2010/main" val="1317993414"/>
-      </p:ext>
-    </p:extLst>
   </p:cSld>
   <p:clrMapOvr>
     <a:masterClrMapping/>
@@ -5290,7 +5235,7 @@
           <p:nvPr/>
         </p:nvPicPr>
         <p:blipFill>
-          <a:blip r:embed="rId2">
+          <a:blip r:embed="rId1">
             <a:extLst>
               <a:ext uri="{28A0092B-C50C-407E-A947-70E740481C1C}">
                 <a14:useLocalDpi xmlns:a14="http://schemas.microsoft.com/office/drawing/2010/main" val="0"/>
@@ -5312,11 +5257,6 @@
         </p:spPr>
       </p:pic>
     </p:spTree>
-    <p:extLst>
-      <p:ext uri="{BB962C8B-B14F-4D97-AF65-F5344CB8AC3E}">
-        <p14:creationId xmlns:p14="http://schemas.microsoft.com/office/powerpoint/2010/main" val="3329588149"/>
-      </p:ext>
-    </p:extLst>
   </p:cSld>
   <p:clrMapOvr>
     <a:masterClrMapping/>
@@ -5328,597 +5268,6 @@
 </file>
 
 <file path=ppt/slides/slide5.xml><?xml version="1.0" encoding="utf-8"?>
-<p:sld xmlns:a="http://schemas.openxmlformats.org/drawingml/2006/main" xmlns:r="http://schemas.openxmlformats.org/officeDocument/2006/relationships" xmlns:p="http://schemas.openxmlformats.org/presentationml/2006/main">
-  <p:cSld>
-    <p:spTree>
-      <p:nvGrpSpPr>
-        <p:cNvPr id="1" name=""/>
-        <p:cNvGrpSpPr/>
-        <p:nvPr/>
-      </p:nvGrpSpPr>
-      <p:grpSpPr>
-        <a:xfrm>
-          <a:off x="0" y="0"/>
-          <a:ext cx="0" cy="0"/>
-          <a:chOff x="0" y="0"/>
-          <a:chExt cx="0" cy="0"/>
-        </a:xfrm>
-      </p:grpSpPr>
-      <p:sp>
-        <p:nvSpPr>
-          <p:cNvPr id="6" name="文本框 5"/>
-          <p:cNvSpPr txBox="1"/>
-          <p:nvPr/>
-        </p:nvSpPr>
-        <p:spPr>
-          <a:xfrm>
-            <a:off x="4021831" y="1470016"/>
-            <a:ext cx="8005329" cy="6186309"/>
-          </a:xfrm>
-          <a:prstGeom prst="rect">
-            <a:avLst/>
-          </a:prstGeom>
-          <a:noFill/>
-        </p:spPr>
-        <p:txBody>
-          <a:bodyPr wrap="square" rtlCol="0">
-            <a:spAutoFit/>
-          </a:bodyPr>
-          <a:lstStyle/>
-          <a:p>
-            <a:r>
-              <a:rPr lang="en-US" altLang="zh-CN" sz="8800" b="1" dirty="0">
-                <a:solidFill>
-                  <a:schemeClr val="bg1"/>
-                </a:solidFill>
-              </a:rPr>
-              <a:t>Part five</a:t>
-            </a:r>
-          </a:p>
-          <a:p>
-            <a:r>
-              <a:rPr lang="zh-CN" altLang="en-US" sz="6600" b="1" dirty="0">
-                <a:solidFill>
-                  <a:schemeClr val="bg1"/>
-                </a:solidFill>
-              </a:rPr>
-              <a:t>展示建模：</a:t>
-            </a:r>
-            <a:endParaRPr lang="en-US" altLang="zh-CN" sz="6600" b="1" dirty="0">
-              <a:solidFill>
-                <a:schemeClr val="bg1"/>
-              </a:solidFill>
-            </a:endParaRPr>
-          </a:p>
-          <a:p>
-            <a:r>
-              <a:rPr lang="en-US" altLang="zh-CN" sz="6600" b="1" dirty="0">
-                <a:solidFill>
-                  <a:schemeClr val="bg1"/>
-                </a:solidFill>
-              </a:rPr>
-              <a:t>UWE</a:t>
-            </a:r>
-            <a:r>
-              <a:rPr lang="zh-CN" altLang="en-US" sz="6600" b="1" dirty="0">
-                <a:solidFill>
-                  <a:schemeClr val="bg1"/>
-                </a:solidFill>
-              </a:rPr>
-              <a:t>建模</a:t>
-            </a:r>
-          </a:p>
-          <a:p>
-            <a:endParaRPr lang="en-US" altLang="zh-CN" sz="8800" b="1" dirty="0">
-              <a:solidFill>
-                <a:schemeClr val="bg1"/>
-              </a:solidFill>
-            </a:endParaRPr>
-          </a:p>
-          <a:p>
-            <a:endParaRPr lang="zh-CN" altLang="en-US" sz="8800" b="1" dirty="0">
-              <a:solidFill>
-                <a:schemeClr val="bg1"/>
-              </a:solidFill>
-            </a:endParaRPr>
-          </a:p>
-        </p:txBody>
-      </p:sp>
-      <p:grpSp>
-        <p:nvGrpSpPr>
-          <p:cNvPr id="7" name="组合 6"/>
-          <p:cNvGrpSpPr/>
-          <p:nvPr/>
-        </p:nvGrpSpPr>
-        <p:grpSpPr>
-          <a:xfrm rot="19068014">
-            <a:off x="1556870" y="2221074"/>
-            <a:ext cx="1957812" cy="2144454"/>
-            <a:chOff x="10141891" y="-883067"/>
-            <a:chExt cx="2652736" cy="2905631"/>
-          </a:xfrm>
-        </p:grpSpPr>
-        <p:sp>
-          <p:nvSpPr>
-            <p:cNvPr id="8" name="矩形 7"/>
-            <p:cNvSpPr/>
-            <p:nvPr/>
-          </p:nvSpPr>
-          <p:spPr>
-            <a:xfrm>
-              <a:off x="12394716" y="133432"/>
-              <a:ext cx="399911" cy="492961"/>
-            </a:xfrm>
-            <a:prstGeom prst="rect">
-              <a:avLst/>
-            </a:prstGeom>
-            <a:noFill/>
-            <a:ln w="38100">
-              <a:solidFill>
-                <a:schemeClr val="accent3"/>
-              </a:solidFill>
-            </a:ln>
-          </p:spPr>
-          <p:style>
-            <a:lnRef idx="2">
-              <a:schemeClr val="accent1">
-                <a:shade val="50000"/>
-              </a:schemeClr>
-            </a:lnRef>
-            <a:fillRef idx="1">
-              <a:schemeClr val="accent1"/>
-            </a:fillRef>
-            <a:effectRef idx="0">
-              <a:schemeClr val="accent1"/>
-            </a:effectRef>
-            <a:fontRef idx="minor">
-              <a:schemeClr val="lt1"/>
-            </a:fontRef>
-          </p:style>
-          <p:txBody>
-            <a:bodyPr rtlCol="0" anchor="ctr"/>
-            <a:lstStyle/>
-            <a:p>
-              <a:pPr algn="ctr"/>
-              <a:endParaRPr lang="zh-CN" altLang="en-US" sz="1600"/>
-            </a:p>
-          </p:txBody>
-        </p:sp>
-        <p:sp>
-          <p:nvSpPr>
-            <p:cNvPr id="9" name="矩形 8"/>
-            <p:cNvSpPr/>
-            <p:nvPr/>
-          </p:nvSpPr>
-          <p:spPr>
-            <a:xfrm>
-              <a:off x="11945323" y="-178135"/>
-              <a:ext cx="492405" cy="492407"/>
-            </a:xfrm>
-            <a:prstGeom prst="rect">
-              <a:avLst/>
-            </a:prstGeom>
-            <a:noFill/>
-            <a:ln w="38100">
-              <a:solidFill>
-                <a:schemeClr val="tx2">
-                  <a:lumMod val="60000"/>
-                  <a:lumOff val="40000"/>
-                </a:schemeClr>
-              </a:solidFill>
-            </a:ln>
-          </p:spPr>
-          <p:style>
-            <a:lnRef idx="2">
-              <a:schemeClr val="accent1">
-                <a:shade val="50000"/>
-              </a:schemeClr>
-            </a:lnRef>
-            <a:fillRef idx="1">
-              <a:schemeClr val="accent1"/>
-            </a:fillRef>
-            <a:effectRef idx="0">
-              <a:schemeClr val="accent1"/>
-            </a:effectRef>
-            <a:fontRef idx="minor">
-              <a:schemeClr val="lt1"/>
-            </a:fontRef>
-          </p:style>
-          <p:txBody>
-            <a:bodyPr rtlCol="0" anchor="ctr"/>
-            <a:lstStyle/>
-            <a:p>
-              <a:pPr algn="ctr"/>
-              <a:endParaRPr lang="zh-CN" altLang="en-US" sz="1600"/>
-            </a:p>
-          </p:txBody>
-        </p:sp>
-        <p:sp>
-          <p:nvSpPr>
-            <p:cNvPr id="10" name="矩形 9"/>
-            <p:cNvSpPr/>
-            <p:nvPr/>
-          </p:nvSpPr>
-          <p:spPr>
-            <a:xfrm>
-              <a:off x="11181847" y="-197920"/>
-              <a:ext cx="492406" cy="492407"/>
-            </a:xfrm>
-            <a:prstGeom prst="rect">
-              <a:avLst/>
-            </a:prstGeom>
-            <a:noFill/>
-            <a:ln w="38100">
-              <a:solidFill>
-                <a:schemeClr val="accent4"/>
-              </a:solidFill>
-            </a:ln>
-          </p:spPr>
-          <p:style>
-            <a:lnRef idx="2">
-              <a:schemeClr val="accent1">
-                <a:shade val="50000"/>
-              </a:schemeClr>
-            </a:lnRef>
-            <a:fillRef idx="1">
-              <a:schemeClr val="accent1"/>
-            </a:fillRef>
-            <a:effectRef idx="0">
-              <a:schemeClr val="accent1"/>
-            </a:effectRef>
-            <a:fontRef idx="minor">
-              <a:schemeClr val="lt1"/>
-            </a:fontRef>
-          </p:style>
-          <p:txBody>
-            <a:bodyPr rtlCol="0" anchor="ctr"/>
-            <a:lstStyle/>
-            <a:p>
-              <a:pPr algn="ctr"/>
-              <a:endParaRPr lang="zh-CN" altLang="en-US" sz="1600"/>
-            </a:p>
-          </p:txBody>
-        </p:sp>
-        <p:sp>
-          <p:nvSpPr>
-            <p:cNvPr id="11" name="矩形 10"/>
-            <p:cNvSpPr/>
-            <p:nvPr/>
-          </p:nvSpPr>
-          <p:spPr>
-            <a:xfrm>
-              <a:off x="11775612" y="-883067"/>
-              <a:ext cx="492407" cy="492407"/>
-            </a:xfrm>
-            <a:prstGeom prst="rect">
-              <a:avLst/>
-            </a:prstGeom>
-            <a:noFill/>
-            <a:ln w="38100">
-              <a:solidFill>
-                <a:schemeClr val="accent6"/>
-              </a:solidFill>
-            </a:ln>
-          </p:spPr>
-          <p:style>
-            <a:lnRef idx="2">
-              <a:schemeClr val="accent1">
-                <a:shade val="50000"/>
-              </a:schemeClr>
-            </a:lnRef>
-            <a:fillRef idx="1">
-              <a:schemeClr val="accent1"/>
-            </a:fillRef>
-            <a:effectRef idx="0">
-              <a:schemeClr val="accent1"/>
-            </a:effectRef>
-            <a:fontRef idx="minor">
-              <a:schemeClr val="lt1"/>
-            </a:fontRef>
-          </p:style>
-          <p:txBody>
-            <a:bodyPr rtlCol="0" anchor="ctr"/>
-            <a:lstStyle/>
-            <a:p>
-              <a:pPr algn="ctr"/>
-              <a:endParaRPr lang="zh-CN" altLang="en-US" sz="1600" dirty="0"/>
-            </a:p>
-          </p:txBody>
-        </p:sp>
-        <p:sp>
-          <p:nvSpPr>
-            <p:cNvPr id="12" name="矩形 11"/>
-            <p:cNvSpPr/>
-            <p:nvPr/>
-          </p:nvSpPr>
-          <p:spPr>
-            <a:xfrm>
-              <a:off x="11343074" y="734042"/>
-              <a:ext cx="492406" cy="492407"/>
-            </a:xfrm>
-            <a:prstGeom prst="rect">
-              <a:avLst/>
-            </a:prstGeom>
-            <a:noFill/>
-            <a:ln w="38100">
-              <a:solidFill>
-                <a:schemeClr val="accent4"/>
-              </a:solidFill>
-            </a:ln>
-          </p:spPr>
-          <p:style>
-            <a:lnRef idx="2">
-              <a:schemeClr val="accent1">
-                <a:shade val="50000"/>
-              </a:schemeClr>
-            </a:lnRef>
-            <a:fillRef idx="1">
-              <a:schemeClr val="accent1"/>
-            </a:fillRef>
-            <a:effectRef idx="0">
-              <a:schemeClr val="accent1"/>
-            </a:effectRef>
-            <a:fontRef idx="minor">
-              <a:schemeClr val="lt1"/>
-            </a:fontRef>
-          </p:style>
-          <p:txBody>
-            <a:bodyPr rtlCol="0" anchor="ctr"/>
-            <a:lstStyle/>
-            <a:p>
-              <a:pPr algn="ctr"/>
-              <a:endParaRPr lang="zh-CN" altLang="en-US" sz="1600"/>
-            </a:p>
-          </p:txBody>
-        </p:sp>
-        <p:sp>
-          <p:nvSpPr>
-            <p:cNvPr id="13" name="矩形 12"/>
-            <p:cNvSpPr/>
-            <p:nvPr/>
-          </p:nvSpPr>
-          <p:spPr>
-            <a:xfrm>
-              <a:off x="10828124" y="303104"/>
-              <a:ext cx="492406" cy="492407"/>
-            </a:xfrm>
-            <a:prstGeom prst="rect">
-              <a:avLst/>
-            </a:prstGeom>
-            <a:noFill/>
-            <a:ln w="38100">
-              <a:solidFill>
-                <a:schemeClr val="accent6"/>
-              </a:solidFill>
-            </a:ln>
-          </p:spPr>
-          <p:style>
-            <a:lnRef idx="2">
-              <a:schemeClr val="accent1">
-                <a:shade val="50000"/>
-              </a:schemeClr>
-            </a:lnRef>
-            <a:fillRef idx="1">
-              <a:schemeClr val="accent1"/>
-            </a:fillRef>
-            <a:effectRef idx="0">
-              <a:schemeClr val="accent1"/>
-            </a:effectRef>
-            <a:fontRef idx="minor">
-              <a:schemeClr val="lt1"/>
-            </a:fontRef>
-          </p:style>
-          <p:txBody>
-            <a:bodyPr rtlCol="0" anchor="ctr"/>
-            <a:lstStyle/>
-            <a:p>
-              <a:pPr algn="ctr"/>
-              <a:endParaRPr lang="zh-CN" altLang="en-US" sz="1600"/>
-            </a:p>
-          </p:txBody>
-        </p:sp>
-        <p:sp>
-          <p:nvSpPr>
-            <p:cNvPr id="14" name="矩形 13"/>
-            <p:cNvSpPr/>
-            <p:nvPr/>
-          </p:nvSpPr>
-          <p:spPr>
-            <a:xfrm>
-              <a:off x="10141891" y="949004"/>
-              <a:ext cx="492408" cy="492407"/>
-            </a:xfrm>
-            <a:prstGeom prst="rect">
-              <a:avLst/>
-            </a:prstGeom>
-            <a:noFill/>
-            <a:ln w="38100">
-              <a:solidFill>
-                <a:schemeClr val="accent3"/>
-              </a:solidFill>
-            </a:ln>
-          </p:spPr>
-          <p:style>
-            <a:lnRef idx="2">
-              <a:schemeClr val="accent1">
-                <a:shade val="50000"/>
-              </a:schemeClr>
-            </a:lnRef>
-            <a:fillRef idx="1">
-              <a:schemeClr val="accent1"/>
-            </a:fillRef>
-            <a:effectRef idx="0">
-              <a:schemeClr val="accent1"/>
-            </a:effectRef>
-            <a:fontRef idx="minor">
-              <a:schemeClr val="lt1"/>
-            </a:fontRef>
-          </p:style>
-          <p:txBody>
-            <a:bodyPr rtlCol="0" anchor="ctr"/>
-            <a:lstStyle/>
-            <a:p>
-              <a:pPr algn="ctr"/>
-              <a:endParaRPr lang="zh-CN" altLang="en-US" sz="1600"/>
-            </a:p>
-          </p:txBody>
-        </p:sp>
-        <p:sp>
-          <p:nvSpPr>
-            <p:cNvPr id="18" name="矩形 17"/>
-            <p:cNvSpPr/>
-            <p:nvPr/>
-          </p:nvSpPr>
-          <p:spPr>
-            <a:xfrm>
-              <a:off x="10675266" y="1483202"/>
-              <a:ext cx="492408" cy="492407"/>
-            </a:xfrm>
-            <a:prstGeom prst="rect">
-              <a:avLst/>
-            </a:prstGeom>
-            <a:noFill/>
-            <a:ln w="38100">
-              <a:solidFill>
-                <a:schemeClr val="accent6"/>
-              </a:solidFill>
-            </a:ln>
-          </p:spPr>
-          <p:style>
-            <a:lnRef idx="2">
-              <a:schemeClr val="accent1">
-                <a:shade val="50000"/>
-              </a:schemeClr>
-            </a:lnRef>
-            <a:fillRef idx="1">
-              <a:schemeClr val="accent1"/>
-            </a:fillRef>
-            <a:effectRef idx="0">
-              <a:schemeClr val="accent1"/>
-            </a:effectRef>
-            <a:fontRef idx="minor">
-              <a:schemeClr val="lt1"/>
-            </a:fontRef>
-          </p:style>
-          <p:txBody>
-            <a:bodyPr rtlCol="0" anchor="ctr"/>
-            <a:lstStyle/>
-            <a:p>
-              <a:pPr algn="ctr"/>
-              <a:endParaRPr lang="zh-CN" altLang="en-US" sz="1600"/>
-            </a:p>
-          </p:txBody>
-        </p:sp>
-        <p:sp>
-          <p:nvSpPr>
-            <p:cNvPr id="19" name="矩形 18"/>
-            <p:cNvSpPr/>
-            <p:nvPr/>
-          </p:nvSpPr>
-          <p:spPr>
-            <a:xfrm>
-              <a:off x="11382154" y="1530157"/>
-              <a:ext cx="492408" cy="492407"/>
-            </a:xfrm>
-            <a:prstGeom prst="rect">
-              <a:avLst/>
-            </a:prstGeom>
-            <a:noFill/>
-            <a:ln w="38100">
-              <a:solidFill>
-                <a:schemeClr val="accent3"/>
-              </a:solidFill>
-            </a:ln>
-          </p:spPr>
-          <p:style>
-            <a:lnRef idx="2">
-              <a:schemeClr val="accent1">
-                <a:shade val="50000"/>
-              </a:schemeClr>
-            </a:lnRef>
-            <a:fillRef idx="1">
-              <a:schemeClr val="accent1"/>
-            </a:fillRef>
-            <a:effectRef idx="0">
-              <a:schemeClr val="accent1"/>
-            </a:effectRef>
-            <a:fontRef idx="minor">
-              <a:schemeClr val="lt1"/>
-            </a:fontRef>
-          </p:style>
-          <p:txBody>
-            <a:bodyPr rtlCol="0" anchor="ctr"/>
-            <a:lstStyle/>
-            <a:p>
-              <a:pPr algn="ctr"/>
-              <a:endParaRPr lang="zh-CN" altLang="en-US" sz="1600"/>
-            </a:p>
-          </p:txBody>
-        </p:sp>
-      </p:grpSp>
-      <p:sp>
-        <p:nvSpPr>
-          <p:cNvPr id="15" name="矩形 14"/>
-          <p:cNvSpPr/>
-          <p:nvPr/>
-        </p:nvSpPr>
-        <p:spPr>
-          <a:xfrm rot="19068014">
-            <a:off x="2141973" y="2502488"/>
-            <a:ext cx="356825" cy="292096"/>
-          </a:xfrm>
-          <a:prstGeom prst="rect">
-            <a:avLst/>
-          </a:prstGeom>
-          <a:noFill/>
-          <a:ln w="38100">
-            <a:solidFill>
-              <a:srgbClr val="00B0F0"/>
-            </a:solidFill>
-          </a:ln>
-        </p:spPr>
-        <p:style>
-          <a:lnRef idx="2">
-            <a:schemeClr val="accent1">
-              <a:shade val="50000"/>
-            </a:schemeClr>
-          </a:lnRef>
-          <a:fillRef idx="1">
-            <a:schemeClr val="accent1"/>
-          </a:fillRef>
-          <a:effectRef idx="0">
-            <a:schemeClr val="accent1"/>
-          </a:effectRef>
-          <a:fontRef idx="minor">
-            <a:schemeClr val="lt1"/>
-          </a:fontRef>
-        </p:style>
-        <p:txBody>
-          <a:bodyPr rtlCol="0" anchor="ctr"/>
-          <a:lstStyle/>
-          <a:p>
-            <a:pPr algn="ctr"/>
-            <a:endParaRPr lang="zh-CN" altLang="en-US" sz="1600" dirty="0"/>
-          </a:p>
-        </p:txBody>
-      </p:sp>
-    </p:spTree>
-    <p:extLst>
-      <p:ext uri="{BB962C8B-B14F-4D97-AF65-F5344CB8AC3E}">
-        <p14:creationId xmlns:p14="http://schemas.microsoft.com/office/powerpoint/2010/main" val="1087031059"/>
-      </p:ext>
-    </p:extLst>
-  </p:cSld>
-  <p:clrMapOvr>
-    <a:masterClrMapping/>
-  </p:clrMapOvr>
-  <p:transition spd="slow">
-    <p:wipe/>
-  </p:transition>
-</p:sld>
-</file>
-
-<file path=ppt/slides/slide6.xml><?xml version="1.0" encoding="utf-8"?>
 <p:sld xmlns:a="http://schemas.openxmlformats.org/drawingml/2006/main" xmlns:r="http://schemas.openxmlformats.org/officeDocument/2006/relationships" xmlns:p="http://schemas.openxmlformats.org/presentationml/2006/main">
   <p:cSld>
     <p:spTree>
@@ -6091,46 +5440,114 @@
           </p:txBody>
         </p:sp>
       </p:grpSp>
+      <p:sp>
+        <p:nvSpPr>
+          <p:cNvPr id="17" name="文本框 16"/>
+          <p:cNvSpPr txBox="1"/>
+          <p:nvPr/>
+        </p:nvSpPr>
+        <p:spPr>
+          <a:xfrm>
+            <a:off x="2579587" y="349586"/>
+            <a:ext cx="6302207" cy="701040"/>
+          </a:xfrm>
+          <a:prstGeom prst="rect">
+            <a:avLst/>
+          </a:prstGeom>
+          <a:noFill/>
+        </p:spPr>
+        <p:txBody>
+          <a:bodyPr wrap="square" rtlCol="0">
+            <a:spAutoFit/>
+          </a:bodyPr>
+          <a:lstStyle/>
+          <a:p>
+            <a:r>
+              <a:rPr lang="zh-CN" altLang="en-US" sz="4000" b="1" dirty="0" smtClean="0">
+                <a:solidFill>
+                  <a:schemeClr val="bg1"/>
+                </a:solidFill>
+              </a:rPr>
+              <a:t>景点类的</a:t>
+            </a:r>
+            <a:r>
+              <a:rPr lang="zh-CN" altLang="en-US" sz="4000" b="1" dirty="0" smtClean="0">
+                <a:solidFill>
+                  <a:schemeClr val="bg1"/>
+                </a:solidFill>
+              </a:rPr>
+              <a:t>状态图</a:t>
+            </a:r>
+            <a:endParaRPr lang="zh-CN" altLang="en-US" sz="4000" b="1" dirty="0">
+              <a:solidFill>
+                <a:schemeClr val="bg1"/>
+              </a:solidFill>
+            </a:endParaRPr>
+          </a:p>
+        </p:txBody>
+      </p:sp>
       <p:pic>
         <p:nvPicPr>
-          <p:cNvPr id="16" name="图片 15"/>
+          <p:cNvPr id="2" name="图片 1"/>
           <p:cNvPicPr>
             <a:picLocks noChangeAspect="1"/>
           </p:cNvPicPr>
           <p:nvPr/>
         </p:nvPicPr>
         <p:blipFill>
-          <a:blip r:embed="rId2">
-            <a:extLst>
-              <a:ext uri="{28A0092B-C50C-407E-A947-70E740481C1C}">
-                <a14:useLocalDpi xmlns:a14="http://schemas.microsoft.com/office/drawing/2010/main" val="0"/>
-              </a:ext>
-            </a:extLst>
-          </a:blip>
+          <a:blip r:embed="rId1"/>
           <a:stretch>
             <a:fillRect/>
           </a:stretch>
         </p:blipFill>
         <p:spPr>
           <a:xfrm>
-            <a:off x="1457787" y="1324947"/>
-            <a:ext cx="8159547" cy="5411755"/>
+            <a:off x="2799715" y="1360170"/>
+            <a:ext cx="5861050" cy="5041265"/>
           </a:xfrm>
           <a:prstGeom prst="rect">
             <a:avLst/>
           </a:prstGeom>
         </p:spPr>
       </p:pic>
-      <p:sp>
-        <p:nvSpPr>
-          <p:cNvPr id="17" name="文本框 16"/>
+    </p:spTree>
+  </p:cSld>
+  <p:clrMapOvr>
+    <a:masterClrMapping/>
+  </p:clrMapOvr>
+  <p:transition spd="slow">
+    <p:wipe/>
+  </p:transition>
+</p:sld>
+</file>
+
+<file path=ppt/slides/slide6.xml><?xml version="1.0" encoding="utf-8"?>
+<p:sld xmlns:a="http://schemas.openxmlformats.org/drawingml/2006/main" xmlns:r="http://schemas.openxmlformats.org/officeDocument/2006/relationships" xmlns:p="http://schemas.openxmlformats.org/presentationml/2006/main">
+  <p:cSld>
+    <p:spTree>
+      <p:nvGrpSpPr>
+        <p:cNvPr id="1" name=""/>
+        <p:cNvGrpSpPr/>
+        <p:nvPr/>
+      </p:nvGrpSpPr>
+      <p:grpSpPr>
+        <a:xfrm>
+          <a:off x="0" y="0"/>
+          <a:ext cx="0" cy="0"/>
+          <a:chOff x="0" y="0"/>
+          <a:chExt cx="0" cy="0"/>
+        </a:xfrm>
+      </p:grpSpPr>
+      <p:sp>
+        <p:nvSpPr>
+          <p:cNvPr id="6" name="文本框 5"/>
           <p:cNvSpPr txBox="1"/>
           <p:nvPr/>
         </p:nvSpPr>
         <p:spPr>
           <a:xfrm>
-            <a:off x="2579587" y="349586"/>
-            <a:ext cx="6302207" cy="707886"/>
+            <a:off x="4021831" y="1470016"/>
+            <a:ext cx="8005329" cy="6186309"/>
           </a:xfrm>
           <a:prstGeom prst="rect">
             <a:avLst/>
@@ -6144,22 +5561,552 @@
           <a:lstStyle/>
           <a:p>
             <a:r>
-              <a:rPr lang="zh-CN" altLang="en-US" sz="4000" b="1" dirty="0">
+              <a:rPr lang="en-US" altLang="zh-CN" sz="8800" b="1" dirty="0">
                 <a:solidFill>
                   <a:schemeClr val="bg1"/>
                 </a:solidFill>
               </a:rPr>
-              <a:t>登录页面</a:t>
-            </a:r>
+              <a:t>Part five</a:t>
+            </a:r>
+            <a:endParaRPr lang="en-US" altLang="zh-CN" sz="8800" b="1" dirty="0">
+              <a:solidFill>
+                <a:schemeClr val="bg1"/>
+              </a:solidFill>
+            </a:endParaRPr>
+          </a:p>
+          <a:p>
+            <a:r>
+              <a:rPr lang="zh-CN" altLang="en-US" sz="6600" b="1" dirty="0">
+                <a:solidFill>
+                  <a:schemeClr val="bg1"/>
+                </a:solidFill>
+              </a:rPr>
+              <a:t>展示建模：</a:t>
+            </a:r>
+            <a:endParaRPr lang="en-US" altLang="zh-CN" sz="6600" b="1" dirty="0">
+              <a:solidFill>
+                <a:schemeClr val="bg1"/>
+              </a:solidFill>
+            </a:endParaRPr>
+          </a:p>
+          <a:p>
+            <a:r>
+              <a:rPr lang="en-US" altLang="zh-CN" sz="6600" b="1" dirty="0">
+                <a:solidFill>
+                  <a:schemeClr val="bg1"/>
+                </a:solidFill>
+              </a:rPr>
+              <a:t>UWE</a:t>
+            </a:r>
+            <a:r>
+              <a:rPr lang="zh-CN" altLang="en-US" sz="6600" b="1" dirty="0">
+                <a:solidFill>
+                  <a:schemeClr val="bg1"/>
+                </a:solidFill>
+              </a:rPr>
+              <a:t>建模</a:t>
+            </a:r>
+            <a:endParaRPr lang="zh-CN" altLang="en-US" sz="6600" b="1" dirty="0">
+              <a:solidFill>
+                <a:schemeClr val="bg1"/>
+              </a:solidFill>
+            </a:endParaRPr>
+          </a:p>
+          <a:p>
+            <a:endParaRPr lang="en-US" altLang="zh-CN" sz="8800" b="1" dirty="0">
+              <a:solidFill>
+                <a:schemeClr val="bg1"/>
+              </a:solidFill>
+            </a:endParaRPr>
+          </a:p>
+          <a:p>
+            <a:endParaRPr lang="zh-CN" altLang="en-US" sz="8800" b="1" dirty="0">
+              <a:solidFill>
+                <a:schemeClr val="bg1"/>
+              </a:solidFill>
+            </a:endParaRPr>
+          </a:p>
+        </p:txBody>
+      </p:sp>
+      <p:grpSp>
+        <p:nvGrpSpPr>
+          <p:cNvPr id="7" name="组合 6"/>
+          <p:cNvGrpSpPr/>
+          <p:nvPr/>
+        </p:nvGrpSpPr>
+        <p:grpSpPr>
+          <a:xfrm rot="19068014">
+            <a:off x="1556870" y="2221074"/>
+            <a:ext cx="1957812" cy="2144454"/>
+            <a:chOff x="10141891" y="-883067"/>
+            <a:chExt cx="2652736" cy="2905631"/>
+          </a:xfrm>
+        </p:grpSpPr>
+        <p:sp>
+          <p:nvSpPr>
+            <p:cNvPr id="8" name="矩形 7"/>
+            <p:cNvSpPr/>
+            <p:nvPr/>
+          </p:nvSpPr>
+          <p:spPr>
+            <a:xfrm>
+              <a:off x="12394716" y="133432"/>
+              <a:ext cx="399911" cy="492961"/>
+            </a:xfrm>
+            <a:prstGeom prst="rect">
+              <a:avLst/>
+            </a:prstGeom>
+            <a:noFill/>
+            <a:ln w="38100">
+              <a:solidFill>
+                <a:schemeClr val="accent3"/>
+              </a:solidFill>
+            </a:ln>
+          </p:spPr>
+          <p:style>
+            <a:lnRef idx="2">
+              <a:schemeClr val="accent1">
+                <a:shade val="50000"/>
+              </a:schemeClr>
+            </a:lnRef>
+            <a:fillRef idx="1">
+              <a:schemeClr val="accent1"/>
+            </a:fillRef>
+            <a:effectRef idx="0">
+              <a:schemeClr val="accent1"/>
+            </a:effectRef>
+            <a:fontRef idx="minor">
+              <a:schemeClr val="lt1"/>
+            </a:fontRef>
+          </p:style>
+          <p:txBody>
+            <a:bodyPr rtlCol="0" anchor="ctr"/>
+            <a:lstStyle/>
+            <a:p>
+              <a:pPr algn="ctr"/>
+              <a:endParaRPr lang="zh-CN" altLang="en-US" sz="1600"/>
+            </a:p>
+          </p:txBody>
+        </p:sp>
+        <p:sp>
+          <p:nvSpPr>
+            <p:cNvPr id="9" name="矩形 8"/>
+            <p:cNvSpPr/>
+            <p:nvPr/>
+          </p:nvSpPr>
+          <p:spPr>
+            <a:xfrm>
+              <a:off x="11945323" y="-178135"/>
+              <a:ext cx="492405" cy="492407"/>
+            </a:xfrm>
+            <a:prstGeom prst="rect">
+              <a:avLst/>
+            </a:prstGeom>
+            <a:noFill/>
+            <a:ln w="38100">
+              <a:solidFill>
+                <a:schemeClr val="tx2">
+                  <a:lumMod val="60000"/>
+                  <a:lumOff val="40000"/>
+                </a:schemeClr>
+              </a:solidFill>
+            </a:ln>
+          </p:spPr>
+          <p:style>
+            <a:lnRef idx="2">
+              <a:schemeClr val="accent1">
+                <a:shade val="50000"/>
+              </a:schemeClr>
+            </a:lnRef>
+            <a:fillRef idx="1">
+              <a:schemeClr val="accent1"/>
+            </a:fillRef>
+            <a:effectRef idx="0">
+              <a:schemeClr val="accent1"/>
+            </a:effectRef>
+            <a:fontRef idx="minor">
+              <a:schemeClr val="lt1"/>
+            </a:fontRef>
+          </p:style>
+          <p:txBody>
+            <a:bodyPr rtlCol="0" anchor="ctr"/>
+            <a:lstStyle/>
+            <a:p>
+              <a:pPr algn="ctr"/>
+              <a:endParaRPr lang="zh-CN" altLang="en-US" sz="1600"/>
+            </a:p>
+          </p:txBody>
+        </p:sp>
+        <p:sp>
+          <p:nvSpPr>
+            <p:cNvPr id="10" name="矩形 9"/>
+            <p:cNvSpPr/>
+            <p:nvPr/>
+          </p:nvSpPr>
+          <p:spPr>
+            <a:xfrm>
+              <a:off x="11181847" y="-197920"/>
+              <a:ext cx="492406" cy="492407"/>
+            </a:xfrm>
+            <a:prstGeom prst="rect">
+              <a:avLst/>
+            </a:prstGeom>
+            <a:noFill/>
+            <a:ln w="38100">
+              <a:solidFill>
+                <a:schemeClr val="accent4"/>
+              </a:solidFill>
+            </a:ln>
+          </p:spPr>
+          <p:style>
+            <a:lnRef idx="2">
+              <a:schemeClr val="accent1">
+                <a:shade val="50000"/>
+              </a:schemeClr>
+            </a:lnRef>
+            <a:fillRef idx="1">
+              <a:schemeClr val="accent1"/>
+            </a:fillRef>
+            <a:effectRef idx="0">
+              <a:schemeClr val="accent1"/>
+            </a:effectRef>
+            <a:fontRef idx="minor">
+              <a:schemeClr val="lt1"/>
+            </a:fontRef>
+          </p:style>
+          <p:txBody>
+            <a:bodyPr rtlCol="0" anchor="ctr"/>
+            <a:lstStyle/>
+            <a:p>
+              <a:pPr algn="ctr"/>
+              <a:endParaRPr lang="zh-CN" altLang="en-US" sz="1600"/>
+            </a:p>
+          </p:txBody>
+        </p:sp>
+        <p:sp>
+          <p:nvSpPr>
+            <p:cNvPr id="11" name="矩形 10"/>
+            <p:cNvSpPr/>
+            <p:nvPr/>
+          </p:nvSpPr>
+          <p:spPr>
+            <a:xfrm>
+              <a:off x="11775612" y="-883067"/>
+              <a:ext cx="492407" cy="492407"/>
+            </a:xfrm>
+            <a:prstGeom prst="rect">
+              <a:avLst/>
+            </a:prstGeom>
+            <a:noFill/>
+            <a:ln w="38100">
+              <a:solidFill>
+                <a:schemeClr val="accent6"/>
+              </a:solidFill>
+            </a:ln>
+          </p:spPr>
+          <p:style>
+            <a:lnRef idx="2">
+              <a:schemeClr val="accent1">
+                <a:shade val="50000"/>
+              </a:schemeClr>
+            </a:lnRef>
+            <a:fillRef idx="1">
+              <a:schemeClr val="accent1"/>
+            </a:fillRef>
+            <a:effectRef idx="0">
+              <a:schemeClr val="accent1"/>
+            </a:effectRef>
+            <a:fontRef idx="minor">
+              <a:schemeClr val="lt1"/>
+            </a:fontRef>
+          </p:style>
+          <p:txBody>
+            <a:bodyPr rtlCol="0" anchor="ctr"/>
+            <a:lstStyle/>
+            <a:p>
+              <a:pPr algn="ctr"/>
+              <a:endParaRPr lang="zh-CN" altLang="en-US" sz="1600" dirty="0"/>
+            </a:p>
+          </p:txBody>
+        </p:sp>
+        <p:sp>
+          <p:nvSpPr>
+            <p:cNvPr id="12" name="矩形 11"/>
+            <p:cNvSpPr/>
+            <p:nvPr/>
+          </p:nvSpPr>
+          <p:spPr>
+            <a:xfrm>
+              <a:off x="11343074" y="734042"/>
+              <a:ext cx="492406" cy="492407"/>
+            </a:xfrm>
+            <a:prstGeom prst="rect">
+              <a:avLst/>
+            </a:prstGeom>
+            <a:noFill/>
+            <a:ln w="38100">
+              <a:solidFill>
+                <a:schemeClr val="accent4"/>
+              </a:solidFill>
+            </a:ln>
+          </p:spPr>
+          <p:style>
+            <a:lnRef idx="2">
+              <a:schemeClr val="accent1">
+                <a:shade val="50000"/>
+              </a:schemeClr>
+            </a:lnRef>
+            <a:fillRef idx="1">
+              <a:schemeClr val="accent1"/>
+            </a:fillRef>
+            <a:effectRef idx="0">
+              <a:schemeClr val="accent1"/>
+            </a:effectRef>
+            <a:fontRef idx="minor">
+              <a:schemeClr val="lt1"/>
+            </a:fontRef>
+          </p:style>
+          <p:txBody>
+            <a:bodyPr rtlCol="0" anchor="ctr"/>
+            <a:lstStyle/>
+            <a:p>
+              <a:pPr algn="ctr"/>
+              <a:endParaRPr lang="zh-CN" altLang="en-US" sz="1600"/>
+            </a:p>
+          </p:txBody>
+        </p:sp>
+        <p:sp>
+          <p:nvSpPr>
+            <p:cNvPr id="13" name="矩形 12"/>
+            <p:cNvSpPr/>
+            <p:nvPr/>
+          </p:nvSpPr>
+          <p:spPr>
+            <a:xfrm>
+              <a:off x="10828124" y="303104"/>
+              <a:ext cx="492406" cy="492407"/>
+            </a:xfrm>
+            <a:prstGeom prst="rect">
+              <a:avLst/>
+            </a:prstGeom>
+            <a:noFill/>
+            <a:ln w="38100">
+              <a:solidFill>
+                <a:schemeClr val="accent6"/>
+              </a:solidFill>
+            </a:ln>
+          </p:spPr>
+          <p:style>
+            <a:lnRef idx="2">
+              <a:schemeClr val="accent1">
+                <a:shade val="50000"/>
+              </a:schemeClr>
+            </a:lnRef>
+            <a:fillRef idx="1">
+              <a:schemeClr val="accent1"/>
+            </a:fillRef>
+            <a:effectRef idx="0">
+              <a:schemeClr val="accent1"/>
+            </a:effectRef>
+            <a:fontRef idx="minor">
+              <a:schemeClr val="lt1"/>
+            </a:fontRef>
+          </p:style>
+          <p:txBody>
+            <a:bodyPr rtlCol="0" anchor="ctr"/>
+            <a:lstStyle/>
+            <a:p>
+              <a:pPr algn="ctr"/>
+              <a:endParaRPr lang="zh-CN" altLang="en-US" sz="1600"/>
+            </a:p>
+          </p:txBody>
+        </p:sp>
+        <p:sp>
+          <p:nvSpPr>
+            <p:cNvPr id="14" name="矩形 13"/>
+            <p:cNvSpPr/>
+            <p:nvPr/>
+          </p:nvSpPr>
+          <p:spPr>
+            <a:xfrm>
+              <a:off x="10141891" y="949004"/>
+              <a:ext cx="492408" cy="492407"/>
+            </a:xfrm>
+            <a:prstGeom prst="rect">
+              <a:avLst/>
+            </a:prstGeom>
+            <a:noFill/>
+            <a:ln w="38100">
+              <a:solidFill>
+                <a:schemeClr val="accent3"/>
+              </a:solidFill>
+            </a:ln>
+          </p:spPr>
+          <p:style>
+            <a:lnRef idx="2">
+              <a:schemeClr val="accent1">
+                <a:shade val="50000"/>
+              </a:schemeClr>
+            </a:lnRef>
+            <a:fillRef idx="1">
+              <a:schemeClr val="accent1"/>
+            </a:fillRef>
+            <a:effectRef idx="0">
+              <a:schemeClr val="accent1"/>
+            </a:effectRef>
+            <a:fontRef idx="minor">
+              <a:schemeClr val="lt1"/>
+            </a:fontRef>
+          </p:style>
+          <p:txBody>
+            <a:bodyPr rtlCol="0" anchor="ctr"/>
+            <a:lstStyle/>
+            <a:p>
+              <a:pPr algn="ctr"/>
+              <a:endParaRPr lang="zh-CN" altLang="en-US" sz="1600"/>
+            </a:p>
+          </p:txBody>
+        </p:sp>
+        <p:sp>
+          <p:nvSpPr>
+            <p:cNvPr id="18" name="矩形 17"/>
+            <p:cNvSpPr/>
+            <p:nvPr/>
+          </p:nvSpPr>
+          <p:spPr>
+            <a:xfrm>
+              <a:off x="10675266" y="1483202"/>
+              <a:ext cx="492408" cy="492407"/>
+            </a:xfrm>
+            <a:prstGeom prst="rect">
+              <a:avLst/>
+            </a:prstGeom>
+            <a:noFill/>
+            <a:ln w="38100">
+              <a:solidFill>
+                <a:schemeClr val="accent6"/>
+              </a:solidFill>
+            </a:ln>
+          </p:spPr>
+          <p:style>
+            <a:lnRef idx="2">
+              <a:schemeClr val="accent1">
+                <a:shade val="50000"/>
+              </a:schemeClr>
+            </a:lnRef>
+            <a:fillRef idx="1">
+              <a:schemeClr val="accent1"/>
+            </a:fillRef>
+            <a:effectRef idx="0">
+              <a:schemeClr val="accent1"/>
+            </a:effectRef>
+            <a:fontRef idx="minor">
+              <a:schemeClr val="lt1"/>
+            </a:fontRef>
+          </p:style>
+          <p:txBody>
+            <a:bodyPr rtlCol="0" anchor="ctr"/>
+            <a:lstStyle/>
+            <a:p>
+              <a:pPr algn="ctr"/>
+              <a:endParaRPr lang="zh-CN" altLang="en-US" sz="1600"/>
+            </a:p>
+          </p:txBody>
+        </p:sp>
+        <p:sp>
+          <p:nvSpPr>
+            <p:cNvPr id="19" name="矩形 18"/>
+            <p:cNvSpPr/>
+            <p:nvPr/>
+          </p:nvSpPr>
+          <p:spPr>
+            <a:xfrm>
+              <a:off x="11382154" y="1530157"/>
+              <a:ext cx="492408" cy="492407"/>
+            </a:xfrm>
+            <a:prstGeom prst="rect">
+              <a:avLst/>
+            </a:prstGeom>
+            <a:noFill/>
+            <a:ln w="38100">
+              <a:solidFill>
+                <a:schemeClr val="accent3"/>
+              </a:solidFill>
+            </a:ln>
+          </p:spPr>
+          <p:style>
+            <a:lnRef idx="2">
+              <a:schemeClr val="accent1">
+                <a:shade val="50000"/>
+              </a:schemeClr>
+            </a:lnRef>
+            <a:fillRef idx="1">
+              <a:schemeClr val="accent1"/>
+            </a:fillRef>
+            <a:effectRef idx="0">
+              <a:schemeClr val="accent1"/>
+            </a:effectRef>
+            <a:fontRef idx="minor">
+              <a:schemeClr val="lt1"/>
+            </a:fontRef>
+          </p:style>
+          <p:txBody>
+            <a:bodyPr rtlCol="0" anchor="ctr"/>
+            <a:lstStyle/>
+            <a:p>
+              <a:pPr algn="ctr"/>
+              <a:endParaRPr lang="zh-CN" altLang="en-US" sz="1600"/>
+            </a:p>
+          </p:txBody>
+        </p:sp>
+      </p:grpSp>
+      <p:sp>
+        <p:nvSpPr>
+          <p:cNvPr id="15" name="矩形 14"/>
+          <p:cNvSpPr/>
+          <p:nvPr/>
+        </p:nvSpPr>
+        <p:spPr>
+          <a:xfrm rot="19068014">
+            <a:off x="2141973" y="2502488"/>
+            <a:ext cx="356825" cy="292096"/>
+          </a:xfrm>
+          <a:prstGeom prst="rect">
+            <a:avLst/>
+          </a:prstGeom>
+          <a:noFill/>
+          <a:ln w="38100">
+            <a:solidFill>
+              <a:srgbClr val="00B0F0"/>
+            </a:solidFill>
+          </a:ln>
+        </p:spPr>
+        <p:style>
+          <a:lnRef idx="2">
+            <a:schemeClr val="accent1">
+              <a:shade val="50000"/>
+            </a:schemeClr>
+          </a:lnRef>
+          <a:fillRef idx="1">
+            <a:schemeClr val="accent1"/>
+          </a:fillRef>
+          <a:effectRef idx="0">
+            <a:schemeClr val="accent1"/>
+          </a:effectRef>
+          <a:fontRef idx="minor">
+            <a:schemeClr val="lt1"/>
+          </a:fontRef>
+        </p:style>
+        <p:txBody>
+          <a:bodyPr rtlCol="0" anchor="ctr"/>
+          <a:lstStyle/>
+          <a:p>
+            <a:pPr algn="ctr"/>
+            <a:endParaRPr lang="zh-CN" altLang="en-US" sz="1600" dirty="0"/>
           </a:p>
         </p:txBody>
       </p:sp>
     </p:spTree>
-    <p:extLst>
-      <p:ext uri="{BB962C8B-B14F-4D97-AF65-F5344CB8AC3E}">
-        <p14:creationId xmlns:p14="http://schemas.microsoft.com/office/powerpoint/2010/main" val="1331493100"/>
-      </p:ext>
-    </p:extLst>
   </p:cSld>
   <p:clrMapOvr>
     <a:masterClrMapping/>
@@ -6343,49 +6290,16 @@
           </p:txBody>
         </p:sp>
       </p:grpSp>
-      <p:sp>
-        <p:nvSpPr>
-          <p:cNvPr id="17" name="文本框 16"/>
-          <p:cNvSpPr txBox="1"/>
-          <p:nvPr/>
-        </p:nvSpPr>
-        <p:spPr>
-          <a:xfrm>
-            <a:off x="2579587" y="349586"/>
-            <a:ext cx="6302207" cy="707886"/>
-          </a:xfrm>
-          <a:prstGeom prst="rect">
-            <a:avLst/>
-          </a:prstGeom>
-          <a:noFill/>
-        </p:spPr>
-        <p:txBody>
-          <a:bodyPr wrap="square" rtlCol="0">
-            <a:spAutoFit/>
-          </a:bodyPr>
-          <a:lstStyle/>
-          <a:p>
-            <a:r>
-              <a:rPr lang="zh-CN" altLang="en-US" sz="4000" b="1" dirty="0">
-                <a:solidFill>
-                  <a:schemeClr val="bg1"/>
-                </a:solidFill>
-              </a:rPr>
-              <a:t>注册页面</a:t>
-            </a:r>
-          </a:p>
-        </p:txBody>
-      </p:sp>
       <p:pic>
         <p:nvPicPr>
-          <p:cNvPr id="3" name="图片 2"/>
+          <p:cNvPr id="16" name="图片 15"/>
           <p:cNvPicPr>
             <a:picLocks noChangeAspect="1"/>
           </p:cNvPicPr>
           <p:nvPr/>
         </p:nvPicPr>
         <p:blipFill>
-          <a:blip r:embed="rId2">
+          <a:blip r:embed="rId1">
             <a:extLst>
               <a:ext uri="{28A0092B-C50C-407E-A947-70E740481C1C}">
                 <a14:useLocalDpi xmlns:a14="http://schemas.microsoft.com/office/drawing/2010/main" val="0"/>
@@ -6398,20 +6312,53 @@
         </p:blipFill>
         <p:spPr>
           <a:xfrm>
-            <a:off x="1458000" y="1324800"/>
-            <a:ext cx="8158107" cy="5410800"/>
+            <a:off x="1457787" y="1324947"/>
+            <a:ext cx="8159547" cy="5411755"/>
           </a:xfrm>
           <a:prstGeom prst="rect">
             <a:avLst/>
           </a:prstGeom>
         </p:spPr>
       </p:pic>
+      <p:sp>
+        <p:nvSpPr>
+          <p:cNvPr id="17" name="文本框 16"/>
+          <p:cNvSpPr txBox="1"/>
+          <p:nvPr/>
+        </p:nvSpPr>
+        <p:spPr>
+          <a:xfrm>
+            <a:off x="2579587" y="349586"/>
+            <a:ext cx="6302207" cy="707886"/>
+          </a:xfrm>
+          <a:prstGeom prst="rect">
+            <a:avLst/>
+          </a:prstGeom>
+          <a:noFill/>
+        </p:spPr>
+        <p:txBody>
+          <a:bodyPr wrap="square" rtlCol="0">
+            <a:spAutoFit/>
+          </a:bodyPr>
+          <a:lstStyle/>
+          <a:p>
+            <a:r>
+              <a:rPr lang="zh-CN" altLang="en-US" sz="4000" b="1" dirty="0">
+                <a:solidFill>
+                  <a:schemeClr val="bg1"/>
+                </a:solidFill>
+              </a:rPr>
+              <a:t>登录页面</a:t>
+            </a:r>
+            <a:endParaRPr lang="zh-CN" altLang="en-US" sz="4000" b="1" dirty="0">
+              <a:solidFill>
+                <a:schemeClr val="bg1"/>
+              </a:solidFill>
+            </a:endParaRPr>
+          </a:p>
+        </p:txBody>
+      </p:sp>
     </p:spTree>
-    <p:extLst>
-      <p:ext uri="{BB962C8B-B14F-4D97-AF65-F5344CB8AC3E}">
-        <p14:creationId xmlns:p14="http://schemas.microsoft.com/office/powerpoint/2010/main" val="2059875962"/>
-      </p:ext>
-    </p:extLst>
   </p:cSld>
   <p:clrMapOvr>
     <a:masterClrMapping/>
@@ -6439,6 +6386,258 @@
           <a:chExt cx="0" cy="0"/>
         </a:xfrm>
       </p:grpSpPr>
+      <p:grpSp>
+        <p:nvGrpSpPr>
+          <p:cNvPr id="11" name="组合 10"/>
+          <p:cNvGrpSpPr/>
+          <p:nvPr/>
+        </p:nvGrpSpPr>
+        <p:grpSpPr>
+          <a:xfrm>
+            <a:off x="11063181" y="0"/>
+            <a:ext cx="1128819" cy="1057472"/>
+            <a:chOff x="11063181" y="0"/>
+            <a:chExt cx="1128819" cy="1057472"/>
+          </a:xfrm>
+        </p:grpSpPr>
+        <p:sp>
+          <p:nvSpPr>
+            <p:cNvPr id="12" name="矩形 11"/>
+            <p:cNvSpPr/>
+            <p:nvPr/>
+          </p:nvSpPr>
+          <p:spPr>
+            <a:xfrm>
+              <a:off x="11381387" y="246204"/>
+              <a:ext cx="492407" cy="492407"/>
+            </a:xfrm>
+            <a:prstGeom prst="rect">
+              <a:avLst/>
+            </a:prstGeom>
+            <a:noFill/>
+            <a:ln w="38100">
+              <a:solidFill>
+                <a:srgbClr val="DA2B89"/>
+              </a:solidFill>
+            </a:ln>
+          </p:spPr>
+          <p:style>
+            <a:lnRef idx="2">
+              <a:schemeClr val="accent1">
+                <a:shade val="50000"/>
+              </a:schemeClr>
+            </a:lnRef>
+            <a:fillRef idx="1">
+              <a:schemeClr val="accent1"/>
+            </a:fillRef>
+            <a:effectRef idx="0">
+              <a:schemeClr val="accent1"/>
+            </a:effectRef>
+            <a:fontRef idx="minor">
+              <a:schemeClr val="lt1"/>
+            </a:fontRef>
+          </p:style>
+          <p:txBody>
+            <a:bodyPr rtlCol="0" anchor="ctr"/>
+            <a:lstStyle/>
+            <a:p>
+              <a:pPr algn="ctr"/>
+              <a:endParaRPr lang="zh-CN" altLang="en-US"/>
+            </a:p>
+          </p:txBody>
+        </p:sp>
+        <p:sp>
+          <p:nvSpPr>
+            <p:cNvPr id="13" name="矩形 12"/>
+            <p:cNvSpPr/>
+            <p:nvPr/>
+          </p:nvSpPr>
+          <p:spPr>
+            <a:xfrm>
+              <a:off x="11699593" y="0"/>
+              <a:ext cx="492407" cy="492407"/>
+            </a:xfrm>
+            <a:prstGeom prst="rect">
+              <a:avLst/>
+            </a:prstGeom>
+            <a:noFill/>
+            <a:ln w="38100">
+              <a:solidFill>
+                <a:schemeClr val="tx2">
+                  <a:lumMod val="60000"/>
+                  <a:lumOff val="40000"/>
+                </a:schemeClr>
+              </a:solidFill>
+            </a:ln>
+          </p:spPr>
+          <p:style>
+            <a:lnRef idx="2">
+              <a:schemeClr val="accent1">
+                <a:shade val="50000"/>
+              </a:schemeClr>
+            </a:lnRef>
+            <a:fillRef idx="1">
+              <a:schemeClr val="accent1"/>
+            </a:fillRef>
+            <a:effectRef idx="0">
+              <a:schemeClr val="accent1"/>
+            </a:effectRef>
+            <a:fontRef idx="minor">
+              <a:schemeClr val="lt1"/>
+            </a:fontRef>
+          </p:style>
+          <p:txBody>
+            <a:bodyPr rtlCol="0" anchor="ctr"/>
+            <a:lstStyle/>
+            <a:p>
+              <a:pPr algn="ctr"/>
+              <a:endParaRPr lang="zh-CN" altLang="en-US"/>
+            </a:p>
+          </p:txBody>
+        </p:sp>
+        <p:sp>
+          <p:nvSpPr>
+            <p:cNvPr id="14" name="矩形 13"/>
+            <p:cNvSpPr/>
+            <p:nvPr/>
+          </p:nvSpPr>
+          <p:spPr>
+            <a:xfrm>
+              <a:off x="11063181" y="565065"/>
+              <a:ext cx="492407" cy="492407"/>
+            </a:xfrm>
+            <a:prstGeom prst="rect">
+              <a:avLst/>
+            </a:prstGeom>
+            <a:noFill/>
+            <a:ln w="38100">
+              <a:solidFill>
+                <a:schemeClr val="accent6"/>
+              </a:solidFill>
+            </a:ln>
+          </p:spPr>
+          <p:style>
+            <a:lnRef idx="2">
+              <a:schemeClr val="accent1">
+                <a:shade val="50000"/>
+              </a:schemeClr>
+            </a:lnRef>
+            <a:fillRef idx="1">
+              <a:schemeClr val="accent1"/>
+            </a:fillRef>
+            <a:effectRef idx="0">
+              <a:schemeClr val="accent1"/>
+            </a:effectRef>
+            <a:fontRef idx="minor">
+              <a:schemeClr val="lt1"/>
+            </a:fontRef>
+          </p:style>
+          <p:txBody>
+            <a:bodyPr rtlCol="0" anchor="ctr"/>
+            <a:lstStyle/>
+            <a:p>
+              <a:pPr algn="ctr"/>
+              <a:endParaRPr lang="zh-CN" altLang="en-US"/>
+            </a:p>
+          </p:txBody>
+        </p:sp>
+      </p:grpSp>
+      <p:sp>
+        <p:nvSpPr>
+          <p:cNvPr id="17" name="文本框 16"/>
+          <p:cNvSpPr txBox="1"/>
+          <p:nvPr/>
+        </p:nvSpPr>
+        <p:spPr>
+          <a:xfrm>
+            <a:off x="2579587" y="349586"/>
+            <a:ext cx="6302207" cy="707886"/>
+          </a:xfrm>
+          <a:prstGeom prst="rect">
+            <a:avLst/>
+          </a:prstGeom>
+          <a:noFill/>
+        </p:spPr>
+        <p:txBody>
+          <a:bodyPr wrap="square" rtlCol="0">
+            <a:spAutoFit/>
+          </a:bodyPr>
+          <a:lstStyle/>
+          <a:p>
+            <a:r>
+              <a:rPr lang="zh-CN" altLang="en-US" sz="4000" b="1" dirty="0">
+                <a:solidFill>
+                  <a:schemeClr val="bg1"/>
+                </a:solidFill>
+              </a:rPr>
+              <a:t>注册页面</a:t>
+            </a:r>
+            <a:endParaRPr lang="zh-CN" altLang="en-US" sz="4000" b="1" dirty="0">
+              <a:solidFill>
+                <a:schemeClr val="bg1"/>
+              </a:solidFill>
+            </a:endParaRPr>
+          </a:p>
+        </p:txBody>
+      </p:sp>
+      <p:pic>
+        <p:nvPicPr>
+          <p:cNvPr id="3" name="图片 2"/>
+          <p:cNvPicPr>
+            <a:picLocks noChangeAspect="1"/>
+          </p:cNvPicPr>
+          <p:nvPr/>
+        </p:nvPicPr>
+        <p:blipFill>
+          <a:blip r:embed="rId1">
+            <a:extLst>
+              <a:ext uri="{28A0092B-C50C-407E-A947-70E740481C1C}">
+                <a14:useLocalDpi xmlns:a14="http://schemas.microsoft.com/office/drawing/2010/main" val="0"/>
+              </a:ext>
+            </a:extLst>
+          </a:blip>
+          <a:stretch>
+            <a:fillRect/>
+          </a:stretch>
+        </p:blipFill>
+        <p:spPr>
+          <a:xfrm>
+            <a:off x="1458000" y="1324800"/>
+            <a:ext cx="8158107" cy="5410800"/>
+          </a:xfrm>
+          <a:prstGeom prst="rect">
+            <a:avLst/>
+          </a:prstGeom>
+        </p:spPr>
+      </p:pic>
+    </p:spTree>
+  </p:cSld>
+  <p:clrMapOvr>
+    <a:masterClrMapping/>
+  </p:clrMapOvr>
+  <p:transition spd="slow">
+    <p:wipe/>
+  </p:transition>
+</p:sld>
+</file>
+
+<file path=ppt/slides/slide9.xml><?xml version="1.0" encoding="utf-8"?>
+<p:sld xmlns:a="http://schemas.openxmlformats.org/drawingml/2006/main" xmlns:r="http://schemas.openxmlformats.org/officeDocument/2006/relationships" xmlns:p="http://schemas.openxmlformats.org/presentationml/2006/main">
+  <p:cSld>
+    <p:spTree>
+      <p:nvGrpSpPr>
+        <p:cNvPr id="1" name=""/>
+        <p:cNvGrpSpPr/>
+        <p:nvPr/>
+      </p:nvGrpSpPr>
+      <p:grpSpPr>
+        <a:xfrm>
+          <a:off x="0" y="0"/>
+          <a:ext cx="0" cy="0"/>
+          <a:chOff x="0" y="0"/>
+          <a:chExt cx="0" cy="0"/>
+        </a:xfrm>
+      </p:grpSpPr>
       <p:pic>
         <p:nvPicPr>
           <p:cNvPr id="10" name="图片 9"/>
@@ -6448,7 +6647,7 @@
           <p:nvPr/>
         </p:nvPicPr>
         <p:blipFill>
-          <a:blip r:embed="rId2">
+          <a:blip r:embed="rId1">
             <a:extLst>
               <a:ext uri="{28A0092B-C50C-407E-A947-70E740481C1C}">
                 <a14:useLocalDpi xmlns:a14="http://schemas.microsoft.com/office/drawing/2010/main" val="0"/>
@@ -6672,11 +6871,6 @@
         </p:txBody>
       </p:sp>
     </p:spTree>
-    <p:extLst>
-      <p:ext uri="{BB962C8B-B14F-4D97-AF65-F5344CB8AC3E}">
-        <p14:creationId xmlns:p14="http://schemas.microsoft.com/office/powerpoint/2010/main" val="1966586765"/>
-      </p:ext>
-    </p:extLst>
   </p:cSld>
   <p:clrMapOvr>
     <a:masterClrMapping/>
@@ -6730,7 +6924,7 @@
     </a:clrScheme>
     <a:fontScheme name="Office">
       <a:majorFont>
-        <a:latin typeface="Calibri Light" panose="020F0302020204030204"/>
+        <a:latin typeface="Calibri Light"/>
         <a:ea typeface=""/>
         <a:cs typeface=""/>
         <a:font script="Jpan" typeface="ＭＳ Ｐゴシック"/>
@@ -6765,7 +6959,7 @@
         <a:font script="Geor" typeface="Sylfaen"/>
       </a:majorFont>
       <a:minorFont>
-        <a:latin typeface="Calibri" panose="020F0502020204030204"/>
+        <a:latin typeface="Calibri"/>
         <a:ea typeface=""/>
         <a:cs typeface=""/>
         <a:font script="Jpan" typeface="ＭＳ Ｐゴシック"/>
@@ -6991,7 +7185,7 @@
     </a:clrScheme>
     <a:fontScheme name="Office">
       <a:majorFont>
-        <a:latin typeface="DengXian Light" panose="020F0302020204030204"/>
+        <a:latin typeface="DengXian Light"/>
         <a:ea typeface=""/>
         <a:cs typeface=""/>
         <a:font script="Jpan" typeface="Yu Gothic Light"/>
@@ -7026,7 +7220,7 @@
         <a:font script="Geor" typeface="Sylfaen"/>
       </a:majorFont>
       <a:minorFont>
-        <a:latin typeface="DengXian" panose="020F0502020204030204"/>
+        <a:latin typeface="DengXian"/>
         <a:ea typeface=""/>
         <a:cs typeface=""/>
         <a:font script="Jpan" typeface="Yu Gothic"/>

--- a/应用建模.pptx
+++ b/应用建模.pptx
@@ -5,18 +5,24 @@
     <p:sldMasterId id="2147483648" r:id="rId1"/>
   </p:sldMasterIdLst>
   <p:notesMasterIdLst>
-    <p:notesMasterId r:id="rId12"/>
+    <p:notesMasterId r:id="rId17"/>
   </p:notesMasterIdLst>
   <p:sldIdLst>
-    <p:sldId id="259" r:id="rId3"/>
-    <p:sldId id="264" r:id="rId4"/>
-    <p:sldId id="265" r:id="rId5"/>
-    <p:sldId id="266" r:id="rId6"/>
-    <p:sldId id="271" r:id="rId7"/>
-    <p:sldId id="261" r:id="rId8"/>
-    <p:sldId id="260" r:id="rId9"/>
-    <p:sldId id="262" r:id="rId10"/>
-    <p:sldId id="263" r:id="rId11"/>
+    <p:sldId id="259" r:id="rId2"/>
+    <p:sldId id="272" r:id="rId3"/>
+    <p:sldId id="273" r:id="rId4"/>
+    <p:sldId id="274" r:id="rId5"/>
+    <p:sldId id="275" r:id="rId6"/>
+    <p:sldId id="276" r:id="rId7"/>
+    <p:sldId id="277" r:id="rId8"/>
+    <p:sldId id="264" r:id="rId9"/>
+    <p:sldId id="265" r:id="rId10"/>
+    <p:sldId id="266" r:id="rId11"/>
+    <p:sldId id="271" r:id="rId12"/>
+    <p:sldId id="261" r:id="rId13"/>
+    <p:sldId id="260" r:id="rId14"/>
+    <p:sldId id="262" r:id="rId15"/>
+    <p:sldId id="263" r:id="rId16"/>
   </p:sldIdLst>
   <p:sldSz cx="12192000" cy="6858000"/>
   <p:notesSz cx="6858000" cy="9144000"/>
@@ -115,6 +121,11 @@
       </a:defRPr>
     </a:lvl9pPr>
   </p:defaultTextStyle>
+  <p:extLst>
+    <p:ext uri="{EFAFB233-063F-42B5-8137-9DF3F51BA10A}">
+      <p15:sldGuideLst xmlns:p15="http://schemas.microsoft.com/office/powerpoint/2012/main"/>
+    </p:ext>
+  </p:extLst>
 </p:presentation>
 </file>
 
@@ -200,6 +211,7 @@
           <a:p>
             <a:fld id="{3383C6DD-352C-F94D-B6C8-CDC8725E5883}" type="datetimeFigureOut">
               <a:rPr kumimoji="1" lang="zh-CN" altLang="en-US" smtClean="0"/>
+              <a:t>2017/5/22</a:t>
             </a:fld>
             <a:endParaRPr kumimoji="1" lang="zh-CN" altLang="en-US"/>
           </a:p>
@@ -266,7 +278,6 @@
               <a:rPr kumimoji="1" lang="zh-CN" altLang="en-US" smtClean="0"/>
               <a:t>单击此处编辑母版文本样式</a:t>
             </a:r>
-            <a:endParaRPr kumimoji="1" lang="zh-CN" altLang="en-US" smtClean="0"/>
           </a:p>
           <a:p>
             <a:pPr lvl="1"/>
@@ -274,7 +285,6 @@
               <a:rPr kumimoji="1" lang="zh-CN" altLang="en-US" smtClean="0"/>
               <a:t>二级</a:t>
             </a:r>
-            <a:endParaRPr kumimoji="1" lang="zh-CN" altLang="en-US" smtClean="0"/>
           </a:p>
           <a:p>
             <a:pPr lvl="2"/>
@@ -282,7 +292,6 @@
               <a:rPr kumimoji="1" lang="zh-CN" altLang="en-US" smtClean="0"/>
               <a:t>三级</a:t>
             </a:r>
-            <a:endParaRPr kumimoji="1" lang="zh-CN" altLang="en-US" smtClean="0"/>
           </a:p>
           <a:p>
             <a:pPr lvl="3"/>
@@ -290,7 +299,6 @@
               <a:rPr kumimoji="1" lang="zh-CN" altLang="en-US" smtClean="0"/>
               <a:t>四级</a:t>
             </a:r>
-            <a:endParaRPr kumimoji="1" lang="zh-CN" altLang="en-US" smtClean="0"/>
           </a:p>
           <a:p>
             <a:pPr lvl="4"/>
@@ -362,12 +370,18 @@
           <a:p>
             <a:fld id="{E2C5B248-2734-A34C-A40C-5E8E6D16AD85}" type="slidenum">
               <a:rPr kumimoji="1" lang="zh-CN" altLang="en-US" smtClean="0"/>
+              <a:t>‹#›</a:t>
             </a:fld>
             <a:endParaRPr kumimoji="1" lang="zh-CN" altLang="en-US"/>
           </a:p>
         </p:txBody>
       </p:sp>
     </p:spTree>
+    <p:extLst>
+      <p:ext uri="{BB962C8B-B14F-4D97-AF65-F5344CB8AC3E}">
+        <p14:creationId xmlns:p14="http://schemas.microsoft.com/office/powerpoint/2010/main" val="1961043327"/>
+      </p:ext>
+    </p:extLst>
   </p:cSld>
   <p:clrMap bg1="lt1" tx1="dk1" bg2="lt2" tx2="dk2" accent1="accent1" accent2="accent2" accent3="accent3" accent4="accent4" accent5="accent5" accent6="accent6" hlink="hlink" folHlink="folHlink"/>
   <p:notesStyle>
@@ -510,7 +524,6 @@
               <a:rPr lang="zh-CN" altLang="en-US"/>
               <a:t>单击此处编辑母版标题样式</a:t>
             </a:r>
-            <a:endParaRPr lang="zh-CN" altLang="en-US"/>
           </a:p>
         </p:txBody>
       </p:sp>
@@ -575,7 +588,6 @@
               <a:rPr lang="zh-CN" altLang="en-US"/>
               <a:t>单击此处编辑母版副标题样式</a:t>
             </a:r>
-            <a:endParaRPr lang="zh-CN" altLang="en-US"/>
           </a:p>
         </p:txBody>
       </p:sp>
@@ -596,6 +608,7 @@
           <a:p>
             <a:fld id="{56E99B56-AAE7-4929-920B-80E2E1C0FFA9}" type="datetimeFigureOut">
               <a:rPr lang="zh-CN" altLang="en-US" smtClean="0"/>
+              <a:t>2017/5/22</a:t>
             </a:fld>
             <a:endParaRPr lang="zh-CN" altLang="en-US"/>
           </a:p>
@@ -637,6 +650,7 @@
           <a:p>
             <a:fld id="{22F1EA73-A147-4AC6-B678-ACA1566655AD}" type="slidenum">
               <a:rPr lang="zh-CN" altLang="en-US" smtClean="0"/>
+              <a:t>‹#›</a:t>
             </a:fld>
             <a:endParaRPr lang="zh-CN" altLang="en-US"/>
           </a:p>
@@ -686,7 +700,6 @@
               <a:rPr lang="zh-CN" altLang="en-US"/>
               <a:t>单击此处编辑母版标题样式</a:t>
             </a:r>
-            <a:endParaRPr lang="zh-CN" altLang="en-US"/>
           </a:p>
         </p:txBody>
       </p:sp>
@@ -710,7 +723,6 @@
               <a:rPr lang="zh-CN" altLang="en-US"/>
               <a:t>单击此处编辑母版文本样式</a:t>
             </a:r>
-            <a:endParaRPr lang="zh-CN" altLang="en-US"/>
           </a:p>
           <a:p>
             <a:pPr lvl="1"/>
@@ -718,7 +730,6 @@
               <a:rPr lang="zh-CN" altLang="en-US"/>
               <a:t>第二级</a:t>
             </a:r>
-            <a:endParaRPr lang="zh-CN" altLang="en-US"/>
           </a:p>
           <a:p>
             <a:pPr lvl="2"/>
@@ -726,7 +737,6 @@
               <a:rPr lang="zh-CN" altLang="en-US"/>
               <a:t>第三级</a:t>
             </a:r>
-            <a:endParaRPr lang="zh-CN" altLang="en-US"/>
           </a:p>
           <a:p>
             <a:pPr lvl="3"/>
@@ -734,7 +744,6 @@
               <a:rPr lang="zh-CN" altLang="en-US"/>
               <a:t>第四级</a:t>
             </a:r>
-            <a:endParaRPr lang="zh-CN" altLang="en-US"/>
           </a:p>
           <a:p>
             <a:pPr lvl="4"/>
@@ -742,7 +751,6 @@
               <a:rPr lang="zh-CN" altLang="en-US"/>
               <a:t>第五级</a:t>
             </a:r>
-            <a:endParaRPr lang="zh-CN" altLang="en-US"/>
           </a:p>
         </p:txBody>
       </p:sp>
@@ -763,6 +771,7 @@
           <a:p>
             <a:fld id="{56E99B56-AAE7-4929-920B-80E2E1C0FFA9}" type="datetimeFigureOut">
               <a:rPr lang="zh-CN" altLang="en-US" smtClean="0"/>
+              <a:t>2017/5/22</a:t>
             </a:fld>
             <a:endParaRPr lang="zh-CN" altLang="en-US"/>
           </a:p>
@@ -804,6 +813,7 @@
           <a:p>
             <a:fld id="{22F1EA73-A147-4AC6-B678-ACA1566655AD}" type="slidenum">
               <a:rPr lang="zh-CN" altLang="en-US" smtClean="0"/>
+              <a:t>‹#›</a:t>
             </a:fld>
             <a:endParaRPr lang="zh-CN" altLang="en-US"/>
           </a:p>
@@ -858,7 +868,6 @@
               <a:rPr lang="zh-CN" altLang="en-US"/>
               <a:t>单击此处编辑母版标题样式</a:t>
             </a:r>
-            <a:endParaRPr lang="zh-CN" altLang="en-US"/>
           </a:p>
         </p:txBody>
       </p:sp>
@@ -887,7 +896,6 @@
               <a:rPr lang="zh-CN" altLang="en-US"/>
               <a:t>单击此处编辑母版文本样式</a:t>
             </a:r>
-            <a:endParaRPr lang="zh-CN" altLang="en-US"/>
           </a:p>
           <a:p>
             <a:pPr lvl="1"/>
@@ -895,7 +903,6 @@
               <a:rPr lang="zh-CN" altLang="en-US"/>
               <a:t>第二级</a:t>
             </a:r>
-            <a:endParaRPr lang="zh-CN" altLang="en-US"/>
           </a:p>
           <a:p>
             <a:pPr lvl="2"/>
@@ -903,7 +910,6 @@
               <a:rPr lang="zh-CN" altLang="en-US"/>
               <a:t>第三级</a:t>
             </a:r>
-            <a:endParaRPr lang="zh-CN" altLang="en-US"/>
           </a:p>
           <a:p>
             <a:pPr lvl="3"/>
@@ -911,7 +917,6 @@
               <a:rPr lang="zh-CN" altLang="en-US"/>
               <a:t>第四级</a:t>
             </a:r>
-            <a:endParaRPr lang="zh-CN" altLang="en-US"/>
           </a:p>
           <a:p>
             <a:pPr lvl="4"/>
@@ -919,7 +924,6 @@
               <a:rPr lang="zh-CN" altLang="en-US"/>
               <a:t>第五级</a:t>
             </a:r>
-            <a:endParaRPr lang="zh-CN" altLang="en-US"/>
           </a:p>
         </p:txBody>
       </p:sp>
@@ -940,6 +944,7 @@
           <a:p>
             <a:fld id="{56E99B56-AAE7-4929-920B-80E2E1C0FFA9}" type="datetimeFigureOut">
               <a:rPr lang="zh-CN" altLang="en-US" smtClean="0"/>
+              <a:t>2017/5/22</a:t>
             </a:fld>
             <a:endParaRPr lang="zh-CN" altLang="en-US"/>
           </a:p>
@@ -981,6 +986,7 @@
           <a:p>
             <a:fld id="{22F1EA73-A147-4AC6-B678-ACA1566655AD}" type="slidenum">
               <a:rPr lang="zh-CN" altLang="en-US" smtClean="0"/>
+              <a:t>‹#›</a:t>
             </a:fld>
             <a:endParaRPr lang="zh-CN" altLang="en-US"/>
           </a:p>
@@ -1028,6 +1034,7 @@
           <a:p>
             <a:fld id="{171BBD79-73BD-4FCC-A131-912D061EF751}" type="datetimeFigureOut">
               <a:rPr lang="zh-CN" altLang="en-US" smtClean="0"/>
+              <a:t>2017/5/22</a:t>
             </a:fld>
             <a:endParaRPr lang="zh-CN" altLang="en-US"/>
           </a:p>
@@ -1069,6 +1076,7 @@
           <a:p>
             <a:fld id="{09A119BB-CB53-4D13-A1E9-626B81BB36FF}" type="slidenum">
               <a:rPr lang="zh-CN" altLang="en-US" smtClean="0"/>
+              <a:t>‹#›</a:t>
             </a:fld>
             <a:endParaRPr lang="zh-CN" altLang="en-US"/>
           </a:p>
@@ -1179,6 +1187,1200 @@
 </p:sldLayout>
 </file>
 
+<file path=ppt/slideLayouts/slideLayout13.xml><?xml version="1.0" encoding="utf-8"?>
+<p:sldLayout xmlns:a="http://schemas.openxmlformats.org/drawingml/2006/main" xmlns:r="http://schemas.openxmlformats.org/officeDocument/2006/relationships" xmlns:p="http://schemas.openxmlformats.org/presentationml/2006/main" userDrawn="1">
+  <p:cSld name="2_标题幻灯片">
+    <p:spTree>
+      <p:nvGrpSpPr>
+        <p:cNvPr id="1" name=""/>
+        <p:cNvGrpSpPr/>
+        <p:nvPr/>
+      </p:nvGrpSpPr>
+      <p:grpSpPr>
+        <a:xfrm>
+          <a:off x="0" y="0"/>
+          <a:ext cx="0" cy="0"/>
+          <a:chOff x="0" y="0"/>
+          <a:chExt cx="0" cy="0"/>
+        </a:xfrm>
+      </p:grpSpPr>
+      <p:sp>
+        <p:nvSpPr>
+          <p:cNvPr id="4" name="日期占位符 3"/>
+          <p:cNvSpPr>
+            <a:spLocks noGrp="1"/>
+          </p:cNvSpPr>
+          <p:nvPr>
+            <p:ph type="dt" sz="half" idx="10"/>
+          </p:nvPr>
+        </p:nvSpPr>
+        <p:spPr/>
+        <p:txBody>
+          <a:bodyPr/>
+          <a:lstStyle/>
+          <a:p>
+            <a:fld id="{171BBD79-73BD-4FCC-A131-912D061EF751}" type="datetimeFigureOut">
+              <a:rPr lang="zh-CN" altLang="en-US" smtClean="0"/>
+              <a:t>2017/5/22</a:t>
+            </a:fld>
+            <a:endParaRPr lang="zh-CN" altLang="en-US"/>
+          </a:p>
+        </p:txBody>
+      </p:sp>
+      <p:sp>
+        <p:nvSpPr>
+          <p:cNvPr id="5" name="页脚占位符 4"/>
+          <p:cNvSpPr>
+            <a:spLocks noGrp="1"/>
+          </p:cNvSpPr>
+          <p:nvPr>
+            <p:ph type="ftr" sz="quarter" idx="11"/>
+          </p:nvPr>
+        </p:nvSpPr>
+        <p:spPr/>
+        <p:txBody>
+          <a:bodyPr/>
+          <a:lstStyle/>
+          <a:p>
+            <a:endParaRPr lang="zh-CN" altLang="en-US"/>
+          </a:p>
+        </p:txBody>
+      </p:sp>
+      <p:sp>
+        <p:nvSpPr>
+          <p:cNvPr id="6" name="灯片编号占位符 5"/>
+          <p:cNvSpPr>
+            <a:spLocks noGrp="1"/>
+          </p:cNvSpPr>
+          <p:nvPr>
+            <p:ph type="sldNum" sz="quarter" idx="12"/>
+          </p:nvPr>
+        </p:nvSpPr>
+        <p:spPr/>
+        <p:txBody>
+          <a:bodyPr/>
+          <a:lstStyle/>
+          <a:p>
+            <a:fld id="{09A119BB-CB53-4D13-A1E9-626B81BB36FF}" type="slidenum">
+              <a:rPr lang="zh-CN" altLang="en-US" smtClean="0"/>
+              <a:t>‹#›</a:t>
+            </a:fld>
+            <a:endParaRPr lang="zh-CN" altLang="en-US"/>
+          </a:p>
+        </p:txBody>
+      </p:sp>
+      <p:sp>
+        <p:nvSpPr>
+          <p:cNvPr id="7" name="矩形 6"/>
+          <p:cNvSpPr/>
+          <p:nvPr userDrawn="1"/>
+        </p:nvSpPr>
+        <p:spPr>
+          <a:xfrm>
+            <a:off x="0" y="0"/>
+            <a:ext cx="12192000" cy="6858000"/>
+          </a:xfrm>
+          <a:prstGeom prst="rect">
+            <a:avLst/>
+          </a:prstGeom>
+          <a:solidFill>
+            <a:srgbClr val="223054"/>
+          </a:solidFill>
+          <a:ln>
+            <a:solidFill>
+              <a:srgbClr val="223054"/>
+            </a:solidFill>
+          </a:ln>
+        </p:spPr>
+        <p:style>
+          <a:lnRef idx="2">
+            <a:schemeClr val="accent1">
+              <a:shade val="50000"/>
+            </a:schemeClr>
+          </a:lnRef>
+          <a:fillRef idx="1">
+            <a:schemeClr val="accent1"/>
+          </a:fillRef>
+          <a:effectRef idx="0">
+            <a:schemeClr val="accent1"/>
+          </a:effectRef>
+          <a:fontRef idx="minor">
+            <a:schemeClr val="lt1"/>
+          </a:fontRef>
+        </p:style>
+        <p:txBody>
+          <a:bodyPr rtlCol="0" anchor="ctr"/>
+          <a:lstStyle/>
+          <a:p>
+            <a:pPr algn="ctr"/>
+            <a:endParaRPr lang="zh-CN" altLang="en-US"/>
+          </a:p>
+        </p:txBody>
+      </p:sp>
+      <p:sp>
+        <p:nvSpPr>
+          <p:cNvPr id="8" name="椭圆 7"/>
+          <p:cNvSpPr/>
+          <p:nvPr userDrawn="1"/>
+        </p:nvSpPr>
+        <p:spPr>
+          <a:xfrm>
+            <a:off x="1600201" y="5272088"/>
+            <a:ext cx="971551" cy="971550"/>
+          </a:xfrm>
+          <a:prstGeom prst="ellipse">
+            <a:avLst/>
+          </a:prstGeom>
+          <a:solidFill>
+            <a:srgbClr val="223054"/>
+          </a:solidFill>
+          <a:ln>
+            <a:noFill/>
+          </a:ln>
+        </p:spPr>
+        <p:style>
+          <a:lnRef idx="2">
+            <a:schemeClr val="accent1">
+              <a:shade val="50000"/>
+            </a:schemeClr>
+          </a:lnRef>
+          <a:fillRef idx="1">
+            <a:schemeClr val="accent1"/>
+          </a:fillRef>
+          <a:effectRef idx="0">
+            <a:schemeClr val="accent1"/>
+          </a:effectRef>
+          <a:fontRef idx="minor">
+            <a:schemeClr val="lt1"/>
+          </a:fontRef>
+        </p:style>
+        <p:txBody>
+          <a:bodyPr rtlCol="0" anchor="ctr"/>
+          <a:lstStyle/>
+          <a:p>
+            <a:pPr algn="ctr"/>
+            <a:endParaRPr lang="zh-CN" altLang="en-US"/>
+          </a:p>
+        </p:txBody>
+      </p:sp>
+    </p:spTree>
+    <p:extLst>
+      <p:ext uri="{BB962C8B-B14F-4D97-AF65-F5344CB8AC3E}">
+        <p14:creationId xmlns:p14="http://schemas.microsoft.com/office/powerpoint/2010/main" val="1524038531"/>
+      </p:ext>
+    </p:extLst>
+  </p:cSld>
+  <p:clrMapOvr>
+    <a:masterClrMapping/>
+  </p:clrMapOvr>
+  <p:transition spd="slow">
+    <p:wipe/>
+  </p:transition>
+  <p:timing>
+    <p:tnLst>
+      <p:par>
+        <p:cTn id="1" dur="indefinite" restart="never" nodeType="tmRoot"/>
+      </p:par>
+    </p:tnLst>
+  </p:timing>
+</p:sldLayout>
+</file>
+
+<file path=ppt/slideLayouts/slideLayout14.xml><?xml version="1.0" encoding="utf-8"?>
+<p:sldLayout xmlns:a="http://schemas.openxmlformats.org/drawingml/2006/main" xmlns:r="http://schemas.openxmlformats.org/officeDocument/2006/relationships" xmlns:p="http://schemas.openxmlformats.org/presentationml/2006/main" userDrawn="1">
+  <p:cSld name="3_标题幻灯片">
+    <p:spTree>
+      <p:nvGrpSpPr>
+        <p:cNvPr id="1" name=""/>
+        <p:cNvGrpSpPr/>
+        <p:nvPr/>
+      </p:nvGrpSpPr>
+      <p:grpSpPr>
+        <a:xfrm>
+          <a:off x="0" y="0"/>
+          <a:ext cx="0" cy="0"/>
+          <a:chOff x="0" y="0"/>
+          <a:chExt cx="0" cy="0"/>
+        </a:xfrm>
+      </p:grpSpPr>
+      <p:sp>
+        <p:nvSpPr>
+          <p:cNvPr id="4" name="日期占位符 3"/>
+          <p:cNvSpPr>
+            <a:spLocks noGrp="1"/>
+          </p:cNvSpPr>
+          <p:nvPr>
+            <p:ph type="dt" sz="half" idx="10"/>
+          </p:nvPr>
+        </p:nvSpPr>
+        <p:spPr/>
+        <p:txBody>
+          <a:bodyPr/>
+          <a:lstStyle/>
+          <a:p>
+            <a:fld id="{171BBD79-73BD-4FCC-A131-912D061EF751}" type="datetimeFigureOut">
+              <a:rPr lang="zh-CN" altLang="en-US" smtClean="0"/>
+              <a:t>2017/5/22</a:t>
+            </a:fld>
+            <a:endParaRPr lang="zh-CN" altLang="en-US"/>
+          </a:p>
+        </p:txBody>
+      </p:sp>
+      <p:sp>
+        <p:nvSpPr>
+          <p:cNvPr id="5" name="页脚占位符 4"/>
+          <p:cNvSpPr>
+            <a:spLocks noGrp="1"/>
+          </p:cNvSpPr>
+          <p:nvPr>
+            <p:ph type="ftr" sz="quarter" idx="11"/>
+          </p:nvPr>
+        </p:nvSpPr>
+        <p:spPr/>
+        <p:txBody>
+          <a:bodyPr/>
+          <a:lstStyle/>
+          <a:p>
+            <a:endParaRPr lang="zh-CN" altLang="en-US"/>
+          </a:p>
+        </p:txBody>
+      </p:sp>
+      <p:sp>
+        <p:nvSpPr>
+          <p:cNvPr id="6" name="灯片编号占位符 5"/>
+          <p:cNvSpPr>
+            <a:spLocks noGrp="1"/>
+          </p:cNvSpPr>
+          <p:nvPr>
+            <p:ph type="sldNum" sz="quarter" idx="12"/>
+          </p:nvPr>
+        </p:nvSpPr>
+        <p:spPr/>
+        <p:txBody>
+          <a:bodyPr/>
+          <a:lstStyle/>
+          <a:p>
+            <a:fld id="{09A119BB-CB53-4D13-A1E9-626B81BB36FF}" type="slidenum">
+              <a:rPr lang="zh-CN" altLang="en-US" smtClean="0"/>
+              <a:t>‹#›</a:t>
+            </a:fld>
+            <a:endParaRPr lang="zh-CN" altLang="en-US"/>
+          </a:p>
+        </p:txBody>
+      </p:sp>
+      <p:sp>
+        <p:nvSpPr>
+          <p:cNvPr id="7" name="矩形 6"/>
+          <p:cNvSpPr/>
+          <p:nvPr userDrawn="1"/>
+        </p:nvSpPr>
+        <p:spPr>
+          <a:xfrm>
+            <a:off x="0" y="0"/>
+            <a:ext cx="12192000" cy="6858000"/>
+          </a:xfrm>
+          <a:prstGeom prst="rect">
+            <a:avLst/>
+          </a:prstGeom>
+          <a:solidFill>
+            <a:srgbClr val="223054"/>
+          </a:solidFill>
+          <a:ln>
+            <a:solidFill>
+              <a:srgbClr val="223054"/>
+            </a:solidFill>
+          </a:ln>
+        </p:spPr>
+        <p:style>
+          <a:lnRef idx="2">
+            <a:schemeClr val="accent1">
+              <a:shade val="50000"/>
+            </a:schemeClr>
+          </a:lnRef>
+          <a:fillRef idx="1">
+            <a:schemeClr val="accent1"/>
+          </a:fillRef>
+          <a:effectRef idx="0">
+            <a:schemeClr val="accent1"/>
+          </a:effectRef>
+          <a:fontRef idx="minor">
+            <a:schemeClr val="lt1"/>
+          </a:fontRef>
+        </p:style>
+        <p:txBody>
+          <a:bodyPr rtlCol="0" anchor="ctr"/>
+          <a:lstStyle/>
+          <a:p>
+            <a:pPr algn="ctr"/>
+            <a:endParaRPr lang="zh-CN" altLang="en-US"/>
+          </a:p>
+        </p:txBody>
+      </p:sp>
+      <p:sp>
+        <p:nvSpPr>
+          <p:cNvPr id="8" name="椭圆 7"/>
+          <p:cNvSpPr/>
+          <p:nvPr userDrawn="1"/>
+        </p:nvSpPr>
+        <p:spPr>
+          <a:xfrm>
+            <a:off x="1600201" y="5272088"/>
+            <a:ext cx="971551" cy="971550"/>
+          </a:xfrm>
+          <a:prstGeom prst="ellipse">
+            <a:avLst/>
+          </a:prstGeom>
+          <a:solidFill>
+            <a:srgbClr val="223054"/>
+          </a:solidFill>
+          <a:ln>
+            <a:noFill/>
+          </a:ln>
+        </p:spPr>
+        <p:style>
+          <a:lnRef idx="2">
+            <a:schemeClr val="accent1">
+              <a:shade val="50000"/>
+            </a:schemeClr>
+          </a:lnRef>
+          <a:fillRef idx="1">
+            <a:schemeClr val="accent1"/>
+          </a:fillRef>
+          <a:effectRef idx="0">
+            <a:schemeClr val="accent1"/>
+          </a:effectRef>
+          <a:fontRef idx="minor">
+            <a:schemeClr val="lt1"/>
+          </a:fontRef>
+        </p:style>
+        <p:txBody>
+          <a:bodyPr rtlCol="0" anchor="ctr"/>
+          <a:lstStyle/>
+          <a:p>
+            <a:pPr algn="ctr"/>
+            <a:endParaRPr lang="zh-CN" altLang="en-US"/>
+          </a:p>
+        </p:txBody>
+      </p:sp>
+    </p:spTree>
+    <p:extLst>
+      <p:ext uri="{BB962C8B-B14F-4D97-AF65-F5344CB8AC3E}">
+        <p14:creationId xmlns:p14="http://schemas.microsoft.com/office/powerpoint/2010/main" val="1360191691"/>
+      </p:ext>
+    </p:extLst>
+  </p:cSld>
+  <p:clrMapOvr>
+    <a:masterClrMapping/>
+  </p:clrMapOvr>
+  <p:transition spd="slow">
+    <p:wipe/>
+  </p:transition>
+  <p:timing>
+    <p:tnLst>
+      <p:par>
+        <p:cTn id="1" dur="indefinite" restart="never" nodeType="tmRoot"/>
+      </p:par>
+    </p:tnLst>
+  </p:timing>
+</p:sldLayout>
+</file>
+
+<file path=ppt/slideLayouts/slideLayout15.xml><?xml version="1.0" encoding="utf-8"?>
+<p:sldLayout xmlns:a="http://schemas.openxmlformats.org/drawingml/2006/main" xmlns:r="http://schemas.openxmlformats.org/officeDocument/2006/relationships" xmlns:p="http://schemas.openxmlformats.org/presentationml/2006/main" userDrawn="1">
+  <p:cSld name="4_标题幻灯片">
+    <p:spTree>
+      <p:nvGrpSpPr>
+        <p:cNvPr id="1" name=""/>
+        <p:cNvGrpSpPr/>
+        <p:nvPr/>
+      </p:nvGrpSpPr>
+      <p:grpSpPr>
+        <a:xfrm>
+          <a:off x="0" y="0"/>
+          <a:ext cx="0" cy="0"/>
+          <a:chOff x="0" y="0"/>
+          <a:chExt cx="0" cy="0"/>
+        </a:xfrm>
+      </p:grpSpPr>
+      <p:sp>
+        <p:nvSpPr>
+          <p:cNvPr id="4" name="日期占位符 3"/>
+          <p:cNvSpPr>
+            <a:spLocks noGrp="1"/>
+          </p:cNvSpPr>
+          <p:nvPr>
+            <p:ph type="dt" sz="half" idx="10"/>
+          </p:nvPr>
+        </p:nvSpPr>
+        <p:spPr/>
+        <p:txBody>
+          <a:bodyPr/>
+          <a:lstStyle/>
+          <a:p>
+            <a:fld id="{171BBD79-73BD-4FCC-A131-912D061EF751}" type="datetimeFigureOut">
+              <a:rPr lang="zh-CN" altLang="en-US" smtClean="0"/>
+              <a:t>2017/5/22</a:t>
+            </a:fld>
+            <a:endParaRPr lang="zh-CN" altLang="en-US"/>
+          </a:p>
+        </p:txBody>
+      </p:sp>
+      <p:sp>
+        <p:nvSpPr>
+          <p:cNvPr id="5" name="页脚占位符 4"/>
+          <p:cNvSpPr>
+            <a:spLocks noGrp="1"/>
+          </p:cNvSpPr>
+          <p:nvPr>
+            <p:ph type="ftr" sz="quarter" idx="11"/>
+          </p:nvPr>
+        </p:nvSpPr>
+        <p:spPr/>
+        <p:txBody>
+          <a:bodyPr/>
+          <a:lstStyle/>
+          <a:p>
+            <a:endParaRPr lang="zh-CN" altLang="en-US"/>
+          </a:p>
+        </p:txBody>
+      </p:sp>
+      <p:sp>
+        <p:nvSpPr>
+          <p:cNvPr id="6" name="灯片编号占位符 5"/>
+          <p:cNvSpPr>
+            <a:spLocks noGrp="1"/>
+          </p:cNvSpPr>
+          <p:nvPr>
+            <p:ph type="sldNum" sz="quarter" idx="12"/>
+          </p:nvPr>
+        </p:nvSpPr>
+        <p:spPr/>
+        <p:txBody>
+          <a:bodyPr/>
+          <a:lstStyle/>
+          <a:p>
+            <a:fld id="{09A119BB-CB53-4D13-A1E9-626B81BB36FF}" type="slidenum">
+              <a:rPr lang="zh-CN" altLang="en-US" smtClean="0"/>
+              <a:t>‹#›</a:t>
+            </a:fld>
+            <a:endParaRPr lang="zh-CN" altLang="en-US"/>
+          </a:p>
+        </p:txBody>
+      </p:sp>
+      <p:sp>
+        <p:nvSpPr>
+          <p:cNvPr id="7" name="矩形 6"/>
+          <p:cNvSpPr/>
+          <p:nvPr userDrawn="1"/>
+        </p:nvSpPr>
+        <p:spPr>
+          <a:xfrm>
+            <a:off x="0" y="0"/>
+            <a:ext cx="12192000" cy="6858000"/>
+          </a:xfrm>
+          <a:prstGeom prst="rect">
+            <a:avLst/>
+          </a:prstGeom>
+          <a:solidFill>
+            <a:srgbClr val="223054"/>
+          </a:solidFill>
+          <a:ln>
+            <a:solidFill>
+              <a:srgbClr val="223054"/>
+            </a:solidFill>
+          </a:ln>
+        </p:spPr>
+        <p:style>
+          <a:lnRef idx="2">
+            <a:schemeClr val="accent1">
+              <a:shade val="50000"/>
+            </a:schemeClr>
+          </a:lnRef>
+          <a:fillRef idx="1">
+            <a:schemeClr val="accent1"/>
+          </a:fillRef>
+          <a:effectRef idx="0">
+            <a:schemeClr val="accent1"/>
+          </a:effectRef>
+          <a:fontRef idx="minor">
+            <a:schemeClr val="lt1"/>
+          </a:fontRef>
+        </p:style>
+        <p:txBody>
+          <a:bodyPr rtlCol="0" anchor="ctr"/>
+          <a:lstStyle/>
+          <a:p>
+            <a:pPr algn="ctr"/>
+            <a:endParaRPr lang="zh-CN" altLang="en-US"/>
+          </a:p>
+        </p:txBody>
+      </p:sp>
+      <p:sp>
+        <p:nvSpPr>
+          <p:cNvPr id="8" name="椭圆 7"/>
+          <p:cNvSpPr/>
+          <p:nvPr userDrawn="1"/>
+        </p:nvSpPr>
+        <p:spPr>
+          <a:xfrm>
+            <a:off x="1600201" y="5272088"/>
+            <a:ext cx="971551" cy="971550"/>
+          </a:xfrm>
+          <a:prstGeom prst="ellipse">
+            <a:avLst/>
+          </a:prstGeom>
+          <a:solidFill>
+            <a:srgbClr val="223054"/>
+          </a:solidFill>
+          <a:ln>
+            <a:noFill/>
+          </a:ln>
+        </p:spPr>
+        <p:style>
+          <a:lnRef idx="2">
+            <a:schemeClr val="accent1">
+              <a:shade val="50000"/>
+            </a:schemeClr>
+          </a:lnRef>
+          <a:fillRef idx="1">
+            <a:schemeClr val="accent1"/>
+          </a:fillRef>
+          <a:effectRef idx="0">
+            <a:schemeClr val="accent1"/>
+          </a:effectRef>
+          <a:fontRef idx="minor">
+            <a:schemeClr val="lt1"/>
+          </a:fontRef>
+        </p:style>
+        <p:txBody>
+          <a:bodyPr rtlCol="0" anchor="ctr"/>
+          <a:lstStyle/>
+          <a:p>
+            <a:pPr algn="ctr"/>
+            <a:endParaRPr lang="zh-CN" altLang="en-US"/>
+          </a:p>
+        </p:txBody>
+      </p:sp>
+    </p:spTree>
+    <p:extLst>
+      <p:ext uri="{BB962C8B-B14F-4D97-AF65-F5344CB8AC3E}">
+        <p14:creationId xmlns:p14="http://schemas.microsoft.com/office/powerpoint/2010/main" val="4006130900"/>
+      </p:ext>
+    </p:extLst>
+  </p:cSld>
+  <p:clrMapOvr>
+    <a:masterClrMapping/>
+  </p:clrMapOvr>
+  <p:transition spd="slow">
+    <p:wipe/>
+  </p:transition>
+  <p:timing>
+    <p:tnLst>
+      <p:par>
+        <p:cTn id="1" dur="indefinite" restart="never" nodeType="tmRoot"/>
+      </p:par>
+    </p:tnLst>
+  </p:timing>
+</p:sldLayout>
+</file>
+
+<file path=ppt/slideLayouts/slideLayout16.xml><?xml version="1.0" encoding="utf-8"?>
+<p:sldLayout xmlns:a="http://schemas.openxmlformats.org/drawingml/2006/main" xmlns:r="http://schemas.openxmlformats.org/officeDocument/2006/relationships" xmlns:p="http://schemas.openxmlformats.org/presentationml/2006/main" userDrawn="1">
+  <p:cSld name="5_标题幻灯片">
+    <p:spTree>
+      <p:nvGrpSpPr>
+        <p:cNvPr id="1" name=""/>
+        <p:cNvGrpSpPr/>
+        <p:nvPr/>
+      </p:nvGrpSpPr>
+      <p:grpSpPr>
+        <a:xfrm>
+          <a:off x="0" y="0"/>
+          <a:ext cx="0" cy="0"/>
+          <a:chOff x="0" y="0"/>
+          <a:chExt cx="0" cy="0"/>
+        </a:xfrm>
+      </p:grpSpPr>
+      <p:sp>
+        <p:nvSpPr>
+          <p:cNvPr id="4" name="日期占位符 3"/>
+          <p:cNvSpPr>
+            <a:spLocks noGrp="1"/>
+          </p:cNvSpPr>
+          <p:nvPr>
+            <p:ph type="dt" sz="half" idx="10"/>
+          </p:nvPr>
+        </p:nvSpPr>
+        <p:spPr/>
+        <p:txBody>
+          <a:bodyPr/>
+          <a:lstStyle/>
+          <a:p>
+            <a:fld id="{171BBD79-73BD-4FCC-A131-912D061EF751}" type="datetimeFigureOut">
+              <a:rPr lang="zh-CN" altLang="en-US" smtClean="0"/>
+              <a:t>2017/5/22</a:t>
+            </a:fld>
+            <a:endParaRPr lang="zh-CN" altLang="en-US"/>
+          </a:p>
+        </p:txBody>
+      </p:sp>
+      <p:sp>
+        <p:nvSpPr>
+          <p:cNvPr id="5" name="页脚占位符 4"/>
+          <p:cNvSpPr>
+            <a:spLocks noGrp="1"/>
+          </p:cNvSpPr>
+          <p:nvPr>
+            <p:ph type="ftr" sz="quarter" idx="11"/>
+          </p:nvPr>
+        </p:nvSpPr>
+        <p:spPr/>
+        <p:txBody>
+          <a:bodyPr/>
+          <a:lstStyle/>
+          <a:p>
+            <a:endParaRPr lang="zh-CN" altLang="en-US"/>
+          </a:p>
+        </p:txBody>
+      </p:sp>
+      <p:sp>
+        <p:nvSpPr>
+          <p:cNvPr id="6" name="灯片编号占位符 5"/>
+          <p:cNvSpPr>
+            <a:spLocks noGrp="1"/>
+          </p:cNvSpPr>
+          <p:nvPr>
+            <p:ph type="sldNum" sz="quarter" idx="12"/>
+          </p:nvPr>
+        </p:nvSpPr>
+        <p:spPr/>
+        <p:txBody>
+          <a:bodyPr/>
+          <a:lstStyle/>
+          <a:p>
+            <a:fld id="{09A119BB-CB53-4D13-A1E9-626B81BB36FF}" type="slidenum">
+              <a:rPr lang="zh-CN" altLang="en-US" smtClean="0"/>
+              <a:t>‹#›</a:t>
+            </a:fld>
+            <a:endParaRPr lang="zh-CN" altLang="en-US"/>
+          </a:p>
+        </p:txBody>
+      </p:sp>
+      <p:sp>
+        <p:nvSpPr>
+          <p:cNvPr id="7" name="矩形 6"/>
+          <p:cNvSpPr/>
+          <p:nvPr userDrawn="1"/>
+        </p:nvSpPr>
+        <p:spPr>
+          <a:xfrm>
+            <a:off x="0" y="0"/>
+            <a:ext cx="12192000" cy="6858000"/>
+          </a:xfrm>
+          <a:prstGeom prst="rect">
+            <a:avLst/>
+          </a:prstGeom>
+          <a:solidFill>
+            <a:srgbClr val="223054"/>
+          </a:solidFill>
+          <a:ln>
+            <a:solidFill>
+              <a:srgbClr val="223054"/>
+            </a:solidFill>
+          </a:ln>
+        </p:spPr>
+        <p:style>
+          <a:lnRef idx="2">
+            <a:schemeClr val="accent1">
+              <a:shade val="50000"/>
+            </a:schemeClr>
+          </a:lnRef>
+          <a:fillRef idx="1">
+            <a:schemeClr val="accent1"/>
+          </a:fillRef>
+          <a:effectRef idx="0">
+            <a:schemeClr val="accent1"/>
+          </a:effectRef>
+          <a:fontRef idx="minor">
+            <a:schemeClr val="lt1"/>
+          </a:fontRef>
+        </p:style>
+        <p:txBody>
+          <a:bodyPr rtlCol="0" anchor="ctr"/>
+          <a:lstStyle/>
+          <a:p>
+            <a:pPr algn="ctr"/>
+            <a:endParaRPr lang="zh-CN" altLang="en-US"/>
+          </a:p>
+        </p:txBody>
+      </p:sp>
+      <p:sp>
+        <p:nvSpPr>
+          <p:cNvPr id="8" name="椭圆 7"/>
+          <p:cNvSpPr/>
+          <p:nvPr userDrawn="1"/>
+        </p:nvSpPr>
+        <p:spPr>
+          <a:xfrm>
+            <a:off x="1600201" y="5272088"/>
+            <a:ext cx="971551" cy="971550"/>
+          </a:xfrm>
+          <a:prstGeom prst="ellipse">
+            <a:avLst/>
+          </a:prstGeom>
+          <a:solidFill>
+            <a:srgbClr val="223054"/>
+          </a:solidFill>
+          <a:ln>
+            <a:noFill/>
+          </a:ln>
+        </p:spPr>
+        <p:style>
+          <a:lnRef idx="2">
+            <a:schemeClr val="accent1">
+              <a:shade val="50000"/>
+            </a:schemeClr>
+          </a:lnRef>
+          <a:fillRef idx="1">
+            <a:schemeClr val="accent1"/>
+          </a:fillRef>
+          <a:effectRef idx="0">
+            <a:schemeClr val="accent1"/>
+          </a:effectRef>
+          <a:fontRef idx="minor">
+            <a:schemeClr val="lt1"/>
+          </a:fontRef>
+        </p:style>
+        <p:txBody>
+          <a:bodyPr rtlCol="0" anchor="ctr"/>
+          <a:lstStyle/>
+          <a:p>
+            <a:pPr algn="ctr"/>
+            <a:endParaRPr lang="zh-CN" altLang="en-US"/>
+          </a:p>
+        </p:txBody>
+      </p:sp>
+    </p:spTree>
+    <p:extLst>
+      <p:ext uri="{BB962C8B-B14F-4D97-AF65-F5344CB8AC3E}">
+        <p14:creationId xmlns:p14="http://schemas.microsoft.com/office/powerpoint/2010/main" val="3387914982"/>
+      </p:ext>
+    </p:extLst>
+  </p:cSld>
+  <p:clrMapOvr>
+    <a:masterClrMapping/>
+  </p:clrMapOvr>
+  <p:transition spd="slow">
+    <p:wipe/>
+  </p:transition>
+  <p:timing>
+    <p:tnLst>
+      <p:par>
+        <p:cTn id="1" dur="indefinite" restart="never" nodeType="tmRoot"/>
+      </p:par>
+    </p:tnLst>
+  </p:timing>
+</p:sldLayout>
+</file>
+
+<file path=ppt/slideLayouts/slideLayout17.xml><?xml version="1.0" encoding="utf-8"?>
+<p:sldLayout xmlns:a="http://schemas.openxmlformats.org/drawingml/2006/main" xmlns:r="http://schemas.openxmlformats.org/officeDocument/2006/relationships" xmlns:p="http://schemas.openxmlformats.org/presentationml/2006/main" userDrawn="1">
+  <p:cSld name="6_标题幻灯片">
+    <p:spTree>
+      <p:nvGrpSpPr>
+        <p:cNvPr id="1" name=""/>
+        <p:cNvGrpSpPr/>
+        <p:nvPr/>
+      </p:nvGrpSpPr>
+      <p:grpSpPr>
+        <a:xfrm>
+          <a:off x="0" y="0"/>
+          <a:ext cx="0" cy="0"/>
+          <a:chOff x="0" y="0"/>
+          <a:chExt cx="0" cy="0"/>
+        </a:xfrm>
+      </p:grpSpPr>
+      <p:sp>
+        <p:nvSpPr>
+          <p:cNvPr id="4" name="日期占位符 3"/>
+          <p:cNvSpPr>
+            <a:spLocks noGrp="1"/>
+          </p:cNvSpPr>
+          <p:nvPr>
+            <p:ph type="dt" sz="half" idx="10"/>
+          </p:nvPr>
+        </p:nvSpPr>
+        <p:spPr/>
+        <p:txBody>
+          <a:bodyPr/>
+          <a:lstStyle/>
+          <a:p>
+            <a:fld id="{171BBD79-73BD-4FCC-A131-912D061EF751}" type="datetimeFigureOut">
+              <a:rPr lang="zh-CN" altLang="en-US" smtClean="0"/>
+              <a:t>2017/5/22</a:t>
+            </a:fld>
+            <a:endParaRPr lang="zh-CN" altLang="en-US"/>
+          </a:p>
+        </p:txBody>
+      </p:sp>
+      <p:sp>
+        <p:nvSpPr>
+          <p:cNvPr id="5" name="页脚占位符 4"/>
+          <p:cNvSpPr>
+            <a:spLocks noGrp="1"/>
+          </p:cNvSpPr>
+          <p:nvPr>
+            <p:ph type="ftr" sz="quarter" idx="11"/>
+          </p:nvPr>
+        </p:nvSpPr>
+        <p:spPr/>
+        <p:txBody>
+          <a:bodyPr/>
+          <a:lstStyle/>
+          <a:p>
+            <a:endParaRPr lang="zh-CN" altLang="en-US"/>
+          </a:p>
+        </p:txBody>
+      </p:sp>
+      <p:sp>
+        <p:nvSpPr>
+          <p:cNvPr id="6" name="灯片编号占位符 5"/>
+          <p:cNvSpPr>
+            <a:spLocks noGrp="1"/>
+          </p:cNvSpPr>
+          <p:nvPr>
+            <p:ph type="sldNum" sz="quarter" idx="12"/>
+          </p:nvPr>
+        </p:nvSpPr>
+        <p:spPr/>
+        <p:txBody>
+          <a:bodyPr/>
+          <a:lstStyle/>
+          <a:p>
+            <a:fld id="{09A119BB-CB53-4D13-A1E9-626B81BB36FF}" type="slidenum">
+              <a:rPr lang="zh-CN" altLang="en-US" smtClean="0"/>
+              <a:t>‹#›</a:t>
+            </a:fld>
+            <a:endParaRPr lang="zh-CN" altLang="en-US"/>
+          </a:p>
+        </p:txBody>
+      </p:sp>
+      <p:sp>
+        <p:nvSpPr>
+          <p:cNvPr id="7" name="矩形 6"/>
+          <p:cNvSpPr/>
+          <p:nvPr userDrawn="1"/>
+        </p:nvSpPr>
+        <p:spPr>
+          <a:xfrm>
+            <a:off x="0" y="0"/>
+            <a:ext cx="12192000" cy="6858000"/>
+          </a:xfrm>
+          <a:prstGeom prst="rect">
+            <a:avLst/>
+          </a:prstGeom>
+          <a:solidFill>
+            <a:srgbClr val="223054"/>
+          </a:solidFill>
+          <a:ln>
+            <a:solidFill>
+              <a:srgbClr val="223054"/>
+            </a:solidFill>
+          </a:ln>
+        </p:spPr>
+        <p:style>
+          <a:lnRef idx="2">
+            <a:schemeClr val="accent1">
+              <a:shade val="50000"/>
+            </a:schemeClr>
+          </a:lnRef>
+          <a:fillRef idx="1">
+            <a:schemeClr val="accent1"/>
+          </a:fillRef>
+          <a:effectRef idx="0">
+            <a:schemeClr val="accent1"/>
+          </a:effectRef>
+          <a:fontRef idx="minor">
+            <a:schemeClr val="lt1"/>
+          </a:fontRef>
+        </p:style>
+        <p:txBody>
+          <a:bodyPr rtlCol="0" anchor="ctr"/>
+          <a:lstStyle/>
+          <a:p>
+            <a:pPr algn="ctr"/>
+            <a:endParaRPr lang="zh-CN" altLang="en-US"/>
+          </a:p>
+        </p:txBody>
+      </p:sp>
+      <p:sp>
+        <p:nvSpPr>
+          <p:cNvPr id="8" name="椭圆 7"/>
+          <p:cNvSpPr/>
+          <p:nvPr userDrawn="1"/>
+        </p:nvSpPr>
+        <p:spPr>
+          <a:xfrm>
+            <a:off x="1600201" y="5272088"/>
+            <a:ext cx="971551" cy="971550"/>
+          </a:xfrm>
+          <a:prstGeom prst="ellipse">
+            <a:avLst/>
+          </a:prstGeom>
+          <a:solidFill>
+            <a:srgbClr val="223054"/>
+          </a:solidFill>
+          <a:ln>
+            <a:noFill/>
+          </a:ln>
+        </p:spPr>
+        <p:style>
+          <a:lnRef idx="2">
+            <a:schemeClr val="accent1">
+              <a:shade val="50000"/>
+            </a:schemeClr>
+          </a:lnRef>
+          <a:fillRef idx="1">
+            <a:schemeClr val="accent1"/>
+          </a:fillRef>
+          <a:effectRef idx="0">
+            <a:schemeClr val="accent1"/>
+          </a:effectRef>
+          <a:fontRef idx="minor">
+            <a:schemeClr val="lt1"/>
+          </a:fontRef>
+        </p:style>
+        <p:txBody>
+          <a:bodyPr rtlCol="0" anchor="ctr"/>
+          <a:lstStyle/>
+          <a:p>
+            <a:pPr algn="ctr"/>
+            <a:endParaRPr lang="zh-CN" altLang="en-US"/>
+          </a:p>
+        </p:txBody>
+      </p:sp>
+    </p:spTree>
+    <p:extLst>
+      <p:ext uri="{BB962C8B-B14F-4D97-AF65-F5344CB8AC3E}">
+        <p14:creationId xmlns:p14="http://schemas.microsoft.com/office/powerpoint/2010/main" val="331154023"/>
+      </p:ext>
+    </p:extLst>
+  </p:cSld>
+  <p:clrMapOvr>
+    <a:masterClrMapping/>
+  </p:clrMapOvr>
+  <p:transition spd="slow">
+    <p:wipe/>
+  </p:transition>
+  <p:timing>
+    <p:tnLst>
+      <p:par>
+        <p:cTn id="1" dur="indefinite" restart="never" nodeType="tmRoot"/>
+      </p:par>
+    </p:tnLst>
+  </p:timing>
+</p:sldLayout>
+</file>
+
+<file path=ppt/slideLayouts/slideLayout18.xml><?xml version="1.0" encoding="utf-8"?>
+<p:sldLayout xmlns:a="http://schemas.openxmlformats.org/drawingml/2006/main" xmlns:r="http://schemas.openxmlformats.org/officeDocument/2006/relationships" xmlns:p="http://schemas.openxmlformats.org/presentationml/2006/main" userDrawn="1">
+  <p:cSld name="7_标题幻灯片">
+    <p:spTree>
+      <p:nvGrpSpPr>
+        <p:cNvPr id="1" name=""/>
+        <p:cNvGrpSpPr/>
+        <p:nvPr/>
+      </p:nvGrpSpPr>
+      <p:grpSpPr>
+        <a:xfrm>
+          <a:off x="0" y="0"/>
+          <a:ext cx="0" cy="0"/>
+          <a:chOff x="0" y="0"/>
+          <a:chExt cx="0" cy="0"/>
+        </a:xfrm>
+      </p:grpSpPr>
+      <p:sp>
+        <p:nvSpPr>
+          <p:cNvPr id="4" name="日期占位符 3"/>
+          <p:cNvSpPr>
+            <a:spLocks noGrp="1"/>
+          </p:cNvSpPr>
+          <p:nvPr>
+            <p:ph type="dt" sz="half" idx="10"/>
+          </p:nvPr>
+        </p:nvSpPr>
+        <p:spPr/>
+        <p:txBody>
+          <a:bodyPr/>
+          <a:lstStyle/>
+          <a:p>
+            <a:fld id="{171BBD79-73BD-4FCC-A131-912D061EF751}" type="datetimeFigureOut">
+              <a:rPr lang="zh-CN" altLang="en-US" smtClean="0"/>
+              <a:t>2017/5/22</a:t>
+            </a:fld>
+            <a:endParaRPr lang="zh-CN" altLang="en-US"/>
+          </a:p>
+        </p:txBody>
+      </p:sp>
+      <p:sp>
+        <p:nvSpPr>
+          <p:cNvPr id="5" name="页脚占位符 4"/>
+          <p:cNvSpPr>
+            <a:spLocks noGrp="1"/>
+          </p:cNvSpPr>
+          <p:nvPr>
+            <p:ph type="ftr" sz="quarter" idx="11"/>
+          </p:nvPr>
+        </p:nvSpPr>
+        <p:spPr/>
+        <p:txBody>
+          <a:bodyPr/>
+          <a:lstStyle/>
+          <a:p>
+            <a:endParaRPr lang="zh-CN" altLang="en-US"/>
+          </a:p>
+        </p:txBody>
+      </p:sp>
+      <p:sp>
+        <p:nvSpPr>
+          <p:cNvPr id="6" name="灯片编号占位符 5"/>
+          <p:cNvSpPr>
+            <a:spLocks noGrp="1"/>
+          </p:cNvSpPr>
+          <p:nvPr>
+            <p:ph type="sldNum" sz="quarter" idx="12"/>
+          </p:nvPr>
+        </p:nvSpPr>
+        <p:spPr/>
+        <p:txBody>
+          <a:bodyPr/>
+          <a:lstStyle/>
+          <a:p>
+            <a:fld id="{09A119BB-CB53-4D13-A1E9-626B81BB36FF}" type="slidenum">
+              <a:rPr lang="zh-CN" altLang="en-US" smtClean="0"/>
+              <a:t>‹#›</a:t>
+            </a:fld>
+            <a:endParaRPr lang="zh-CN" altLang="en-US"/>
+          </a:p>
+        </p:txBody>
+      </p:sp>
+      <p:sp>
+        <p:nvSpPr>
+          <p:cNvPr id="7" name="矩形 6"/>
+          <p:cNvSpPr/>
+          <p:nvPr userDrawn="1"/>
+        </p:nvSpPr>
+        <p:spPr>
+          <a:xfrm>
+            <a:off x="0" y="0"/>
+            <a:ext cx="12192000" cy="6858000"/>
+          </a:xfrm>
+          <a:prstGeom prst="rect">
+            <a:avLst/>
+          </a:prstGeom>
+          <a:solidFill>
+            <a:srgbClr val="223054"/>
+          </a:solidFill>
+          <a:ln>
+            <a:solidFill>
+              <a:srgbClr val="223054"/>
+            </a:solidFill>
+          </a:ln>
+        </p:spPr>
+        <p:style>
+          <a:lnRef idx="2">
+            <a:schemeClr val="accent1">
+              <a:shade val="50000"/>
+            </a:schemeClr>
+          </a:lnRef>
+          <a:fillRef idx="1">
+            <a:schemeClr val="accent1"/>
+          </a:fillRef>
+          <a:effectRef idx="0">
+            <a:schemeClr val="accent1"/>
+          </a:effectRef>
+          <a:fontRef idx="minor">
+            <a:schemeClr val="lt1"/>
+          </a:fontRef>
+        </p:style>
+        <p:txBody>
+          <a:bodyPr rtlCol="0" anchor="ctr"/>
+          <a:lstStyle/>
+          <a:p>
+            <a:pPr algn="ctr"/>
+            <a:endParaRPr lang="zh-CN" altLang="en-US"/>
+          </a:p>
+        </p:txBody>
+      </p:sp>
+      <p:sp>
+        <p:nvSpPr>
+          <p:cNvPr id="8" name="椭圆 7"/>
+          <p:cNvSpPr/>
+          <p:nvPr userDrawn="1"/>
+        </p:nvSpPr>
+        <p:spPr>
+          <a:xfrm>
+            <a:off x="1600201" y="5272088"/>
+            <a:ext cx="971551" cy="971550"/>
+          </a:xfrm>
+          <a:prstGeom prst="ellipse">
+            <a:avLst/>
+          </a:prstGeom>
+          <a:solidFill>
+            <a:srgbClr val="223054"/>
+          </a:solidFill>
+          <a:ln>
+            <a:noFill/>
+          </a:ln>
+        </p:spPr>
+        <p:style>
+          <a:lnRef idx="2">
+            <a:schemeClr val="accent1">
+              <a:shade val="50000"/>
+            </a:schemeClr>
+          </a:lnRef>
+          <a:fillRef idx="1">
+            <a:schemeClr val="accent1"/>
+          </a:fillRef>
+          <a:effectRef idx="0">
+            <a:schemeClr val="accent1"/>
+          </a:effectRef>
+          <a:fontRef idx="minor">
+            <a:schemeClr val="lt1"/>
+          </a:fontRef>
+        </p:style>
+        <p:txBody>
+          <a:bodyPr rtlCol="0" anchor="ctr"/>
+          <a:lstStyle/>
+          <a:p>
+            <a:pPr algn="ctr"/>
+            <a:endParaRPr lang="zh-CN" altLang="en-US"/>
+          </a:p>
+        </p:txBody>
+      </p:sp>
+    </p:spTree>
+    <p:extLst>
+      <p:ext uri="{BB962C8B-B14F-4D97-AF65-F5344CB8AC3E}">
+        <p14:creationId xmlns:p14="http://schemas.microsoft.com/office/powerpoint/2010/main" val="1206454227"/>
+      </p:ext>
+    </p:extLst>
+  </p:cSld>
+  <p:clrMapOvr>
+    <a:masterClrMapping/>
+  </p:clrMapOvr>
+  <p:transition spd="slow">
+    <p:wipe/>
+  </p:transition>
+  <p:timing>
+    <p:tnLst>
+      <p:par>
+        <p:cTn id="1" dur="indefinite" restart="never" nodeType="tmRoot"/>
+      </p:par>
+    </p:tnLst>
+  </p:timing>
+</p:sldLayout>
+</file>
+
 <file path=ppt/slideLayouts/slideLayout2.xml><?xml version="1.0" encoding="utf-8"?>
 <p:sldLayout xmlns:a="http://schemas.openxmlformats.org/drawingml/2006/main" xmlns:r="http://schemas.openxmlformats.org/officeDocument/2006/relationships" xmlns:p="http://schemas.openxmlformats.org/presentationml/2006/main" type="obj" preserve="1">
   <p:cSld name="标题和内容">
@@ -1215,7 +2417,6 @@
               <a:rPr lang="zh-CN" altLang="en-US"/>
               <a:t>单击此处编辑母版标题样式</a:t>
             </a:r>
-            <a:endParaRPr lang="zh-CN" altLang="en-US"/>
           </a:p>
         </p:txBody>
       </p:sp>
@@ -1239,7 +2440,6 @@
               <a:rPr lang="zh-CN" altLang="en-US"/>
               <a:t>单击此处编辑母版文本样式</a:t>
             </a:r>
-            <a:endParaRPr lang="zh-CN" altLang="en-US"/>
           </a:p>
           <a:p>
             <a:pPr lvl="1"/>
@@ -1247,7 +2447,6 @@
               <a:rPr lang="zh-CN" altLang="en-US"/>
               <a:t>第二级</a:t>
             </a:r>
-            <a:endParaRPr lang="zh-CN" altLang="en-US"/>
           </a:p>
           <a:p>
             <a:pPr lvl="2"/>
@@ -1255,7 +2454,6 @@
               <a:rPr lang="zh-CN" altLang="en-US"/>
               <a:t>第三级</a:t>
             </a:r>
-            <a:endParaRPr lang="zh-CN" altLang="en-US"/>
           </a:p>
           <a:p>
             <a:pPr lvl="3"/>
@@ -1263,7 +2461,6 @@
               <a:rPr lang="zh-CN" altLang="en-US"/>
               <a:t>第四级</a:t>
             </a:r>
-            <a:endParaRPr lang="zh-CN" altLang="en-US"/>
           </a:p>
           <a:p>
             <a:pPr lvl="4"/>
@@ -1271,7 +2468,6 @@
               <a:rPr lang="zh-CN" altLang="en-US"/>
               <a:t>第五级</a:t>
             </a:r>
-            <a:endParaRPr lang="zh-CN" altLang="en-US"/>
           </a:p>
         </p:txBody>
       </p:sp>
@@ -1292,6 +2488,7 @@
           <a:p>
             <a:fld id="{56E99B56-AAE7-4929-920B-80E2E1C0FFA9}" type="datetimeFigureOut">
               <a:rPr lang="zh-CN" altLang="en-US" smtClean="0"/>
+              <a:t>2017/5/22</a:t>
             </a:fld>
             <a:endParaRPr lang="zh-CN" altLang="en-US"/>
           </a:p>
@@ -1333,6 +2530,7 @@
           <a:p>
             <a:fld id="{22F1EA73-A147-4AC6-B678-ACA1566655AD}" type="slidenum">
               <a:rPr lang="zh-CN" altLang="en-US" smtClean="0"/>
+              <a:t>‹#›</a:t>
             </a:fld>
             <a:endParaRPr lang="zh-CN" altLang="en-US"/>
           </a:p>
@@ -1391,7 +2589,6 @@
               <a:rPr lang="zh-CN" altLang="en-US"/>
               <a:t>单击此处编辑母版标题样式</a:t>
             </a:r>
-            <a:endParaRPr lang="zh-CN" altLang="en-US"/>
           </a:p>
         </p:txBody>
       </p:sp>
@@ -1511,7 +2708,6 @@
               <a:rPr lang="zh-CN" altLang="en-US"/>
               <a:t>单击此处编辑母版文本样式</a:t>
             </a:r>
-            <a:endParaRPr lang="zh-CN" altLang="en-US"/>
           </a:p>
         </p:txBody>
       </p:sp>
@@ -1532,6 +2728,7 @@
           <a:p>
             <a:fld id="{56E99B56-AAE7-4929-920B-80E2E1C0FFA9}" type="datetimeFigureOut">
               <a:rPr lang="zh-CN" altLang="en-US" smtClean="0"/>
+              <a:t>2017/5/22</a:t>
             </a:fld>
             <a:endParaRPr lang="zh-CN" altLang="en-US"/>
           </a:p>
@@ -1573,6 +2770,7 @@
           <a:p>
             <a:fld id="{22F1EA73-A147-4AC6-B678-ACA1566655AD}" type="slidenum">
               <a:rPr lang="zh-CN" altLang="en-US" smtClean="0"/>
+              <a:t>‹#›</a:t>
             </a:fld>
             <a:endParaRPr lang="zh-CN" altLang="en-US"/>
           </a:p>
@@ -1622,7 +2820,6 @@
               <a:rPr lang="zh-CN" altLang="en-US"/>
               <a:t>单击此处编辑母版标题样式</a:t>
             </a:r>
-            <a:endParaRPr lang="zh-CN" altLang="en-US"/>
           </a:p>
         </p:txBody>
       </p:sp>
@@ -1651,7 +2848,6 @@
               <a:rPr lang="zh-CN" altLang="en-US"/>
               <a:t>单击此处编辑母版文本样式</a:t>
             </a:r>
-            <a:endParaRPr lang="zh-CN" altLang="en-US"/>
           </a:p>
           <a:p>
             <a:pPr lvl="1"/>
@@ -1659,7 +2855,6 @@
               <a:rPr lang="zh-CN" altLang="en-US"/>
               <a:t>第二级</a:t>
             </a:r>
-            <a:endParaRPr lang="zh-CN" altLang="en-US"/>
           </a:p>
           <a:p>
             <a:pPr lvl="2"/>
@@ -1667,7 +2862,6 @@
               <a:rPr lang="zh-CN" altLang="en-US"/>
               <a:t>第三级</a:t>
             </a:r>
-            <a:endParaRPr lang="zh-CN" altLang="en-US"/>
           </a:p>
           <a:p>
             <a:pPr lvl="3"/>
@@ -1675,7 +2869,6 @@
               <a:rPr lang="zh-CN" altLang="en-US"/>
               <a:t>第四级</a:t>
             </a:r>
-            <a:endParaRPr lang="zh-CN" altLang="en-US"/>
           </a:p>
           <a:p>
             <a:pPr lvl="4"/>
@@ -1683,7 +2876,6 @@
               <a:rPr lang="zh-CN" altLang="en-US"/>
               <a:t>第五级</a:t>
             </a:r>
-            <a:endParaRPr lang="zh-CN" altLang="en-US"/>
           </a:p>
         </p:txBody>
       </p:sp>
@@ -1712,7 +2904,6 @@
               <a:rPr lang="zh-CN" altLang="en-US"/>
               <a:t>单击此处编辑母版文本样式</a:t>
             </a:r>
-            <a:endParaRPr lang="zh-CN" altLang="en-US"/>
           </a:p>
           <a:p>
             <a:pPr lvl="1"/>
@@ -1720,7 +2911,6 @@
               <a:rPr lang="zh-CN" altLang="en-US"/>
               <a:t>第二级</a:t>
             </a:r>
-            <a:endParaRPr lang="zh-CN" altLang="en-US"/>
           </a:p>
           <a:p>
             <a:pPr lvl="2"/>
@@ -1728,7 +2918,6 @@
               <a:rPr lang="zh-CN" altLang="en-US"/>
               <a:t>第三级</a:t>
             </a:r>
-            <a:endParaRPr lang="zh-CN" altLang="en-US"/>
           </a:p>
           <a:p>
             <a:pPr lvl="3"/>
@@ -1736,7 +2925,6 @@
               <a:rPr lang="zh-CN" altLang="en-US"/>
               <a:t>第四级</a:t>
             </a:r>
-            <a:endParaRPr lang="zh-CN" altLang="en-US"/>
           </a:p>
           <a:p>
             <a:pPr lvl="4"/>
@@ -1744,7 +2932,6 @@
               <a:rPr lang="zh-CN" altLang="en-US"/>
               <a:t>第五级</a:t>
             </a:r>
-            <a:endParaRPr lang="zh-CN" altLang="en-US"/>
           </a:p>
         </p:txBody>
       </p:sp>
@@ -1765,6 +2952,7 @@
           <a:p>
             <a:fld id="{56E99B56-AAE7-4929-920B-80E2E1C0FFA9}" type="datetimeFigureOut">
               <a:rPr lang="zh-CN" altLang="en-US" smtClean="0"/>
+              <a:t>2017/5/22</a:t>
             </a:fld>
             <a:endParaRPr lang="zh-CN" altLang="en-US"/>
           </a:p>
@@ -1806,6 +2994,7 @@
           <a:p>
             <a:fld id="{22F1EA73-A147-4AC6-B678-ACA1566655AD}" type="slidenum">
               <a:rPr lang="zh-CN" altLang="en-US" smtClean="0"/>
+              <a:t>‹#›</a:t>
             </a:fld>
             <a:endParaRPr lang="zh-CN" altLang="en-US"/>
           </a:p>
@@ -1860,7 +3049,6 @@
               <a:rPr lang="zh-CN" altLang="en-US"/>
               <a:t>单击此处编辑母版标题样式</a:t>
             </a:r>
-            <a:endParaRPr lang="zh-CN" altLang="en-US"/>
           </a:p>
         </p:txBody>
       </p:sp>
@@ -1926,7 +3114,6 @@
               <a:rPr lang="zh-CN" altLang="en-US"/>
               <a:t>单击此处编辑母版文本样式</a:t>
             </a:r>
-            <a:endParaRPr lang="zh-CN" altLang="en-US"/>
           </a:p>
         </p:txBody>
       </p:sp>
@@ -1955,7 +3142,6 @@
               <a:rPr lang="zh-CN" altLang="en-US"/>
               <a:t>单击此处编辑母版文本样式</a:t>
             </a:r>
-            <a:endParaRPr lang="zh-CN" altLang="en-US"/>
           </a:p>
           <a:p>
             <a:pPr lvl="1"/>
@@ -1963,7 +3149,6 @@
               <a:rPr lang="zh-CN" altLang="en-US"/>
               <a:t>第二级</a:t>
             </a:r>
-            <a:endParaRPr lang="zh-CN" altLang="en-US"/>
           </a:p>
           <a:p>
             <a:pPr lvl="2"/>
@@ -1971,7 +3156,6 @@
               <a:rPr lang="zh-CN" altLang="en-US"/>
               <a:t>第三级</a:t>
             </a:r>
-            <a:endParaRPr lang="zh-CN" altLang="en-US"/>
           </a:p>
           <a:p>
             <a:pPr lvl="3"/>
@@ -1979,7 +3163,6 @@
               <a:rPr lang="zh-CN" altLang="en-US"/>
               <a:t>第四级</a:t>
             </a:r>
-            <a:endParaRPr lang="zh-CN" altLang="en-US"/>
           </a:p>
           <a:p>
             <a:pPr lvl="4"/>
@@ -1987,7 +3170,6 @@
               <a:rPr lang="zh-CN" altLang="en-US"/>
               <a:t>第五级</a:t>
             </a:r>
-            <a:endParaRPr lang="zh-CN" altLang="en-US"/>
           </a:p>
         </p:txBody>
       </p:sp>
@@ -2053,7 +3235,6 @@
               <a:rPr lang="zh-CN" altLang="en-US"/>
               <a:t>单击此处编辑母版文本样式</a:t>
             </a:r>
-            <a:endParaRPr lang="zh-CN" altLang="en-US"/>
           </a:p>
         </p:txBody>
       </p:sp>
@@ -2082,7 +3263,6 @@
               <a:rPr lang="zh-CN" altLang="en-US"/>
               <a:t>单击此处编辑母版文本样式</a:t>
             </a:r>
-            <a:endParaRPr lang="zh-CN" altLang="en-US"/>
           </a:p>
           <a:p>
             <a:pPr lvl="1"/>
@@ -2090,7 +3270,6 @@
               <a:rPr lang="zh-CN" altLang="en-US"/>
               <a:t>第二级</a:t>
             </a:r>
-            <a:endParaRPr lang="zh-CN" altLang="en-US"/>
           </a:p>
           <a:p>
             <a:pPr lvl="2"/>
@@ -2098,7 +3277,6 @@
               <a:rPr lang="zh-CN" altLang="en-US"/>
               <a:t>第三级</a:t>
             </a:r>
-            <a:endParaRPr lang="zh-CN" altLang="en-US"/>
           </a:p>
           <a:p>
             <a:pPr lvl="3"/>
@@ -2106,7 +3284,6 @@
               <a:rPr lang="zh-CN" altLang="en-US"/>
               <a:t>第四级</a:t>
             </a:r>
-            <a:endParaRPr lang="zh-CN" altLang="en-US"/>
           </a:p>
           <a:p>
             <a:pPr lvl="4"/>
@@ -2114,7 +3291,6 @@
               <a:rPr lang="zh-CN" altLang="en-US"/>
               <a:t>第五级</a:t>
             </a:r>
-            <a:endParaRPr lang="zh-CN" altLang="en-US"/>
           </a:p>
         </p:txBody>
       </p:sp>
@@ -2135,6 +3311,7 @@
           <a:p>
             <a:fld id="{56E99B56-AAE7-4929-920B-80E2E1C0FFA9}" type="datetimeFigureOut">
               <a:rPr lang="zh-CN" altLang="en-US" smtClean="0"/>
+              <a:t>2017/5/22</a:t>
             </a:fld>
             <a:endParaRPr lang="zh-CN" altLang="en-US"/>
           </a:p>
@@ -2176,6 +3353,7 @@
           <a:p>
             <a:fld id="{22F1EA73-A147-4AC6-B678-ACA1566655AD}" type="slidenum">
               <a:rPr lang="zh-CN" altLang="en-US" smtClean="0"/>
+              <a:t>‹#›</a:t>
             </a:fld>
             <a:endParaRPr lang="zh-CN" altLang="en-US"/>
           </a:p>
@@ -2225,7 +3403,6 @@
               <a:rPr lang="zh-CN" altLang="en-US"/>
               <a:t>单击此处编辑母版标题样式</a:t>
             </a:r>
-            <a:endParaRPr lang="zh-CN" altLang="en-US"/>
           </a:p>
         </p:txBody>
       </p:sp>
@@ -2246,6 +3423,7 @@
           <a:p>
             <a:fld id="{56E99B56-AAE7-4929-920B-80E2E1C0FFA9}" type="datetimeFigureOut">
               <a:rPr lang="zh-CN" altLang="en-US" smtClean="0"/>
+              <a:t>2017/5/22</a:t>
             </a:fld>
             <a:endParaRPr lang="zh-CN" altLang="en-US"/>
           </a:p>
@@ -2287,6 +3465,7 @@
           <a:p>
             <a:fld id="{22F1EA73-A147-4AC6-B678-ACA1566655AD}" type="slidenum">
               <a:rPr lang="zh-CN" altLang="en-US" smtClean="0"/>
+              <a:t>‹#›</a:t>
             </a:fld>
             <a:endParaRPr lang="zh-CN" altLang="en-US"/>
           </a:p>
@@ -2334,6 +3513,7 @@
           <a:p>
             <a:fld id="{56E99B56-AAE7-4929-920B-80E2E1C0FFA9}" type="datetimeFigureOut">
               <a:rPr lang="zh-CN" altLang="en-US" smtClean="0"/>
+              <a:t>2017/5/22</a:t>
             </a:fld>
             <a:endParaRPr lang="zh-CN" altLang="en-US"/>
           </a:p>
@@ -2375,6 +3555,7 @@
           <a:p>
             <a:fld id="{22F1EA73-A147-4AC6-B678-ACA1566655AD}" type="slidenum">
               <a:rPr lang="zh-CN" altLang="en-US" smtClean="0"/>
+              <a:t>‹#›</a:t>
             </a:fld>
             <a:endParaRPr lang="zh-CN" altLang="en-US"/>
           </a:p>
@@ -2433,7 +3614,6 @@
               <a:rPr lang="zh-CN" altLang="en-US"/>
               <a:t>单击此处编辑母版标题样式</a:t>
             </a:r>
-            <a:endParaRPr lang="zh-CN" altLang="en-US"/>
           </a:p>
         </p:txBody>
       </p:sp>
@@ -2490,7 +3670,6 @@
               <a:rPr lang="zh-CN" altLang="en-US"/>
               <a:t>单击此处编辑母版文本样式</a:t>
             </a:r>
-            <a:endParaRPr lang="zh-CN" altLang="en-US"/>
           </a:p>
           <a:p>
             <a:pPr lvl="1"/>
@@ -2498,7 +3677,6 @@
               <a:rPr lang="zh-CN" altLang="en-US"/>
               <a:t>第二级</a:t>
             </a:r>
-            <a:endParaRPr lang="zh-CN" altLang="en-US"/>
           </a:p>
           <a:p>
             <a:pPr lvl="2"/>
@@ -2506,7 +3684,6 @@
               <a:rPr lang="zh-CN" altLang="en-US"/>
               <a:t>第三级</a:t>
             </a:r>
-            <a:endParaRPr lang="zh-CN" altLang="en-US"/>
           </a:p>
           <a:p>
             <a:pPr lvl="3"/>
@@ -2514,7 +3691,6 @@
               <a:rPr lang="zh-CN" altLang="en-US"/>
               <a:t>第四级</a:t>
             </a:r>
-            <a:endParaRPr lang="zh-CN" altLang="en-US"/>
           </a:p>
           <a:p>
             <a:pPr lvl="4"/>
@@ -2522,7 +3698,6 @@
               <a:rPr lang="zh-CN" altLang="en-US"/>
               <a:t>第五级</a:t>
             </a:r>
-            <a:endParaRPr lang="zh-CN" altLang="en-US"/>
           </a:p>
         </p:txBody>
       </p:sp>
@@ -2588,7 +3763,6 @@
               <a:rPr lang="zh-CN" altLang="en-US"/>
               <a:t>单击此处编辑母版文本样式</a:t>
             </a:r>
-            <a:endParaRPr lang="zh-CN" altLang="en-US"/>
           </a:p>
         </p:txBody>
       </p:sp>
@@ -2609,6 +3783,7 @@
           <a:p>
             <a:fld id="{56E99B56-AAE7-4929-920B-80E2E1C0FFA9}" type="datetimeFigureOut">
               <a:rPr lang="zh-CN" altLang="en-US" smtClean="0"/>
+              <a:t>2017/5/22</a:t>
             </a:fld>
             <a:endParaRPr lang="zh-CN" altLang="en-US"/>
           </a:p>
@@ -2650,6 +3825,7 @@
           <a:p>
             <a:fld id="{22F1EA73-A147-4AC6-B678-ACA1566655AD}" type="slidenum">
               <a:rPr lang="zh-CN" altLang="en-US" smtClean="0"/>
+              <a:t>‹#›</a:t>
             </a:fld>
             <a:endParaRPr lang="zh-CN" altLang="en-US"/>
           </a:p>
@@ -2708,7 +3884,6 @@
               <a:rPr lang="zh-CN" altLang="en-US"/>
               <a:t>单击此处编辑母版标题样式</a:t>
             </a:r>
-            <a:endParaRPr lang="zh-CN" altLang="en-US"/>
           </a:p>
         </p:txBody>
       </p:sp>
@@ -2835,7 +4010,6 @@
               <a:rPr lang="zh-CN" altLang="en-US"/>
               <a:t>单击此处编辑母版文本样式</a:t>
             </a:r>
-            <a:endParaRPr lang="zh-CN" altLang="en-US"/>
           </a:p>
         </p:txBody>
       </p:sp>
@@ -2856,6 +4030,7 @@
           <a:p>
             <a:fld id="{56E99B56-AAE7-4929-920B-80E2E1C0FFA9}" type="datetimeFigureOut">
               <a:rPr lang="zh-CN" altLang="en-US" smtClean="0"/>
+              <a:t>2017/5/22</a:t>
             </a:fld>
             <a:endParaRPr lang="zh-CN" altLang="en-US"/>
           </a:p>
@@ -2897,6 +4072,7 @@
           <a:p>
             <a:fld id="{22F1EA73-A147-4AC6-B678-ACA1566655AD}" type="slidenum">
               <a:rPr lang="zh-CN" altLang="en-US" smtClean="0"/>
+              <a:t>‹#›</a:t>
             </a:fld>
             <a:endParaRPr lang="zh-CN" altLang="en-US"/>
           </a:p>
@@ -2961,7 +4137,6 @@
               <a:rPr lang="zh-CN" altLang="en-US"/>
               <a:t>单击此处编辑母版标题样式</a:t>
             </a:r>
-            <a:endParaRPr lang="zh-CN" altLang="en-US"/>
           </a:p>
         </p:txBody>
       </p:sp>
@@ -2995,7 +4170,6 @@
               <a:rPr lang="zh-CN" altLang="en-US"/>
               <a:t>单击此处编辑母版文本样式</a:t>
             </a:r>
-            <a:endParaRPr lang="zh-CN" altLang="en-US"/>
           </a:p>
           <a:p>
             <a:pPr lvl="1"/>
@@ -3003,7 +4177,6 @@
               <a:rPr lang="zh-CN" altLang="en-US"/>
               <a:t>第二级</a:t>
             </a:r>
-            <a:endParaRPr lang="zh-CN" altLang="en-US"/>
           </a:p>
           <a:p>
             <a:pPr lvl="2"/>
@@ -3011,7 +4184,6 @@
               <a:rPr lang="zh-CN" altLang="en-US"/>
               <a:t>第三级</a:t>
             </a:r>
-            <a:endParaRPr lang="zh-CN" altLang="en-US"/>
           </a:p>
           <a:p>
             <a:pPr lvl="3"/>
@@ -3019,7 +4191,6 @@
               <a:rPr lang="zh-CN" altLang="en-US"/>
               <a:t>第四级</a:t>
             </a:r>
-            <a:endParaRPr lang="zh-CN" altLang="en-US"/>
           </a:p>
           <a:p>
             <a:pPr lvl="4"/>
@@ -3027,7 +4198,6 @@
               <a:rPr lang="zh-CN" altLang="en-US"/>
               <a:t>第五级</a:t>
             </a:r>
-            <a:endParaRPr lang="zh-CN" altLang="en-US"/>
           </a:p>
         </p:txBody>
       </p:sp>
@@ -3066,6 +4236,7 @@
           <a:p>
             <a:fld id="{56E99B56-AAE7-4929-920B-80E2E1C0FFA9}" type="datetimeFigureOut">
               <a:rPr lang="zh-CN" altLang="en-US" smtClean="0"/>
+              <a:t>2017/5/22</a:t>
             </a:fld>
             <a:endParaRPr lang="zh-CN" altLang="en-US"/>
           </a:p>
@@ -3143,6 +4314,7 @@
           <a:p>
             <a:fld id="{22F1EA73-A147-4AC6-B678-ACA1566655AD}" type="slidenum">
               <a:rPr lang="zh-CN" altLang="en-US" smtClean="0"/>
+              <a:t>‹#›</a:t>
             </a:fld>
             <a:endParaRPr lang="zh-CN" altLang="en-US"/>
           </a:p>
@@ -3164,6 +4336,12 @@
     <p:sldLayoutId id="2147483658" r:id="rId10"/>
     <p:sldLayoutId id="2147483659" r:id="rId11"/>
     <p:sldLayoutId id="2147483660" r:id="rId12"/>
+    <p:sldLayoutId id="2147483661" r:id="rId13"/>
+    <p:sldLayoutId id="2147483662" r:id="rId14"/>
+    <p:sldLayoutId id="2147483663" r:id="rId15"/>
+    <p:sldLayoutId id="2147483664" r:id="rId16"/>
+    <p:sldLayoutId id="2147483665" r:id="rId17"/>
+    <p:sldLayoutId id="2147483666" r:id="rId18"/>
   </p:sldLayoutIdLst>
   <p:txStyles>
     <p:titleStyle>
@@ -4151,611 +5329,7 @@
 </p:sld>
 </file>
 
-<file path=ppt/slides/slide2.xml><?xml version="1.0" encoding="utf-8"?>
-<p:sld xmlns:a="http://schemas.openxmlformats.org/drawingml/2006/main" xmlns:r="http://schemas.openxmlformats.org/officeDocument/2006/relationships" xmlns:p="http://schemas.openxmlformats.org/presentationml/2006/main">
-  <p:cSld>
-    <p:spTree>
-      <p:nvGrpSpPr>
-        <p:cNvPr id="1" name=""/>
-        <p:cNvGrpSpPr/>
-        <p:nvPr/>
-      </p:nvGrpSpPr>
-      <p:grpSpPr>
-        <a:xfrm>
-          <a:off x="0" y="0"/>
-          <a:ext cx="0" cy="0"/>
-          <a:chOff x="0" y="0"/>
-          <a:chExt cx="0" cy="0"/>
-        </a:xfrm>
-      </p:grpSpPr>
-      <p:sp>
-        <p:nvSpPr>
-          <p:cNvPr id="6" name="文本框 5"/>
-          <p:cNvSpPr txBox="1"/>
-          <p:nvPr/>
-        </p:nvSpPr>
-        <p:spPr>
-          <a:xfrm>
-            <a:off x="4021831" y="1470016"/>
-            <a:ext cx="8005329" cy="6186309"/>
-          </a:xfrm>
-          <a:prstGeom prst="rect">
-            <a:avLst/>
-          </a:prstGeom>
-          <a:noFill/>
-        </p:spPr>
-        <p:txBody>
-          <a:bodyPr wrap="square" rtlCol="0">
-            <a:spAutoFit/>
-          </a:bodyPr>
-          <a:lstStyle/>
-          <a:p>
-            <a:r>
-              <a:rPr lang="en-US" altLang="zh-CN" sz="8800" b="1" dirty="0">
-                <a:solidFill>
-                  <a:schemeClr val="bg1"/>
-                </a:solidFill>
-              </a:rPr>
-              <a:t>Part </a:t>
-            </a:r>
-            <a:r>
-              <a:rPr lang="en-US" altLang="zh-CN" sz="8800" b="1" dirty="0" smtClean="0">
-                <a:solidFill>
-                  <a:schemeClr val="bg1"/>
-                </a:solidFill>
-              </a:rPr>
-              <a:t>two</a:t>
-            </a:r>
-            <a:endParaRPr lang="en-US" altLang="zh-CN" sz="8800" b="1" dirty="0">
-              <a:solidFill>
-                <a:schemeClr val="bg1"/>
-              </a:solidFill>
-            </a:endParaRPr>
-          </a:p>
-          <a:p>
-            <a:r>
-              <a:rPr lang="zh-CN" altLang="en-US" sz="6600" b="1" dirty="0" smtClean="0">
-                <a:solidFill>
-                  <a:schemeClr val="bg1"/>
-                </a:solidFill>
-              </a:rPr>
-              <a:t>内容建模</a:t>
-            </a:r>
-            <a:r>
-              <a:rPr lang="zh-CN" altLang="en-US" sz="6600" b="1" dirty="0">
-                <a:solidFill>
-                  <a:schemeClr val="bg1"/>
-                </a:solidFill>
-              </a:rPr>
-              <a:t>：</a:t>
-            </a:r>
-            <a:endParaRPr lang="en-US" altLang="zh-CN" sz="6600" b="1" dirty="0">
-              <a:solidFill>
-                <a:schemeClr val="bg1"/>
-              </a:solidFill>
-            </a:endParaRPr>
-          </a:p>
-          <a:p>
-            <a:r>
-              <a:rPr lang="zh-CN" altLang="en-US" sz="6600" b="1" smtClean="0">
-                <a:solidFill>
-                  <a:schemeClr val="bg1"/>
-                </a:solidFill>
-              </a:rPr>
-              <a:t>类图及状态图</a:t>
-            </a:r>
-            <a:endParaRPr lang="zh-CN" altLang="en-US" sz="6600" b="1" dirty="0">
-              <a:solidFill>
-                <a:schemeClr val="bg1"/>
-              </a:solidFill>
-            </a:endParaRPr>
-          </a:p>
-          <a:p>
-            <a:endParaRPr lang="en-US" altLang="zh-CN" sz="8800" b="1" dirty="0">
-              <a:solidFill>
-                <a:schemeClr val="bg1"/>
-              </a:solidFill>
-            </a:endParaRPr>
-          </a:p>
-          <a:p>
-            <a:endParaRPr lang="zh-CN" altLang="en-US" sz="8800" b="1" dirty="0">
-              <a:solidFill>
-                <a:schemeClr val="bg1"/>
-              </a:solidFill>
-            </a:endParaRPr>
-          </a:p>
-        </p:txBody>
-      </p:sp>
-      <p:grpSp>
-        <p:nvGrpSpPr>
-          <p:cNvPr id="7" name="组合 6"/>
-          <p:cNvGrpSpPr/>
-          <p:nvPr/>
-        </p:nvGrpSpPr>
-        <p:grpSpPr>
-          <a:xfrm rot="19068014">
-            <a:off x="1556870" y="2221074"/>
-            <a:ext cx="1957812" cy="2144454"/>
-            <a:chOff x="10141891" y="-883067"/>
-            <a:chExt cx="2652736" cy="2905631"/>
-          </a:xfrm>
-        </p:grpSpPr>
-        <p:sp>
-          <p:nvSpPr>
-            <p:cNvPr id="8" name="矩形 7"/>
-            <p:cNvSpPr/>
-            <p:nvPr/>
-          </p:nvSpPr>
-          <p:spPr>
-            <a:xfrm>
-              <a:off x="12394716" y="133432"/>
-              <a:ext cx="399911" cy="492961"/>
-            </a:xfrm>
-            <a:prstGeom prst="rect">
-              <a:avLst/>
-            </a:prstGeom>
-            <a:noFill/>
-            <a:ln w="38100">
-              <a:solidFill>
-                <a:schemeClr val="accent3"/>
-              </a:solidFill>
-            </a:ln>
-          </p:spPr>
-          <p:style>
-            <a:lnRef idx="2">
-              <a:schemeClr val="accent1">
-                <a:shade val="50000"/>
-              </a:schemeClr>
-            </a:lnRef>
-            <a:fillRef idx="1">
-              <a:schemeClr val="accent1"/>
-            </a:fillRef>
-            <a:effectRef idx="0">
-              <a:schemeClr val="accent1"/>
-            </a:effectRef>
-            <a:fontRef idx="minor">
-              <a:schemeClr val="lt1"/>
-            </a:fontRef>
-          </p:style>
-          <p:txBody>
-            <a:bodyPr rtlCol="0" anchor="ctr"/>
-            <a:lstStyle/>
-            <a:p>
-              <a:pPr algn="ctr"/>
-              <a:endParaRPr lang="zh-CN" altLang="en-US" sz="1600"/>
-            </a:p>
-          </p:txBody>
-        </p:sp>
-        <p:sp>
-          <p:nvSpPr>
-            <p:cNvPr id="9" name="矩形 8"/>
-            <p:cNvSpPr/>
-            <p:nvPr/>
-          </p:nvSpPr>
-          <p:spPr>
-            <a:xfrm>
-              <a:off x="11945323" y="-178135"/>
-              <a:ext cx="492405" cy="492407"/>
-            </a:xfrm>
-            <a:prstGeom prst="rect">
-              <a:avLst/>
-            </a:prstGeom>
-            <a:noFill/>
-            <a:ln w="38100">
-              <a:solidFill>
-                <a:schemeClr val="tx2">
-                  <a:lumMod val="60000"/>
-                  <a:lumOff val="40000"/>
-                </a:schemeClr>
-              </a:solidFill>
-            </a:ln>
-          </p:spPr>
-          <p:style>
-            <a:lnRef idx="2">
-              <a:schemeClr val="accent1">
-                <a:shade val="50000"/>
-              </a:schemeClr>
-            </a:lnRef>
-            <a:fillRef idx="1">
-              <a:schemeClr val="accent1"/>
-            </a:fillRef>
-            <a:effectRef idx="0">
-              <a:schemeClr val="accent1"/>
-            </a:effectRef>
-            <a:fontRef idx="minor">
-              <a:schemeClr val="lt1"/>
-            </a:fontRef>
-          </p:style>
-          <p:txBody>
-            <a:bodyPr rtlCol="0" anchor="ctr"/>
-            <a:lstStyle/>
-            <a:p>
-              <a:pPr algn="ctr"/>
-              <a:endParaRPr lang="zh-CN" altLang="en-US" sz="1600"/>
-            </a:p>
-          </p:txBody>
-        </p:sp>
-        <p:sp>
-          <p:nvSpPr>
-            <p:cNvPr id="10" name="矩形 9"/>
-            <p:cNvSpPr/>
-            <p:nvPr/>
-          </p:nvSpPr>
-          <p:spPr>
-            <a:xfrm>
-              <a:off x="11181847" y="-197920"/>
-              <a:ext cx="492406" cy="492407"/>
-            </a:xfrm>
-            <a:prstGeom prst="rect">
-              <a:avLst/>
-            </a:prstGeom>
-            <a:noFill/>
-            <a:ln w="38100">
-              <a:solidFill>
-                <a:schemeClr val="accent4"/>
-              </a:solidFill>
-            </a:ln>
-          </p:spPr>
-          <p:style>
-            <a:lnRef idx="2">
-              <a:schemeClr val="accent1">
-                <a:shade val="50000"/>
-              </a:schemeClr>
-            </a:lnRef>
-            <a:fillRef idx="1">
-              <a:schemeClr val="accent1"/>
-            </a:fillRef>
-            <a:effectRef idx="0">
-              <a:schemeClr val="accent1"/>
-            </a:effectRef>
-            <a:fontRef idx="minor">
-              <a:schemeClr val="lt1"/>
-            </a:fontRef>
-          </p:style>
-          <p:txBody>
-            <a:bodyPr rtlCol="0" anchor="ctr"/>
-            <a:lstStyle/>
-            <a:p>
-              <a:pPr algn="ctr"/>
-              <a:endParaRPr lang="zh-CN" altLang="en-US" sz="1600"/>
-            </a:p>
-          </p:txBody>
-        </p:sp>
-        <p:sp>
-          <p:nvSpPr>
-            <p:cNvPr id="11" name="矩形 10"/>
-            <p:cNvSpPr/>
-            <p:nvPr/>
-          </p:nvSpPr>
-          <p:spPr>
-            <a:xfrm>
-              <a:off x="11775612" y="-883067"/>
-              <a:ext cx="492407" cy="492407"/>
-            </a:xfrm>
-            <a:prstGeom prst="rect">
-              <a:avLst/>
-            </a:prstGeom>
-            <a:noFill/>
-            <a:ln w="38100">
-              <a:solidFill>
-                <a:schemeClr val="accent6"/>
-              </a:solidFill>
-            </a:ln>
-          </p:spPr>
-          <p:style>
-            <a:lnRef idx="2">
-              <a:schemeClr val="accent1">
-                <a:shade val="50000"/>
-              </a:schemeClr>
-            </a:lnRef>
-            <a:fillRef idx="1">
-              <a:schemeClr val="accent1"/>
-            </a:fillRef>
-            <a:effectRef idx="0">
-              <a:schemeClr val="accent1"/>
-            </a:effectRef>
-            <a:fontRef idx="minor">
-              <a:schemeClr val="lt1"/>
-            </a:fontRef>
-          </p:style>
-          <p:txBody>
-            <a:bodyPr rtlCol="0" anchor="ctr"/>
-            <a:lstStyle/>
-            <a:p>
-              <a:pPr algn="ctr"/>
-              <a:endParaRPr lang="zh-CN" altLang="en-US" sz="1600" dirty="0"/>
-            </a:p>
-          </p:txBody>
-        </p:sp>
-        <p:sp>
-          <p:nvSpPr>
-            <p:cNvPr id="12" name="矩形 11"/>
-            <p:cNvSpPr/>
-            <p:nvPr/>
-          </p:nvSpPr>
-          <p:spPr>
-            <a:xfrm>
-              <a:off x="11343074" y="734042"/>
-              <a:ext cx="492406" cy="492407"/>
-            </a:xfrm>
-            <a:prstGeom prst="rect">
-              <a:avLst/>
-            </a:prstGeom>
-            <a:noFill/>
-            <a:ln w="38100">
-              <a:solidFill>
-                <a:schemeClr val="accent4"/>
-              </a:solidFill>
-            </a:ln>
-          </p:spPr>
-          <p:style>
-            <a:lnRef idx="2">
-              <a:schemeClr val="accent1">
-                <a:shade val="50000"/>
-              </a:schemeClr>
-            </a:lnRef>
-            <a:fillRef idx="1">
-              <a:schemeClr val="accent1"/>
-            </a:fillRef>
-            <a:effectRef idx="0">
-              <a:schemeClr val="accent1"/>
-            </a:effectRef>
-            <a:fontRef idx="minor">
-              <a:schemeClr val="lt1"/>
-            </a:fontRef>
-          </p:style>
-          <p:txBody>
-            <a:bodyPr rtlCol="0" anchor="ctr"/>
-            <a:lstStyle/>
-            <a:p>
-              <a:pPr algn="ctr"/>
-              <a:endParaRPr lang="zh-CN" altLang="en-US" sz="1600"/>
-            </a:p>
-          </p:txBody>
-        </p:sp>
-        <p:sp>
-          <p:nvSpPr>
-            <p:cNvPr id="13" name="矩形 12"/>
-            <p:cNvSpPr/>
-            <p:nvPr/>
-          </p:nvSpPr>
-          <p:spPr>
-            <a:xfrm>
-              <a:off x="10828124" y="303104"/>
-              <a:ext cx="492406" cy="492407"/>
-            </a:xfrm>
-            <a:prstGeom prst="rect">
-              <a:avLst/>
-            </a:prstGeom>
-            <a:noFill/>
-            <a:ln w="38100">
-              <a:solidFill>
-                <a:schemeClr val="accent6"/>
-              </a:solidFill>
-            </a:ln>
-          </p:spPr>
-          <p:style>
-            <a:lnRef idx="2">
-              <a:schemeClr val="accent1">
-                <a:shade val="50000"/>
-              </a:schemeClr>
-            </a:lnRef>
-            <a:fillRef idx="1">
-              <a:schemeClr val="accent1"/>
-            </a:fillRef>
-            <a:effectRef idx="0">
-              <a:schemeClr val="accent1"/>
-            </a:effectRef>
-            <a:fontRef idx="minor">
-              <a:schemeClr val="lt1"/>
-            </a:fontRef>
-          </p:style>
-          <p:txBody>
-            <a:bodyPr rtlCol="0" anchor="ctr"/>
-            <a:lstStyle/>
-            <a:p>
-              <a:pPr algn="ctr"/>
-              <a:endParaRPr lang="zh-CN" altLang="en-US" sz="1600"/>
-            </a:p>
-          </p:txBody>
-        </p:sp>
-        <p:sp>
-          <p:nvSpPr>
-            <p:cNvPr id="14" name="矩形 13"/>
-            <p:cNvSpPr/>
-            <p:nvPr/>
-          </p:nvSpPr>
-          <p:spPr>
-            <a:xfrm>
-              <a:off x="10141891" y="949004"/>
-              <a:ext cx="492408" cy="492407"/>
-            </a:xfrm>
-            <a:prstGeom prst="rect">
-              <a:avLst/>
-            </a:prstGeom>
-            <a:noFill/>
-            <a:ln w="38100">
-              <a:solidFill>
-                <a:schemeClr val="accent3"/>
-              </a:solidFill>
-            </a:ln>
-          </p:spPr>
-          <p:style>
-            <a:lnRef idx="2">
-              <a:schemeClr val="accent1">
-                <a:shade val="50000"/>
-              </a:schemeClr>
-            </a:lnRef>
-            <a:fillRef idx="1">
-              <a:schemeClr val="accent1"/>
-            </a:fillRef>
-            <a:effectRef idx="0">
-              <a:schemeClr val="accent1"/>
-            </a:effectRef>
-            <a:fontRef idx="minor">
-              <a:schemeClr val="lt1"/>
-            </a:fontRef>
-          </p:style>
-          <p:txBody>
-            <a:bodyPr rtlCol="0" anchor="ctr"/>
-            <a:lstStyle/>
-            <a:p>
-              <a:pPr algn="ctr"/>
-              <a:endParaRPr lang="zh-CN" altLang="en-US" sz="1600"/>
-            </a:p>
-          </p:txBody>
-        </p:sp>
-        <p:sp>
-          <p:nvSpPr>
-            <p:cNvPr id="18" name="矩形 17"/>
-            <p:cNvSpPr/>
-            <p:nvPr/>
-          </p:nvSpPr>
-          <p:spPr>
-            <a:xfrm>
-              <a:off x="10675266" y="1483202"/>
-              <a:ext cx="492408" cy="492407"/>
-            </a:xfrm>
-            <a:prstGeom prst="rect">
-              <a:avLst/>
-            </a:prstGeom>
-            <a:noFill/>
-            <a:ln w="38100">
-              <a:solidFill>
-                <a:schemeClr val="accent6"/>
-              </a:solidFill>
-            </a:ln>
-          </p:spPr>
-          <p:style>
-            <a:lnRef idx="2">
-              <a:schemeClr val="accent1">
-                <a:shade val="50000"/>
-              </a:schemeClr>
-            </a:lnRef>
-            <a:fillRef idx="1">
-              <a:schemeClr val="accent1"/>
-            </a:fillRef>
-            <a:effectRef idx="0">
-              <a:schemeClr val="accent1"/>
-            </a:effectRef>
-            <a:fontRef idx="minor">
-              <a:schemeClr val="lt1"/>
-            </a:fontRef>
-          </p:style>
-          <p:txBody>
-            <a:bodyPr rtlCol="0" anchor="ctr"/>
-            <a:lstStyle/>
-            <a:p>
-              <a:pPr algn="ctr"/>
-              <a:endParaRPr lang="zh-CN" altLang="en-US" sz="1600"/>
-            </a:p>
-          </p:txBody>
-        </p:sp>
-        <p:sp>
-          <p:nvSpPr>
-            <p:cNvPr id="19" name="矩形 18"/>
-            <p:cNvSpPr/>
-            <p:nvPr/>
-          </p:nvSpPr>
-          <p:spPr>
-            <a:xfrm>
-              <a:off x="11382154" y="1530157"/>
-              <a:ext cx="492408" cy="492407"/>
-            </a:xfrm>
-            <a:prstGeom prst="rect">
-              <a:avLst/>
-            </a:prstGeom>
-            <a:noFill/>
-            <a:ln w="38100">
-              <a:solidFill>
-                <a:schemeClr val="accent3"/>
-              </a:solidFill>
-            </a:ln>
-          </p:spPr>
-          <p:style>
-            <a:lnRef idx="2">
-              <a:schemeClr val="accent1">
-                <a:shade val="50000"/>
-              </a:schemeClr>
-            </a:lnRef>
-            <a:fillRef idx="1">
-              <a:schemeClr val="accent1"/>
-            </a:fillRef>
-            <a:effectRef idx="0">
-              <a:schemeClr val="accent1"/>
-            </a:effectRef>
-            <a:fontRef idx="minor">
-              <a:schemeClr val="lt1"/>
-            </a:fontRef>
-          </p:style>
-          <p:txBody>
-            <a:bodyPr rtlCol="0" anchor="ctr"/>
-            <a:lstStyle/>
-            <a:p>
-              <a:pPr algn="ctr"/>
-              <a:endParaRPr lang="zh-CN" altLang="en-US" sz="1600"/>
-            </a:p>
-          </p:txBody>
-        </p:sp>
-      </p:grpSp>
-      <p:sp>
-        <p:nvSpPr>
-          <p:cNvPr id="15" name="矩形 14"/>
-          <p:cNvSpPr/>
-          <p:nvPr/>
-        </p:nvSpPr>
-        <p:spPr>
-          <a:xfrm rot="19068014">
-            <a:off x="2141973" y="2502488"/>
-            <a:ext cx="356825" cy="292096"/>
-          </a:xfrm>
-          <a:prstGeom prst="rect">
-            <a:avLst/>
-          </a:prstGeom>
-          <a:noFill/>
-          <a:ln w="38100">
-            <a:solidFill>
-              <a:srgbClr val="00B0F0"/>
-            </a:solidFill>
-          </a:ln>
-        </p:spPr>
-        <p:style>
-          <a:lnRef idx="2">
-            <a:schemeClr val="accent1">
-              <a:shade val="50000"/>
-            </a:schemeClr>
-          </a:lnRef>
-          <a:fillRef idx="1">
-            <a:schemeClr val="accent1"/>
-          </a:fillRef>
-          <a:effectRef idx="0">
-            <a:schemeClr val="accent1"/>
-          </a:effectRef>
-          <a:fontRef idx="minor">
-            <a:schemeClr val="lt1"/>
-          </a:fontRef>
-        </p:style>
-        <p:txBody>
-          <a:bodyPr rtlCol="0" anchor="ctr"/>
-          <a:lstStyle/>
-          <a:p>
-            <a:pPr algn="ctr"/>
-            <a:endParaRPr lang="zh-CN" altLang="en-US" sz="1600" dirty="0"/>
-          </a:p>
-        </p:txBody>
-      </p:sp>
-    </p:spTree>
-  </p:cSld>
-  <p:clrMapOvr>
-    <a:masterClrMapping/>
-  </p:clrMapOvr>
-  <p:transition spd="slow">
-    <p:wipe/>
-  </p:transition>
-</p:sld>
-</file>
-
-<file path=ppt/slides/slide3.xml><?xml version="1.0" encoding="utf-8"?>
+<file path=ppt/slides/slide10.xml><?xml version="1.0" encoding="utf-8"?>
 <p:sld xmlns:a="http://schemas.openxmlformats.org/drawingml/2006/main" xmlns:r="http://schemas.openxmlformats.org/officeDocument/2006/relationships" xmlns:p="http://schemas.openxmlformats.org/presentationml/2006/main">
   <p:cSld>
     <p:spTree>
@@ -4951,12 +5525,20 @@
           <a:lstStyle/>
           <a:p>
             <a:r>
+              <a:rPr lang="en-US" altLang="zh-CN" sz="4000" b="1" dirty="0" smtClean="0">
+                <a:solidFill>
+                  <a:schemeClr val="bg1"/>
+                </a:solidFill>
+              </a:rPr>
+              <a:t>User</a:t>
+            </a:r>
+            <a:r>
               <a:rPr lang="zh-CN" altLang="en-US" sz="4000" b="1" dirty="0" smtClean="0">
                 <a:solidFill>
                   <a:schemeClr val="bg1"/>
                 </a:solidFill>
               </a:rPr>
-              <a:t>类图</a:t>
+              <a:t>状态图</a:t>
             </a:r>
             <a:endParaRPr lang="zh-CN" altLang="en-US" sz="4000" b="1" dirty="0">
               <a:solidFill>
@@ -4968,14 +5550,14 @@
       </p:sp>
       <p:pic>
         <p:nvPicPr>
-          <p:cNvPr id="2" name="图片 1"/>
+          <p:cNvPr id="3" name="图片 2"/>
           <p:cNvPicPr>
             <a:picLocks noChangeAspect="1"/>
           </p:cNvPicPr>
           <p:nvPr/>
         </p:nvPicPr>
         <p:blipFill>
-          <a:blip r:embed="rId1">
+          <a:blip r:embed="rId2">
             <a:extLst>
               <a:ext uri="{28A0092B-C50C-407E-A947-70E740481C1C}">
                 <a14:useLocalDpi xmlns:a14="http://schemas.microsoft.com/office/drawing/2010/main" val="0"/>
@@ -4988,8 +5570,8 @@
         </p:blipFill>
         <p:spPr>
           <a:xfrm>
-            <a:off x="2148608" y="1057472"/>
-            <a:ext cx="7397173" cy="5525098"/>
+            <a:off x="2087562" y="1252537"/>
+            <a:ext cx="7534275" cy="5038725"/>
           </a:xfrm>
           <a:prstGeom prst="rect">
             <a:avLst/>
@@ -5007,7 +5589,7 @@
 </p:sld>
 </file>
 
-<file path=ppt/slides/slide4.xml><?xml version="1.0" encoding="utf-8"?>
+<file path=ppt/slides/slide11.xml><?xml version="1.0" encoding="utf-8"?>
 <p:sld xmlns:a="http://schemas.openxmlformats.org/drawingml/2006/main" xmlns:r="http://schemas.openxmlformats.org/officeDocument/2006/relationships" xmlns:p="http://schemas.openxmlformats.org/presentationml/2006/main">
   <p:cSld>
     <p:spTree>
@@ -5189,7 +5771,7 @@
         <p:spPr>
           <a:xfrm>
             <a:off x="2579587" y="349586"/>
-            <a:ext cx="6302207" cy="707886"/>
+            <a:ext cx="6302207" cy="701040"/>
           </a:xfrm>
           <a:prstGeom prst="rect">
             <a:avLst/>
@@ -5203,20 +5785,12 @@
           <a:lstStyle/>
           <a:p>
             <a:r>
-              <a:rPr lang="en-US" altLang="zh-CN" sz="4000" b="1" dirty="0" smtClean="0">
-                <a:solidFill>
-                  <a:schemeClr val="bg1"/>
-                </a:solidFill>
-              </a:rPr>
-              <a:t>User</a:t>
-            </a:r>
-            <a:r>
               <a:rPr lang="zh-CN" altLang="en-US" sz="4000" b="1" dirty="0" smtClean="0">
                 <a:solidFill>
                   <a:schemeClr val="bg1"/>
                 </a:solidFill>
               </a:rPr>
-              <a:t>状态图</a:t>
+              <a:t>景点类的状态图</a:t>
             </a:r>
             <a:endParaRPr lang="zh-CN" altLang="en-US" sz="4000" b="1" dirty="0">
               <a:solidFill>
@@ -5228,28 +5802,22 @@
       </p:sp>
       <p:pic>
         <p:nvPicPr>
-          <p:cNvPr id="3" name="图片 2"/>
+          <p:cNvPr id="2" name="图片 1"/>
           <p:cNvPicPr>
             <a:picLocks noChangeAspect="1"/>
           </p:cNvPicPr>
           <p:nvPr/>
         </p:nvPicPr>
         <p:blipFill>
-          <a:blip r:embed="rId1">
-            <a:extLst>
-              <a:ext uri="{28A0092B-C50C-407E-A947-70E740481C1C}">
-                <a14:useLocalDpi xmlns:a14="http://schemas.microsoft.com/office/drawing/2010/main" val="0"/>
-              </a:ext>
-            </a:extLst>
-          </a:blip>
+          <a:blip r:embed="rId2"/>
           <a:stretch>
             <a:fillRect/>
           </a:stretch>
         </p:blipFill>
         <p:spPr>
           <a:xfrm>
-            <a:off x="2087562" y="1252537"/>
-            <a:ext cx="7534275" cy="5038725"/>
+            <a:off x="2799715" y="1360170"/>
+            <a:ext cx="5861050" cy="5041265"/>
           </a:xfrm>
           <a:prstGeom prst="rect">
             <a:avLst/>
@@ -5267,7 +5835,593 @@
 </p:sld>
 </file>
 
-<file path=ppt/slides/slide5.xml><?xml version="1.0" encoding="utf-8"?>
+<file path=ppt/slides/slide12.xml><?xml version="1.0" encoding="utf-8"?>
+<p:sld xmlns:a="http://schemas.openxmlformats.org/drawingml/2006/main" xmlns:r="http://schemas.openxmlformats.org/officeDocument/2006/relationships" xmlns:p="http://schemas.openxmlformats.org/presentationml/2006/main">
+  <p:cSld>
+    <p:spTree>
+      <p:nvGrpSpPr>
+        <p:cNvPr id="1" name=""/>
+        <p:cNvGrpSpPr/>
+        <p:nvPr/>
+      </p:nvGrpSpPr>
+      <p:grpSpPr>
+        <a:xfrm>
+          <a:off x="0" y="0"/>
+          <a:ext cx="0" cy="0"/>
+          <a:chOff x="0" y="0"/>
+          <a:chExt cx="0" cy="0"/>
+        </a:xfrm>
+      </p:grpSpPr>
+      <p:sp>
+        <p:nvSpPr>
+          <p:cNvPr id="6" name="文本框 5"/>
+          <p:cNvSpPr txBox="1"/>
+          <p:nvPr/>
+        </p:nvSpPr>
+        <p:spPr>
+          <a:xfrm>
+            <a:off x="4021831" y="1470016"/>
+            <a:ext cx="8005329" cy="6186309"/>
+          </a:xfrm>
+          <a:prstGeom prst="rect">
+            <a:avLst/>
+          </a:prstGeom>
+          <a:noFill/>
+        </p:spPr>
+        <p:txBody>
+          <a:bodyPr wrap="square" rtlCol="0">
+            <a:spAutoFit/>
+          </a:bodyPr>
+          <a:lstStyle/>
+          <a:p>
+            <a:r>
+              <a:rPr lang="en-US" altLang="zh-CN" sz="8800" b="1" dirty="0">
+                <a:solidFill>
+                  <a:schemeClr val="bg1"/>
+                </a:solidFill>
+              </a:rPr>
+              <a:t>Part five</a:t>
+            </a:r>
+          </a:p>
+          <a:p>
+            <a:r>
+              <a:rPr lang="zh-CN" altLang="en-US" sz="6600" b="1" dirty="0">
+                <a:solidFill>
+                  <a:schemeClr val="bg1"/>
+                </a:solidFill>
+              </a:rPr>
+              <a:t>展示建模：</a:t>
+            </a:r>
+            <a:endParaRPr lang="en-US" altLang="zh-CN" sz="6600" b="1" dirty="0">
+              <a:solidFill>
+                <a:schemeClr val="bg1"/>
+              </a:solidFill>
+            </a:endParaRPr>
+          </a:p>
+          <a:p>
+            <a:r>
+              <a:rPr lang="en-US" altLang="zh-CN" sz="6600" b="1" dirty="0">
+                <a:solidFill>
+                  <a:schemeClr val="bg1"/>
+                </a:solidFill>
+              </a:rPr>
+              <a:t>UWE</a:t>
+            </a:r>
+            <a:r>
+              <a:rPr lang="zh-CN" altLang="en-US" sz="6600" b="1" dirty="0">
+                <a:solidFill>
+                  <a:schemeClr val="bg1"/>
+                </a:solidFill>
+              </a:rPr>
+              <a:t>建模</a:t>
+            </a:r>
+          </a:p>
+          <a:p>
+            <a:endParaRPr lang="en-US" altLang="zh-CN" sz="8800" b="1" dirty="0">
+              <a:solidFill>
+                <a:schemeClr val="bg1"/>
+              </a:solidFill>
+            </a:endParaRPr>
+          </a:p>
+          <a:p>
+            <a:endParaRPr lang="zh-CN" altLang="en-US" sz="8800" b="1" dirty="0">
+              <a:solidFill>
+                <a:schemeClr val="bg1"/>
+              </a:solidFill>
+            </a:endParaRPr>
+          </a:p>
+        </p:txBody>
+      </p:sp>
+      <p:grpSp>
+        <p:nvGrpSpPr>
+          <p:cNvPr id="7" name="组合 6"/>
+          <p:cNvGrpSpPr/>
+          <p:nvPr/>
+        </p:nvGrpSpPr>
+        <p:grpSpPr>
+          <a:xfrm rot="19068014">
+            <a:off x="1556870" y="2221074"/>
+            <a:ext cx="1957812" cy="2144454"/>
+            <a:chOff x="10141891" y="-883067"/>
+            <a:chExt cx="2652736" cy="2905631"/>
+          </a:xfrm>
+        </p:grpSpPr>
+        <p:sp>
+          <p:nvSpPr>
+            <p:cNvPr id="8" name="矩形 7"/>
+            <p:cNvSpPr/>
+            <p:nvPr/>
+          </p:nvSpPr>
+          <p:spPr>
+            <a:xfrm>
+              <a:off x="12394716" y="133432"/>
+              <a:ext cx="399911" cy="492961"/>
+            </a:xfrm>
+            <a:prstGeom prst="rect">
+              <a:avLst/>
+            </a:prstGeom>
+            <a:noFill/>
+            <a:ln w="38100">
+              <a:solidFill>
+                <a:schemeClr val="accent3"/>
+              </a:solidFill>
+            </a:ln>
+          </p:spPr>
+          <p:style>
+            <a:lnRef idx="2">
+              <a:schemeClr val="accent1">
+                <a:shade val="50000"/>
+              </a:schemeClr>
+            </a:lnRef>
+            <a:fillRef idx="1">
+              <a:schemeClr val="accent1"/>
+            </a:fillRef>
+            <a:effectRef idx="0">
+              <a:schemeClr val="accent1"/>
+            </a:effectRef>
+            <a:fontRef idx="minor">
+              <a:schemeClr val="lt1"/>
+            </a:fontRef>
+          </p:style>
+          <p:txBody>
+            <a:bodyPr rtlCol="0" anchor="ctr"/>
+            <a:lstStyle/>
+            <a:p>
+              <a:pPr algn="ctr"/>
+              <a:endParaRPr lang="zh-CN" altLang="en-US" sz="1600"/>
+            </a:p>
+          </p:txBody>
+        </p:sp>
+        <p:sp>
+          <p:nvSpPr>
+            <p:cNvPr id="9" name="矩形 8"/>
+            <p:cNvSpPr/>
+            <p:nvPr/>
+          </p:nvSpPr>
+          <p:spPr>
+            <a:xfrm>
+              <a:off x="11945323" y="-178135"/>
+              <a:ext cx="492405" cy="492407"/>
+            </a:xfrm>
+            <a:prstGeom prst="rect">
+              <a:avLst/>
+            </a:prstGeom>
+            <a:noFill/>
+            <a:ln w="38100">
+              <a:solidFill>
+                <a:schemeClr val="tx2">
+                  <a:lumMod val="60000"/>
+                  <a:lumOff val="40000"/>
+                </a:schemeClr>
+              </a:solidFill>
+            </a:ln>
+          </p:spPr>
+          <p:style>
+            <a:lnRef idx="2">
+              <a:schemeClr val="accent1">
+                <a:shade val="50000"/>
+              </a:schemeClr>
+            </a:lnRef>
+            <a:fillRef idx="1">
+              <a:schemeClr val="accent1"/>
+            </a:fillRef>
+            <a:effectRef idx="0">
+              <a:schemeClr val="accent1"/>
+            </a:effectRef>
+            <a:fontRef idx="minor">
+              <a:schemeClr val="lt1"/>
+            </a:fontRef>
+          </p:style>
+          <p:txBody>
+            <a:bodyPr rtlCol="0" anchor="ctr"/>
+            <a:lstStyle/>
+            <a:p>
+              <a:pPr algn="ctr"/>
+              <a:endParaRPr lang="zh-CN" altLang="en-US" sz="1600"/>
+            </a:p>
+          </p:txBody>
+        </p:sp>
+        <p:sp>
+          <p:nvSpPr>
+            <p:cNvPr id="10" name="矩形 9"/>
+            <p:cNvSpPr/>
+            <p:nvPr/>
+          </p:nvSpPr>
+          <p:spPr>
+            <a:xfrm>
+              <a:off x="11181847" y="-197920"/>
+              <a:ext cx="492406" cy="492407"/>
+            </a:xfrm>
+            <a:prstGeom prst="rect">
+              <a:avLst/>
+            </a:prstGeom>
+            <a:noFill/>
+            <a:ln w="38100">
+              <a:solidFill>
+                <a:schemeClr val="accent4"/>
+              </a:solidFill>
+            </a:ln>
+          </p:spPr>
+          <p:style>
+            <a:lnRef idx="2">
+              <a:schemeClr val="accent1">
+                <a:shade val="50000"/>
+              </a:schemeClr>
+            </a:lnRef>
+            <a:fillRef idx="1">
+              <a:schemeClr val="accent1"/>
+            </a:fillRef>
+            <a:effectRef idx="0">
+              <a:schemeClr val="accent1"/>
+            </a:effectRef>
+            <a:fontRef idx="minor">
+              <a:schemeClr val="lt1"/>
+            </a:fontRef>
+          </p:style>
+          <p:txBody>
+            <a:bodyPr rtlCol="0" anchor="ctr"/>
+            <a:lstStyle/>
+            <a:p>
+              <a:pPr algn="ctr"/>
+              <a:endParaRPr lang="zh-CN" altLang="en-US" sz="1600"/>
+            </a:p>
+          </p:txBody>
+        </p:sp>
+        <p:sp>
+          <p:nvSpPr>
+            <p:cNvPr id="11" name="矩形 10"/>
+            <p:cNvSpPr/>
+            <p:nvPr/>
+          </p:nvSpPr>
+          <p:spPr>
+            <a:xfrm>
+              <a:off x="11775612" y="-883067"/>
+              <a:ext cx="492407" cy="492407"/>
+            </a:xfrm>
+            <a:prstGeom prst="rect">
+              <a:avLst/>
+            </a:prstGeom>
+            <a:noFill/>
+            <a:ln w="38100">
+              <a:solidFill>
+                <a:schemeClr val="accent6"/>
+              </a:solidFill>
+            </a:ln>
+          </p:spPr>
+          <p:style>
+            <a:lnRef idx="2">
+              <a:schemeClr val="accent1">
+                <a:shade val="50000"/>
+              </a:schemeClr>
+            </a:lnRef>
+            <a:fillRef idx="1">
+              <a:schemeClr val="accent1"/>
+            </a:fillRef>
+            <a:effectRef idx="0">
+              <a:schemeClr val="accent1"/>
+            </a:effectRef>
+            <a:fontRef idx="minor">
+              <a:schemeClr val="lt1"/>
+            </a:fontRef>
+          </p:style>
+          <p:txBody>
+            <a:bodyPr rtlCol="0" anchor="ctr"/>
+            <a:lstStyle/>
+            <a:p>
+              <a:pPr algn="ctr"/>
+              <a:endParaRPr lang="zh-CN" altLang="en-US" sz="1600" dirty="0"/>
+            </a:p>
+          </p:txBody>
+        </p:sp>
+        <p:sp>
+          <p:nvSpPr>
+            <p:cNvPr id="12" name="矩形 11"/>
+            <p:cNvSpPr/>
+            <p:nvPr/>
+          </p:nvSpPr>
+          <p:spPr>
+            <a:xfrm>
+              <a:off x="11343074" y="734042"/>
+              <a:ext cx="492406" cy="492407"/>
+            </a:xfrm>
+            <a:prstGeom prst="rect">
+              <a:avLst/>
+            </a:prstGeom>
+            <a:noFill/>
+            <a:ln w="38100">
+              <a:solidFill>
+                <a:schemeClr val="accent4"/>
+              </a:solidFill>
+            </a:ln>
+          </p:spPr>
+          <p:style>
+            <a:lnRef idx="2">
+              <a:schemeClr val="accent1">
+                <a:shade val="50000"/>
+              </a:schemeClr>
+            </a:lnRef>
+            <a:fillRef idx="1">
+              <a:schemeClr val="accent1"/>
+            </a:fillRef>
+            <a:effectRef idx="0">
+              <a:schemeClr val="accent1"/>
+            </a:effectRef>
+            <a:fontRef idx="minor">
+              <a:schemeClr val="lt1"/>
+            </a:fontRef>
+          </p:style>
+          <p:txBody>
+            <a:bodyPr rtlCol="0" anchor="ctr"/>
+            <a:lstStyle/>
+            <a:p>
+              <a:pPr algn="ctr"/>
+              <a:endParaRPr lang="zh-CN" altLang="en-US" sz="1600"/>
+            </a:p>
+          </p:txBody>
+        </p:sp>
+        <p:sp>
+          <p:nvSpPr>
+            <p:cNvPr id="13" name="矩形 12"/>
+            <p:cNvSpPr/>
+            <p:nvPr/>
+          </p:nvSpPr>
+          <p:spPr>
+            <a:xfrm>
+              <a:off x="10828124" y="303104"/>
+              <a:ext cx="492406" cy="492407"/>
+            </a:xfrm>
+            <a:prstGeom prst="rect">
+              <a:avLst/>
+            </a:prstGeom>
+            <a:noFill/>
+            <a:ln w="38100">
+              <a:solidFill>
+                <a:schemeClr val="accent6"/>
+              </a:solidFill>
+            </a:ln>
+          </p:spPr>
+          <p:style>
+            <a:lnRef idx="2">
+              <a:schemeClr val="accent1">
+                <a:shade val="50000"/>
+              </a:schemeClr>
+            </a:lnRef>
+            <a:fillRef idx="1">
+              <a:schemeClr val="accent1"/>
+            </a:fillRef>
+            <a:effectRef idx="0">
+              <a:schemeClr val="accent1"/>
+            </a:effectRef>
+            <a:fontRef idx="minor">
+              <a:schemeClr val="lt1"/>
+            </a:fontRef>
+          </p:style>
+          <p:txBody>
+            <a:bodyPr rtlCol="0" anchor="ctr"/>
+            <a:lstStyle/>
+            <a:p>
+              <a:pPr algn="ctr"/>
+              <a:endParaRPr lang="zh-CN" altLang="en-US" sz="1600"/>
+            </a:p>
+          </p:txBody>
+        </p:sp>
+        <p:sp>
+          <p:nvSpPr>
+            <p:cNvPr id="14" name="矩形 13"/>
+            <p:cNvSpPr/>
+            <p:nvPr/>
+          </p:nvSpPr>
+          <p:spPr>
+            <a:xfrm>
+              <a:off x="10141891" y="949004"/>
+              <a:ext cx="492408" cy="492407"/>
+            </a:xfrm>
+            <a:prstGeom prst="rect">
+              <a:avLst/>
+            </a:prstGeom>
+            <a:noFill/>
+            <a:ln w="38100">
+              <a:solidFill>
+                <a:schemeClr val="accent3"/>
+              </a:solidFill>
+            </a:ln>
+          </p:spPr>
+          <p:style>
+            <a:lnRef idx="2">
+              <a:schemeClr val="accent1">
+                <a:shade val="50000"/>
+              </a:schemeClr>
+            </a:lnRef>
+            <a:fillRef idx="1">
+              <a:schemeClr val="accent1"/>
+            </a:fillRef>
+            <a:effectRef idx="0">
+              <a:schemeClr val="accent1"/>
+            </a:effectRef>
+            <a:fontRef idx="minor">
+              <a:schemeClr val="lt1"/>
+            </a:fontRef>
+          </p:style>
+          <p:txBody>
+            <a:bodyPr rtlCol="0" anchor="ctr"/>
+            <a:lstStyle/>
+            <a:p>
+              <a:pPr algn="ctr"/>
+              <a:endParaRPr lang="zh-CN" altLang="en-US" sz="1600"/>
+            </a:p>
+          </p:txBody>
+        </p:sp>
+        <p:sp>
+          <p:nvSpPr>
+            <p:cNvPr id="18" name="矩形 17"/>
+            <p:cNvSpPr/>
+            <p:nvPr/>
+          </p:nvSpPr>
+          <p:spPr>
+            <a:xfrm>
+              <a:off x="10675266" y="1483202"/>
+              <a:ext cx="492408" cy="492407"/>
+            </a:xfrm>
+            <a:prstGeom prst="rect">
+              <a:avLst/>
+            </a:prstGeom>
+            <a:noFill/>
+            <a:ln w="38100">
+              <a:solidFill>
+                <a:schemeClr val="accent6"/>
+              </a:solidFill>
+            </a:ln>
+          </p:spPr>
+          <p:style>
+            <a:lnRef idx="2">
+              <a:schemeClr val="accent1">
+                <a:shade val="50000"/>
+              </a:schemeClr>
+            </a:lnRef>
+            <a:fillRef idx="1">
+              <a:schemeClr val="accent1"/>
+            </a:fillRef>
+            <a:effectRef idx="0">
+              <a:schemeClr val="accent1"/>
+            </a:effectRef>
+            <a:fontRef idx="minor">
+              <a:schemeClr val="lt1"/>
+            </a:fontRef>
+          </p:style>
+          <p:txBody>
+            <a:bodyPr rtlCol="0" anchor="ctr"/>
+            <a:lstStyle/>
+            <a:p>
+              <a:pPr algn="ctr"/>
+              <a:endParaRPr lang="zh-CN" altLang="en-US" sz="1600"/>
+            </a:p>
+          </p:txBody>
+        </p:sp>
+        <p:sp>
+          <p:nvSpPr>
+            <p:cNvPr id="19" name="矩形 18"/>
+            <p:cNvSpPr/>
+            <p:nvPr/>
+          </p:nvSpPr>
+          <p:spPr>
+            <a:xfrm>
+              <a:off x="11382154" y="1530157"/>
+              <a:ext cx="492408" cy="492407"/>
+            </a:xfrm>
+            <a:prstGeom prst="rect">
+              <a:avLst/>
+            </a:prstGeom>
+            <a:noFill/>
+            <a:ln w="38100">
+              <a:solidFill>
+                <a:schemeClr val="accent3"/>
+              </a:solidFill>
+            </a:ln>
+          </p:spPr>
+          <p:style>
+            <a:lnRef idx="2">
+              <a:schemeClr val="accent1">
+                <a:shade val="50000"/>
+              </a:schemeClr>
+            </a:lnRef>
+            <a:fillRef idx="1">
+              <a:schemeClr val="accent1"/>
+            </a:fillRef>
+            <a:effectRef idx="0">
+              <a:schemeClr val="accent1"/>
+            </a:effectRef>
+            <a:fontRef idx="minor">
+              <a:schemeClr val="lt1"/>
+            </a:fontRef>
+          </p:style>
+          <p:txBody>
+            <a:bodyPr rtlCol="0" anchor="ctr"/>
+            <a:lstStyle/>
+            <a:p>
+              <a:pPr algn="ctr"/>
+              <a:endParaRPr lang="zh-CN" altLang="en-US" sz="1600"/>
+            </a:p>
+          </p:txBody>
+        </p:sp>
+      </p:grpSp>
+      <p:sp>
+        <p:nvSpPr>
+          <p:cNvPr id="15" name="矩形 14"/>
+          <p:cNvSpPr/>
+          <p:nvPr/>
+        </p:nvSpPr>
+        <p:spPr>
+          <a:xfrm rot="19068014">
+            <a:off x="2141973" y="2502488"/>
+            <a:ext cx="356825" cy="292096"/>
+          </a:xfrm>
+          <a:prstGeom prst="rect">
+            <a:avLst/>
+          </a:prstGeom>
+          <a:noFill/>
+          <a:ln w="38100">
+            <a:solidFill>
+              <a:srgbClr val="00B0F0"/>
+            </a:solidFill>
+          </a:ln>
+        </p:spPr>
+        <p:style>
+          <a:lnRef idx="2">
+            <a:schemeClr val="accent1">
+              <a:shade val="50000"/>
+            </a:schemeClr>
+          </a:lnRef>
+          <a:fillRef idx="1">
+            <a:schemeClr val="accent1"/>
+          </a:fillRef>
+          <a:effectRef idx="0">
+            <a:schemeClr val="accent1"/>
+          </a:effectRef>
+          <a:fontRef idx="minor">
+            <a:schemeClr val="lt1"/>
+          </a:fontRef>
+        </p:style>
+        <p:txBody>
+          <a:bodyPr rtlCol="0" anchor="ctr"/>
+          <a:lstStyle/>
+          <a:p>
+            <a:pPr algn="ctr"/>
+            <a:endParaRPr lang="zh-CN" altLang="en-US" sz="1600" dirty="0"/>
+          </a:p>
+        </p:txBody>
+      </p:sp>
+    </p:spTree>
+  </p:cSld>
+  <p:clrMapOvr>
+    <a:masterClrMapping/>
+  </p:clrMapOvr>
+  <p:transition spd="slow">
+    <p:wipe/>
+  </p:transition>
+</p:sld>
+</file>
+
+<file path=ppt/slides/slide13.xml><?xml version="1.0" encoding="utf-8"?>
 <p:sld xmlns:a="http://schemas.openxmlformats.org/drawingml/2006/main" xmlns:r="http://schemas.openxmlformats.org/officeDocument/2006/relationships" xmlns:p="http://schemas.openxmlformats.org/presentationml/2006/main">
   <p:cSld>
     <p:spTree>
@@ -5440,6 +6594,36 @@
           </p:txBody>
         </p:sp>
       </p:grpSp>
+      <p:pic>
+        <p:nvPicPr>
+          <p:cNvPr id="16" name="图片 15"/>
+          <p:cNvPicPr>
+            <a:picLocks noChangeAspect="1"/>
+          </p:cNvPicPr>
+          <p:nvPr/>
+        </p:nvPicPr>
+        <p:blipFill>
+          <a:blip r:embed="rId2">
+            <a:extLst>
+              <a:ext uri="{28A0092B-C50C-407E-A947-70E740481C1C}">
+                <a14:useLocalDpi xmlns:a14="http://schemas.microsoft.com/office/drawing/2010/main" val="0"/>
+              </a:ext>
+            </a:extLst>
+          </a:blip>
+          <a:stretch>
+            <a:fillRect/>
+          </a:stretch>
+        </p:blipFill>
+        <p:spPr>
+          <a:xfrm>
+            <a:off x="1457787" y="1324947"/>
+            <a:ext cx="8159547" cy="5411755"/>
+          </a:xfrm>
+          <a:prstGeom prst="rect">
+            <a:avLst/>
+          </a:prstGeom>
+        </p:spPr>
+      </p:pic>
       <p:sp>
         <p:nvSpPr>
           <p:cNvPr id="17" name="文本框 16"/>
@@ -5449,7 +6633,7 @@
         <p:spPr>
           <a:xfrm>
             <a:off x="2579587" y="349586"/>
-            <a:ext cx="6302207" cy="701040"/>
+            <a:ext cx="6302207" cy="707886"/>
           </a:xfrm>
           <a:prstGeom prst="rect">
             <a:avLst/>
@@ -5463,47 +6647,257 @@
           <a:lstStyle/>
           <a:p>
             <a:r>
-              <a:rPr lang="zh-CN" altLang="en-US" sz="4000" b="1" dirty="0" smtClean="0">
+              <a:rPr lang="zh-CN" altLang="en-US" sz="4000" b="1" dirty="0">
                 <a:solidFill>
                   <a:schemeClr val="bg1"/>
                 </a:solidFill>
               </a:rPr>
-              <a:t>景点类的</a:t>
+              <a:t>登录页面</a:t>
             </a:r>
+          </a:p>
+        </p:txBody>
+      </p:sp>
+    </p:spTree>
+  </p:cSld>
+  <p:clrMapOvr>
+    <a:masterClrMapping/>
+  </p:clrMapOvr>
+  <p:transition spd="slow">
+    <p:wipe/>
+  </p:transition>
+</p:sld>
+</file>
+
+<file path=ppt/slides/slide14.xml><?xml version="1.0" encoding="utf-8"?>
+<p:sld xmlns:a="http://schemas.openxmlformats.org/drawingml/2006/main" xmlns:r="http://schemas.openxmlformats.org/officeDocument/2006/relationships" xmlns:p="http://schemas.openxmlformats.org/presentationml/2006/main">
+  <p:cSld>
+    <p:spTree>
+      <p:nvGrpSpPr>
+        <p:cNvPr id="1" name=""/>
+        <p:cNvGrpSpPr/>
+        <p:nvPr/>
+      </p:nvGrpSpPr>
+      <p:grpSpPr>
+        <a:xfrm>
+          <a:off x="0" y="0"/>
+          <a:ext cx="0" cy="0"/>
+          <a:chOff x="0" y="0"/>
+          <a:chExt cx="0" cy="0"/>
+        </a:xfrm>
+      </p:grpSpPr>
+      <p:grpSp>
+        <p:nvGrpSpPr>
+          <p:cNvPr id="11" name="组合 10"/>
+          <p:cNvGrpSpPr/>
+          <p:nvPr/>
+        </p:nvGrpSpPr>
+        <p:grpSpPr>
+          <a:xfrm>
+            <a:off x="11063181" y="0"/>
+            <a:ext cx="1128819" cy="1057472"/>
+            <a:chOff x="11063181" y="0"/>
+            <a:chExt cx="1128819" cy="1057472"/>
+          </a:xfrm>
+        </p:grpSpPr>
+        <p:sp>
+          <p:nvSpPr>
+            <p:cNvPr id="12" name="矩形 11"/>
+            <p:cNvSpPr/>
+            <p:nvPr/>
+          </p:nvSpPr>
+          <p:spPr>
+            <a:xfrm>
+              <a:off x="11381387" y="246204"/>
+              <a:ext cx="492407" cy="492407"/>
+            </a:xfrm>
+            <a:prstGeom prst="rect">
+              <a:avLst/>
+            </a:prstGeom>
+            <a:noFill/>
+            <a:ln w="38100">
+              <a:solidFill>
+                <a:srgbClr val="DA2B89"/>
+              </a:solidFill>
+            </a:ln>
+          </p:spPr>
+          <p:style>
+            <a:lnRef idx="2">
+              <a:schemeClr val="accent1">
+                <a:shade val="50000"/>
+              </a:schemeClr>
+            </a:lnRef>
+            <a:fillRef idx="1">
+              <a:schemeClr val="accent1"/>
+            </a:fillRef>
+            <a:effectRef idx="0">
+              <a:schemeClr val="accent1"/>
+            </a:effectRef>
+            <a:fontRef idx="minor">
+              <a:schemeClr val="lt1"/>
+            </a:fontRef>
+          </p:style>
+          <p:txBody>
+            <a:bodyPr rtlCol="0" anchor="ctr"/>
+            <a:lstStyle/>
+            <a:p>
+              <a:pPr algn="ctr"/>
+              <a:endParaRPr lang="zh-CN" altLang="en-US"/>
+            </a:p>
+          </p:txBody>
+        </p:sp>
+        <p:sp>
+          <p:nvSpPr>
+            <p:cNvPr id="13" name="矩形 12"/>
+            <p:cNvSpPr/>
+            <p:nvPr/>
+          </p:nvSpPr>
+          <p:spPr>
+            <a:xfrm>
+              <a:off x="11699593" y="0"/>
+              <a:ext cx="492407" cy="492407"/>
+            </a:xfrm>
+            <a:prstGeom prst="rect">
+              <a:avLst/>
+            </a:prstGeom>
+            <a:noFill/>
+            <a:ln w="38100">
+              <a:solidFill>
+                <a:schemeClr val="tx2">
+                  <a:lumMod val="60000"/>
+                  <a:lumOff val="40000"/>
+                </a:schemeClr>
+              </a:solidFill>
+            </a:ln>
+          </p:spPr>
+          <p:style>
+            <a:lnRef idx="2">
+              <a:schemeClr val="accent1">
+                <a:shade val="50000"/>
+              </a:schemeClr>
+            </a:lnRef>
+            <a:fillRef idx="1">
+              <a:schemeClr val="accent1"/>
+            </a:fillRef>
+            <a:effectRef idx="0">
+              <a:schemeClr val="accent1"/>
+            </a:effectRef>
+            <a:fontRef idx="minor">
+              <a:schemeClr val="lt1"/>
+            </a:fontRef>
+          </p:style>
+          <p:txBody>
+            <a:bodyPr rtlCol="0" anchor="ctr"/>
+            <a:lstStyle/>
+            <a:p>
+              <a:pPr algn="ctr"/>
+              <a:endParaRPr lang="zh-CN" altLang="en-US"/>
+            </a:p>
+          </p:txBody>
+        </p:sp>
+        <p:sp>
+          <p:nvSpPr>
+            <p:cNvPr id="14" name="矩形 13"/>
+            <p:cNvSpPr/>
+            <p:nvPr/>
+          </p:nvSpPr>
+          <p:spPr>
+            <a:xfrm>
+              <a:off x="11063181" y="565065"/>
+              <a:ext cx="492407" cy="492407"/>
+            </a:xfrm>
+            <a:prstGeom prst="rect">
+              <a:avLst/>
+            </a:prstGeom>
+            <a:noFill/>
+            <a:ln w="38100">
+              <a:solidFill>
+                <a:schemeClr val="accent6"/>
+              </a:solidFill>
+            </a:ln>
+          </p:spPr>
+          <p:style>
+            <a:lnRef idx="2">
+              <a:schemeClr val="accent1">
+                <a:shade val="50000"/>
+              </a:schemeClr>
+            </a:lnRef>
+            <a:fillRef idx="1">
+              <a:schemeClr val="accent1"/>
+            </a:fillRef>
+            <a:effectRef idx="0">
+              <a:schemeClr val="accent1"/>
+            </a:effectRef>
+            <a:fontRef idx="minor">
+              <a:schemeClr val="lt1"/>
+            </a:fontRef>
+          </p:style>
+          <p:txBody>
+            <a:bodyPr rtlCol="0" anchor="ctr"/>
+            <a:lstStyle/>
+            <a:p>
+              <a:pPr algn="ctr"/>
+              <a:endParaRPr lang="zh-CN" altLang="en-US"/>
+            </a:p>
+          </p:txBody>
+        </p:sp>
+      </p:grpSp>
+      <p:sp>
+        <p:nvSpPr>
+          <p:cNvPr id="17" name="文本框 16"/>
+          <p:cNvSpPr txBox="1"/>
+          <p:nvPr/>
+        </p:nvSpPr>
+        <p:spPr>
+          <a:xfrm>
+            <a:off x="2579587" y="349586"/>
+            <a:ext cx="6302207" cy="707886"/>
+          </a:xfrm>
+          <a:prstGeom prst="rect">
+            <a:avLst/>
+          </a:prstGeom>
+          <a:noFill/>
+        </p:spPr>
+        <p:txBody>
+          <a:bodyPr wrap="square" rtlCol="0">
+            <a:spAutoFit/>
+          </a:bodyPr>
+          <a:lstStyle/>
+          <a:p>
             <a:r>
-              <a:rPr lang="zh-CN" altLang="en-US" sz="4000" b="1" dirty="0" smtClean="0">
+              <a:rPr lang="zh-CN" altLang="en-US" sz="4000" b="1" dirty="0">
                 <a:solidFill>
                   <a:schemeClr val="bg1"/>
                 </a:solidFill>
               </a:rPr>
-              <a:t>状态图</a:t>
+              <a:t>注册页面</a:t>
             </a:r>
-            <a:endParaRPr lang="zh-CN" altLang="en-US" sz="4000" b="1" dirty="0">
-              <a:solidFill>
-                <a:schemeClr val="bg1"/>
-              </a:solidFill>
-            </a:endParaRPr>
           </a:p>
         </p:txBody>
       </p:sp>
       <p:pic>
         <p:nvPicPr>
-          <p:cNvPr id="2" name="图片 1"/>
+          <p:cNvPr id="3" name="图片 2"/>
           <p:cNvPicPr>
             <a:picLocks noChangeAspect="1"/>
           </p:cNvPicPr>
           <p:nvPr/>
         </p:nvPicPr>
         <p:blipFill>
-          <a:blip r:embed="rId1"/>
+          <a:blip r:embed="rId2">
+            <a:extLst>
+              <a:ext uri="{28A0092B-C50C-407E-A947-70E740481C1C}">
+                <a14:useLocalDpi xmlns:a14="http://schemas.microsoft.com/office/drawing/2010/main" val="0"/>
+              </a:ext>
+            </a:extLst>
+          </a:blip>
           <a:stretch>
             <a:fillRect/>
           </a:stretch>
         </p:blipFill>
         <p:spPr>
           <a:xfrm>
-            <a:off x="2799715" y="1360170"/>
-            <a:ext cx="5861050" cy="5041265"/>
+            <a:off x="1458000" y="1324800"/>
+            <a:ext cx="8158107" cy="5410800"/>
           </a:xfrm>
           <a:prstGeom prst="rect">
             <a:avLst/>
@@ -5518,6 +6912,1752 @@
   <p:transition spd="slow">
     <p:wipe/>
   </p:transition>
+</p:sld>
+</file>
+
+<file path=ppt/slides/slide15.xml><?xml version="1.0" encoding="utf-8"?>
+<p:sld xmlns:a="http://schemas.openxmlformats.org/drawingml/2006/main" xmlns:r="http://schemas.openxmlformats.org/officeDocument/2006/relationships" xmlns:p="http://schemas.openxmlformats.org/presentationml/2006/main">
+  <p:cSld>
+    <p:spTree>
+      <p:nvGrpSpPr>
+        <p:cNvPr id="1" name=""/>
+        <p:cNvGrpSpPr/>
+        <p:nvPr/>
+      </p:nvGrpSpPr>
+      <p:grpSpPr>
+        <a:xfrm>
+          <a:off x="0" y="0"/>
+          <a:ext cx="0" cy="0"/>
+          <a:chOff x="0" y="0"/>
+          <a:chExt cx="0" cy="0"/>
+        </a:xfrm>
+      </p:grpSpPr>
+      <p:pic>
+        <p:nvPicPr>
+          <p:cNvPr id="10" name="图片 9"/>
+          <p:cNvPicPr>
+            <a:picLocks noChangeAspect="1"/>
+          </p:cNvPicPr>
+          <p:nvPr/>
+        </p:nvPicPr>
+        <p:blipFill>
+          <a:blip r:embed="rId2">
+            <a:extLst>
+              <a:ext uri="{28A0092B-C50C-407E-A947-70E740481C1C}">
+                <a14:useLocalDpi xmlns:a14="http://schemas.microsoft.com/office/drawing/2010/main" val="0"/>
+              </a:ext>
+            </a:extLst>
+          </a:blip>
+          <a:stretch>
+            <a:fillRect/>
+          </a:stretch>
+        </p:blipFill>
+        <p:spPr>
+          <a:xfrm>
+            <a:off x="2819041" y="1333930"/>
+            <a:ext cx="6549246" cy="5239397"/>
+          </a:xfrm>
+          <a:prstGeom prst="rect">
+            <a:avLst/>
+          </a:prstGeom>
+        </p:spPr>
+      </p:pic>
+      <p:grpSp>
+        <p:nvGrpSpPr>
+          <p:cNvPr id="5" name="组合 4"/>
+          <p:cNvGrpSpPr/>
+          <p:nvPr/>
+        </p:nvGrpSpPr>
+        <p:grpSpPr>
+          <a:xfrm>
+            <a:off x="11063181" y="0"/>
+            <a:ext cx="1128819" cy="1057472"/>
+            <a:chOff x="11063181" y="0"/>
+            <a:chExt cx="1128819" cy="1057472"/>
+          </a:xfrm>
+        </p:grpSpPr>
+        <p:sp>
+          <p:nvSpPr>
+            <p:cNvPr id="6" name="矩形 5"/>
+            <p:cNvSpPr/>
+            <p:nvPr/>
+          </p:nvSpPr>
+          <p:spPr>
+            <a:xfrm>
+              <a:off x="11381387" y="246204"/>
+              <a:ext cx="492407" cy="492407"/>
+            </a:xfrm>
+            <a:prstGeom prst="rect">
+              <a:avLst/>
+            </a:prstGeom>
+            <a:noFill/>
+            <a:ln w="38100">
+              <a:solidFill>
+                <a:srgbClr val="DA2B89"/>
+              </a:solidFill>
+            </a:ln>
+          </p:spPr>
+          <p:style>
+            <a:lnRef idx="2">
+              <a:schemeClr val="accent1">
+                <a:shade val="50000"/>
+              </a:schemeClr>
+            </a:lnRef>
+            <a:fillRef idx="1">
+              <a:schemeClr val="accent1"/>
+            </a:fillRef>
+            <a:effectRef idx="0">
+              <a:schemeClr val="accent1"/>
+            </a:effectRef>
+            <a:fontRef idx="minor">
+              <a:schemeClr val="lt1"/>
+            </a:fontRef>
+          </p:style>
+          <p:txBody>
+            <a:bodyPr rtlCol="0" anchor="ctr"/>
+            <a:lstStyle/>
+            <a:p>
+              <a:pPr algn="ctr"/>
+              <a:endParaRPr lang="zh-CN" altLang="en-US"/>
+            </a:p>
+          </p:txBody>
+        </p:sp>
+        <p:sp>
+          <p:nvSpPr>
+            <p:cNvPr id="7" name="矩形 6"/>
+            <p:cNvSpPr/>
+            <p:nvPr/>
+          </p:nvSpPr>
+          <p:spPr>
+            <a:xfrm>
+              <a:off x="11699593" y="0"/>
+              <a:ext cx="492407" cy="492407"/>
+            </a:xfrm>
+            <a:prstGeom prst="rect">
+              <a:avLst/>
+            </a:prstGeom>
+            <a:noFill/>
+            <a:ln w="38100">
+              <a:solidFill>
+                <a:schemeClr val="tx2">
+                  <a:lumMod val="60000"/>
+                  <a:lumOff val="40000"/>
+                </a:schemeClr>
+              </a:solidFill>
+            </a:ln>
+          </p:spPr>
+          <p:style>
+            <a:lnRef idx="2">
+              <a:schemeClr val="accent1">
+                <a:shade val="50000"/>
+              </a:schemeClr>
+            </a:lnRef>
+            <a:fillRef idx="1">
+              <a:schemeClr val="accent1"/>
+            </a:fillRef>
+            <a:effectRef idx="0">
+              <a:schemeClr val="accent1"/>
+            </a:effectRef>
+            <a:fontRef idx="minor">
+              <a:schemeClr val="lt1"/>
+            </a:fontRef>
+          </p:style>
+          <p:txBody>
+            <a:bodyPr rtlCol="0" anchor="ctr"/>
+            <a:lstStyle/>
+            <a:p>
+              <a:pPr algn="ctr"/>
+              <a:endParaRPr lang="zh-CN" altLang="en-US"/>
+            </a:p>
+          </p:txBody>
+        </p:sp>
+        <p:sp>
+          <p:nvSpPr>
+            <p:cNvPr id="9" name="矩形 8"/>
+            <p:cNvSpPr/>
+            <p:nvPr/>
+          </p:nvSpPr>
+          <p:spPr>
+            <a:xfrm>
+              <a:off x="11063181" y="565065"/>
+              <a:ext cx="492407" cy="492407"/>
+            </a:xfrm>
+            <a:prstGeom prst="rect">
+              <a:avLst/>
+            </a:prstGeom>
+            <a:noFill/>
+            <a:ln w="38100">
+              <a:solidFill>
+                <a:schemeClr val="accent6"/>
+              </a:solidFill>
+            </a:ln>
+          </p:spPr>
+          <p:style>
+            <a:lnRef idx="2">
+              <a:schemeClr val="accent1">
+                <a:shade val="50000"/>
+              </a:schemeClr>
+            </a:lnRef>
+            <a:fillRef idx="1">
+              <a:schemeClr val="accent1"/>
+            </a:fillRef>
+            <a:effectRef idx="0">
+              <a:schemeClr val="accent1"/>
+            </a:effectRef>
+            <a:fontRef idx="minor">
+              <a:schemeClr val="lt1"/>
+            </a:fontRef>
+          </p:style>
+          <p:txBody>
+            <a:bodyPr rtlCol="0" anchor="ctr"/>
+            <a:lstStyle/>
+            <a:p>
+              <a:pPr algn="ctr"/>
+              <a:endParaRPr lang="zh-CN" altLang="en-US"/>
+            </a:p>
+          </p:txBody>
+        </p:sp>
+      </p:grpSp>
+      <p:sp>
+        <p:nvSpPr>
+          <p:cNvPr id="12" name="文本框 11"/>
+          <p:cNvSpPr txBox="1"/>
+          <p:nvPr/>
+        </p:nvSpPr>
+        <p:spPr>
+          <a:xfrm>
+            <a:off x="2579587" y="349586"/>
+            <a:ext cx="6302207" cy="707886"/>
+          </a:xfrm>
+          <a:prstGeom prst="rect">
+            <a:avLst/>
+          </a:prstGeom>
+          <a:noFill/>
+        </p:spPr>
+        <p:txBody>
+          <a:bodyPr wrap="square" rtlCol="0">
+            <a:spAutoFit/>
+          </a:bodyPr>
+          <a:lstStyle/>
+          <a:p>
+            <a:r>
+              <a:rPr lang="zh-CN" altLang="en-US" sz="4000" b="1" dirty="0">
+                <a:solidFill>
+                  <a:schemeClr val="bg1"/>
+                </a:solidFill>
+              </a:rPr>
+              <a:t>美食</a:t>
+            </a:r>
+            <a:r>
+              <a:rPr lang="en-US" altLang="zh-CN" sz="4000" b="1" dirty="0">
+                <a:solidFill>
+                  <a:schemeClr val="bg1"/>
+                </a:solidFill>
+              </a:rPr>
+              <a:t>list</a:t>
+            </a:r>
+            <a:endParaRPr lang="zh-CN" altLang="en-US" sz="4000" b="1" dirty="0">
+              <a:solidFill>
+                <a:schemeClr val="bg1"/>
+              </a:solidFill>
+            </a:endParaRPr>
+          </a:p>
+        </p:txBody>
+      </p:sp>
+    </p:spTree>
+  </p:cSld>
+  <p:clrMapOvr>
+    <a:masterClrMapping/>
+  </p:clrMapOvr>
+  <p:transition spd="slow">
+    <p:wipe/>
+  </p:transition>
+</p:sld>
+</file>
+
+<file path=ppt/slides/slide2.xml><?xml version="1.0" encoding="utf-8"?>
+<p:sld xmlns:a="http://schemas.openxmlformats.org/drawingml/2006/main" xmlns:r="http://schemas.openxmlformats.org/officeDocument/2006/relationships" xmlns:p="http://schemas.openxmlformats.org/presentationml/2006/main">
+  <p:cSld>
+    <p:spTree>
+      <p:nvGrpSpPr>
+        <p:cNvPr id="1" name=""/>
+        <p:cNvGrpSpPr/>
+        <p:nvPr/>
+      </p:nvGrpSpPr>
+      <p:grpSpPr>
+        <a:xfrm>
+          <a:off x="0" y="0"/>
+          <a:ext cx="0" cy="0"/>
+          <a:chOff x="0" y="0"/>
+          <a:chExt cx="0" cy="0"/>
+        </a:xfrm>
+      </p:grpSpPr>
+      <p:sp>
+        <p:nvSpPr>
+          <p:cNvPr id="6" name="文本框 5"/>
+          <p:cNvSpPr txBox="1"/>
+          <p:nvPr/>
+        </p:nvSpPr>
+        <p:spPr>
+          <a:xfrm>
+            <a:off x="3895867" y="2409462"/>
+            <a:ext cx="7705584" cy="1446550"/>
+          </a:xfrm>
+          <a:prstGeom prst="rect">
+            <a:avLst/>
+          </a:prstGeom>
+          <a:noFill/>
+        </p:spPr>
+        <p:txBody>
+          <a:bodyPr wrap="square" rtlCol="0">
+            <a:spAutoFit/>
+          </a:bodyPr>
+          <a:lstStyle/>
+          <a:p>
+            <a:r>
+              <a:rPr lang="en-US" altLang="zh-CN" sz="8800" b="1" dirty="0" smtClean="0">
+                <a:solidFill>
+                  <a:schemeClr val="bg1"/>
+                </a:solidFill>
+              </a:rPr>
+              <a:t>Part one</a:t>
+            </a:r>
+            <a:endParaRPr lang="zh-CN" altLang="en-US" sz="8800" b="1" dirty="0">
+              <a:solidFill>
+                <a:schemeClr val="bg1"/>
+              </a:solidFill>
+            </a:endParaRPr>
+          </a:p>
+        </p:txBody>
+      </p:sp>
+      <p:grpSp>
+        <p:nvGrpSpPr>
+          <p:cNvPr id="7" name="组合 6"/>
+          <p:cNvGrpSpPr/>
+          <p:nvPr/>
+        </p:nvGrpSpPr>
+        <p:grpSpPr>
+          <a:xfrm rot="18969064">
+            <a:off x="2512582" y="2477952"/>
+            <a:ext cx="1424079" cy="1432678"/>
+            <a:chOff x="11063181" y="-389332"/>
+            <a:chExt cx="1438119" cy="1446804"/>
+          </a:xfrm>
+        </p:grpSpPr>
+        <p:sp>
+          <p:nvSpPr>
+            <p:cNvPr id="8" name="矩形 7"/>
+            <p:cNvSpPr/>
+            <p:nvPr/>
+          </p:nvSpPr>
+          <p:spPr>
+            <a:xfrm>
+              <a:off x="11381387" y="246204"/>
+              <a:ext cx="492407" cy="492407"/>
+            </a:xfrm>
+            <a:prstGeom prst="rect">
+              <a:avLst/>
+            </a:prstGeom>
+            <a:noFill/>
+            <a:ln w="38100">
+              <a:solidFill>
+                <a:schemeClr val="accent3"/>
+              </a:solidFill>
+            </a:ln>
+          </p:spPr>
+          <p:style>
+            <a:lnRef idx="2">
+              <a:schemeClr val="accent1">
+                <a:shade val="50000"/>
+              </a:schemeClr>
+            </a:lnRef>
+            <a:fillRef idx="1">
+              <a:schemeClr val="accent1"/>
+            </a:fillRef>
+            <a:effectRef idx="0">
+              <a:schemeClr val="accent1"/>
+            </a:effectRef>
+            <a:fontRef idx="minor">
+              <a:schemeClr val="lt1"/>
+            </a:fontRef>
+          </p:style>
+          <p:txBody>
+            <a:bodyPr rtlCol="0" anchor="ctr"/>
+            <a:lstStyle/>
+            <a:p>
+              <a:pPr algn="ctr"/>
+              <a:endParaRPr lang="zh-CN" altLang="en-US"/>
+            </a:p>
+          </p:txBody>
+        </p:sp>
+        <p:sp>
+          <p:nvSpPr>
+            <p:cNvPr id="9" name="矩形 8"/>
+            <p:cNvSpPr/>
+            <p:nvPr/>
+          </p:nvSpPr>
+          <p:spPr>
+            <a:xfrm>
+              <a:off x="11698526" y="-62392"/>
+              <a:ext cx="492407" cy="492407"/>
+            </a:xfrm>
+            <a:prstGeom prst="rect">
+              <a:avLst/>
+            </a:prstGeom>
+            <a:noFill/>
+            <a:ln w="38100">
+              <a:solidFill>
+                <a:schemeClr val="tx2">
+                  <a:lumMod val="60000"/>
+                  <a:lumOff val="40000"/>
+                </a:schemeClr>
+              </a:solidFill>
+            </a:ln>
+          </p:spPr>
+          <p:style>
+            <a:lnRef idx="2">
+              <a:schemeClr val="accent1">
+                <a:shade val="50000"/>
+              </a:schemeClr>
+            </a:lnRef>
+            <a:fillRef idx="1">
+              <a:schemeClr val="accent1"/>
+            </a:fillRef>
+            <a:effectRef idx="0">
+              <a:schemeClr val="accent1"/>
+            </a:effectRef>
+            <a:fontRef idx="minor">
+              <a:schemeClr val="lt1"/>
+            </a:fontRef>
+          </p:style>
+          <p:txBody>
+            <a:bodyPr rtlCol="0" anchor="ctr"/>
+            <a:lstStyle/>
+            <a:p>
+              <a:pPr algn="ctr"/>
+              <a:endParaRPr lang="zh-CN" altLang="en-US"/>
+            </a:p>
+          </p:txBody>
+        </p:sp>
+        <p:sp>
+          <p:nvSpPr>
+            <p:cNvPr id="10" name="矩形 9"/>
+            <p:cNvSpPr/>
+            <p:nvPr/>
+          </p:nvSpPr>
+          <p:spPr>
+            <a:xfrm>
+              <a:off x="11063181" y="565065"/>
+              <a:ext cx="492407" cy="492407"/>
+            </a:xfrm>
+            <a:prstGeom prst="rect">
+              <a:avLst/>
+            </a:prstGeom>
+            <a:noFill/>
+            <a:ln w="38100">
+              <a:solidFill>
+                <a:schemeClr val="accent4"/>
+              </a:solidFill>
+            </a:ln>
+          </p:spPr>
+          <p:style>
+            <a:lnRef idx="2">
+              <a:schemeClr val="accent1">
+                <a:shade val="50000"/>
+              </a:schemeClr>
+            </a:lnRef>
+            <a:fillRef idx="1">
+              <a:schemeClr val="accent1"/>
+            </a:fillRef>
+            <a:effectRef idx="0">
+              <a:schemeClr val="accent1"/>
+            </a:effectRef>
+            <a:fontRef idx="minor">
+              <a:schemeClr val="lt1"/>
+            </a:fontRef>
+          </p:style>
+          <p:txBody>
+            <a:bodyPr rtlCol="0" anchor="ctr"/>
+            <a:lstStyle/>
+            <a:p>
+              <a:pPr algn="ctr"/>
+              <a:endParaRPr lang="zh-CN" altLang="en-US"/>
+            </a:p>
+          </p:txBody>
+        </p:sp>
+        <p:sp>
+          <p:nvSpPr>
+            <p:cNvPr id="11" name="矩形 10"/>
+            <p:cNvSpPr/>
+            <p:nvPr/>
+          </p:nvSpPr>
+          <p:spPr>
+            <a:xfrm>
+              <a:off x="12008893" y="-389332"/>
+              <a:ext cx="492407" cy="492407"/>
+            </a:xfrm>
+            <a:prstGeom prst="rect">
+              <a:avLst/>
+            </a:prstGeom>
+            <a:noFill/>
+            <a:ln w="38100">
+              <a:solidFill>
+                <a:schemeClr val="accent6"/>
+              </a:solidFill>
+            </a:ln>
+          </p:spPr>
+          <p:style>
+            <a:lnRef idx="2">
+              <a:schemeClr val="accent1">
+                <a:shade val="50000"/>
+              </a:schemeClr>
+            </a:lnRef>
+            <a:fillRef idx="1">
+              <a:schemeClr val="accent1"/>
+            </a:fillRef>
+            <a:effectRef idx="0">
+              <a:schemeClr val="accent1"/>
+            </a:effectRef>
+            <a:fontRef idx="minor">
+              <a:schemeClr val="lt1"/>
+            </a:fontRef>
+          </p:style>
+          <p:txBody>
+            <a:bodyPr rtlCol="0" anchor="ctr"/>
+            <a:lstStyle/>
+            <a:p>
+              <a:pPr algn="ctr"/>
+              <a:endParaRPr lang="zh-CN" altLang="en-US"/>
+            </a:p>
+          </p:txBody>
+        </p:sp>
+      </p:grpSp>
+      <p:sp>
+        <p:nvSpPr>
+          <p:cNvPr id="2" name="文本框 1"/>
+          <p:cNvSpPr txBox="1"/>
+          <p:nvPr/>
+        </p:nvSpPr>
+        <p:spPr>
+          <a:xfrm>
+            <a:off x="7898859" y="4562273"/>
+            <a:ext cx="3190672" cy="369332"/>
+          </a:xfrm>
+          <a:prstGeom prst="rect">
+            <a:avLst/>
+          </a:prstGeom>
+          <a:noFill/>
+        </p:spPr>
+        <p:txBody>
+          <a:bodyPr wrap="square" rtlCol="0">
+            <a:spAutoFit/>
+          </a:bodyPr>
+          <a:lstStyle/>
+          <a:p>
+            <a:r>
+              <a:rPr lang="en-US" altLang="zh-CN" b="1" dirty="0" smtClean="0">
+                <a:solidFill>
+                  <a:schemeClr val="bg1"/>
+                </a:solidFill>
+              </a:rPr>
+              <a:t>------</a:t>
+            </a:r>
+            <a:r>
+              <a:rPr lang="zh-CN" altLang="en-US" b="1" dirty="0" smtClean="0">
+                <a:solidFill>
+                  <a:schemeClr val="bg1"/>
+                </a:solidFill>
+              </a:rPr>
+              <a:t>用</a:t>
+            </a:r>
+            <a:r>
+              <a:rPr lang="zh-CN" altLang="en-US" b="1" dirty="0">
+                <a:solidFill>
+                  <a:schemeClr val="bg1"/>
+                </a:solidFill>
+              </a:rPr>
+              <a:t>例图</a:t>
+            </a:r>
+            <a:endParaRPr lang="zh-CN" altLang="en-US" dirty="0"/>
+          </a:p>
+        </p:txBody>
+      </p:sp>
+    </p:spTree>
+    <p:extLst>
+      <p:ext uri="{BB962C8B-B14F-4D97-AF65-F5344CB8AC3E}">
+        <p14:creationId xmlns:p14="http://schemas.microsoft.com/office/powerpoint/2010/main" val="388203165"/>
+      </p:ext>
+    </p:extLst>
+  </p:cSld>
+  <p:clrMapOvr>
+    <a:masterClrMapping/>
+  </p:clrMapOvr>
+  <p:transition spd="slow">
+    <p:wipe/>
+  </p:transition>
+  <p:timing>
+    <p:tnLst>
+      <p:par>
+        <p:cTn id="1" dur="indefinite" restart="never" nodeType="tmRoot"/>
+      </p:par>
+    </p:tnLst>
+  </p:timing>
+</p:sld>
+</file>
+
+<file path=ppt/slides/slide3.xml><?xml version="1.0" encoding="utf-8"?>
+<p:sld xmlns:a="http://schemas.openxmlformats.org/drawingml/2006/main" xmlns:r="http://schemas.openxmlformats.org/officeDocument/2006/relationships" xmlns:p="http://schemas.openxmlformats.org/presentationml/2006/main">
+  <p:cSld>
+    <p:spTree>
+      <p:nvGrpSpPr>
+        <p:cNvPr id="1" name=""/>
+        <p:cNvGrpSpPr/>
+        <p:nvPr/>
+      </p:nvGrpSpPr>
+      <p:grpSpPr>
+        <a:xfrm>
+          <a:off x="0" y="0"/>
+          <a:ext cx="0" cy="0"/>
+          <a:chOff x="0" y="0"/>
+          <a:chExt cx="0" cy="0"/>
+        </a:xfrm>
+      </p:grpSpPr>
+      <p:grpSp>
+        <p:nvGrpSpPr>
+          <p:cNvPr id="19" name="组合 18"/>
+          <p:cNvGrpSpPr/>
+          <p:nvPr/>
+        </p:nvGrpSpPr>
+        <p:grpSpPr>
+          <a:xfrm>
+            <a:off x="11063181" y="0"/>
+            <a:ext cx="1128819" cy="1057472"/>
+            <a:chOff x="11063181" y="0"/>
+            <a:chExt cx="1128819" cy="1057472"/>
+          </a:xfrm>
+        </p:grpSpPr>
+        <p:sp>
+          <p:nvSpPr>
+            <p:cNvPr id="20" name="矩形 19"/>
+            <p:cNvSpPr/>
+            <p:nvPr/>
+          </p:nvSpPr>
+          <p:spPr>
+            <a:xfrm>
+              <a:off x="11381387" y="246204"/>
+              <a:ext cx="492407" cy="492407"/>
+            </a:xfrm>
+            <a:prstGeom prst="rect">
+              <a:avLst/>
+            </a:prstGeom>
+            <a:noFill/>
+            <a:ln w="38100">
+              <a:solidFill>
+                <a:srgbClr val="DA2B89"/>
+              </a:solidFill>
+            </a:ln>
+          </p:spPr>
+          <p:style>
+            <a:lnRef idx="2">
+              <a:schemeClr val="accent1">
+                <a:shade val="50000"/>
+              </a:schemeClr>
+            </a:lnRef>
+            <a:fillRef idx="1">
+              <a:schemeClr val="accent1"/>
+            </a:fillRef>
+            <a:effectRef idx="0">
+              <a:schemeClr val="accent1"/>
+            </a:effectRef>
+            <a:fontRef idx="minor">
+              <a:schemeClr val="lt1"/>
+            </a:fontRef>
+          </p:style>
+          <p:txBody>
+            <a:bodyPr rtlCol="0" anchor="ctr"/>
+            <a:lstStyle/>
+            <a:p>
+              <a:pPr algn="ctr"/>
+              <a:endParaRPr lang="zh-CN" altLang="en-US"/>
+            </a:p>
+          </p:txBody>
+        </p:sp>
+        <p:sp>
+          <p:nvSpPr>
+            <p:cNvPr id="21" name="矩形 20"/>
+            <p:cNvSpPr/>
+            <p:nvPr/>
+          </p:nvSpPr>
+          <p:spPr>
+            <a:xfrm>
+              <a:off x="11699593" y="0"/>
+              <a:ext cx="492407" cy="492407"/>
+            </a:xfrm>
+            <a:prstGeom prst="rect">
+              <a:avLst/>
+            </a:prstGeom>
+            <a:noFill/>
+            <a:ln w="38100">
+              <a:solidFill>
+                <a:schemeClr val="tx2">
+                  <a:lumMod val="60000"/>
+                  <a:lumOff val="40000"/>
+                </a:schemeClr>
+              </a:solidFill>
+            </a:ln>
+          </p:spPr>
+          <p:style>
+            <a:lnRef idx="2">
+              <a:schemeClr val="accent1">
+                <a:shade val="50000"/>
+              </a:schemeClr>
+            </a:lnRef>
+            <a:fillRef idx="1">
+              <a:schemeClr val="accent1"/>
+            </a:fillRef>
+            <a:effectRef idx="0">
+              <a:schemeClr val="accent1"/>
+            </a:effectRef>
+            <a:fontRef idx="minor">
+              <a:schemeClr val="lt1"/>
+            </a:fontRef>
+          </p:style>
+          <p:txBody>
+            <a:bodyPr rtlCol="0" anchor="ctr"/>
+            <a:lstStyle/>
+            <a:p>
+              <a:pPr algn="ctr"/>
+              <a:endParaRPr lang="zh-CN" altLang="en-US"/>
+            </a:p>
+          </p:txBody>
+        </p:sp>
+        <p:sp>
+          <p:nvSpPr>
+            <p:cNvPr id="22" name="矩形 21"/>
+            <p:cNvSpPr/>
+            <p:nvPr/>
+          </p:nvSpPr>
+          <p:spPr>
+            <a:xfrm>
+              <a:off x="11063181" y="565065"/>
+              <a:ext cx="492407" cy="492407"/>
+            </a:xfrm>
+            <a:prstGeom prst="rect">
+              <a:avLst/>
+            </a:prstGeom>
+            <a:noFill/>
+            <a:ln w="38100">
+              <a:solidFill>
+                <a:schemeClr val="accent6"/>
+              </a:solidFill>
+            </a:ln>
+          </p:spPr>
+          <p:style>
+            <a:lnRef idx="2">
+              <a:schemeClr val="accent1">
+                <a:shade val="50000"/>
+              </a:schemeClr>
+            </a:lnRef>
+            <a:fillRef idx="1">
+              <a:schemeClr val="accent1"/>
+            </a:fillRef>
+            <a:effectRef idx="0">
+              <a:schemeClr val="accent1"/>
+            </a:effectRef>
+            <a:fontRef idx="minor">
+              <a:schemeClr val="lt1"/>
+            </a:fontRef>
+          </p:style>
+          <p:txBody>
+            <a:bodyPr rtlCol="0" anchor="ctr"/>
+            <a:lstStyle/>
+            <a:p>
+              <a:pPr algn="ctr"/>
+              <a:endParaRPr lang="zh-CN" altLang="en-US"/>
+            </a:p>
+          </p:txBody>
+        </p:sp>
+      </p:grpSp>
+      <p:pic>
+        <p:nvPicPr>
+          <p:cNvPr id="11" name="图片 10"/>
+          <p:cNvPicPr>
+            <a:picLocks noChangeAspect="1"/>
+          </p:cNvPicPr>
+          <p:nvPr/>
+        </p:nvPicPr>
+        <p:blipFill>
+          <a:blip r:embed="rId2">
+            <a:extLst>
+              <a:ext uri="{28A0092B-C50C-407E-A947-70E740481C1C}">
+                <a14:useLocalDpi xmlns:a14="http://schemas.microsoft.com/office/drawing/2010/main" val="0"/>
+              </a:ext>
+            </a:extLst>
+          </a:blip>
+          <a:stretch>
+            <a:fillRect/>
+          </a:stretch>
+        </p:blipFill>
+        <p:spPr>
+          <a:xfrm>
+            <a:off x="3086119" y="565065"/>
+            <a:ext cx="5843134" cy="6082794"/>
+          </a:xfrm>
+          <a:prstGeom prst="rect">
+            <a:avLst/>
+          </a:prstGeom>
+        </p:spPr>
+      </p:pic>
+      <p:sp>
+        <p:nvSpPr>
+          <p:cNvPr id="24" name="文本框 23"/>
+          <p:cNvSpPr txBox="1"/>
+          <p:nvPr/>
+        </p:nvSpPr>
+        <p:spPr>
+          <a:xfrm>
+            <a:off x="1445797" y="565065"/>
+            <a:ext cx="794868" cy="1754326"/>
+          </a:xfrm>
+          <a:prstGeom prst="rect">
+            <a:avLst/>
+          </a:prstGeom>
+          <a:noFill/>
+        </p:spPr>
+        <p:txBody>
+          <a:bodyPr wrap="square" rtlCol="0">
+            <a:spAutoFit/>
+          </a:bodyPr>
+          <a:lstStyle/>
+          <a:p>
+            <a:r>
+              <a:rPr lang="zh-CN" altLang="en-US" sz="3600" b="1" dirty="0" smtClean="0">
+                <a:solidFill>
+                  <a:schemeClr val="bg1"/>
+                </a:solidFill>
+              </a:rPr>
+              <a:t>用</a:t>
+            </a:r>
+            <a:endParaRPr lang="en-US" altLang="zh-CN" sz="3600" b="1" dirty="0" smtClean="0">
+              <a:solidFill>
+                <a:schemeClr val="bg1"/>
+              </a:solidFill>
+            </a:endParaRPr>
+          </a:p>
+          <a:p>
+            <a:r>
+              <a:rPr lang="zh-CN" altLang="en-US" sz="3600" b="1" dirty="0" smtClean="0">
+                <a:solidFill>
+                  <a:schemeClr val="bg1"/>
+                </a:solidFill>
+              </a:rPr>
+              <a:t>例</a:t>
+            </a:r>
+            <a:endParaRPr lang="en-US" altLang="zh-CN" sz="3200" b="1" dirty="0" smtClean="0">
+              <a:solidFill>
+                <a:schemeClr val="bg1"/>
+              </a:solidFill>
+            </a:endParaRPr>
+          </a:p>
+          <a:p>
+            <a:r>
+              <a:rPr lang="zh-CN" altLang="en-US" sz="3600" b="1" dirty="0" smtClean="0">
+                <a:solidFill>
+                  <a:schemeClr val="bg1"/>
+                </a:solidFill>
+              </a:rPr>
+              <a:t>图</a:t>
+            </a:r>
+            <a:endParaRPr lang="zh-CN" altLang="en-US" sz="3600" dirty="0"/>
+          </a:p>
+        </p:txBody>
+      </p:sp>
+    </p:spTree>
+    <p:extLst>
+      <p:ext uri="{BB962C8B-B14F-4D97-AF65-F5344CB8AC3E}">
+        <p14:creationId xmlns:p14="http://schemas.microsoft.com/office/powerpoint/2010/main" val="748055771"/>
+      </p:ext>
+    </p:extLst>
+  </p:cSld>
+  <p:clrMapOvr>
+    <a:masterClrMapping/>
+  </p:clrMapOvr>
+  <p:transition spd="slow">
+    <p:wipe/>
+  </p:transition>
+  <p:timing>
+    <p:tnLst>
+      <p:par>
+        <p:cTn id="1" dur="indefinite" restart="never" nodeType="tmRoot"/>
+      </p:par>
+    </p:tnLst>
+  </p:timing>
+</p:sld>
+</file>
+
+<file path=ppt/slides/slide4.xml><?xml version="1.0" encoding="utf-8"?>
+<p:sld xmlns:a="http://schemas.openxmlformats.org/drawingml/2006/main" xmlns:r="http://schemas.openxmlformats.org/officeDocument/2006/relationships" xmlns:p="http://schemas.openxmlformats.org/presentationml/2006/main">
+  <p:cSld>
+    <p:spTree>
+      <p:nvGrpSpPr>
+        <p:cNvPr id="1" name=""/>
+        <p:cNvGrpSpPr/>
+        <p:nvPr/>
+      </p:nvGrpSpPr>
+      <p:grpSpPr>
+        <a:xfrm>
+          <a:off x="0" y="0"/>
+          <a:ext cx="0" cy="0"/>
+          <a:chOff x="0" y="0"/>
+          <a:chExt cx="0" cy="0"/>
+        </a:xfrm>
+      </p:grpSpPr>
+      <p:sp>
+        <p:nvSpPr>
+          <p:cNvPr id="6" name="文本框 5"/>
+          <p:cNvSpPr txBox="1"/>
+          <p:nvPr/>
+        </p:nvSpPr>
+        <p:spPr>
+          <a:xfrm>
+            <a:off x="4125392" y="2626881"/>
+            <a:ext cx="7434123" cy="1446550"/>
+          </a:xfrm>
+          <a:prstGeom prst="rect">
+            <a:avLst/>
+          </a:prstGeom>
+          <a:noFill/>
+        </p:spPr>
+        <p:txBody>
+          <a:bodyPr wrap="square" rtlCol="0">
+            <a:spAutoFit/>
+          </a:bodyPr>
+          <a:lstStyle/>
+          <a:p>
+            <a:r>
+              <a:rPr lang="en-US" altLang="zh-CN" sz="8800" b="1" dirty="0" smtClean="0">
+                <a:solidFill>
+                  <a:schemeClr val="bg1"/>
+                </a:solidFill>
+              </a:rPr>
+              <a:t>Part </a:t>
+            </a:r>
+            <a:r>
+              <a:rPr lang="en-US" altLang="zh-CN" sz="8800" b="1" dirty="0">
+                <a:solidFill>
+                  <a:schemeClr val="bg1"/>
+                </a:solidFill>
+              </a:rPr>
+              <a:t>two</a:t>
+            </a:r>
+            <a:endParaRPr lang="zh-CN" altLang="en-US" sz="8800" b="1" dirty="0">
+              <a:solidFill>
+                <a:schemeClr val="bg1"/>
+              </a:solidFill>
+            </a:endParaRPr>
+          </a:p>
+        </p:txBody>
+      </p:sp>
+      <p:grpSp>
+        <p:nvGrpSpPr>
+          <p:cNvPr id="7" name="组合 6"/>
+          <p:cNvGrpSpPr/>
+          <p:nvPr/>
+        </p:nvGrpSpPr>
+        <p:grpSpPr>
+          <a:xfrm rot="18969064">
+            <a:off x="2276200" y="2522017"/>
+            <a:ext cx="1908633" cy="1964086"/>
+            <a:chOff x="10049748" y="-402452"/>
+            <a:chExt cx="2586102" cy="2661243"/>
+          </a:xfrm>
+        </p:grpSpPr>
+        <p:sp>
+          <p:nvSpPr>
+            <p:cNvPr id="8" name="矩形 7"/>
+            <p:cNvSpPr/>
+            <p:nvPr/>
+          </p:nvSpPr>
+          <p:spPr>
+            <a:xfrm>
+              <a:off x="12143442" y="388887"/>
+              <a:ext cx="492408" cy="492407"/>
+            </a:xfrm>
+            <a:prstGeom prst="rect">
+              <a:avLst/>
+            </a:prstGeom>
+            <a:noFill/>
+            <a:ln w="38100">
+              <a:solidFill>
+                <a:schemeClr val="accent3"/>
+              </a:solidFill>
+            </a:ln>
+          </p:spPr>
+          <p:style>
+            <a:lnRef idx="2">
+              <a:schemeClr val="accent1">
+                <a:shade val="50000"/>
+              </a:schemeClr>
+            </a:lnRef>
+            <a:fillRef idx="1">
+              <a:schemeClr val="accent1"/>
+            </a:fillRef>
+            <a:effectRef idx="0">
+              <a:schemeClr val="accent1"/>
+            </a:effectRef>
+            <a:fontRef idx="minor">
+              <a:schemeClr val="lt1"/>
+            </a:fontRef>
+          </p:style>
+          <p:txBody>
+            <a:bodyPr rtlCol="0" anchor="ctr"/>
+            <a:lstStyle/>
+            <a:p>
+              <a:pPr algn="ctr"/>
+              <a:endParaRPr lang="zh-CN" altLang="en-US"/>
+            </a:p>
+          </p:txBody>
+        </p:sp>
+        <p:sp>
+          <p:nvSpPr>
+            <p:cNvPr id="9" name="矩形 8"/>
+            <p:cNvSpPr/>
+            <p:nvPr/>
+          </p:nvSpPr>
+          <p:spPr>
+            <a:xfrm>
+              <a:off x="11978363" y="-148965"/>
+              <a:ext cx="492405" cy="492407"/>
+            </a:xfrm>
+            <a:prstGeom prst="rect">
+              <a:avLst/>
+            </a:prstGeom>
+            <a:noFill/>
+            <a:ln w="38100">
+              <a:solidFill>
+                <a:schemeClr val="tx2">
+                  <a:lumMod val="60000"/>
+                  <a:lumOff val="40000"/>
+                </a:schemeClr>
+              </a:solidFill>
+            </a:ln>
+          </p:spPr>
+          <p:style>
+            <a:lnRef idx="2">
+              <a:schemeClr val="accent1">
+                <a:shade val="50000"/>
+              </a:schemeClr>
+            </a:lnRef>
+            <a:fillRef idx="1">
+              <a:schemeClr val="accent1"/>
+            </a:fillRef>
+            <a:effectRef idx="0">
+              <a:schemeClr val="accent1"/>
+            </a:effectRef>
+            <a:fontRef idx="minor">
+              <a:schemeClr val="lt1"/>
+            </a:fontRef>
+          </p:style>
+          <p:txBody>
+            <a:bodyPr rtlCol="0" anchor="ctr"/>
+            <a:lstStyle/>
+            <a:p>
+              <a:pPr algn="ctr"/>
+              <a:endParaRPr lang="zh-CN" altLang="en-US"/>
+            </a:p>
+          </p:txBody>
+        </p:sp>
+        <p:sp>
+          <p:nvSpPr>
+            <p:cNvPr id="10" name="矩形 9"/>
+            <p:cNvSpPr/>
+            <p:nvPr/>
+          </p:nvSpPr>
+          <p:spPr>
+            <a:xfrm>
+              <a:off x="11630426" y="617623"/>
+              <a:ext cx="492406" cy="492407"/>
+            </a:xfrm>
+            <a:prstGeom prst="rect">
+              <a:avLst/>
+            </a:prstGeom>
+            <a:noFill/>
+            <a:ln w="38100">
+              <a:solidFill>
+                <a:schemeClr val="accent4"/>
+              </a:solidFill>
+            </a:ln>
+          </p:spPr>
+          <p:style>
+            <a:lnRef idx="2">
+              <a:schemeClr val="accent1">
+                <a:shade val="50000"/>
+              </a:schemeClr>
+            </a:lnRef>
+            <a:fillRef idx="1">
+              <a:schemeClr val="accent1"/>
+            </a:fillRef>
+            <a:effectRef idx="0">
+              <a:schemeClr val="accent1"/>
+            </a:effectRef>
+            <a:fontRef idx="minor">
+              <a:schemeClr val="lt1"/>
+            </a:fontRef>
+          </p:style>
+          <p:txBody>
+            <a:bodyPr rtlCol="0" anchor="ctr"/>
+            <a:lstStyle/>
+            <a:p>
+              <a:pPr algn="ctr"/>
+              <a:endParaRPr lang="zh-CN" altLang="en-US"/>
+            </a:p>
+          </p:txBody>
+        </p:sp>
+        <p:sp>
+          <p:nvSpPr>
+            <p:cNvPr id="11" name="矩形 10"/>
+            <p:cNvSpPr/>
+            <p:nvPr/>
+          </p:nvSpPr>
+          <p:spPr>
+            <a:xfrm>
+              <a:off x="11476619" y="-379930"/>
+              <a:ext cx="492408" cy="492407"/>
+            </a:xfrm>
+            <a:prstGeom prst="rect">
+              <a:avLst/>
+            </a:prstGeom>
+            <a:noFill/>
+            <a:ln w="38100">
+              <a:solidFill>
+                <a:schemeClr val="accent6"/>
+              </a:solidFill>
+            </a:ln>
+          </p:spPr>
+          <p:style>
+            <a:lnRef idx="2">
+              <a:schemeClr val="accent1">
+                <a:shade val="50000"/>
+              </a:schemeClr>
+            </a:lnRef>
+            <a:fillRef idx="1">
+              <a:schemeClr val="accent1"/>
+            </a:fillRef>
+            <a:effectRef idx="0">
+              <a:schemeClr val="accent1"/>
+            </a:effectRef>
+            <a:fontRef idx="minor">
+              <a:schemeClr val="lt1"/>
+            </a:fontRef>
+          </p:style>
+          <p:txBody>
+            <a:bodyPr rtlCol="0" anchor="ctr"/>
+            <a:lstStyle/>
+            <a:p>
+              <a:pPr algn="ctr"/>
+              <a:endParaRPr lang="zh-CN" altLang="en-US"/>
+            </a:p>
+          </p:txBody>
+        </p:sp>
+        <p:sp>
+          <p:nvSpPr>
+            <p:cNvPr id="12" name="矩形 11"/>
+            <p:cNvSpPr/>
+            <p:nvPr/>
+          </p:nvSpPr>
+          <p:spPr>
+            <a:xfrm>
+              <a:off x="10570990" y="633982"/>
+              <a:ext cx="492406" cy="492407"/>
+            </a:xfrm>
+            <a:prstGeom prst="rect">
+              <a:avLst/>
+            </a:prstGeom>
+            <a:noFill/>
+            <a:ln w="38100">
+              <a:solidFill>
+                <a:schemeClr val="accent4"/>
+              </a:solidFill>
+            </a:ln>
+          </p:spPr>
+          <p:style>
+            <a:lnRef idx="2">
+              <a:schemeClr val="accent1">
+                <a:shade val="50000"/>
+              </a:schemeClr>
+            </a:lnRef>
+            <a:fillRef idx="1">
+              <a:schemeClr val="accent1"/>
+            </a:fillRef>
+            <a:effectRef idx="0">
+              <a:schemeClr val="accent1"/>
+            </a:effectRef>
+            <a:fontRef idx="minor">
+              <a:schemeClr val="lt1"/>
+            </a:fontRef>
+          </p:style>
+          <p:txBody>
+            <a:bodyPr rtlCol="0" anchor="ctr"/>
+            <a:lstStyle/>
+            <a:p>
+              <a:pPr algn="ctr"/>
+              <a:endParaRPr lang="zh-CN" altLang="en-US"/>
+            </a:p>
+          </p:txBody>
+        </p:sp>
+        <p:sp>
+          <p:nvSpPr>
+            <p:cNvPr id="13" name="矩形 12"/>
+            <p:cNvSpPr/>
+            <p:nvPr/>
+          </p:nvSpPr>
+          <p:spPr>
+            <a:xfrm>
+              <a:off x="11114746" y="604966"/>
+              <a:ext cx="492406" cy="492407"/>
+            </a:xfrm>
+            <a:prstGeom prst="rect">
+              <a:avLst/>
+            </a:prstGeom>
+            <a:noFill/>
+            <a:ln w="38100">
+              <a:solidFill>
+                <a:schemeClr val="accent6"/>
+              </a:solidFill>
+            </a:ln>
+          </p:spPr>
+          <p:style>
+            <a:lnRef idx="2">
+              <a:schemeClr val="accent1">
+                <a:shade val="50000"/>
+              </a:schemeClr>
+            </a:lnRef>
+            <a:fillRef idx="1">
+              <a:schemeClr val="accent1"/>
+            </a:fillRef>
+            <a:effectRef idx="0">
+              <a:schemeClr val="accent1"/>
+            </a:effectRef>
+            <a:fontRef idx="minor">
+              <a:schemeClr val="lt1"/>
+            </a:fontRef>
+          </p:style>
+          <p:txBody>
+            <a:bodyPr rtlCol="0" anchor="ctr"/>
+            <a:lstStyle/>
+            <a:p>
+              <a:pPr algn="ctr"/>
+              <a:endParaRPr lang="zh-CN" altLang="en-US"/>
+            </a:p>
+          </p:txBody>
+        </p:sp>
+        <p:sp>
+          <p:nvSpPr>
+            <p:cNvPr id="14" name="矩形 13"/>
+            <p:cNvSpPr/>
+            <p:nvPr/>
+          </p:nvSpPr>
+          <p:spPr>
+            <a:xfrm rot="21568511">
+              <a:off x="10049748" y="782654"/>
+              <a:ext cx="492408" cy="492407"/>
+            </a:xfrm>
+            <a:prstGeom prst="rect">
+              <a:avLst/>
+            </a:prstGeom>
+            <a:noFill/>
+            <a:ln w="38100">
+              <a:solidFill>
+                <a:schemeClr val="accent3"/>
+              </a:solidFill>
+            </a:ln>
+          </p:spPr>
+          <p:style>
+            <a:lnRef idx="2">
+              <a:schemeClr val="accent1">
+                <a:shade val="50000"/>
+              </a:schemeClr>
+            </a:lnRef>
+            <a:fillRef idx="1">
+              <a:schemeClr val="accent1"/>
+            </a:fillRef>
+            <a:effectRef idx="0">
+              <a:schemeClr val="accent1"/>
+            </a:effectRef>
+            <a:fontRef idx="minor">
+              <a:schemeClr val="lt1"/>
+            </a:fontRef>
+          </p:style>
+          <p:txBody>
+            <a:bodyPr rtlCol="0" anchor="ctr"/>
+            <a:lstStyle/>
+            <a:p>
+              <a:pPr algn="ctr"/>
+              <a:endParaRPr lang="zh-CN" altLang="en-US"/>
+            </a:p>
+          </p:txBody>
+        </p:sp>
+        <p:sp>
+          <p:nvSpPr>
+            <p:cNvPr id="16" name="矩形 15"/>
+            <p:cNvSpPr/>
+            <p:nvPr/>
+          </p:nvSpPr>
+          <p:spPr>
+            <a:xfrm>
+              <a:off x="10927333" y="-402452"/>
+              <a:ext cx="492406" cy="492407"/>
+            </a:xfrm>
+            <a:prstGeom prst="rect">
+              <a:avLst/>
+            </a:prstGeom>
+            <a:noFill/>
+            <a:ln w="38100">
+              <a:solidFill>
+                <a:schemeClr val="accent4"/>
+              </a:solidFill>
+            </a:ln>
+          </p:spPr>
+          <p:style>
+            <a:lnRef idx="2">
+              <a:schemeClr val="accent1">
+                <a:shade val="50000"/>
+              </a:schemeClr>
+            </a:lnRef>
+            <a:fillRef idx="1">
+              <a:schemeClr val="accent1"/>
+            </a:fillRef>
+            <a:effectRef idx="0">
+              <a:schemeClr val="accent1"/>
+            </a:effectRef>
+            <a:fontRef idx="minor">
+              <a:schemeClr val="lt1"/>
+            </a:fontRef>
+          </p:style>
+          <p:txBody>
+            <a:bodyPr rtlCol="0" anchor="ctr"/>
+            <a:lstStyle/>
+            <a:p>
+              <a:pPr algn="ctr"/>
+              <a:endParaRPr lang="zh-CN" altLang="en-US"/>
+            </a:p>
+          </p:txBody>
+        </p:sp>
+        <p:sp>
+          <p:nvSpPr>
+            <p:cNvPr id="18" name="矩形 17"/>
+            <p:cNvSpPr/>
+            <p:nvPr/>
+          </p:nvSpPr>
+          <p:spPr>
+            <a:xfrm rot="21364025">
+              <a:off x="10548287" y="1261954"/>
+              <a:ext cx="492408" cy="492407"/>
+            </a:xfrm>
+            <a:prstGeom prst="rect">
+              <a:avLst/>
+            </a:prstGeom>
+            <a:noFill/>
+            <a:ln w="38100">
+              <a:solidFill>
+                <a:schemeClr val="accent6"/>
+              </a:solidFill>
+            </a:ln>
+          </p:spPr>
+          <p:style>
+            <a:lnRef idx="2">
+              <a:schemeClr val="accent1">
+                <a:shade val="50000"/>
+              </a:schemeClr>
+            </a:lnRef>
+            <a:fillRef idx="1">
+              <a:schemeClr val="accent1"/>
+            </a:fillRef>
+            <a:effectRef idx="0">
+              <a:schemeClr val="accent1"/>
+            </a:effectRef>
+            <a:fontRef idx="minor">
+              <a:schemeClr val="lt1"/>
+            </a:fontRef>
+          </p:style>
+          <p:txBody>
+            <a:bodyPr rtlCol="0" anchor="ctr"/>
+            <a:lstStyle/>
+            <a:p>
+              <a:pPr algn="ctr"/>
+              <a:endParaRPr lang="zh-CN" altLang="en-US"/>
+            </a:p>
+          </p:txBody>
+        </p:sp>
+        <p:sp>
+          <p:nvSpPr>
+            <p:cNvPr id="19" name="矩形 18"/>
+            <p:cNvSpPr/>
+            <p:nvPr/>
+          </p:nvSpPr>
+          <p:spPr>
+            <a:xfrm rot="5288442">
+              <a:off x="11065345" y="1766384"/>
+              <a:ext cx="492409" cy="492406"/>
+            </a:xfrm>
+            <a:prstGeom prst="rect">
+              <a:avLst/>
+            </a:prstGeom>
+            <a:noFill/>
+            <a:ln w="38100">
+              <a:solidFill>
+                <a:schemeClr val="accent3"/>
+              </a:solidFill>
+            </a:ln>
+          </p:spPr>
+          <p:style>
+            <a:lnRef idx="2">
+              <a:schemeClr val="accent1">
+                <a:shade val="50000"/>
+              </a:schemeClr>
+            </a:lnRef>
+            <a:fillRef idx="1">
+              <a:schemeClr val="accent1"/>
+            </a:fillRef>
+            <a:effectRef idx="0">
+              <a:schemeClr val="accent1"/>
+            </a:effectRef>
+            <a:fontRef idx="minor">
+              <a:schemeClr val="lt1"/>
+            </a:fontRef>
+          </p:style>
+          <p:txBody>
+            <a:bodyPr rtlCol="0" anchor="ctr"/>
+            <a:lstStyle/>
+            <a:p>
+              <a:pPr algn="ctr"/>
+              <a:endParaRPr lang="zh-CN" altLang="en-US"/>
+            </a:p>
+          </p:txBody>
+        </p:sp>
+      </p:grpSp>
+      <p:sp>
+        <p:nvSpPr>
+          <p:cNvPr id="15" name="文本框 14"/>
+          <p:cNvSpPr txBox="1"/>
+          <p:nvPr/>
+        </p:nvSpPr>
+        <p:spPr>
+          <a:xfrm>
+            <a:off x="7898859" y="4562273"/>
+            <a:ext cx="3190672" cy="369332"/>
+          </a:xfrm>
+          <a:prstGeom prst="rect">
+            <a:avLst/>
+          </a:prstGeom>
+          <a:noFill/>
+        </p:spPr>
+        <p:txBody>
+          <a:bodyPr wrap="square" rtlCol="0">
+            <a:spAutoFit/>
+          </a:bodyPr>
+          <a:lstStyle/>
+          <a:p>
+            <a:r>
+              <a:rPr lang="en-US" altLang="zh-CN" b="1" dirty="0" smtClean="0">
+                <a:solidFill>
+                  <a:schemeClr val="bg1"/>
+                </a:solidFill>
+              </a:rPr>
+              <a:t>------</a:t>
+            </a:r>
+            <a:r>
+              <a:rPr lang="zh-CN" altLang="en-US" b="1" dirty="0" smtClean="0">
+                <a:solidFill>
+                  <a:schemeClr val="bg1"/>
+                </a:solidFill>
+              </a:rPr>
+              <a:t>活动图</a:t>
+            </a:r>
+            <a:endParaRPr lang="zh-CN" altLang="en-US" dirty="0"/>
+          </a:p>
+        </p:txBody>
+      </p:sp>
+    </p:spTree>
+    <p:extLst>
+      <p:ext uri="{BB962C8B-B14F-4D97-AF65-F5344CB8AC3E}">
+        <p14:creationId xmlns:p14="http://schemas.microsoft.com/office/powerpoint/2010/main" val="3056183972"/>
+      </p:ext>
+    </p:extLst>
+  </p:cSld>
+  <p:clrMapOvr>
+    <a:masterClrMapping/>
+  </p:clrMapOvr>
+  <p:transition spd="slow">
+    <p:wipe/>
+  </p:transition>
+  <p:timing>
+    <p:tnLst>
+      <p:par>
+        <p:cTn id="1" dur="indefinite" restart="never" nodeType="tmRoot"/>
+      </p:par>
+    </p:tnLst>
+  </p:timing>
+</p:sld>
+</file>
+
+<file path=ppt/slides/slide5.xml><?xml version="1.0" encoding="utf-8"?>
+<p:sld xmlns:a="http://schemas.openxmlformats.org/drawingml/2006/main" xmlns:r="http://schemas.openxmlformats.org/officeDocument/2006/relationships" xmlns:p="http://schemas.openxmlformats.org/presentationml/2006/main">
+  <p:cSld>
+    <p:spTree>
+      <p:nvGrpSpPr>
+        <p:cNvPr id="1" name=""/>
+        <p:cNvGrpSpPr/>
+        <p:nvPr/>
+      </p:nvGrpSpPr>
+      <p:grpSpPr>
+        <a:xfrm>
+          <a:off x="0" y="0"/>
+          <a:ext cx="0" cy="0"/>
+          <a:chOff x="0" y="0"/>
+          <a:chExt cx="0" cy="0"/>
+        </a:xfrm>
+      </p:grpSpPr>
+      <p:grpSp>
+        <p:nvGrpSpPr>
+          <p:cNvPr id="8" name="组合 7"/>
+          <p:cNvGrpSpPr/>
+          <p:nvPr/>
+        </p:nvGrpSpPr>
+        <p:grpSpPr>
+          <a:xfrm>
+            <a:off x="11063181" y="0"/>
+            <a:ext cx="1128819" cy="1057472"/>
+            <a:chOff x="11063181" y="0"/>
+            <a:chExt cx="1128819" cy="1057472"/>
+          </a:xfrm>
+        </p:grpSpPr>
+        <p:sp>
+          <p:nvSpPr>
+            <p:cNvPr id="9" name="矩形 8"/>
+            <p:cNvSpPr/>
+            <p:nvPr/>
+          </p:nvSpPr>
+          <p:spPr>
+            <a:xfrm>
+              <a:off x="11381387" y="246204"/>
+              <a:ext cx="492407" cy="492407"/>
+            </a:xfrm>
+            <a:prstGeom prst="rect">
+              <a:avLst/>
+            </a:prstGeom>
+            <a:noFill/>
+            <a:ln w="38100">
+              <a:solidFill>
+                <a:srgbClr val="DA2B89"/>
+              </a:solidFill>
+            </a:ln>
+          </p:spPr>
+          <p:style>
+            <a:lnRef idx="2">
+              <a:schemeClr val="accent1">
+                <a:shade val="50000"/>
+              </a:schemeClr>
+            </a:lnRef>
+            <a:fillRef idx="1">
+              <a:schemeClr val="accent1"/>
+            </a:fillRef>
+            <a:effectRef idx="0">
+              <a:schemeClr val="accent1"/>
+            </a:effectRef>
+            <a:fontRef idx="minor">
+              <a:schemeClr val="lt1"/>
+            </a:fontRef>
+          </p:style>
+          <p:txBody>
+            <a:bodyPr rtlCol="0" anchor="ctr"/>
+            <a:lstStyle/>
+            <a:p>
+              <a:pPr algn="ctr"/>
+              <a:endParaRPr lang="zh-CN" altLang="en-US"/>
+            </a:p>
+          </p:txBody>
+        </p:sp>
+        <p:sp>
+          <p:nvSpPr>
+            <p:cNvPr id="16" name="矩形 15"/>
+            <p:cNvSpPr/>
+            <p:nvPr/>
+          </p:nvSpPr>
+          <p:spPr>
+            <a:xfrm>
+              <a:off x="11699593" y="0"/>
+              <a:ext cx="492407" cy="492407"/>
+            </a:xfrm>
+            <a:prstGeom prst="rect">
+              <a:avLst/>
+            </a:prstGeom>
+            <a:noFill/>
+            <a:ln w="38100">
+              <a:solidFill>
+                <a:schemeClr val="tx2">
+                  <a:lumMod val="60000"/>
+                  <a:lumOff val="40000"/>
+                </a:schemeClr>
+              </a:solidFill>
+            </a:ln>
+          </p:spPr>
+          <p:style>
+            <a:lnRef idx="2">
+              <a:schemeClr val="accent1">
+                <a:shade val="50000"/>
+              </a:schemeClr>
+            </a:lnRef>
+            <a:fillRef idx="1">
+              <a:schemeClr val="accent1"/>
+            </a:fillRef>
+            <a:effectRef idx="0">
+              <a:schemeClr val="accent1"/>
+            </a:effectRef>
+            <a:fontRef idx="minor">
+              <a:schemeClr val="lt1"/>
+            </a:fontRef>
+          </p:style>
+          <p:txBody>
+            <a:bodyPr rtlCol="0" anchor="ctr"/>
+            <a:lstStyle/>
+            <a:p>
+              <a:pPr algn="ctr"/>
+              <a:endParaRPr lang="zh-CN" altLang="en-US"/>
+            </a:p>
+          </p:txBody>
+        </p:sp>
+        <p:sp>
+          <p:nvSpPr>
+            <p:cNvPr id="17" name="矩形 16"/>
+            <p:cNvSpPr/>
+            <p:nvPr/>
+          </p:nvSpPr>
+          <p:spPr>
+            <a:xfrm>
+              <a:off x="11063181" y="565065"/>
+              <a:ext cx="492407" cy="492407"/>
+            </a:xfrm>
+            <a:prstGeom prst="rect">
+              <a:avLst/>
+            </a:prstGeom>
+            <a:noFill/>
+            <a:ln w="38100">
+              <a:solidFill>
+                <a:schemeClr val="accent6"/>
+              </a:solidFill>
+            </a:ln>
+          </p:spPr>
+          <p:style>
+            <a:lnRef idx="2">
+              <a:schemeClr val="accent1">
+                <a:shade val="50000"/>
+              </a:schemeClr>
+            </a:lnRef>
+            <a:fillRef idx="1">
+              <a:schemeClr val="accent1"/>
+            </a:fillRef>
+            <a:effectRef idx="0">
+              <a:schemeClr val="accent1"/>
+            </a:effectRef>
+            <a:fontRef idx="minor">
+              <a:schemeClr val="lt1"/>
+            </a:fontRef>
+          </p:style>
+          <p:txBody>
+            <a:bodyPr rtlCol="0" anchor="ctr"/>
+            <a:lstStyle/>
+            <a:p>
+              <a:pPr algn="ctr"/>
+              <a:endParaRPr lang="zh-CN" altLang="en-US"/>
+            </a:p>
+          </p:txBody>
+        </p:sp>
+      </p:grpSp>
+      <p:pic>
+        <p:nvPicPr>
+          <p:cNvPr id="2" name="图片 1"/>
+          <p:cNvPicPr>
+            <a:picLocks noChangeAspect="1"/>
+          </p:cNvPicPr>
+          <p:nvPr/>
+        </p:nvPicPr>
+        <p:blipFill>
+          <a:blip r:embed="rId2">
+            <a:extLst>
+              <a:ext uri="{28A0092B-C50C-407E-A947-70E740481C1C}">
+                <a14:useLocalDpi xmlns:a14="http://schemas.microsoft.com/office/drawing/2010/main" val="0"/>
+              </a:ext>
+            </a:extLst>
+          </a:blip>
+          <a:stretch>
+            <a:fillRect/>
+          </a:stretch>
+        </p:blipFill>
+        <p:spPr>
+          <a:xfrm>
+            <a:off x="4211054" y="165148"/>
+            <a:ext cx="3496328" cy="6360343"/>
+          </a:xfrm>
+          <a:prstGeom prst="rect">
+            <a:avLst/>
+          </a:prstGeom>
+        </p:spPr>
+      </p:pic>
+      <p:sp>
+        <p:nvSpPr>
+          <p:cNvPr id="18" name="文本框 17"/>
+          <p:cNvSpPr txBox="1"/>
+          <p:nvPr/>
+        </p:nvSpPr>
+        <p:spPr>
+          <a:xfrm>
+            <a:off x="1445797" y="565065"/>
+            <a:ext cx="794868" cy="1754326"/>
+          </a:xfrm>
+          <a:prstGeom prst="rect">
+            <a:avLst/>
+          </a:prstGeom>
+          <a:noFill/>
+        </p:spPr>
+        <p:txBody>
+          <a:bodyPr wrap="square" rtlCol="0">
+            <a:spAutoFit/>
+          </a:bodyPr>
+          <a:lstStyle/>
+          <a:p>
+            <a:r>
+              <a:rPr lang="zh-CN" altLang="en-US" sz="3600" b="1" dirty="0" smtClean="0">
+                <a:solidFill>
+                  <a:schemeClr val="bg1"/>
+                </a:solidFill>
+              </a:rPr>
+              <a:t>活动图</a:t>
+            </a:r>
+            <a:endParaRPr lang="zh-CN" altLang="en-US" sz="3600" dirty="0"/>
+          </a:p>
+        </p:txBody>
+      </p:sp>
+    </p:spTree>
+    <p:extLst>
+      <p:ext uri="{BB962C8B-B14F-4D97-AF65-F5344CB8AC3E}">
+        <p14:creationId xmlns:p14="http://schemas.microsoft.com/office/powerpoint/2010/main" val="1185574136"/>
+      </p:ext>
+    </p:extLst>
+  </p:cSld>
+  <p:clrMapOvr>
+    <a:masterClrMapping/>
+  </p:clrMapOvr>
+  <p:transition spd="slow">
+    <p:wipe/>
+  </p:transition>
+  <p:timing>
+    <p:tnLst>
+      <p:par>
+        <p:cTn id="1" dur="indefinite" restart="never" nodeType="tmRoot"/>
+      </p:par>
+    </p:tnLst>
+  </p:timing>
 </p:sld>
 </file>
 
@@ -5546,8 +8686,8 @@
         </p:nvSpPr>
         <p:spPr>
           <a:xfrm>
-            <a:off x="4021831" y="1470016"/>
-            <a:ext cx="8005329" cy="6186309"/>
+            <a:off x="3667268" y="2495188"/>
+            <a:ext cx="7691297" cy="1446550"/>
           </a:xfrm>
           <a:prstGeom prst="rect">
             <a:avLst/>
@@ -5561,65 +8701,21 @@
           <a:lstStyle/>
           <a:p>
             <a:r>
-              <a:rPr lang="en-US" altLang="zh-CN" sz="8800" b="1" dirty="0">
+              <a:rPr lang="en-US" altLang="zh-CN" sz="8800" b="1" dirty="0" smtClean="0">
                 <a:solidFill>
                   <a:schemeClr val="bg1"/>
                 </a:solidFill>
               </a:rPr>
-              <a:t>Part five</a:t>
+              <a:t>Part </a:t>
             </a:r>
-            <a:endParaRPr lang="en-US" altLang="zh-CN" sz="8800" b="1" dirty="0">
-              <a:solidFill>
-                <a:schemeClr val="bg1"/>
-              </a:solidFill>
-            </a:endParaRPr>
-          </a:p>
-          <a:p>
             <a:r>
-              <a:rPr lang="zh-CN" altLang="en-US" sz="6600" b="1" dirty="0">
+              <a:rPr lang="zh-CN" altLang="en-US" sz="8800" b="1" dirty="0" smtClean="0">
                 <a:solidFill>
                   <a:schemeClr val="bg1"/>
                 </a:solidFill>
               </a:rPr>
-              <a:t>展示建模：</a:t>
+              <a:t>？？？</a:t>
             </a:r>
-            <a:endParaRPr lang="en-US" altLang="zh-CN" sz="6600" b="1" dirty="0">
-              <a:solidFill>
-                <a:schemeClr val="bg1"/>
-              </a:solidFill>
-            </a:endParaRPr>
-          </a:p>
-          <a:p>
-            <a:r>
-              <a:rPr lang="en-US" altLang="zh-CN" sz="6600" b="1" dirty="0">
-                <a:solidFill>
-                  <a:schemeClr val="bg1"/>
-                </a:solidFill>
-              </a:rPr>
-              <a:t>UWE</a:t>
-            </a:r>
-            <a:r>
-              <a:rPr lang="zh-CN" altLang="en-US" sz="6600" b="1" dirty="0">
-                <a:solidFill>
-                  <a:schemeClr val="bg1"/>
-                </a:solidFill>
-              </a:rPr>
-              <a:t>建模</a:t>
-            </a:r>
-            <a:endParaRPr lang="zh-CN" altLang="en-US" sz="6600" b="1" dirty="0">
-              <a:solidFill>
-                <a:schemeClr val="bg1"/>
-              </a:solidFill>
-            </a:endParaRPr>
-          </a:p>
-          <a:p>
-            <a:endParaRPr lang="en-US" altLang="zh-CN" sz="8800" b="1" dirty="0">
-              <a:solidFill>
-                <a:schemeClr val="bg1"/>
-              </a:solidFill>
-            </a:endParaRPr>
-          </a:p>
-          <a:p>
             <a:endParaRPr lang="zh-CN" altLang="en-US" sz="8800" b="1" dirty="0">
               <a:solidFill>
                 <a:schemeClr val="bg1"/>
@@ -5636,10 +8732,10 @@
         </p:nvGrpSpPr>
         <p:grpSpPr>
           <a:xfrm rot="19068014">
-            <a:off x="1556870" y="2221074"/>
-            <a:ext cx="1957812" cy="2144454"/>
-            <a:chOff x="10141891" y="-883067"/>
-            <a:chExt cx="2652736" cy="2905631"/>
+            <a:off x="1831855" y="2432805"/>
+            <a:ext cx="1840629" cy="1912981"/>
+            <a:chOff x="10141891" y="-451997"/>
+            <a:chExt cx="2493959" cy="2591997"/>
           </a:xfrm>
         </p:grpSpPr>
         <p:sp>
@@ -5650,8 +8746,8 @@
           </p:nvSpPr>
           <p:spPr>
             <a:xfrm>
-              <a:off x="12394716" y="133432"/>
-              <a:ext cx="399911" cy="492961"/>
+              <a:off x="12143442" y="388887"/>
+              <a:ext cx="492408" cy="492407"/>
             </a:xfrm>
             <a:prstGeom prst="rect">
               <a:avLst/>
@@ -5696,7 +8792,7 @@
           </p:nvSpPr>
           <p:spPr>
             <a:xfrm>
-              <a:off x="11945323" y="-178135"/>
+              <a:off x="12007114" y="-122103"/>
               <a:ext cx="492405" cy="492407"/>
             </a:xfrm>
             <a:prstGeom prst="rect">
@@ -5745,7 +8841,7 @@
           </p:nvSpPr>
           <p:spPr>
             <a:xfrm>
-              <a:off x="11181847" y="-197920"/>
+              <a:off x="11630426" y="617623"/>
               <a:ext cx="492406" cy="492407"/>
             </a:xfrm>
             <a:prstGeom prst="rect">
@@ -5791,8 +8887,8 @@
           </p:nvSpPr>
           <p:spPr>
             <a:xfrm>
-              <a:off x="11775612" y="-883067"/>
-              <a:ext cx="492407" cy="492407"/>
+              <a:off x="11463057" y="-451997"/>
+              <a:ext cx="492408" cy="492407"/>
             </a:xfrm>
             <a:prstGeom prst="rect">
               <a:avLst/>
@@ -5825,7 +8921,7 @@
             <a:lstStyle/>
             <a:p>
               <a:pPr algn="ctr"/>
-              <a:endParaRPr lang="zh-CN" altLang="en-US" sz="1600" dirty="0"/>
+              <a:endParaRPr lang="zh-CN" altLang="en-US" sz="1600"/>
             </a:p>
           </p:txBody>
         </p:sp>
@@ -5837,7 +8933,7 @@
           </p:nvSpPr>
           <p:spPr>
             <a:xfrm>
-              <a:off x="11343074" y="734042"/>
+              <a:off x="11150505" y="1093940"/>
               <a:ext cx="492406" cy="492407"/>
             </a:xfrm>
             <a:prstGeom prst="rect">
@@ -5883,7 +8979,7 @@
           </p:nvSpPr>
           <p:spPr>
             <a:xfrm>
-              <a:off x="10828124" y="303104"/>
+              <a:off x="11112108" y="517651"/>
               <a:ext cx="492406" cy="492407"/>
             </a:xfrm>
             <a:prstGeom prst="rect">
@@ -5975,7 +9071,7 @@
           </p:nvSpPr>
           <p:spPr>
             <a:xfrm>
-              <a:off x="10675266" y="1483202"/>
+              <a:off x="10493726" y="1431448"/>
               <a:ext cx="492408" cy="492407"/>
             </a:xfrm>
             <a:prstGeom prst="rect">
@@ -6021,7 +9117,7 @@
           </p:nvSpPr>
           <p:spPr>
             <a:xfrm>
-              <a:off x="11382154" y="1530157"/>
+              <a:off x="10975727" y="1647593"/>
               <a:ext cx="492408" cy="492407"/>
             </a:xfrm>
             <a:prstGeom prst="rect">
@@ -6062,51 +9158,52 @@
       </p:grpSp>
       <p:sp>
         <p:nvSpPr>
-          <p:cNvPr id="15" name="矩形 14"/>
-          <p:cNvSpPr/>
+          <p:cNvPr id="15" name="文本框 14"/>
+          <p:cNvSpPr txBox="1"/>
           <p:nvPr/>
         </p:nvSpPr>
         <p:spPr>
-          <a:xfrm rot="19068014">
-            <a:off x="2141973" y="2502488"/>
-            <a:ext cx="356825" cy="292096"/>
+          <a:xfrm>
+            <a:off x="7898859" y="4562273"/>
+            <a:ext cx="3190672" cy="369332"/>
           </a:xfrm>
           <a:prstGeom prst="rect">
             <a:avLst/>
           </a:prstGeom>
           <a:noFill/>
-          <a:ln w="38100">
-            <a:solidFill>
-              <a:srgbClr val="00B0F0"/>
-            </a:solidFill>
-          </a:ln>
         </p:spPr>
-        <p:style>
-          <a:lnRef idx="2">
-            <a:schemeClr val="accent1">
-              <a:shade val="50000"/>
-            </a:schemeClr>
-          </a:lnRef>
-          <a:fillRef idx="1">
-            <a:schemeClr val="accent1"/>
-          </a:fillRef>
-          <a:effectRef idx="0">
-            <a:schemeClr val="accent1"/>
-          </a:effectRef>
-          <a:fontRef idx="minor">
-            <a:schemeClr val="lt1"/>
-          </a:fontRef>
-        </p:style>
-        <p:txBody>
-          <a:bodyPr rtlCol="0" anchor="ctr"/>
+        <p:txBody>
+          <a:bodyPr wrap="square" rtlCol="0">
+            <a:spAutoFit/>
+          </a:bodyPr>
           <a:lstStyle/>
           <a:p>
-            <a:pPr algn="ctr"/>
-            <a:endParaRPr lang="zh-CN" altLang="en-US" sz="1600" dirty="0"/>
+            <a:r>
+              <a:rPr lang="en-US" altLang="zh-CN" b="1" dirty="0" smtClean="0">
+                <a:solidFill>
+                  <a:schemeClr val="bg1"/>
+                </a:solidFill>
+              </a:rPr>
+              <a:t>------</a:t>
+            </a:r>
+            <a:r>
+              <a:rPr lang="zh-CN" altLang="en-US" b="1" dirty="0" smtClean="0">
+                <a:solidFill>
+                  <a:schemeClr val="bg1"/>
+                </a:solidFill>
+              </a:rPr>
+              <a:t>超文本访问模型</a:t>
+            </a:r>
+            <a:endParaRPr lang="zh-CN" altLang="en-US" dirty="0"/>
           </a:p>
         </p:txBody>
       </p:sp>
     </p:spTree>
+    <p:extLst>
+      <p:ext uri="{BB962C8B-B14F-4D97-AF65-F5344CB8AC3E}">
+        <p14:creationId xmlns:p14="http://schemas.microsoft.com/office/powerpoint/2010/main" val="903657069"/>
+      </p:ext>
+    </p:extLst>
   </p:cSld>
   <p:clrMapOvr>
     <a:masterClrMapping/>
@@ -6114,6 +9211,13 @@
   <p:transition spd="slow">
     <p:wipe/>
   </p:transition>
+  <p:timing>
+    <p:tnLst>
+      <p:par>
+        <p:cTn id="1" dur="indefinite" restart="never" nodeType="tmRoot"/>
+      </p:par>
+    </p:tnLst>
+  </p:timing>
 </p:sld>
 </file>
 
@@ -6290,16 +9394,50 @@
           </p:txBody>
         </p:sp>
       </p:grpSp>
+      <p:sp>
+        <p:nvSpPr>
+          <p:cNvPr id="16" name="文本框 15"/>
+          <p:cNvSpPr txBox="1"/>
+          <p:nvPr/>
+        </p:nvSpPr>
+        <p:spPr>
+          <a:xfrm>
+            <a:off x="1445797" y="565065"/>
+            <a:ext cx="794868" cy="3970318"/>
+          </a:xfrm>
+          <a:prstGeom prst="rect">
+            <a:avLst/>
+          </a:prstGeom>
+          <a:noFill/>
+        </p:spPr>
+        <p:txBody>
+          <a:bodyPr wrap="square" rtlCol="0">
+            <a:spAutoFit/>
+          </a:bodyPr>
+          <a:lstStyle/>
+          <a:p>
+            <a:r>
+              <a:rPr lang="zh-CN" altLang="en-US" sz="3600" b="1" dirty="0" smtClean="0">
+                <a:solidFill>
+                  <a:schemeClr val="bg1"/>
+                </a:solidFill>
+              </a:rPr>
+              <a:t>超文本访问模型</a:t>
+            </a:r>
+            <a:endParaRPr lang="zh-CN" altLang="en-US" sz="3600" dirty="0"/>
+          </a:p>
+        </p:txBody>
+      </p:sp>
       <p:pic>
         <p:nvPicPr>
-          <p:cNvPr id="16" name="图片 15"/>
+          <p:cNvPr id="3" name="图片 2"/>
           <p:cNvPicPr>
             <a:picLocks noChangeAspect="1"/>
           </p:cNvPicPr>
           <p:nvPr/>
         </p:nvPicPr>
         <p:blipFill>
-          <a:blip r:embed="rId1">
+          <a:blip r:embed="rId2">
             <a:extLst>
               <a:ext uri="{28A0092B-C50C-407E-A947-70E740481C1C}">
                 <a14:useLocalDpi xmlns:a14="http://schemas.microsoft.com/office/drawing/2010/main" val="0"/>
@@ -6312,24 +9450,64 @@
         </p:blipFill>
         <p:spPr>
           <a:xfrm>
-            <a:off x="1457787" y="1324947"/>
-            <a:ext cx="8159547" cy="5411755"/>
+            <a:off x="3107763" y="492406"/>
+            <a:ext cx="6406149" cy="6213193"/>
           </a:xfrm>
           <a:prstGeom prst="rect">
             <a:avLst/>
           </a:prstGeom>
         </p:spPr>
       </p:pic>
-      <p:sp>
-        <p:nvSpPr>
-          <p:cNvPr id="17" name="文本框 16"/>
+    </p:spTree>
+    <p:extLst>
+      <p:ext uri="{BB962C8B-B14F-4D97-AF65-F5344CB8AC3E}">
+        <p14:creationId xmlns:p14="http://schemas.microsoft.com/office/powerpoint/2010/main" val="4067267844"/>
+      </p:ext>
+    </p:extLst>
+  </p:cSld>
+  <p:clrMapOvr>
+    <a:masterClrMapping/>
+  </p:clrMapOvr>
+  <p:transition spd="slow">
+    <p:wipe/>
+  </p:transition>
+  <p:timing>
+    <p:tnLst>
+      <p:par>
+        <p:cTn id="1" dur="indefinite" restart="never" nodeType="tmRoot"/>
+      </p:par>
+    </p:tnLst>
+  </p:timing>
+</p:sld>
+</file>
+
+<file path=ppt/slides/slide8.xml><?xml version="1.0" encoding="utf-8"?>
+<p:sld xmlns:a="http://schemas.openxmlformats.org/drawingml/2006/main" xmlns:r="http://schemas.openxmlformats.org/officeDocument/2006/relationships" xmlns:p="http://schemas.openxmlformats.org/presentationml/2006/main">
+  <p:cSld>
+    <p:spTree>
+      <p:nvGrpSpPr>
+        <p:cNvPr id="1" name=""/>
+        <p:cNvGrpSpPr/>
+        <p:nvPr/>
+      </p:nvGrpSpPr>
+      <p:grpSpPr>
+        <a:xfrm>
+          <a:off x="0" y="0"/>
+          <a:ext cx="0" cy="0"/>
+          <a:chOff x="0" y="0"/>
+          <a:chExt cx="0" cy="0"/>
+        </a:xfrm>
+      </p:grpSpPr>
+      <p:sp>
+        <p:nvSpPr>
+          <p:cNvPr id="6" name="文本框 5"/>
           <p:cNvSpPr txBox="1"/>
           <p:nvPr/>
         </p:nvSpPr>
         <p:spPr>
           <a:xfrm>
-            <a:off x="2579587" y="349586"/>
-            <a:ext cx="6302207" cy="707886"/>
+            <a:off x="4021831" y="1470016"/>
+            <a:ext cx="8005329" cy="6186309"/>
           </a:xfrm>
           <a:prstGeom prst="rect">
             <a:avLst/>
@@ -6343,18 +9521,556 @@
           <a:lstStyle/>
           <a:p>
             <a:r>
-              <a:rPr lang="zh-CN" altLang="en-US" sz="4000" b="1" dirty="0">
+              <a:rPr lang="en-US" altLang="zh-CN" sz="8800" b="1" dirty="0">
                 <a:solidFill>
                   <a:schemeClr val="bg1"/>
                 </a:solidFill>
               </a:rPr>
-              <a:t>登录页面</a:t>
+              <a:t>Part </a:t>
             </a:r>
-            <a:endParaRPr lang="zh-CN" altLang="en-US" sz="4000" b="1" dirty="0">
+            <a:r>
+              <a:rPr lang="en-US" altLang="zh-CN" sz="8800" b="1" dirty="0" smtClean="0">
+                <a:solidFill>
+                  <a:schemeClr val="bg1"/>
+                </a:solidFill>
+              </a:rPr>
+              <a:t>three</a:t>
+            </a:r>
+            <a:endParaRPr lang="en-US" altLang="zh-CN" sz="8800" b="1" dirty="0">
               <a:solidFill>
                 <a:schemeClr val="bg1"/>
               </a:solidFill>
             </a:endParaRPr>
+          </a:p>
+          <a:p>
+            <a:r>
+              <a:rPr lang="zh-CN" altLang="en-US" sz="6600" b="1" dirty="0" smtClean="0">
+                <a:solidFill>
+                  <a:schemeClr val="bg1"/>
+                </a:solidFill>
+              </a:rPr>
+              <a:t>内容建模</a:t>
+            </a:r>
+            <a:r>
+              <a:rPr lang="zh-CN" altLang="en-US" sz="6600" b="1" dirty="0">
+                <a:solidFill>
+                  <a:schemeClr val="bg1"/>
+                </a:solidFill>
+              </a:rPr>
+              <a:t>：</a:t>
+            </a:r>
+            <a:endParaRPr lang="en-US" altLang="zh-CN" sz="6600" b="1" dirty="0">
+              <a:solidFill>
+                <a:schemeClr val="bg1"/>
+              </a:solidFill>
+            </a:endParaRPr>
+          </a:p>
+          <a:p>
+            <a:r>
+              <a:rPr lang="zh-CN" altLang="en-US" sz="6600" b="1" dirty="0" smtClean="0">
+                <a:solidFill>
+                  <a:schemeClr val="bg1"/>
+                </a:solidFill>
+              </a:rPr>
+              <a:t>类图及状态图</a:t>
+            </a:r>
+            <a:endParaRPr lang="zh-CN" altLang="en-US" sz="6600" b="1" dirty="0">
+              <a:solidFill>
+                <a:schemeClr val="bg1"/>
+              </a:solidFill>
+            </a:endParaRPr>
+          </a:p>
+          <a:p>
+            <a:endParaRPr lang="en-US" altLang="zh-CN" sz="8800" b="1" dirty="0">
+              <a:solidFill>
+                <a:schemeClr val="bg1"/>
+              </a:solidFill>
+            </a:endParaRPr>
+          </a:p>
+          <a:p>
+            <a:endParaRPr lang="zh-CN" altLang="en-US" sz="8800" b="1" dirty="0">
+              <a:solidFill>
+                <a:schemeClr val="bg1"/>
+              </a:solidFill>
+            </a:endParaRPr>
+          </a:p>
+        </p:txBody>
+      </p:sp>
+      <p:grpSp>
+        <p:nvGrpSpPr>
+          <p:cNvPr id="7" name="组合 6"/>
+          <p:cNvGrpSpPr/>
+          <p:nvPr/>
+        </p:nvGrpSpPr>
+        <p:grpSpPr>
+          <a:xfrm rot="19068014">
+            <a:off x="1556870" y="2221074"/>
+            <a:ext cx="1957812" cy="2144454"/>
+            <a:chOff x="10141891" y="-883067"/>
+            <a:chExt cx="2652736" cy="2905631"/>
+          </a:xfrm>
+        </p:grpSpPr>
+        <p:sp>
+          <p:nvSpPr>
+            <p:cNvPr id="8" name="矩形 7"/>
+            <p:cNvSpPr/>
+            <p:nvPr/>
+          </p:nvSpPr>
+          <p:spPr>
+            <a:xfrm>
+              <a:off x="12394716" y="133432"/>
+              <a:ext cx="399911" cy="492961"/>
+            </a:xfrm>
+            <a:prstGeom prst="rect">
+              <a:avLst/>
+            </a:prstGeom>
+            <a:noFill/>
+            <a:ln w="38100">
+              <a:solidFill>
+                <a:schemeClr val="accent3"/>
+              </a:solidFill>
+            </a:ln>
+          </p:spPr>
+          <p:style>
+            <a:lnRef idx="2">
+              <a:schemeClr val="accent1">
+                <a:shade val="50000"/>
+              </a:schemeClr>
+            </a:lnRef>
+            <a:fillRef idx="1">
+              <a:schemeClr val="accent1"/>
+            </a:fillRef>
+            <a:effectRef idx="0">
+              <a:schemeClr val="accent1"/>
+            </a:effectRef>
+            <a:fontRef idx="minor">
+              <a:schemeClr val="lt1"/>
+            </a:fontRef>
+          </p:style>
+          <p:txBody>
+            <a:bodyPr rtlCol="0" anchor="ctr"/>
+            <a:lstStyle/>
+            <a:p>
+              <a:pPr algn="ctr"/>
+              <a:endParaRPr lang="zh-CN" altLang="en-US" sz="1600"/>
+            </a:p>
+          </p:txBody>
+        </p:sp>
+        <p:sp>
+          <p:nvSpPr>
+            <p:cNvPr id="9" name="矩形 8"/>
+            <p:cNvSpPr/>
+            <p:nvPr/>
+          </p:nvSpPr>
+          <p:spPr>
+            <a:xfrm>
+              <a:off x="11945323" y="-178135"/>
+              <a:ext cx="492405" cy="492407"/>
+            </a:xfrm>
+            <a:prstGeom prst="rect">
+              <a:avLst/>
+            </a:prstGeom>
+            <a:noFill/>
+            <a:ln w="38100">
+              <a:solidFill>
+                <a:schemeClr val="tx2">
+                  <a:lumMod val="60000"/>
+                  <a:lumOff val="40000"/>
+                </a:schemeClr>
+              </a:solidFill>
+            </a:ln>
+          </p:spPr>
+          <p:style>
+            <a:lnRef idx="2">
+              <a:schemeClr val="accent1">
+                <a:shade val="50000"/>
+              </a:schemeClr>
+            </a:lnRef>
+            <a:fillRef idx="1">
+              <a:schemeClr val="accent1"/>
+            </a:fillRef>
+            <a:effectRef idx="0">
+              <a:schemeClr val="accent1"/>
+            </a:effectRef>
+            <a:fontRef idx="minor">
+              <a:schemeClr val="lt1"/>
+            </a:fontRef>
+          </p:style>
+          <p:txBody>
+            <a:bodyPr rtlCol="0" anchor="ctr"/>
+            <a:lstStyle/>
+            <a:p>
+              <a:pPr algn="ctr"/>
+              <a:endParaRPr lang="zh-CN" altLang="en-US" sz="1600"/>
+            </a:p>
+          </p:txBody>
+        </p:sp>
+        <p:sp>
+          <p:nvSpPr>
+            <p:cNvPr id="10" name="矩形 9"/>
+            <p:cNvSpPr/>
+            <p:nvPr/>
+          </p:nvSpPr>
+          <p:spPr>
+            <a:xfrm>
+              <a:off x="11181847" y="-197920"/>
+              <a:ext cx="492406" cy="492407"/>
+            </a:xfrm>
+            <a:prstGeom prst="rect">
+              <a:avLst/>
+            </a:prstGeom>
+            <a:noFill/>
+            <a:ln w="38100">
+              <a:solidFill>
+                <a:schemeClr val="accent4"/>
+              </a:solidFill>
+            </a:ln>
+          </p:spPr>
+          <p:style>
+            <a:lnRef idx="2">
+              <a:schemeClr val="accent1">
+                <a:shade val="50000"/>
+              </a:schemeClr>
+            </a:lnRef>
+            <a:fillRef idx="1">
+              <a:schemeClr val="accent1"/>
+            </a:fillRef>
+            <a:effectRef idx="0">
+              <a:schemeClr val="accent1"/>
+            </a:effectRef>
+            <a:fontRef idx="minor">
+              <a:schemeClr val="lt1"/>
+            </a:fontRef>
+          </p:style>
+          <p:txBody>
+            <a:bodyPr rtlCol="0" anchor="ctr"/>
+            <a:lstStyle/>
+            <a:p>
+              <a:pPr algn="ctr"/>
+              <a:endParaRPr lang="zh-CN" altLang="en-US" sz="1600"/>
+            </a:p>
+          </p:txBody>
+        </p:sp>
+        <p:sp>
+          <p:nvSpPr>
+            <p:cNvPr id="11" name="矩形 10"/>
+            <p:cNvSpPr/>
+            <p:nvPr/>
+          </p:nvSpPr>
+          <p:spPr>
+            <a:xfrm>
+              <a:off x="11775612" y="-883067"/>
+              <a:ext cx="492407" cy="492407"/>
+            </a:xfrm>
+            <a:prstGeom prst="rect">
+              <a:avLst/>
+            </a:prstGeom>
+            <a:noFill/>
+            <a:ln w="38100">
+              <a:solidFill>
+                <a:schemeClr val="accent6"/>
+              </a:solidFill>
+            </a:ln>
+          </p:spPr>
+          <p:style>
+            <a:lnRef idx="2">
+              <a:schemeClr val="accent1">
+                <a:shade val="50000"/>
+              </a:schemeClr>
+            </a:lnRef>
+            <a:fillRef idx="1">
+              <a:schemeClr val="accent1"/>
+            </a:fillRef>
+            <a:effectRef idx="0">
+              <a:schemeClr val="accent1"/>
+            </a:effectRef>
+            <a:fontRef idx="minor">
+              <a:schemeClr val="lt1"/>
+            </a:fontRef>
+          </p:style>
+          <p:txBody>
+            <a:bodyPr rtlCol="0" anchor="ctr"/>
+            <a:lstStyle/>
+            <a:p>
+              <a:pPr algn="ctr"/>
+              <a:endParaRPr lang="zh-CN" altLang="en-US" sz="1600" dirty="0"/>
+            </a:p>
+          </p:txBody>
+        </p:sp>
+        <p:sp>
+          <p:nvSpPr>
+            <p:cNvPr id="12" name="矩形 11"/>
+            <p:cNvSpPr/>
+            <p:nvPr/>
+          </p:nvSpPr>
+          <p:spPr>
+            <a:xfrm>
+              <a:off x="11343074" y="734042"/>
+              <a:ext cx="492406" cy="492407"/>
+            </a:xfrm>
+            <a:prstGeom prst="rect">
+              <a:avLst/>
+            </a:prstGeom>
+            <a:noFill/>
+            <a:ln w="38100">
+              <a:solidFill>
+                <a:schemeClr val="accent4"/>
+              </a:solidFill>
+            </a:ln>
+          </p:spPr>
+          <p:style>
+            <a:lnRef idx="2">
+              <a:schemeClr val="accent1">
+                <a:shade val="50000"/>
+              </a:schemeClr>
+            </a:lnRef>
+            <a:fillRef idx="1">
+              <a:schemeClr val="accent1"/>
+            </a:fillRef>
+            <a:effectRef idx="0">
+              <a:schemeClr val="accent1"/>
+            </a:effectRef>
+            <a:fontRef idx="minor">
+              <a:schemeClr val="lt1"/>
+            </a:fontRef>
+          </p:style>
+          <p:txBody>
+            <a:bodyPr rtlCol="0" anchor="ctr"/>
+            <a:lstStyle/>
+            <a:p>
+              <a:pPr algn="ctr"/>
+              <a:endParaRPr lang="zh-CN" altLang="en-US" sz="1600"/>
+            </a:p>
+          </p:txBody>
+        </p:sp>
+        <p:sp>
+          <p:nvSpPr>
+            <p:cNvPr id="13" name="矩形 12"/>
+            <p:cNvSpPr/>
+            <p:nvPr/>
+          </p:nvSpPr>
+          <p:spPr>
+            <a:xfrm>
+              <a:off x="10828124" y="303104"/>
+              <a:ext cx="492406" cy="492407"/>
+            </a:xfrm>
+            <a:prstGeom prst="rect">
+              <a:avLst/>
+            </a:prstGeom>
+            <a:noFill/>
+            <a:ln w="38100">
+              <a:solidFill>
+                <a:schemeClr val="accent6"/>
+              </a:solidFill>
+            </a:ln>
+          </p:spPr>
+          <p:style>
+            <a:lnRef idx="2">
+              <a:schemeClr val="accent1">
+                <a:shade val="50000"/>
+              </a:schemeClr>
+            </a:lnRef>
+            <a:fillRef idx="1">
+              <a:schemeClr val="accent1"/>
+            </a:fillRef>
+            <a:effectRef idx="0">
+              <a:schemeClr val="accent1"/>
+            </a:effectRef>
+            <a:fontRef idx="minor">
+              <a:schemeClr val="lt1"/>
+            </a:fontRef>
+          </p:style>
+          <p:txBody>
+            <a:bodyPr rtlCol="0" anchor="ctr"/>
+            <a:lstStyle/>
+            <a:p>
+              <a:pPr algn="ctr"/>
+              <a:endParaRPr lang="zh-CN" altLang="en-US" sz="1600"/>
+            </a:p>
+          </p:txBody>
+        </p:sp>
+        <p:sp>
+          <p:nvSpPr>
+            <p:cNvPr id="14" name="矩形 13"/>
+            <p:cNvSpPr/>
+            <p:nvPr/>
+          </p:nvSpPr>
+          <p:spPr>
+            <a:xfrm>
+              <a:off x="10141891" y="949004"/>
+              <a:ext cx="492408" cy="492407"/>
+            </a:xfrm>
+            <a:prstGeom prst="rect">
+              <a:avLst/>
+            </a:prstGeom>
+            <a:noFill/>
+            <a:ln w="38100">
+              <a:solidFill>
+                <a:schemeClr val="accent3"/>
+              </a:solidFill>
+            </a:ln>
+          </p:spPr>
+          <p:style>
+            <a:lnRef idx="2">
+              <a:schemeClr val="accent1">
+                <a:shade val="50000"/>
+              </a:schemeClr>
+            </a:lnRef>
+            <a:fillRef idx="1">
+              <a:schemeClr val="accent1"/>
+            </a:fillRef>
+            <a:effectRef idx="0">
+              <a:schemeClr val="accent1"/>
+            </a:effectRef>
+            <a:fontRef idx="minor">
+              <a:schemeClr val="lt1"/>
+            </a:fontRef>
+          </p:style>
+          <p:txBody>
+            <a:bodyPr rtlCol="0" anchor="ctr"/>
+            <a:lstStyle/>
+            <a:p>
+              <a:pPr algn="ctr"/>
+              <a:endParaRPr lang="zh-CN" altLang="en-US" sz="1600"/>
+            </a:p>
+          </p:txBody>
+        </p:sp>
+        <p:sp>
+          <p:nvSpPr>
+            <p:cNvPr id="18" name="矩形 17"/>
+            <p:cNvSpPr/>
+            <p:nvPr/>
+          </p:nvSpPr>
+          <p:spPr>
+            <a:xfrm>
+              <a:off x="10675266" y="1483202"/>
+              <a:ext cx="492408" cy="492407"/>
+            </a:xfrm>
+            <a:prstGeom prst="rect">
+              <a:avLst/>
+            </a:prstGeom>
+            <a:noFill/>
+            <a:ln w="38100">
+              <a:solidFill>
+                <a:schemeClr val="accent6"/>
+              </a:solidFill>
+            </a:ln>
+          </p:spPr>
+          <p:style>
+            <a:lnRef idx="2">
+              <a:schemeClr val="accent1">
+                <a:shade val="50000"/>
+              </a:schemeClr>
+            </a:lnRef>
+            <a:fillRef idx="1">
+              <a:schemeClr val="accent1"/>
+            </a:fillRef>
+            <a:effectRef idx="0">
+              <a:schemeClr val="accent1"/>
+            </a:effectRef>
+            <a:fontRef idx="minor">
+              <a:schemeClr val="lt1"/>
+            </a:fontRef>
+          </p:style>
+          <p:txBody>
+            <a:bodyPr rtlCol="0" anchor="ctr"/>
+            <a:lstStyle/>
+            <a:p>
+              <a:pPr algn="ctr"/>
+              <a:endParaRPr lang="zh-CN" altLang="en-US" sz="1600"/>
+            </a:p>
+          </p:txBody>
+        </p:sp>
+        <p:sp>
+          <p:nvSpPr>
+            <p:cNvPr id="19" name="矩形 18"/>
+            <p:cNvSpPr/>
+            <p:nvPr/>
+          </p:nvSpPr>
+          <p:spPr>
+            <a:xfrm>
+              <a:off x="11382154" y="1530157"/>
+              <a:ext cx="492408" cy="492407"/>
+            </a:xfrm>
+            <a:prstGeom prst="rect">
+              <a:avLst/>
+            </a:prstGeom>
+            <a:noFill/>
+            <a:ln w="38100">
+              <a:solidFill>
+                <a:schemeClr val="accent3"/>
+              </a:solidFill>
+            </a:ln>
+          </p:spPr>
+          <p:style>
+            <a:lnRef idx="2">
+              <a:schemeClr val="accent1">
+                <a:shade val="50000"/>
+              </a:schemeClr>
+            </a:lnRef>
+            <a:fillRef idx="1">
+              <a:schemeClr val="accent1"/>
+            </a:fillRef>
+            <a:effectRef idx="0">
+              <a:schemeClr val="accent1"/>
+            </a:effectRef>
+            <a:fontRef idx="minor">
+              <a:schemeClr val="lt1"/>
+            </a:fontRef>
+          </p:style>
+          <p:txBody>
+            <a:bodyPr rtlCol="0" anchor="ctr"/>
+            <a:lstStyle/>
+            <a:p>
+              <a:pPr algn="ctr"/>
+              <a:endParaRPr lang="zh-CN" altLang="en-US" sz="1600"/>
+            </a:p>
+          </p:txBody>
+        </p:sp>
+      </p:grpSp>
+      <p:sp>
+        <p:nvSpPr>
+          <p:cNvPr id="15" name="矩形 14"/>
+          <p:cNvSpPr/>
+          <p:nvPr/>
+        </p:nvSpPr>
+        <p:spPr>
+          <a:xfrm rot="19068014">
+            <a:off x="2141973" y="2502488"/>
+            <a:ext cx="356825" cy="292096"/>
+          </a:xfrm>
+          <a:prstGeom prst="rect">
+            <a:avLst/>
+          </a:prstGeom>
+          <a:noFill/>
+          <a:ln w="38100">
+            <a:solidFill>
+              <a:srgbClr val="00B0F0"/>
+            </a:solidFill>
+          </a:ln>
+        </p:spPr>
+        <p:style>
+          <a:lnRef idx="2">
+            <a:schemeClr val="accent1">
+              <a:shade val="50000"/>
+            </a:schemeClr>
+          </a:lnRef>
+          <a:fillRef idx="1">
+            <a:schemeClr val="accent1"/>
+          </a:fillRef>
+          <a:effectRef idx="0">
+            <a:schemeClr val="accent1"/>
+          </a:effectRef>
+          <a:fontRef idx="minor">
+            <a:schemeClr val="lt1"/>
+          </a:fontRef>
+        </p:style>
+        <p:txBody>
+          <a:bodyPr rtlCol="0" anchor="ctr"/>
+          <a:lstStyle/>
+          <a:p>
+            <a:pPr algn="ctr"/>
+            <a:endParaRPr lang="zh-CN" altLang="en-US" sz="1600" dirty="0"/>
           </a:p>
         </p:txBody>
       </p:sp>
@@ -6369,7 +10085,7 @@
 </p:sld>
 </file>
 
-<file path=ppt/slides/slide8.xml><?xml version="1.0" encoding="utf-8"?>
+<file path=ppt/slides/slide9.xml><?xml version="1.0" encoding="utf-8"?>
 <p:sld xmlns:a="http://schemas.openxmlformats.org/drawingml/2006/main" xmlns:r="http://schemas.openxmlformats.org/officeDocument/2006/relationships" xmlns:p="http://schemas.openxmlformats.org/presentationml/2006/main">
   <p:cSld>
     <p:spTree>
@@ -6565,12 +10281,12 @@
           <a:lstStyle/>
           <a:p>
             <a:r>
-              <a:rPr lang="zh-CN" altLang="en-US" sz="4000" b="1" dirty="0">
+              <a:rPr lang="zh-CN" altLang="en-US" sz="4000" b="1" dirty="0" smtClean="0">
                 <a:solidFill>
                   <a:schemeClr val="bg1"/>
                 </a:solidFill>
               </a:rPr>
-              <a:t>注册页面</a:t>
+              <a:t>类图</a:t>
             </a:r>
             <a:endParaRPr lang="zh-CN" altLang="en-US" sz="4000" b="1" dirty="0">
               <a:solidFill>
@@ -6582,14 +10298,14 @@
       </p:sp>
       <p:pic>
         <p:nvPicPr>
-          <p:cNvPr id="3" name="图片 2"/>
+          <p:cNvPr id="2" name="图片 1"/>
           <p:cNvPicPr>
             <a:picLocks noChangeAspect="1"/>
           </p:cNvPicPr>
           <p:nvPr/>
         </p:nvPicPr>
         <p:blipFill>
-          <a:blip r:embed="rId1">
+          <a:blip r:embed="rId2">
             <a:extLst>
               <a:ext uri="{28A0092B-C50C-407E-A947-70E740481C1C}">
                 <a14:useLocalDpi xmlns:a14="http://schemas.microsoft.com/office/drawing/2010/main" val="0"/>
@@ -6602,274 +10318,14 @@
         </p:blipFill>
         <p:spPr>
           <a:xfrm>
-            <a:off x="1458000" y="1324800"/>
-            <a:ext cx="8158107" cy="5410800"/>
+            <a:off x="2148608" y="1057472"/>
+            <a:ext cx="7397173" cy="5525098"/>
           </a:xfrm>
           <a:prstGeom prst="rect">
             <a:avLst/>
           </a:prstGeom>
         </p:spPr>
       </p:pic>
-    </p:spTree>
-  </p:cSld>
-  <p:clrMapOvr>
-    <a:masterClrMapping/>
-  </p:clrMapOvr>
-  <p:transition spd="slow">
-    <p:wipe/>
-  </p:transition>
-</p:sld>
-</file>
-
-<file path=ppt/slides/slide9.xml><?xml version="1.0" encoding="utf-8"?>
-<p:sld xmlns:a="http://schemas.openxmlformats.org/drawingml/2006/main" xmlns:r="http://schemas.openxmlformats.org/officeDocument/2006/relationships" xmlns:p="http://schemas.openxmlformats.org/presentationml/2006/main">
-  <p:cSld>
-    <p:spTree>
-      <p:nvGrpSpPr>
-        <p:cNvPr id="1" name=""/>
-        <p:cNvGrpSpPr/>
-        <p:nvPr/>
-      </p:nvGrpSpPr>
-      <p:grpSpPr>
-        <a:xfrm>
-          <a:off x="0" y="0"/>
-          <a:ext cx="0" cy="0"/>
-          <a:chOff x="0" y="0"/>
-          <a:chExt cx="0" cy="0"/>
-        </a:xfrm>
-      </p:grpSpPr>
-      <p:pic>
-        <p:nvPicPr>
-          <p:cNvPr id="10" name="图片 9"/>
-          <p:cNvPicPr>
-            <a:picLocks noChangeAspect="1"/>
-          </p:cNvPicPr>
-          <p:nvPr/>
-        </p:nvPicPr>
-        <p:blipFill>
-          <a:blip r:embed="rId1">
-            <a:extLst>
-              <a:ext uri="{28A0092B-C50C-407E-A947-70E740481C1C}">
-                <a14:useLocalDpi xmlns:a14="http://schemas.microsoft.com/office/drawing/2010/main" val="0"/>
-              </a:ext>
-            </a:extLst>
-          </a:blip>
-          <a:stretch>
-            <a:fillRect/>
-          </a:stretch>
-        </p:blipFill>
-        <p:spPr>
-          <a:xfrm>
-            <a:off x="2819041" y="1333930"/>
-            <a:ext cx="6549246" cy="5239397"/>
-          </a:xfrm>
-          <a:prstGeom prst="rect">
-            <a:avLst/>
-          </a:prstGeom>
-        </p:spPr>
-      </p:pic>
-      <p:grpSp>
-        <p:nvGrpSpPr>
-          <p:cNvPr id="5" name="组合 4"/>
-          <p:cNvGrpSpPr/>
-          <p:nvPr/>
-        </p:nvGrpSpPr>
-        <p:grpSpPr>
-          <a:xfrm>
-            <a:off x="11063181" y="0"/>
-            <a:ext cx="1128819" cy="1057472"/>
-            <a:chOff x="11063181" y="0"/>
-            <a:chExt cx="1128819" cy="1057472"/>
-          </a:xfrm>
-        </p:grpSpPr>
-        <p:sp>
-          <p:nvSpPr>
-            <p:cNvPr id="6" name="矩形 5"/>
-            <p:cNvSpPr/>
-            <p:nvPr/>
-          </p:nvSpPr>
-          <p:spPr>
-            <a:xfrm>
-              <a:off x="11381387" y="246204"/>
-              <a:ext cx="492407" cy="492407"/>
-            </a:xfrm>
-            <a:prstGeom prst="rect">
-              <a:avLst/>
-            </a:prstGeom>
-            <a:noFill/>
-            <a:ln w="38100">
-              <a:solidFill>
-                <a:srgbClr val="DA2B89"/>
-              </a:solidFill>
-            </a:ln>
-          </p:spPr>
-          <p:style>
-            <a:lnRef idx="2">
-              <a:schemeClr val="accent1">
-                <a:shade val="50000"/>
-              </a:schemeClr>
-            </a:lnRef>
-            <a:fillRef idx="1">
-              <a:schemeClr val="accent1"/>
-            </a:fillRef>
-            <a:effectRef idx="0">
-              <a:schemeClr val="accent1"/>
-            </a:effectRef>
-            <a:fontRef idx="minor">
-              <a:schemeClr val="lt1"/>
-            </a:fontRef>
-          </p:style>
-          <p:txBody>
-            <a:bodyPr rtlCol="0" anchor="ctr"/>
-            <a:lstStyle/>
-            <a:p>
-              <a:pPr algn="ctr"/>
-              <a:endParaRPr lang="zh-CN" altLang="en-US"/>
-            </a:p>
-          </p:txBody>
-        </p:sp>
-        <p:sp>
-          <p:nvSpPr>
-            <p:cNvPr id="7" name="矩形 6"/>
-            <p:cNvSpPr/>
-            <p:nvPr/>
-          </p:nvSpPr>
-          <p:spPr>
-            <a:xfrm>
-              <a:off x="11699593" y="0"/>
-              <a:ext cx="492407" cy="492407"/>
-            </a:xfrm>
-            <a:prstGeom prst="rect">
-              <a:avLst/>
-            </a:prstGeom>
-            <a:noFill/>
-            <a:ln w="38100">
-              <a:solidFill>
-                <a:schemeClr val="tx2">
-                  <a:lumMod val="60000"/>
-                  <a:lumOff val="40000"/>
-                </a:schemeClr>
-              </a:solidFill>
-            </a:ln>
-          </p:spPr>
-          <p:style>
-            <a:lnRef idx="2">
-              <a:schemeClr val="accent1">
-                <a:shade val="50000"/>
-              </a:schemeClr>
-            </a:lnRef>
-            <a:fillRef idx="1">
-              <a:schemeClr val="accent1"/>
-            </a:fillRef>
-            <a:effectRef idx="0">
-              <a:schemeClr val="accent1"/>
-            </a:effectRef>
-            <a:fontRef idx="minor">
-              <a:schemeClr val="lt1"/>
-            </a:fontRef>
-          </p:style>
-          <p:txBody>
-            <a:bodyPr rtlCol="0" anchor="ctr"/>
-            <a:lstStyle/>
-            <a:p>
-              <a:pPr algn="ctr"/>
-              <a:endParaRPr lang="zh-CN" altLang="en-US"/>
-            </a:p>
-          </p:txBody>
-        </p:sp>
-        <p:sp>
-          <p:nvSpPr>
-            <p:cNvPr id="9" name="矩形 8"/>
-            <p:cNvSpPr/>
-            <p:nvPr/>
-          </p:nvSpPr>
-          <p:spPr>
-            <a:xfrm>
-              <a:off x="11063181" y="565065"/>
-              <a:ext cx="492407" cy="492407"/>
-            </a:xfrm>
-            <a:prstGeom prst="rect">
-              <a:avLst/>
-            </a:prstGeom>
-            <a:noFill/>
-            <a:ln w="38100">
-              <a:solidFill>
-                <a:schemeClr val="accent6"/>
-              </a:solidFill>
-            </a:ln>
-          </p:spPr>
-          <p:style>
-            <a:lnRef idx="2">
-              <a:schemeClr val="accent1">
-                <a:shade val="50000"/>
-              </a:schemeClr>
-            </a:lnRef>
-            <a:fillRef idx="1">
-              <a:schemeClr val="accent1"/>
-            </a:fillRef>
-            <a:effectRef idx="0">
-              <a:schemeClr val="accent1"/>
-            </a:effectRef>
-            <a:fontRef idx="minor">
-              <a:schemeClr val="lt1"/>
-            </a:fontRef>
-          </p:style>
-          <p:txBody>
-            <a:bodyPr rtlCol="0" anchor="ctr"/>
-            <a:lstStyle/>
-            <a:p>
-              <a:pPr algn="ctr"/>
-              <a:endParaRPr lang="zh-CN" altLang="en-US"/>
-            </a:p>
-          </p:txBody>
-        </p:sp>
-      </p:grpSp>
-      <p:sp>
-        <p:nvSpPr>
-          <p:cNvPr id="12" name="文本框 11"/>
-          <p:cNvSpPr txBox="1"/>
-          <p:nvPr/>
-        </p:nvSpPr>
-        <p:spPr>
-          <a:xfrm>
-            <a:off x="2579587" y="349586"/>
-            <a:ext cx="6302207" cy="707886"/>
-          </a:xfrm>
-          <a:prstGeom prst="rect">
-            <a:avLst/>
-          </a:prstGeom>
-          <a:noFill/>
-        </p:spPr>
-        <p:txBody>
-          <a:bodyPr wrap="square" rtlCol="0">
-            <a:spAutoFit/>
-          </a:bodyPr>
-          <a:lstStyle/>
-          <a:p>
-            <a:r>
-              <a:rPr lang="zh-CN" altLang="en-US" sz="4000" b="1" dirty="0">
-                <a:solidFill>
-                  <a:schemeClr val="bg1"/>
-                </a:solidFill>
-              </a:rPr>
-              <a:t>美食</a:t>
-            </a:r>
-            <a:r>
-              <a:rPr lang="en-US" altLang="zh-CN" sz="4000" b="1" dirty="0">
-                <a:solidFill>
-                  <a:schemeClr val="bg1"/>
-                </a:solidFill>
-              </a:rPr>
-              <a:t>list</a:t>
-            </a:r>
-            <a:endParaRPr lang="zh-CN" altLang="en-US" sz="4000" b="1" dirty="0">
-              <a:solidFill>
-                <a:schemeClr val="bg1"/>
-              </a:solidFill>
-            </a:endParaRPr>
-          </a:p>
-        </p:txBody>
-      </p:sp>
     </p:spTree>
   </p:cSld>
   <p:clrMapOvr>

--- a/应用建模.pptx
+++ b/应用建模.pptx
@@ -5,7 +5,7 @@
     <p:sldMasterId id="2147483648" r:id="rId1"/>
   </p:sldMasterIdLst>
   <p:notesMasterIdLst>
-    <p:notesMasterId r:id="rId17"/>
+    <p:notesMasterId r:id="rId18"/>
   </p:notesMasterIdLst>
   <p:sldIdLst>
     <p:sldId id="259" r:id="rId2"/>
@@ -23,6 +23,7 @@
     <p:sldId id="260" r:id="rId14"/>
     <p:sldId id="262" r:id="rId15"/>
     <p:sldId id="263" r:id="rId16"/>
+    <p:sldId id="278" r:id="rId17"/>
   </p:sldIdLst>
   <p:sldSz cx="12192000" cy="6858000"/>
   <p:notesSz cx="6858000" cy="9144000"/>
@@ -6932,36 +6933,6 @@
           <a:chExt cx="0" cy="0"/>
         </a:xfrm>
       </p:grpSpPr>
-      <p:pic>
-        <p:nvPicPr>
-          <p:cNvPr id="10" name="图片 9"/>
-          <p:cNvPicPr>
-            <a:picLocks noChangeAspect="1"/>
-          </p:cNvPicPr>
-          <p:nvPr/>
-        </p:nvPicPr>
-        <p:blipFill>
-          <a:blip r:embed="rId2">
-            <a:extLst>
-              <a:ext uri="{28A0092B-C50C-407E-A947-70E740481C1C}">
-                <a14:useLocalDpi xmlns:a14="http://schemas.microsoft.com/office/drawing/2010/main" val="0"/>
-              </a:ext>
-            </a:extLst>
-          </a:blip>
-          <a:stretch>
-            <a:fillRect/>
-          </a:stretch>
-        </p:blipFill>
-        <p:spPr>
-          <a:xfrm>
-            <a:off x="2819041" y="1333930"/>
-            <a:ext cx="6549246" cy="5239397"/>
-          </a:xfrm>
-          <a:prstGeom prst="rect">
-            <a:avLst/>
-          </a:prstGeom>
-        </p:spPr>
-      </p:pic>
       <p:grpSp>
         <p:nvGrpSpPr>
           <p:cNvPr id="5" name="组合 4"/>
@@ -7141,7 +7112,7 @@
           <a:lstStyle/>
           <a:p>
             <a:r>
-              <a:rPr lang="zh-CN" altLang="en-US" sz="4000" b="1" dirty="0">
+              <a:rPr lang="zh-CN" altLang="en-US" sz="4000" b="1" dirty="0" smtClean="0">
                 <a:solidFill>
                   <a:schemeClr val="bg1"/>
                 </a:solidFill>
@@ -7149,7 +7120,7 @@
               <a:t>美食</a:t>
             </a:r>
             <a:r>
-              <a:rPr lang="en-US" altLang="zh-CN" sz="4000" b="1" dirty="0">
+              <a:rPr lang="en-US" altLang="zh-CN" sz="4000" b="1" dirty="0" smtClean="0">
                 <a:solidFill>
                   <a:schemeClr val="bg1"/>
                 </a:solidFill>
@@ -7164,7 +7135,302 @@
           </a:p>
         </p:txBody>
       </p:sp>
+      <p:pic>
+        <p:nvPicPr>
+          <p:cNvPr id="2" name="图片 1"/>
+          <p:cNvPicPr>
+            <a:picLocks noChangeAspect="1"/>
+          </p:cNvPicPr>
+          <p:nvPr/>
+        </p:nvPicPr>
+        <p:blipFill>
+          <a:blip r:embed="rId2">
+            <a:extLst>
+              <a:ext uri="{28A0092B-C50C-407E-A947-70E740481C1C}">
+                <a14:useLocalDpi xmlns:a14="http://schemas.microsoft.com/office/drawing/2010/main" val="0"/>
+              </a:ext>
+            </a:extLst>
+          </a:blip>
+          <a:stretch>
+            <a:fillRect/>
+          </a:stretch>
+        </p:blipFill>
+        <p:spPr>
+          <a:xfrm>
+            <a:off x="2579587" y="1211437"/>
+            <a:ext cx="6713148" cy="5370518"/>
+          </a:xfrm>
+          <a:prstGeom prst="rect">
+            <a:avLst/>
+          </a:prstGeom>
+        </p:spPr>
+      </p:pic>
     </p:spTree>
+  </p:cSld>
+  <p:clrMapOvr>
+    <a:masterClrMapping/>
+  </p:clrMapOvr>
+  <p:transition spd="slow">
+    <p:wipe/>
+  </p:transition>
+</p:sld>
+</file>
+
+<file path=ppt/slides/slide16.xml><?xml version="1.0" encoding="utf-8"?>
+<p:sld xmlns:a="http://schemas.openxmlformats.org/drawingml/2006/main" xmlns:r="http://schemas.openxmlformats.org/officeDocument/2006/relationships" xmlns:p="http://schemas.openxmlformats.org/presentationml/2006/main">
+  <p:cSld>
+    <p:spTree>
+      <p:nvGrpSpPr>
+        <p:cNvPr id="1" name=""/>
+        <p:cNvGrpSpPr/>
+        <p:nvPr/>
+      </p:nvGrpSpPr>
+      <p:grpSpPr>
+        <a:xfrm>
+          <a:off x="0" y="0"/>
+          <a:ext cx="0" cy="0"/>
+          <a:chOff x="0" y="0"/>
+          <a:chExt cx="0" cy="0"/>
+        </a:xfrm>
+      </p:grpSpPr>
+      <p:grpSp>
+        <p:nvGrpSpPr>
+          <p:cNvPr id="5" name="组合 4"/>
+          <p:cNvGrpSpPr/>
+          <p:nvPr/>
+        </p:nvGrpSpPr>
+        <p:grpSpPr>
+          <a:xfrm>
+            <a:off x="11063181" y="0"/>
+            <a:ext cx="1128819" cy="1057472"/>
+            <a:chOff x="11063181" y="0"/>
+            <a:chExt cx="1128819" cy="1057472"/>
+          </a:xfrm>
+        </p:grpSpPr>
+        <p:sp>
+          <p:nvSpPr>
+            <p:cNvPr id="6" name="矩形 5"/>
+            <p:cNvSpPr/>
+            <p:nvPr/>
+          </p:nvSpPr>
+          <p:spPr>
+            <a:xfrm>
+              <a:off x="11381387" y="246204"/>
+              <a:ext cx="492407" cy="492407"/>
+            </a:xfrm>
+            <a:prstGeom prst="rect">
+              <a:avLst/>
+            </a:prstGeom>
+            <a:noFill/>
+            <a:ln w="38100">
+              <a:solidFill>
+                <a:srgbClr val="DA2B89"/>
+              </a:solidFill>
+            </a:ln>
+          </p:spPr>
+          <p:style>
+            <a:lnRef idx="2">
+              <a:schemeClr val="accent1">
+                <a:shade val="50000"/>
+              </a:schemeClr>
+            </a:lnRef>
+            <a:fillRef idx="1">
+              <a:schemeClr val="accent1"/>
+            </a:fillRef>
+            <a:effectRef idx="0">
+              <a:schemeClr val="accent1"/>
+            </a:effectRef>
+            <a:fontRef idx="minor">
+              <a:schemeClr val="lt1"/>
+            </a:fontRef>
+          </p:style>
+          <p:txBody>
+            <a:bodyPr rtlCol="0" anchor="ctr"/>
+            <a:lstStyle/>
+            <a:p>
+              <a:pPr algn="ctr"/>
+              <a:endParaRPr lang="zh-CN" altLang="en-US"/>
+            </a:p>
+          </p:txBody>
+        </p:sp>
+        <p:sp>
+          <p:nvSpPr>
+            <p:cNvPr id="7" name="矩形 6"/>
+            <p:cNvSpPr/>
+            <p:nvPr/>
+          </p:nvSpPr>
+          <p:spPr>
+            <a:xfrm>
+              <a:off x="11699593" y="0"/>
+              <a:ext cx="492407" cy="492407"/>
+            </a:xfrm>
+            <a:prstGeom prst="rect">
+              <a:avLst/>
+            </a:prstGeom>
+            <a:noFill/>
+            <a:ln w="38100">
+              <a:solidFill>
+                <a:schemeClr val="tx2">
+                  <a:lumMod val="60000"/>
+                  <a:lumOff val="40000"/>
+                </a:schemeClr>
+              </a:solidFill>
+            </a:ln>
+          </p:spPr>
+          <p:style>
+            <a:lnRef idx="2">
+              <a:schemeClr val="accent1">
+                <a:shade val="50000"/>
+              </a:schemeClr>
+            </a:lnRef>
+            <a:fillRef idx="1">
+              <a:schemeClr val="accent1"/>
+            </a:fillRef>
+            <a:effectRef idx="0">
+              <a:schemeClr val="accent1"/>
+            </a:effectRef>
+            <a:fontRef idx="minor">
+              <a:schemeClr val="lt1"/>
+            </a:fontRef>
+          </p:style>
+          <p:txBody>
+            <a:bodyPr rtlCol="0" anchor="ctr"/>
+            <a:lstStyle/>
+            <a:p>
+              <a:pPr algn="ctr"/>
+              <a:endParaRPr lang="zh-CN" altLang="en-US"/>
+            </a:p>
+          </p:txBody>
+        </p:sp>
+        <p:sp>
+          <p:nvSpPr>
+            <p:cNvPr id="9" name="矩形 8"/>
+            <p:cNvSpPr/>
+            <p:nvPr/>
+          </p:nvSpPr>
+          <p:spPr>
+            <a:xfrm>
+              <a:off x="11063181" y="565065"/>
+              <a:ext cx="492407" cy="492407"/>
+            </a:xfrm>
+            <a:prstGeom prst="rect">
+              <a:avLst/>
+            </a:prstGeom>
+            <a:noFill/>
+            <a:ln w="38100">
+              <a:solidFill>
+                <a:schemeClr val="accent6"/>
+              </a:solidFill>
+            </a:ln>
+          </p:spPr>
+          <p:style>
+            <a:lnRef idx="2">
+              <a:schemeClr val="accent1">
+                <a:shade val="50000"/>
+              </a:schemeClr>
+            </a:lnRef>
+            <a:fillRef idx="1">
+              <a:schemeClr val="accent1"/>
+            </a:fillRef>
+            <a:effectRef idx="0">
+              <a:schemeClr val="accent1"/>
+            </a:effectRef>
+            <a:fontRef idx="minor">
+              <a:schemeClr val="lt1"/>
+            </a:fontRef>
+          </p:style>
+          <p:txBody>
+            <a:bodyPr rtlCol="0" anchor="ctr"/>
+            <a:lstStyle/>
+            <a:p>
+              <a:pPr algn="ctr"/>
+              <a:endParaRPr lang="zh-CN" altLang="en-US"/>
+            </a:p>
+          </p:txBody>
+        </p:sp>
+      </p:grpSp>
+      <p:sp>
+        <p:nvSpPr>
+          <p:cNvPr id="12" name="文本框 11"/>
+          <p:cNvSpPr txBox="1"/>
+          <p:nvPr/>
+        </p:nvSpPr>
+        <p:spPr>
+          <a:xfrm>
+            <a:off x="2579587" y="349586"/>
+            <a:ext cx="6302207" cy="707886"/>
+          </a:xfrm>
+          <a:prstGeom prst="rect">
+            <a:avLst/>
+          </a:prstGeom>
+          <a:noFill/>
+        </p:spPr>
+        <p:txBody>
+          <a:bodyPr wrap="square" rtlCol="0">
+            <a:spAutoFit/>
+          </a:bodyPr>
+          <a:lstStyle/>
+          <a:p>
+            <a:r>
+              <a:rPr lang="zh-CN" altLang="en-US" sz="4000" b="1" dirty="0">
+                <a:solidFill>
+                  <a:schemeClr val="bg1"/>
+                </a:solidFill>
+              </a:rPr>
+              <a:t>景点</a:t>
+            </a:r>
+            <a:r>
+              <a:rPr lang="en-US" altLang="zh-CN" sz="4000" b="1" dirty="0" smtClean="0">
+                <a:solidFill>
+                  <a:schemeClr val="bg1"/>
+                </a:solidFill>
+              </a:rPr>
+              <a:t>list</a:t>
+            </a:r>
+            <a:endParaRPr lang="zh-CN" altLang="en-US" sz="4000" b="1" dirty="0">
+              <a:solidFill>
+                <a:schemeClr val="bg1"/>
+              </a:solidFill>
+            </a:endParaRPr>
+          </a:p>
+        </p:txBody>
+      </p:sp>
+      <p:pic>
+        <p:nvPicPr>
+          <p:cNvPr id="2" name="图片 1"/>
+          <p:cNvPicPr>
+            <a:picLocks noChangeAspect="1"/>
+          </p:cNvPicPr>
+          <p:nvPr/>
+        </p:nvPicPr>
+        <p:blipFill>
+          <a:blip r:embed="rId2">
+            <a:extLst>
+              <a:ext uri="{28A0092B-C50C-407E-A947-70E740481C1C}">
+                <a14:useLocalDpi xmlns:a14="http://schemas.microsoft.com/office/drawing/2010/main" val="0"/>
+              </a:ext>
+            </a:extLst>
+          </a:blip>
+          <a:stretch>
+            <a:fillRect/>
+          </a:stretch>
+        </p:blipFill>
+        <p:spPr>
+          <a:xfrm>
+            <a:off x="2706898" y="1225239"/>
+            <a:ext cx="6437103" cy="5149682"/>
+          </a:xfrm>
+          <a:prstGeom prst="rect">
+            <a:avLst/>
+          </a:prstGeom>
+        </p:spPr>
+      </p:pic>
+    </p:spTree>
+    <p:extLst>
+      <p:ext uri="{BB962C8B-B14F-4D97-AF65-F5344CB8AC3E}">
+        <p14:creationId xmlns:p14="http://schemas.microsoft.com/office/powerpoint/2010/main" val="2221975425"/>
+      </p:ext>
+    </p:extLst>
   </p:cSld>
   <p:clrMapOvr>
     <a:masterClrMapping/>
